--- a/Documentation/Storyboards/Aphelion.Meerkat.IndicatorCapture.v002.pptx
+++ b/Documentation/Storyboards/Aphelion.Meerkat.IndicatorCapture.v002.pptx
@@ -216,7 +216,7 @@
             <a:fld id="{CE74A6EE-E360-4005-A696-0C73C91B5E4F}" type="datetimeFigureOut">
               <a:rPr lang="en-US" smtClean="0"/>
               <a:pPr/>
-              <a:t>4/10/2014</a:t>
+              <a:t>4/17/2014</a:t>
             </a:fld>
             <a:endParaRPr lang="en-US"/>
           </a:p>
@@ -989,11 +989,7 @@
             </a:r>
             <a:r>
               <a:rPr lang="en-US" baseline="0" dirty="0" smtClean="0"/>
-              <a:t> rollup in some ways is similar to version rollup, but has some quirks, as in this case only an actual rolled up value can be used</a:t>
-            </a:r>
-            <a:r>
-              <a:rPr lang="en-US" baseline="0" dirty="0" smtClean="0"/>
-              <a:t>. By rolled up, this means that a SUM, Average, MAX, or Location Population (community size) is used, and can be overridden. Location rollups will match the version they roll up</a:t>
+              <a:t> rollup in some ways is similar to version rollup, but has some quirks, as in this case only an actual rolled up value can be used. By rolled up, this means that a SUM, Average, MAX, or Location Population (community size) is used, and can be overridden. Location rollups will match the version they roll up</a:t>
             </a:r>
             <a:endParaRPr lang="en-US" dirty="0"/>
           </a:p>
@@ -1534,7 +1530,7 @@
             <a:fld id="{AD33D0BB-003F-42B4-BF7A-CD36EAA9C443}" type="datetimeFigureOut">
               <a:rPr lang="en-US" smtClean="0"/>
               <a:pPr/>
-              <a:t>4/10/2014</a:t>
+              <a:t>4/17/2014</a:t>
             </a:fld>
             <a:endParaRPr lang="en-US"/>
           </a:p>
@@ -1713,7 +1709,7 @@
             <a:fld id="{AD33D0BB-003F-42B4-BF7A-CD36EAA9C443}" type="datetimeFigureOut">
               <a:rPr lang="en-US" smtClean="0"/>
               <a:pPr/>
-              <a:t>4/10/2014</a:t>
+              <a:t>4/17/2014</a:t>
             </a:fld>
             <a:endParaRPr lang="en-US"/>
           </a:p>
@@ -1895,7 +1891,7 @@
             <a:fld id="{AD33D0BB-003F-42B4-BF7A-CD36EAA9C443}" type="datetimeFigureOut">
               <a:rPr lang="en-US" smtClean="0"/>
               <a:pPr/>
-              <a:t>4/10/2014</a:t>
+              <a:t>4/17/2014</a:t>
             </a:fld>
             <a:endParaRPr lang="en-US"/>
           </a:p>
@@ -2067,7 +2063,7 @@
             <a:fld id="{AD33D0BB-003F-42B4-BF7A-CD36EAA9C443}" type="datetimeFigureOut">
               <a:rPr lang="en-US" smtClean="0"/>
               <a:pPr/>
-              <a:t>4/10/2014</a:t>
+              <a:t>4/17/2014</a:t>
             </a:fld>
             <a:endParaRPr lang="en-US"/>
           </a:p>
@@ -2315,7 +2311,7 @@
             <a:fld id="{AD33D0BB-003F-42B4-BF7A-CD36EAA9C443}" type="datetimeFigureOut">
               <a:rPr lang="en-US" smtClean="0"/>
               <a:pPr/>
-              <a:t>4/10/2014</a:t>
+              <a:t>4/17/2014</a:t>
             </a:fld>
             <a:endParaRPr lang="en-US"/>
           </a:p>
@@ -2605,7 +2601,7 @@
             <a:fld id="{AD33D0BB-003F-42B4-BF7A-CD36EAA9C443}" type="datetimeFigureOut">
               <a:rPr lang="en-US" smtClean="0"/>
               <a:pPr/>
-              <a:t>4/10/2014</a:t>
+              <a:t>4/17/2014</a:t>
             </a:fld>
             <a:endParaRPr lang="en-US"/>
           </a:p>
@@ -3029,7 +3025,7 @@
             <a:fld id="{AD33D0BB-003F-42B4-BF7A-CD36EAA9C443}" type="datetimeFigureOut">
               <a:rPr lang="en-US" smtClean="0"/>
               <a:pPr/>
-              <a:t>4/10/2014</a:t>
+              <a:t>4/17/2014</a:t>
             </a:fld>
             <a:endParaRPr lang="en-US"/>
           </a:p>
@@ -3149,7 +3145,7 @@
             <a:fld id="{AD33D0BB-003F-42B4-BF7A-CD36EAA9C443}" type="datetimeFigureOut">
               <a:rPr lang="en-US" smtClean="0"/>
               <a:pPr/>
-              <a:t>4/10/2014</a:t>
+              <a:t>4/17/2014</a:t>
             </a:fld>
             <a:endParaRPr lang="en-US"/>
           </a:p>
@@ -3246,7 +3242,7 @@
             <a:fld id="{AD33D0BB-003F-42B4-BF7A-CD36EAA9C443}" type="datetimeFigureOut">
               <a:rPr lang="en-US" smtClean="0"/>
               <a:pPr/>
-              <a:t>4/10/2014</a:t>
+              <a:t>4/17/2014</a:t>
             </a:fld>
             <a:endParaRPr lang="en-US"/>
           </a:p>
@@ -3525,7 +3521,7 @@
             <a:fld id="{AD33D0BB-003F-42B4-BF7A-CD36EAA9C443}" type="datetimeFigureOut">
               <a:rPr lang="en-US" smtClean="0"/>
               <a:pPr/>
-              <a:t>4/10/2014</a:t>
+              <a:t>4/17/2014</a:t>
             </a:fld>
             <a:endParaRPr lang="en-US"/>
           </a:p>
@@ -3784,7 +3780,7 @@
             <a:fld id="{AD33D0BB-003F-42B4-BF7A-CD36EAA9C443}" type="datetimeFigureOut">
               <a:rPr lang="en-US" smtClean="0"/>
               <a:pPr/>
-              <a:t>4/10/2014</a:t>
+              <a:t>4/17/2014</a:t>
             </a:fld>
             <a:endParaRPr lang="en-US"/>
           </a:p>
@@ -3999,7 +3995,7 @@
             <a:fld id="{AD33D0BB-003F-42B4-BF7A-CD36EAA9C443}" type="datetimeFigureOut">
               <a:rPr lang="en-US" smtClean="0"/>
               <a:pPr/>
-              <a:t>4/10/2014</a:t>
+              <a:t>4/17/2014</a:t>
             </a:fld>
             <a:endParaRPr lang="en-US"/>
           </a:p>
@@ -10494,14 +10490,7 @@
                 <a:latin typeface="Segoe UI" pitchFamily="34" charset="0"/>
                 <a:cs typeface="Segoe UI" pitchFamily="34" charset="0"/>
               </a:rPr>
-              <a:t>Building was delayed because of </a:t>
-            </a:r>
-            <a:r>
-              <a:rPr lang="en-US" sz="1200" dirty="0" smtClean="0">
-                <a:latin typeface="Segoe UI" pitchFamily="34" charset="0"/>
-                <a:cs typeface="Segoe UI" pitchFamily="34" charset="0"/>
-              </a:rPr>
-              <a:t>flooding</a:t>
+              <a:t>Building was delayed because of flooding</a:t>
             </a:r>
             <a:endParaRPr lang="en-US" sz="1200" dirty="0" smtClean="0">
               <a:solidFill>
@@ -28787,14 +28776,6 @@
               </a:rPr>
               <a:t>Locations with data</a:t>
             </a:r>
-            <a:endParaRPr lang="en-US" sz="1200" dirty="0" smtClean="0">
-              <a:solidFill>
-                <a:srgbClr val="000000"/>
-              </a:solidFill>
-              <a:latin typeface="Segoe UI" pitchFamily="34" charset="0"/>
-              <a:ea typeface="Segoe UI" pitchFamily="34" charset="0"/>
-              <a:cs typeface="Segoe UI" pitchFamily="34" charset="0"/>
-            </a:endParaRPr>
           </a:p>
         </p:txBody>
       </p:sp>
@@ -28835,14 +28816,6 @@
               </a:rPr>
               <a:t>14</a:t>
             </a:r>
-            <a:endParaRPr lang="en-US" sz="1200" dirty="0" smtClean="0">
-              <a:solidFill>
-                <a:srgbClr val="000000"/>
-              </a:solidFill>
-              <a:latin typeface="Segoe UI" pitchFamily="34" charset="0"/>
-              <a:ea typeface="Segoe UI" pitchFamily="34" charset="0"/>
-              <a:cs typeface="Segoe UI" pitchFamily="34" charset="0"/>
-            </a:endParaRPr>
           </a:p>
         </p:txBody>
       </p:sp>
@@ -28883,14 +28856,6 @@
               </a:rPr>
               <a:t>Total Child Locations</a:t>
             </a:r>
-            <a:endParaRPr lang="en-US" sz="1200" dirty="0" smtClean="0">
-              <a:solidFill>
-                <a:srgbClr val="000000"/>
-              </a:solidFill>
-              <a:latin typeface="Segoe UI" pitchFamily="34" charset="0"/>
-              <a:ea typeface="Segoe UI" pitchFamily="34" charset="0"/>
-              <a:cs typeface="Segoe UI" pitchFamily="34" charset="0"/>
-            </a:endParaRPr>
           </a:p>
         </p:txBody>
       </p:sp>
@@ -28931,14 +28896,6 @@
               </a:rPr>
               <a:t>14</a:t>
             </a:r>
-            <a:endParaRPr lang="en-US" sz="1200" dirty="0" smtClean="0">
-              <a:solidFill>
-                <a:srgbClr val="000000"/>
-              </a:solidFill>
-              <a:latin typeface="Segoe UI" pitchFamily="34" charset="0"/>
-              <a:ea typeface="Segoe UI" pitchFamily="34" charset="0"/>
-              <a:cs typeface="Segoe UI" pitchFamily="34" charset="0"/>
-            </a:endParaRPr>
           </a:p>
         </p:txBody>
       </p:sp>
@@ -28979,14 +28936,6 @@
               </a:rPr>
               <a:t>Location Population</a:t>
             </a:r>
-            <a:endParaRPr lang="en-US" sz="1200" dirty="0" smtClean="0">
-              <a:solidFill>
-                <a:srgbClr val="000000"/>
-              </a:solidFill>
-              <a:latin typeface="Segoe UI" pitchFamily="34" charset="0"/>
-              <a:ea typeface="Segoe UI" pitchFamily="34" charset="0"/>
-              <a:cs typeface="Segoe UI" pitchFamily="34" charset="0"/>
-            </a:endParaRPr>
           </a:p>
         </p:txBody>
       </p:sp>
@@ -29027,14 +28976,6 @@
               </a:rPr>
               <a:t>5000</a:t>
             </a:r>
-            <a:endParaRPr lang="en-US" sz="1200" dirty="0" smtClean="0">
-              <a:solidFill>
-                <a:srgbClr val="000000"/>
-              </a:solidFill>
-              <a:latin typeface="Segoe UI" pitchFamily="34" charset="0"/>
-              <a:ea typeface="Segoe UI" pitchFamily="34" charset="0"/>
-              <a:cs typeface="Segoe UI" pitchFamily="34" charset="0"/>
-            </a:endParaRPr>
           </a:p>
         </p:txBody>
       </p:sp>
@@ -29151,14 +29092,6 @@
               </a:rPr>
               <a:t>Maximum value</a:t>
             </a:r>
-            <a:endParaRPr lang="en-US" sz="1200" dirty="0" smtClean="0">
-              <a:solidFill>
-                <a:srgbClr val="000000"/>
-              </a:solidFill>
-              <a:latin typeface="Segoe UI" pitchFamily="34" charset="0"/>
-              <a:ea typeface="Segoe UI" pitchFamily="34" charset="0"/>
-              <a:cs typeface="Segoe UI" pitchFamily="34" charset="0"/>
-            </a:endParaRPr>
           </a:p>
         </p:txBody>
       </p:sp>
@@ -29199,14 +29132,6 @@
               </a:rPr>
               <a:t>3500</a:t>
             </a:r>
-            <a:endParaRPr lang="en-US" sz="1200" dirty="0" smtClean="0">
-              <a:solidFill>
-                <a:srgbClr val="000000"/>
-              </a:solidFill>
-              <a:latin typeface="Segoe UI" pitchFamily="34" charset="0"/>
-              <a:ea typeface="Segoe UI" pitchFamily="34" charset="0"/>
-              <a:cs typeface="Segoe UI" pitchFamily="34" charset="0"/>
-            </a:endParaRPr>
           </a:p>
         </p:txBody>
       </p:sp>
@@ -29323,14 +29248,6 @@
               </a:rPr>
               <a:t>Average value</a:t>
             </a:r>
-            <a:endParaRPr lang="en-US" sz="1200" dirty="0" smtClean="0">
-              <a:solidFill>
-                <a:srgbClr val="000000"/>
-              </a:solidFill>
-              <a:latin typeface="Segoe UI" pitchFamily="34" charset="0"/>
-              <a:ea typeface="Segoe UI" pitchFamily="34" charset="0"/>
-              <a:cs typeface="Segoe UI" pitchFamily="34" charset="0"/>
-            </a:endParaRPr>
           </a:p>
         </p:txBody>
       </p:sp>
@@ -29371,14 +29288,6 @@
               </a:rPr>
               <a:t>2200</a:t>
             </a:r>
-            <a:endParaRPr lang="en-US" sz="1200" dirty="0" smtClean="0">
-              <a:solidFill>
-                <a:srgbClr val="000000"/>
-              </a:solidFill>
-              <a:latin typeface="Segoe UI" pitchFamily="34" charset="0"/>
-              <a:ea typeface="Segoe UI" pitchFamily="34" charset="0"/>
-              <a:cs typeface="Segoe UI" pitchFamily="34" charset="0"/>
-            </a:endParaRPr>
           </a:p>
         </p:txBody>
       </p:sp>
@@ -29495,14 +29404,6 @@
               </a:rPr>
               <a:t>Sum Value</a:t>
             </a:r>
-            <a:endParaRPr lang="en-US" sz="1200" dirty="0" smtClean="0">
-              <a:solidFill>
-                <a:srgbClr val="000000"/>
-              </a:solidFill>
-              <a:latin typeface="Segoe UI" pitchFamily="34" charset="0"/>
-              <a:ea typeface="Segoe UI" pitchFamily="34" charset="0"/>
-              <a:cs typeface="Segoe UI" pitchFamily="34" charset="0"/>
-            </a:endParaRPr>
           </a:p>
         </p:txBody>
       </p:sp>
@@ -29543,14 +29444,6 @@
               </a:rPr>
               <a:t>20800</a:t>
             </a:r>
-            <a:endParaRPr lang="en-US" sz="1200" dirty="0" smtClean="0">
-              <a:solidFill>
-                <a:srgbClr val="000000"/>
-              </a:solidFill>
-              <a:latin typeface="Segoe UI" pitchFamily="34" charset="0"/>
-              <a:ea typeface="Segoe UI" pitchFamily="34" charset="0"/>
-              <a:cs typeface="Segoe UI" pitchFamily="34" charset="0"/>
-            </a:endParaRPr>
           </a:p>
         </p:txBody>
       </p:sp>
@@ -30206,11 +30099,6 @@
                 </a:rPr>
                 <a:t>Override</a:t>
               </a:r>
-              <a:endParaRPr lang="en-US" sz="1200" dirty="0" smtClean="0">
-                <a:latin typeface="Segoe UI" pitchFamily="34" charset="0"/>
-                <a:ea typeface="Segoe UI" pitchFamily="34" charset="0"/>
-                <a:cs typeface="Segoe UI" pitchFamily="34" charset="0"/>
-              </a:endParaRPr>
             </a:p>
           </p:txBody>
         </p:sp>
@@ -34088,14 +33976,6 @@
               </a:rPr>
               <a:t>Locations with data</a:t>
             </a:r>
-            <a:endParaRPr lang="en-US" sz="1200" dirty="0" smtClean="0">
-              <a:solidFill>
-                <a:srgbClr val="000000"/>
-              </a:solidFill>
-              <a:latin typeface="Segoe UI" pitchFamily="34" charset="0"/>
-              <a:ea typeface="Segoe UI" pitchFamily="34" charset="0"/>
-              <a:cs typeface="Segoe UI" pitchFamily="34" charset="0"/>
-            </a:endParaRPr>
           </a:p>
         </p:txBody>
       </p:sp>
@@ -34136,14 +34016,6 @@
               </a:rPr>
               <a:t>14</a:t>
             </a:r>
-            <a:endParaRPr lang="en-US" sz="1200" dirty="0" smtClean="0">
-              <a:solidFill>
-                <a:srgbClr val="000000"/>
-              </a:solidFill>
-              <a:latin typeface="Segoe UI" pitchFamily="34" charset="0"/>
-              <a:ea typeface="Segoe UI" pitchFamily="34" charset="0"/>
-              <a:cs typeface="Segoe UI" pitchFamily="34" charset="0"/>
-            </a:endParaRPr>
           </a:p>
         </p:txBody>
       </p:sp>
@@ -34184,14 +34056,6 @@
               </a:rPr>
               <a:t>Total Child Locations</a:t>
             </a:r>
-            <a:endParaRPr lang="en-US" sz="1200" dirty="0" smtClean="0">
-              <a:solidFill>
-                <a:srgbClr val="000000"/>
-              </a:solidFill>
-              <a:latin typeface="Segoe UI" pitchFamily="34" charset="0"/>
-              <a:ea typeface="Segoe UI" pitchFamily="34" charset="0"/>
-              <a:cs typeface="Segoe UI" pitchFamily="34" charset="0"/>
-            </a:endParaRPr>
           </a:p>
         </p:txBody>
       </p:sp>
@@ -34232,14 +34096,6 @@
               </a:rPr>
               <a:t>14</a:t>
             </a:r>
-            <a:endParaRPr lang="en-US" sz="1200" dirty="0" smtClean="0">
-              <a:solidFill>
-                <a:srgbClr val="000000"/>
-              </a:solidFill>
-              <a:latin typeface="Segoe UI" pitchFamily="34" charset="0"/>
-              <a:ea typeface="Segoe UI" pitchFamily="34" charset="0"/>
-              <a:cs typeface="Segoe UI" pitchFamily="34" charset="0"/>
-            </a:endParaRPr>
           </a:p>
         </p:txBody>
       </p:sp>
@@ -34280,14 +34136,6 @@
               </a:rPr>
               <a:t>Location Population</a:t>
             </a:r>
-            <a:endParaRPr lang="en-US" sz="1200" dirty="0" smtClean="0">
-              <a:solidFill>
-                <a:srgbClr val="000000"/>
-              </a:solidFill>
-              <a:latin typeface="Segoe UI" pitchFamily="34" charset="0"/>
-              <a:ea typeface="Segoe UI" pitchFamily="34" charset="0"/>
-              <a:cs typeface="Segoe UI" pitchFamily="34" charset="0"/>
-            </a:endParaRPr>
           </a:p>
         </p:txBody>
       </p:sp>
@@ -34328,14 +34176,6 @@
               </a:rPr>
               <a:t>5000</a:t>
             </a:r>
-            <a:endParaRPr lang="en-US" sz="1200" dirty="0" smtClean="0">
-              <a:solidFill>
-                <a:srgbClr val="000000"/>
-              </a:solidFill>
-              <a:latin typeface="Segoe UI" pitchFamily="34" charset="0"/>
-              <a:ea typeface="Segoe UI" pitchFamily="34" charset="0"/>
-              <a:cs typeface="Segoe UI" pitchFamily="34" charset="0"/>
-            </a:endParaRPr>
           </a:p>
         </p:txBody>
       </p:sp>
@@ -34456,14 +34296,6 @@
               </a:rPr>
               <a:t>Maximum value</a:t>
             </a:r>
-            <a:endParaRPr lang="en-US" sz="1200" dirty="0" smtClean="0">
-              <a:solidFill>
-                <a:srgbClr val="000000"/>
-              </a:solidFill>
-              <a:latin typeface="Segoe UI" pitchFamily="34" charset="0"/>
-              <a:ea typeface="Segoe UI" pitchFamily="34" charset="0"/>
-              <a:cs typeface="Segoe UI" pitchFamily="34" charset="0"/>
-            </a:endParaRPr>
           </a:p>
         </p:txBody>
       </p:sp>
@@ -34504,14 +34336,6 @@
               </a:rPr>
               <a:t>3500</a:t>
             </a:r>
-            <a:endParaRPr lang="en-US" sz="1200" dirty="0" smtClean="0">
-              <a:solidFill>
-                <a:srgbClr val="000000"/>
-              </a:solidFill>
-              <a:latin typeface="Segoe UI" pitchFamily="34" charset="0"/>
-              <a:ea typeface="Segoe UI" pitchFamily="34" charset="0"/>
-              <a:cs typeface="Segoe UI" pitchFamily="34" charset="0"/>
-            </a:endParaRPr>
           </a:p>
         </p:txBody>
       </p:sp>
@@ -34632,14 +34456,6 @@
               </a:rPr>
               <a:t>Average value</a:t>
             </a:r>
-            <a:endParaRPr lang="en-US" sz="1200" dirty="0" smtClean="0">
-              <a:solidFill>
-                <a:srgbClr val="000000"/>
-              </a:solidFill>
-              <a:latin typeface="Segoe UI" pitchFamily="34" charset="0"/>
-              <a:ea typeface="Segoe UI" pitchFamily="34" charset="0"/>
-              <a:cs typeface="Segoe UI" pitchFamily="34" charset="0"/>
-            </a:endParaRPr>
           </a:p>
         </p:txBody>
       </p:sp>
@@ -34680,14 +34496,6 @@
               </a:rPr>
               <a:t>2200</a:t>
             </a:r>
-            <a:endParaRPr lang="en-US" sz="1200" dirty="0" smtClean="0">
-              <a:solidFill>
-                <a:srgbClr val="000000"/>
-              </a:solidFill>
-              <a:latin typeface="Segoe UI" pitchFamily="34" charset="0"/>
-              <a:ea typeface="Segoe UI" pitchFamily="34" charset="0"/>
-              <a:cs typeface="Segoe UI" pitchFamily="34" charset="0"/>
-            </a:endParaRPr>
           </a:p>
         </p:txBody>
       </p:sp>
@@ -34808,14 +34616,6 @@
               </a:rPr>
               <a:t>Sum Value</a:t>
             </a:r>
-            <a:endParaRPr lang="en-US" sz="1200" dirty="0" smtClean="0">
-              <a:solidFill>
-                <a:srgbClr val="000000"/>
-              </a:solidFill>
-              <a:latin typeface="Segoe UI" pitchFamily="34" charset="0"/>
-              <a:ea typeface="Segoe UI" pitchFamily="34" charset="0"/>
-              <a:cs typeface="Segoe UI" pitchFamily="34" charset="0"/>
-            </a:endParaRPr>
           </a:p>
         </p:txBody>
       </p:sp>
@@ -34856,14 +34656,6 @@
               </a:rPr>
               <a:t>20800</a:t>
             </a:r>
-            <a:endParaRPr lang="en-US" sz="1200" dirty="0" smtClean="0">
-              <a:solidFill>
-                <a:srgbClr val="000000"/>
-              </a:solidFill>
-              <a:latin typeface="Segoe UI" pitchFamily="34" charset="0"/>
-              <a:ea typeface="Segoe UI" pitchFamily="34" charset="0"/>
-              <a:cs typeface="Segoe UI" pitchFamily="34" charset="0"/>
-            </a:endParaRPr>
           </a:p>
         </p:txBody>
       </p:sp>
@@ -35519,11 +35311,6 @@
                 </a:rPr>
                 <a:t>Override</a:t>
               </a:r>
-              <a:endParaRPr lang="en-US" sz="1200" dirty="0" smtClean="0">
-                <a:latin typeface="Segoe UI" pitchFamily="34" charset="0"/>
-                <a:ea typeface="Segoe UI" pitchFamily="34" charset="0"/>
-                <a:cs typeface="Segoe UI" pitchFamily="34" charset="0"/>
-              </a:endParaRPr>
             </a:p>
           </p:txBody>
         </p:sp>
@@ -46253,236 +46040,236 @@
 </file>
 
 <file path=customXml/item1.xml><?xml version="1.0" encoding="utf-8"?>
+<Control xmlns="http://schemas.microsoft.com/VisualStudio/2011/storyboarding/control">
+  <Id Name="System.Storyboarding.Common.Button" Revision="1" Stencil="System.Storyboarding.Common" StencilVersion="0.1"/>
+</Control>
+</file>
+
+<file path=customXml/item10.xml><?xml version="1.0" encoding="utf-8"?>
+<Control xmlns="http://schemas.microsoft.com/VisualStudio/2011/storyboarding/control">
+  <Id Name="System.Storyboarding.Common.Text" Revision="1" Stencil="System.Storyboarding.Common" StencilVersion="0.1"/>
+</Control>
+</file>
+
+<file path=customXml/item100.xml><?xml version="1.0" encoding="utf-8"?>
+<Control xmlns="http://schemas.microsoft.com/VisualStudio/2011/storyboarding/control">
+  <Id Name="9d9c56e0-6ca3-4298-b757-9c73dab947ac" RevisionId="993ea365-49c2-46dc-bf14-e971e460de1e" Stencil="172d6d98-e5c9-42e9-a209-79f7a94bbd38" StencilRevisionId="00000000-0000-0000-0000-000000000000" StencilVersion="0.0"/>
+</Control>
+</file>
+
+<file path=customXml/item101.xml><?xml version="1.0" encoding="utf-8"?>
+<Control xmlns="http://schemas.microsoft.com/VisualStudio/2011/storyboarding/control">
+  <Id Name="9d9c56e0-6ca3-4298-b757-9c73dab947ac" RevisionId="993ea365-49c2-46dc-bf14-e971e460de1e" Stencil="172d6d98-e5c9-42e9-a209-79f7a94bbd38" StencilRevisionId="00000000-0000-0000-0000-000000000000" StencilVersion="0.0"/>
+</Control>
+</file>
+
+<file path=customXml/item102.xml><?xml version="1.0" encoding="utf-8"?>
+<Control xmlns="http://schemas.microsoft.com/VisualStudio/2011/storyboarding/control">
+  <Id Name="System.Storyboarding.Common.TextInput" Revision="1" Stencil="System.Storyboarding.Common" StencilVersion="0.1"/>
+</Control>
+</file>
+
+<file path=customXml/item103.xml><?xml version="1.0" encoding="utf-8"?>
+<Control xmlns="http://schemas.microsoft.com/VisualStudio/2011/storyboarding/control">
+  <Id Name="System.Storyboarding.Common.Text" Revision="1" Stencil="System.Storyboarding.Common" StencilVersion="0.1"/>
+</Control>
+</file>
+
+<file path=customXml/item104.xml><?xml version="1.0" encoding="utf-8"?>
+<Control xmlns="http://schemas.microsoft.com/VisualStudio/2011/storyboarding/control">
+  <Id Name="System.Storyboarding.Common.DropdownBox" Revision="1" Stencil="System.Storyboarding.Common" StencilVersion="0.1"/>
+</Control>
+</file>
+
+<file path=customXml/item105.xml><?xml version="1.0" encoding="utf-8"?>
+<Control xmlns="http://schemas.microsoft.com/VisualStudio/2011/storyboarding/control/v1.0">
+  <Id Name="System.Storyboard.Stencil.ColorPicker" RevisionId="00000000-0000-0000-0000-000000000000" Stencil="System.Media" StencilRevisionId="00000000-0000-0000-0000-000000000000" StencilVersion="1.0"/>
+</Control>
+</file>
+
+<file path=customXml/item106.xml><?xml version="1.0" encoding="utf-8"?>
+<Control xmlns="http://schemas.microsoft.com/VisualStudio/2011/storyboarding/control/v1.0">
+  <Id Name="System.Storyboard.Stencil.FourItemList" RevisionId="00000000-0000-0000-0000-000000000000" Stencil="System.Common" StencilRevisionId="00000000-0000-0000-0000-000000000000" StencilVersion="1.0"/>
+</Control>
+</file>
+
+<file path=customXml/item107.xml><?xml version="1.0" encoding="utf-8"?>
 <Control xmlns="http://schemas.microsoft.com/VisualStudio/2011/storyboarding/control/v1.0">
   <Id Name="System.Storyboard.Stencil.DropdownBox" RevisionId="00000000-0000-0000-0000-000000000000" Stencil="System.Common" StencilRevisionId="00000000-0000-0000-0000-000000000000" StencilVersion="1.0"/>
 </Control>
 </file>
 
-<file path=customXml/item10.xml><?xml version="1.0" encoding="utf-8"?>
+<file path=customXml/item108.xml><?xml version="1.0" encoding="utf-8"?>
+<Control xmlns="http://schemas.microsoft.com/VisualStudio/2011/storyboarding/control/v1.0">
+  <Id Name="System.Storyboard.Stencil.DatePicker" RevisionId="00000000-0000-0000-0000-000000000000" Stencil="System.Common" StencilRevisionId="00000000-0000-0000-0000-000000000000" StencilVersion="1.0"/>
+</Control>
+</file>
+
+<file path=customXml/item109.xml><?xml version="1.0" encoding="utf-8"?>
+<Control xmlns="http://schemas.microsoft.com/VisualStudio/2011/storyboarding/control">
+  <Id Name="System.Storyboarding.Common.DropdownBox" Revision="1" Stencil="System.Storyboarding.Common" StencilVersion="0.1"/>
+</Control>
+</file>
+
+<file path=customXml/item11.xml><?xml version="1.0" encoding="utf-8"?>
+<Control xmlns="http://schemas.microsoft.com/VisualStudio/2011/storyboarding/control/v1.0">
+  <Id Name="System.Storyboard.Stencil.Calendar" RevisionId="00000000-0000-0000-0000-000000000000" Stencil="System.Common" StencilRevisionId="00000000-0000-0000-0000-000000000000" StencilVersion="1.0"/>
+</Control>
+</file>
+
+<file path=customXml/item110.xml><?xml version="1.0" encoding="utf-8"?>
+<Control xmlns="http://schemas.microsoft.com/VisualStudio/2011/storyboarding/control">
+  <Id Name="System.Storyboarding.Common.Text" Revision="1" Stencil="System.Storyboarding.Common" StencilVersion="0.1"/>
+</Control>
+</file>
+
+<file path=customXml/item111.xml><?xml version="1.0" encoding="utf-8"?>
+<Control xmlns="http://schemas.microsoft.com/VisualStudio/2011/storyboarding/control">
+  <Id Name="System.Storyboarding.Common.TextArea" Revision="1" Stencil="System.Storyboarding.Common" StencilVersion="0.1"/>
+</Control>
+</file>
+
+<file path=customXml/item112.xml><?xml version="1.0" encoding="utf-8"?>
+<Control xmlns="http://schemas.microsoft.com/VisualStudio/2011/storyboarding/control">
+  <Id Name="System.Storyboarding.Common.MouseClick" Revision="1" Stencil="System.Storyboarding.Common" StencilVersion="0.1"/>
+</Control>
+</file>
+
+<file path=customXml/item113.xml><?xml version="1.0" encoding="utf-8"?>
+<Control xmlns="http://schemas.microsoft.com/VisualStudio/2011/storyboarding/control">
+  <Id Name="System.Storyboarding.Common.TabGroup" Revision="1" Stencil="System.Storyboarding.Common" StencilVersion="0.1"/>
+</Control>
+</file>
+
+<file path=customXml/item114.xml><?xml version="1.0" encoding="utf-8"?>
+<Control xmlns="http://schemas.microsoft.com/VisualStudio/2011/storyboarding/control">
+  <Id Name="System.Storyboarding.Common.Text" Revision="1" Stencil="System.Storyboarding.Common" StencilVersion="0.1"/>
+</Control>
+</file>
+
+<file path=customXml/item115.xml><?xml version="1.0" encoding="utf-8"?>
+<Control xmlns="http://schemas.microsoft.com/VisualStudio/2011/storyboarding/control">
+  <Id Name="System.Storyboarding.Common.DropdownBox" Revision="1" Stencil="System.Storyboarding.Common" StencilVersion="0.1"/>
+</Control>
+</file>
+
+<file path=customXml/item116.xml><?xml version="1.0" encoding="utf-8"?>
+<Control xmlns="http://schemas.microsoft.com/VisualStudio/2011/storyboarding/control">
+  <Id Name="System.Storyboarding.Common.SearchBox" Revision="1" Stencil="System.Storyboarding.Common" StencilVersion="0.1"/>
+</Control>
+</file>
+
+<file path=customXml/item117.xml><?xml version="1.0" encoding="utf-8"?>
+<Control xmlns="http://schemas.microsoft.com/VisualStudio/2011/storyboarding/control/v1.0">
+  <Id Name="System.Storyboard.Stencil.PhoneKeyboard" RevisionId="00000000-0000-0000-0000-000000000000" Stencil="System.Windows_Phone_7" StencilRevisionId="00000000-0000-0000-0000-000000000000" StencilVersion="1.0"/>
+</Control>
+</file>
+
+<file path=customXml/item118.xml><?xml version="1.0" encoding="utf-8"?>
+<Control xmlns="http://schemas.microsoft.com/VisualStudio/2011/storyboarding/control/v1.0">
+  <Id Name="System.Storyboarding.Common.Text" RevisionId="68ea164d-c1de-47a5-804f-d4d1290fa524" Stencil="System.Storyboarding.Common" StencilRevisionId="68ea164d-c1de-47a5-804f-d4d1290fa524" StencilVersion="0.1"/>
+</Control>
+</file>
+
+<file path=customXml/item119.xml><?xml version="1.0" encoding="utf-8"?>
+<Control xmlns="http://schemas.microsoft.com/VisualStudio/2011/storyboarding/control/v1.0">
+  <Id Name="System.Storyboard.Stencil.Browser" RevisionId="bdb52a43-f875-417f-a3f8-9b0259dd3051" Stencil="System.Backgrounds" StencilRevisionId="bdb52a43-f875-417f-a3f8-9b0259dd3051" StencilVersion="1.0"/>
+</Control>
+</file>
+
+<file path=customXml/item12.xml><?xml version="1.0" encoding="utf-8"?>
+<Control xmlns="http://schemas.microsoft.com/VisualStudio/2011/storyboarding/control">
+  <Id Name="System.Storyboarding.Common.TextInput" Revision="1" Stencil="System.Storyboarding.Common" StencilVersion="0.1"/>
+</Control>
+</file>
+
+<file path=customXml/item120.xml><?xml version="1.0" encoding="utf-8"?>
+<Control xmlns="http://schemas.microsoft.com/VisualStudio/2011/storyboarding/control">
+  <Id Name="System.Storyboarding.Backgrounds.Window" RevisionId="bdb52a43-f875-417f-a3f8-9b0259dd3051" Stencil="System.Storyboarding.Backgrounds" StencilRevisionId="bdb52a43-f875-417f-a3f8-9b0259dd3051" StencilVersion="0.1"/>
+</Control>
+</file>
+
+<file path=customXml/item121.xml><?xml version="1.0" encoding="utf-8"?>
+<Control xmlns="http://schemas.microsoft.com/VisualStudio/2011/storyboarding/control">
+  <Id Name="System.Storyboarding.Common.SearchBox" Revision="1" Stencil="System.Storyboarding.Common" StencilVersion="0.1"/>
+</Control>
+</file>
+
+<file path=customXml/item122.xml><?xml version="1.0" encoding="utf-8"?>
+<Control xmlns="http://schemas.microsoft.com/VisualStudio/2011/storyboarding/control">
+  <Id Name="System.Storyboarding.Backgrounds.WindowsPhoneLandscape" RevisionId="bdb52a43-f875-417f-a3f8-9b0259dd3051" Stencil="System.Storyboarding.Backgrounds" StencilRevisionId="bdb52a43-f875-417f-a3f8-9b0259dd3051" StencilVersion="0.1"/>
+</Control>
+</file>
+
+<file path=customXml/item123.xml><?xml version="1.0" encoding="utf-8"?>
+<Control xmlns="http://schemas.microsoft.com/VisualStudio/2011/storyboarding/control/v1.0">
+  <Id Name="System.Storyboarding.Common.Text" RevisionId="68ea164d-c1de-47a5-804f-d4d1290fa524" Stencil="System.Storyboarding.Common" StencilRevisionId="68ea164d-c1de-47a5-804f-d4d1290fa524" StencilVersion="0.1"/>
+</Control>
+</file>
+
+<file path=customXml/item124.xml><?xml version="1.0" encoding="utf-8"?>
+<Control xmlns="http://schemas.microsoft.com/VisualStudio/2011/storyboarding/control">
+  <Id Name="System.Storyboarding.Common.Text" Revision="1" Stencil="System.Storyboarding.Common" StencilVersion="0.1"/>
+</Control>
+</file>
+
+<file path=customXml/item125.xml><?xml version="1.0" encoding="utf-8"?>
 <Control xmlns="http://schemas.microsoft.com/VisualStudio/2011/storyboarding/control">
   <Id Name="System.Storyboarding.WindowsPhoneIcons.BaseCircle" Revision="1" Stencil="System.Storyboarding.WindowsPhoneIcons" StencilVersion="0.1"/>
 </Control>
 </file>
 
-<file path=customXml/item100.xml><?xml version="1.0" encoding="utf-8"?>
+<file path=customXml/item126.xml><?xml version="1.0" encoding="utf-8"?>
+<Control xmlns="http://schemas.microsoft.com/VisualStudio/2011/storyboarding/control">
+  <Id Name="System.Storyboarding.Common.Text" Revision="1" Stencil="System.Storyboarding.Common" StencilVersion="0.1"/>
+</Control>
+</file>
+
+<file path=customXml/item127.xml><?xml version="1.0" encoding="utf-8"?>
 <Control xmlns="http://schemas.microsoft.com/VisualStudio/2011/storyboarding/control">
   <Id Name="System.Storyboarding.Common.SearchBox" Revision="1" Stencil="System.Storyboarding.Common" StencilVersion="0.1"/>
 </Control>
 </file>
 
-<file path=customXml/item101.xml><?xml version="1.0" encoding="utf-8"?>
+<file path=customXml/item128.xml><?xml version="1.0" encoding="utf-8"?>
 <Control xmlns="http://schemas.microsoft.com/VisualStudio/2011/storyboarding/control">
-  <Id Name="System.Storyboarding.Common.SearchBox" Revision="1" Stencil="System.Storyboarding.Common" StencilVersion="0.1"/>
+  <Id Name="System.Storyboarding.Common.MouseClick" Revision="1" Stencil="System.Storyboarding.Common" StencilVersion="0.1"/>
 </Control>
 </file>
 
-<file path=customXml/item102.xml><?xml version="1.0" encoding="utf-8"?>
+<file path=customXml/item129.xml><?xml version="1.0" encoding="utf-8"?>
+<Control xmlns="http://schemas.microsoft.com/VisualStudio/2011/storyboarding/control">
+  <Id Name="600d61f4-2d09-42e6-a6db-83e260e051ae" RevisionId="3c9eb7e9-0ea7-4fb5-adc7-dcc81ff0fb36" Stencil="172d6d98-e5c9-42e9-a209-79f7a94bbd38" StencilRevisionId="00000000-0000-0000-0000-000000000000" StencilVersion="0.0"/>
+</Control>
+</file>
+
+<file path=customXml/item13.xml><?xml version="1.0" encoding="utf-8"?>
 <Control xmlns="http://schemas.microsoft.com/VisualStudio/2011/storyboarding/control/v1.0">
-  <Id Name="System.Storyboarding.Common.Text" RevisionId="68ea164d-c1de-47a5-804f-d4d1290fa524" Stencil="System.Storyboarding.Common" StencilRevisionId="68ea164d-c1de-47a5-804f-d4d1290fa524" StencilVersion="0.1"/>
+  <Id Name="System.Storyboard.Stencil.PhoneTile" RevisionId="00000000-0000-0000-0000-000000000000" Stencil="System.Windows_Phone_7" StencilRevisionId="00000000-0000-0000-0000-000000000000" StencilVersion="1.0"/>
 </Control>
 </file>
 
-<file path=customXml/item103.xml><?xml version="1.0" encoding="utf-8"?>
-<Control xmlns="http://schemas.microsoft.com/VisualStudio/2011/storyboarding/control/v1.0">
-  <Id Name="System.Storyboard.Stencil.VerticalBarChart" RevisionId="00000000-0000-0000-0000-000000000000" Stencil="System.Media" StencilRevisionId="00000000-0000-0000-0000-000000000000" StencilVersion="1.0"/>
-</Control>
-</file>
-
-<file path=customXml/item104.xml><?xml version="1.0" encoding="utf-8"?>
-<Control xmlns="http://schemas.microsoft.com/VisualStudio/2011/storyboarding/control/v1.0">
-  <Id Name="System.Storyboard.Stencil.TextArea" RevisionId="00000000-0000-0000-0000-000000000000" Stencil="System.Common" StencilRevisionId="00000000-0000-0000-0000-000000000000" StencilVersion="1.0"/>
-</Control>
-</file>
-
-<file path=customXml/item105.xml><?xml version="1.0" encoding="utf-8"?>
-<Control xmlns="http://schemas.microsoft.com/VisualStudio/2011/storyboarding/control/v1.0">
-  <Id Name="System.Storyboarding.Common.Text" RevisionId="68ea164d-c1de-47a5-804f-d4d1290fa524" Stencil="System.Storyboarding.Common" StencilRevisionId="68ea164d-c1de-47a5-804f-d4d1290fa524" StencilVersion="0.1"/>
-</Control>
-</file>
-
-<file path=customXml/item106.xml><?xml version="1.0" encoding="utf-8"?>
+<file path=customXml/item130.xml><?xml version="1.0" encoding="utf-8"?>
 <Control xmlns="http://schemas.microsoft.com/VisualStudio/2011/storyboarding/control">
   <Id Name="366cd925-969f-44e1-b789-354cb31b0dfd" RevisionId="87c5073a-f3d6-4c7e-a7b7-c9586eacad3b" Stencil="172d6d98-e5c9-42e9-a209-79f7a94bbd38" StencilRevisionId="00000000-0000-0000-0000-000000000000" StencilVersion="0.0"/>
 </Control>
 </file>
 
-<file path=customXml/item107.xml><?xml version="1.0" encoding="utf-8"?>
+<file path=customXml/item131.xml><?xml version="1.0" encoding="utf-8"?>
 <Control xmlns="http://schemas.microsoft.com/VisualStudio/2011/storyboarding/control">
-  <Id Name="System.Storyboarding.Common.MouseClick" Revision="1" Stencil="System.Storyboarding.Common" StencilVersion="0.1"/>
+  <Id Name="System.Storyboarding.Common.TabGroup" Revision="1" Stencil="System.Storyboarding.Common" StencilVersion="0.1"/>
 </Control>
 </file>
 
-<file path=customXml/item108.xml><?xml version="1.0" encoding="utf-8"?>
-<Control xmlns="http://schemas.microsoft.com/VisualStudio/2011/storyboarding/control">
-  <Id Name="System.Storyboarding.Common.TextInput" Revision="1" Stencil="System.Storyboarding.Common" StencilVersion="0.1"/>
+<file path=customXml/item132.xml><?xml version="1.0" encoding="utf-8"?>
+<Control xmlns="http://schemas.microsoft.com/VisualStudio/2011/storyboarding/control/v1.0">
+  <Id Name="System.Storyboard.Stencil.TreeList" RevisionId="00000000-0000-0000-0000-000000000000" Stencil="System.Common" StencilRevisionId="00000000-0000-0000-0000-000000000000" StencilVersion="1.0"/>
 </Control>
 </file>
 
-<file path=customXml/item109.xml><?xml version="1.0" encoding="utf-8"?>
-<Control xmlns="http://schemas.microsoft.com/VisualStudio/2011/storyboarding/control">
-  <Id Name="System.Storyboarding.Common.TextArea" Revision="1" Stencil="System.Storyboarding.Common" StencilVersion="0.1"/>
-</Control>
-</file>
-
-<file path=customXml/item11.xml><?xml version="1.0" encoding="utf-8"?>
-<Control xmlns="http://schemas.microsoft.com/VisualStudio/2011/storyboarding/control">
-  <Id Name="366cd925-969f-44e1-b789-354cb31b0dfd" RevisionId="87c5073a-f3d6-4c7e-a7b7-c9586eacad3b" Stencil="172d6d98-e5c9-42e9-a209-79f7a94bbd38" StencilRevisionId="00000000-0000-0000-0000-000000000000" StencilVersion="0.0"/>
-</Control>
-</file>
-
-<file path=customXml/item110.xml><?xml version="1.0" encoding="utf-8"?>
-<Control xmlns="http://schemas.microsoft.com/VisualStudio/2011/storyboarding/control">
-  <Id Name="System.Storyboarding.Common.DropdownBox" Revision="1" Stencil="System.Storyboarding.Common" StencilVersion="0.1"/>
-</Control>
-</file>
-
-<file path=customXml/item111.xml><?xml version="1.0" encoding="utf-8"?>
-<Control xmlns="http://schemas.microsoft.com/VisualStudio/2011/storyboarding/control">
-  <Id Name="System.Storyboarding.Common.TextInput" Revision="1" Stencil="System.Storyboarding.Common" StencilVersion="0.1"/>
-</Control>
-</file>
-
-<file path=customXml/item112.xml><?xml version="1.0" encoding="utf-8"?>
-<Control xmlns="http://schemas.microsoft.com/VisualStudio/2011/storyboarding/control">
-  <Id Name="System.Storyboarding.Common.DropdownBox" Revision="1" Stencil="System.Storyboarding.Common" StencilVersion="0.1"/>
-</Control>
-</file>
-
-<file path=customXml/item113.xml><?xml version="1.0" encoding="utf-8"?>
+<file path=customXml/item133.xml><?xml version="1.0" encoding="utf-8"?>
 <Control xmlns="http://schemas.microsoft.com/VisualStudio/2011/storyboarding/control">
   <Id Name="System.Storyboarding.Common.Text" Revision="1" Stencil="System.Storyboarding.Common" StencilVersion="0.1"/>
-</Control>
-</file>
-
-<file path=customXml/item114.xml><?xml version="1.0" encoding="utf-8"?>
-<Control xmlns="http://schemas.microsoft.com/VisualStudio/2011/storyboarding/control">
-  <Id Name="366cd925-969f-44e1-b789-354cb31b0dfd" RevisionId="87c5073a-f3d6-4c7e-a7b7-c9586eacad3b" Stencil="172d6d98-e5c9-42e9-a209-79f7a94bbd38" StencilRevisionId="00000000-0000-0000-0000-000000000000" StencilVersion="0.0"/>
-</Control>
-</file>
-
-<file path=customXml/item115.xml><?xml version="1.0" encoding="utf-8"?>
-<Control xmlns="http://schemas.microsoft.com/VisualStudio/2011/storyboarding/control">
-  <Id Name="b5742593-4330-4997-98c6-02e7437a7975" Revision="1" Stencil="System.MyShapes" StencilVersion="1.0"/>
-</Control>
-</file>
-
-<file path=customXml/item116.xml><?xml version="1.0" encoding="utf-8"?>
-<Control xmlns="http://schemas.microsoft.com/VisualStudio/2011/storyboarding/control/v1.0">
-  <Id Name="System.Storyboard.Stencil.HorizontalScrollbar" RevisionId="00000000-0000-0000-0000-000000000000" Stencil="System.Common" StencilRevisionId="00000000-0000-0000-0000-000000000000" StencilVersion="1.0"/>
-</Control>
-</file>
-
-<file path=customXml/item117.xml><?xml version="1.0" encoding="utf-8"?>
-<Control xmlns="http://schemas.microsoft.com/VisualStudio/2011/storyboarding/control">
-  <Id Name="System.Storyboarding.Backgrounds.RibbonApplication" RevisionId="bdb52a43-f875-417f-a3f8-9b0259dd3051" Stencil="System.Storyboarding.Backgrounds" StencilRevisionId="bdb52a43-f875-417f-a3f8-9b0259dd3051" StencilVersion="0.1"/>
-</Control>
-</file>
-
-<file path=customXml/item118.xml><?xml version="1.0" encoding="utf-8"?>
-<Control xmlns="http://schemas.microsoft.com/VisualStudio/2011/storyboarding/control">
-  <Id Name="b5742593-4330-4997-98c6-02e7437a7975" Revision="1" Stencil="System.MyShapes" StencilVersion="1.0"/>
-</Control>
-</file>
-
-<file path=customXml/item119.xml><?xml version="1.0" encoding="utf-8"?>
-<Control xmlns="http://schemas.microsoft.com/VisualStudio/2011/storyboarding/control">
-  <Id Name="System.Storyboarding.WindowsPhoneIcons.BaseCircle" Revision="1" Stencil="System.Storyboarding.WindowsPhoneIcons" StencilVersion="0.1"/>
-</Control>
-</file>
-
-<file path=customXml/item12.xml><?xml version="1.0" encoding="utf-8"?>
-<Control xmlns="http://schemas.microsoft.com/VisualStudio/2011/storyboarding/control/v1.0">
-  <Id Name="System.Storyboard.Stencil.Calendar" RevisionId="00000000-0000-0000-0000-000000000000" Stencil="System.Common" StencilRevisionId="00000000-0000-0000-0000-000000000000" StencilVersion="1.0"/>
-</Control>
-</file>
-
-<file path=customXml/item120.xml><?xml version="1.0" encoding="utf-8"?>
-<Control xmlns="http://schemas.microsoft.com/VisualStudio/2011/storyboarding/control">
-  <Id Name="600d61f4-2d09-42e6-a6db-83e260e051ae" RevisionId="3c9eb7e9-0ea7-4fb5-adc7-dcc81ff0fb36" Stencil="172d6d98-e5c9-42e9-a209-79f7a94bbd38" StencilRevisionId="00000000-0000-0000-0000-000000000000" StencilVersion="0.0"/>
-</Control>
-</file>
-
-<file path=customXml/item121.xml><?xml version="1.0" encoding="utf-8"?>
-<Control xmlns="http://schemas.microsoft.com/VisualStudio/2011/storyboarding/control/v1.0">
-  <Id Name="System.Storyboard.Stencil.PhoneTile" RevisionId="00000000-0000-0000-0000-000000000000" Stencil="System.Windows_Phone_7" StencilRevisionId="00000000-0000-0000-0000-000000000000" StencilVersion="1.0"/>
-</Control>
-</file>
-
-<file path=customXml/item122.xml><?xml version="1.0" encoding="utf-8"?>
-<Control xmlns="http://schemas.microsoft.com/VisualStudio/2011/storyboarding/control/v1.0">
-  <Id Name="System.Storyboard.Stencil.Image" RevisionId="00000000-0000-0000-0000-000000000000" Stencil="System.Media" StencilRevisionId="00000000-0000-0000-0000-000000000000" StencilVersion="1.0"/>
-</Control>
-</file>
-
-<file path=customXml/item123.xml><?xml version="1.0" encoding="utf-8"?>
-<Control xmlns="http://schemas.microsoft.com/VisualStudio/2011/storyboarding/control/v1.0">
-  <Id Name="System.Storyboard.Stencil.Browser" RevisionId="bdb52a43-f875-417f-a3f8-9b0259dd3051" Stencil="System.Backgrounds" StencilRevisionId="bdb52a43-f875-417f-a3f8-9b0259dd3051" StencilVersion="1.0"/>
-</Control>
-</file>
-
-<file path=customXml/item124.xml><?xml version="1.0" encoding="utf-8"?>
-<Control xmlns="http://schemas.microsoft.com/VisualStudio/2011/storyboarding/control">
-  <Id Name="System.Storyboarding.Common.SearchBox" Revision="1" Stencil="System.Storyboarding.Common" StencilVersion="0.1"/>
-</Control>
-</file>
-
-<file path=customXml/item125.xml><?xml version="1.0" encoding="utf-8"?>
-<Control xmlns="http://schemas.microsoft.com/VisualStudio/2011/storyboarding/control">
-  <Id Name="9d9c56e0-6ca3-4298-b757-9c73dab947ac" RevisionId="993ea365-49c2-46dc-bf14-e971e460de1e" Stencil="172d6d98-e5c9-42e9-a209-79f7a94bbd38" StencilRevisionId="00000000-0000-0000-0000-000000000000" StencilVersion="0.0"/>
-</Control>
-</file>
-
-<file path=customXml/item126.xml><?xml version="1.0" encoding="utf-8"?>
-<Control xmlns="http://schemas.microsoft.com/VisualStudio/2011/storyboarding/control">
-  <Id Name="System.Storyboarding.Common.TabGroupVertical" Revision="1" Stencil="System.Storyboarding.Common" StencilVersion="0.1"/>
-</Control>
-</file>
-
-<file path=customXml/item127.xml><?xml version="1.0" encoding="utf-8"?>
-<Control xmlns="http://schemas.microsoft.com/VisualStudio/2011/storyboarding/control">
-  <Id Name="System.Storyboarding.Common.DropdownBox" Revision="1" Stencil="System.Storyboarding.Common" StencilVersion="0.1"/>
-</Control>
-</file>
-
-<file path=customXml/item128.xml><?xml version="1.0" encoding="utf-8"?>
-<Control xmlns="http://schemas.microsoft.com/VisualStudio/2011/storyboarding/control">
-  <Id Name="b5742593-4330-4997-98c6-02e7437a7975" Revision="1" Stencil="System.MyShapes" StencilVersion="1.0"/>
-</Control>
-</file>
-
-<file path=customXml/item129.xml><?xml version="1.0" encoding="utf-8"?>
-<Control xmlns="http://schemas.microsoft.com/VisualStudio/2011/storyboarding/control">
-  <Id Name="System.Storyboarding.Common.TextInput" Revision="1" Stencil="System.Storyboarding.Common" StencilVersion="0.1"/>
-</Control>
-</file>
-
-<file path=customXml/item13.xml><?xml version="1.0" encoding="utf-8"?>
-<Control xmlns="http://schemas.microsoft.com/VisualStudio/2011/storyboarding/control/v1.0">
-  <Id Name="System.Storyboard.Stencil.Hyperlink" RevisionId="00000000-0000-0000-0000-000000000000" Stencil="System.Common" StencilRevisionId="00000000-0000-0000-0000-000000000000" StencilVersion="1.0"/>
-</Control>
-</file>
-
-<file path=customXml/item130.xml><?xml version="1.0" encoding="utf-8"?>
-<Control xmlns="http://schemas.microsoft.com/VisualStudio/2011/storyboarding/control">
-  <Id Name="System.Storyboarding.Common.DropdownBox" Revision="1" Stencil="System.Storyboarding.Common" StencilVersion="0.1"/>
-</Control>
-</file>
-
-<file path=customXml/item131.xml><?xml version="1.0" encoding="utf-8"?>
-<Control xmlns="http://schemas.microsoft.com/VisualStudio/2011/storyboarding/control/v1.0">
-  <Id Name="System.Storyboard.Stencil.Title" RevisionId="00000000-0000-0000-0000-000000000000" Stencil="System.Common" StencilRevisionId="00000000-0000-0000-0000-000000000000" StencilVersion="1.0"/>
-</Control>
-</file>
-
-<file path=customXml/item132.xml><?xml version="1.0" encoding="utf-8"?>
-<Control xmlns="http://schemas.microsoft.com/VisualStudio/2011/storyboarding/control/v1.0">
-  <Id Name="System.Storyboard.Stencil.PieChart" RevisionId="00000000-0000-0000-0000-000000000000" Stencil="System.Media" StencilRevisionId="00000000-0000-0000-0000-000000000000" StencilVersion="1.0"/>
-</Control>
-</file>
-
-<file path=customXml/item133.xml><?xml version="1.0" encoding="utf-8"?>
-<Control xmlns="http://schemas.microsoft.com/VisualStudio/2011/storyboarding/control/v1.0">
-  <Id Name="System.Storyboard.Stencil.ColorPicker" RevisionId="00000000-0000-0000-0000-000000000000" Stencil="System.Media" StencilRevisionId="00000000-0000-0000-0000-000000000000" StencilVersion="1.0"/>
 </Control>
 </file>
 
@@ -46494,67 +46281,67 @@
 
 <file path=customXml/item135.xml><?xml version="1.0" encoding="utf-8"?>
 <Control xmlns="http://schemas.microsoft.com/VisualStudio/2011/storyboarding/control">
+  <Id Name="System.Storyboarding.Common.TextInput" Revision="1" Stencil="System.Storyboarding.Common" StencilVersion="0.1"/>
+</Control>
+</file>
+
+<file path=customXml/item136.xml><?xml version="1.0" encoding="utf-8"?>
+<Control xmlns="http://schemas.microsoft.com/VisualStudio/2011/storyboarding/control">
   <Id Name="System.Storyboarding.Common.DropdownBox" Revision="1" Stencil="System.Storyboarding.Common" StencilVersion="0.1"/>
 </Control>
 </file>
 
-<file path=customXml/item136.xml><?xml version="1.0" encoding="utf-8"?>
+<file path=customXml/item137.xml><?xml version="1.0" encoding="utf-8"?>
+<Control xmlns="http://schemas.microsoft.com/VisualStudio/2011/storyboarding/control/v1.0">
+  <Id Name="System.Storyboard.Stencil.TabGroup" RevisionId="00000000-0000-0000-0000-000000000000" Stencil="System.Common" StencilRevisionId="00000000-0000-0000-0000-000000000000" StencilVersion="1.0"/>
+</Control>
+</file>
+
+<file path=customXml/item138.xml><?xml version="1.0" encoding="utf-8"?>
+<Control xmlns="http://schemas.microsoft.com/VisualStudio/2011/storyboarding/control/v1.0">
+  <Id Name="System.Storyboard.Stencil.PhoneTile" RevisionId="00000000-0000-0000-0000-000000000000" Stencil="System.Windows_Phone_7" StencilRevisionId="00000000-0000-0000-0000-000000000000" StencilVersion="1.0"/>
+</Control>
+</file>
+
+<file path=customXml/item139.xml><?xml version="1.0" encoding="utf-8"?>
 <Control xmlns="http://schemas.microsoft.com/VisualStudio/2011/storyboarding/control">
-  <Id Name="System.Storyboarding.Common.SearchBox" Revision="1" Stencil="System.Storyboarding.Common" StencilVersion="0.1"/>
+  <Id Name="600d61f4-2d09-42e6-a6db-83e260e051ae" RevisionId="3c9eb7e9-0ea7-4fb5-adc7-dcc81ff0fb36" Stencil="172d6d98-e5c9-42e9-a209-79f7a94bbd38" StencilRevisionId="00000000-0000-0000-0000-000000000000" StencilVersion="0.0"/>
 </Control>
 </file>
 
-<file path=customXml/item137.xml><?xml version="1.0" encoding="utf-8"?>
+<file path=customXml/item14.xml><?xml version="1.0" encoding="utf-8"?>
+<Control xmlns="http://schemas.microsoft.com/VisualStudio/2011/storyboarding/control">
+  <Id Name="System.Storyboarding.Common.DropdownBox" Revision="1" Stencil="System.Storyboarding.Common" StencilVersion="0.1"/>
+</Control>
+</file>
+
+<file path=customXml/item140.xml><?xml version="1.0" encoding="utf-8"?>
+<Control xmlns="http://schemas.microsoft.com/VisualStudio/2011/storyboarding/control">
+  <Id Name="System.Storyboarding.Common.DropdownBox" Revision="1" Stencil="System.Storyboarding.Common" StencilVersion="0.1"/>
+</Control>
+</file>
+
+<file path=customXml/item141.xml><?xml version="1.0" encoding="utf-8"?>
+<Control xmlns="http://schemas.microsoft.com/VisualStudio/2011/storyboarding/control">
+  <Id Name="System.Storyboarding.Common.TabGroupVertical" Revision="1" Stencil="System.Storyboarding.Common" StencilVersion="0.1"/>
+</Control>
+</file>
+
+<file path=customXml/item142.xml><?xml version="1.0" encoding="utf-8"?>
 <Control xmlns="http://schemas.microsoft.com/VisualStudio/2011/storyboarding/control">
   <Id Name="System.Storyboarding.Common.TextInput" Revision="1" Stencil="System.Storyboarding.Common" StencilVersion="0.1"/>
 </Control>
 </file>
 
-<file path=customXml/item138.xml><?xml version="1.0" encoding="utf-8"?>
+<file path=customXml/item143.xml><?xml version="1.0" encoding="utf-8"?>
+<Control xmlns="http://schemas.microsoft.com/VisualStudio/2011/storyboarding/control">
+  <Id Name="System.Storyboarding.Common.Text" Revision="1" Stencil="System.Storyboarding.Common" StencilVersion="0.1"/>
+</Control>
+</file>
+
+<file path=customXml/item144.xml><?xml version="1.0" encoding="utf-8"?>
 <Control xmlns="http://schemas.microsoft.com/VisualStudio/2011/storyboarding/control">
   <Id Name="System.Storyboarding.Common.DropdownBox" Revision="1" Stencil="System.Storyboarding.Common" StencilVersion="0.1"/>
-</Control>
-</file>
-
-<file path=customXml/item139.xml><?xml version="1.0" encoding="utf-8"?>
-<Control xmlns="http://schemas.microsoft.com/VisualStudio/2011/storyboarding/control">
-  <Id Name="System.Storyboarding.Common.Button" Revision="1" Stencil="System.Storyboarding.Common" StencilVersion="0.1"/>
-</Control>
-</file>
-
-<file path=customXml/item14.xml><?xml version="1.0" encoding="utf-8"?>
-<Control xmlns="http://schemas.microsoft.com/VisualStudio/2011/storyboarding/control">
-  <Id Name="System.Storyboarding.Backgrounds.RibbonApplication" RevisionId="bdb52a43-f875-417f-a3f8-9b0259dd3051" Stencil="System.Storyboarding.Backgrounds" StencilRevisionId="bdb52a43-f875-417f-a3f8-9b0259dd3051" StencilVersion="0.1"/>
-</Control>
-</file>
-
-<file path=customXml/item140.xml><?xml version="1.0" encoding="utf-8"?>
-<Control xmlns="http://schemas.microsoft.com/VisualStudio/2011/storyboarding/control">
-  <Id Name="System.Storyboarding.WindowsPhoneIcons.BaseCircle" Revision="1" Stencil="System.Storyboarding.WindowsPhoneIcons" StencilVersion="0.1"/>
-</Control>
-</file>
-
-<file path=customXml/item141.xml><?xml version="1.0" encoding="utf-8"?>
-<Control xmlns="http://schemas.microsoft.com/VisualStudio/2011/storyboarding/control">
-  <Id Name="System.Storyboarding.WindowsPhoneIcons.Save" Revision="1" Stencil="System.Storyboarding.WindowsPhoneIcons" StencilVersion="0.1"/>
-</Control>
-</file>
-
-<file path=customXml/item142.xml><?xml version="1.0" encoding="utf-8"?>
-<Control xmlns="http://schemas.microsoft.com/VisualStudio/2011/storyboarding/control/v1.0">
-  <Id Name="System.Storyboard.Stencil.PositionControl" RevisionId="00000000-0000-0000-0000-000000000000" Stencil="System.Media" StencilRevisionId="00000000-0000-0000-0000-000000000000" StencilVersion="1.0"/>
-</Control>
-</file>
-
-<file path=customXml/item143.xml><?xml version="1.0" encoding="utf-8"?>
-<Control xmlns="http://schemas.microsoft.com/VisualStudio/2011/storyboarding/control/v1.0">
-  <Id Name="System.Storyboard.Stencil.PhoneBrowserBar" RevisionId="00000000-0000-0000-0000-000000000000" Stencil="System.Windows_Phone_7" StencilRevisionId="00000000-0000-0000-0000-000000000000" StencilVersion="1.0"/>
-</Control>
-</file>
-
-<file path=customXml/item144.xml><?xml version="1.0" encoding="utf-8"?>
-<Control xmlns="http://schemas.microsoft.com/VisualStudio/2011/storyboarding/control">
-  <Id Name="System.Storyboarding.Backgrounds.Window" RevisionId="bdb52a43-f875-417f-a3f8-9b0259dd3051" Stencil="System.Storyboarding.Backgrounds" StencilRevisionId="bdb52a43-f875-417f-a3f8-9b0259dd3051" StencilVersion="0.1"/>
 </Control>
 </file>
 
@@ -46566,13 +46353,13 @@
 
 <file path=customXml/item146.xml><?xml version="1.0" encoding="utf-8"?>
 <Control xmlns="http://schemas.microsoft.com/VisualStudio/2011/storyboarding/control">
-  <Id Name="System.Storyboarding.Common.Text" Revision="1" Stencil="System.Storyboarding.Common" StencilVersion="0.1"/>
+  <Id Name="366cd925-969f-44e1-b789-354cb31b0dfd" RevisionId="87c5073a-f3d6-4c7e-a7b7-c9586eacad3b" Stencil="172d6d98-e5c9-42e9-a209-79f7a94bbd38" StencilRevisionId="00000000-0000-0000-0000-000000000000" StencilVersion="0.0"/>
 </Control>
 </file>
 
 <file path=customXml/item147.xml><?xml version="1.0" encoding="utf-8"?>
-<Control xmlns="http://schemas.microsoft.com/VisualStudio/2011/storyboarding/control">
-  <Id Name="System.Storyboarding.Common.TabGroup" Revision="1" Stencil="System.Storyboarding.Common" StencilVersion="0.1"/>
+<Control xmlns="http://schemas.microsoft.com/VisualStudio/2011/storyboarding/control/v1.0">
+  <Id Name="System.Storyboard.Stencil.VerticalBarChart" RevisionId="00000000-0000-0000-0000-000000000000" Stencil="System.Media" StencilRevisionId="00000000-0000-0000-0000-000000000000" StencilVersion="1.0"/>
 </Control>
 </file>
 
@@ -46584,13 +46371,13 @@
 
 <file path=customXml/item149.xml><?xml version="1.0" encoding="utf-8"?>
 <Control xmlns="http://schemas.microsoft.com/VisualStudio/2011/storyboarding/control">
-  <Id Name="System.Storyboarding.WindowsPhoneIcons.BaseCircle" Revision="1" Stencil="System.Storyboarding.WindowsPhoneIcons" StencilVersion="0.1"/>
+  <Id Name="366cd925-969f-44e1-b789-354cb31b0dfd" RevisionId="87c5073a-f3d6-4c7e-a7b7-c9586eacad3b" Stencil="172d6d98-e5c9-42e9-a209-79f7a94bbd38" StencilRevisionId="00000000-0000-0000-0000-000000000000" StencilVersion="0.0"/>
 </Control>
 </file>
 
 <file path=customXml/item15.xml><?xml version="1.0" encoding="utf-8"?>
 <Control xmlns="http://schemas.microsoft.com/VisualStudio/2011/storyboarding/control">
-  <Id Name="System.Storyboarding.Common.TextArea" Revision="1" Stencil="System.Storyboarding.Common" StencilVersion="0.1"/>
+  <Id Name="System.Storyboarding.WindowsPhoneIcons.BaseCircle" Revision="1" Stencil="System.Storyboarding.WindowsPhoneIcons" StencilVersion="0.1"/>
 </Control>
 </file>
 
@@ -46602,77 +46389,1041 @@
 
 <file path=customXml/item151.xml><?xml version="1.0" encoding="utf-8"?>
 <Control xmlns="http://schemas.microsoft.com/VisualStudio/2011/storyboarding/control">
+  <Id Name="System.Storyboarding.WindowsPhoneIcons.Cancel" Revision="1" Stencil="System.Storyboarding.WindowsPhoneIcons" StencilVersion="0.1"/>
+</Control>
+</file>
+
+<file path=customXml/item152.xml><?xml version="1.0" encoding="utf-8"?>
+<Control xmlns="http://schemas.microsoft.com/VisualStudio/2011/storyboarding/control">
+  <Id Name="600d61f4-2d09-42e6-a6db-83e260e051ae" RevisionId="3c9eb7e9-0ea7-4fb5-adc7-dcc81ff0fb36" Stencil="172d6d98-e5c9-42e9-a209-79f7a94bbd38" StencilRevisionId="00000000-0000-0000-0000-000000000000" StencilVersion="0.0"/>
+</Control>
+</file>
+
+<file path=customXml/item153.xml><?xml version="1.0" encoding="utf-8"?>
+<Control xmlns="http://schemas.microsoft.com/VisualStudio/2011/storyboarding/control">
+  <Id Name="366cd925-969f-44e1-b789-354cb31b0dfd" RevisionId="87c5073a-f3d6-4c7e-a7b7-c9586eacad3b" Stencil="172d6d98-e5c9-42e9-a209-79f7a94bbd38" StencilRevisionId="00000000-0000-0000-0000-000000000000" StencilVersion="0.0"/>
+</Control>
+</file>
+
+<file path=customXml/item154.xml><?xml version="1.0" encoding="utf-8"?>
+<Control xmlns="http://schemas.microsoft.com/VisualStudio/2011/storyboarding/control/v1.0">
+  <Id Name="System.Storyboard.Stencil.TreeList" RevisionId="00000000-0000-0000-0000-000000000000" Stencil="System.Common" StencilRevisionId="00000000-0000-0000-0000-000000000000" StencilVersion="1.0"/>
+</Control>
+</file>
+
+<file path=customXml/item155.xml><?xml version="1.0" encoding="utf-8"?>
+<Control xmlns="http://schemas.microsoft.com/VisualStudio/2011/storyboarding/control/v1.0">
+  <Id Name="System.Storyboard.Stencil.DropdownBox" RevisionId="00000000-0000-0000-0000-000000000000" Stencil="System.Common" StencilRevisionId="00000000-0000-0000-0000-000000000000" StencilVersion="1.0"/>
+</Control>
+</file>
+
+<file path=customXml/item156.xml><?xml version="1.0" encoding="utf-8"?>
+<Control xmlns="http://schemas.microsoft.com/VisualStudio/2011/storyboarding/control">
+  <Id Name="System.Storyboarding.Common.Text" Revision="1" Stencil="System.Storyboarding.Common" StencilVersion="0.1"/>
+</Control>
+</file>
+
+<file path=customXml/item157.xml><?xml version="1.0" encoding="utf-8"?>
+<Control xmlns="http://schemas.microsoft.com/VisualStudio/2011/storyboarding/control">
+  <Id Name="System.Storyboarding.WindowsPhoneIcons.BaseCircle" Revision="1" Stencil="System.Storyboarding.WindowsPhoneIcons" StencilVersion="0.1"/>
+</Control>
+</file>
+
+<file path=customXml/item158.xml><?xml version="1.0" encoding="utf-8"?>
+<Control xmlns="http://schemas.microsoft.com/VisualStudio/2011/storyboarding/control">
+  <Id Name="System.Storyboarding.Common.Button" Revision="1" Stencil="System.Storyboarding.Common" StencilVersion="0.1"/>
+</Control>
+</file>
+
+<file path=customXml/item159.xml><?xml version="1.0" encoding="utf-8"?>
+<Control xmlns="http://schemas.microsoft.com/VisualStudio/2011/storyboarding/control">
+  <Id Name="System.Storyboarding.Common.MouseClick" Revision="1" Stencil="System.Storyboarding.Common" StencilVersion="0.1"/>
+</Control>
+</file>
+
+<file path=customXml/item16.xml><?xml version="1.0" encoding="utf-8"?>
+<Control xmlns="http://schemas.microsoft.com/VisualStudio/2011/storyboarding/control">
+  <Id Name="System.Storyboarding.Common.TabGroup" Revision="1" Stencil="System.Storyboarding.Common" StencilVersion="0.1"/>
+</Control>
+</file>
+
+<file path=customXml/item160.xml><?xml version="1.0" encoding="utf-8"?>
+<Control xmlns="http://schemas.microsoft.com/VisualStudio/2011/storyboarding/control">
+  <Id Name="System.Storyboarding.Common.DropdownBox" Revision="1" Stencil="System.Storyboarding.Common" StencilVersion="0.1"/>
+</Control>
+</file>
+
+<file path=customXml/item161.xml><?xml version="1.0" encoding="utf-8"?>
+<Control xmlns="http://schemas.microsoft.com/VisualStudio/2011/storyboarding/control">
+  <Id Name="366cd925-969f-44e1-b789-354cb31b0dfd" RevisionId="87c5073a-f3d6-4c7e-a7b7-c9586eacad3b" Stencil="172d6d98-e5c9-42e9-a209-79f7a94bbd38" StencilRevisionId="00000000-0000-0000-0000-000000000000" StencilVersion="0.0"/>
+</Control>
+</file>
+
+<file path=customXml/item162.xml><?xml version="1.0" encoding="utf-8"?>
+<Control xmlns="http://schemas.microsoft.com/VisualStudio/2011/storyboarding/control">
+  <Id Name="System.Storyboarding.Common.DropdownBox" Revision="1" Stencil="System.Storyboarding.Common" StencilVersion="0.1"/>
+</Control>
+</file>
+
+<file path=customXml/item163.xml><?xml version="1.0" encoding="utf-8"?>
+<Control xmlns="http://schemas.microsoft.com/VisualStudio/2011/storyboarding/control">
+  <Id Name="System.Storyboarding.Common.MouseClick" Revision="1" Stencil="System.Storyboarding.Common" StencilVersion="0.1"/>
+</Control>
+</file>
+
+<file path=customXml/item164.xml><?xml version="1.0" encoding="utf-8"?>
+<Control xmlns="http://schemas.microsoft.com/VisualStudio/2011/storyboarding/control">
+  <Id Name="System.Storyboarding.WindowsPhoneIcons.Save" Revision="1" Stencil="System.Storyboarding.WindowsPhoneIcons" StencilVersion="0.1"/>
+</Control>
+</file>
+
+<file path=customXml/item165.xml><?xml version="1.0" encoding="utf-8"?>
+<Control xmlns="http://schemas.microsoft.com/VisualStudio/2011/storyboarding/control">
+  <Id Name="System.Storyboarding.Common.DropdownBox" Revision="1" Stencil="System.Storyboarding.Common" StencilVersion="0.1"/>
+</Control>
+</file>
+
+<file path=customXml/item166.xml><?xml version="1.0" encoding="utf-8"?>
+<Control xmlns="http://schemas.microsoft.com/VisualStudio/2011/storyboarding/control">
+  <Id Name="System.Storyboarding.Common.Text" Revision="1" Stencil="System.Storyboarding.Common" StencilVersion="0.1"/>
+</Control>
+</file>
+
+<file path=customXml/item167.xml><?xml version="1.0" encoding="utf-8"?>
+<Control xmlns="http://schemas.microsoft.com/VisualStudio/2011/storyboarding/control">
+  <Id Name="System.Storyboarding.Common.DropdownBox" Revision="1" Stencil="System.Storyboarding.Common" StencilVersion="0.1"/>
+</Control>
+</file>
+
+<file path=customXml/item168.xml><?xml version="1.0" encoding="utf-8"?>
+<Control xmlns="http://schemas.microsoft.com/VisualStudio/2011/storyboarding/control">
+  <Id Name="System.Storyboarding.Common.DropdownBox" Revision="1" Stencil="System.Storyboarding.Common" StencilVersion="0.1"/>
+</Control>
+</file>
+
+<file path=customXml/item169.xml><?xml version="1.0" encoding="utf-8"?>
+<Control xmlns="http://schemas.microsoft.com/VisualStudio/2011/storyboarding/control">
   <Id Name="System.Storyboarding.Common.SearchBox" Revision="1" Stencil="System.Storyboarding.Common" StencilVersion="0.1"/>
 </Control>
 </file>
 
-<file path=customXml/item152.xml><?xml version="1.0" encoding="utf-8"?>
+<file path=customXml/item17.xml><?xml version="1.0" encoding="utf-8"?>
+<Control xmlns="http://schemas.microsoft.com/VisualStudio/2011/storyboarding/control">
+  <Id Name="System.Storyboarding.Common.Text" Revision="1" Stencil="System.Storyboarding.Common" StencilVersion="0.1"/>
+</Control>
+</file>
+
+<file path=customXml/item170.xml><?xml version="1.0" encoding="utf-8"?>
+<Control xmlns="http://schemas.microsoft.com/VisualStudio/2011/storyboarding/control">
+  <Id Name="System.Storyboarding.Common.DropdownBox" Revision="1" Stencil="System.Storyboarding.Common" StencilVersion="0.1"/>
+</Control>
+</file>
+
+<file path=customXml/item171.xml><?xml version="1.0" encoding="utf-8"?>
+<Control xmlns="http://schemas.microsoft.com/VisualStudio/2011/storyboarding/control/v1.0">
+  <Id Name="System.Storyboard.Stencil.Button" RevisionId="00000000-0000-0000-0000-000000000000" Stencil="System.Common" StencilRevisionId="00000000-0000-0000-0000-000000000000" StencilVersion="1.0"/>
+</Control>
+</file>
+
+<file path=customXml/item172.xml><?xml version="1.0" encoding="utf-8"?>
+<Control xmlns="http://schemas.microsoft.com/VisualStudio/2011/storyboarding/control">
+  <Id Name="System.Storyboarding.Common.DropdownBox" Revision="1" Stencil="System.Storyboarding.Common" StencilVersion="0.1"/>
+</Control>
+</file>
+
+<file path=customXml/item173.xml><?xml version="1.0" encoding="utf-8"?>
+<Control xmlns="http://schemas.microsoft.com/VisualStudio/2011/storyboarding/control">
+  <Id Name="System.Storyboarding.Common.Button" Revision="1" Stencil="System.Storyboarding.Common" StencilVersion="0.1"/>
+</Control>
+</file>
+
+<file path=customXml/item174.xml><?xml version="1.0" encoding="utf-8"?>
+<Control xmlns="http://schemas.microsoft.com/VisualStudio/2011/storyboarding/control">
+  <Id Name="System.Storyboarding.Common.DropdownBox" Revision="1" Stencil="System.Storyboarding.Common" StencilVersion="0.1"/>
+</Control>
+</file>
+
+<file path=customXml/item175.xml><?xml version="1.0" encoding="utf-8"?>
+<Control xmlns="http://schemas.microsoft.com/VisualStudio/2011/storyboarding/control">
+  <Id Name="System.Storyboarding.Common.SearchBox" Revision="1" Stencil="System.Storyboarding.Common" StencilVersion="0.1"/>
+</Control>
+</file>
+
+<file path=customXml/item176.xml><?xml version="1.0" encoding="utf-8"?>
+<Control xmlns="http://schemas.microsoft.com/VisualStudio/2011/storyboarding/control">
+  <Id Name="System.Storyboarding.Common.TextInput" Revision="1" Stencil="System.Storyboarding.Common" StencilVersion="0.1"/>
+</Control>
+</file>
+
+<file path=customXml/item177.xml><?xml version="1.0" encoding="utf-8"?>
+<Control xmlns="http://schemas.microsoft.com/VisualStudio/2011/storyboarding/control">
+  <Id Name="System.Storyboarding.Common.Button" Revision="1" Stencil="System.Storyboarding.Common" StencilVersion="0.1"/>
+</Control>
+</file>
+
+<file path=customXml/item178.xml><?xml version="1.0" encoding="utf-8"?>
+<Control xmlns="http://schemas.microsoft.com/VisualStudio/2011/storyboarding/control">
+  <Id Name="System.Storyboarding.Common.Button" Revision="1" Stencil="System.Storyboarding.Common" StencilVersion="0.1"/>
+</Control>
+</file>
+
+<file path=customXml/item179.xml><?xml version="1.0" encoding="utf-8"?>
+<Control xmlns="http://schemas.microsoft.com/VisualStudio/2011/storyboarding/control/v1.0">
+  <Id Name="System.Storyboard.Stencil.TextArea" RevisionId="00000000-0000-0000-0000-000000000000" Stencil="System.Common" StencilRevisionId="00000000-0000-0000-0000-000000000000" StencilVersion="1.0"/>
+</Control>
+</file>
+
+<file path=customXml/item18.xml><?xml version="1.0" encoding="utf-8"?>
+<Control xmlns="http://schemas.microsoft.com/VisualStudio/2011/storyboarding/control/v1.0">
+  <Id Name="System.Storyboard.Stencil.PhoneTile" RevisionId="00000000-0000-0000-0000-000000000000" Stencil="System.Windows_Phone_7" StencilRevisionId="00000000-0000-0000-0000-000000000000" StencilVersion="1.0"/>
+</Control>
+</file>
+
+<file path=customXml/item180.xml><?xml version="1.0" encoding="utf-8"?>
+<Control xmlns="http://schemas.microsoft.com/VisualStudio/2011/storyboarding/control">
+  <Id Name="9d9c56e0-6ca3-4298-b757-9c73dab947ac" RevisionId="993ea365-49c2-46dc-bf14-e971e460de1e" Stencil="172d6d98-e5c9-42e9-a209-79f7a94bbd38" StencilRevisionId="00000000-0000-0000-0000-000000000000" StencilVersion="0.0"/>
+</Control>
+</file>
+
+<file path=customXml/item181.xml><?xml version="1.0" encoding="utf-8"?>
+<Control xmlns="http://schemas.microsoft.com/VisualStudio/2011/storyboarding/control">
+  <Id Name="System.Storyboarding.Common.Text" Revision="1" Stencil="System.Storyboarding.Common" StencilVersion="0.1"/>
+</Control>
+</file>
+
+<file path=customXml/item182.xml><?xml version="1.0" encoding="utf-8"?>
+<Control xmlns="http://schemas.microsoft.com/VisualStudio/2011/storyboarding/control/v1.0">
+  <Id Name="System.Storyboard.Stencil.VerticalSplitter" RevisionId="00000000-0000-0000-0000-000000000000" Stencil="System.Windows" StencilRevisionId="00000000-0000-0000-0000-000000000000" StencilVersion="1.0"/>
+</Control>
+</file>
+
+<file path=customXml/item183.xml><?xml version="1.0" encoding="utf-8"?>
+<Control xmlns="http://schemas.microsoft.com/VisualStudio/2011/storyboarding/control">
+  <Id Name="System.Storyboarding.Common.TextInput" Revision="1" Stencil="System.Storyboarding.Common" StencilVersion="0.1"/>
+</Control>
+</file>
+
+<file path=customXml/item184.xml><?xml version="1.0" encoding="utf-8"?>
+<Control xmlns="http://schemas.microsoft.com/VisualStudio/2011/storyboarding/control">
+  <Id Name="System.Storyboarding.Common.MouseClick" Revision="1" Stencil="System.Storyboarding.Common" StencilVersion="0.1"/>
+</Control>
+</file>
+
+<file path=customXml/item185.xml><?xml version="1.0" encoding="utf-8"?>
+<Control xmlns="http://schemas.microsoft.com/VisualStudio/2011/storyboarding/control">
+  <Id Name="System.Storyboarding.Common.SearchBox" Revision="1" Stencil="System.Storyboarding.Common" StencilVersion="0.1"/>
+</Control>
+</file>
+
+<file path=customXml/item186.xml><?xml version="1.0" encoding="utf-8"?>
+<Control xmlns="http://schemas.microsoft.com/VisualStudio/2011/storyboarding/control">
+  <Id Name="System.Storyboarding.WindowsPhoneIcons.Cancel" Revision="1" Stencil="System.Storyboarding.WindowsPhoneIcons" StencilVersion="0.1"/>
+</Control>
+</file>
+
+<file path=customXml/item187.xml><?xml version="1.0" encoding="utf-8"?>
+<Control xmlns="http://schemas.microsoft.com/VisualStudio/2011/storyboarding/control">
+  <Id Name="System.Storyboarding.WindowsPhoneIcons.BaseCircle" Revision="1" Stencil="System.Storyboarding.WindowsPhoneIcons" StencilVersion="0.1"/>
+</Control>
+</file>
+
+<file path=customXml/item188.xml><?xml version="1.0" encoding="utf-8"?>
+<Control xmlns="http://schemas.microsoft.com/VisualStudio/2011/storyboarding/control">
+  <Id Name="System.Storyboarding.WindowsPhoneIcons.Save" Revision="1" Stencil="System.Storyboarding.WindowsPhoneIcons" StencilVersion="0.1"/>
+</Control>
+</file>
+
+<file path=customXml/item189.xml><?xml version="1.0" encoding="utf-8"?>
+<Control xmlns="http://schemas.microsoft.com/VisualStudio/2011/storyboarding/control/v1.0">
+  <Id Name="System.Storyboard.Stencil.PlayControls" RevisionId="00000000-0000-0000-0000-000000000000" Stencil="System.Media" StencilRevisionId="00000000-0000-0000-0000-000000000000" StencilVersion="1.0"/>
+</Control>
+</file>
+
+<file path=customXml/item19.xml><?xml version="1.0" encoding="utf-8"?>
+<Control xmlns="http://schemas.microsoft.com/VisualStudio/2011/storyboarding/control">
+  <Id Name="System.Storyboarding.WindowsPhoneIcons.BaseCircle" Revision="1" Stencil="System.Storyboarding.WindowsPhoneIcons" StencilVersion="0.1"/>
+</Control>
+</file>
+
+<file path=customXml/item190.xml><?xml version="1.0" encoding="utf-8"?>
+<Control xmlns="http://schemas.microsoft.com/VisualStudio/2011/storyboarding/control">
+  <Id Name="System.Storyboarding.Common.Text" Revision="1" Stencil="System.Storyboarding.Common" StencilVersion="0.1"/>
+</Control>
+</file>
+
+<file path=customXml/item191.xml><?xml version="1.0" encoding="utf-8"?>
+<Control xmlns="http://schemas.microsoft.com/VisualStudio/2011/storyboarding/control">
+  <Id Name="System.Storyboarding.Common.Text" Revision="1" Stencil="System.Storyboarding.Common" StencilVersion="0.1"/>
+</Control>
+</file>
+
+<file path=customXml/item192.xml><?xml version="1.0" encoding="utf-8"?>
+<Control xmlns="http://schemas.microsoft.com/VisualStudio/2011/storyboarding/control">
+  <Id Name="System.Storyboarding.Common.SearchBox" Revision="1" Stencil="System.Storyboarding.Common" StencilVersion="0.1"/>
+</Control>
+</file>
+
+<file path=customXml/item193.xml><?xml version="1.0" encoding="utf-8"?>
+<Control xmlns="http://schemas.microsoft.com/VisualStudio/2011/storyboarding/control">
+  <Id Name="System.Storyboarding.Common.CheckBoxUnchecked" Revision="1" Stencil="System.Storyboarding.Common" StencilVersion="0.1"/>
+</Control>
+</file>
+
+<file path=customXml/item194.xml><?xml version="1.0" encoding="utf-8"?>
+<Control xmlns="http://schemas.microsoft.com/VisualStudio/2011/storyboarding/control">
+  <Id Name="System.Storyboarding.WindowsPhoneIcons.BaseCircle" Revision="1" Stencil="System.Storyboarding.WindowsPhoneIcons" StencilVersion="0.1"/>
+</Control>
+</file>
+
+<file path=customXml/item195.xml><?xml version="1.0" encoding="utf-8"?>
+<Control xmlns="http://schemas.microsoft.com/VisualStudio/2011/storyboarding/control">
+  <Id Name="b5742593-4330-4997-98c6-02e7437a7975" Revision="1" Stencil="System.MyShapes" StencilVersion="1.0"/>
+</Control>
+</file>
+
+<file path=customXml/item196.xml><?xml version="1.0" encoding="utf-8"?>
+<Control xmlns="http://schemas.microsoft.com/VisualStudio/2011/storyboarding/control">
+  <Id Name="System.Storyboarding.Common.SearchBox" Revision="1" Stencil="System.Storyboarding.Common" StencilVersion="0.1"/>
+</Control>
+</file>
+
+<file path=customXml/item197.xml><?xml version="1.0" encoding="utf-8"?>
+<Control xmlns="http://schemas.microsoft.com/VisualStudio/2011/storyboarding/control/v1.0">
+  <Id Name="System.Storyboard.Stencil.Group" RevisionId="00000000-0000-0000-0000-000000000000" Stencil="System.Windows" StencilRevisionId="00000000-0000-0000-0000-000000000000" StencilVersion="1.0"/>
+</Control>
+</file>
+
+<file path=customXml/item198.xml><?xml version="1.0" encoding="utf-8"?>
+<Control xmlns="http://schemas.microsoft.com/VisualStudio/2011/storyboarding/control">
+  <Id Name="System.Storyboarding.Common.SearchBox" Revision="1" Stencil="System.Storyboarding.Common" StencilVersion="0.1"/>
+</Control>
+</file>
+
+<file path=customXml/item199.xml><?xml version="1.0" encoding="utf-8"?>
+<Control xmlns="http://schemas.microsoft.com/VisualStudio/2011/storyboarding/control">
+  <Id Name="System.Storyboarding.WindowsPhoneIcons.Cancel" Revision="1" Stencil="System.Storyboarding.WindowsPhoneIcons" StencilVersion="0.1"/>
+</Control>
+</file>
+
+<file path=customXml/item2.xml><?xml version="1.0" encoding="utf-8"?>
+<Control xmlns="http://schemas.microsoft.com/VisualStudio/2011/storyboarding/control/v1.0">
+  <Id Name="System.Storyboard.Stencil.PositionControl" RevisionId="00000000-0000-0000-0000-000000000000" Stencil="System.Media" StencilRevisionId="00000000-0000-0000-0000-000000000000" StencilVersion="1.0"/>
+</Control>
+</file>
+
+<file path=customXml/item20.xml><?xml version="1.0" encoding="utf-8"?>
+<Control xmlns="http://schemas.microsoft.com/VisualStudio/2011/storyboarding/control">
+  <Id Name="System.Storyboarding.Common.SearchBox" Revision="1" Stencil="System.Storyboarding.Common" StencilVersion="0.1"/>
+</Control>
+</file>
+
+<file path=customXml/item200.xml><?xml version="1.0" encoding="utf-8"?>
+<Control xmlns="http://schemas.microsoft.com/VisualStudio/2011/storyboarding/control">
+  <Id Name="System.Storyboarding.WindowsPhoneIcons.Save" Revision="1" Stencil="System.Storyboarding.WindowsPhoneIcons" StencilVersion="0.1"/>
+</Control>
+</file>
+
+<file path=customXml/item201.xml><?xml version="1.0" encoding="utf-8"?>
+<Control xmlns="http://schemas.microsoft.com/VisualStudio/2011/storyboarding/control">
+  <Id Name="System.Storyboarding.Common.Text" Revision="1" Stencil="System.Storyboarding.Common" StencilVersion="0.1"/>
+</Control>
+</file>
+
+<file path=customXml/item202.xml><?xml version="1.0" encoding="utf-8"?>
+<Control xmlns="http://schemas.microsoft.com/VisualStudio/2011/storyboarding/control">
+  <Id Name="System.Storyboarding.Common.DropdownBox" Revision="1" Stencil="System.Storyboarding.Common" StencilVersion="0.1"/>
+</Control>
+</file>
+
+<file path=customXml/item203.xml><?xml version="1.0" encoding="utf-8"?>
+<?mso-contentType ?>
+<spe:Receivers xmlns:spe="http://schemas.microsoft.com/sharepoint/events">
+  <Receiver>
+    <Name>Document ID Generator</Name>
+    <Synchronization>Synchronous</Synchronization>
+    <Type>10001</Type>
+    <SequenceNumber>1000</SequenceNumber>
+    <Assembly>Microsoft.Office.DocumentManagement, Version=14.0.0.0, Culture=neutral, PublicKeyToken=71e9bce111e9429c</Assembly>
+    <Class>Microsoft.Office.DocumentManagement.Internal.DocIdHandler</Class>
+    <Data/>
+    <Filter/>
+  </Receiver>
+  <Receiver>
+    <Name>Document ID Generator</Name>
+    <Synchronization>Synchronous</Synchronization>
+    <Type>10002</Type>
+    <SequenceNumber>1001</SequenceNumber>
+    <Assembly>Microsoft.Office.DocumentManagement, Version=14.0.0.0, Culture=neutral, PublicKeyToken=71e9bce111e9429c</Assembly>
+    <Class>Microsoft.Office.DocumentManagement.Internal.DocIdHandler</Class>
+    <Data/>
+    <Filter/>
+  </Receiver>
+  <Receiver>
+    <Name>Document ID Generator</Name>
+    <Synchronization>Synchronous</Synchronization>
+    <Type>10004</Type>
+    <SequenceNumber>1002</SequenceNumber>
+    <Assembly>Microsoft.Office.DocumentManagement, Version=14.0.0.0, Culture=neutral, PublicKeyToken=71e9bce111e9429c</Assembly>
+    <Class>Microsoft.Office.DocumentManagement.Internal.DocIdHandler</Class>
+    <Data/>
+    <Filter/>
+  </Receiver>
+  <Receiver>
+    <Name>Document ID Generator</Name>
+    <Synchronization>Synchronous</Synchronization>
+    <Type>10006</Type>
+    <SequenceNumber>1003</SequenceNumber>
+    <Assembly>Microsoft.Office.DocumentManagement, Version=14.0.0.0, Culture=neutral, PublicKeyToken=71e9bce111e9429c</Assembly>
+    <Class>Microsoft.Office.DocumentManagement.Internal.DocIdHandler</Class>
+    <Data/>
+    <Filter/>
+  </Receiver>
+</spe:Receivers>
+</file>
+
+<file path=customXml/item204.xml><?xml version="1.0" encoding="utf-8"?>
+<Control xmlns="http://schemas.microsoft.com/VisualStudio/2011/storyboarding/control">
+  <Id Name="System.Storyboarding.WindowsPhoneIcons.BaseCircle" Revision="1" Stencil="System.Storyboarding.WindowsPhoneIcons" StencilVersion="0.1"/>
+</Control>
+</file>
+
+<file path=customXml/item205.xml><?xml version="1.0" encoding="utf-8"?>
+<Control xmlns="http://schemas.microsoft.com/VisualStudio/2011/storyboarding/control">
+  <Id Name="System.Storyboarding.Common.SearchBox" Revision="1" Stencil="System.Storyboarding.Common" StencilVersion="0.1"/>
+</Control>
+</file>
+
+<file path=customXml/item206.xml><?xml version="1.0" encoding="utf-8"?>
+<Control xmlns="http://schemas.microsoft.com/VisualStudio/2011/storyboarding/control">
+  <Id Name="System.Storyboarding.Common.Text" Revision="1" Stencil="System.Storyboarding.Common" StencilVersion="0.1"/>
+</Control>
+</file>
+
+<file path=customXml/item207.xml><?xml version="1.0" encoding="utf-8"?>
+<Control xmlns="http://schemas.microsoft.com/VisualStudio/2011/storyboarding/control">
+  <Id Name="System.Storyboarding.Common.TextInput" Revision="1" Stencil="System.Storyboarding.Common" StencilVersion="0.1"/>
+</Control>
+</file>
+
+<file path=customXml/item208.xml><?xml version="1.0" encoding="utf-8"?>
+<Control xmlns="http://schemas.microsoft.com/VisualStudio/2011/storyboarding/control">
+  <Id Name="System.Storyboarding.Common.Text" Revision="1" Stencil="System.Storyboarding.Common" StencilVersion="0.1"/>
+</Control>
+</file>
+
+<file path=customXml/item209.xml><?xml version="1.0" encoding="utf-8"?>
+<Control xmlns="http://schemas.microsoft.com/VisualStudio/2011/storyboarding/control">
+  <Id Name="System.Storyboarding.Common.Text" Revision="1" Stencil="System.Storyboarding.Common" StencilVersion="0.1"/>
+</Control>
+</file>
+
+<file path=customXml/item21.xml><?xml version="1.0" encoding="utf-8"?>
 <Control xmlns="http://schemas.microsoft.com/VisualStudio/2011/storyboarding/control/v1.0">
   <Id Name="System.Storyboarding.Common.Text" RevisionId="68ea164d-c1de-47a5-804f-d4d1290fa524" Stencil="System.Storyboarding.Common" StencilRevisionId="68ea164d-c1de-47a5-804f-d4d1290fa524" StencilVersion="0.1"/>
 </Control>
 </file>
 
-<file path=customXml/item153.xml><?xml version="1.0" encoding="utf-8"?>
+<file path=customXml/item210.xml><?xml version="1.0" encoding="utf-8"?>
 <Control xmlns="http://schemas.microsoft.com/VisualStudio/2011/storyboarding/control/v1.0">
-  <Id Name="System.Storyboard.Stencil.PhoneApplicationBar" RevisionId="00000000-0000-0000-0000-000000000000" Stencil="System.Windows_Phone_7" StencilRevisionId="00000000-0000-0000-0000-000000000000" StencilVersion="1.0"/>
+  <Id Name="System.Storyboarding.Common.Text" RevisionId="68ea164d-c1de-47a5-804f-d4d1290fa524" Stencil="System.Storyboarding.Common" StencilRevisionId="68ea164d-c1de-47a5-804f-d4d1290fa524" StencilVersion="0.1"/>
 </Control>
 </file>
 
-<file path=customXml/item154.xml><?xml version="1.0" encoding="utf-8"?>
+<file path=customXml/item211.xml><?xml version="1.0" encoding="utf-8"?>
+<Control xmlns="http://schemas.microsoft.com/VisualStudio/2011/storyboarding/control">
+  <Id Name="System.Storyboarding.Common.TabGroupVertical" Revision="1" Stencil="System.Storyboarding.Common" StencilVersion="0.1"/>
+</Control>
+</file>
+
+<file path=customXml/item212.xml><?xml version="1.0" encoding="utf-8"?>
+<Control xmlns="http://schemas.microsoft.com/VisualStudio/2011/storyboarding/control">
+  <Id Name="System.Storyboarding.Common.TabGroup" Revision="1" Stencil="System.Storyboarding.Common" StencilVersion="0.1"/>
+</Control>
+</file>
+
+<file path=customXml/item213.xml><?xml version="1.0" encoding="utf-8"?>
+<Control xmlns="http://schemas.microsoft.com/VisualStudio/2011/storyboarding/control">
+  <Id Name="System.Storyboarding.Common.TextInput" Revision="1" Stencil="System.Storyboarding.Common" StencilVersion="0.1"/>
+</Control>
+</file>
+
+<file path=customXml/item214.xml><?xml version="1.0" encoding="utf-8"?>
+<Control xmlns="http://schemas.microsoft.com/VisualStudio/2011/storyboarding/control">
+  <Id Name="System.Storyboarding.Common.DataGrid" Revision="1" Stencil="System.Storyboarding.Common" StencilVersion="0.1"/>
+</Control>
+</file>
+
+<file path=customXml/item215.xml><?xml version="1.0" encoding="utf-8"?>
 <Control xmlns="http://schemas.microsoft.com/VisualStudio/2011/storyboarding/control/v1.0">
-  <Id Name="System.Storyboard.Stencil.FourItemList" RevisionId="00000000-0000-0000-0000-000000000000" Stencil="System.Common" StencilRevisionId="00000000-0000-0000-0000-000000000000" StencilVersion="1.0"/>
+  <Id Name="System.Storyboarding.Icons.FolderOpen" RevisionId="05cd6d03-c0b2-488e-98a7-d68de69a2cfc" Stencil="System.Storyboarding.Icons" StencilRevisionId="05cd6d03-c0b2-488e-98a7-d68de69a2cfc" StencilVersion="0.1"/>
 </Control>
 </file>
 
-<file path=customXml/item155.xml><?xml version="1.0" encoding="utf-8"?>
+<file path=customXml/item216.xml><?xml version="1.0" encoding="utf-8"?>
+<Control xmlns="http://schemas.microsoft.com/VisualStudio/2011/storyboarding/control">
+  <Id Name="System.Storyboarding.Common.MouseClick" Revision="1" Stencil="System.Storyboarding.Common" StencilVersion="0.1"/>
+</Control>
+</file>
+
+<file path=customXml/item217.xml><?xml version="1.0" encoding="utf-8"?>
+<Control xmlns="http://schemas.microsoft.com/VisualStudio/2011/storyboarding/control">
+  <Id Name="System.Storyboarding.Common.TextInput" Revision="1" Stencil="System.Storyboarding.Common" StencilVersion="0.1"/>
+</Control>
+</file>
+
+<file path=customXml/item218.xml><?xml version="1.0" encoding="utf-8"?>
+<Control xmlns="http://schemas.microsoft.com/VisualStudio/2011/storyboarding/control">
+  <Id Name="System.Storyboarding.Common.Text" Revision="1" Stencil="System.Storyboarding.Common" StencilVersion="0.1"/>
+</Control>
+</file>
+
+<file path=customXml/item219.xml><?xml version="1.0" encoding="utf-8"?>
+<Control xmlns="http://schemas.microsoft.com/VisualStudio/2011/storyboarding/control/v1.0">
+  <Id Name="System.Storyboarding.Media.Image" RevisionId="658c0869-8ded-44f2-a68a-f8e8fcb7d3bd" Stencil="System.Storyboarding.Media" StencilRevisionId="658c0869-8ded-44f2-a68a-f8e8fcb7d3bd" StencilVersion="0.1"/>
+</Control>
+</file>
+
+<file path=customXml/item22.xml><?xml version="1.0" encoding="utf-8"?>
 <Control xmlns="http://schemas.microsoft.com/VisualStudio/2011/storyboarding/control">
   <Id Name="System.Storyboarding.Common.DropdownBox" Revision="1" Stencil="System.Storyboarding.Common" StencilVersion="0.1"/>
 </Control>
 </file>
 
-<file path=customXml/item156.xml><?xml version="1.0" encoding="utf-8"?>
+<file path=customXml/item220.xml><?xml version="1.0" encoding="utf-8"?>
+<Control xmlns="http://schemas.microsoft.com/VisualStudio/2011/storyboarding/control">
+  <Id Name="System.Storyboarding.Common.MouseClick" Revision="1" Stencil="System.Storyboarding.Common" StencilVersion="0.1"/>
+</Control>
+</file>
+
+<file path=customXml/item221.xml><?xml version="1.0" encoding="utf-8"?>
+<Control xmlns="http://schemas.microsoft.com/VisualStudio/2011/storyboarding/control">
+  <Id Name="System.Storyboarding.WindowsPhoneIcons.Cancel" Revision="1" Stencil="System.Storyboarding.WindowsPhoneIcons" StencilVersion="0.1"/>
+</Control>
+</file>
+
+<file path=customXml/item222.xml><?xml version="1.0" encoding="utf-8"?>
+<Control xmlns="http://schemas.microsoft.com/VisualStudio/2011/storyboarding/control">
+  <Id Name="System.Storyboarding.Common.Text" Revision="1" Stencil="System.Storyboarding.Common" StencilVersion="0.1"/>
+</Control>
+</file>
+
+<file path=customXml/item223.xml><?xml version="1.0" encoding="utf-8"?>
+<Control xmlns="http://schemas.microsoft.com/VisualStudio/2011/storyboarding/control">
+  <Id Name="b5742593-4330-4997-98c6-02e7437a7975" Revision="1" Stencil="System.MyShapes" StencilVersion="1.0"/>
+</Control>
+</file>
+
+<file path=customXml/item224.xml><?xml version="1.0" encoding="utf-8"?>
+<Control xmlns="http://schemas.microsoft.com/VisualStudio/2011/storyboarding/control">
+  <Id Name="System.Storyboarding.WindowsPhoneIcons.BaseCircle" Revision="1" Stencil="System.Storyboarding.WindowsPhoneIcons" StencilVersion="0.1"/>
+</Control>
+</file>
+
+<file path=customXml/item225.xml><?xml version="1.0" encoding="utf-8"?>
+<Control xmlns="http://schemas.microsoft.com/VisualStudio/2011/storyboarding/control/v1.0">
+  <Id Name="System.Storyboard.Stencil.HorizontalScrollbar" RevisionId="00000000-0000-0000-0000-000000000000" Stencil="System.Common" StencilRevisionId="00000000-0000-0000-0000-000000000000" StencilVersion="1.0"/>
+</Control>
+</file>
+
+<file path=customXml/item226.xml><?xml version="1.0" encoding="utf-8"?>
+<Control xmlns="http://schemas.microsoft.com/VisualStudio/2011/storyboarding/control">
+  <Id Name="System.Storyboarding.Common.TextInput" Revision="1" Stencil="System.Storyboarding.Common" StencilVersion="0.1"/>
+</Control>
+</file>
+
+<file path=customXml/item227.xml><?xml version="1.0" encoding="utf-8"?>
+<Control xmlns="http://schemas.microsoft.com/VisualStudio/2011/storyboarding/control">
+  <Id Name="System.Storyboarding.Common.SearchBox" Revision="1" Stencil="System.Storyboarding.Common" StencilVersion="0.1"/>
+</Control>
+</file>
+
+<file path=customXml/item228.xml><?xml version="1.0" encoding="utf-8"?>
+<Control xmlns="http://schemas.microsoft.com/VisualStudio/2011/storyboarding/control">
+  <Id Name="366cd925-969f-44e1-b789-354cb31b0dfd" RevisionId="87c5073a-f3d6-4c7e-a7b7-c9586eacad3b" Stencil="172d6d98-e5c9-42e9-a209-79f7a94bbd38" StencilRevisionId="00000000-0000-0000-0000-000000000000" StencilVersion="0.0"/>
+</Control>
+</file>
+
+<file path=customXml/item229.xml><?xml version="1.0" encoding="utf-8"?>
+<Control xmlns="http://schemas.microsoft.com/VisualStudio/2011/storyboarding/control">
+  <Id Name="System.Storyboarding.Annotation.AnimatedRectangleCallout" Revision="1" Stencil="System.Storyboarding.Annotation" StencilVersion="0.1"/>
+</Control>
+</file>
+
+<file path=customXml/item23.xml><?xml version="1.0" encoding="utf-8"?>
+<Control xmlns="http://schemas.microsoft.com/VisualStudio/2011/storyboarding/control">
+  <Id Name="System.Storyboarding.Common.TextArea" Revision="1" Stencil="System.Storyboarding.Common" StencilVersion="0.1"/>
+</Control>
+</file>
+
+<file path=customXml/item230.xml><?xml version="1.0" encoding="utf-8"?>
+<Control xmlns="http://schemas.microsoft.com/VisualStudio/2011/storyboarding/control">
+  <Id Name="System.Storyboarding.Common.MouseClick" Revision="1" Stencil="System.Storyboarding.Common" StencilVersion="0.1"/>
+</Control>
+</file>
+
+<file path=customXml/item231.xml><?xml version="1.0" encoding="utf-8"?>
+<Control xmlns="http://schemas.microsoft.com/VisualStudio/2011/storyboarding/control">
+  <Id Name="System.Storyboarding.Common.TabGroup" Revision="1" Stencil="System.Storyboarding.Common" StencilVersion="0.1"/>
+</Control>
+</file>
+
+<file path=customXml/item232.xml><?xml version="1.0" encoding="utf-8"?>
+<Control xmlns="http://schemas.microsoft.com/VisualStudio/2011/storyboarding/control">
+  <Id Name="System.Storyboarding.Backgrounds.WindowsPhone" RevisionId="bdb52a43-f875-417f-a3f8-9b0259dd3051" Stencil="System.Storyboarding.Backgrounds" StencilRevisionId="bdb52a43-f875-417f-a3f8-9b0259dd3051" StencilVersion="0.1"/>
+</Control>
+</file>
+
+<file path=customXml/item233.xml><?xml version="1.0" encoding="utf-8"?>
+<Control xmlns="http://schemas.microsoft.com/VisualStudio/2011/storyboarding/control">
+  <Id Name="System.Storyboarding.Common.TextArea" Revision="1" Stencil="System.Storyboarding.Common" StencilVersion="0.1"/>
+</Control>
+</file>
+
+<file path=customXml/item234.xml><?xml version="1.0" encoding="utf-8"?>
+<Control xmlns="http://schemas.microsoft.com/VisualStudio/2011/storyboarding/control">
+  <Id Name="System.Storyboarding.Common.Text" Revision="1" Stencil="System.Storyboarding.Common" StencilVersion="0.1"/>
+</Control>
+</file>
+
+<file path=customXml/item235.xml><?xml version="1.0" encoding="utf-8"?>
+<Control xmlns="http://schemas.microsoft.com/VisualStudio/2011/storyboarding/control">
+  <Id Name="System.Storyboarding.Common.SearchBox" Revision="1" Stencil="System.Storyboarding.Common" StencilVersion="0.1"/>
+</Control>
+</file>
+
+<file path=customXml/item236.xml><?xml version="1.0" encoding="utf-8"?>
 <Control xmlns="http://schemas.microsoft.com/VisualStudio/2011/storyboarding/control">
   <Id Name="System.Storyboarding.Common.DropdownBox" Revision="1" Stencil="System.Storyboarding.Common" StencilVersion="0.1"/>
 </Control>
 </file>
 
-<file path=customXml/item157.xml><?xml version="1.0" encoding="utf-8"?>
-<Control xmlns="http://schemas.microsoft.com/VisualStudio/2011/storyboarding/control/v1.0">
-  <Id Name="System.Storyboard.Stencil.Group" RevisionId="00000000-0000-0000-0000-000000000000" Stencil="System.Windows" StencilRevisionId="00000000-0000-0000-0000-000000000000" StencilVersion="1.0"/>
+<file path=customXml/item237.xml><?xml version="1.0" encoding="utf-8"?>
+<Control xmlns="http://schemas.microsoft.com/VisualStudio/2011/storyboarding/control">
+  <Id Name="System.Storyboarding.Common.Text" Revision="1" Stencil="System.Storyboarding.Common" StencilVersion="0.1"/>
 </Control>
 </file>
 
-<file path=customXml/item158.xml><?xml version="1.0" encoding="utf-8"?>
+<file path=customXml/item238.xml><?xml version="1.0" encoding="utf-8"?>
+<Control xmlns="http://schemas.microsoft.com/VisualStudio/2011/storyboarding/control">
+  <Id Name="System.Storyboarding.Common.TextArea" Revision="1" Stencil="System.Storyboarding.Common" StencilVersion="0.1"/>
+</Control>
+</file>
+
+<file path=customXml/item239.xml><?xml version="1.0" encoding="utf-8"?>
+<Control xmlns="http://schemas.microsoft.com/VisualStudio/2011/storyboarding/control">
+  <Id Name="System.Storyboarding.Common.Text" Revision="1" Stencil="System.Storyboarding.Common" StencilVersion="0.1"/>
+</Control>
+</file>
+
+<file path=customXml/item24.xml><?xml version="1.0" encoding="utf-8"?>
 <Control xmlns="http://schemas.microsoft.com/VisualStudio/2011/storyboarding/control">
   <Id Name="System.Storyboarding.Common.SearchBox" Revision="1" Stencil="System.Storyboarding.Common" StencilVersion="0.1"/>
 </Control>
 </file>
 
-<file path=customXml/item159.xml><?xml version="1.0" encoding="utf-8"?>
+<file path=customXml/item240.xml><?xml version="1.0" encoding="utf-8"?>
+<Control xmlns="http://schemas.microsoft.com/VisualStudio/2011/storyboarding/control">
+  <Id Name="366cd925-969f-44e1-b789-354cb31b0dfd" RevisionId="87c5073a-f3d6-4c7e-a7b7-c9586eacad3b" Stencil="172d6d98-e5c9-42e9-a209-79f7a94bbd38" StencilRevisionId="00000000-0000-0000-0000-000000000000" StencilVersion="0.0"/>
+</Control>
+</file>
+
+<file path=customXml/item241.xml><?xml version="1.0" encoding="utf-8"?>
+<Control xmlns="http://schemas.microsoft.com/VisualStudio/2011/storyboarding/control">
+  <Id Name="System.Storyboarding.Common.DropdownBox" Revision="1" Stencil="System.Storyboarding.Common" StencilVersion="0.1"/>
+</Control>
+</file>
+
+<file path=customXml/item242.xml><?xml version="1.0" encoding="utf-8"?>
+<Control xmlns="http://schemas.microsoft.com/VisualStudio/2011/storyboarding/control">
+  <Id Name="System.Storyboarding.Common.Button" Revision="1" Stencil="System.Storyboarding.Common" StencilVersion="0.1"/>
+</Control>
+</file>
+
+<file path=customXml/item243.xml><?xml version="1.0" encoding="utf-8"?>
+<Control xmlns="http://schemas.microsoft.com/VisualStudio/2011/storyboarding/control">
+  <Id Name="System.Storyboarding.WindowsPhoneIcons.BaseCircle" Revision="1" Stencil="System.Storyboarding.WindowsPhoneIcons" StencilVersion="0.1"/>
+</Control>
+</file>
+
+<file path=customXml/item244.xml><?xml version="1.0" encoding="utf-8"?>
+<Control xmlns="http://schemas.microsoft.com/VisualStudio/2011/storyboarding/control">
+  <Id Name="System.Storyboarding.WindowsPhoneIcons.BaseCircle" Revision="1" Stencil="System.Storyboarding.WindowsPhoneIcons" StencilVersion="0.1"/>
+</Control>
+</file>
+
+<file path=customXml/item245.xml><?xml version="1.0" encoding="utf-8"?>
+<Control xmlns="http://schemas.microsoft.com/VisualStudio/2011/storyboarding/control">
+  <Id Name="System.Storyboarding.Common.Text" Revision="1" Stencil="System.Storyboarding.Common" StencilVersion="0.1"/>
+</Control>
+</file>
+
+<file path=customXml/item246.xml><?xml version="1.0" encoding="utf-8"?>
+<Control xmlns="http://schemas.microsoft.com/VisualStudio/2011/storyboarding/control">
+  <Id Name="System.Storyboarding.Common.Text" Revision="1" Stencil="System.Storyboarding.Common" StencilVersion="0.1"/>
+</Control>
+</file>
+
+<file path=customXml/item247.xml><?xml version="1.0" encoding="utf-8"?>
+<Control xmlns="http://schemas.microsoft.com/VisualStudio/2011/storyboarding/control">
+  <Id Name="System.Storyboarding.WindowsPhoneIcons.BaseCircle" Revision="1" Stencil="System.Storyboarding.WindowsPhoneIcons" StencilVersion="0.1"/>
+</Control>
+</file>
+
+<file path=customXml/item248.xml><?xml version="1.0" encoding="utf-8"?>
+<Control xmlns="http://schemas.microsoft.com/VisualStudio/2011/storyboarding/control">
+  <Id Name="System.Storyboarding.Common.SearchBox" Revision="1" Stencil="System.Storyboarding.Common" StencilVersion="0.1"/>
+</Control>
+</file>
+
+<file path=customXml/item249.xml><?xml version="1.0" encoding="utf-8"?>
+<Control xmlns="http://schemas.microsoft.com/VisualStudio/2011/storyboarding/control">
+  <Id Name="System.Storyboarding.Common.Text" Revision="1" Stencil="System.Storyboarding.Common" StencilVersion="0.1"/>
+</Control>
+</file>
+
+<file path=customXml/item25.xml><?xml version="1.0" encoding="utf-8"?>
+<Control xmlns="http://schemas.microsoft.com/VisualStudio/2011/storyboarding/control">
+  <Id Name="System.Storyboarding.Common.Text" Revision="1" Stencil="System.Storyboarding.Common" StencilVersion="0.1"/>
+</Control>
+</file>
+
+<file path=customXml/item250.xml><?xml version="1.0" encoding="utf-8"?>
+<Control xmlns="http://schemas.microsoft.com/VisualStudio/2011/storyboarding/control/v1.0">
+  <Id Name="System.Storyboard.Stencil.Label" RevisionId="00000000-0000-0000-0000-000000000000" Stencil="System.Common" StencilRevisionId="00000000-0000-0000-0000-000000000000" StencilVersion="1.0"/>
+</Control>
+</file>
+
+<file path=customXml/item251.xml><?xml version="1.0" encoding="utf-8"?>
+<Control xmlns="http://schemas.microsoft.com/VisualStudio/2011/storyboarding/control">
+  <Id Name="9d9c56e0-6ca3-4298-b757-9c73dab947ac" RevisionId="993ea365-49c2-46dc-bf14-e971e460de1e" Stencil="172d6d98-e5c9-42e9-a209-79f7a94bbd38" StencilRevisionId="00000000-0000-0000-0000-000000000000" StencilVersion="0.0"/>
+</Control>
+</file>
+
+<file path=customXml/item252.xml><?xml version="1.0" encoding="utf-8"?>
+<Control xmlns="http://schemas.microsoft.com/VisualStudio/2011/storyboarding/control">
+  <Id Name="System.Storyboarding.Common.SearchBox" Revision="1" Stencil="System.Storyboarding.Common" StencilVersion="0.1"/>
+</Control>
+</file>
+
+<file path=customXml/item253.xml><?xml version="1.0" encoding="utf-8"?>
+<Control xmlns="http://schemas.microsoft.com/VisualStudio/2011/storyboarding/control">
+  <Id Name="366cd925-969f-44e1-b789-354cb31b0dfd" RevisionId="87c5073a-f3d6-4c7e-a7b7-c9586eacad3b" Stencil="172d6d98-e5c9-42e9-a209-79f7a94bbd38" StencilRevisionId="00000000-0000-0000-0000-000000000000" StencilVersion="0.0"/>
+</Control>
+</file>
+
+<file path=customXml/item254.xml><?xml version="1.0" encoding="utf-8"?>
+<Control xmlns="http://schemas.microsoft.com/VisualStudio/2011/storyboarding/control">
+  <Id Name="System.Storyboarding.Common.Button" Revision="1" Stencil="System.Storyboarding.Common" StencilVersion="0.1"/>
+</Control>
+</file>
+
+<file path=customXml/item255.xml><?xml version="1.0" encoding="utf-8"?>
+<Control xmlns="http://schemas.microsoft.com/VisualStudio/2011/storyboarding/control">
+  <Id Name="System.Storyboarding.Common.TabGroupVertical" Revision="1" Stencil="System.Storyboarding.Common" StencilVersion="0.1"/>
+</Control>
+</file>
+
+<file path=customXml/item256.xml><?xml version="1.0" encoding="utf-8"?>
+<Control xmlns="http://schemas.microsoft.com/VisualStudio/2011/storyboarding/control">
+  <Id Name="9d9c56e0-6ca3-4298-b757-9c73dab947ac" RevisionId="993ea365-49c2-46dc-bf14-e971e460de1e" Stencil="172d6d98-e5c9-42e9-a209-79f7a94bbd38" StencilRevisionId="00000000-0000-0000-0000-000000000000" StencilVersion="0.0"/>
+</Control>
+</file>
+
+<file path=customXml/item257.xml><?xml version="1.0" encoding="utf-8"?>
+<Control xmlns="http://schemas.microsoft.com/VisualStudio/2011/storyboarding/control">
+  <Id Name="System.Storyboarding.Common.SearchBox" Revision="1" Stencil="System.Storyboarding.Common" StencilVersion="0.1"/>
+</Control>
+</file>
+
+<file path=customXml/item258.xml><?xml version="1.0" encoding="utf-8"?>
+<Control xmlns="http://schemas.microsoft.com/VisualStudio/2011/storyboarding/control/v1.0">
+  <Id Name="System.Storyboard.Stencil.VideoPlayer" RevisionId="00000000-0000-0000-0000-000000000000" Stencil="System.Media" StencilRevisionId="00000000-0000-0000-0000-000000000000" StencilVersion="1.0"/>
+</Control>
+</file>
+
+<file path=customXml/item259.xml><?xml version="1.0" encoding="utf-8"?>
+<Control xmlns="http://schemas.microsoft.com/VisualStudio/2011/storyboarding/control">
+  <Id Name="System.Storyboarding.Common.DropdownBox" Revision="1" Stencil="System.Storyboarding.Common" StencilVersion="0.1"/>
+</Control>
+</file>
+
+<file path=customXml/item26.xml><?xml version="1.0" encoding="utf-8"?>
+<Control xmlns="http://schemas.microsoft.com/VisualStudio/2011/storyboarding/control">
+  <Id Name="System.Storyboarding.Common.DropdownBox" Revision="1" Stencil="System.Storyboarding.Common" StencilVersion="0.1"/>
+</Control>
+</file>
+
+<file path=customXml/item260.xml><?xml version="1.0" encoding="utf-8"?>
+<Control xmlns="http://schemas.microsoft.com/VisualStudio/2011/storyboarding/control">
+  <Id Name="System.Storyboarding.WindowsPhoneIcons.Save" Revision="1" Stencil="System.Storyboarding.WindowsPhoneIcons" StencilVersion="0.1"/>
+</Control>
+</file>
+
+<file path=customXml/item261.xml><?xml version="1.0" encoding="utf-8"?>
+<Control xmlns="http://schemas.microsoft.com/VisualStudio/2011/storyboarding/control">
+  <Id Name="System.Storyboarding.WindowsPhoneIcons.Cancel" Revision="1" Stencil="System.Storyboarding.WindowsPhoneIcons" StencilVersion="0.1"/>
+</Control>
+</file>
+
+<file path=customXml/item262.xml><?xml version="1.0" encoding="utf-8"?>
+<Control xmlns="http://schemas.microsoft.com/VisualStudio/2011/storyboarding/control">
+  <Id Name="System.Storyboarding.Common.Text" Revision="1" Stencil="System.Storyboarding.Common" StencilVersion="0.1"/>
+</Control>
+</file>
+
+<file path=customXml/item263.xml><?xml version="1.0" encoding="utf-8"?>
+<Control xmlns="http://schemas.microsoft.com/VisualStudio/2011/storyboarding/control">
+  <Id Name="System.Storyboarding.Common.MouseClick" Revision="1" Stencil="System.Storyboarding.Common" StencilVersion="0.1"/>
+</Control>
+</file>
+
+<file path=customXml/item264.xml><?xml version="1.0" encoding="utf-8"?>
+<Control xmlns="http://schemas.microsoft.com/VisualStudio/2011/storyboarding/control">
+  <Id Name="System.Storyboarding.Common.Button" Revision="1" Stencil="System.Storyboarding.Common" StencilVersion="0.1"/>
+</Control>
+</file>
+
+<file path=customXml/item265.xml><?xml version="1.0" encoding="utf-8"?>
+<Control xmlns="http://schemas.microsoft.com/VisualStudio/2011/storyboarding/control">
+  <Id Name="366cd925-969f-44e1-b789-354cb31b0dfd" RevisionId="87c5073a-f3d6-4c7e-a7b7-c9586eacad3b" Stencil="172d6d98-e5c9-42e9-a209-79f7a94bbd38" StencilRevisionId="00000000-0000-0000-0000-000000000000" StencilVersion="0.0"/>
+</Control>
+</file>
+
+<file path=customXml/item266.xml><?xml version="1.0" encoding="utf-8"?>
+<Control xmlns="http://schemas.microsoft.com/VisualStudio/2011/storyboarding/control">
+  <Id Name="System.Storyboarding.WindowsPhoneIcons.Save" Revision="1" Stencil="System.Storyboarding.WindowsPhoneIcons" StencilVersion="0.1"/>
+</Control>
+</file>
+
+<file path=customXml/item267.xml><?xml version="1.0" encoding="utf-8"?>
+<Control xmlns="http://schemas.microsoft.com/VisualStudio/2011/storyboarding/control">
+  <Id Name="System.Storyboarding.WindowsPhoneIcons.BaseCircle" Revision="1" Stencil="System.Storyboarding.WindowsPhoneIcons" StencilVersion="0.1"/>
+</Control>
+</file>
+
+<file path=customXml/item268.xml><?xml version="1.0" encoding="utf-8"?>
+<Control xmlns="http://schemas.microsoft.com/VisualStudio/2011/storyboarding/control">
+  <Id Name="System.Storyboarding.Common.Button" Revision="1" Stencil="System.Storyboarding.Common" StencilVersion="0.1"/>
+</Control>
+</file>
+
+<file path=customXml/item269.xml><?xml version="1.0" encoding="utf-8"?>
+<Control xmlns="http://schemas.microsoft.com/VisualStudio/2011/storyboarding/control">
+  <Id Name="b5742593-4330-4997-98c6-02e7437a7975" Revision="1" Stencil="System.MyShapes" StencilVersion="1.0"/>
+</Control>
+</file>
+
+<file path=customXml/item27.xml><?xml version="1.0" encoding="utf-8"?>
+<Control xmlns="http://schemas.microsoft.com/VisualStudio/2011/storyboarding/control">
+  <Id Name="9d9c56e0-6ca3-4298-b757-9c73dab947ac" RevisionId="993ea365-49c2-46dc-bf14-e971e460de1e" Stencil="172d6d98-e5c9-42e9-a209-79f7a94bbd38" StencilRevisionId="00000000-0000-0000-0000-000000000000" StencilVersion="0.0"/>
+</Control>
+</file>
+
+<file path=customXml/item270.xml><?xml version="1.0" encoding="utf-8"?>
+<Control xmlns="http://schemas.microsoft.com/VisualStudio/2011/storyboarding/control">
+  <Id Name="366cd925-969f-44e1-b789-354cb31b0dfd" RevisionId="87c5073a-f3d6-4c7e-a7b7-c9586eacad3b" Stencil="172d6d98-e5c9-42e9-a209-79f7a94bbd38" StencilRevisionId="00000000-0000-0000-0000-000000000000" StencilVersion="0.0"/>
+</Control>
+</file>
+
+<file path=customXml/item271.xml><?xml version="1.0" encoding="utf-8"?>
+<Control xmlns="http://schemas.microsoft.com/VisualStudio/2011/storyboarding/control">
+  <Id Name="System.Storyboarding.Common.DropdownBox" Revision="1" Stencil="System.Storyboarding.Common" StencilVersion="0.1"/>
+</Control>
+</file>
+
+<file path=customXml/item272.xml><?xml version="1.0" encoding="utf-8"?>
+<Control xmlns="http://schemas.microsoft.com/VisualStudio/2011/storyboarding/control">
+  <Id Name="System.Storyboarding.Common.Text" Revision="1" Stencil="System.Storyboarding.Common" StencilVersion="0.1"/>
+</Control>
+</file>
+
+<file path=customXml/item273.xml><?xml version="1.0" encoding="utf-8"?>
+<Control xmlns="http://schemas.microsoft.com/VisualStudio/2011/storyboarding/control/v1.0">
+  <Id Name="System.Storyboard.Stencil.Title" RevisionId="00000000-0000-0000-0000-000000000000" Stencil="System.Common" StencilRevisionId="00000000-0000-0000-0000-000000000000" StencilVersion="1.0"/>
+</Control>
+</file>
+
+<file path=customXml/item274.xml><?xml version="1.0" encoding="utf-8"?>
+<Control xmlns="http://schemas.microsoft.com/VisualStudio/2011/storyboarding/control/v1.0">
+  <Id Name="System.Storyboard.Stencil.Title" RevisionId="00000000-0000-0000-0000-000000000000" Stencil="System.Common" StencilRevisionId="00000000-0000-0000-0000-000000000000" StencilVersion="1.0"/>
+</Control>
+</file>
+
+<file path=customXml/item275.xml><?xml version="1.0" encoding="utf-8"?>
+<Control xmlns="http://schemas.microsoft.com/VisualStudio/2011/storyboarding/control">
+  <Id Name="b5742593-4330-4997-98c6-02e7437a7975" Revision="1" Stencil="System.MyShapes" StencilVersion="1.0"/>
+</Control>
+</file>
+
+<file path=customXml/item276.xml><?xml version="1.0" encoding="utf-8"?>
+<Control xmlns="http://schemas.microsoft.com/VisualStudio/2011/storyboarding/control">
+  <Id Name="System.Storyboarding.WindowsPhoneIcons.BaseCircle" Revision="1" Stencil="System.Storyboarding.WindowsPhoneIcons" StencilVersion="0.1"/>
+</Control>
+</file>
+
+<file path=customXml/item277.xml><?xml version="1.0" encoding="utf-8"?>
+<Control xmlns="http://schemas.microsoft.com/VisualStudio/2011/storyboarding/control">
+  <Id Name="System.Storyboarding.Common.DropdownBox" Revision="1" Stencil="System.Storyboarding.Common" StencilVersion="0.1"/>
+</Control>
+</file>
+
+<file path=customXml/item278.xml><?xml version="1.0" encoding="utf-8"?>
+<Control xmlns="http://schemas.microsoft.com/VisualStudio/2011/storyboarding/control">
+  <Id Name="System.Storyboarding.Common.DropdownBox" Revision="1" Stencil="System.Storyboarding.Common" StencilVersion="0.1"/>
+</Control>
+</file>
+
+<file path=customXml/item279.xml><?xml version="1.0" encoding="utf-8"?>
+<Control xmlns="http://schemas.microsoft.com/VisualStudio/2011/storyboarding/control/v1.0">
+  <Id Name="System.Storyboard.Stencil.PhoneTile" RevisionId="00000000-0000-0000-0000-000000000000" Stencil="System.Windows_Phone_7" StencilRevisionId="00000000-0000-0000-0000-000000000000" StencilVersion="1.0"/>
+</Control>
+</file>
+
+<file path=customXml/item28.xml><?xml version="1.0" encoding="utf-8"?>
+<Control xmlns="http://schemas.microsoft.com/VisualStudio/2011/storyboarding/control">
+  <Id Name="System.Storyboarding.WindowsPhoneIcons.Save" Revision="1" Stencil="System.Storyboarding.WindowsPhoneIcons" StencilVersion="0.1"/>
+</Control>
+</file>
+
+<file path=customXml/item280.xml><?xml version="1.0" encoding="utf-8"?>
 <Control xmlns="http://schemas.microsoft.com/VisualStudio/2011/storyboarding/control">
   <Id Name="System.Storyboarding.Common.TextInput" Revision="1" Stencil="System.Storyboarding.Common" StencilVersion="0.1"/>
 </Control>
 </file>
 
-<file path=customXml/item16.xml><?xml version="1.0" encoding="utf-8"?>
+<file path=customXml/item281.xml><?xml version="1.0" encoding="utf-8"?>
 <Control xmlns="http://schemas.microsoft.com/VisualStudio/2011/storyboarding/control">
   <Id Name="System.Storyboarding.Common.Text" Revision="1" Stencil="System.Storyboarding.Common" StencilVersion="0.1"/>
 </Control>
 </file>
 
-<file path=customXml/item160.xml><?xml version="1.0" encoding="utf-8"?>
+<file path=customXml/item282.xml><?xml version="1.0" encoding="utf-8"?>
+<p:properties xmlns:p="http://schemas.microsoft.com/office/2006/metadata/properties" xmlns:xsi="http://www.w3.org/2001/XMLSchema-instance" xmlns:pc="http://schemas.microsoft.com/office/infopath/2007/PartnerControls">
+  <documentManagement>
+    <_dlc_DocId xmlns="b4ebf394-daf6-497a-96c5-a2f8c10b38cf">TT6HZDVJM2HV-178-540</_dlc_DocId>
+    <_dlc_DocIdUrl xmlns="b4ebf394-daf6-497a-96c5-a2f8c10b38cf">
+      <Url>http://vstsdfmoss/sites/VSTSDF/DevDiv/TFS/teams/rm/_layouts/DocIdRedir.aspx?ID=TT6HZDVJM2HV-178-540</Url>
+      <Description>TT6HZDVJM2HV-178-540</Description>
+    </_dlc_DocIdUrl>
+  </documentManagement>
+</p:properties>
+</file>
+
+<file path=customXml/item283.xml><?xml version="1.0" encoding="utf-8"?>
+<Control xmlns="http://schemas.microsoft.com/VisualStudio/2011/storyboarding/control">
+  <Id Name="System.Storyboarding.WindowsPhoneIcons.BaseCircle" Revision="1" Stencil="System.Storyboarding.WindowsPhoneIcons" StencilVersion="0.1"/>
+</Control>
+</file>
+
+<file path=customXml/item284.xml><?xml version="1.0" encoding="utf-8"?>
+<Control xmlns="http://schemas.microsoft.com/VisualStudio/2011/storyboarding/control/v1.0">
+  <Id Name="System.Storyboard.Stencil.PhoneTile" RevisionId="00000000-0000-0000-0000-000000000000" Stencil="System.Windows_Phone_7" StencilRevisionId="00000000-0000-0000-0000-000000000000" StencilVersion="1.0"/>
+</Control>
+</file>
+
+<file path=customXml/item285.xml><?xml version="1.0" encoding="utf-8"?>
+<Control xmlns="http://schemas.microsoft.com/VisualStudio/2011/storyboarding/control">
+  <Id Name="System.Storyboarding.Common.SearchBox" Revision="1" Stencil="System.Storyboarding.Common" StencilVersion="0.1"/>
+</Control>
+</file>
+
+<file path=customXml/item286.xml><?xml version="1.0" encoding="utf-8"?>
+<Control xmlns="http://schemas.microsoft.com/VisualStudio/2011/storyboarding/control">
+  <Id Name="600d61f4-2d09-42e6-a6db-83e260e051ae" RevisionId="3c9eb7e9-0ea7-4fb5-adc7-dcc81ff0fb36" Stencil="172d6d98-e5c9-42e9-a209-79f7a94bbd38" StencilRevisionId="00000000-0000-0000-0000-000000000000" StencilVersion="0.0"/>
+</Control>
+</file>
+
+<file path=customXml/item287.xml><?xml version="1.0" encoding="utf-8"?>
+<Control xmlns="http://schemas.microsoft.com/VisualStudio/2011/storyboarding/control">
+  <Id Name="System.Storyboarding.Common.Text" Revision="1" Stencil="System.Storyboarding.Common" StencilVersion="0.1"/>
+</Control>
+</file>
+
+<file path=customXml/item288.xml><?xml version="1.0" encoding="utf-8"?>
 <Control xmlns="http://schemas.microsoft.com/VisualStudio/2011/storyboarding/control">
   <Id Name="366cd925-969f-44e1-b789-354cb31b0dfd" RevisionId="87c5073a-f3d6-4c7e-a7b7-c9586eacad3b" Stencil="172d6d98-e5c9-42e9-a209-79f7a94bbd38" StencilRevisionId="00000000-0000-0000-0000-000000000000" StencilVersion="0.0"/>
 </Control>
 </file>
 
-<file path=customXml/item161.xml><?xml version="1.0" encoding="utf-8"?>
+<file path=customXml/item289.xml><?xml version="1.0" encoding="utf-8"?>
 <Control xmlns="http://schemas.microsoft.com/VisualStudio/2011/storyboarding/control">
-  <Id Name="System.Storyboarding.WindowsPhoneIcons.BaseCircle" Revision="1" Stencil="System.Storyboarding.WindowsPhoneIcons" StencilVersion="0.1"/>
+  <Id Name="System.Storyboarding.Common.DropdownBox" Revision="1" Stencil="System.Storyboarding.Common" StencilVersion="0.1"/>
 </Control>
 </file>
 
-<file path=customXml/item162.xml><?xml version="1.0" encoding="utf-8"?>
+<file path=customXml/item29.xml><?xml version="1.0" encoding="utf-8"?>
+<Control xmlns="http://schemas.microsoft.com/VisualStudio/2011/storyboarding/control/v1.0">
+  <Id Name="System.Storyboard.Stencil.LineChart" RevisionId="00000000-0000-0000-0000-000000000000" Stencil="System.Media" StencilRevisionId="00000000-0000-0000-0000-000000000000" StencilVersion="1.0"/>
+</Control>
+</file>
+
+<file path=customXml/item290.xml><?xml version="1.0" encoding="utf-8"?>
+<Control xmlns="http://schemas.microsoft.com/VisualStudio/2011/storyboarding/control">
+  <Id Name="System.Storyboarding.Common.TextInput" Revision="1" Stencil="System.Storyboarding.Common" StencilVersion="0.1"/>
+</Control>
+</file>
+
+<file path=customXml/item291.xml><?xml version="1.0" encoding="utf-8"?>
+<Control xmlns="http://schemas.microsoft.com/VisualStudio/2011/storyboarding/control">
+  <Id Name="System.Storyboarding.Common.SearchBox" Revision="1" Stencil="System.Storyboarding.Common" StencilVersion="0.1"/>
+</Control>
+</file>
+
+<file path=customXml/item292.xml><?xml version="1.0" encoding="utf-8"?>
+<Control xmlns="http://schemas.microsoft.com/VisualStudio/2011/storyboarding/control">
+  <Id Name="System.Storyboarding.Common.TextInput" Revision="1" Stencil="System.Storyboarding.Common" StencilVersion="0.1"/>
+</Control>
+</file>
+
+<file path=customXml/item293.xml><?xml version="1.0" encoding="utf-8"?>
+<Control xmlns="http://schemas.microsoft.com/VisualStudio/2011/storyboarding/control/v1.0">
+  <Id Name="System.Storyboarding.Icons.Help" RevisionId="05cd6d03-c0b2-488e-98a7-d68de69a2cfc" Stencil="System.Storyboarding.Icons" StencilRevisionId="05cd6d03-c0b2-488e-98a7-d68de69a2cfc" StencilVersion="0.1"/>
+</Control>
+</file>
+
+<file path=customXml/item294.xml><?xml version="1.0" encoding="utf-8"?>
+<Control xmlns="http://schemas.microsoft.com/VisualStudio/2011/storyboarding/control">
+  <Id Name="System.Storyboarding.Common.Text" Revision="1" Stencil="System.Storyboarding.Common" StencilVersion="0.1"/>
+</Control>
+</file>
+
+<file path=customXml/item295.xml><?xml version="1.0" encoding="utf-8"?>
+<Control xmlns="http://schemas.microsoft.com/VisualStudio/2011/storyboarding/control/v1.0">
+  <Id Name="System.Storyboard.Stencil.Hyperlink" RevisionId="00000000-0000-0000-0000-000000000000" Stencil="System.Common" StencilRevisionId="00000000-0000-0000-0000-000000000000" StencilVersion="1.0"/>
+</Control>
+</file>
+
+<file path=customXml/item296.xml><?xml version="1.0" encoding="utf-8"?>
+<Control xmlns="http://schemas.microsoft.com/VisualStudio/2011/storyboarding/control">
+  <Id Name="System.Storyboarding.Common.TextArea" Revision="1" Stencil="System.Storyboarding.Common" StencilVersion="0.1"/>
+</Control>
+</file>
+
+<file path=customXml/item297.xml><?xml version="1.0" encoding="utf-8"?>
+<Control xmlns="http://schemas.microsoft.com/VisualStudio/2011/storyboarding/control">
+  <Id Name="System.Storyboarding.Common.MouseClick" Revision="1" Stencil="System.Storyboarding.Common" StencilVersion="0.1"/>
+</Control>
+</file>
+
+<file path=customXml/item298.xml><?xml version="1.0" encoding="utf-8"?>
+<Control xmlns="http://schemas.microsoft.com/VisualStudio/2011/storyboarding/control/v1.0">
+  <Id Name="System.Storyboarding.Common.SearchBox" RevisionId="68ea164d-c1de-47a5-804f-d4d1290fa524" Stencil="System.Storyboarding.Common" StencilRevisionId="68ea164d-c1de-47a5-804f-d4d1290fa524" StencilVersion="0.1"/>
+</Control>
+</file>
+
+<file path=customXml/item299.xml><?xml version="1.0" encoding="utf-8"?>
+<Control xmlns="http://schemas.microsoft.com/VisualStudio/2011/storyboarding/control/v1.0">
+  <Id Name="System.Storyboard.Stencil.PieChart" RevisionId="00000000-0000-0000-0000-000000000000" Stencil="System.Media" StencilRevisionId="00000000-0000-0000-0000-000000000000" StencilVersion="1.0"/>
+</Control>
+</file>
+
+<file path=customXml/item3.xml><?xml version="1.0" encoding="utf-8"?>
+<Control xmlns="http://schemas.microsoft.com/VisualStudio/2011/storyboarding/control">
+  <Id Name="System.Storyboarding.Common.Button" Revision="1" Stencil="System.Storyboarding.Common" StencilVersion="0.1"/>
+</Control>
+</file>
+
+<file path=customXml/item30.xml><?xml version="1.0" encoding="utf-8"?>
 <ct:contentTypeSchema xmlns:ct="http://schemas.microsoft.com/office/2006/metadata/contentType" xmlns:ma="http://schemas.microsoft.com/office/2006/metadata/properties/metaAttributes" ct:_="" ma:_="" ma:contentTypeName="Document" ma:contentTypeID="0x01010022C9F813607D1D469674AAA3D24DC85B" ma:contentTypeVersion="0" ma:contentTypeDescription="Create a new document." ma:contentTypeScope="" ma:versionID="2370c695874a1292907530ead749c2be">
   <xsd:schema xmlns:xsd="http://www.w3.org/2001/XMLSchema" xmlns:xs="http://www.w3.org/2001/XMLSchema" xmlns:p="http://schemas.microsoft.com/office/2006/metadata/properties" xmlns:ns2="b4ebf394-daf6-497a-96c5-a2f8c10b38cf" targetNamespace="http://schemas.microsoft.com/office/2006/metadata/properties" ma:root="true" ma:fieldsID="9b19f9f2e3a2b2958cd8578711e95110" ns2:_="">
     <xsd:import namespace="b4ebf394-daf6-497a-96c5-a2f8c10b38cf"/>
@@ -46817,1085 +47568,433 @@
 </ct:contentTypeSchema>
 </file>
 
-<file path=customXml/item163.xml><?xml version="1.0" encoding="utf-8"?>
+<file path=customXml/item300.xml><?xml version="1.0" encoding="utf-8"?>
+<Control xmlns="http://schemas.microsoft.com/VisualStudio/2011/storyboarding/control">
+  <Id Name="600d61f4-2d09-42e6-a6db-83e260e051ae" RevisionId="3c9eb7e9-0ea7-4fb5-adc7-dcc81ff0fb36" Stencil="172d6d98-e5c9-42e9-a209-79f7a94bbd38" StencilRevisionId="00000000-0000-0000-0000-000000000000" StencilVersion="0.0"/>
+</Control>
+</file>
+
+<file path=customXml/item301.xml><?xml version="1.0" encoding="utf-8"?>
+<Control xmlns="http://schemas.microsoft.com/VisualStudio/2011/storyboarding/control">
+  <Id Name="System.Storyboarding.Backgrounds.RibbonApplication" RevisionId="bdb52a43-f875-417f-a3f8-9b0259dd3051" Stencil="System.Storyboarding.Backgrounds" StencilRevisionId="bdb52a43-f875-417f-a3f8-9b0259dd3051" StencilVersion="0.1"/>
+</Control>
+</file>
+
+<file path=customXml/item302.xml><?xml version="1.0" encoding="utf-8"?>
+<Control xmlns="http://schemas.microsoft.com/VisualStudio/2011/storyboarding/control">
+  <Id Name="System.Storyboarding.WindowsPhoneIcons.BaseCircle" Revision="1" Stencil="System.Storyboarding.WindowsPhoneIcons" StencilVersion="0.1"/>
+</Control>
+</file>
+
+<file path=customXml/item303.xml><?xml version="1.0" encoding="utf-8"?>
+<Control xmlns="http://schemas.microsoft.com/VisualStudio/2011/storyboarding/control">
+  <Id Name="System.Storyboarding.Common.DropdownBox" Revision="1" Stencil="System.Storyboarding.Common" StencilVersion="0.1"/>
+</Control>
+</file>
+
+<file path=customXml/item304.xml><?xml version="1.0" encoding="utf-8"?>
+<Control xmlns="http://schemas.microsoft.com/VisualStudio/2011/storyboarding/control">
+  <Id Name="b5742593-4330-4997-98c6-02e7437a7975" Revision="1" Stencil="System.MyShapes" StencilVersion="1.0"/>
+</Control>
+</file>
+
+<file path=customXml/item305.xml><?xml version="1.0" encoding="utf-8"?>
+<Control xmlns="http://schemas.microsoft.com/VisualStudio/2011/storyboarding/control">
+  <Id Name="System.Storyboarding.Common.TextInput" Revision="1" Stencil="System.Storyboarding.Common" StencilVersion="0.1"/>
+</Control>
+</file>
+
+<file path=customXml/item306.xml><?xml version="1.0" encoding="utf-8"?>
+<Control xmlns="http://schemas.microsoft.com/VisualStudio/2011/storyboarding/control">
+  <Id Name="System.Storyboarding.Common.TabGroupVertical" Revision="1" Stencil="System.Storyboarding.Common" StencilVersion="0.1"/>
+</Control>
+</file>
+
+<file path=customXml/item307.xml><?xml version="1.0" encoding="utf-8"?>
+<Control xmlns="http://schemas.microsoft.com/VisualStudio/2011/storyboarding/control">
+  <Id Name="System.Storyboarding.Common.SearchBox" Revision="1" Stencil="System.Storyboarding.Common" StencilVersion="0.1"/>
+</Control>
+</file>
+
+<file path=customXml/item308.xml><?xml version="1.0" encoding="utf-8"?>
+<Control xmlns="http://schemas.microsoft.com/VisualStudio/2011/storyboarding/control">
+  <Id Name="System.Storyboarding.Common.DropdownBox" Revision="1" Stencil="System.Storyboarding.Common" StencilVersion="0.1"/>
+</Control>
+</file>
+
+<file path=customXml/item309.xml><?xml version="1.0" encoding="utf-8"?>
+<Control xmlns="http://schemas.microsoft.com/VisualStudio/2011/storyboarding/control/v1.0">
+  <Id Name="System.Storyboard.Stencil.Title" RevisionId="00000000-0000-0000-0000-000000000000" Stencil="System.Common" StencilRevisionId="00000000-0000-0000-0000-000000000000" StencilVersion="1.0"/>
+</Control>
+</file>
+
+<file path=customXml/item31.xml><?xml version="1.0" encoding="utf-8"?>
+<Control xmlns="http://schemas.microsoft.com/VisualStudio/2011/storyboarding/control">
+  <Id Name="System.Storyboarding.Common.DropdownBox" Revision="1" Stencil="System.Storyboarding.Common" StencilVersion="0.1"/>
+</Control>
+</file>
+
+<file path=customXml/item310.xml><?xml version="1.0" encoding="utf-8"?>
 <Control xmlns="http://schemas.microsoft.com/VisualStudio/2011/storyboarding/control">
   <Id Name="System.Storyboarding.WindowsPhoneIcons.Cancel" Revision="1" Stencil="System.Storyboarding.WindowsPhoneIcons" StencilVersion="0.1"/>
 </Control>
 </file>
 
-<file path=customXml/item164.xml><?xml version="1.0" encoding="utf-8"?>
+<file path=customXml/item311.xml><?xml version="1.0" encoding="utf-8"?>
+<Control xmlns="http://schemas.microsoft.com/VisualStudio/2011/storyboarding/control">
+  <Id Name="b5742593-4330-4997-98c6-02e7437a7975" Revision="1" Stencil="System.MyShapes" StencilVersion="1.0"/>
+</Control>
+</file>
+
+<file path=customXml/item312.xml><?xml version="1.0" encoding="utf-8"?>
+<Control xmlns="http://schemas.microsoft.com/VisualStudio/2011/storyboarding/control">
+  <Id Name="366cd925-969f-44e1-b789-354cb31b0dfd" RevisionId="87c5073a-f3d6-4c7e-a7b7-c9586eacad3b" Stencil="172d6d98-e5c9-42e9-a209-79f7a94bbd38" StencilRevisionId="00000000-0000-0000-0000-000000000000" StencilVersion="0.0"/>
+</Control>
+</file>
+
+<file path=customXml/item313.xml><?xml version="1.0" encoding="utf-8"?>
+<Control xmlns="http://schemas.microsoft.com/VisualStudio/2011/storyboarding/control">
+  <Id Name="System.Storyboarding.WindowsPhoneIcons.Save" Revision="1" Stencil="System.Storyboarding.WindowsPhoneIcons" StencilVersion="0.1"/>
+</Control>
+</file>
+
+<file path=customXml/item314.xml><?xml version="1.0" encoding="utf-8"?>
+<Control xmlns="http://schemas.microsoft.com/VisualStudio/2011/storyboarding/control">
+  <Id Name="9d9c56e0-6ca3-4298-b757-9c73dab947ac" RevisionId="993ea365-49c2-46dc-bf14-e971e460de1e" Stencil="172d6d98-e5c9-42e9-a209-79f7a94bbd38" StencilRevisionId="00000000-0000-0000-0000-000000000000" StencilVersion="0.0"/>
+</Control>
+</file>
+
+<file path=customXml/item32.xml><?xml version="1.0" encoding="utf-8"?>
+<Control xmlns="http://schemas.microsoft.com/VisualStudio/2011/storyboarding/control">
+  <Id Name="System.Storyboarding.Common.TextInput" Revision="1" Stencil="System.Storyboarding.Common" StencilVersion="0.1"/>
+</Control>
+</file>
+
+<file path=customXml/item33.xml><?xml version="1.0" encoding="utf-8"?>
+<Control xmlns="http://schemas.microsoft.com/VisualStudio/2011/storyboarding/control">
+  <Id Name="366cd925-969f-44e1-b789-354cb31b0dfd" RevisionId="87c5073a-f3d6-4c7e-a7b7-c9586eacad3b" Stencil="172d6d98-e5c9-42e9-a209-79f7a94bbd38" StencilRevisionId="00000000-0000-0000-0000-000000000000" StencilVersion="0.0"/>
+</Control>
+</file>
+
+<file path=customXml/item34.xml><?xml version="1.0" encoding="utf-8"?>
+<Control xmlns="http://schemas.microsoft.com/VisualStudio/2011/storyboarding/control">
+  <Id Name="System.Storyboarding.Common.Text" Revision="1" Stencil="System.Storyboarding.Common" StencilVersion="0.1"/>
+</Control>
+</file>
+
+<file path=customXml/item35.xml><?xml version="1.0" encoding="utf-8"?>
+<Control xmlns="http://schemas.microsoft.com/VisualStudio/2011/storyboarding/control">
+  <Id Name="System.Storyboarding.Common.DropdownBox" Revision="1" Stencil="System.Storyboarding.Common" StencilVersion="0.1"/>
+</Control>
+</file>
+
+<file path=customXml/item36.xml><?xml version="1.0" encoding="utf-8"?>
+<Control xmlns="http://schemas.microsoft.com/VisualStudio/2011/storyboarding/control">
+  <Id Name="System.Storyboarding.Common.Button" Revision="1" Stencil="System.Storyboarding.Common" StencilVersion="0.1"/>
+</Control>
+</file>
+
+<file path=customXml/item37.xml><?xml version="1.0" encoding="utf-8"?>
+<Control xmlns="http://schemas.microsoft.com/VisualStudio/2011/storyboarding/control">
+  <Id Name="System.Storyboarding.Common.TabGroup" Revision="1" Stencil="System.Storyboarding.Common" StencilVersion="0.1"/>
+</Control>
+</file>
+
+<file path=customXml/item38.xml><?xml version="1.0" encoding="utf-8"?>
+<Control xmlns="http://schemas.microsoft.com/VisualStudio/2011/storyboarding/control">
+  <Id Name="System.Storyboarding.Common.SearchBox" Revision="1" Stencil="System.Storyboarding.Common" StencilVersion="0.1"/>
+</Control>
+</file>
+
+<file path=customXml/item39.xml><?xml version="1.0" encoding="utf-8"?>
+<Control xmlns="http://schemas.microsoft.com/VisualStudio/2011/storyboarding/control">
+  <Id Name="System.Storyboarding.Backgrounds.WebBrowser" RevisionId="bdb52a43-f875-417f-a3f8-9b0259dd3051" Stencil="System.Storyboarding.Backgrounds" StencilRevisionId="bdb52a43-f875-417f-a3f8-9b0259dd3051" StencilVersion="0.1"/>
+</Control>
+</file>
+
+<file path=customXml/item4.xml><?xml version="1.0" encoding="utf-8"?>
+<Control xmlns="http://schemas.microsoft.com/VisualStudio/2011/storyboarding/control">
+  <Id Name="System.Storyboarding.Common.Text" Revision="1" Stencil="System.Storyboarding.Common" StencilVersion="0.1"/>
+</Control>
+</file>
+
+<file path=customXml/item40.xml><?xml version="1.0" encoding="utf-8"?>
+<Control xmlns="http://schemas.microsoft.com/VisualStudio/2011/storyboarding/control/v1.0">
+  <Id Name="System.Storyboarding.Common.Text" RevisionId="68ea164d-c1de-47a5-804f-d4d1290fa524" Stencil="System.Storyboarding.Common" StencilRevisionId="68ea164d-c1de-47a5-804f-d4d1290fa524" StencilVersion="0.1"/>
+</Control>
+</file>
+
+<file path=customXml/item41.xml><?xml version="1.0" encoding="utf-8"?>
+<Control xmlns="http://schemas.microsoft.com/VisualStudio/2011/storyboarding/control">
+  <Id Name="System.Storyboarding.Common.DropdownBox" Revision="1" Stencil="System.Storyboarding.Common" StencilVersion="0.1"/>
+</Control>
+</file>
+
+<file path=customXml/item42.xml><?xml version="1.0" encoding="utf-8"?>
+<Control xmlns="http://schemas.microsoft.com/VisualStudio/2011/storyboarding/control">
+  <Id Name="System.Storyboarding.Common.DropdownBox" Revision="1" Stencil="System.Storyboarding.Common" StencilVersion="0.1"/>
+</Control>
+</file>
+
+<file path=customXml/item43.xml><?xml version="1.0" encoding="utf-8"?>
+<Control xmlns="http://schemas.microsoft.com/VisualStudio/2011/storyboarding/control/v1.0">
+  <Id Name="System.Storyboard.Stencil.Title" RevisionId="00000000-0000-0000-0000-000000000000" Stencil="System.Common" StencilRevisionId="00000000-0000-0000-0000-000000000000" StencilVersion="1.0"/>
+</Control>
+</file>
+
+<file path=customXml/item44.xml><?xml version="1.0" encoding="utf-8"?>
+<Control xmlns="http://schemas.microsoft.com/VisualStudio/2011/storyboarding/control/v1.0">
+  <Id Name="System.Storyboarding.Common.Text" RevisionId="68ea164d-c1de-47a5-804f-d4d1290fa524" Stencil="System.Storyboarding.Common" StencilRevisionId="68ea164d-c1de-47a5-804f-d4d1290fa524" StencilVersion="0.1"/>
+</Control>
+</file>
+
+<file path=customXml/item45.xml><?xml version="1.0" encoding="utf-8"?>
+<Control xmlns="http://schemas.microsoft.com/VisualStudio/2011/storyboarding/control">
+  <Id Name="System.Storyboarding.Common.DropdownBox" Revision="1" Stencil="System.Storyboarding.Common" StencilVersion="0.1"/>
+</Control>
+</file>
+
+<file path=customXml/item46.xml><?xml version="1.0" encoding="utf-8"?>
+<Control xmlns="http://schemas.microsoft.com/VisualStudio/2011/storyboarding/control">
+  <Id Name="System.Storyboarding.Common.DropdownBox" Revision="1" Stencil="System.Storyboarding.Common" StencilVersion="0.1"/>
+</Control>
+</file>
+
+<file path=customXml/item47.xml><?xml version="1.0" encoding="utf-8"?>
+<Control xmlns="http://schemas.microsoft.com/VisualStudio/2011/storyboarding/control/v1.0">
+  <Id Name="System.Storyboard.Stencil.VerticalScrollbar" RevisionId="00000000-0000-0000-0000-000000000000" Stencil="System.Common" StencilRevisionId="00000000-0000-0000-0000-000000000000" StencilVersion="1.0"/>
+</Control>
+</file>
+
+<file path=customXml/item48.xml><?xml version="1.0" encoding="utf-8"?>
+<Control xmlns="http://schemas.microsoft.com/VisualStudio/2011/storyboarding/control">
+  <Id Name="System.Storyboarding.Common.DropdownBox" Revision="1" Stencil="System.Storyboarding.Common" StencilVersion="0.1"/>
+</Control>
+</file>
+
+<file path=customXml/item49.xml><?xml version="1.0" encoding="utf-8"?>
+<Control xmlns="http://schemas.microsoft.com/VisualStudio/2011/storyboarding/control">
+  <Id Name="System.Storyboarding.Common.MouseClick" Revision="1" Stencil="System.Storyboarding.Common" StencilVersion="0.1"/>
+</Control>
+</file>
+
+<file path=customXml/item5.xml><?xml version="1.0" encoding="utf-8"?>
+<Control xmlns="http://schemas.microsoft.com/VisualStudio/2011/storyboarding/control">
+  <Id Name="600d61f4-2d09-42e6-a6db-83e260e051ae" RevisionId="3c9eb7e9-0ea7-4fb5-adc7-dcc81ff0fb36" Stencil="172d6d98-e5c9-42e9-a209-79f7a94bbd38" StencilRevisionId="00000000-0000-0000-0000-000000000000" StencilVersion="0.0"/>
+</Control>
+</file>
+
+<file path=customXml/item50.xml><?xml version="1.0" encoding="utf-8"?>
+<Control xmlns="http://schemas.microsoft.com/VisualStudio/2011/storyboarding/control">
+  <Id Name="System.Storyboarding.Common.MouseClick" Revision="1" Stencil="System.Storyboarding.Common" StencilVersion="0.1"/>
+</Control>
+</file>
+
+<file path=customXml/item51.xml><?xml version="1.0" encoding="utf-8"?>
+<Control xmlns="http://schemas.microsoft.com/VisualStudio/2011/storyboarding/control">
+  <Id Name="System.Storyboarding.Backgrounds.RibbonApplication" RevisionId="bdb52a43-f875-417f-a3f8-9b0259dd3051" Stencil="System.Storyboarding.Backgrounds" StencilRevisionId="bdb52a43-f875-417f-a3f8-9b0259dd3051" StencilVersion="0.1"/>
+</Control>
+</file>
+
+<file path=customXml/item52.xml><?xml version="1.0" encoding="utf-8"?>
+<Control xmlns="http://schemas.microsoft.com/VisualStudio/2011/storyboarding/control/v1.0">
+  <Id Name="System.Storyboard.Stencil.Breadcrumb" RevisionId="00000000-0000-0000-0000-000000000000" Stencil="System.Common" StencilRevisionId="00000000-0000-0000-0000-000000000000" StencilVersion="1.0"/>
+</Control>
+</file>
+
+<file path=customXml/item53.xml><?xml version="1.0" encoding="utf-8"?>
+<Control xmlns="http://schemas.microsoft.com/VisualStudio/2011/storyboarding/control/v1.0">
+  <Id Name="System.Storyboard.Stencil.LineChart" RevisionId="00000000-0000-0000-0000-000000000000" Stencil="System.Media" StencilRevisionId="00000000-0000-0000-0000-000000000000" StencilVersion="1.0"/>
+</Control>
+</file>
+
+<file path=customXml/item54.xml><?xml version="1.0" encoding="utf-8"?>
+<Control xmlns="http://schemas.microsoft.com/VisualStudio/2011/storyboarding/control/v1.0">
+  <Id Name="System.Storyboard.Stencil.Label" RevisionId="00000000-0000-0000-0000-000000000000" Stencil="System.Common" StencilRevisionId="00000000-0000-0000-0000-000000000000" StencilVersion="1.0"/>
+</Control>
+</file>
+
+<file path=customXml/item55.xml><?xml version="1.0" encoding="utf-8"?>
+<Control xmlns="http://schemas.microsoft.com/VisualStudio/2011/storyboarding/control">
+  <Id Name="System.Storyboarding.Common.SearchBox" Revision="1" Stencil="System.Storyboarding.Common" StencilVersion="0.1"/>
+</Control>
+</file>
+
+<file path=customXml/item56.xml><?xml version="1.0" encoding="utf-8"?>
+<Control xmlns="http://schemas.microsoft.com/VisualStudio/2011/storyboarding/control">
+  <Id Name="System.Storyboarding.Common.Text" Revision="1" Stencil="System.Storyboarding.Common" StencilVersion="0.1"/>
+</Control>
+</file>
+
+<file path=customXml/item57.xml><?xml version="1.0" encoding="utf-8"?>
+<Control xmlns="http://schemas.microsoft.com/VisualStudio/2011/storyboarding/control">
+  <Id Name="System.Storyboarding.Common.MouseClick" Revision="1" Stencil="System.Storyboarding.Common" StencilVersion="0.1"/>
+</Control>
+</file>
+
+<file path=customXml/item58.xml><?xml version="1.0" encoding="utf-8"?>
+<Control xmlns="http://schemas.microsoft.com/VisualStudio/2011/storyboarding/control/v1.0">
+  <Id Name="System.Storyboard.Stencil.StatusBar" RevisionId="00000000-0000-0000-0000-000000000000" Stencil="System.Windows" StencilRevisionId="00000000-0000-0000-0000-000000000000" StencilVersion="1.0"/>
+</Control>
+</file>
+
+<file path=customXml/item59.xml><?xml version="1.0" encoding="utf-8"?>
+<Control xmlns="http://schemas.microsoft.com/VisualStudio/2011/storyboarding/control/v1.0">
+  <Id Name="System.Storyboard.Stencil.PhoneTile" RevisionId="00000000-0000-0000-0000-000000000000" Stencil="System.Windows_Phone_7" StencilRevisionId="00000000-0000-0000-0000-000000000000" StencilVersion="1.0"/>
+</Control>
+</file>
+
+<file path=customXml/item6.xml><?xml version="1.0" encoding="utf-8"?>
+<Control xmlns="http://schemas.microsoft.com/VisualStudio/2011/storyboarding/control">
+  <Id Name="System.Storyboarding.Backgrounds.SharePoint" RevisionId="bdb52a43-f875-417f-a3f8-9b0259dd3051" Stencil="System.Storyboarding.Backgrounds" StencilRevisionId="bdb52a43-f875-417f-a3f8-9b0259dd3051" StencilVersion="0.1"/>
+</Control>
+</file>
+
+<file path=customXml/item60.xml><?xml version="1.0" encoding="utf-8"?>
+<Control xmlns="http://schemas.microsoft.com/VisualStudio/2011/storyboarding/control/v1.0">
+  <Id Name="System.Storyboard.Stencil.PositionControl" RevisionId="00000000-0000-0000-0000-000000000000" Stencil="System.Media" StencilRevisionId="00000000-0000-0000-0000-000000000000" StencilVersion="1.0"/>
+</Control>
+</file>
+
+<file path=customXml/item61.xml><?xml version="1.0" encoding="utf-8"?>
+<Control xmlns="http://schemas.microsoft.com/VisualStudio/2011/storyboarding/control">
+  <Id Name="System.Storyboarding.WindowsPhoneIcons.Cancel" Revision="1" Stencil="System.Storyboarding.WindowsPhoneIcons" StencilVersion="0.1"/>
+</Control>
+</file>
+
+<file path=customXml/item62.xml><?xml version="1.0" encoding="utf-8"?>
+<Control xmlns="http://schemas.microsoft.com/VisualStudio/2011/storyboarding/control">
+  <Id Name="366cd925-969f-44e1-b789-354cb31b0dfd" RevisionId="87c5073a-f3d6-4c7e-a7b7-c9586eacad3b" Stencil="172d6d98-e5c9-42e9-a209-79f7a94bbd38" StencilRevisionId="00000000-0000-0000-0000-000000000000" StencilVersion="0.0"/>
+</Control>
+</file>
+
+<file path=customXml/item63.xml><?xml version="1.0" encoding="utf-8"?>
+<Control xmlns="http://schemas.microsoft.com/VisualStudio/2011/storyboarding/control">
+  <Id Name="System.Storyboarding.Common.TextInput" Revision="1" Stencil="System.Storyboarding.Common" StencilVersion="0.1"/>
+</Control>
+</file>
+
+<file path=customXml/item64.xml><?xml version="1.0" encoding="utf-8"?>
+<Control xmlns="http://schemas.microsoft.com/VisualStudio/2011/storyboarding/control">
+  <Id Name="System.Storyboarding.Common.SearchBox" Revision="1" Stencil="System.Storyboarding.Common" StencilVersion="0.1"/>
+</Control>
+</file>
+
+<file path=customXml/item65.xml><?xml version="1.0" encoding="utf-8"?>
+<Control xmlns="http://schemas.microsoft.com/VisualStudio/2011/storyboarding/control">
+  <Id Name="System.Storyboarding.Common.Button" Revision="1" Stencil="System.Storyboarding.Common" StencilVersion="0.1"/>
+</Control>
+</file>
+
+<file path=customXml/item66.xml><?xml version="1.0" encoding="utf-8"?>
+<Control xmlns="http://schemas.microsoft.com/VisualStudio/2011/storyboarding/control">
+  <Id Name="9d9c56e0-6ca3-4298-b757-9c73dab947ac" RevisionId="993ea365-49c2-46dc-bf14-e971e460de1e" Stencil="172d6d98-e5c9-42e9-a209-79f7a94bbd38" StencilRevisionId="00000000-0000-0000-0000-000000000000" StencilVersion="0.0"/>
+</Control>
+</file>
+
+<file path=customXml/item67.xml><?xml version="1.0" encoding="utf-8"?>
 <Control xmlns="http://schemas.microsoft.com/VisualStudio/2011/storyboarding/control/v1.0">
   <Id Name="System.Storyboard.Stencil.WidePhoneTile" RevisionId="00000000-0000-0000-0000-000000000000" Stencil="System.Windows_Phone_7" StencilRevisionId="00000000-0000-0000-0000-000000000000" StencilVersion="1.0"/>
 </Control>
 </file>
 
-<file path=customXml/item165.xml><?xml version="1.0" encoding="utf-8"?>
+<file path=customXml/item68.xml><?xml version="1.0" encoding="utf-8"?>
 <Control xmlns="http://schemas.microsoft.com/VisualStudio/2011/storyboarding/control">
-  <Id Name="System.Storyboarding.Backgrounds.WindowsPhoneLandscape" RevisionId="bdb52a43-f875-417f-a3f8-9b0259dd3051" Stencil="System.Storyboarding.Backgrounds" StencilRevisionId="bdb52a43-f875-417f-a3f8-9b0259dd3051" StencilVersion="0.1"/>
+  <Id Name="600d61f4-2d09-42e6-a6db-83e260e051ae" RevisionId="3c9eb7e9-0ea7-4fb5-adc7-dcc81ff0fb36" Stencil="172d6d98-e5c9-42e9-a209-79f7a94bbd38" StencilRevisionId="00000000-0000-0000-0000-000000000000" StencilVersion="0.0"/>
 </Control>
 </file>
 
-<file path=customXml/item166.xml><?xml version="1.0" encoding="utf-8"?>
+<file path=customXml/item69.xml><?xml version="1.0" encoding="utf-8"?>
+<Control xmlns="http://schemas.microsoft.com/VisualStudio/2011/storyboarding/control">
+  <Id Name="System.Storyboarding.Common.SearchBox" Revision="1" Stencil="System.Storyboarding.Common" StencilVersion="0.1"/>
+</Control>
+</file>
+
+<file path=customXml/item7.xml><?xml version="1.0" encoding="utf-8"?>
+<Control xmlns="http://schemas.microsoft.com/VisualStudio/2011/storyboarding/control">
+  <Id Name="System.Storyboarding.Common.TextInput" Revision="1" Stencil="System.Storyboarding.Common" StencilVersion="0.1"/>
+</Control>
+</file>
+
+<file path=customXml/item70.xml><?xml version="1.0" encoding="utf-8"?>
+<Control xmlns="http://schemas.microsoft.com/VisualStudio/2011/storyboarding/control">
+  <Id Name="System.Storyboarding.Common.Text" Revision="1" Stencil="System.Storyboarding.Common" StencilVersion="0.1"/>
+</Control>
+</file>
+
+<file path=customXml/item71.xml><?xml version="1.0" encoding="utf-8"?>
 <Control xmlns="http://schemas.microsoft.com/VisualStudio/2011/storyboarding/control">
   <Id Name="366cd925-969f-44e1-b789-354cb31b0dfd" RevisionId="87c5073a-f3d6-4c7e-a7b7-c9586eacad3b" Stencil="172d6d98-e5c9-42e9-a209-79f7a94bbd38" StencilRevisionId="00000000-0000-0000-0000-000000000000" StencilVersion="0.0"/>
 </Control>
 </file>
 
-<file path=customXml/item167.xml><?xml version="1.0" encoding="utf-8"?>
-<Control xmlns="http://schemas.microsoft.com/VisualStudio/2011/storyboarding/control/v1.0">
-  <Id Name="System.Storyboard.Stencil.VerticalSplitter" RevisionId="00000000-0000-0000-0000-000000000000" Stencil="System.Windows" StencilRevisionId="00000000-0000-0000-0000-000000000000" StencilVersion="1.0"/>
+<file path=customXml/item72.xml><?xml version="1.0" encoding="utf-8"?>
+<Control xmlns="http://schemas.microsoft.com/VisualStudio/2011/storyboarding/control">
+  <Id Name="366cd925-969f-44e1-b789-354cb31b0dfd" RevisionId="87c5073a-f3d6-4c7e-a7b7-c9586eacad3b" Stencil="172d6d98-e5c9-42e9-a209-79f7a94bbd38" StencilRevisionId="00000000-0000-0000-0000-000000000000" StencilVersion="0.0"/>
 </Control>
 </file>
 
-<file path=customXml/item168.xml><?xml version="1.0" encoding="utf-8"?>
+<file path=customXml/item73.xml><?xml version="1.0" encoding="utf-8"?>
 <Control xmlns="http://schemas.microsoft.com/VisualStudio/2011/storyboarding/control">
   <Id Name="System.Storyboarding.Common.TextInput" Revision="1" Stencil="System.Storyboarding.Common" StencilVersion="0.1"/>
 </Control>
 </file>
 
-<file path=customXml/item169.xml><?xml version="1.0" encoding="utf-8"?>
+<file path=customXml/item74.xml><?xml version="1.0" encoding="utf-8"?>
+<Control xmlns="http://schemas.microsoft.com/VisualStudio/2011/storyboarding/control/v1.0">
+  <Id Name="System.Storyboard.Stencil.PieChart" RevisionId="00000000-0000-0000-0000-000000000000" Stencil="System.Media" StencilRevisionId="00000000-0000-0000-0000-000000000000" StencilVersion="1.0"/>
+</Control>
+</file>
+
+<file path=customXml/item75.xml><?xml version="1.0" encoding="utf-8"?>
+<Control xmlns="http://schemas.microsoft.com/VisualStudio/2011/storyboarding/control/v1.0">
+  <Id Name="System.Storyboard.Stencil.PhoneApplicationBar" RevisionId="00000000-0000-0000-0000-000000000000" Stencil="System.Windows_Phone_7" StencilRevisionId="00000000-0000-0000-0000-000000000000" StencilVersion="1.0"/>
+</Control>
+</file>
+
+<file path=customXml/item76.xml><?xml version="1.0" encoding="utf-8"?>
+<Control xmlns="http://schemas.microsoft.com/VisualStudio/2011/storyboarding/control/v1.0">
+  <Id Name="System.Storyboard.Stencil.PhoneNotification" RevisionId="00000000-0000-0000-0000-000000000000" Stencil="System.Windows_Phone_7" StencilRevisionId="00000000-0000-0000-0000-000000000000" StencilVersion="1.0"/>
+</Control>
+</file>
+
+<file path=customXml/item77.xml><?xml version="1.0" encoding="utf-8"?>
 <Control xmlns="http://schemas.microsoft.com/VisualStudio/2011/storyboarding/control">
-  <Id Name="System.Storyboarding.Common.Text" Revision="1" Stencil="System.Storyboarding.Common" StencilVersion="0.1"/>
+  <Id Name="System.Storyboarding.Common.SearchBox" Revision="1" Stencil="System.Storyboarding.Common" StencilVersion="0.1"/>
 </Control>
 </file>
 
-<file path=customXml/item17.xml><?xml version="1.0" encoding="utf-8"?>
+<file path=customXml/item78.xml><?xml version="1.0" encoding="utf-8"?>
+<Control xmlns="http://schemas.microsoft.com/VisualStudio/2011/storyboarding/control/v1.0">
+  <Id Name="System.Storyboard.Stencil.Slider" RevisionId="00000000-0000-0000-0000-000000000000" Stencil="System.Common" StencilRevisionId="00000000-0000-0000-0000-000000000000" StencilVersion="1.0"/>
+</Control>
+</file>
+
+<file path=customXml/item79.xml><?xml version="1.0" encoding="utf-8"?>
 <Control xmlns="http://schemas.microsoft.com/VisualStudio/2011/storyboarding/control">
-  <Id Name="System.Storyboarding.Common.DropdownBox" Revision="1" Stencil="System.Storyboarding.Common" StencilVersion="0.1"/>
+  <Id Name="System.Storyboarding.Common.TextInput" Revision="1" Stencil="System.Storyboarding.Common" StencilVersion="0.1"/>
 </Control>
 </file>
 
-<file path=customXml/item170.xml><?xml version="1.0" encoding="utf-8"?>
+<file path=customXml/item8.xml><?xml version="1.0" encoding="utf-8"?>
+<Control xmlns="http://schemas.microsoft.com/VisualStudio/2011/storyboarding/control/v1.0">
+  <Id Name="System.Storyboard.Stencil.VerticalScrollbar" RevisionId="00000000-0000-0000-0000-000000000000" Stencil="System.Common" StencilRevisionId="00000000-0000-0000-0000-000000000000" StencilVersion="1.0"/>
+</Control>
+</file>
+
+<file path=customXml/item80.xml><?xml version="1.0" encoding="utf-8"?>
 <Control xmlns="http://schemas.microsoft.com/VisualStudio/2011/storyboarding/control">
-  <Id Name="System.Storyboarding.Common.TabGroupVertical" Revision="1" Stencil="System.Storyboarding.Common" StencilVersion="0.1"/>
+  <Id Name="System.Storyboarding.Common.MouseClick" Revision="1" Stencil="System.Storyboarding.Common" StencilVersion="0.1"/>
 </Control>
 </file>
 
-<file path=customXml/item171.xml><?xml version="1.0" encoding="utf-8"?>
-<Control xmlns="http://schemas.microsoft.com/VisualStudio/2011/storyboarding/control">
-  <Id Name="System.Storyboarding.WindowsPhoneIcons.BaseCircle" Revision="1" Stencil="System.Storyboarding.WindowsPhoneIcons" StencilVersion="0.1"/>
-</Control>
-</file>
-
-<file path=customXml/item172.xml><?xml version="1.0" encoding="utf-8"?>
+<file path=customXml/item81.xml><?xml version="1.0" encoding="utf-8"?>
 <Control xmlns="http://schemas.microsoft.com/VisualStudio/2011/storyboarding/control">
   <Id Name="System.Storyboarding.Common.TextArea" Revision="1" Stencil="System.Storyboarding.Common" StencilVersion="0.1"/>
 </Control>
 </file>
 
-<file path=customXml/item173.xml><?xml version="1.0" encoding="utf-8"?>
-<Control xmlns="http://schemas.microsoft.com/VisualStudio/2011/storyboarding/control">
-  <Id Name="System.Storyboarding.Common.DropdownBox" Revision="1" Stencil="System.Storyboarding.Common" StencilVersion="0.1"/>
-</Control>
-</file>
-
-<file path=customXml/item174.xml><?xml version="1.0" encoding="utf-8"?>
-<Control xmlns="http://schemas.microsoft.com/VisualStudio/2011/storyboarding/control/v1.0">
-  <Id Name="System.Storyboard.Stencil.PhoneNotification" RevisionId="00000000-0000-0000-0000-000000000000" Stencil="System.Windows_Phone_7" StencilRevisionId="00000000-0000-0000-0000-000000000000" StencilVersion="1.0"/>
-</Control>
-</file>
-
-<file path=customXml/item175.xml><?xml version="1.0" encoding="utf-8"?>
-<Control xmlns="http://schemas.microsoft.com/VisualStudio/2011/storyboarding/control/v1.0">
-  <Id Name="System.Storyboard.Stencil.DropdownBox" RevisionId="00000000-0000-0000-0000-000000000000" Stencil="System.Common" StencilRevisionId="00000000-0000-0000-0000-000000000000" StencilVersion="1.0"/>
-</Control>
-</file>
-
-<file path=customXml/item176.xml><?xml version="1.0" encoding="utf-8"?>
-<Control xmlns="http://schemas.microsoft.com/VisualStudio/2011/storyboarding/control/v1.0">
-  <Id Name="System.Storyboard.Stencil.TabGroup" RevisionId="00000000-0000-0000-0000-000000000000" Stencil="System.Common" StencilRevisionId="00000000-0000-0000-0000-000000000000" StencilVersion="1.0"/>
-</Control>
-</file>
-
-<file path=customXml/item177.xml><?xml version="1.0" encoding="utf-8"?>
-<Control xmlns="http://schemas.microsoft.com/VisualStudio/2011/storyboarding/control">
-  <Id Name="System.Storyboarding.Common.SearchBox" Revision="1" Stencil="System.Storyboarding.Common" StencilVersion="0.1"/>
-</Control>
-</file>
-
-<file path=customXml/item178.xml><?xml version="1.0" encoding="utf-8"?>
-<Control xmlns="http://schemas.microsoft.com/VisualStudio/2011/storyboarding/control">
-  <Id Name="System.Storyboarding.Common.SearchBox" Revision="1" Stencil="System.Storyboarding.Common" StencilVersion="0.1"/>
-</Control>
-</file>
-
-<file path=customXml/item179.xml><?xml version="1.0" encoding="utf-8"?>
-<Control xmlns="http://schemas.microsoft.com/VisualStudio/2011/storyboarding/control">
-  <Id Name="System.Storyboarding.Common.TextArea" Revision="1" Stencil="System.Storyboarding.Common" StencilVersion="0.1"/>
-</Control>
-</file>
-
-<file path=customXml/item18.xml><?xml version="1.0" encoding="utf-8"?>
-<Control xmlns="http://schemas.microsoft.com/VisualStudio/2011/storyboarding/control">
-  <Id Name="System.Storyboarding.Common.DropdownBox" Revision="1" Stencil="System.Storyboarding.Common" StencilVersion="0.1"/>
-</Control>
-</file>
-
-<file path=customXml/item180.xml><?xml version="1.0" encoding="utf-8"?>
-<Control xmlns="http://schemas.microsoft.com/VisualStudio/2011/storyboarding/control">
-  <Id Name="9d9c56e0-6ca3-4298-b757-9c73dab947ac" RevisionId="993ea365-49c2-46dc-bf14-e971e460de1e" Stencil="172d6d98-e5c9-42e9-a209-79f7a94bbd38" StencilRevisionId="00000000-0000-0000-0000-000000000000" StencilVersion="0.0"/>
-</Control>
-</file>
-
-<file path=customXml/item181.xml><?xml version="1.0" encoding="utf-8"?>
-<Control xmlns="http://schemas.microsoft.com/VisualStudio/2011/storyboarding/control">
-  <Id Name="System.Storyboarding.WindowsPhoneIcons.Save" Revision="1" Stencil="System.Storyboarding.WindowsPhoneIcons" StencilVersion="0.1"/>
-</Control>
-</file>
-
-<file path=customXml/item182.xml><?xml version="1.0" encoding="utf-8"?>
-<Control xmlns="http://schemas.microsoft.com/VisualStudio/2011/storyboarding/control/v1.0">
-  <Id Name="System.Storyboard.Stencil.PhoneTile" RevisionId="00000000-0000-0000-0000-000000000000" Stencil="System.Windows_Phone_7" StencilRevisionId="00000000-0000-0000-0000-000000000000" StencilVersion="1.0"/>
-</Control>
-</file>
-
-<file path=customXml/item183.xml><?xml version="1.0" encoding="utf-8"?>
-<Control xmlns="http://schemas.microsoft.com/VisualStudio/2011/storyboarding/control">
-  <Id Name="System.Storyboarding.Common.DropdownBox" Revision="1" Stencil="System.Storyboarding.Common" StencilVersion="0.1"/>
-</Control>
-</file>
-
-<file path=customXml/item184.xml><?xml version="1.0" encoding="utf-8"?>
-<Control xmlns="http://schemas.microsoft.com/VisualStudio/2011/storyboarding/control">
-  <Id Name="366cd925-969f-44e1-b789-354cb31b0dfd" RevisionId="87c5073a-f3d6-4c7e-a7b7-c9586eacad3b" Stencil="172d6d98-e5c9-42e9-a209-79f7a94bbd38" StencilRevisionId="00000000-0000-0000-0000-000000000000" StencilVersion="0.0"/>
-</Control>
-</file>
-
-<file path=customXml/item185.xml><?xml version="1.0" encoding="utf-8"?>
-<Control xmlns="http://schemas.microsoft.com/VisualStudio/2011/storyboarding/control/v1.0">
-  <Id Name="System.Storyboarding.Common.Breadcrumb" RevisionId="68ea164d-c1de-47a5-804f-d4d1290fa524" Stencil="System.Storyboarding.Common" StencilRevisionId="68ea164d-c1de-47a5-804f-d4d1290fa524" StencilVersion="0.1"/>
-</Control>
-</file>
-
-<file path=customXml/item186.xml><?xml version="1.0" encoding="utf-8"?>
-<Control xmlns="http://schemas.microsoft.com/VisualStudio/2011/storyboarding/control/v1.0">
-  <Id Name="System.Storyboarding.Common.Text" RevisionId="68ea164d-c1de-47a5-804f-d4d1290fa524" Stencil="System.Storyboarding.Common" StencilRevisionId="68ea164d-c1de-47a5-804f-d4d1290fa524" StencilVersion="0.1"/>
-</Control>
-</file>
-
-<file path=customXml/item187.xml><?xml version="1.0" encoding="utf-8"?>
-<Control xmlns="http://schemas.microsoft.com/VisualStudio/2011/storyboarding/control/v1.0">
-  <Id Name="System.Storyboard.Stencil.TreeList" RevisionId="00000000-0000-0000-0000-000000000000" Stencil="System.Common" StencilRevisionId="00000000-0000-0000-0000-000000000000" StencilVersion="1.0"/>
-</Control>
-</file>
-
-<file path=customXml/item188.xml><?xml version="1.0" encoding="utf-8"?>
-<Control xmlns="http://schemas.microsoft.com/VisualStudio/2011/storyboarding/control">
-  <Id Name="System.Storyboarding.Common.TextInput" Revision="1" Stencil="System.Storyboarding.Common" StencilVersion="0.1"/>
-</Control>
-</file>
-
-<file path=customXml/item189.xml><?xml version="1.0" encoding="utf-8"?>
-<Control xmlns="http://schemas.microsoft.com/VisualStudio/2011/storyboarding/control">
-  <Id Name="System.Storyboarding.Common.Text" Revision="1" Stencil="System.Storyboarding.Common" StencilVersion="0.1"/>
-</Control>
-</file>
-
-<file path=customXml/item19.xml><?xml version="1.0" encoding="utf-8"?>
-<Control xmlns="http://schemas.microsoft.com/VisualStudio/2011/storyboarding/control">
-  <Id Name="System.Storyboarding.WindowsPhoneIcons.BaseCircle" Revision="1" Stencil="System.Storyboarding.WindowsPhoneIcons" StencilVersion="0.1"/>
-</Control>
-</file>
-
-<file path=customXml/item190.xml><?xml version="1.0" encoding="utf-8"?>
-<Control xmlns="http://schemas.microsoft.com/VisualStudio/2011/storyboarding/control">
-  <Id Name="System.Storyboarding.Common.Text" Revision="1" Stencil="System.Storyboarding.Common" StencilVersion="0.1"/>
-</Control>
-</file>
-
-<file path=customXml/item191.xml><?xml version="1.0" encoding="utf-8"?>
-<Control xmlns="http://schemas.microsoft.com/VisualStudio/2011/storyboarding/control">
-  <Id Name="System.Storyboarding.WindowsPhoneIcons.Save" Revision="1" Stencil="System.Storyboarding.WindowsPhoneIcons" StencilVersion="0.1"/>
-</Control>
-</file>
-
-<file path=customXml/item192.xml><?xml version="1.0" encoding="utf-8"?>
-<Control xmlns="http://schemas.microsoft.com/VisualStudio/2011/storyboarding/control/v1.0">
-  <Id Name="System.Storyboard.Stencil.VerticalScrollbar" RevisionId="00000000-0000-0000-0000-000000000000" Stencil="System.Common" StencilRevisionId="00000000-0000-0000-0000-000000000000" StencilVersion="1.0"/>
-</Control>
-</file>
-
-<file path=customXml/item193.xml><?xml version="1.0" encoding="utf-8"?>
-<Control xmlns="http://schemas.microsoft.com/VisualStudio/2011/storyboarding/control">
-  <Id Name="System.Storyboarding.Common.TextInput" Revision="1" Stencil="System.Storyboarding.Common" StencilVersion="0.1"/>
-</Control>
-</file>
-
-<file path=customXml/item194.xml><?xml version="1.0" encoding="utf-8"?>
-<Control xmlns="http://schemas.microsoft.com/VisualStudio/2011/storyboarding/control">
-  <Id Name="System.Storyboarding.Common.DropdownBox" Revision="1" Stencil="System.Storyboarding.Common" StencilVersion="0.1"/>
-</Control>
-</file>
-
-<file path=customXml/item195.xml><?xml version="1.0" encoding="utf-8"?>
-<Control xmlns="http://schemas.microsoft.com/VisualStudio/2011/storyboarding/control">
-  <Id Name="System.Storyboarding.Common.SearchBox" Revision="1" Stencil="System.Storyboarding.Common" StencilVersion="0.1"/>
-</Control>
-</file>
-
-<file path=customXml/item196.xml><?xml version="1.0" encoding="utf-8"?>
-<Control xmlns="http://schemas.microsoft.com/VisualStudio/2011/storyboarding/control/v1.0">
-  <Id Name="System.Storyboard.Stencil.DatePicker" RevisionId="00000000-0000-0000-0000-000000000000" Stencil="System.Common" StencilRevisionId="00000000-0000-0000-0000-000000000000" StencilVersion="1.0"/>
-</Control>
-</file>
-
-<file path=customXml/item197.xml><?xml version="1.0" encoding="utf-8"?>
-<Control xmlns="http://schemas.microsoft.com/VisualStudio/2011/storyboarding/control/v1.0">
-  <Id Name="System.Storyboard.Stencil.PhoneTile" RevisionId="00000000-0000-0000-0000-000000000000" Stencil="System.Windows_Phone_7" StencilRevisionId="00000000-0000-0000-0000-000000000000" StencilVersion="1.0"/>
-</Control>
-</file>
-
-<file path=customXml/item198.xml><?xml version="1.0" encoding="utf-8"?>
-<Control xmlns="http://schemas.microsoft.com/VisualStudio/2011/storyboarding/control">
-  <Id Name="System.Storyboarding.Common.DropdownBox" Revision="1" Stencil="System.Storyboarding.Common" StencilVersion="0.1"/>
-</Control>
-</file>
-
-<file path=customXml/item199.xml><?xml version="1.0" encoding="utf-8"?>
-<Control xmlns="http://schemas.microsoft.com/VisualStudio/2011/storyboarding/control">
-  <Id Name="System.Storyboarding.Common.DropdownBox" Revision="1" Stencil="System.Storyboarding.Common" StencilVersion="0.1"/>
-</Control>
-</file>
-
-<file path=customXml/item2.xml><?xml version="1.0" encoding="utf-8"?>
-<Control xmlns="http://schemas.microsoft.com/VisualStudio/2011/storyboarding/control/v1.0">
-  <Id Name="System.Storyboard.Stencil.PlayControls" RevisionId="00000000-0000-0000-0000-000000000000" Stencil="System.Media" StencilRevisionId="00000000-0000-0000-0000-000000000000" StencilVersion="1.0"/>
-</Control>
-</file>
-
-<file path=customXml/item20.xml><?xml version="1.0" encoding="utf-8"?>
-<Control xmlns="http://schemas.microsoft.com/VisualStudio/2011/storyboarding/control">
-  <Id Name="System.Storyboarding.Annotation.AnimatedRectangleCallout" Revision="1" Stencil="System.Storyboarding.Annotation" StencilVersion="0.1"/>
-</Control>
-</file>
-
-<file path=customXml/item200.xml><?xml version="1.0" encoding="utf-8"?>
-<Control xmlns="http://schemas.microsoft.com/VisualStudio/2011/storyboarding/control">
-  <Id Name="System.Storyboarding.Common.DropdownBox" Revision="1" Stencil="System.Storyboarding.Common" StencilVersion="0.1"/>
-</Control>
-</file>
-
-<file path=customXml/item201.xml><?xml version="1.0" encoding="utf-8"?>
-<Control xmlns="http://schemas.microsoft.com/VisualStudio/2011/storyboarding/control">
-  <Id Name="600d61f4-2d09-42e6-a6db-83e260e051ae" RevisionId="3c9eb7e9-0ea7-4fb5-adc7-dcc81ff0fb36" Stencil="172d6d98-e5c9-42e9-a209-79f7a94bbd38" StencilRevisionId="00000000-0000-0000-0000-000000000000" StencilVersion="0.0"/>
-</Control>
-</file>
-
-<file path=customXml/item202.xml><?xml version="1.0" encoding="utf-8"?>
-<Control xmlns="http://schemas.microsoft.com/VisualStudio/2011/storyboarding/control/v1.0">
-  <Id Name="System.Storyboard.Stencil.Button" RevisionId="00000000-0000-0000-0000-000000000000" Stencil="System.Common" StencilRevisionId="00000000-0000-0000-0000-000000000000" StencilVersion="1.0"/>
-</Control>
-</file>
-
-<file path=customXml/item203.xml><?xml version="1.0" encoding="utf-8"?>
-<?mso-contentType ?>
-<spe:Receivers xmlns:spe="http://schemas.microsoft.com/sharepoint/events">
-  <Receiver>
-    <Name>Document ID Generator</Name>
-    <Synchronization>Synchronous</Synchronization>
-    <Type>10001</Type>
-    <SequenceNumber>1000</SequenceNumber>
-    <Assembly>Microsoft.Office.DocumentManagement, Version=14.0.0.0, Culture=neutral, PublicKeyToken=71e9bce111e9429c</Assembly>
-    <Class>Microsoft.Office.DocumentManagement.Internal.DocIdHandler</Class>
-    <Data/>
-    <Filter/>
-  </Receiver>
-  <Receiver>
-    <Name>Document ID Generator</Name>
-    <Synchronization>Synchronous</Synchronization>
-    <Type>10002</Type>
-    <SequenceNumber>1001</SequenceNumber>
-    <Assembly>Microsoft.Office.DocumentManagement, Version=14.0.0.0, Culture=neutral, PublicKeyToken=71e9bce111e9429c</Assembly>
-    <Class>Microsoft.Office.DocumentManagement.Internal.DocIdHandler</Class>
-    <Data/>
-    <Filter/>
-  </Receiver>
-  <Receiver>
-    <Name>Document ID Generator</Name>
-    <Synchronization>Synchronous</Synchronization>
-    <Type>10004</Type>
-    <SequenceNumber>1002</SequenceNumber>
-    <Assembly>Microsoft.Office.DocumentManagement, Version=14.0.0.0, Culture=neutral, PublicKeyToken=71e9bce111e9429c</Assembly>
-    <Class>Microsoft.Office.DocumentManagement.Internal.DocIdHandler</Class>
-    <Data/>
-    <Filter/>
-  </Receiver>
-  <Receiver>
-    <Name>Document ID Generator</Name>
-    <Synchronization>Synchronous</Synchronization>
-    <Type>10006</Type>
-    <SequenceNumber>1003</SequenceNumber>
-    <Assembly>Microsoft.Office.DocumentManagement, Version=14.0.0.0, Culture=neutral, PublicKeyToken=71e9bce111e9429c</Assembly>
-    <Class>Microsoft.Office.DocumentManagement.Internal.DocIdHandler</Class>
-    <Data/>
-    <Filter/>
-  </Receiver>
-</spe:Receivers>
-</file>
-
-<file path=customXml/item204.xml><?xml version="1.0" encoding="utf-8"?>
-<Control xmlns="http://schemas.microsoft.com/VisualStudio/2011/storyboarding/control">
-  <Id Name="System.Storyboarding.Common.SearchBox" Revision="1" Stencil="System.Storyboarding.Common" StencilVersion="0.1"/>
-</Control>
-</file>
-
-<file path=customXml/item205.xml><?xml version="1.0" encoding="utf-8"?>
-<Control xmlns="http://schemas.microsoft.com/VisualStudio/2011/storyboarding/control">
-  <Id Name="System.Storyboarding.WindowsPhoneIcons.Cancel" Revision="1" Stencil="System.Storyboarding.WindowsPhoneIcons" StencilVersion="0.1"/>
-</Control>
-</file>
-
-<file path=customXml/item206.xml><?xml version="1.0" encoding="utf-8"?>
-<Control xmlns="http://schemas.microsoft.com/VisualStudio/2011/storyboarding/control">
-  <Id Name="System.Storyboarding.Common.TextInput" Revision="1" Stencil="System.Storyboarding.Common" StencilVersion="0.1"/>
-</Control>
-</file>
-
-<file path=customXml/item207.xml><?xml version="1.0" encoding="utf-8"?>
-<Control xmlns="http://schemas.microsoft.com/VisualStudio/2011/storyboarding/control/v1.0">
-  <Id Name="System.Storyboarding.Icons.Help" RevisionId="05cd6d03-c0b2-488e-98a7-d68de69a2cfc" Stencil="System.Storyboarding.Icons" StencilRevisionId="05cd6d03-c0b2-488e-98a7-d68de69a2cfc" StencilVersion="0.1"/>
-</Control>
-</file>
-
-<file path=customXml/item208.xml><?xml version="1.0" encoding="utf-8"?>
-<Control xmlns="http://schemas.microsoft.com/VisualStudio/2011/storyboarding/control/v1.0">
-  <Id Name="System.Storyboard.Stencil.VerticalScrollbar" RevisionId="00000000-0000-0000-0000-000000000000" Stencil="System.Common" StencilRevisionId="00000000-0000-0000-0000-000000000000" StencilVersion="1.0"/>
-</Control>
-</file>
-
-<file path=customXml/item209.xml><?xml version="1.0" encoding="utf-8"?>
-<Control xmlns="http://schemas.microsoft.com/VisualStudio/2011/storyboarding/control/v1.0">
-  <Id Name="System.Storyboard.Stencil.Slider" RevisionId="00000000-0000-0000-0000-000000000000" Stencil="System.Common" StencilRevisionId="00000000-0000-0000-0000-000000000000" StencilVersion="1.0"/>
-</Control>
-</file>
-
-<file path=customXml/item21.xml><?xml version="1.0" encoding="utf-8"?>
-<Control xmlns="http://schemas.microsoft.com/VisualStudio/2011/storyboarding/control">
-  <Id Name="System.Storyboarding.Common.DropdownBox" Revision="1" Stencil="System.Storyboarding.Common" StencilVersion="0.1"/>
-</Control>
-</file>
-
-<file path=customXml/item210.xml><?xml version="1.0" encoding="utf-8"?>
-<Control xmlns="http://schemas.microsoft.com/VisualStudio/2011/storyboarding/control">
-  <Id Name="System.Storyboarding.Common.TextArea" Revision="1" Stencil="System.Storyboarding.Common" StencilVersion="0.1"/>
-</Control>
-</file>
-
-<file path=customXml/item211.xml><?xml version="1.0" encoding="utf-8"?>
-<Control xmlns="http://schemas.microsoft.com/VisualStudio/2011/storyboarding/control">
-  <Id Name="System.Storyboarding.Common.Text" Revision="1" Stencil="System.Storyboarding.Common" StencilVersion="0.1"/>
-</Control>
-</file>
-
-<file path=customXml/item212.xml><?xml version="1.0" encoding="utf-8"?>
-<Control xmlns="http://schemas.microsoft.com/VisualStudio/2011/storyboarding/control">
-  <Id Name="System.Storyboarding.Common.Text" Revision="1" Stencil="System.Storyboarding.Common" StencilVersion="0.1"/>
-</Control>
-</file>
-
-<file path=customXml/item213.xml><?xml version="1.0" encoding="utf-8"?>
-<Control xmlns="http://schemas.microsoft.com/VisualStudio/2011/storyboarding/control">
-  <Id Name="System.Storyboarding.WindowsPhoneIcons.BaseCircle" Revision="1" Stencil="System.Storyboarding.WindowsPhoneIcons" StencilVersion="0.1"/>
-</Control>
-</file>
-
-<file path=customXml/item214.xml><?xml version="1.0" encoding="utf-8"?>
-<Control xmlns="http://schemas.microsoft.com/VisualStudio/2011/storyboarding/control">
-  <Id Name="System.Storyboarding.Common.MouseClick" Revision="1" Stencil="System.Storyboarding.Common" StencilVersion="0.1"/>
-</Control>
-</file>
-
-<file path=customXml/item215.xml><?xml version="1.0" encoding="utf-8"?>
-<Control xmlns="http://schemas.microsoft.com/VisualStudio/2011/storyboarding/control">
-  <Id Name="System.Storyboarding.Common.SearchBox" Revision="1" Stencil="System.Storyboarding.Common" StencilVersion="0.1"/>
-</Control>
-</file>
-
-<file path=customXml/item216.xml><?xml version="1.0" encoding="utf-8"?>
-<Control xmlns="http://schemas.microsoft.com/VisualStudio/2011/storyboarding/control">
-  <Id Name="System.Storyboarding.Common.DropdownBox" Revision="1" Stencil="System.Storyboarding.Common" StencilVersion="0.1"/>
-</Control>
-</file>
-
-<file path=customXml/item217.xml><?xml version="1.0" encoding="utf-8"?>
-<Control xmlns="http://schemas.microsoft.com/VisualStudio/2011/storyboarding/control">
-  <Id Name="System.Storyboarding.Common.TabGroup" Revision="1" Stencil="System.Storyboarding.Common" StencilVersion="0.1"/>
-</Control>
-</file>
-
-<file path=customXml/item218.xml><?xml version="1.0" encoding="utf-8"?>
-<Control xmlns="http://schemas.microsoft.com/VisualStudio/2011/storyboarding/control">
-  <Id Name="System.Storyboarding.Common.TextInput" Revision="1" Stencil="System.Storyboarding.Common" StencilVersion="0.1"/>
-</Control>
-</file>
-
-<file path=customXml/item219.xml><?xml version="1.0" encoding="utf-8"?>
-<Control xmlns="http://schemas.microsoft.com/VisualStudio/2011/storyboarding/control">
-  <Id Name="System.Storyboarding.Common.TextInput" Revision="1" Stencil="System.Storyboarding.Common" StencilVersion="0.1"/>
-</Control>
-</file>
-
-<file path=customXml/item22.xml><?xml version="1.0" encoding="utf-8"?>
-<Control xmlns="http://schemas.microsoft.com/VisualStudio/2011/storyboarding/control/v1.0">
-  <Id Name="System.Storyboard.Stencil.Title" RevisionId="00000000-0000-0000-0000-000000000000" Stencil="System.Common" StencilRevisionId="00000000-0000-0000-0000-000000000000" StencilVersion="1.0"/>
-</Control>
-</file>
-
-<file path=customXml/item220.xml><?xml version="1.0" encoding="utf-8"?>
-<Control xmlns="http://schemas.microsoft.com/VisualStudio/2011/storyboarding/control">
-  <Id Name="System.Storyboarding.Common.TextInput" Revision="1" Stencil="System.Storyboarding.Common" StencilVersion="0.1"/>
-</Control>
-</file>
-
-<file path=customXml/item221.xml><?xml version="1.0" encoding="utf-8"?>
-<Control xmlns="http://schemas.microsoft.com/VisualStudio/2011/storyboarding/control">
-  <Id Name="System.Storyboarding.Common.TextArea" Revision="1" Stencil="System.Storyboarding.Common" StencilVersion="0.1"/>
-</Control>
-</file>
-
-<file path=customXml/item222.xml><?xml version="1.0" encoding="utf-8"?>
-<Control xmlns="http://schemas.microsoft.com/VisualStudio/2011/storyboarding/control">
-  <Id Name="System.Storyboarding.Common.DropdownBox" Revision="1" Stencil="System.Storyboarding.Common" StencilVersion="0.1"/>
-</Control>
-</file>
-
-<file path=customXml/item223.xml><?xml version="1.0" encoding="utf-8"?>
-<Control xmlns="http://schemas.microsoft.com/VisualStudio/2011/storyboarding/control">
-  <Id Name="System.Storyboarding.Common.DropdownBox" Revision="1" Stencil="System.Storyboarding.Common" StencilVersion="0.1"/>
-</Control>
-</file>
-
-<file path=customXml/item224.xml><?xml version="1.0" encoding="utf-8"?>
-<Control xmlns="http://schemas.microsoft.com/VisualStudio/2011/storyboarding/control">
-  <Id Name="System.Storyboarding.Common.SearchBox" Revision="1" Stencil="System.Storyboarding.Common" StencilVersion="0.1"/>
-</Control>
-</file>
-
-<file path=customXml/item225.xml><?xml version="1.0" encoding="utf-8"?>
-<Control xmlns="http://schemas.microsoft.com/VisualStudio/2011/storyboarding/control">
-  <Id Name="System.Storyboarding.Common.DropdownBox" Revision="1" Stencil="System.Storyboarding.Common" StencilVersion="0.1"/>
-</Control>
-</file>
-
-<file path=customXml/item226.xml><?xml version="1.0" encoding="utf-8"?>
-<Control xmlns="http://schemas.microsoft.com/VisualStudio/2011/storyboarding/control">
-  <Id Name="System.Storyboarding.Common.SearchBox" Revision="1" Stencil="System.Storyboarding.Common" StencilVersion="0.1"/>
-</Control>
-</file>
-
-<file path=customXml/item227.xml><?xml version="1.0" encoding="utf-8"?>
-<Control xmlns="http://schemas.microsoft.com/VisualStudio/2011/storyboarding/control">
-  <Id Name="System.Storyboarding.Common.DropdownBox" Revision="1" Stencil="System.Storyboarding.Common" StencilVersion="0.1"/>
-</Control>
-</file>
-
-<file path=customXml/item228.xml><?xml version="1.0" encoding="utf-8"?>
-<Control xmlns="http://schemas.microsoft.com/VisualStudio/2011/storyboarding/control">
-  <Id Name="System.Storyboarding.Common.SearchBox" Revision="1" Stencil="System.Storyboarding.Common" StencilVersion="0.1"/>
-</Control>
-</file>
-
-<file path=customXml/item229.xml><?xml version="1.0" encoding="utf-8"?>
-<Control xmlns="http://schemas.microsoft.com/VisualStudio/2011/storyboarding/control">
-  <Id Name="System.Storyboarding.Common.DropdownBox" Revision="1" Stencil="System.Storyboarding.Common" StencilVersion="0.1"/>
-</Control>
-</file>
-
-<file path=customXml/item23.xml><?xml version="1.0" encoding="utf-8"?>
-<Control xmlns="http://schemas.microsoft.com/VisualStudio/2011/storyboarding/control/v1.0">
-  <Id Name="System.Storyboard.Stencil.PhoneTile" RevisionId="00000000-0000-0000-0000-000000000000" Stencil="System.Windows_Phone_7" StencilRevisionId="00000000-0000-0000-0000-000000000000" StencilVersion="1.0"/>
-</Control>
-</file>
-
-<file path=customXml/item230.xml><?xml version="1.0" encoding="utf-8"?>
-<Control xmlns="http://schemas.microsoft.com/VisualStudio/2011/storyboarding/control">
-  <Id Name="System.Storyboarding.Common.SearchBox" Revision="1" Stencil="System.Storyboarding.Common" StencilVersion="0.1"/>
-</Control>
-</file>
-
-<file path=customXml/item231.xml><?xml version="1.0" encoding="utf-8"?>
-<Control xmlns="http://schemas.microsoft.com/VisualStudio/2011/storyboarding/control">
-  <Id Name="b5742593-4330-4997-98c6-02e7437a7975" Revision="1" Stencil="System.MyShapes" StencilVersion="1.0"/>
-</Control>
-</file>
-
-<file path=customXml/item232.xml><?xml version="1.0" encoding="utf-8"?>
-<Control xmlns="http://schemas.microsoft.com/VisualStudio/2011/storyboarding/control">
-  <Id Name="System.Storyboarding.WindowsPhoneIcons.BaseCircle" Revision="1" Stencil="System.Storyboarding.WindowsPhoneIcons" StencilVersion="0.1"/>
-</Control>
-</file>
-
-<file path=customXml/item233.xml><?xml version="1.0" encoding="utf-8"?>
-<Control xmlns="http://schemas.microsoft.com/VisualStudio/2011/storyboarding/control">
-  <Id Name="System.Storyboarding.WindowsPhoneIcons.BaseCircle" Revision="1" Stencil="System.Storyboarding.WindowsPhoneIcons" StencilVersion="0.1"/>
-</Control>
-</file>
-
-<file path=customXml/item234.xml><?xml version="1.0" encoding="utf-8"?>
-<Control xmlns="http://schemas.microsoft.com/VisualStudio/2011/storyboarding/control">
-  <Id Name="System.Storyboarding.WindowsPhoneIcons.Save" Revision="1" Stencil="System.Storyboarding.WindowsPhoneIcons" StencilVersion="0.1"/>
-</Control>
-</file>
-
-<file path=customXml/item235.xml><?xml version="1.0" encoding="utf-8"?>
-<Control xmlns="http://schemas.microsoft.com/VisualStudio/2011/storyboarding/control">
-  <Id Name="System.Storyboarding.WindowsPhoneIcons.Cancel" Revision="1" Stencil="System.Storyboarding.WindowsPhoneIcons" StencilVersion="0.1"/>
-</Control>
-</file>
-
-<file path=customXml/item236.xml><?xml version="1.0" encoding="utf-8"?>
-<Control xmlns="http://schemas.microsoft.com/VisualStudio/2011/storyboarding/control">
-  <Id Name="366cd925-969f-44e1-b789-354cb31b0dfd" RevisionId="87c5073a-f3d6-4c7e-a7b7-c9586eacad3b" Stencil="172d6d98-e5c9-42e9-a209-79f7a94bbd38" StencilRevisionId="00000000-0000-0000-0000-000000000000" StencilVersion="0.0"/>
-</Control>
-</file>
-
-<file path=customXml/item237.xml><?xml version="1.0" encoding="utf-8"?>
-<Control xmlns="http://schemas.microsoft.com/VisualStudio/2011/storyboarding/control">
-  <Id Name="9d9c56e0-6ca3-4298-b757-9c73dab947ac" RevisionId="993ea365-49c2-46dc-bf14-e971e460de1e" Stencil="172d6d98-e5c9-42e9-a209-79f7a94bbd38" StencilRevisionId="00000000-0000-0000-0000-000000000000" StencilVersion="0.0"/>
-</Control>
-</file>
-
-<file path=customXml/item238.xml><?xml version="1.0" encoding="utf-8"?>
-<Control xmlns="http://schemas.microsoft.com/VisualStudio/2011/storyboarding/control">
-  <Id Name="600d61f4-2d09-42e6-a6db-83e260e051ae" RevisionId="3c9eb7e9-0ea7-4fb5-adc7-dcc81ff0fb36" Stencil="172d6d98-e5c9-42e9-a209-79f7a94bbd38" StencilRevisionId="00000000-0000-0000-0000-000000000000" StencilVersion="0.0"/>
-</Control>
-</file>
-
-<file path=customXml/item239.xml><?xml version="1.0" encoding="utf-8"?>
-<Control xmlns="http://schemas.microsoft.com/VisualStudio/2011/storyboarding/control">
-  <Id Name="366cd925-969f-44e1-b789-354cb31b0dfd" RevisionId="87c5073a-f3d6-4c7e-a7b7-c9586eacad3b" Stencil="172d6d98-e5c9-42e9-a209-79f7a94bbd38" StencilRevisionId="00000000-0000-0000-0000-000000000000" StencilVersion="0.0"/>
-</Control>
-</file>
-
-<file path=customXml/item24.xml><?xml version="1.0" encoding="utf-8"?>
-<Control xmlns="http://schemas.microsoft.com/VisualStudio/2011/storyboarding/control">
-  <Id Name="System.Storyboarding.Common.SearchBox" Revision="1" Stencil="System.Storyboarding.Common" StencilVersion="0.1"/>
-</Control>
-</file>
-
-<file path=customXml/item240.xml><?xml version="1.0" encoding="utf-8"?>
-<Control xmlns="http://schemas.microsoft.com/VisualStudio/2011/storyboarding/control">
-  <Id Name="System.Storyboarding.Common.MouseClick" Revision="1" Stencil="System.Storyboarding.Common" StencilVersion="0.1"/>
-</Control>
-</file>
-
-<file path=customXml/item241.xml><?xml version="1.0" encoding="utf-8"?>
-<Control xmlns="http://schemas.microsoft.com/VisualStudio/2011/storyboarding/control">
-  <Id Name="System.Storyboarding.Common.MouseClick" Revision="1" Stencil="System.Storyboarding.Common" StencilVersion="0.1"/>
-</Control>
-</file>
-
-<file path=customXml/item242.xml><?xml version="1.0" encoding="utf-8"?>
-<Control xmlns="http://schemas.microsoft.com/VisualStudio/2011/storyboarding/control">
-  <Id Name="System.Storyboarding.Common.MouseClick" Revision="1" Stencil="System.Storyboarding.Common" StencilVersion="0.1"/>
-</Control>
-</file>
-
-<file path=customXml/item243.xml><?xml version="1.0" encoding="utf-8"?>
-<Control xmlns="http://schemas.microsoft.com/VisualStudio/2011/storyboarding/control">
-  <Id Name="System.Storyboarding.Common.TabGroupVertical" Revision="1" Stencil="System.Storyboarding.Common" StencilVersion="0.1"/>
-</Control>
-</file>
-
-<file path=customXml/item244.xml><?xml version="1.0" encoding="utf-8"?>
-<Control xmlns="http://schemas.microsoft.com/VisualStudio/2011/storyboarding/control">
-  <Id Name="System.Storyboarding.Common.Button" Revision="1" Stencil="System.Storyboarding.Common" StencilVersion="0.1"/>
-</Control>
-</file>
-
-<file path=customXml/item245.xml><?xml version="1.0" encoding="utf-8"?>
-<Control xmlns="http://schemas.microsoft.com/VisualStudio/2011/storyboarding/control">
-  <Id Name="System.Storyboarding.Common.Text" Revision="1" Stencil="System.Storyboarding.Common" StencilVersion="0.1"/>
-</Control>
-</file>
-
-<file path=customXml/item246.xml><?xml version="1.0" encoding="utf-8"?>
-<Control xmlns="http://schemas.microsoft.com/VisualStudio/2011/storyboarding/control">
-  <Id Name="System.Storyboarding.Common.Text" Revision="1" Stencil="System.Storyboarding.Common" StencilVersion="0.1"/>
-</Control>
-</file>
-
-<file path=customXml/item247.xml><?xml version="1.0" encoding="utf-8"?>
-<Control xmlns="http://schemas.microsoft.com/VisualStudio/2011/storyboarding/control">
-  <Id Name="System.Storyboarding.Common.Text" Revision="1" Stencil="System.Storyboarding.Common" StencilVersion="0.1"/>
-</Control>
-</file>
-
-<file path=customXml/item248.xml><?xml version="1.0" encoding="utf-8"?>
-<Control xmlns="http://schemas.microsoft.com/VisualStudio/2011/storyboarding/control">
-  <Id Name="System.Storyboarding.Common.Text" Revision="1" Stencil="System.Storyboarding.Common" StencilVersion="0.1"/>
-</Control>
-</file>
-
-<file path=customXml/item249.xml><?xml version="1.0" encoding="utf-8"?>
-<Control xmlns="http://schemas.microsoft.com/VisualStudio/2011/storyboarding/control">
-  <Id Name="System.Storyboarding.Common.Text" Revision="1" Stencil="System.Storyboarding.Common" StencilVersion="0.1"/>
-</Control>
-</file>
-
-<file path=customXml/item25.xml><?xml version="1.0" encoding="utf-8"?>
-<Control xmlns="http://schemas.microsoft.com/VisualStudio/2011/storyboarding/control">
-  <Id Name="9d9c56e0-6ca3-4298-b757-9c73dab947ac" RevisionId="993ea365-49c2-46dc-bf14-e971e460de1e" Stencil="172d6d98-e5c9-42e9-a209-79f7a94bbd38" StencilRevisionId="00000000-0000-0000-0000-000000000000" StencilVersion="0.0"/>
-</Control>
-</file>
-
-<file path=customXml/item250.xml><?xml version="1.0" encoding="utf-8"?>
-<Control xmlns="http://schemas.microsoft.com/VisualStudio/2011/storyboarding/control">
-  <Id Name="System.Storyboarding.Common.Text" Revision="1" Stencil="System.Storyboarding.Common" StencilVersion="0.1"/>
-</Control>
-</file>
-
-<file path=customXml/item251.xml><?xml version="1.0" encoding="utf-8"?>
-<Control xmlns="http://schemas.microsoft.com/VisualStudio/2011/storyboarding/control">
-  <Id Name="System.Storyboarding.Common.Button" Revision="1" Stencil="System.Storyboarding.Common" StencilVersion="0.1"/>
-</Control>
-</file>
-
-<file path=customXml/item252.xml><?xml version="1.0" encoding="utf-8"?>
-<Control xmlns="http://schemas.microsoft.com/VisualStudio/2011/storyboarding/control">
-  <Id Name="System.Storyboarding.Common.Text" Revision="1" Stencil="System.Storyboarding.Common" StencilVersion="0.1"/>
-</Control>
-</file>
-
-<file path=customXml/item253.xml><?xml version="1.0" encoding="utf-8"?>
-<Control xmlns="http://schemas.microsoft.com/VisualStudio/2011/storyboarding/control">
-  <Id Name="System.Storyboarding.Common.Text" Revision="1" Stencil="System.Storyboarding.Common" StencilVersion="0.1"/>
-</Control>
-</file>
-
-<file path=customXml/item254.xml><?xml version="1.0" encoding="utf-8"?>
-<Control xmlns="http://schemas.microsoft.com/VisualStudio/2011/storyboarding/control">
-  <Id Name="System.Storyboarding.Common.Button" Revision="1" Stencil="System.Storyboarding.Common" StencilVersion="0.1"/>
-</Control>
-</file>
-
-<file path=customXml/item255.xml><?xml version="1.0" encoding="utf-8"?>
-<Control xmlns="http://schemas.microsoft.com/VisualStudio/2011/storyboarding/control">
-  <Id Name="System.Storyboarding.Common.Text" Revision="1" Stencil="System.Storyboarding.Common" StencilVersion="0.1"/>
-</Control>
-</file>
-
-<file path=customXml/item256.xml><?xml version="1.0" encoding="utf-8"?>
-<Control xmlns="http://schemas.microsoft.com/VisualStudio/2011/storyboarding/control">
-  <Id Name="System.Storyboarding.Common.Text" Revision="1" Stencil="System.Storyboarding.Common" StencilVersion="0.1"/>
-</Control>
-</file>
-
-<file path=customXml/item257.xml><?xml version="1.0" encoding="utf-8"?>
-<Control xmlns="http://schemas.microsoft.com/VisualStudio/2011/storyboarding/control">
-  <Id Name="System.Storyboarding.Common.Button" Revision="1" Stencil="System.Storyboarding.Common" StencilVersion="0.1"/>
-</Control>
-</file>
-
-<file path=customXml/item258.xml><?xml version="1.0" encoding="utf-8"?>
-<Control xmlns="http://schemas.microsoft.com/VisualStudio/2011/storyboarding/control">
-  <Id Name="System.Storyboarding.Common.Text" Revision="1" Stencil="System.Storyboarding.Common" StencilVersion="0.1"/>
-</Control>
-</file>
-
-<file path=customXml/item259.xml><?xml version="1.0" encoding="utf-8"?>
-<Control xmlns="http://schemas.microsoft.com/VisualStudio/2011/storyboarding/control">
-  <Id Name="System.Storyboarding.Common.Text" Revision="1" Stencil="System.Storyboarding.Common" StencilVersion="0.1"/>
-</Control>
-</file>
-
-<file path=customXml/item26.xml><?xml version="1.0" encoding="utf-8"?>
-<Control xmlns="http://schemas.microsoft.com/VisualStudio/2011/storyboarding/control">
-  <Id Name="System.Storyboarding.WindowsPhoneIcons.Video" RevisionId="5814b1e0-0169-11e0-a976-0800200c9a66" Stencil="System.Storyboarding.WindowsPhoneIcons" StencilRevisionId="5814b1e0-0169-11e0-a976-0800200c9a66" StencilVersion="0.1"/>
-</Control>
-</file>
-
-<file path=customXml/item260.xml><?xml version="1.0" encoding="utf-8"?>
-<Control xmlns="http://schemas.microsoft.com/VisualStudio/2011/storyboarding/control">
-  <Id Name="System.Storyboarding.Common.MouseClick" Revision="1" Stencil="System.Storyboarding.Common" StencilVersion="0.1"/>
-</Control>
-</file>
-
-<file path=customXml/item261.xml><?xml version="1.0" encoding="utf-8"?>
-<Control xmlns="http://schemas.microsoft.com/VisualStudio/2011/storyboarding/control">
-  <Id Name="System.Storyboarding.Common.MouseClick" Revision="1" Stencil="System.Storyboarding.Common" StencilVersion="0.1"/>
-</Control>
-</file>
-
-<file path=customXml/item262.xml><?xml version="1.0" encoding="utf-8"?>
-<Control xmlns="http://schemas.microsoft.com/VisualStudio/2011/storyboarding/control">
-  <Id Name="System.Storyboarding.Common.CheckBoxUnchecked" Revision="1" Stencil="System.Storyboarding.Common" StencilVersion="0.1"/>
-</Control>
-</file>
-
-<file path=customXml/item263.xml><?xml version="1.0" encoding="utf-8"?>
-<Control xmlns="http://schemas.microsoft.com/VisualStudio/2011/storyboarding/control">
-  <Id Name="System.Storyboarding.Common.TabGroup" Revision="1" Stencil="System.Storyboarding.Common" StencilVersion="0.1"/>
-</Control>
-</file>
-
-<file path=customXml/item264.xml><?xml version="1.0" encoding="utf-8"?>
-<Control xmlns="http://schemas.microsoft.com/VisualStudio/2011/storyboarding/control">
-  <Id Name="System.Storyboarding.Common.TextInput" Revision="1" Stencil="System.Storyboarding.Common" StencilVersion="0.1"/>
-</Control>
-</file>
-
-<file path=customXml/item265.xml><?xml version="1.0" encoding="utf-8"?>
-<Control xmlns="http://schemas.microsoft.com/VisualStudio/2011/storyboarding/control">
-  <Id Name="System.Storyboarding.Common.TextInput" Revision="1" Stencil="System.Storyboarding.Common" StencilVersion="0.1"/>
-</Control>
-</file>
-
-<file path=customXml/item266.xml><?xml version="1.0" encoding="utf-8"?>
-<Control xmlns="http://schemas.microsoft.com/VisualStudio/2011/storyboarding/control">
-  <Id Name="System.Storyboarding.Common.TextInput" Revision="1" Stencil="System.Storyboarding.Common" StencilVersion="0.1"/>
-</Control>
-</file>
-
-<file path=customXml/item267.xml><?xml version="1.0" encoding="utf-8"?>
-<Control xmlns="http://schemas.microsoft.com/VisualStudio/2011/storyboarding/control">
-  <Id Name="System.Storyboarding.Common.TextArea" Revision="1" Stencil="System.Storyboarding.Common" StencilVersion="0.1"/>
-</Control>
-</file>
-
-<file path=customXml/item268.xml><?xml version="1.0" encoding="utf-8"?>
-<Control xmlns="http://schemas.microsoft.com/VisualStudio/2011/storyboarding/control">
-  <Id Name="System.Storyboarding.Common.DropdownBox" Revision="1" Stencil="System.Storyboarding.Common" StencilVersion="0.1"/>
-</Control>
-</file>
-
-<file path=customXml/item269.xml><?xml version="1.0" encoding="utf-8"?>
-<Control xmlns="http://schemas.microsoft.com/VisualStudio/2011/storyboarding/control">
-  <Id Name="System.Storyboarding.Common.DropdownBox" Revision="1" Stencil="System.Storyboarding.Common" StencilVersion="0.1"/>
-</Control>
-</file>
-
-<file path=customXml/item27.xml><?xml version="1.0" encoding="utf-8"?>
-<Control xmlns="http://schemas.microsoft.com/VisualStudio/2011/storyboarding/control">
-  <Id Name="366cd925-969f-44e1-b789-354cb31b0dfd" RevisionId="87c5073a-f3d6-4c7e-a7b7-c9586eacad3b" Stencil="172d6d98-e5c9-42e9-a209-79f7a94bbd38" StencilRevisionId="00000000-0000-0000-0000-000000000000" StencilVersion="0.0"/>
-</Control>
-</file>
-
-<file path=customXml/item270.xml><?xml version="1.0" encoding="utf-8"?>
-<Control xmlns="http://schemas.microsoft.com/VisualStudio/2011/storyboarding/control">
-  <Id Name="System.Storyboarding.Common.SearchBox" Revision="1" Stencil="System.Storyboarding.Common" StencilVersion="0.1"/>
-</Control>
-</file>
-
-<file path=customXml/item271.xml><?xml version="1.0" encoding="utf-8"?>
-<Control xmlns="http://schemas.microsoft.com/VisualStudio/2011/storyboarding/control">
-  <Id Name="System.Storyboarding.Common.DropdownBox" Revision="1" Stencil="System.Storyboarding.Common" StencilVersion="0.1"/>
-</Control>
-</file>
-
-<file path=customXml/item272.xml><?xml version="1.0" encoding="utf-8"?>
-<Control xmlns="http://schemas.microsoft.com/VisualStudio/2011/storyboarding/control">
-  <Id Name="System.Storyboarding.Common.SearchBox" Revision="1" Stencil="System.Storyboarding.Common" StencilVersion="0.1"/>
-</Control>
-</file>
-
-<file path=customXml/item273.xml><?xml version="1.0" encoding="utf-8"?>
-<Control xmlns="http://schemas.microsoft.com/VisualStudio/2011/storyboarding/control">
-  <Id Name="System.Storyboarding.Common.DropdownBox" Revision="1" Stencil="System.Storyboarding.Common" StencilVersion="0.1"/>
-</Control>
-</file>
-
-<file path=customXml/item274.xml><?xml version="1.0" encoding="utf-8"?>
-<Control xmlns="http://schemas.microsoft.com/VisualStudio/2011/storyboarding/control">
-  <Id Name="System.Storyboarding.Common.SearchBox" Revision="1" Stencil="System.Storyboarding.Common" StencilVersion="0.1"/>
-</Control>
-</file>
-
-<file path=customXml/item275.xml><?xml version="1.0" encoding="utf-8"?>
-<Control xmlns="http://schemas.microsoft.com/VisualStudio/2011/storyboarding/control">
-  <Id Name="System.Storyboarding.Common.DropdownBox" Revision="1" Stencil="System.Storyboarding.Common" StencilVersion="0.1"/>
-</Control>
-</file>
-
-<file path=customXml/item276.xml><?xml version="1.0" encoding="utf-8"?>
-<Control xmlns="http://schemas.microsoft.com/VisualStudio/2011/storyboarding/control">
-  <Id Name="System.Storyboarding.Common.SearchBox" Revision="1" Stencil="System.Storyboarding.Common" StencilVersion="0.1"/>
-</Control>
-</file>
-
-<file path=customXml/item277.xml><?xml version="1.0" encoding="utf-8"?>
-<Control xmlns="http://schemas.microsoft.com/VisualStudio/2011/storyboarding/control">
-  <Id Name="b5742593-4330-4997-98c6-02e7437a7975" Revision="1" Stencil="System.MyShapes" StencilVersion="1.0"/>
-</Control>
-</file>
-
-<file path=customXml/item278.xml><?xml version="1.0" encoding="utf-8"?>
-<Control xmlns="http://schemas.microsoft.com/VisualStudio/2011/storyboarding/control">
-  <Id Name="System.Storyboarding.Common.TabGroupVertical" Revision="1" Stencil="System.Storyboarding.Common" StencilVersion="0.1"/>
-</Control>
-</file>
-
-<file path=customXml/item279.xml><?xml version="1.0" encoding="utf-8"?>
-<Control xmlns="http://schemas.microsoft.com/VisualStudio/2011/storyboarding/control">
-  <Id Name="System.Storyboarding.Common.Button" Revision="1" Stencil="System.Storyboarding.Common" StencilVersion="0.1"/>
-</Control>
-</file>
-
-<file path=customXml/item28.xml><?xml version="1.0" encoding="utf-8"?>
-<Control xmlns="http://schemas.microsoft.com/VisualStudio/2011/storyboarding/control">
-  <Id Name="System.Storyboarding.Common.MouseClick" Revision="1" Stencil="System.Storyboarding.Common" StencilVersion="0.1"/>
-</Control>
-</file>
-
-<file path=customXml/item280.xml><?xml version="1.0" encoding="utf-8"?>
-<Control xmlns="http://schemas.microsoft.com/VisualStudio/2011/storyboarding/control">
-  <Id Name="System.Storyboarding.Common.Text" Revision="1" Stencil="System.Storyboarding.Common" StencilVersion="0.1"/>
-</Control>
-</file>
-
-<file path=customXml/item281.xml><?xml version="1.0" encoding="utf-8"?>
-<Control xmlns="http://schemas.microsoft.com/VisualStudio/2011/storyboarding/control">
-  <Id Name="System.Storyboarding.Common.Text" Revision="1" Stencil="System.Storyboarding.Common" StencilVersion="0.1"/>
-</Control>
-</file>
-
-<file path=customXml/item282.xml><?xml version="1.0" encoding="utf-8"?>
-<Control xmlns="http://schemas.microsoft.com/VisualStudio/2011/storyboarding/control">
-  <Id Name="System.Storyboarding.Common.Text" Revision="1" Stencil="System.Storyboarding.Common" StencilVersion="0.1"/>
-</Control>
-</file>
-
-<file path=customXml/item283.xml><?xml version="1.0" encoding="utf-8"?>
-<Control xmlns="http://schemas.microsoft.com/VisualStudio/2011/storyboarding/control">
-  <Id Name="System.Storyboarding.Common.Text" Revision="1" Stencil="System.Storyboarding.Common" StencilVersion="0.1"/>
-</Control>
-</file>
-
-<file path=customXml/item284.xml><?xml version="1.0" encoding="utf-8"?>
-<Control xmlns="http://schemas.microsoft.com/VisualStudio/2011/storyboarding/control">
-  <Id Name="System.Storyboarding.Common.Text" Revision="1" Stencil="System.Storyboarding.Common" StencilVersion="0.1"/>
-</Control>
-</file>
-
-<file path=customXml/item285.xml><?xml version="1.0" encoding="utf-8"?>
-<Control xmlns="http://schemas.microsoft.com/VisualStudio/2011/storyboarding/control">
-  <Id Name="System.Storyboarding.Common.Text" Revision="1" Stencil="System.Storyboarding.Common" StencilVersion="0.1"/>
-</Control>
-</file>
-
-<file path=customXml/item286.xml><?xml version="1.0" encoding="utf-8"?>
-<Control xmlns="http://schemas.microsoft.com/VisualStudio/2011/storyboarding/control">
-  <Id Name="System.Storyboarding.Common.Button" Revision="1" Stencil="System.Storyboarding.Common" StencilVersion="0.1"/>
-</Control>
-</file>
-
-<file path=customXml/item287.xml><?xml version="1.0" encoding="utf-8"?>
-<Control xmlns="http://schemas.microsoft.com/VisualStudio/2011/storyboarding/control">
-  <Id Name="System.Storyboarding.Common.Text" Revision="1" Stencil="System.Storyboarding.Common" StencilVersion="0.1"/>
-</Control>
-</file>
-
-<file path=customXml/item288.xml><?xml version="1.0" encoding="utf-8"?>
-<Control xmlns="http://schemas.microsoft.com/VisualStudio/2011/storyboarding/control">
-  <Id Name="System.Storyboarding.Common.Text" Revision="1" Stencil="System.Storyboarding.Common" StencilVersion="0.1"/>
-</Control>
-</file>
-
-<file path=customXml/item289.xml><?xml version="1.0" encoding="utf-8"?>
-<Control xmlns="http://schemas.microsoft.com/VisualStudio/2011/storyboarding/control">
-  <Id Name="System.Storyboarding.Common.Button" Revision="1" Stencil="System.Storyboarding.Common" StencilVersion="0.1"/>
-</Control>
-</file>
-
-<file path=customXml/item29.xml><?xml version="1.0" encoding="utf-8"?>
-<Control xmlns="http://schemas.microsoft.com/VisualStudio/2011/storyboarding/control">
-  <Id Name="System.Storyboarding.Common.Text" Revision="1" Stencil="System.Storyboarding.Common" StencilVersion="0.1"/>
-</Control>
-</file>
-
-<file path=customXml/item290.xml><?xml version="1.0" encoding="utf-8"?>
-<Control xmlns="http://schemas.microsoft.com/VisualStudio/2011/storyboarding/control">
-  <Id Name="System.Storyboarding.Common.Text" Revision="1" Stencil="System.Storyboarding.Common" StencilVersion="0.1"/>
-</Control>
-</file>
-
-<file path=customXml/item291.xml><?xml version="1.0" encoding="utf-8"?>
-<Control xmlns="http://schemas.microsoft.com/VisualStudio/2011/storyboarding/control">
-  <Id Name="System.Storyboarding.Common.Text" Revision="1" Stencil="System.Storyboarding.Common" StencilVersion="0.1"/>
-</Control>
-</file>
-
-<file path=customXml/item292.xml><?xml version="1.0" encoding="utf-8"?>
-<Control xmlns="http://schemas.microsoft.com/VisualStudio/2011/storyboarding/control">
-  <Id Name="System.Storyboarding.Common.Button" Revision="1" Stencil="System.Storyboarding.Common" StencilVersion="0.1"/>
-</Control>
-</file>
-
-<file path=customXml/item293.xml><?xml version="1.0" encoding="utf-8"?>
-<Control xmlns="http://schemas.microsoft.com/VisualStudio/2011/storyboarding/control">
-  <Id Name="System.Storyboarding.Common.Text" Revision="1" Stencil="System.Storyboarding.Common" StencilVersion="0.1"/>
-</Control>
-</file>
-
-<file path=customXml/item294.xml><?xml version="1.0" encoding="utf-8"?>
-<Control xmlns="http://schemas.microsoft.com/VisualStudio/2011/storyboarding/control">
-  <Id Name="System.Storyboarding.Common.Text" Revision="1" Stencil="System.Storyboarding.Common" StencilVersion="0.1"/>
-</Control>
-</file>
-
-<file path=customXml/item295.xml><?xml version="1.0" encoding="utf-8"?>
-<Control xmlns="http://schemas.microsoft.com/VisualStudio/2011/storyboarding/control">
-  <Id Name="System.Storyboarding.Common.MouseClick" Revision="1" Stencil="System.Storyboarding.Common" StencilVersion="0.1"/>
-</Control>
-</file>
-
-<file path=customXml/item296.xml><?xml version="1.0" encoding="utf-8"?>
-<Control xmlns="http://schemas.microsoft.com/VisualStudio/2011/storyboarding/control">
-  <Id Name="System.Storyboarding.Common.MouseClick" Revision="1" Stencil="System.Storyboarding.Common" StencilVersion="0.1"/>
-</Control>
-</file>
-
-<file path=customXml/item297.xml><?xml version="1.0" encoding="utf-8"?>
-<Control xmlns="http://schemas.microsoft.com/VisualStudio/2011/storyboarding/control">
-  <Id Name="System.Storyboarding.Common.CheckBoxUnchecked" Revision="1" Stencil="System.Storyboarding.Common" StencilVersion="0.1"/>
-</Control>
-</file>
-
-<file path=customXml/item298.xml><?xml version="1.0" encoding="utf-8"?>
-<Control xmlns="http://schemas.microsoft.com/VisualStudio/2011/storyboarding/control">
-  <Id Name="System.Storyboarding.WindowsPhoneIcons.BaseCircle" Revision="1" Stencil="System.Storyboarding.WindowsPhoneIcons" StencilVersion="0.1"/>
-</Control>
-</file>
-
-<file path=customXml/item299.xml><?xml version="1.0" encoding="utf-8"?>
-<Control xmlns="http://schemas.microsoft.com/VisualStudio/2011/storyboarding/control">
-  <Id Name="System.Storyboarding.WindowsPhoneIcons.BaseCircle" Revision="1" Stencil="System.Storyboarding.WindowsPhoneIcons" StencilVersion="0.1"/>
-</Control>
-</file>
-
-<file path=customXml/item3.xml><?xml version="1.0" encoding="utf-8"?>
-<Control xmlns="http://schemas.microsoft.com/VisualStudio/2011/storyboarding/control/v1.0">
-  <Id Name="System.Storyboarding.Media.Image" RevisionId="658c0869-8ded-44f2-a68a-f8e8fcb7d3bd" Stencil="System.Storyboarding.Media" StencilRevisionId="658c0869-8ded-44f2-a68a-f8e8fcb7d3bd" StencilVersion="0.1"/>
-</Control>
-</file>
-
-<file path=customXml/item30.xml><?xml version="1.0" encoding="utf-8"?>
-<Control xmlns="http://schemas.microsoft.com/VisualStudio/2011/storyboarding/control">
-  <Id Name="System.Storyboarding.Common.Text" Revision="1" Stencil="System.Storyboarding.Common" StencilVersion="0.1"/>
-</Control>
-</file>
-
-<file path=customXml/item300.xml><?xml version="1.0" encoding="utf-8"?>
-<Control xmlns="http://schemas.microsoft.com/VisualStudio/2011/storyboarding/control">
-  <Id Name="System.Storyboarding.WindowsPhoneIcons.Save" Revision="1" Stencil="System.Storyboarding.WindowsPhoneIcons" StencilVersion="0.1"/>
-</Control>
-</file>
-
-<file path=customXml/item301.xml><?xml version="1.0" encoding="utf-8"?>
-<Control xmlns="http://schemas.microsoft.com/VisualStudio/2011/storyboarding/control">
-  <Id Name="System.Storyboarding.WindowsPhoneIcons.Cancel" Revision="1" Stencil="System.Storyboarding.WindowsPhoneIcons" StencilVersion="0.1"/>
-</Control>
-</file>
-
-<file path=customXml/item302.xml><?xml version="1.0" encoding="utf-8"?>
-<Control xmlns="http://schemas.microsoft.com/VisualStudio/2011/storyboarding/control">
-  <Id Name="366cd925-969f-44e1-b789-354cb31b0dfd" RevisionId="87c5073a-f3d6-4c7e-a7b7-c9586eacad3b" Stencil="172d6d98-e5c9-42e9-a209-79f7a94bbd38" StencilRevisionId="00000000-0000-0000-0000-000000000000" StencilVersion="0.0"/>
-</Control>
-</file>
-
-<file path=customXml/item303.xml><?xml version="1.0" encoding="utf-8"?>
-<Control xmlns="http://schemas.microsoft.com/VisualStudio/2011/storyboarding/control">
-  <Id Name="9d9c56e0-6ca3-4298-b757-9c73dab947ac" RevisionId="993ea365-49c2-46dc-bf14-e971e460de1e" Stencil="172d6d98-e5c9-42e9-a209-79f7a94bbd38" StencilRevisionId="00000000-0000-0000-0000-000000000000" StencilVersion="0.0"/>
-</Control>
-</file>
-
-<file path=customXml/item304.xml><?xml version="1.0" encoding="utf-8"?>
-<Control xmlns="http://schemas.microsoft.com/VisualStudio/2011/storyboarding/control">
-  <Id Name="600d61f4-2d09-42e6-a6db-83e260e051ae" RevisionId="3c9eb7e9-0ea7-4fb5-adc7-dcc81ff0fb36" Stencil="172d6d98-e5c9-42e9-a209-79f7a94bbd38" StencilRevisionId="00000000-0000-0000-0000-000000000000" StencilVersion="0.0"/>
-</Control>
-</file>
-
-<file path=customXml/item305.xml><?xml version="1.0" encoding="utf-8"?>
-<Control xmlns="http://schemas.microsoft.com/VisualStudio/2011/storyboarding/control">
-  <Id Name="366cd925-969f-44e1-b789-354cb31b0dfd" RevisionId="87c5073a-f3d6-4c7e-a7b7-c9586eacad3b" Stencil="172d6d98-e5c9-42e9-a209-79f7a94bbd38" StencilRevisionId="00000000-0000-0000-0000-000000000000" StencilVersion="0.0"/>
-</Control>
-</file>
-
-<file path=customXml/item306.xml><?xml version="1.0" encoding="utf-8"?>
-<Control xmlns="http://schemas.microsoft.com/VisualStudio/2011/storyboarding/control">
-  <Id Name="System.Storyboarding.Common.TabGroup" Revision="1" Stencil="System.Storyboarding.Common" StencilVersion="0.1"/>
-</Control>
-</file>
-
-<file path=customXml/item307.xml><?xml version="1.0" encoding="utf-8"?>
-<Control xmlns="http://schemas.microsoft.com/VisualStudio/2011/storyboarding/control">
-  <Id Name="366cd925-969f-44e1-b789-354cb31b0dfd" RevisionId="87c5073a-f3d6-4c7e-a7b7-c9586eacad3b" Stencil="172d6d98-e5c9-42e9-a209-79f7a94bbd38" StencilRevisionId="00000000-0000-0000-0000-000000000000" StencilVersion="0.0"/>
-</Control>
-</file>
-
-<file path=customXml/item308.xml><?xml version="1.0" encoding="utf-8"?>
-<Control xmlns="http://schemas.microsoft.com/VisualStudio/2011/storyboarding/control">
-  <Id Name="9d9c56e0-6ca3-4298-b757-9c73dab947ac" RevisionId="993ea365-49c2-46dc-bf14-e971e460de1e" Stencil="172d6d98-e5c9-42e9-a209-79f7a94bbd38" StencilRevisionId="00000000-0000-0000-0000-000000000000" StencilVersion="0.0"/>
-</Control>
-</file>
-
-<file path=customXml/item309.xml><?xml version="1.0" encoding="utf-8"?>
-<Control xmlns="http://schemas.microsoft.com/VisualStudio/2011/storyboarding/control">
-  <Id Name="600d61f4-2d09-42e6-a6db-83e260e051ae" RevisionId="3c9eb7e9-0ea7-4fb5-adc7-dcc81ff0fb36" Stencil="172d6d98-e5c9-42e9-a209-79f7a94bbd38" StencilRevisionId="00000000-0000-0000-0000-000000000000" StencilVersion="0.0"/>
-</Control>
-</file>
-
-<file path=customXml/item31.xml><?xml version="1.0" encoding="utf-8"?>
-<Control xmlns="http://schemas.microsoft.com/VisualStudio/2011/storyboarding/control">
-  <Id Name="System.Storyboarding.WindowsPhoneIcons.BaseCircle" Revision="1" Stencil="System.Storyboarding.WindowsPhoneIcons" StencilVersion="0.1"/>
-</Control>
-</file>
-
-<file path=customXml/item310.xml><?xml version="1.0" encoding="utf-8"?>
-<Control xmlns="http://schemas.microsoft.com/VisualStudio/2011/storyboarding/control">
-  <Id Name="366cd925-969f-44e1-b789-354cb31b0dfd" RevisionId="87c5073a-f3d6-4c7e-a7b7-c9586eacad3b" Stencil="172d6d98-e5c9-42e9-a209-79f7a94bbd38" StencilRevisionId="00000000-0000-0000-0000-000000000000" StencilVersion="0.0"/>
-</Control>
-</file>
-
-<file path=customXml/item311.xml><?xml version="1.0" encoding="utf-8"?>
-<Control xmlns="http://schemas.microsoft.com/VisualStudio/2011/storyboarding/control">
-  <Id Name="System.Storyboarding.Common.MouseClick" Revision="1" Stencil="System.Storyboarding.Common" StencilVersion="0.1"/>
-</Control>
-</file>
-
-<file path=customXml/item312.xml><?xml version="1.0" encoding="utf-8"?>
-<Control xmlns="http://schemas.microsoft.com/VisualStudio/2011/storyboarding/control">
-  <Id Name="System.Storyboarding.Common.DataGrid" Revision="1" Stencil="System.Storyboarding.Common" StencilVersion="0.1"/>
-</Control>
-</file>
-
-<file path=customXml/item313.xml><?xml version="1.0" encoding="utf-8"?>
-<Control xmlns="http://schemas.microsoft.com/VisualStudio/2011/storyboarding/control">
-  <Id Name="System.Storyboarding.Common.Button" Revision="1" Stencil="System.Storyboarding.Common" StencilVersion="0.1"/>
-</Control>
-</file>
-
-<file path=customXml/item314.xml><?xml version="1.0" encoding="utf-8"?>
-<Control xmlns="http://schemas.microsoft.com/VisualStudio/2011/storyboarding/control">
-  <Id Name="System.Storyboarding.Common.Button" Revision="1" Stencil="System.Storyboarding.Common" StencilVersion="0.1"/>
-</Control>
-</file>
-
-<file path=customXml/item32.xml><?xml version="1.0" encoding="utf-8"?>
-<Control xmlns="http://schemas.microsoft.com/VisualStudio/2011/storyboarding/control/v1.0">
-  <Id Name="System.Storyboard.Stencil.Title" RevisionId="00000000-0000-0000-0000-000000000000" Stencil="System.Common" StencilRevisionId="00000000-0000-0000-0000-000000000000" StencilVersion="1.0"/>
-</Control>
-</file>
-
-<file path=customXml/item33.xml><?xml version="1.0" encoding="utf-8"?>
-<Control xmlns="http://schemas.microsoft.com/VisualStudio/2011/storyboarding/control/v1.0">
-  <Id Name="System.Storyboard.Stencil.PhoneTile" RevisionId="00000000-0000-0000-0000-000000000000" Stencil="System.Windows_Phone_7" StencilRevisionId="00000000-0000-0000-0000-000000000000" StencilVersion="1.0"/>
-</Control>
-</file>
-
-<file path=customXml/item34.xml><?xml version="1.0" encoding="utf-8"?>
-<Control xmlns="http://schemas.microsoft.com/VisualStudio/2011/storyboarding/control">
-  <Id Name="System.Storyboarding.Common.DropdownBox" Revision="1" Stencil="System.Storyboarding.Common" StencilVersion="0.1"/>
-</Control>
-</file>
-
-<file path=customXml/item35.xml><?xml version="1.0" encoding="utf-8"?>
-<Control xmlns="http://schemas.microsoft.com/VisualStudio/2011/storyboarding/control/v1.0">
-  <Id Name="System.Storyboard.Stencil.Breadcrumb" RevisionId="00000000-0000-0000-0000-000000000000" Stencil="System.Common" StencilRevisionId="00000000-0000-0000-0000-000000000000" StencilVersion="1.0"/>
-</Control>
-</file>
-
-<file path=customXml/item36.xml><?xml version="1.0" encoding="utf-8"?>
+<file path=customXml/item82.xml><?xml version="1.0" encoding="utf-8"?>
 <?mso-contentType ?>
 <FormTemplates xmlns="http://schemas.microsoft.com/sharepoint/v3/contenttype/forms">
   <Display>DocumentLibraryForm</Display>
@@ -47904,459 +48003,283 @@
 </FormTemplates>
 </file>
 
-<file path=customXml/item37.xml><?xml version="1.0" encoding="utf-8"?>
+<file path=customXml/item83.xml><?xml version="1.0" encoding="utf-8"?>
+<Control xmlns="http://schemas.microsoft.com/VisualStudio/2011/storyboarding/control">
+  <Id Name="System.Storyboarding.Common.SearchBox" Revision="1" Stencil="System.Storyboarding.Common" StencilVersion="0.1"/>
+</Control>
+</file>
+
+<file path=customXml/item84.xml><?xml version="1.0" encoding="utf-8"?>
+<Control xmlns="http://schemas.microsoft.com/VisualStudio/2011/storyboarding/control">
+  <Id Name="System.Storyboarding.Common.CheckBoxUnchecked" Revision="1" Stencil="System.Storyboarding.Common" StencilVersion="0.1"/>
+</Control>
+</file>
+
+<file path=customXml/item85.xml><?xml version="1.0" encoding="utf-8"?>
+<Control xmlns="http://schemas.microsoft.com/VisualStudio/2011/storyboarding/control">
+  <Id Name="System.Storyboarding.Common.Text" Revision="1" Stencil="System.Storyboarding.Common" StencilVersion="0.1"/>
+</Control>
+</file>
+
+<file path=customXml/item86.xml><?xml version="1.0" encoding="utf-8"?>
+<Control xmlns="http://schemas.microsoft.com/VisualStudio/2011/storyboarding/control/v1.0">
+  <Id Name="System.Storyboard.Stencil.ColorPicker" RevisionId="00000000-0000-0000-0000-000000000000" Stencil="System.Media" StencilRevisionId="00000000-0000-0000-0000-000000000000" StencilVersion="1.0"/>
+</Control>
+</file>
+
+<file path=customXml/item87.xml><?xml version="1.0" encoding="utf-8"?>
+<Control xmlns="http://schemas.microsoft.com/VisualStudio/2011/storyboarding/control/v1.0">
+  <Id Name="System.Storyboarding.Common.DropdownBox" RevisionId="68ea164d-c1de-47a5-804f-d4d1290fa524" Stencil="System.Storyboarding.Common" StencilRevisionId="68ea164d-c1de-47a5-804f-d4d1290fa524" StencilVersion="0.1"/>
+</Control>
+</file>
+
+<file path=customXml/item88.xml><?xml version="1.0" encoding="utf-8"?>
+<Control xmlns="http://schemas.microsoft.com/VisualStudio/2011/storyboarding/control">
+  <Id Name="System.Storyboarding.Common.SearchBox" Revision="1" Stencil="System.Storyboarding.Common" StencilVersion="0.1"/>
+</Control>
+</file>
+
+<file path=customXml/item89.xml><?xml version="1.0" encoding="utf-8"?>
+<Control xmlns="http://schemas.microsoft.com/VisualStudio/2011/storyboarding/control/v1.0">
+  <Id Name="System.Storyboard.Stencil.Image" RevisionId="00000000-0000-0000-0000-000000000000" Stencil="System.Media" StencilRevisionId="00000000-0000-0000-0000-000000000000" StencilVersion="1.0"/>
+</Control>
+</file>
+
+<file path=customXml/item9.xml><?xml version="1.0" encoding="utf-8"?>
+<Control xmlns="http://schemas.microsoft.com/VisualStudio/2011/storyboarding/control">
+  <Id Name="System.Storyboarding.Common.TextInput" Revision="1" Stencil="System.Storyboarding.Common" StencilVersion="0.1"/>
+</Control>
+</file>
+
+<file path=customXml/item90.xml><?xml version="1.0" encoding="utf-8"?>
+<Control xmlns="http://schemas.microsoft.com/VisualStudio/2011/storyboarding/control/v1.0">
+  <Id Name="System.Storyboard.Stencil.PhoneBrowserBar" RevisionId="00000000-0000-0000-0000-000000000000" Stencil="System.Windows_Phone_7" StencilRevisionId="00000000-0000-0000-0000-000000000000" StencilVersion="1.0"/>
+</Control>
+</file>
+
+<file path=customXml/item91.xml><?xml version="1.0" encoding="utf-8"?>
+<Control xmlns="http://schemas.microsoft.com/VisualStudio/2011/storyboarding/control/v1.0">
+  <Id Name="System.Storyboard.Stencil.WidePhoneTile" RevisionId="00000000-0000-0000-0000-000000000000" Stencil="System.Windows_Phone_7" StencilRevisionId="00000000-0000-0000-0000-000000000000" StencilVersion="1.0"/>
+</Control>
+</file>
+
+<file path=customXml/item92.xml><?xml version="1.0" encoding="utf-8"?>
+<Control xmlns="http://schemas.microsoft.com/VisualStudio/2011/storyboarding/control/v1.0">
+  <Id Name="System.Storyboarding.Common.Breadcrumb" RevisionId="68ea164d-c1de-47a5-804f-d4d1290fa524" Stencil="System.Storyboarding.Common" StencilRevisionId="68ea164d-c1de-47a5-804f-d4d1290fa524" StencilVersion="0.1"/>
+</Control>
+</file>
+
+<file path=customXml/item93.xml><?xml version="1.0" encoding="utf-8"?>
+<Control xmlns="http://schemas.microsoft.com/VisualStudio/2011/storyboarding/control">
+  <Id Name="System.Storyboarding.Common.Text" Revision="1" Stencil="System.Storyboarding.Common" StencilVersion="0.1"/>
+</Control>
+</file>
+
+<file path=customXml/item94.xml><?xml version="1.0" encoding="utf-8"?>
+<Control xmlns="http://schemas.microsoft.com/VisualStudio/2011/storyboarding/control">
+  <Id Name="System.Storyboarding.Common.TextArea" Revision="1" Stencil="System.Storyboarding.Common" StencilVersion="0.1"/>
+</Control>
+</file>
+
+<file path=customXml/item95.xml><?xml version="1.0" encoding="utf-8"?>
+<Control xmlns="http://schemas.microsoft.com/VisualStudio/2011/storyboarding/control">
+  <Id Name="System.Storyboarding.WindowsPhoneIcons.Video" RevisionId="5814b1e0-0169-11e0-a976-0800200c9a66" Stencil="System.Storyboarding.WindowsPhoneIcons" StencilRevisionId="5814b1e0-0169-11e0-a976-0800200c9a66" StencilVersion="0.1"/>
+</Control>
+</file>
+
+<file path=customXml/item96.xml><?xml version="1.0" encoding="utf-8"?>
+<Control xmlns="http://schemas.microsoft.com/VisualStudio/2011/storyboarding/control">
+  <Id Name="b5742593-4330-4997-98c6-02e7437a7975" Revision="1" Stencil="System.MyShapes" StencilVersion="1.0"/>
+</Control>
+</file>
+
+<file path=customXml/item97.xml><?xml version="1.0" encoding="utf-8"?>
+<Control xmlns="http://schemas.microsoft.com/VisualStudio/2011/storyboarding/control">
+  <Id Name="System.Storyboarding.Common.Text" Revision="1" Stencil="System.Storyboarding.Common" StencilVersion="0.1"/>
+</Control>
+</file>
+
+<file path=customXml/item98.xml><?xml version="1.0" encoding="utf-8"?>
 <Control xmlns="http://schemas.microsoft.com/VisualStudio/2011/storyboarding/control">
   <Id Name="System.Storyboarding.Common.DropdownBox" Revision="1" Stencil="System.Storyboarding.Common" StencilVersion="0.1"/>
 </Control>
 </file>
 
-<file path=customXml/item38.xml><?xml version="1.0" encoding="utf-8"?>
-<Control xmlns="http://schemas.microsoft.com/VisualStudio/2011/storyboarding/control">
-  <Id Name="600d61f4-2d09-42e6-a6db-83e260e051ae" RevisionId="3c9eb7e9-0ea7-4fb5-adc7-dcc81ff0fb36" Stencil="172d6d98-e5c9-42e9-a209-79f7a94bbd38" StencilRevisionId="00000000-0000-0000-0000-000000000000" StencilVersion="0.0"/>
-</Control>
-</file>
-
-<file path=customXml/item39.xml><?xml version="1.0" encoding="utf-8"?>
-<Control xmlns="http://schemas.microsoft.com/VisualStudio/2011/storyboarding/control">
-  <Id Name="System.Storyboarding.Common.SearchBox" Revision="1" Stencil="System.Storyboarding.Common" StencilVersion="0.1"/>
-</Control>
-</file>
-
-<file path=customXml/item4.xml><?xml version="1.0" encoding="utf-8"?>
-<Control xmlns="http://schemas.microsoft.com/VisualStudio/2011/storyboarding/control/v1.0">
-  <Id Name="System.Storyboard.Stencil.Label" RevisionId="00000000-0000-0000-0000-000000000000" Stencil="System.Common" StencilRevisionId="00000000-0000-0000-0000-000000000000" StencilVersion="1.0"/>
-</Control>
-</file>
-
-<file path=customXml/item40.xml><?xml version="1.0" encoding="utf-8"?>
-<Control xmlns="http://schemas.microsoft.com/VisualStudio/2011/storyboarding/control">
-  <Id Name="System.Storyboarding.WindowsPhoneIcons.BaseCircle" Revision="1" Stencil="System.Storyboarding.WindowsPhoneIcons" StencilVersion="0.1"/>
-</Control>
-</file>
-
-<file path=customXml/item41.xml><?xml version="1.0" encoding="utf-8"?>
-<Control xmlns="http://schemas.microsoft.com/VisualStudio/2011/storyboarding/control">
-  <Id Name="System.Storyboarding.Common.MouseClick" Revision="1" Stencil="System.Storyboarding.Common" StencilVersion="0.1"/>
-</Control>
-</file>
-
-<file path=customXml/item42.xml><?xml version="1.0" encoding="utf-8"?>
-<Control xmlns="http://schemas.microsoft.com/VisualStudio/2011/storyboarding/control">
-  <Id Name="System.Storyboarding.Common.SearchBox" Revision="1" Stencil="System.Storyboarding.Common" StencilVersion="0.1"/>
-</Control>
-</file>
-
-<file path=customXml/item43.xml><?xml version="1.0" encoding="utf-8"?>
-<Control xmlns="http://schemas.microsoft.com/VisualStudio/2011/storyboarding/control/v1.0">
-  <Id Name="System.Storyboard.Stencil.PositionControl" RevisionId="00000000-0000-0000-0000-000000000000" Stencil="System.Media" StencilRevisionId="00000000-0000-0000-0000-000000000000" StencilVersion="1.0"/>
-</Control>
-</file>
-
-<file path=customXml/item44.xml><?xml version="1.0" encoding="utf-8"?>
-<Control xmlns="http://schemas.microsoft.com/VisualStudio/2011/storyboarding/control">
-  <Id Name="System.Storyboarding.Common.DropdownBox" Revision="1" Stencil="System.Storyboarding.Common" StencilVersion="0.1"/>
-</Control>
-</file>
-
-<file path=customXml/item45.xml><?xml version="1.0" encoding="utf-8"?>
-<Control xmlns="http://schemas.microsoft.com/VisualStudio/2011/storyboarding/control">
-  <Id Name="System.Storyboarding.Backgrounds.WebBrowser" RevisionId="bdb52a43-f875-417f-a3f8-9b0259dd3051" Stencil="System.Storyboarding.Backgrounds" StencilRevisionId="bdb52a43-f875-417f-a3f8-9b0259dd3051" StencilVersion="0.1"/>
-</Control>
-</file>
-
-<file path=customXml/item46.xml><?xml version="1.0" encoding="utf-8"?>
-<Control xmlns="http://schemas.microsoft.com/VisualStudio/2011/storyboarding/control/v1.0">
-  <Id Name="System.Storyboard.Stencil.WidePhoneTile" RevisionId="00000000-0000-0000-0000-000000000000" Stencil="System.Windows_Phone_7" StencilRevisionId="00000000-0000-0000-0000-000000000000" StencilVersion="1.0"/>
-</Control>
-</file>
-
-<file path=customXml/item47.xml><?xml version="1.0" encoding="utf-8"?>
-<Control xmlns="http://schemas.microsoft.com/VisualStudio/2011/storyboarding/control">
-  <Id Name="9d9c56e0-6ca3-4298-b757-9c73dab947ac" RevisionId="993ea365-49c2-46dc-bf14-e971e460de1e" Stencil="172d6d98-e5c9-42e9-a209-79f7a94bbd38" StencilRevisionId="00000000-0000-0000-0000-000000000000" StencilVersion="0.0"/>
-</Control>
-</file>
-
-<file path=customXml/item48.xml><?xml version="1.0" encoding="utf-8"?>
-<Control xmlns="http://schemas.microsoft.com/VisualStudio/2011/storyboarding/control">
-  <Id Name="System.Storyboarding.Common.TabGroup" Revision="1" Stencil="System.Storyboarding.Common" StencilVersion="0.1"/>
-</Control>
-</file>
-
-<file path=customXml/item49.xml><?xml version="1.0" encoding="utf-8"?>
-<Control xmlns="http://schemas.microsoft.com/VisualStudio/2011/storyboarding/control">
-  <Id Name="System.Storyboarding.Common.DropdownBox" Revision="1" Stencil="System.Storyboarding.Common" StencilVersion="0.1"/>
-</Control>
-</file>
-
-<file path=customXml/item5.xml><?xml version="1.0" encoding="utf-8"?>
-<Control xmlns="http://schemas.microsoft.com/VisualStudio/2011/storyboarding/control">
-  <Id Name="366cd925-969f-44e1-b789-354cb31b0dfd" RevisionId="87c5073a-f3d6-4c7e-a7b7-c9586eacad3b" Stencil="172d6d98-e5c9-42e9-a209-79f7a94bbd38" StencilRevisionId="00000000-0000-0000-0000-000000000000" StencilVersion="0.0"/>
-</Control>
-</file>
-
-<file path=customXml/item50.xml><?xml version="1.0" encoding="utf-8"?>
-<Control xmlns="http://schemas.microsoft.com/VisualStudio/2011/storyboarding/control">
-  <Id Name="System.Storyboarding.Common.Button" Revision="1" Stencil="System.Storyboarding.Common" StencilVersion="0.1"/>
-</Control>
-</file>
-
-<file path=customXml/item51.xml><?xml version="1.0" encoding="utf-8"?>
-<Control xmlns="http://schemas.microsoft.com/VisualStudio/2011/storyboarding/control/v1.0">
-  <Id Name="System.Storyboarding.Icons.FolderOpen" RevisionId="05cd6d03-c0b2-488e-98a7-d68de69a2cfc" Stencil="System.Storyboarding.Icons" StencilRevisionId="05cd6d03-c0b2-488e-98a7-d68de69a2cfc" StencilVersion="0.1"/>
-</Control>
-</file>
-
-<file path=customXml/item52.xml><?xml version="1.0" encoding="utf-8"?>
+<file path=customXml/item99.xml><?xml version="1.0" encoding="utf-8"?>
 <Control xmlns="http://schemas.microsoft.com/VisualStudio/2011/storyboarding/control">
   <Id Name="System.Storyboarding.Common.Text" Revision="1" Stencil="System.Storyboarding.Common" StencilVersion="0.1"/>
 </Control>
 </file>
 
-<file path=customXml/item53.xml><?xml version="1.0" encoding="utf-8"?>
-<Control xmlns="http://schemas.microsoft.com/VisualStudio/2011/storyboarding/control">
-  <Id Name="System.Storyboarding.WindowsPhoneIcons.Save" Revision="1" Stencil="System.Storyboarding.WindowsPhoneIcons" StencilVersion="0.1"/>
-</Control>
-</file>
-
-<file path=customXml/item54.xml><?xml version="1.0" encoding="utf-8"?>
-<Control xmlns="http://schemas.microsoft.com/VisualStudio/2011/storyboarding/control/v1.0">
-  <Id Name="System.Storyboard.Stencil.PhoneTile" RevisionId="00000000-0000-0000-0000-000000000000" Stencil="System.Windows_Phone_7" StencilRevisionId="00000000-0000-0000-0000-000000000000" StencilVersion="1.0"/>
-</Control>
-</file>
-
-<file path=customXml/item55.xml><?xml version="1.0" encoding="utf-8"?>
-<Control xmlns="http://schemas.microsoft.com/VisualStudio/2011/storyboarding/control/v1.0">
-  <Id Name="System.Storyboarding.Common.SearchBox" RevisionId="68ea164d-c1de-47a5-804f-d4d1290fa524" Stencil="System.Storyboarding.Common" StencilRevisionId="68ea164d-c1de-47a5-804f-d4d1290fa524" StencilVersion="0.1"/>
-</Control>
-</file>
-
-<file path=customXml/item56.xml><?xml version="1.0" encoding="utf-8"?>
-<Control xmlns="http://schemas.microsoft.com/VisualStudio/2011/storyboarding/control/v1.0">
-  <Id Name="System.Storyboard.Stencil.LineChart" RevisionId="00000000-0000-0000-0000-000000000000" Stencil="System.Media" StencilRevisionId="00000000-0000-0000-0000-000000000000" StencilVersion="1.0"/>
-</Control>
-</file>
-
-<file path=customXml/item57.xml><?xml version="1.0" encoding="utf-8"?>
-<Control xmlns="http://schemas.microsoft.com/VisualStudio/2011/storyboarding/control">
-  <Id Name="System.Storyboarding.Common.SearchBox" Revision="1" Stencil="System.Storyboarding.Common" StencilVersion="0.1"/>
-</Control>
-</file>
-
-<file path=customXml/item58.xml><?xml version="1.0" encoding="utf-8"?>
-<Control xmlns="http://schemas.microsoft.com/VisualStudio/2011/storyboarding/control">
-  <Id Name="System.Storyboarding.Common.SearchBox" Revision="1" Stencil="System.Storyboarding.Common" StencilVersion="0.1"/>
-</Control>
-</file>
-
-<file path=customXml/item59.xml><?xml version="1.0" encoding="utf-8"?>
-<Control xmlns="http://schemas.microsoft.com/VisualStudio/2011/storyboarding/control">
-  <Id Name="366cd925-969f-44e1-b789-354cb31b0dfd" RevisionId="87c5073a-f3d6-4c7e-a7b7-c9586eacad3b" Stencil="172d6d98-e5c9-42e9-a209-79f7a94bbd38" StencilRevisionId="00000000-0000-0000-0000-000000000000" StencilVersion="0.0"/>
-</Control>
-</file>
-
-<file path=customXml/item6.xml><?xml version="1.0" encoding="utf-8"?>
-<Control xmlns="http://schemas.microsoft.com/VisualStudio/2011/storyboarding/control">
-  <Id Name="System.Storyboarding.Common.SearchBox" Revision="1" Stencil="System.Storyboarding.Common" StencilVersion="0.1"/>
-</Control>
-</file>
-
-<file path=customXml/item60.xml><?xml version="1.0" encoding="utf-8"?>
-<Control xmlns="http://schemas.microsoft.com/VisualStudio/2011/storyboarding/control">
-  <Id Name="System.Storyboarding.Common.DropdownBox" Revision="1" Stencil="System.Storyboarding.Common" StencilVersion="0.1"/>
-</Control>
-</file>
-
-<file path=customXml/item61.xml><?xml version="1.0" encoding="utf-8"?>
-<Control xmlns="http://schemas.microsoft.com/VisualStudio/2011/storyboarding/control">
-  <Id Name="System.Storyboarding.WindowsPhoneIcons.Save" Revision="1" Stencil="System.Storyboarding.WindowsPhoneIcons" StencilVersion="0.1"/>
-</Control>
-</file>
-
-<file path=customXml/item62.xml><?xml version="1.0" encoding="utf-8"?>
-<Control xmlns="http://schemas.microsoft.com/VisualStudio/2011/storyboarding/control">
-  <Id Name="System.Storyboarding.Common.TabGroup" Revision="1" Stencil="System.Storyboarding.Common" StencilVersion="0.1"/>
-</Control>
-</file>
-
-<file path=customXml/item63.xml><?xml version="1.0" encoding="utf-8"?>
-<Control xmlns="http://schemas.microsoft.com/VisualStudio/2011/storyboarding/control">
-  <Id Name="b5742593-4330-4997-98c6-02e7437a7975" Revision="1" Stencil="System.MyShapes" StencilVersion="1.0"/>
-</Control>
-</file>
-
-<file path=customXml/item64.xml><?xml version="1.0" encoding="utf-8"?>
-<Control xmlns="http://schemas.microsoft.com/VisualStudio/2011/storyboarding/control/v1.0">
-  <Id Name="System.Storyboard.Stencil.Title" RevisionId="00000000-0000-0000-0000-000000000000" Stencil="System.Common" StencilRevisionId="00000000-0000-0000-0000-000000000000" StencilVersion="1.0"/>
-</Control>
-</file>
-
-<file path=customXml/item65.xml><?xml version="1.0" encoding="utf-8"?>
-<Control xmlns="http://schemas.microsoft.com/VisualStudio/2011/storyboarding/control/v1.0">
-  <Id Name="System.Storyboarding.Common.Text" RevisionId="68ea164d-c1de-47a5-804f-d4d1290fa524" Stencil="System.Storyboarding.Common" StencilRevisionId="68ea164d-c1de-47a5-804f-d4d1290fa524" StencilVersion="0.1"/>
-</Control>
-</file>
-
-<file path=customXml/item66.xml><?xml version="1.0" encoding="utf-8"?>
-<Control xmlns="http://schemas.microsoft.com/VisualStudio/2011/storyboarding/control/v1.0">
-  <Id Name="System.Storyboarding.Common.Text" RevisionId="68ea164d-c1de-47a5-804f-d4d1290fa524" Stencil="System.Storyboarding.Common" StencilRevisionId="68ea164d-c1de-47a5-804f-d4d1290fa524" StencilVersion="0.1"/>
-</Control>
-</file>
-
-<file path=customXml/item67.xml><?xml version="1.0" encoding="utf-8"?>
-<Control xmlns="http://schemas.microsoft.com/VisualStudio/2011/storyboarding/control">
-  <Id Name="600d61f4-2d09-42e6-a6db-83e260e051ae" RevisionId="3c9eb7e9-0ea7-4fb5-adc7-dcc81ff0fb36" Stencil="172d6d98-e5c9-42e9-a209-79f7a94bbd38" StencilRevisionId="00000000-0000-0000-0000-000000000000" StencilVersion="0.0"/>
-</Control>
-</file>
-
-<file path=customXml/item68.xml><?xml version="1.0" encoding="utf-8"?>
-<Control xmlns="http://schemas.microsoft.com/VisualStudio/2011/storyboarding/control">
-  <Id Name="System.Storyboarding.Common.TextInput" Revision="1" Stencil="System.Storyboarding.Common" StencilVersion="0.1"/>
-</Control>
-</file>
-
-<file path=customXml/item69.xml><?xml version="1.0" encoding="utf-8"?>
-<Control xmlns="http://schemas.microsoft.com/VisualStudio/2011/storyboarding/control/v1.0">
-  <Id Name="System.Storyboard.Stencil.TreeList" RevisionId="00000000-0000-0000-0000-000000000000" Stencil="System.Common" StencilRevisionId="00000000-0000-0000-0000-000000000000" StencilVersion="1.0"/>
-</Control>
-</file>
-
-<file path=customXml/item7.xml><?xml version="1.0" encoding="utf-8"?>
-<Control xmlns="http://schemas.microsoft.com/VisualStudio/2011/storyboarding/control/v1.0">
-  <Id Name="System.Storyboard.Stencil.LineChart" RevisionId="00000000-0000-0000-0000-000000000000" Stencil="System.Media" StencilRevisionId="00000000-0000-0000-0000-000000000000" StencilVersion="1.0"/>
-</Control>
-</file>
-
-<file path=customXml/item70.xml><?xml version="1.0" encoding="utf-8"?>
-<Control xmlns="http://schemas.microsoft.com/VisualStudio/2011/storyboarding/control">
-  <Id Name="System.Storyboarding.Common.TextInput" Revision="1" Stencil="System.Storyboarding.Common" StencilVersion="0.1"/>
-</Control>
-</file>
-
-<file path=customXml/item71.xml><?xml version="1.0" encoding="utf-8"?>
-<Control xmlns="http://schemas.microsoft.com/VisualStudio/2011/storyboarding/control">
-  <Id Name="System.Storyboarding.Common.SearchBox" Revision="1" Stencil="System.Storyboarding.Common" StencilVersion="0.1"/>
-</Control>
-</file>
-
-<file path=customXml/item72.xml><?xml version="1.0" encoding="utf-8"?>
-<Control xmlns="http://schemas.microsoft.com/VisualStudio/2011/storyboarding/control">
-  <Id Name="System.Storyboarding.Common.MouseClick" Revision="1" Stencil="System.Storyboarding.Common" StencilVersion="0.1"/>
-</Control>
-</file>
-
-<file path=customXml/item73.xml><?xml version="1.0" encoding="utf-8"?>
-<Control xmlns="http://schemas.microsoft.com/VisualStudio/2011/storyboarding/control">
-  <Id Name="System.Storyboarding.Common.Text" Revision="1" Stencil="System.Storyboarding.Common" StencilVersion="0.1"/>
-</Control>
-</file>
-
-<file path=customXml/item74.xml><?xml version="1.0" encoding="utf-8"?>
-<Control xmlns="http://schemas.microsoft.com/VisualStudio/2011/storyboarding/control">
-  <Id Name="System.Storyboarding.WindowsPhoneIcons.Cancel" Revision="1" Stencil="System.Storyboarding.WindowsPhoneIcons" StencilVersion="0.1"/>
-</Control>
-</file>
-
-<file path=customXml/item75.xml><?xml version="1.0" encoding="utf-8"?>
-<p:properties xmlns:p="http://schemas.microsoft.com/office/2006/metadata/properties" xmlns:xsi="http://www.w3.org/2001/XMLSchema-instance" xmlns:pc="http://schemas.microsoft.com/office/infopath/2007/PartnerControls">
-  <documentManagement>
-    <_dlc_DocId xmlns="b4ebf394-daf6-497a-96c5-a2f8c10b38cf">TT6HZDVJM2HV-178-540</_dlc_DocId>
-    <_dlc_DocIdUrl xmlns="b4ebf394-daf6-497a-96c5-a2f8c10b38cf">
-      <Url>http://vstsdfmoss/sites/VSTSDF/DevDiv/TFS/teams/rm/_layouts/DocIdRedir.aspx?ID=TT6HZDVJM2HV-178-540</Url>
-      <Description>TT6HZDVJM2HV-178-540</Description>
-    </_dlc_DocIdUrl>
-  </documentManagement>
-</p:properties>
-</file>
-
-<file path=customXml/item76.xml><?xml version="1.0" encoding="utf-8"?>
-<Control xmlns="http://schemas.microsoft.com/VisualStudio/2011/storyboarding/control">
-  <Id Name="9d9c56e0-6ca3-4298-b757-9c73dab947ac" RevisionId="993ea365-49c2-46dc-bf14-e971e460de1e" Stencil="172d6d98-e5c9-42e9-a209-79f7a94bbd38" StencilRevisionId="00000000-0000-0000-0000-000000000000" StencilVersion="0.0"/>
-</Control>
-</file>
-
-<file path=customXml/item77.xml><?xml version="1.0" encoding="utf-8"?>
-<Control xmlns="http://schemas.microsoft.com/VisualStudio/2011/storyboarding/control/v1.0">
-  <Id Name="System.Storyboard.Stencil.Label" RevisionId="00000000-0000-0000-0000-000000000000" Stencil="System.Common" StencilRevisionId="00000000-0000-0000-0000-000000000000" StencilVersion="1.0"/>
-</Control>
-</file>
-
-<file path=customXml/item78.xml><?xml version="1.0" encoding="utf-8"?>
-<Control xmlns="http://schemas.microsoft.com/VisualStudio/2011/storyboarding/control/v1.0">
-  <Id Name="System.Storyboard.Stencil.ColorPicker" RevisionId="00000000-0000-0000-0000-000000000000" Stencil="System.Media" StencilRevisionId="00000000-0000-0000-0000-000000000000" StencilVersion="1.0"/>
-</Control>
-</file>
-
-<file path=customXml/item79.xml><?xml version="1.0" encoding="utf-8"?>
-<Control xmlns="http://schemas.microsoft.com/VisualStudio/2011/storyboarding/control/v1.0">
-  <Id Name="System.Storyboard.Stencil.PhoneKeyboard" RevisionId="00000000-0000-0000-0000-000000000000" Stencil="System.Windows_Phone_7" StencilRevisionId="00000000-0000-0000-0000-000000000000" StencilVersion="1.0"/>
-</Control>
-</file>
-
-<file path=customXml/item8.xml><?xml version="1.0" encoding="utf-8"?>
-<Control xmlns="http://schemas.microsoft.com/VisualStudio/2011/storyboarding/control">
-  <Id Name="System.Storyboarding.Common.MouseClick" Revision="1" Stencil="System.Storyboarding.Common" StencilVersion="0.1"/>
-</Control>
-</file>
-
-<file path=customXml/item80.xml><?xml version="1.0" encoding="utf-8"?>
-<Control xmlns="http://schemas.microsoft.com/VisualStudio/2011/storyboarding/control">
-  <Id Name="System.Storyboarding.Common.TextInput" Revision="1" Stencil="System.Storyboarding.Common" StencilVersion="0.1"/>
-</Control>
-</file>
-
-<file path=customXml/item81.xml><?xml version="1.0" encoding="utf-8"?>
-<Control xmlns="http://schemas.microsoft.com/VisualStudio/2011/storyboarding/control">
-  <Id Name="System.Storyboarding.Common.Text" Revision="1" Stencil="System.Storyboarding.Common" StencilVersion="0.1"/>
-</Control>
-</file>
-
-<file path=customXml/item82.xml><?xml version="1.0" encoding="utf-8"?>
-<Control xmlns="http://schemas.microsoft.com/VisualStudio/2011/storyboarding/control">
-  <Id Name="System.Storyboarding.Common.Text" Revision="1" Stencil="System.Storyboarding.Common" StencilVersion="0.1"/>
-</Control>
-</file>
-
-<file path=customXml/item83.xml><?xml version="1.0" encoding="utf-8"?>
-<Control xmlns="http://schemas.microsoft.com/VisualStudio/2011/storyboarding/control">
-  <Id Name="System.Storyboarding.Backgrounds.WindowsPhone" RevisionId="bdb52a43-f875-417f-a3f8-9b0259dd3051" Stencil="System.Storyboarding.Backgrounds" StencilRevisionId="bdb52a43-f875-417f-a3f8-9b0259dd3051" StencilVersion="0.1"/>
-</Control>
-</file>
-
-<file path=customXml/item84.xml><?xml version="1.0" encoding="utf-8"?>
-<Control xmlns="http://schemas.microsoft.com/VisualStudio/2011/storyboarding/control/v1.0">
-  <Id Name="System.Storyboard.Stencil.VideoPlayer" RevisionId="00000000-0000-0000-0000-000000000000" Stencil="System.Media" StencilRevisionId="00000000-0000-0000-0000-000000000000" StencilVersion="1.0"/>
-</Control>
-</file>
-
-<file path=customXml/item85.xml><?xml version="1.0" encoding="utf-8"?>
-<Control xmlns="http://schemas.microsoft.com/VisualStudio/2011/storyboarding/control">
-  <Id Name="System.Storyboarding.Backgrounds.SharePoint" RevisionId="bdb52a43-f875-417f-a3f8-9b0259dd3051" Stencil="System.Storyboarding.Backgrounds" StencilRevisionId="bdb52a43-f875-417f-a3f8-9b0259dd3051" StencilVersion="0.1"/>
-</Control>
-</file>
-
-<file path=customXml/item86.xml><?xml version="1.0" encoding="utf-8"?>
-<Control xmlns="http://schemas.microsoft.com/VisualStudio/2011/storyboarding/control">
-  <Id Name="System.Storyboarding.Common.TextInput" Revision="1" Stencil="System.Storyboarding.Common" StencilVersion="0.1"/>
-</Control>
-</file>
-
-<file path=customXml/item87.xml><?xml version="1.0" encoding="utf-8"?>
-<Control xmlns="http://schemas.microsoft.com/VisualStudio/2011/storyboarding/control">
-  <Id Name="System.Storyboarding.Common.DropdownBox" Revision="1" Stencil="System.Storyboarding.Common" StencilVersion="0.1"/>
-</Control>
-</file>
-
-<file path=customXml/item88.xml><?xml version="1.0" encoding="utf-8"?>
-<Control xmlns="http://schemas.microsoft.com/VisualStudio/2011/storyboarding/control">
-  <Id Name="366cd925-969f-44e1-b789-354cb31b0dfd" RevisionId="87c5073a-f3d6-4c7e-a7b7-c9586eacad3b" Stencil="172d6d98-e5c9-42e9-a209-79f7a94bbd38" StencilRevisionId="00000000-0000-0000-0000-000000000000" StencilVersion="0.0"/>
-</Control>
-</file>
-
-<file path=customXml/item89.xml><?xml version="1.0" encoding="utf-8"?>
-<Control xmlns="http://schemas.microsoft.com/VisualStudio/2011/storyboarding/control">
-  <Id Name="System.Storyboarding.Common.Text" Revision="1" Stencil="System.Storyboarding.Common" StencilVersion="0.1"/>
-</Control>
-</file>
-
-<file path=customXml/item9.xml><?xml version="1.0" encoding="utf-8"?>
-<Control xmlns="http://schemas.microsoft.com/VisualStudio/2011/storyboarding/control">
-  <Id Name="System.Storyboarding.Common.Text" Revision="1" Stencil="System.Storyboarding.Common" StencilVersion="0.1"/>
-</Control>
-</file>
-
-<file path=customXml/item90.xml><?xml version="1.0" encoding="utf-8"?>
-<Control xmlns="http://schemas.microsoft.com/VisualStudio/2011/storyboarding/control">
-  <Id Name="System.Storyboarding.Common.SearchBox" Revision="1" Stencil="System.Storyboarding.Common" StencilVersion="0.1"/>
-</Control>
-</file>
-
-<file path=customXml/item91.xml><?xml version="1.0" encoding="utf-8"?>
-<Control xmlns="http://schemas.microsoft.com/VisualStudio/2011/storyboarding/control">
-  <Id Name="System.Storyboarding.WindowsPhoneIcons.Cancel" Revision="1" Stencil="System.Storyboarding.WindowsPhoneIcons" StencilVersion="0.1"/>
-</Control>
-</file>
-
-<file path=customXml/item92.xml><?xml version="1.0" encoding="utf-8"?>
-<Control xmlns="http://schemas.microsoft.com/VisualStudio/2011/storyboarding/control">
-  <Id Name="System.Storyboarding.WindowsPhoneIcons.Cancel" Revision="1" Stencil="System.Storyboarding.WindowsPhoneIcons" StencilVersion="0.1"/>
-</Control>
-</file>
-
-<file path=customXml/item93.xml><?xml version="1.0" encoding="utf-8"?>
-<Control xmlns="http://schemas.microsoft.com/VisualStudio/2011/storyboarding/control">
-  <Id Name="System.Storyboarding.Common.TextInput" Revision="1" Stencil="System.Storyboarding.Common" StencilVersion="0.1"/>
-</Control>
-</file>
-
-<file path=customXml/item94.xml><?xml version="1.0" encoding="utf-8"?>
-<Control xmlns="http://schemas.microsoft.com/VisualStudio/2011/storyboarding/control">
-  <Id Name="System.Storyboarding.WindowsPhoneIcons.BaseCircle" Revision="1" Stencil="System.Storyboarding.WindowsPhoneIcons" StencilVersion="0.1"/>
-</Control>
-</file>
-
-<file path=customXml/item95.xml><?xml version="1.0" encoding="utf-8"?>
-<Control xmlns="http://schemas.microsoft.com/VisualStudio/2011/storyboarding/control">
-  <Id Name="b5742593-4330-4997-98c6-02e7437a7975" Revision="1" Stencil="System.MyShapes" StencilVersion="1.0"/>
-</Control>
-</file>
-
-<file path=customXml/item96.xml><?xml version="1.0" encoding="utf-8"?>
-<Control xmlns="http://schemas.microsoft.com/VisualStudio/2011/storyboarding/control">
-  <Id Name="System.Storyboarding.Common.DropdownBox" Revision="1" Stencil="System.Storyboarding.Common" StencilVersion="0.1"/>
-</Control>
-</file>
-
-<file path=customXml/item97.xml><?xml version="1.0" encoding="utf-8"?>
-<Control xmlns="http://schemas.microsoft.com/VisualStudio/2011/storyboarding/control/v1.0">
-  <Id Name="System.Storyboard.Stencil.PieChart" RevisionId="00000000-0000-0000-0000-000000000000" Stencil="System.Media" StencilRevisionId="00000000-0000-0000-0000-000000000000" StencilVersion="1.0"/>
-</Control>
-</file>
-
-<file path=customXml/item98.xml><?xml version="1.0" encoding="utf-8"?>
-<Control xmlns="http://schemas.microsoft.com/VisualStudio/2011/storyboarding/control/v1.0">
-  <Id Name="System.Storyboard.Stencil.StatusBar" RevisionId="00000000-0000-0000-0000-000000000000" Stencil="System.Windows" StencilRevisionId="00000000-0000-0000-0000-000000000000" StencilVersion="1.0"/>
-</Control>
-</file>
-
-<file path=customXml/item99.xml><?xml version="1.0" encoding="utf-8"?>
-<Control xmlns="http://schemas.microsoft.com/VisualStudio/2011/storyboarding/control/v1.0">
-  <Id Name="System.Storyboarding.Common.DropdownBox" RevisionId="68ea164d-c1de-47a5-804f-d4d1290fa524" Stencil="System.Storyboarding.Common" StencilRevisionId="68ea164d-c1de-47a5-804f-d4d1290fa524" StencilVersion="0.1"/>
-</Control>
-</file>
-
 <file path=customXml/itemProps1.xml><?xml version="1.0" encoding="utf-8"?>
-<ds:datastoreItem xmlns:ds="http://schemas.openxmlformats.org/officeDocument/2006/customXml" ds:itemID="{D8E0912A-795B-4916-9114-34B4F28A0EE3}">
+<ds:datastoreItem xmlns:ds="http://schemas.openxmlformats.org/officeDocument/2006/customXml" ds:itemID="{724AE484-A91A-4C5A-ADA2-B1E14D44C5F9}">
+  <ds:schemaRefs>
+    <ds:schemaRef ds:uri="http://schemas.microsoft.com/VisualStudio/2011/storyboarding/control"/>
+  </ds:schemaRefs>
+</ds:datastoreItem>
+</file>
+
+<file path=customXml/itemProps10.xml><?xml version="1.0" encoding="utf-8"?>
+<ds:datastoreItem xmlns:ds="http://schemas.openxmlformats.org/officeDocument/2006/customXml" ds:itemID="{403C6BC3-D7AA-4E58-AD05-52B3DCE4509A}">
+  <ds:schemaRefs>
+    <ds:schemaRef ds:uri="http://schemas.microsoft.com/VisualStudio/2011/storyboarding/control"/>
+  </ds:schemaRefs>
+</ds:datastoreItem>
+</file>
+
+<file path=customXml/itemProps100.xml><?xml version="1.0" encoding="utf-8"?>
+<ds:datastoreItem xmlns:ds="http://schemas.openxmlformats.org/officeDocument/2006/customXml" ds:itemID="{B4DF03EA-95D8-472A-AE5D-DFC4AF15B022}">
+  <ds:schemaRefs>
+    <ds:schemaRef ds:uri="http://schemas.microsoft.com/VisualStudio/2011/storyboarding/control"/>
+  </ds:schemaRefs>
+</ds:datastoreItem>
+</file>
+
+<file path=customXml/itemProps101.xml><?xml version="1.0" encoding="utf-8"?>
+<ds:datastoreItem xmlns:ds="http://schemas.openxmlformats.org/officeDocument/2006/customXml" ds:itemID="{ADB04634-E1B0-4104-AA98-AD7F274ACEFE}">
+  <ds:schemaRefs>
+    <ds:schemaRef ds:uri="http://schemas.microsoft.com/VisualStudio/2011/storyboarding/control"/>
+  </ds:schemaRefs>
+</ds:datastoreItem>
+</file>
+
+<file path=customXml/itemProps102.xml><?xml version="1.0" encoding="utf-8"?>
+<ds:datastoreItem xmlns:ds="http://schemas.openxmlformats.org/officeDocument/2006/customXml" ds:itemID="{013A0AD4-9F3D-4ED0-A576-2EA7727919A1}">
+  <ds:schemaRefs>
+    <ds:schemaRef ds:uri="http://schemas.microsoft.com/VisualStudio/2011/storyboarding/control"/>
+  </ds:schemaRefs>
+</ds:datastoreItem>
+</file>
+
+<file path=customXml/itemProps103.xml><?xml version="1.0" encoding="utf-8"?>
+<ds:datastoreItem xmlns:ds="http://schemas.openxmlformats.org/officeDocument/2006/customXml" ds:itemID="{50AB9033-38E6-4E6C-802A-6C285CADB0AF}">
+  <ds:schemaRefs>
+    <ds:schemaRef ds:uri="http://schemas.microsoft.com/VisualStudio/2011/storyboarding/control"/>
+  </ds:schemaRefs>
+</ds:datastoreItem>
+</file>
+
+<file path=customXml/itemProps104.xml><?xml version="1.0" encoding="utf-8"?>
+<ds:datastoreItem xmlns:ds="http://schemas.openxmlformats.org/officeDocument/2006/customXml" ds:itemID="{F750840A-4646-401F-9E4C-EF29E17FC114}">
+  <ds:schemaRefs>
+    <ds:schemaRef ds:uri="http://schemas.microsoft.com/VisualStudio/2011/storyboarding/control"/>
+  </ds:schemaRefs>
+</ds:datastoreItem>
+</file>
+
+<file path=customXml/itemProps105.xml><?xml version="1.0" encoding="utf-8"?>
+<ds:datastoreItem xmlns:ds="http://schemas.openxmlformats.org/officeDocument/2006/customXml" ds:itemID="{CC419530-796D-4DBE-BBEE-9A6630A896E1}">
   <ds:schemaRefs>
     <ds:schemaRef ds:uri="http://schemas.microsoft.com/VisualStudio/2011/storyboarding/control/v1.0"/>
   </ds:schemaRefs>
 </ds:datastoreItem>
 </file>
 
-<file path=customXml/itemProps10.xml><?xml version="1.0" encoding="utf-8"?>
-<ds:datastoreItem xmlns:ds="http://schemas.openxmlformats.org/officeDocument/2006/customXml" ds:itemID="{81D961FF-5AEC-42D4-A825-40F6A2C53406}">
+<file path=customXml/itemProps106.xml><?xml version="1.0" encoding="utf-8"?>
+<ds:datastoreItem xmlns:ds="http://schemas.openxmlformats.org/officeDocument/2006/customXml" ds:itemID="{AB006AED-D3B6-450F-A436-759E490055A5}">
+  <ds:schemaRefs>
+    <ds:schemaRef ds:uri="http://schemas.microsoft.com/VisualStudio/2011/storyboarding/control/v1.0"/>
+  </ds:schemaRefs>
+</ds:datastoreItem>
+</file>
+
+<file path=customXml/itemProps107.xml><?xml version="1.0" encoding="utf-8"?>
+<ds:datastoreItem xmlns:ds="http://schemas.openxmlformats.org/officeDocument/2006/customXml" ds:itemID="{6B22741B-5AC6-4A2C-A57A-E4BDF22E0A90}">
+  <ds:schemaRefs>
+    <ds:schemaRef ds:uri="http://schemas.microsoft.com/VisualStudio/2011/storyboarding/control/v1.0"/>
+  </ds:schemaRefs>
+</ds:datastoreItem>
+</file>
+
+<file path=customXml/itemProps108.xml><?xml version="1.0" encoding="utf-8"?>
+<ds:datastoreItem xmlns:ds="http://schemas.openxmlformats.org/officeDocument/2006/customXml" ds:itemID="{AD9C1405-6371-400D-A0E2-389A1557BE20}">
+  <ds:schemaRefs>
+    <ds:schemaRef ds:uri="http://schemas.microsoft.com/VisualStudio/2011/storyboarding/control/v1.0"/>
+  </ds:schemaRefs>
+</ds:datastoreItem>
+</file>
+
+<file path=customXml/itemProps109.xml><?xml version="1.0" encoding="utf-8"?>
+<ds:datastoreItem xmlns:ds="http://schemas.openxmlformats.org/officeDocument/2006/customXml" ds:itemID="{90D9B8AC-3F59-44DB-A5DF-E2DC5644EC71}">
   <ds:schemaRefs>
     <ds:schemaRef ds:uri="http://schemas.microsoft.com/VisualStudio/2011/storyboarding/control"/>
   </ds:schemaRefs>
 </ds:datastoreItem>
 </file>
 
-<file path=customXml/itemProps100.xml><?xml version="1.0" encoding="utf-8"?>
-<ds:datastoreItem xmlns:ds="http://schemas.openxmlformats.org/officeDocument/2006/customXml" ds:itemID="{F6284D1D-3B60-45C8-9401-39277E43FA4C}">
+<file path=customXml/itemProps11.xml><?xml version="1.0" encoding="utf-8"?>
+<ds:datastoreItem xmlns:ds="http://schemas.openxmlformats.org/officeDocument/2006/customXml" ds:itemID="{B0DBD337-FDC5-4C36-BF85-C09756391AA1}">
+  <ds:schemaRefs>
+    <ds:schemaRef ds:uri="http://schemas.microsoft.com/VisualStudio/2011/storyboarding/control/v1.0"/>
+  </ds:schemaRefs>
+</ds:datastoreItem>
+</file>
+
+<file path=customXml/itemProps110.xml><?xml version="1.0" encoding="utf-8"?>
+<ds:datastoreItem xmlns:ds="http://schemas.openxmlformats.org/officeDocument/2006/customXml" ds:itemID="{070A0919-5036-4D47-9D0D-4D9A508634EC}">
   <ds:schemaRefs>
     <ds:schemaRef ds:uri="http://schemas.microsoft.com/VisualStudio/2011/storyboarding/control"/>
   </ds:schemaRefs>
 </ds:datastoreItem>
 </file>
 
-<file path=customXml/itemProps101.xml><?xml version="1.0" encoding="utf-8"?>
-<ds:datastoreItem xmlns:ds="http://schemas.openxmlformats.org/officeDocument/2006/customXml" ds:itemID="{9E78B062-440B-4D44-A48C-B829AC541158}">
+<file path=customXml/itemProps111.xml><?xml version="1.0" encoding="utf-8"?>
+<ds:datastoreItem xmlns:ds="http://schemas.openxmlformats.org/officeDocument/2006/customXml" ds:itemID="{E4971D0C-420D-4809-8F33-590B7037BBDD}">
   <ds:schemaRefs>
     <ds:schemaRef ds:uri="http://schemas.microsoft.com/VisualStudio/2011/storyboarding/control"/>
   </ds:schemaRefs>
 </ds:datastoreItem>
 </file>
 
-<file path=customXml/itemProps102.xml><?xml version="1.0" encoding="utf-8"?>
+<file path=customXml/itemProps112.xml><?xml version="1.0" encoding="utf-8"?>
+<ds:datastoreItem xmlns:ds="http://schemas.openxmlformats.org/officeDocument/2006/customXml" ds:itemID="{87756BF3-99DD-459A-983C-CB7CF508397B}">
+  <ds:schemaRefs>
+    <ds:schemaRef ds:uri="http://schemas.microsoft.com/VisualStudio/2011/storyboarding/control"/>
+  </ds:schemaRefs>
+</ds:datastoreItem>
+</file>
+
+<file path=customXml/itemProps113.xml><?xml version="1.0" encoding="utf-8"?>
+<ds:datastoreItem xmlns:ds="http://schemas.openxmlformats.org/officeDocument/2006/customXml" ds:itemID="{A2C6E495-7087-4B96-B86F-7F6CABCE8BF8}">
+  <ds:schemaRefs>
+    <ds:schemaRef ds:uri="http://schemas.microsoft.com/VisualStudio/2011/storyboarding/control"/>
+  </ds:schemaRefs>
+</ds:datastoreItem>
+</file>
+
+<file path=customXml/itemProps114.xml><?xml version="1.0" encoding="utf-8"?>
+<ds:datastoreItem xmlns:ds="http://schemas.openxmlformats.org/officeDocument/2006/customXml" ds:itemID="{32217E3C-AB6C-4709-89B2-382049C37CA9}">
+  <ds:schemaRefs>
+    <ds:schemaRef ds:uri="http://schemas.microsoft.com/VisualStudio/2011/storyboarding/control"/>
+  </ds:schemaRefs>
+</ds:datastoreItem>
+</file>
+
+<file path=customXml/itemProps115.xml><?xml version="1.0" encoding="utf-8"?>
+<ds:datastoreItem xmlns:ds="http://schemas.openxmlformats.org/officeDocument/2006/customXml" ds:itemID="{AE37FB5D-C140-4FA3-AFC0-7BBE49EA661F}">
+  <ds:schemaRefs>
+    <ds:schemaRef ds:uri="http://schemas.microsoft.com/VisualStudio/2011/storyboarding/control"/>
+  </ds:schemaRefs>
+</ds:datastoreItem>
+</file>
+
+<file path=customXml/itemProps116.xml><?xml version="1.0" encoding="utf-8"?>
+<ds:datastoreItem xmlns:ds="http://schemas.openxmlformats.org/officeDocument/2006/customXml" ds:itemID="{80057D26-84AE-4214-A069-42EEB0220CF3}">
+  <ds:schemaRefs>
+    <ds:schemaRef ds:uri="http://schemas.microsoft.com/VisualStudio/2011/storyboarding/control"/>
+  </ds:schemaRefs>
+</ds:datastoreItem>
+</file>
+
+<file path=customXml/itemProps117.xml><?xml version="1.0" encoding="utf-8"?>
+<ds:datastoreItem xmlns:ds="http://schemas.openxmlformats.org/officeDocument/2006/customXml" ds:itemID="{288CEDBF-3F9B-47CF-AF84-2B8486359159}">
+  <ds:schemaRefs>
+    <ds:schemaRef ds:uri="http://schemas.microsoft.com/VisualStudio/2011/storyboarding/control/v1.0"/>
+  </ds:schemaRefs>
+</ds:datastoreItem>
+</file>
+
+<file path=customXml/itemProps118.xml><?xml version="1.0" encoding="utf-8"?>
 <ds:datastoreItem xmlns:ds="http://schemas.openxmlformats.org/officeDocument/2006/customXml" ds:itemID="{729DB56D-F542-4709-9AE0-E83CD92BA163}">
   <ds:schemaRefs>
     <ds:schemaRef ds:uri="http://schemas.microsoft.com/VisualStudio/2011/storyboarding/control/v1.0"/>
@@ -48364,47 +48287,15 @@
 </ds:datastoreItem>
 </file>
 
-<file path=customXml/itemProps103.xml><?xml version="1.0" encoding="utf-8"?>
-<ds:datastoreItem xmlns:ds="http://schemas.openxmlformats.org/officeDocument/2006/customXml" ds:itemID="{16772130-8F5D-442B-AA11-39D4F229ACC6}">
+<file path=customXml/itemProps119.xml><?xml version="1.0" encoding="utf-8"?>
+<ds:datastoreItem xmlns:ds="http://schemas.openxmlformats.org/officeDocument/2006/customXml" ds:itemID="{53BC856C-B486-437D-A7B4-612AE9417D7A}">
   <ds:schemaRefs>
     <ds:schemaRef ds:uri="http://schemas.microsoft.com/VisualStudio/2011/storyboarding/control/v1.0"/>
   </ds:schemaRefs>
 </ds:datastoreItem>
 </file>
 
-<file path=customXml/itemProps104.xml><?xml version="1.0" encoding="utf-8"?>
-<ds:datastoreItem xmlns:ds="http://schemas.openxmlformats.org/officeDocument/2006/customXml" ds:itemID="{7C4FADB9-82C5-46C4-AD0E-6B60B5C6AEAE}">
-  <ds:schemaRefs>
-    <ds:schemaRef ds:uri="http://schemas.microsoft.com/VisualStudio/2011/storyboarding/control/v1.0"/>
-  </ds:schemaRefs>
-</ds:datastoreItem>
-</file>
-
-<file path=customXml/itemProps105.xml><?xml version="1.0" encoding="utf-8"?>
-<ds:datastoreItem xmlns:ds="http://schemas.openxmlformats.org/officeDocument/2006/customXml" ds:itemID="{6574190A-3D9E-42C1-B276-38E33156AA99}">
-  <ds:schemaRefs>
-    <ds:schemaRef ds:uri="http://schemas.microsoft.com/VisualStudio/2011/storyboarding/control/v1.0"/>
-  </ds:schemaRefs>
-</ds:datastoreItem>
-</file>
-
-<file path=customXml/itemProps106.xml><?xml version="1.0" encoding="utf-8"?>
-<ds:datastoreItem xmlns:ds="http://schemas.openxmlformats.org/officeDocument/2006/customXml" ds:itemID="{FC15A188-E1DB-4A62-A1DD-04D2C3B705E4}">
-  <ds:schemaRefs>
-    <ds:schemaRef ds:uri="http://schemas.microsoft.com/VisualStudio/2011/storyboarding/control"/>
-  </ds:schemaRefs>
-</ds:datastoreItem>
-</file>
-
-<file path=customXml/itemProps107.xml><?xml version="1.0" encoding="utf-8"?>
-<ds:datastoreItem xmlns:ds="http://schemas.openxmlformats.org/officeDocument/2006/customXml" ds:itemID="{0E6EFF5D-4958-4328-A1F4-273676ED0A93}">
-  <ds:schemaRefs>
-    <ds:schemaRef ds:uri="http://schemas.microsoft.com/VisualStudio/2011/storyboarding/control"/>
-  </ds:schemaRefs>
-</ds:datastoreItem>
-</file>
-
-<file path=customXml/itemProps108.xml><?xml version="1.0" encoding="utf-8"?>
+<file path=customXml/itemProps12.xml><?xml version="1.0" encoding="utf-8"?>
 <ds:datastoreItem xmlns:ds="http://schemas.openxmlformats.org/officeDocument/2006/customXml" ds:itemID="{B5B3D461-05BC-453F-A891-9BA91045E521}">
   <ds:schemaRefs>
     <ds:schemaRef ds:uri="http://schemas.microsoft.com/VisualStudio/2011/storyboarding/control"/>
@@ -48412,226 +48303,122 @@
 </ds:datastoreItem>
 </file>
 
-<file path=customXml/itemProps109.xml><?xml version="1.0" encoding="utf-8"?>
-<ds:datastoreItem xmlns:ds="http://schemas.openxmlformats.org/officeDocument/2006/customXml" ds:itemID="{4002BB7E-E74B-4646-9EF5-485257C83CB6}">
+<file path=customXml/itemProps120.xml><?xml version="1.0" encoding="utf-8"?>
+<ds:datastoreItem xmlns:ds="http://schemas.openxmlformats.org/officeDocument/2006/customXml" ds:itemID="{1AF31726-A62F-4331-8622-ED351D5149B7}">
   <ds:schemaRefs>
     <ds:schemaRef ds:uri="http://schemas.microsoft.com/VisualStudio/2011/storyboarding/control"/>
   </ds:schemaRefs>
 </ds:datastoreItem>
 </file>
 
-<file path=customXml/itemProps11.xml><?xml version="1.0" encoding="utf-8"?>
-<ds:datastoreItem xmlns:ds="http://schemas.openxmlformats.org/officeDocument/2006/customXml" ds:itemID="{B830F82D-7083-40CB-9CA8-EE2DE5D24499}">
+<file path=customXml/itemProps121.xml><?xml version="1.0" encoding="utf-8"?>
+<ds:datastoreItem xmlns:ds="http://schemas.openxmlformats.org/officeDocument/2006/customXml" ds:itemID="{61718306-62A2-464C-A071-ED5770176479}">
   <ds:schemaRefs>
     <ds:schemaRef ds:uri="http://schemas.microsoft.com/VisualStudio/2011/storyboarding/control"/>
   </ds:schemaRefs>
 </ds:datastoreItem>
 </file>
 
-<file path=customXml/itemProps110.xml><?xml version="1.0" encoding="utf-8"?>
-<ds:datastoreItem xmlns:ds="http://schemas.openxmlformats.org/officeDocument/2006/customXml" ds:itemID="{B86CCFE5-B204-463A-8823-237DAF399305}">
+<file path=customXml/itemProps122.xml><?xml version="1.0" encoding="utf-8"?>
+<ds:datastoreItem xmlns:ds="http://schemas.openxmlformats.org/officeDocument/2006/customXml" ds:itemID="{E2EFB470-892C-4F70-98FA-B53F970592A9}">
   <ds:schemaRefs>
     <ds:schemaRef ds:uri="http://schemas.microsoft.com/VisualStudio/2011/storyboarding/control"/>
   </ds:schemaRefs>
 </ds:datastoreItem>
 </file>
 
-<file path=customXml/itemProps111.xml><?xml version="1.0" encoding="utf-8"?>
-<ds:datastoreItem xmlns:ds="http://schemas.openxmlformats.org/officeDocument/2006/customXml" ds:itemID="{92675051-6BC6-4BCB-A4C3-2D65BD737D8A}">
+<file path=customXml/itemProps123.xml><?xml version="1.0" encoding="utf-8"?>
+<ds:datastoreItem xmlns:ds="http://schemas.openxmlformats.org/officeDocument/2006/customXml" ds:itemID="{E4D924B8-E923-4751-87E1-B31AA64A9F7B}">
+  <ds:schemaRefs>
+    <ds:schemaRef ds:uri="http://schemas.microsoft.com/VisualStudio/2011/storyboarding/control/v1.0"/>
+  </ds:schemaRefs>
+</ds:datastoreItem>
+</file>
+
+<file path=customXml/itemProps124.xml><?xml version="1.0" encoding="utf-8"?>
+<ds:datastoreItem xmlns:ds="http://schemas.openxmlformats.org/officeDocument/2006/customXml" ds:itemID="{70C6AFB5-ABBC-4D9A-B9BF-1D1F343F47C6}">
   <ds:schemaRefs>
     <ds:schemaRef ds:uri="http://schemas.microsoft.com/VisualStudio/2011/storyboarding/control"/>
   </ds:schemaRefs>
 </ds:datastoreItem>
 </file>
 
-<file path=customXml/itemProps112.xml><?xml version="1.0" encoding="utf-8"?>
-<ds:datastoreItem xmlns:ds="http://schemas.openxmlformats.org/officeDocument/2006/customXml" ds:itemID="{F750840A-4646-401F-9E4C-EF29E17FC114}">
+<file path=customXml/itemProps125.xml><?xml version="1.0" encoding="utf-8"?>
+<ds:datastoreItem xmlns:ds="http://schemas.openxmlformats.org/officeDocument/2006/customXml" ds:itemID="{90E02751-6EB1-435F-9756-F9B50171DB60}">
   <ds:schemaRefs>
     <ds:schemaRef ds:uri="http://schemas.microsoft.com/VisualStudio/2011/storyboarding/control"/>
   </ds:schemaRefs>
 </ds:datastoreItem>
 </file>
 
-<file path=customXml/itemProps113.xml><?xml version="1.0" encoding="utf-8"?>
-<ds:datastoreItem xmlns:ds="http://schemas.openxmlformats.org/officeDocument/2006/customXml" ds:itemID="{D45B366B-3798-4663-91E0-AD0AD6C27250}">
+<file path=customXml/itemProps126.xml><?xml version="1.0" encoding="utf-8"?>
+<ds:datastoreItem xmlns:ds="http://schemas.openxmlformats.org/officeDocument/2006/customXml" ds:itemID="{9C628832-EAE6-47E8-9B5C-DF0774975B25}">
   <ds:schemaRefs>
     <ds:schemaRef ds:uri="http://schemas.microsoft.com/VisualStudio/2011/storyboarding/control"/>
   </ds:schemaRefs>
 </ds:datastoreItem>
 </file>
 
-<file path=customXml/itemProps114.xml><?xml version="1.0" encoding="utf-8"?>
-<ds:datastoreItem xmlns:ds="http://schemas.openxmlformats.org/officeDocument/2006/customXml" ds:itemID="{D440442A-68BC-4116-A5A6-FDB6BAB9693D}">
+<file path=customXml/itemProps127.xml><?xml version="1.0" encoding="utf-8"?>
+<ds:datastoreItem xmlns:ds="http://schemas.openxmlformats.org/officeDocument/2006/customXml" ds:itemID="{09CC12C2-65F6-4851-BF1A-DFADE603750B}">
   <ds:schemaRefs>
     <ds:schemaRef ds:uri="http://schemas.microsoft.com/VisualStudio/2011/storyboarding/control"/>
   </ds:schemaRefs>
 </ds:datastoreItem>
 </file>
 
-<file path=customXml/itemProps115.xml><?xml version="1.0" encoding="utf-8"?>
-<ds:datastoreItem xmlns:ds="http://schemas.openxmlformats.org/officeDocument/2006/customXml" ds:itemID="{D548E006-7BE6-4C3C-AB4B-22C6CB51C665}">
+<file path=customXml/itemProps128.xml><?xml version="1.0" encoding="utf-8"?>
+<ds:datastoreItem xmlns:ds="http://schemas.openxmlformats.org/officeDocument/2006/customXml" ds:itemID="{BC3DFB4E-5FF4-4F62-926A-1F1B188759FD}">
   <ds:schemaRefs>
     <ds:schemaRef ds:uri="http://schemas.microsoft.com/VisualStudio/2011/storyboarding/control"/>
   </ds:schemaRefs>
 </ds:datastoreItem>
 </file>
 
-<file path=customXml/itemProps116.xml><?xml version="1.0" encoding="utf-8"?>
-<ds:datastoreItem xmlns:ds="http://schemas.openxmlformats.org/officeDocument/2006/customXml" ds:itemID="{CB953D38-E965-4BB2-94FE-DF647E85A654}">
+<file path=customXml/itemProps129.xml><?xml version="1.0" encoding="utf-8"?>
+<ds:datastoreItem xmlns:ds="http://schemas.openxmlformats.org/officeDocument/2006/customXml" ds:itemID="{3EABCF1F-5E30-4073-A48D-44DBBCB28505}">
+  <ds:schemaRefs>
+    <ds:schemaRef ds:uri="http://schemas.microsoft.com/VisualStudio/2011/storyboarding/control"/>
+  </ds:schemaRefs>
+</ds:datastoreItem>
+</file>
+
+<file path=customXml/itemProps13.xml><?xml version="1.0" encoding="utf-8"?>
+<ds:datastoreItem xmlns:ds="http://schemas.openxmlformats.org/officeDocument/2006/customXml" ds:itemID="{07B11A95-7731-4379-9E1B-32BC87FA2B56}">
   <ds:schemaRefs>
     <ds:schemaRef ds:uri="http://schemas.microsoft.com/VisualStudio/2011/storyboarding/control/v1.0"/>
   </ds:schemaRefs>
 </ds:datastoreItem>
 </file>
 
-<file path=customXml/itemProps117.xml><?xml version="1.0" encoding="utf-8"?>
-<ds:datastoreItem xmlns:ds="http://schemas.openxmlformats.org/officeDocument/2006/customXml" ds:itemID="{574C0546-69B0-4850-A983-CDA8017CD4CE}">
+<file path=customXml/itemProps130.xml><?xml version="1.0" encoding="utf-8"?>
+<ds:datastoreItem xmlns:ds="http://schemas.openxmlformats.org/officeDocument/2006/customXml" ds:itemID="{8FF740A7-C8EE-480F-BAFC-0E587C82188C}">
   <ds:schemaRefs>
     <ds:schemaRef ds:uri="http://schemas.microsoft.com/VisualStudio/2011/storyboarding/control"/>
   </ds:schemaRefs>
 </ds:datastoreItem>
 </file>
 
-<file path=customXml/itemProps118.xml><?xml version="1.0" encoding="utf-8"?>
-<ds:datastoreItem xmlns:ds="http://schemas.openxmlformats.org/officeDocument/2006/customXml" ds:itemID="{CF2E1323-2233-418A-BF30-70C435788FEB}">
+<file path=customXml/itemProps131.xml><?xml version="1.0" encoding="utf-8"?>
+<ds:datastoreItem xmlns:ds="http://schemas.openxmlformats.org/officeDocument/2006/customXml" ds:itemID="{801F3AE5-65F3-4F34-8431-3329707AA1A1}">
   <ds:schemaRefs>
     <ds:schemaRef ds:uri="http://schemas.microsoft.com/VisualStudio/2011/storyboarding/control"/>
   </ds:schemaRefs>
 </ds:datastoreItem>
 </file>
 
-<file path=customXml/itemProps119.xml><?xml version="1.0" encoding="utf-8"?>
-<ds:datastoreItem xmlns:ds="http://schemas.openxmlformats.org/officeDocument/2006/customXml" ds:itemID="{6DB748EE-C7FB-45BD-A8D2-052E4039A714}">
-  <ds:schemaRefs>
-    <ds:schemaRef ds:uri="http://schemas.microsoft.com/VisualStudio/2011/storyboarding/control"/>
-  </ds:schemaRefs>
-</ds:datastoreItem>
-</file>
-
-<file path=customXml/itemProps12.xml><?xml version="1.0" encoding="utf-8"?>
-<ds:datastoreItem xmlns:ds="http://schemas.openxmlformats.org/officeDocument/2006/customXml" ds:itemID="{B0DBD337-FDC5-4C36-BF85-C09756391AA1}">
+<file path=customXml/itemProps132.xml><?xml version="1.0" encoding="utf-8"?>
+<ds:datastoreItem xmlns:ds="http://schemas.openxmlformats.org/officeDocument/2006/customXml" ds:itemID="{5E2E8CE4-298D-499A-B8B4-4A593AC844A5}">
   <ds:schemaRefs>
     <ds:schemaRef ds:uri="http://schemas.microsoft.com/VisualStudio/2011/storyboarding/control/v1.0"/>
   </ds:schemaRefs>
 </ds:datastoreItem>
 </file>
 
-<file path=customXml/itemProps120.xml><?xml version="1.0" encoding="utf-8"?>
-<ds:datastoreItem xmlns:ds="http://schemas.openxmlformats.org/officeDocument/2006/customXml" ds:itemID="{94AD1A0B-E9F6-4AC5-92C7-D2F1157C203A}">
+<file path=customXml/itemProps133.xml><?xml version="1.0" encoding="utf-8"?>
+<ds:datastoreItem xmlns:ds="http://schemas.openxmlformats.org/officeDocument/2006/customXml" ds:itemID="{D45B366B-3798-4663-91E0-AD0AD6C27250}">
   <ds:schemaRefs>
     <ds:schemaRef ds:uri="http://schemas.microsoft.com/VisualStudio/2011/storyboarding/control"/>
-  </ds:schemaRefs>
-</ds:datastoreItem>
-</file>
-
-<file path=customXml/itemProps121.xml><?xml version="1.0" encoding="utf-8"?>
-<ds:datastoreItem xmlns:ds="http://schemas.openxmlformats.org/officeDocument/2006/customXml" ds:itemID="{416D00B5-FBFE-483F-BE84-520287240459}">
-  <ds:schemaRefs>
-    <ds:schemaRef ds:uri="http://schemas.microsoft.com/VisualStudio/2011/storyboarding/control/v1.0"/>
-  </ds:schemaRefs>
-</ds:datastoreItem>
-</file>
-
-<file path=customXml/itemProps122.xml><?xml version="1.0" encoding="utf-8"?>
-<ds:datastoreItem xmlns:ds="http://schemas.openxmlformats.org/officeDocument/2006/customXml" ds:itemID="{D705ACE5-FAF8-44EC-9622-845721B4A44D}">
-  <ds:schemaRefs>
-    <ds:schemaRef ds:uri="http://schemas.microsoft.com/VisualStudio/2011/storyboarding/control/v1.0"/>
-  </ds:schemaRefs>
-</ds:datastoreItem>
-</file>
-
-<file path=customXml/itemProps123.xml><?xml version="1.0" encoding="utf-8"?>
-<ds:datastoreItem xmlns:ds="http://schemas.openxmlformats.org/officeDocument/2006/customXml" ds:itemID="{53BC856C-B486-437D-A7B4-612AE9417D7A}">
-  <ds:schemaRefs>
-    <ds:schemaRef ds:uri="http://schemas.microsoft.com/VisualStudio/2011/storyboarding/control/v1.0"/>
-  </ds:schemaRefs>
-</ds:datastoreItem>
-</file>
-
-<file path=customXml/itemProps124.xml><?xml version="1.0" encoding="utf-8"?>
-<ds:datastoreItem xmlns:ds="http://schemas.openxmlformats.org/officeDocument/2006/customXml" ds:itemID="{315B2A83-1D6D-48EF-A92A-4C133D593900}">
-  <ds:schemaRefs>
-    <ds:schemaRef ds:uri="http://schemas.microsoft.com/VisualStudio/2011/storyboarding/control"/>
-  </ds:schemaRefs>
-</ds:datastoreItem>
-</file>
-
-<file path=customXml/itemProps125.xml><?xml version="1.0" encoding="utf-8"?>
-<ds:datastoreItem xmlns:ds="http://schemas.openxmlformats.org/officeDocument/2006/customXml" ds:itemID="{33B5ACEB-736C-4301-8146-E6656B732852}">
-  <ds:schemaRefs>
-    <ds:schemaRef ds:uri="http://schemas.microsoft.com/VisualStudio/2011/storyboarding/control"/>
-  </ds:schemaRefs>
-</ds:datastoreItem>
-</file>
-
-<file path=customXml/itemProps126.xml><?xml version="1.0" encoding="utf-8"?>
-<ds:datastoreItem xmlns:ds="http://schemas.openxmlformats.org/officeDocument/2006/customXml" ds:itemID="{562C37FA-BC49-48FE-A586-618D0F9E7A11}">
-  <ds:schemaRefs>
-    <ds:schemaRef ds:uri="http://schemas.microsoft.com/VisualStudio/2011/storyboarding/control"/>
-  </ds:schemaRefs>
-</ds:datastoreItem>
-</file>
-
-<file path=customXml/itemProps127.xml><?xml version="1.0" encoding="utf-8"?>
-<ds:datastoreItem xmlns:ds="http://schemas.openxmlformats.org/officeDocument/2006/customXml" ds:itemID="{51B26ADE-1687-4355-9ECA-B2D9FA35F65A}">
-  <ds:schemaRefs>
-    <ds:schemaRef ds:uri="http://schemas.microsoft.com/VisualStudio/2011/storyboarding/control"/>
-  </ds:schemaRefs>
-</ds:datastoreItem>
-</file>
-
-<file path=customXml/itemProps128.xml><?xml version="1.0" encoding="utf-8"?>
-<ds:datastoreItem xmlns:ds="http://schemas.openxmlformats.org/officeDocument/2006/customXml" ds:itemID="{F1A6E310-0626-4DAC-A346-455C974A17E6}">
-  <ds:schemaRefs>
-    <ds:schemaRef ds:uri="http://schemas.microsoft.com/VisualStudio/2011/storyboarding/control"/>
-  </ds:schemaRefs>
-</ds:datastoreItem>
-</file>
-
-<file path=customXml/itemProps129.xml><?xml version="1.0" encoding="utf-8"?>
-<ds:datastoreItem xmlns:ds="http://schemas.openxmlformats.org/officeDocument/2006/customXml" ds:itemID="{BCC26AAB-ACE0-4E06-96EB-91D114535900}">
-  <ds:schemaRefs>
-    <ds:schemaRef ds:uri="http://schemas.microsoft.com/VisualStudio/2011/storyboarding/control"/>
-  </ds:schemaRefs>
-</ds:datastoreItem>
-</file>
-
-<file path=customXml/itemProps13.xml><?xml version="1.0" encoding="utf-8"?>
-<ds:datastoreItem xmlns:ds="http://schemas.openxmlformats.org/officeDocument/2006/customXml" ds:itemID="{C4783010-23AB-4BDC-BABF-F6576658A2B0}">
-  <ds:schemaRefs>
-    <ds:schemaRef ds:uri="http://schemas.microsoft.com/VisualStudio/2011/storyboarding/control/v1.0"/>
-  </ds:schemaRefs>
-</ds:datastoreItem>
-</file>
-
-<file path=customXml/itemProps130.xml><?xml version="1.0" encoding="utf-8"?>
-<ds:datastoreItem xmlns:ds="http://schemas.openxmlformats.org/officeDocument/2006/customXml" ds:itemID="{2BFF8308-D282-489A-AA7B-794AC6DDD350}">
-  <ds:schemaRefs>
-    <ds:schemaRef ds:uri="http://schemas.microsoft.com/VisualStudio/2011/storyboarding/control"/>
-  </ds:schemaRefs>
-</ds:datastoreItem>
-</file>
-
-<file path=customXml/itemProps131.xml><?xml version="1.0" encoding="utf-8"?>
-<ds:datastoreItem xmlns:ds="http://schemas.openxmlformats.org/officeDocument/2006/customXml" ds:itemID="{AA5E4F96-8C72-44F9-A0C5-FB007B246D91}">
-  <ds:schemaRefs>
-    <ds:schemaRef ds:uri="http://schemas.microsoft.com/VisualStudio/2011/storyboarding/control/v1.0"/>
-  </ds:schemaRefs>
-</ds:datastoreItem>
-</file>
-
-<file path=customXml/itemProps132.xml><?xml version="1.0" encoding="utf-8"?>
-<ds:datastoreItem xmlns:ds="http://schemas.openxmlformats.org/officeDocument/2006/customXml" ds:itemID="{B2C9D19C-4878-43E0-A5AD-CB76AB49D960}">
-  <ds:schemaRefs>
-    <ds:schemaRef ds:uri="http://schemas.microsoft.com/VisualStudio/2011/storyboarding/control/v1.0"/>
-  </ds:schemaRefs>
-</ds:datastoreItem>
-</file>
-
-<file path=customXml/itemProps133.xml><?xml version="1.0" encoding="utf-8"?>
-<ds:datastoreItem xmlns:ds="http://schemas.openxmlformats.org/officeDocument/2006/customXml" ds:itemID="{CC419530-796D-4DBE-BBEE-9A6630A896E1}">
-  <ds:schemaRefs>
-    <ds:schemaRef ds:uri="http://schemas.microsoft.com/VisualStudio/2011/storyboarding/control/v1.0"/>
   </ds:schemaRefs>
 </ds:datastoreItem>
 </file>
@@ -48645,6 +48432,286 @@
 </file>
 
 <file path=customXml/itemProps135.xml><?xml version="1.0" encoding="utf-8"?>
+<ds:datastoreItem xmlns:ds="http://schemas.openxmlformats.org/officeDocument/2006/customXml" ds:itemID="{1880FE45-DF38-4D93-976C-E0A82A466CB2}">
+  <ds:schemaRefs>
+    <ds:schemaRef ds:uri="http://schemas.microsoft.com/VisualStudio/2011/storyboarding/control"/>
+  </ds:schemaRefs>
+</ds:datastoreItem>
+</file>
+
+<file path=customXml/itemProps136.xml><?xml version="1.0" encoding="utf-8"?>
+<ds:datastoreItem xmlns:ds="http://schemas.openxmlformats.org/officeDocument/2006/customXml" ds:itemID="{07386B1B-B603-48F1-B273-2619CD39E415}">
+  <ds:schemaRefs>
+    <ds:schemaRef ds:uri="http://schemas.microsoft.com/VisualStudio/2011/storyboarding/control"/>
+  </ds:schemaRefs>
+</ds:datastoreItem>
+</file>
+
+<file path=customXml/itemProps137.xml><?xml version="1.0" encoding="utf-8"?>
+<ds:datastoreItem xmlns:ds="http://schemas.openxmlformats.org/officeDocument/2006/customXml" ds:itemID="{63E5DE85-F05E-4507-B223-806D8F49F058}">
+  <ds:schemaRefs>
+    <ds:schemaRef ds:uri="http://schemas.microsoft.com/VisualStudio/2011/storyboarding/control/v1.0"/>
+  </ds:schemaRefs>
+</ds:datastoreItem>
+</file>
+
+<file path=customXml/itemProps138.xml><?xml version="1.0" encoding="utf-8"?>
+<ds:datastoreItem xmlns:ds="http://schemas.openxmlformats.org/officeDocument/2006/customXml" ds:itemID="{E4A0845B-41B6-4256-8FB3-E31EA581BF55}">
+  <ds:schemaRefs>
+    <ds:schemaRef ds:uri="http://schemas.microsoft.com/VisualStudio/2011/storyboarding/control/v1.0"/>
+  </ds:schemaRefs>
+</ds:datastoreItem>
+</file>
+
+<file path=customXml/itemProps139.xml><?xml version="1.0" encoding="utf-8"?>
+<ds:datastoreItem xmlns:ds="http://schemas.openxmlformats.org/officeDocument/2006/customXml" ds:itemID="{AF11E85C-9EAB-45A1-A9B3-77E0CFB7F705}">
+  <ds:schemaRefs>
+    <ds:schemaRef ds:uri="http://schemas.microsoft.com/VisualStudio/2011/storyboarding/control"/>
+  </ds:schemaRefs>
+</ds:datastoreItem>
+</file>
+
+<file path=customXml/itemProps14.xml><?xml version="1.0" encoding="utf-8"?>
+<ds:datastoreItem xmlns:ds="http://schemas.openxmlformats.org/officeDocument/2006/customXml" ds:itemID="{32B7F290-7492-4F18-9180-8C7334175437}">
+  <ds:schemaRefs>
+    <ds:schemaRef ds:uri="http://schemas.microsoft.com/VisualStudio/2011/storyboarding/control"/>
+  </ds:schemaRefs>
+</ds:datastoreItem>
+</file>
+
+<file path=customXml/itemProps140.xml><?xml version="1.0" encoding="utf-8"?>
+<ds:datastoreItem xmlns:ds="http://schemas.openxmlformats.org/officeDocument/2006/customXml" ds:itemID="{BC139307-416A-4069-9200-E7C0D2AE8D69}">
+  <ds:schemaRefs>
+    <ds:schemaRef ds:uri="http://schemas.microsoft.com/VisualStudio/2011/storyboarding/control"/>
+  </ds:schemaRefs>
+</ds:datastoreItem>
+</file>
+
+<file path=customXml/itemProps141.xml><?xml version="1.0" encoding="utf-8"?>
+<ds:datastoreItem xmlns:ds="http://schemas.openxmlformats.org/officeDocument/2006/customXml" ds:itemID="{87D0648D-5A18-4A12-BF43-4ECD1F1BE762}">
+  <ds:schemaRefs>
+    <ds:schemaRef ds:uri="http://schemas.microsoft.com/VisualStudio/2011/storyboarding/control"/>
+  </ds:schemaRefs>
+</ds:datastoreItem>
+</file>
+
+<file path=customXml/itemProps142.xml><?xml version="1.0" encoding="utf-8"?>
+<ds:datastoreItem xmlns:ds="http://schemas.openxmlformats.org/officeDocument/2006/customXml" ds:itemID="{9C728789-D285-4B32-8607-4EE84F572A23}">
+  <ds:schemaRefs>
+    <ds:schemaRef ds:uri="http://schemas.microsoft.com/VisualStudio/2011/storyboarding/control"/>
+  </ds:schemaRefs>
+</ds:datastoreItem>
+</file>
+
+<file path=customXml/itemProps143.xml><?xml version="1.0" encoding="utf-8"?>
+<ds:datastoreItem xmlns:ds="http://schemas.openxmlformats.org/officeDocument/2006/customXml" ds:itemID="{55B60632-BF0E-452D-AFAC-EF70B726383B}">
+  <ds:schemaRefs>
+    <ds:schemaRef ds:uri="http://schemas.microsoft.com/VisualStudio/2011/storyboarding/control"/>
+  </ds:schemaRefs>
+</ds:datastoreItem>
+</file>
+
+<file path=customXml/itemProps144.xml><?xml version="1.0" encoding="utf-8"?>
+<ds:datastoreItem xmlns:ds="http://schemas.openxmlformats.org/officeDocument/2006/customXml" ds:itemID="{C033384C-50F5-477A-9BC2-506199347FDE}">
+  <ds:schemaRefs>
+    <ds:schemaRef ds:uri="http://schemas.microsoft.com/VisualStudio/2011/storyboarding/control"/>
+  </ds:schemaRefs>
+</ds:datastoreItem>
+</file>
+
+<file path=customXml/itemProps145.xml><?xml version="1.0" encoding="utf-8"?>
+<ds:datastoreItem xmlns:ds="http://schemas.openxmlformats.org/officeDocument/2006/customXml" ds:itemID="{D713BDE5-C80D-4110-B57B-3868CFE6F1D4}">
+  <ds:schemaRefs>
+    <ds:schemaRef ds:uri="http://schemas.microsoft.com/VisualStudio/2011/storyboarding/control"/>
+  </ds:schemaRefs>
+</ds:datastoreItem>
+</file>
+
+<file path=customXml/itemProps146.xml><?xml version="1.0" encoding="utf-8"?>
+<ds:datastoreItem xmlns:ds="http://schemas.openxmlformats.org/officeDocument/2006/customXml" ds:itemID="{C1F57F2F-EB69-455F-86E9-7D1815C6A967}">
+  <ds:schemaRefs>
+    <ds:schemaRef ds:uri="http://schemas.microsoft.com/VisualStudio/2011/storyboarding/control"/>
+  </ds:schemaRefs>
+</ds:datastoreItem>
+</file>
+
+<file path=customXml/itemProps147.xml><?xml version="1.0" encoding="utf-8"?>
+<ds:datastoreItem xmlns:ds="http://schemas.openxmlformats.org/officeDocument/2006/customXml" ds:itemID="{16772130-8F5D-442B-AA11-39D4F229ACC6}">
+  <ds:schemaRefs>
+    <ds:schemaRef ds:uri="http://schemas.microsoft.com/VisualStudio/2011/storyboarding/control/v1.0"/>
+  </ds:schemaRefs>
+</ds:datastoreItem>
+</file>
+
+<file path=customXml/itemProps148.xml><?xml version="1.0" encoding="utf-8"?>
+<ds:datastoreItem xmlns:ds="http://schemas.openxmlformats.org/officeDocument/2006/customXml" ds:itemID="{315B2A83-1D6D-48EF-A92A-4C133D593900}">
+  <ds:schemaRefs>
+    <ds:schemaRef ds:uri="http://schemas.microsoft.com/VisualStudio/2011/storyboarding/control"/>
+  </ds:schemaRefs>
+</ds:datastoreItem>
+</file>
+
+<file path=customXml/itemProps149.xml><?xml version="1.0" encoding="utf-8"?>
+<ds:datastoreItem xmlns:ds="http://schemas.openxmlformats.org/officeDocument/2006/customXml" ds:itemID="{893424C2-FB64-4068-B7CE-4D0175AA35D6}">
+  <ds:schemaRefs>
+    <ds:schemaRef ds:uri="http://schemas.microsoft.com/VisualStudio/2011/storyboarding/control"/>
+  </ds:schemaRefs>
+</ds:datastoreItem>
+</file>
+
+<file path=customXml/itemProps15.xml><?xml version="1.0" encoding="utf-8"?>
+<ds:datastoreItem xmlns:ds="http://schemas.openxmlformats.org/officeDocument/2006/customXml" ds:itemID="{7910AE8B-C176-4CC9-9252-E2F2D4E20013}">
+  <ds:schemaRefs>
+    <ds:schemaRef ds:uri="http://schemas.microsoft.com/VisualStudio/2011/storyboarding/control"/>
+  </ds:schemaRefs>
+</ds:datastoreItem>
+</file>
+
+<file path=customXml/itemProps150.xml><?xml version="1.0" encoding="utf-8"?>
+<ds:datastoreItem xmlns:ds="http://schemas.openxmlformats.org/officeDocument/2006/customXml" ds:itemID="{09AB39FA-4C31-44D3-8396-6567184FBB26}">
+  <ds:schemaRefs>
+    <ds:schemaRef ds:uri="http://schemas.microsoft.com/VisualStudio/2011/storyboarding/control"/>
+  </ds:schemaRefs>
+</ds:datastoreItem>
+</file>
+
+<file path=customXml/itemProps151.xml><?xml version="1.0" encoding="utf-8"?>
+<ds:datastoreItem xmlns:ds="http://schemas.openxmlformats.org/officeDocument/2006/customXml" ds:itemID="{FBA6DA6D-7786-4A2A-BC68-30ED15C8A190}">
+  <ds:schemaRefs>
+    <ds:schemaRef ds:uri="http://schemas.microsoft.com/VisualStudio/2011/storyboarding/control"/>
+  </ds:schemaRefs>
+</ds:datastoreItem>
+</file>
+
+<file path=customXml/itemProps152.xml><?xml version="1.0" encoding="utf-8"?>
+<ds:datastoreItem xmlns:ds="http://schemas.openxmlformats.org/officeDocument/2006/customXml" ds:itemID="{BF4C2572-69B2-46F9-B2EF-DD9AC3769060}">
+  <ds:schemaRefs>
+    <ds:schemaRef ds:uri="http://schemas.microsoft.com/VisualStudio/2011/storyboarding/control"/>
+  </ds:schemaRefs>
+</ds:datastoreItem>
+</file>
+
+<file path=customXml/itemProps153.xml><?xml version="1.0" encoding="utf-8"?>
+<ds:datastoreItem xmlns:ds="http://schemas.openxmlformats.org/officeDocument/2006/customXml" ds:itemID="{8E441221-AF4B-4D83-9C68-1BBAB5D732C1}">
+  <ds:schemaRefs>
+    <ds:schemaRef ds:uri="http://schemas.microsoft.com/VisualStudio/2011/storyboarding/control"/>
+  </ds:schemaRefs>
+</ds:datastoreItem>
+</file>
+
+<file path=customXml/itemProps154.xml><?xml version="1.0" encoding="utf-8"?>
+<ds:datastoreItem xmlns:ds="http://schemas.openxmlformats.org/officeDocument/2006/customXml" ds:itemID="{C1E8400F-CB83-4A16-AF3D-36FAF22BDD23}">
+  <ds:schemaRefs>
+    <ds:schemaRef ds:uri="http://schemas.microsoft.com/VisualStudio/2011/storyboarding/control/v1.0"/>
+  </ds:schemaRefs>
+</ds:datastoreItem>
+</file>
+
+<file path=customXml/itemProps155.xml><?xml version="1.0" encoding="utf-8"?>
+<ds:datastoreItem xmlns:ds="http://schemas.openxmlformats.org/officeDocument/2006/customXml" ds:itemID="{D8E0912A-795B-4916-9114-34B4F28A0EE3}">
+  <ds:schemaRefs>
+    <ds:schemaRef ds:uri="http://schemas.microsoft.com/VisualStudio/2011/storyboarding/control/v1.0"/>
+  </ds:schemaRefs>
+</ds:datastoreItem>
+</file>
+
+<file path=customXml/itemProps156.xml><?xml version="1.0" encoding="utf-8"?>
+<ds:datastoreItem xmlns:ds="http://schemas.openxmlformats.org/officeDocument/2006/customXml" ds:itemID="{62A003C9-06B4-4632-BCC6-0A4289DB3564}">
+  <ds:schemaRefs>
+    <ds:schemaRef ds:uri="http://schemas.microsoft.com/VisualStudio/2011/storyboarding/control"/>
+  </ds:schemaRefs>
+</ds:datastoreItem>
+</file>
+
+<file path=customXml/itemProps157.xml><?xml version="1.0" encoding="utf-8"?>
+<ds:datastoreItem xmlns:ds="http://schemas.openxmlformats.org/officeDocument/2006/customXml" ds:itemID="{4B2794CB-8E47-4643-AB0C-80A92E058F1C}">
+  <ds:schemaRefs>
+    <ds:schemaRef ds:uri="http://schemas.microsoft.com/VisualStudio/2011/storyboarding/control"/>
+  </ds:schemaRefs>
+</ds:datastoreItem>
+</file>
+
+<file path=customXml/itemProps158.xml><?xml version="1.0" encoding="utf-8"?>
+<ds:datastoreItem xmlns:ds="http://schemas.openxmlformats.org/officeDocument/2006/customXml" ds:itemID="{6B9950BB-86DC-4FB2-A188-EEF61E254E00}">
+  <ds:schemaRefs>
+    <ds:schemaRef ds:uri="http://schemas.microsoft.com/VisualStudio/2011/storyboarding/control"/>
+  </ds:schemaRefs>
+</ds:datastoreItem>
+</file>
+
+<file path=customXml/itemProps159.xml><?xml version="1.0" encoding="utf-8"?>
+<ds:datastoreItem xmlns:ds="http://schemas.openxmlformats.org/officeDocument/2006/customXml" ds:itemID="{F528CFA6-F2A9-46AF-9122-04E816D8A71D}">
+  <ds:schemaRefs>
+    <ds:schemaRef ds:uri="http://schemas.microsoft.com/VisualStudio/2011/storyboarding/control"/>
+  </ds:schemaRefs>
+</ds:datastoreItem>
+</file>
+
+<file path=customXml/itemProps16.xml><?xml version="1.0" encoding="utf-8"?>
+<ds:datastoreItem xmlns:ds="http://schemas.openxmlformats.org/officeDocument/2006/customXml" ds:itemID="{48C57403-F2FB-4B26-BA3E-D349DB7D1CA8}">
+  <ds:schemaRefs>
+    <ds:schemaRef ds:uri="http://schemas.microsoft.com/VisualStudio/2011/storyboarding/control"/>
+  </ds:schemaRefs>
+</ds:datastoreItem>
+</file>
+
+<file path=customXml/itemProps160.xml><?xml version="1.0" encoding="utf-8"?>
+<ds:datastoreItem xmlns:ds="http://schemas.openxmlformats.org/officeDocument/2006/customXml" ds:itemID="{1FF88975-36AE-43BF-87E0-E0D59F21DA7F}">
+  <ds:schemaRefs>
+    <ds:schemaRef ds:uri="http://schemas.microsoft.com/VisualStudio/2011/storyboarding/control"/>
+  </ds:schemaRefs>
+</ds:datastoreItem>
+</file>
+
+<file path=customXml/itemProps161.xml><?xml version="1.0" encoding="utf-8"?>
+<ds:datastoreItem xmlns:ds="http://schemas.openxmlformats.org/officeDocument/2006/customXml" ds:itemID="{D440442A-68BC-4116-A5A6-FDB6BAB9693D}">
+  <ds:schemaRefs>
+    <ds:schemaRef ds:uri="http://schemas.microsoft.com/VisualStudio/2011/storyboarding/control"/>
+  </ds:schemaRefs>
+</ds:datastoreItem>
+</file>
+
+<file path=customXml/itemProps162.xml><?xml version="1.0" encoding="utf-8"?>
+<ds:datastoreItem xmlns:ds="http://schemas.openxmlformats.org/officeDocument/2006/customXml" ds:itemID="{3B9D6764-90AA-4098-A737-3AD20DC24405}">
+  <ds:schemaRefs>
+    <ds:schemaRef ds:uri="http://schemas.microsoft.com/VisualStudio/2011/storyboarding/control"/>
+  </ds:schemaRefs>
+</ds:datastoreItem>
+</file>
+
+<file path=customXml/itemProps163.xml><?xml version="1.0" encoding="utf-8"?>
+<ds:datastoreItem xmlns:ds="http://schemas.openxmlformats.org/officeDocument/2006/customXml" ds:itemID="{B28FE181-DF34-46D8-92F0-4B5EE0F22C85}">
+  <ds:schemaRefs>
+    <ds:schemaRef ds:uri="http://schemas.microsoft.com/VisualStudio/2011/storyboarding/control"/>
+  </ds:schemaRefs>
+</ds:datastoreItem>
+</file>
+
+<file path=customXml/itemProps164.xml><?xml version="1.0" encoding="utf-8"?>
+<ds:datastoreItem xmlns:ds="http://schemas.openxmlformats.org/officeDocument/2006/customXml" ds:itemID="{BBEA8A1F-B02A-4CFD-BB65-DE3DBA4D23CE}">
+  <ds:schemaRefs>
+    <ds:schemaRef ds:uri="http://schemas.microsoft.com/VisualStudio/2011/storyboarding/control"/>
+  </ds:schemaRefs>
+</ds:datastoreItem>
+</file>
+
+<file path=customXml/itemProps165.xml><?xml version="1.0" encoding="utf-8"?>
+<ds:datastoreItem xmlns:ds="http://schemas.openxmlformats.org/officeDocument/2006/customXml" ds:itemID="{210D98BC-CFC9-452C-BD71-82D18275CCFB}">
+  <ds:schemaRefs>
+    <ds:schemaRef ds:uri="http://schemas.microsoft.com/VisualStudio/2011/storyboarding/control"/>
+  </ds:schemaRefs>
+</ds:datastoreItem>
+</file>
+
+<file path=customXml/itemProps166.xml><?xml version="1.0" encoding="utf-8"?>
+<ds:datastoreItem xmlns:ds="http://schemas.openxmlformats.org/officeDocument/2006/customXml" ds:itemID="{CEFE4058-5397-4E53-AD5F-D2E2BC794126}">
+  <ds:schemaRefs>
+    <ds:schemaRef ds:uri="http://schemas.microsoft.com/VisualStudio/2011/storyboarding/control"/>
+  </ds:schemaRefs>
+</ds:datastoreItem>
+</file>
+
+<file path=customXml/itemProps167.xml><?xml version="1.0" encoding="utf-8"?>
 <ds:datastoreItem xmlns:ds="http://schemas.openxmlformats.org/officeDocument/2006/customXml" ds:itemID="{7F991AEE-D8F9-4C32-A3DE-247A79338965}">
   <ds:schemaRefs>
     <ds:schemaRef ds:uri="http://schemas.microsoft.com/VisualStudio/2011/storyboarding/control"/>
@@ -48652,7 +48719,255 @@
 </ds:datastoreItem>
 </file>
 
-<file path=customXml/itemProps136.xml><?xml version="1.0" encoding="utf-8"?>
+<file path=customXml/itemProps168.xml><?xml version="1.0" encoding="utf-8"?>
+<ds:datastoreItem xmlns:ds="http://schemas.openxmlformats.org/officeDocument/2006/customXml" ds:itemID="{8B2BC39B-CAA5-48F4-92D5-7F73027D6DE2}">
+  <ds:schemaRefs>
+    <ds:schemaRef ds:uri="http://schemas.microsoft.com/VisualStudio/2011/storyboarding/control"/>
+  </ds:schemaRefs>
+</ds:datastoreItem>
+</file>
+
+<file path=customXml/itemProps169.xml><?xml version="1.0" encoding="utf-8"?>
+<ds:datastoreItem xmlns:ds="http://schemas.openxmlformats.org/officeDocument/2006/customXml" ds:itemID="{482C66B2-8FE3-4A84-87E1-3F9E8F798AEF}">
+  <ds:schemaRefs>
+    <ds:schemaRef ds:uri="http://schemas.microsoft.com/VisualStudio/2011/storyboarding/control"/>
+  </ds:schemaRefs>
+</ds:datastoreItem>
+</file>
+
+<file path=customXml/itemProps17.xml><?xml version="1.0" encoding="utf-8"?>
+<ds:datastoreItem xmlns:ds="http://schemas.openxmlformats.org/officeDocument/2006/customXml" ds:itemID="{AA63A2A6-8C8A-43A5-BBCE-29755176128F}">
+  <ds:schemaRefs>
+    <ds:schemaRef ds:uri="http://schemas.microsoft.com/VisualStudio/2011/storyboarding/control"/>
+  </ds:schemaRefs>
+</ds:datastoreItem>
+</file>
+
+<file path=customXml/itemProps170.xml><?xml version="1.0" encoding="utf-8"?>
+<ds:datastoreItem xmlns:ds="http://schemas.openxmlformats.org/officeDocument/2006/customXml" ds:itemID="{7732A184-08DF-455A-8213-649E4A546A1D}">
+  <ds:schemaRefs>
+    <ds:schemaRef ds:uri="http://schemas.microsoft.com/VisualStudio/2011/storyboarding/control"/>
+  </ds:schemaRefs>
+</ds:datastoreItem>
+</file>
+
+<file path=customXml/itemProps171.xml><?xml version="1.0" encoding="utf-8"?>
+<ds:datastoreItem xmlns:ds="http://schemas.openxmlformats.org/officeDocument/2006/customXml" ds:itemID="{A84BE01C-E91B-4A90-8E7F-25887EF8E061}">
+  <ds:schemaRefs>
+    <ds:schemaRef ds:uri="http://schemas.microsoft.com/VisualStudio/2011/storyboarding/control/v1.0"/>
+  </ds:schemaRefs>
+</ds:datastoreItem>
+</file>
+
+<file path=customXml/itemProps172.xml><?xml version="1.0" encoding="utf-8"?>
+<ds:datastoreItem xmlns:ds="http://schemas.openxmlformats.org/officeDocument/2006/customXml" ds:itemID="{F5B2D0F4-F906-4501-8179-1914E0FB4926}">
+  <ds:schemaRefs>
+    <ds:schemaRef ds:uri="http://schemas.microsoft.com/VisualStudio/2011/storyboarding/control"/>
+  </ds:schemaRefs>
+</ds:datastoreItem>
+</file>
+
+<file path=customXml/itemProps173.xml><?xml version="1.0" encoding="utf-8"?>
+<ds:datastoreItem xmlns:ds="http://schemas.openxmlformats.org/officeDocument/2006/customXml" ds:itemID="{A495BDE2-DE86-4DB5-BBC3-A67308A84836}">
+  <ds:schemaRefs>
+    <ds:schemaRef ds:uri="http://schemas.microsoft.com/VisualStudio/2011/storyboarding/control"/>
+  </ds:schemaRefs>
+</ds:datastoreItem>
+</file>
+
+<file path=customXml/itemProps174.xml><?xml version="1.0" encoding="utf-8"?>
+<ds:datastoreItem xmlns:ds="http://schemas.openxmlformats.org/officeDocument/2006/customXml" ds:itemID="{DB12B8CA-3C8F-452F-89EF-A05CDB3CBC03}">
+  <ds:schemaRefs>
+    <ds:schemaRef ds:uri="http://schemas.microsoft.com/VisualStudio/2011/storyboarding/control"/>
+  </ds:schemaRefs>
+</ds:datastoreItem>
+</file>
+
+<file path=customXml/itemProps175.xml><?xml version="1.0" encoding="utf-8"?>
+<ds:datastoreItem xmlns:ds="http://schemas.openxmlformats.org/officeDocument/2006/customXml" ds:itemID="{EAFC578D-2F7F-4742-9430-F08171D1B752}">
+  <ds:schemaRefs>
+    <ds:schemaRef ds:uri="http://schemas.microsoft.com/VisualStudio/2011/storyboarding/control"/>
+  </ds:schemaRefs>
+</ds:datastoreItem>
+</file>
+
+<file path=customXml/itemProps176.xml><?xml version="1.0" encoding="utf-8"?>
+<ds:datastoreItem xmlns:ds="http://schemas.openxmlformats.org/officeDocument/2006/customXml" ds:itemID="{A6CECEA6-E7B3-4E14-A088-25D078A015BE}">
+  <ds:schemaRefs>
+    <ds:schemaRef ds:uri="http://schemas.microsoft.com/VisualStudio/2011/storyboarding/control"/>
+  </ds:schemaRefs>
+</ds:datastoreItem>
+</file>
+
+<file path=customXml/itemProps177.xml><?xml version="1.0" encoding="utf-8"?>
+<ds:datastoreItem xmlns:ds="http://schemas.openxmlformats.org/officeDocument/2006/customXml" ds:itemID="{1C091AA2-E8E7-4486-B4A2-F72A9C23359F}">
+  <ds:schemaRefs>
+    <ds:schemaRef ds:uri="http://schemas.microsoft.com/VisualStudio/2011/storyboarding/control"/>
+  </ds:schemaRefs>
+</ds:datastoreItem>
+</file>
+
+<file path=customXml/itemProps178.xml><?xml version="1.0" encoding="utf-8"?>
+<ds:datastoreItem xmlns:ds="http://schemas.openxmlformats.org/officeDocument/2006/customXml" ds:itemID="{048A3CC1-91CB-4990-8022-89A76DC8521F}">
+  <ds:schemaRefs>
+    <ds:schemaRef ds:uri="http://schemas.microsoft.com/VisualStudio/2011/storyboarding/control"/>
+  </ds:schemaRefs>
+</ds:datastoreItem>
+</file>
+
+<file path=customXml/itemProps179.xml><?xml version="1.0" encoding="utf-8"?>
+<ds:datastoreItem xmlns:ds="http://schemas.openxmlformats.org/officeDocument/2006/customXml" ds:itemID="{7C4FADB9-82C5-46C4-AD0E-6B60B5C6AEAE}">
+  <ds:schemaRefs>
+    <ds:schemaRef ds:uri="http://schemas.microsoft.com/VisualStudio/2011/storyboarding/control/v1.0"/>
+  </ds:schemaRefs>
+</ds:datastoreItem>
+</file>
+
+<file path=customXml/itemProps18.xml><?xml version="1.0" encoding="utf-8"?>
+<ds:datastoreItem xmlns:ds="http://schemas.openxmlformats.org/officeDocument/2006/customXml" ds:itemID="{A2DAA52B-5F52-4A8E-B601-7BF162CD738F}">
+  <ds:schemaRefs>
+    <ds:schemaRef ds:uri="http://schemas.microsoft.com/VisualStudio/2011/storyboarding/control/v1.0"/>
+  </ds:schemaRefs>
+</ds:datastoreItem>
+</file>
+
+<file path=customXml/itemProps180.xml><?xml version="1.0" encoding="utf-8"?>
+<ds:datastoreItem xmlns:ds="http://schemas.openxmlformats.org/officeDocument/2006/customXml" ds:itemID="{33B5ACEB-736C-4301-8146-E6656B732852}">
+  <ds:schemaRefs>
+    <ds:schemaRef ds:uri="http://schemas.microsoft.com/VisualStudio/2011/storyboarding/control"/>
+  </ds:schemaRefs>
+</ds:datastoreItem>
+</file>
+
+<file path=customXml/itemProps181.xml><?xml version="1.0" encoding="utf-8"?>
+<ds:datastoreItem xmlns:ds="http://schemas.openxmlformats.org/officeDocument/2006/customXml" ds:itemID="{2333FAD5-4B0F-46CB-85C1-5385EB3AD2B4}">
+  <ds:schemaRefs>
+    <ds:schemaRef ds:uri="http://schemas.microsoft.com/VisualStudio/2011/storyboarding/control"/>
+  </ds:schemaRefs>
+</ds:datastoreItem>
+</file>
+
+<file path=customXml/itemProps182.xml><?xml version="1.0" encoding="utf-8"?>
+<ds:datastoreItem xmlns:ds="http://schemas.openxmlformats.org/officeDocument/2006/customXml" ds:itemID="{DDEEC505-9111-44CE-9DED-8A454ABEC272}">
+  <ds:schemaRefs>
+    <ds:schemaRef ds:uri="http://schemas.microsoft.com/VisualStudio/2011/storyboarding/control/v1.0"/>
+  </ds:schemaRefs>
+</ds:datastoreItem>
+</file>
+
+<file path=customXml/itemProps183.xml><?xml version="1.0" encoding="utf-8"?>
+<ds:datastoreItem xmlns:ds="http://schemas.openxmlformats.org/officeDocument/2006/customXml" ds:itemID="{86DDA142-5274-48CF-86BC-261450CA9F62}">
+  <ds:schemaRefs>
+    <ds:schemaRef ds:uri="http://schemas.microsoft.com/VisualStudio/2011/storyboarding/control"/>
+  </ds:schemaRefs>
+</ds:datastoreItem>
+</file>
+
+<file path=customXml/itemProps184.xml><?xml version="1.0" encoding="utf-8"?>
+<ds:datastoreItem xmlns:ds="http://schemas.openxmlformats.org/officeDocument/2006/customXml" ds:itemID="{D064F9E9-4F9E-4E86-A1C8-B1028BE4E427}">
+  <ds:schemaRefs>
+    <ds:schemaRef ds:uri="http://schemas.microsoft.com/VisualStudio/2011/storyboarding/control"/>
+  </ds:schemaRefs>
+</ds:datastoreItem>
+</file>
+
+<file path=customXml/itemProps185.xml><?xml version="1.0" encoding="utf-8"?>
+<ds:datastoreItem xmlns:ds="http://schemas.openxmlformats.org/officeDocument/2006/customXml" ds:itemID="{B456FE19-ED72-4E25-9FC9-4BECF543B733}">
+  <ds:schemaRefs>
+    <ds:schemaRef ds:uri="http://schemas.microsoft.com/VisualStudio/2011/storyboarding/control"/>
+  </ds:schemaRefs>
+</ds:datastoreItem>
+</file>
+
+<file path=customXml/itemProps186.xml><?xml version="1.0" encoding="utf-8"?>
+<ds:datastoreItem xmlns:ds="http://schemas.openxmlformats.org/officeDocument/2006/customXml" ds:itemID="{01E0B54D-93C0-47BA-BD37-28A68DD7C93D}">
+  <ds:schemaRefs>
+    <ds:schemaRef ds:uri="http://schemas.microsoft.com/VisualStudio/2011/storyboarding/control"/>
+  </ds:schemaRefs>
+</ds:datastoreItem>
+</file>
+
+<file path=customXml/itemProps187.xml><?xml version="1.0" encoding="utf-8"?>
+<ds:datastoreItem xmlns:ds="http://schemas.openxmlformats.org/officeDocument/2006/customXml" ds:itemID="{094BB5CD-D80A-4B61-966C-DFF69648ED5C}">
+  <ds:schemaRefs>
+    <ds:schemaRef ds:uri="http://schemas.microsoft.com/VisualStudio/2011/storyboarding/control"/>
+  </ds:schemaRefs>
+</ds:datastoreItem>
+</file>
+
+<file path=customXml/itemProps188.xml><?xml version="1.0" encoding="utf-8"?>
+<ds:datastoreItem xmlns:ds="http://schemas.openxmlformats.org/officeDocument/2006/customXml" ds:itemID="{28924D55-F231-485D-87E0-2FF3A9BD7FD5}">
+  <ds:schemaRefs>
+    <ds:schemaRef ds:uri="http://schemas.microsoft.com/VisualStudio/2011/storyboarding/control"/>
+  </ds:schemaRefs>
+</ds:datastoreItem>
+</file>
+
+<file path=customXml/itemProps189.xml><?xml version="1.0" encoding="utf-8"?>
+<ds:datastoreItem xmlns:ds="http://schemas.openxmlformats.org/officeDocument/2006/customXml" ds:itemID="{4BCB20A2-9850-49DA-9BD6-A5D2B0ABF72F}">
+  <ds:schemaRefs>
+    <ds:schemaRef ds:uri="http://schemas.microsoft.com/VisualStudio/2011/storyboarding/control/v1.0"/>
+  </ds:schemaRefs>
+</ds:datastoreItem>
+</file>
+
+<file path=customXml/itemProps19.xml><?xml version="1.0" encoding="utf-8"?>
+<ds:datastoreItem xmlns:ds="http://schemas.openxmlformats.org/officeDocument/2006/customXml" ds:itemID="{6DB748EE-C7FB-45BD-A8D2-052E4039A714}">
+  <ds:schemaRefs>
+    <ds:schemaRef ds:uri="http://schemas.microsoft.com/VisualStudio/2011/storyboarding/control"/>
+  </ds:schemaRefs>
+</ds:datastoreItem>
+</file>
+
+<file path=customXml/itemProps190.xml><?xml version="1.0" encoding="utf-8"?>
+<ds:datastoreItem xmlns:ds="http://schemas.openxmlformats.org/officeDocument/2006/customXml" ds:itemID="{B836105E-5EEE-42B3-9106-1CD030EDC961}">
+  <ds:schemaRefs>
+    <ds:schemaRef ds:uri="http://schemas.microsoft.com/VisualStudio/2011/storyboarding/control"/>
+  </ds:schemaRefs>
+</ds:datastoreItem>
+</file>
+
+<file path=customXml/itemProps191.xml><?xml version="1.0" encoding="utf-8"?>
+<ds:datastoreItem xmlns:ds="http://schemas.openxmlformats.org/officeDocument/2006/customXml" ds:itemID="{0B7EDE5B-4D51-49E1-9CEB-68B8A7C62080}">
+  <ds:schemaRefs>
+    <ds:schemaRef ds:uri="http://schemas.microsoft.com/VisualStudio/2011/storyboarding/control"/>
+  </ds:schemaRefs>
+</ds:datastoreItem>
+</file>
+
+<file path=customXml/itemProps192.xml><?xml version="1.0" encoding="utf-8"?>
+<ds:datastoreItem xmlns:ds="http://schemas.openxmlformats.org/officeDocument/2006/customXml" ds:itemID="{6CCE3CA7-341D-4718-9E2A-11B173C57EC1}">
+  <ds:schemaRefs>
+    <ds:schemaRef ds:uri="http://schemas.microsoft.com/VisualStudio/2011/storyboarding/control"/>
+  </ds:schemaRefs>
+</ds:datastoreItem>
+</file>
+
+<file path=customXml/itemProps193.xml><?xml version="1.0" encoding="utf-8"?>
+<ds:datastoreItem xmlns:ds="http://schemas.openxmlformats.org/officeDocument/2006/customXml" ds:itemID="{A08EAE6B-4625-4A14-A4A9-EF486483F890}">
+  <ds:schemaRefs>
+    <ds:schemaRef ds:uri="http://schemas.microsoft.com/VisualStudio/2011/storyboarding/control"/>
+  </ds:schemaRefs>
+</ds:datastoreItem>
+</file>
+
+<file path=customXml/itemProps194.xml><?xml version="1.0" encoding="utf-8"?>
+<ds:datastoreItem xmlns:ds="http://schemas.openxmlformats.org/officeDocument/2006/customXml" ds:itemID="{EC4D8D96-7D54-4E66-97F0-A05202B5A0A9}">
+  <ds:schemaRefs>
+    <ds:schemaRef ds:uri="http://schemas.microsoft.com/VisualStudio/2011/storyboarding/control"/>
+  </ds:schemaRefs>
+</ds:datastoreItem>
+</file>
+
+<file path=customXml/itemProps195.xml><?xml version="1.0" encoding="utf-8"?>
+<ds:datastoreItem xmlns:ds="http://schemas.openxmlformats.org/officeDocument/2006/customXml" ds:itemID="{D548E006-7BE6-4C3C-AB4B-22C6CB51C665}">
+  <ds:schemaRefs>
+    <ds:schemaRef ds:uri="http://schemas.microsoft.com/VisualStudio/2011/storyboarding/control"/>
+  </ds:schemaRefs>
+</ds:datastoreItem>
+</file>
+
+<file path=customXml/itemProps196.xml><?xml version="1.0" encoding="utf-8"?>
 <ds:datastoreItem xmlns:ds="http://schemas.openxmlformats.org/officeDocument/2006/customXml" ds:itemID="{518BFC86-3FAF-4208-8B8C-3779530ADA6A}">
   <ds:schemaRefs>
     <ds:schemaRef ds:uri="http://schemas.microsoft.com/VisualStudio/2011/storyboarding/control"/>
@@ -48660,7 +48975,271 @@
 </ds:datastoreItem>
 </file>
 
-<file path=customXml/itemProps137.xml><?xml version="1.0" encoding="utf-8"?>
+<file path=customXml/itemProps197.xml><?xml version="1.0" encoding="utf-8"?>
+<ds:datastoreItem xmlns:ds="http://schemas.openxmlformats.org/officeDocument/2006/customXml" ds:itemID="{6772C88A-36A0-4EAC-86A3-BB16EEADAB3E}">
+  <ds:schemaRefs>
+    <ds:schemaRef ds:uri="http://schemas.microsoft.com/VisualStudio/2011/storyboarding/control/v1.0"/>
+  </ds:schemaRefs>
+</ds:datastoreItem>
+</file>
+
+<file path=customXml/itemProps198.xml><?xml version="1.0" encoding="utf-8"?>
+<ds:datastoreItem xmlns:ds="http://schemas.openxmlformats.org/officeDocument/2006/customXml" ds:itemID="{3949AE0A-6F66-430B-AEAC-E1BF3B6154A6}">
+  <ds:schemaRefs>
+    <ds:schemaRef ds:uri="http://schemas.microsoft.com/VisualStudio/2011/storyboarding/control"/>
+  </ds:schemaRefs>
+</ds:datastoreItem>
+</file>
+
+<file path=customXml/itemProps199.xml><?xml version="1.0" encoding="utf-8"?>
+<ds:datastoreItem xmlns:ds="http://schemas.openxmlformats.org/officeDocument/2006/customXml" ds:itemID="{B49BEC75-1273-4B0C-9BD8-824516F2DB79}">
+  <ds:schemaRefs>
+    <ds:schemaRef ds:uri="http://schemas.microsoft.com/VisualStudio/2011/storyboarding/control"/>
+  </ds:schemaRefs>
+</ds:datastoreItem>
+</file>
+
+<file path=customXml/itemProps2.xml><?xml version="1.0" encoding="utf-8"?>
+<ds:datastoreItem xmlns:ds="http://schemas.openxmlformats.org/officeDocument/2006/customXml" ds:itemID="{F17D5AF6-3BD9-4DFF-AE9B-2E10D3430779}">
+  <ds:schemaRefs>
+    <ds:schemaRef ds:uri="http://schemas.microsoft.com/VisualStudio/2011/storyboarding/control/v1.0"/>
+  </ds:schemaRefs>
+</ds:datastoreItem>
+</file>
+
+<file path=customXml/itemProps20.xml><?xml version="1.0" encoding="utf-8"?>
+<ds:datastoreItem xmlns:ds="http://schemas.openxmlformats.org/officeDocument/2006/customXml" ds:itemID="{8C9DC196-410F-4C9C-AE66-5EDEA8509CCA}">
+  <ds:schemaRefs>
+    <ds:schemaRef ds:uri="http://schemas.microsoft.com/VisualStudio/2011/storyboarding/control"/>
+  </ds:schemaRefs>
+</ds:datastoreItem>
+</file>
+
+<file path=customXml/itemProps200.xml><?xml version="1.0" encoding="utf-8"?>
+<ds:datastoreItem xmlns:ds="http://schemas.openxmlformats.org/officeDocument/2006/customXml" ds:itemID="{FA5216FE-1DE9-4185-8800-0EC7C7890F70}">
+  <ds:schemaRefs>
+    <ds:schemaRef ds:uri="http://schemas.microsoft.com/VisualStudio/2011/storyboarding/control"/>
+  </ds:schemaRefs>
+</ds:datastoreItem>
+</file>
+
+<file path=customXml/itemProps201.xml><?xml version="1.0" encoding="utf-8"?>
+<ds:datastoreItem xmlns:ds="http://schemas.openxmlformats.org/officeDocument/2006/customXml" ds:itemID="{4C0069AA-981E-4DCF-95BA-4FF939F40700}">
+  <ds:schemaRefs>
+    <ds:schemaRef ds:uri="http://schemas.microsoft.com/VisualStudio/2011/storyboarding/control"/>
+  </ds:schemaRefs>
+</ds:datastoreItem>
+</file>
+
+<file path=customXml/itemProps202.xml><?xml version="1.0" encoding="utf-8"?>
+<ds:datastoreItem xmlns:ds="http://schemas.openxmlformats.org/officeDocument/2006/customXml" ds:itemID="{AED3AD3A-A042-431E-8211-C82389E4646A}">
+  <ds:schemaRefs>
+    <ds:schemaRef ds:uri="http://schemas.microsoft.com/VisualStudio/2011/storyboarding/control"/>
+  </ds:schemaRefs>
+</ds:datastoreItem>
+</file>
+
+<file path=customXml/itemProps203.xml><?xml version="1.0" encoding="utf-8"?>
+<ds:datastoreItem xmlns:ds="http://schemas.openxmlformats.org/officeDocument/2006/customXml" ds:itemID="{18A6A270-A75C-4D7E-86E4-765FF07C5144}">
+  <ds:schemaRefs>
+    <ds:schemaRef ds:uri="http://schemas.microsoft.com/sharepoint/events"/>
+  </ds:schemaRefs>
+</ds:datastoreItem>
+</file>
+
+<file path=customXml/itemProps204.xml><?xml version="1.0" encoding="utf-8"?>
+<ds:datastoreItem xmlns:ds="http://schemas.openxmlformats.org/officeDocument/2006/customXml" ds:itemID="{C59CD979-7E5F-4D6B-96AB-8815286CC58D}">
+  <ds:schemaRefs>
+    <ds:schemaRef ds:uri="http://schemas.microsoft.com/VisualStudio/2011/storyboarding/control"/>
+  </ds:schemaRefs>
+</ds:datastoreItem>
+</file>
+
+<file path=customXml/itemProps205.xml><?xml version="1.0" encoding="utf-8"?>
+<ds:datastoreItem xmlns:ds="http://schemas.openxmlformats.org/officeDocument/2006/customXml" ds:itemID="{74F0B0F5-A7B1-446C-984E-7ABB30A38E9E}">
+  <ds:schemaRefs>
+    <ds:schemaRef ds:uri="http://schemas.microsoft.com/VisualStudio/2011/storyboarding/control"/>
+  </ds:schemaRefs>
+</ds:datastoreItem>
+</file>
+
+<file path=customXml/itemProps206.xml><?xml version="1.0" encoding="utf-8"?>
+<ds:datastoreItem xmlns:ds="http://schemas.openxmlformats.org/officeDocument/2006/customXml" ds:itemID="{A214BBB2-0619-4F79-8F5D-C4D646E29AE2}">
+  <ds:schemaRefs>
+    <ds:schemaRef ds:uri="http://schemas.microsoft.com/VisualStudio/2011/storyboarding/control"/>
+  </ds:schemaRefs>
+</ds:datastoreItem>
+</file>
+
+<file path=customXml/itemProps207.xml><?xml version="1.0" encoding="utf-8"?>
+<ds:datastoreItem xmlns:ds="http://schemas.openxmlformats.org/officeDocument/2006/customXml" ds:itemID="{380520DA-6825-4F41-8284-821CB3CA5C82}">
+  <ds:schemaRefs>
+    <ds:schemaRef ds:uri="http://schemas.microsoft.com/VisualStudio/2011/storyboarding/control"/>
+  </ds:schemaRefs>
+</ds:datastoreItem>
+</file>
+
+<file path=customXml/itemProps208.xml><?xml version="1.0" encoding="utf-8"?>
+<ds:datastoreItem xmlns:ds="http://schemas.openxmlformats.org/officeDocument/2006/customXml" ds:itemID="{B0A9A6F9-9B8F-41F1-9C73-D1586249E417}">
+  <ds:schemaRefs>
+    <ds:schemaRef ds:uri="http://schemas.microsoft.com/VisualStudio/2011/storyboarding/control"/>
+  </ds:schemaRefs>
+</ds:datastoreItem>
+</file>
+
+<file path=customXml/itemProps209.xml><?xml version="1.0" encoding="utf-8"?>
+<ds:datastoreItem xmlns:ds="http://schemas.openxmlformats.org/officeDocument/2006/customXml" ds:itemID="{BF11B036-6E64-47A4-8B66-189890EFA8D5}">
+  <ds:schemaRefs>
+    <ds:schemaRef ds:uri="http://schemas.microsoft.com/VisualStudio/2011/storyboarding/control"/>
+  </ds:schemaRefs>
+</ds:datastoreItem>
+</file>
+
+<file path=customXml/itemProps21.xml><?xml version="1.0" encoding="utf-8"?>
+<ds:datastoreItem xmlns:ds="http://schemas.openxmlformats.org/officeDocument/2006/customXml" ds:itemID="{20EE139D-44C7-4192-A8B7-E25390148E28}">
+  <ds:schemaRefs>
+    <ds:schemaRef ds:uri="http://schemas.microsoft.com/VisualStudio/2011/storyboarding/control/v1.0"/>
+  </ds:schemaRefs>
+</ds:datastoreItem>
+</file>
+
+<file path=customXml/itemProps210.xml><?xml version="1.0" encoding="utf-8"?>
+<ds:datastoreItem xmlns:ds="http://schemas.openxmlformats.org/officeDocument/2006/customXml" ds:itemID="{6574190A-3D9E-42C1-B276-38E33156AA99}">
+  <ds:schemaRefs>
+    <ds:schemaRef ds:uri="http://schemas.microsoft.com/VisualStudio/2011/storyboarding/control/v1.0"/>
+  </ds:schemaRefs>
+</ds:datastoreItem>
+</file>
+
+<file path=customXml/itemProps211.xml><?xml version="1.0" encoding="utf-8"?>
+<ds:datastoreItem xmlns:ds="http://schemas.openxmlformats.org/officeDocument/2006/customXml" ds:itemID="{562C37FA-BC49-48FE-A586-618D0F9E7A11}">
+  <ds:schemaRefs>
+    <ds:schemaRef ds:uri="http://schemas.microsoft.com/VisualStudio/2011/storyboarding/control"/>
+  </ds:schemaRefs>
+</ds:datastoreItem>
+</file>
+
+<file path=customXml/itemProps212.xml><?xml version="1.0" encoding="utf-8"?>
+<ds:datastoreItem xmlns:ds="http://schemas.openxmlformats.org/officeDocument/2006/customXml" ds:itemID="{C19FFBA0-FE96-460C-AA7A-1559EDC70E58}">
+  <ds:schemaRefs>
+    <ds:schemaRef ds:uri="http://schemas.microsoft.com/VisualStudio/2011/storyboarding/control"/>
+  </ds:schemaRefs>
+</ds:datastoreItem>
+</file>
+
+<file path=customXml/itemProps213.xml><?xml version="1.0" encoding="utf-8"?>
+<ds:datastoreItem xmlns:ds="http://schemas.openxmlformats.org/officeDocument/2006/customXml" ds:itemID="{561F34EB-C0AB-467A-B145-C74976B3BDBE}">
+  <ds:schemaRefs>
+    <ds:schemaRef ds:uri="http://schemas.microsoft.com/VisualStudio/2011/storyboarding/control"/>
+  </ds:schemaRefs>
+</ds:datastoreItem>
+</file>
+
+<file path=customXml/itemProps214.xml><?xml version="1.0" encoding="utf-8"?>
+<ds:datastoreItem xmlns:ds="http://schemas.openxmlformats.org/officeDocument/2006/customXml" ds:itemID="{3F848EF3-35D8-4197-9709-1D010A638AC5}">
+  <ds:schemaRefs>
+    <ds:schemaRef ds:uri="http://schemas.microsoft.com/VisualStudio/2011/storyboarding/control"/>
+  </ds:schemaRefs>
+</ds:datastoreItem>
+</file>
+
+<file path=customXml/itemProps215.xml><?xml version="1.0" encoding="utf-8"?>
+<ds:datastoreItem xmlns:ds="http://schemas.openxmlformats.org/officeDocument/2006/customXml" ds:itemID="{19CB1DF2-8822-4520-A56A-045D340F0C71}">
+  <ds:schemaRefs>
+    <ds:schemaRef ds:uri="http://schemas.microsoft.com/VisualStudio/2011/storyboarding/control/v1.0"/>
+  </ds:schemaRefs>
+</ds:datastoreItem>
+</file>
+
+<file path=customXml/itemProps216.xml><?xml version="1.0" encoding="utf-8"?>
+<ds:datastoreItem xmlns:ds="http://schemas.openxmlformats.org/officeDocument/2006/customXml" ds:itemID="{7AC21F39-8137-409B-8CA9-0D8BCA8C53A9}">
+  <ds:schemaRefs>
+    <ds:schemaRef ds:uri="http://schemas.microsoft.com/VisualStudio/2011/storyboarding/control"/>
+  </ds:schemaRefs>
+</ds:datastoreItem>
+</file>
+
+<file path=customXml/itemProps217.xml><?xml version="1.0" encoding="utf-8"?>
+<ds:datastoreItem xmlns:ds="http://schemas.openxmlformats.org/officeDocument/2006/customXml" ds:itemID="{967C42A5-1DCA-4F10-9D2C-730B7244B788}">
+  <ds:schemaRefs>
+    <ds:schemaRef ds:uri="http://schemas.microsoft.com/VisualStudio/2011/storyboarding/control"/>
+  </ds:schemaRefs>
+</ds:datastoreItem>
+</file>
+
+<file path=customXml/itemProps218.xml><?xml version="1.0" encoding="utf-8"?>
+<ds:datastoreItem xmlns:ds="http://schemas.openxmlformats.org/officeDocument/2006/customXml" ds:itemID="{A2F1A585-6ACF-41E6-9ED7-63B9553E43E4}">
+  <ds:schemaRefs>
+    <ds:schemaRef ds:uri="http://schemas.microsoft.com/VisualStudio/2011/storyboarding/control"/>
+  </ds:schemaRefs>
+</ds:datastoreItem>
+</file>
+
+<file path=customXml/itemProps219.xml><?xml version="1.0" encoding="utf-8"?>
+<ds:datastoreItem xmlns:ds="http://schemas.openxmlformats.org/officeDocument/2006/customXml" ds:itemID="{0BD21A30-063A-4397-97B8-0121D45BD9D6}">
+  <ds:schemaRefs>
+    <ds:schemaRef ds:uri="http://schemas.microsoft.com/VisualStudio/2011/storyboarding/control/v1.0"/>
+  </ds:schemaRefs>
+</ds:datastoreItem>
+</file>
+
+<file path=customXml/itemProps22.xml><?xml version="1.0" encoding="utf-8"?>
+<ds:datastoreItem xmlns:ds="http://schemas.openxmlformats.org/officeDocument/2006/customXml" ds:itemID="{2BFF8308-D282-489A-AA7B-794AC6DDD350}">
+  <ds:schemaRefs>
+    <ds:schemaRef ds:uri="http://schemas.microsoft.com/VisualStudio/2011/storyboarding/control"/>
+  </ds:schemaRefs>
+</ds:datastoreItem>
+</file>
+
+<file path=customXml/itemProps220.xml><?xml version="1.0" encoding="utf-8"?>
+<ds:datastoreItem xmlns:ds="http://schemas.openxmlformats.org/officeDocument/2006/customXml" ds:itemID="{ECB2E80D-053D-40FF-945A-EF28565E7993}">
+  <ds:schemaRefs>
+    <ds:schemaRef ds:uri="http://schemas.microsoft.com/VisualStudio/2011/storyboarding/control"/>
+  </ds:schemaRefs>
+</ds:datastoreItem>
+</file>
+
+<file path=customXml/itemProps221.xml><?xml version="1.0" encoding="utf-8"?>
+<ds:datastoreItem xmlns:ds="http://schemas.openxmlformats.org/officeDocument/2006/customXml" ds:itemID="{F2F0840F-DCB2-4FB7-9C6F-74188743A963}">
+  <ds:schemaRefs>
+    <ds:schemaRef ds:uri="http://schemas.microsoft.com/VisualStudio/2011/storyboarding/control"/>
+  </ds:schemaRefs>
+</ds:datastoreItem>
+</file>
+
+<file path=customXml/itemProps222.xml><?xml version="1.0" encoding="utf-8"?>
+<ds:datastoreItem xmlns:ds="http://schemas.openxmlformats.org/officeDocument/2006/customXml" ds:itemID="{F1C4ACDC-E59B-4A7C-8B85-138496E90808}">
+  <ds:schemaRefs>
+    <ds:schemaRef ds:uri="http://schemas.microsoft.com/VisualStudio/2011/storyboarding/control"/>
+  </ds:schemaRefs>
+</ds:datastoreItem>
+</file>
+
+<file path=customXml/itemProps223.xml><?xml version="1.0" encoding="utf-8"?>
+<ds:datastoreItem xmlns:ds="http://schemas.openxmlformats.org/officeDocument/2006/customXml" ds:itemID="{15ADC171-1D00-43AA-8660-03BE1F33122C}">
+  <ds:schemaRefs>
+    <ds:schemaRef ds:uri="http://schemas.microsoft.com/VisualStudio/2011/storyboarding/control"/>
+  </ds:schemaRefs>
+</ds:datastoreItem>
+</file>
+
+<file path=customXml/itemProps224.xml><?xml version="1.0" encoding="utf-8"?>
+<ds:datastoreItem xmlns:ds="http://schemas.openxmlformats.org/officeDocument/2006/customXml" ds:itemID="{514C3188-379E-46BF-BC22-7EED3E88977B}">
+  <ds:schemaRefs>
+    <ds:schemaRef ds:uri="http://schemas.microsoft.com/VisualStudio/2011/storyboarding/control"/>
+  </ds:schemaRefs>
+</ds:datastoreItem>
+</file>
+
+<file path=customXml/itemProps225.xml><?xml version="1.0" encoding="utf-8"?>
+<ds:datastoreItem xmlns:ds="http://schemas.openxmlformats.org/officeDocument/2006/customXml" ds:itemID="{CB953D38-E965-4BB2-94FE-DF647E85A654}">
+  <ds:schemaRefs>
+    <ds:schemaRef ds:uri="http://schemas.microsoft.com/VisualStudio/2011/storyboarding/control/v1.0"/>
+  </ds:schemaRefs>
+</ds:datastoreItem>
+</file>
+
+<file path=customXml/itemProps226.xml><?xml version="1.0" encoding="utf-8"?>
 <ds:datastoreItem xmlns:ds="http://schemas.openxmlformats.org/officeDocument/2006/customXml" ds:itemID="{9F370CE8-88BC-4934-8DD8-D52AF3D5E959}">
   <ds:schemaRefs>
     <ds:schemaRef ds:uri="http://schemas.microsoft.com/VisualStudio/2011/storyboarding/control"/>
@@ -48668,7 +49247,287 @@
 </ds:datastoreItem>
 </file>
 
-<file path=customXml/itemProps138.xml><?xml version="1.0" encoding="utf-8"?>
+<file path=customXml/itemProps227.xml><?xml version="1.0" encoding="utf-8"?>
+<ds:datastoreItem xmlns:ds="http://schemas.openxmlformats.org/officeDocument/2006/customXml" ds:itemID="{79539245-6219-4BDE-B124-341940B68859}">
+  <ds:schemaRefs>
+    <ds:schemaRef ds:uri="http://schemas.microsoft.com/VisualStudio/2011/storyboarding/control"/>
+  </ds:schemaRefs>
+</ds:datastoreItem>
+</file>
+
+<file path=customXml/itemProps228.xml><?xml version="1.0" encoding="utf-8"?>
+<ds:datastoreItem xmlns:ds="http://schemas.openxmlformats.org/officeDocument/2006/customXml" ds:itemID="{2FD194D4-8818-4493-9F6F-BD81786FD722}">
+  <ds:schemaRefs>
+    <ds:schemaRef ds:uri="http://schemas.microsoft.com/VisualStudio/2011/storyboarding/control"/>
+  </ds:schemaRefs>
+</ds:datastoreItem>
+</file>
+
+<file path=customXml/itemProps229.xml><?xml version="1.0" encoding="utf-8"?>
+<ds:datastoreItem xmlns:ds="http://schemas.openxmlformats.org/officeDocument/2006/customXml" ds:itemID="{0AB3DFBB-643B-4A5D-BC79-F9C35DFA2AF1}">
+  <ds:schemaRefs>
+    <ds:schemaRef ds:uri="http://schemas.microsoft.com/VisualStudio/2011/storyboarding/control"/>
+  </ds:schemaRefs>
+</ds:datastoreItem>
+</file>
+
+<file path=customXml/itemProps23.xml><?xml version="1.0" encoding="utf-8"?>
+<ds:datastoreItem xmlns:ds="http://schemas.openxmlformats.org/officeDocument/2006/customXml" ds:itemID="{BE19BDE1-4243-42E1-A7DE-2CB5E97BD1B6}">
+  <ds:schemaRefs>
+    <ds:schemaRef ds:uri="http://schemas.microsoft.com/VisualStudio/2011/storyboarding/control"/>
+  </ds:schemaRefs>
+</ds:datastoreItem>
+</file>
+
+<file path=customXml/itemProps230.xml><?xml version="1.0" encoding="utf-8"?>
+<ds:datastoreItem xmlns:ds="http://schemas.openxmlformats.org/officeDocument/2006/customXml" ds:itemID="{087E62CD-9D1F-42A4-BF86-DF782D88BABA}">
+  <ds:schemaRefs>
+    <ds:schemaRef ds:uri="http://schemas.microsoft.com/VisualStudio/2011/storyboarding/control"/>
+  </ds:schemaRefs>
+</ds:datastoreItem>
+</file>
+
+<file path=customXml/itemProps231.xml><?xml version="1.0" encoding="utf-8"?>
+<ds:datastoreItem xmlns:ds="http://schemas.openxmlformats.org/officeDocument/2006/customXml" ds:itemID="{841747D4-39CC-40AD-A9E6-73C9D5CDFACB}">
+  <ds:schemaRefs>
+    <ds:schemaRef ds:uri="http://schemas.microsoft.com/VisualStudio/2011/storyboarding/control"/>
+  </ds:schemaRefs>
+</ds:datastoreItem>
+</file>
+
+<file path=customXml/itemProps232.xml><?xml version="1.0" encoding="utf-8"?>
+<ds:datastoreItem xmlns:ds="http://schemas.openxmlformats.org/officeDocument/2006/customXml" ds:itemID="{A6ECB6E0-BD84-4681-8699-56A1B3F36A60}">
+  <ds:schemaRefs>
+    <ds:schemaRef ds:uri="http://schemas.microsoft.com/VisualStudio/2011/storyboarding/control"/>
+  </ds:schemaRefs>
+</ds:datastoreItem>
+</file>
+
+<file path=customXml/itemProps233.xml><?xml version="1.0" encoding="utf-8"?>
+<ds:datastoreItem xmlns:ds="http://schemas.openxmlformats.org/officeDocument/2006/customXml" ds:itemID="{1F5C1850-0CBA-4E6A-972B-054668D8F3D9}">
+  <ds:schemaRefs>
+    <ds:schemaRef ds:uri="http://schemas.microsoft.com/VisualStudio/2011/storyboarding/control"/>
+  </ds:schemaRefs>
+</ds:datastoreItem>
+</file>
+
+<file path=customXml/itemProps234.xml><?xml version="1.0" encoding="utf-8"?>
+<ds:datastoreItem xmlns:ds="http://schemas.openxmlformats.org/officeDocument/2006/customXml" ds:itemID="{AE829EE6-2A90-4D53-B65D-B896D4164D58}">
+  <ds:schemaRefs>
+    <ds:schemaRef ds:uri="http://schemas.microsoft.com/VisualStudio/2011/storyboarding/control"/>
+  </ds:schemaRefs>
+</ds:datastoreItem>
+</file>
+
+<file path=customXml/itemProps235.xml><?xml version="1.0" encoding="utf-8"?>
+<ds:datastoreItem xmlns:ds="http://schemas.openxmlformats.org/officeDocument/2006/customXml" ds:itemID="{AEC8637B-0235-45D6-B62A-3D1CD06E267F}">
+  <ds:schemaRefs>
+    <ds:schemaRef ds:uri="http://schemas.microsoft.com/VisualStudio/2011/storyboarding/control"/>
+  </ds:schemaRefs>
+</ds:datastoreItem>
+</file>
+
+<file path=customXml/itemProps236.xml><?xml version="1.0" encoding="utf-8"?>
+<ds:datastoreItem xmlns:ds="http://schemas.openxmlformats.org/officeDocument/2006/customXml" ds:itemID="{4A923D45-67DD-44AB-935B-7B89FE3C1066}">
+  <ds:schemaRefs>
+    <ds:schemaRef ds:uri="http://schemas.microsoft.com/VisualStudio/2011/storyboarding/control"/>
+  </ds:schemaRefs>
+</ds:datastoreItem>
+</file>
+
+<file path=customXml/itemProps237.xml><?xml version="1.0" encoding="utf-8"?>
+<ds:datastoreItem xmlns:ds="http://schemas.openxmlformats.org/officeDocument/2006/customXml" ds:itemID="{159ADC07-D3C2-4FB2-9F6C-54C3E95AABA7}">
+  <ds:schemaRefs>
+    <ds:schemaRef ds:uri="http://schemas.microsoft.com/VisualStudio/2011/storyboarding/control"/>
+  </ds:schemaRefs>
+</ds:datastoreItem>
+</file>
+
+<file path=customXml/itemProps238.xml><?xml version="1.0" encoding="utf-8"?>
+<ds:datastoreItem xmlns:ds="http://schemas.openxmlformats.org/officeDocument/2006/customXml" ds:itemID="{A2C3C850-4F05-44AE-9D60-A5D2C3CA035F}">
+  <ds:schemaRefs>
+    <ds:schemaRef ds:uri="http://schemas.microsoft.com/VisualStudio/2011/storyboarding/control"/>
+  </ds:schemaRefs>
+</ds:datastoreItem>
+</file>
+
+<file path=customXml/itemProps239.xml><?xml version="1.0" encoding="utf-8"?>
+<ds:datastoreItem xmlns:ds="http://schemas.openxmlformats.org/officeDocument/2006/customXml" ds:itemID="{2468B27E-3B25-4E7A-9AD2-A8CC6B4DBF16}">
+  <ds:schemaRefs>
+    <ds:schemaRef ds:uri="http://schemas.microsoft.com/VisualStudio/2011/storyboarding/control"/>
+  </ds:schemaRefs>
+</ds:datastoreItem>
+</file>
+
+<file path=customXml/itemProps24.xml><?xml version="1.0" encoding="utf-8"?>
+<ds:datastoreItem xmlns:ds="http://schemas.openxmlformats.org/officeDocument/2006/customXml" ds:itemID="{19281F7C-5FD9-439E-94CA-F221212807C0}">
+  <ds:schemaRefs>
+    <ds:schemaRef ds:uri="http://schemas.microsoft.com/VisualStudio/2011/storyboarding/control"/>
+  </ds:schemaRefs>
+</ds:datastoreItem>
+</file>
+
+<file path=customXml/itemProps240.xml><?xml version="1.0" encoding="utf-8"?>
+<ds:datastoreItem xmlns:ds="http://schemas.openxmlformats.org/officeDocument/2006/customXml" ds:itemID="{FC15A188-E1DB-4A62-A1DD-04D2C3B705E4}">
+  <ds:schemaRefs>
+    <ds:schemaRef ds:uri="http://schemas.microsoft.com/VisualStudio/2011/storyboarding/control"/>
+  </ds:schemaRefs>
+</ds:datastoreItem>
+</file>
+
+<file path=customXml/itemProps241.xml><?xml version="1.0" encoding="utf-8"?>
+<ds:datastoreItem xmlns:ds="http://schemas.openxmlformats.org/officeDocument/2006/customXml" ds:itemID="{51B26ADE-1687-4355-9ECA-B2D9FA35F65A}">
+  <ds:schemaRefs>
+    <ds:schemaRef ds:uri="http://schemas.microsoft.com/VisualStudio/2011/storyboarding/control"/>
+  </ds:schemaRefs>
+</ds:datastoreItem>
+</file>
+
+<file path=customXml/itemProps242.xml><?xml version="1.0" encoding="utf-8"?>
+<ds:datastoreItem xmlns:ds="http://schemas.openxmlformats.org/officeDocument/2006/customXml" ds:itemID="{245C9D42-AED9-4DE9-BEE9-065304A671E1}">
+  <ds:schemaRefs>
+    <ds:schemaRef ds:uri="http://schemas.microsoft.com/VisualStudio/2011/storyboarding/control"/>
+  </ds:schemaRefs>
+</ds:datastoreItem>
+</file>
+
+<file path=customXml/itemProps243.xml><?xml version="1.0" encoding="utf-8"?>
+<ds:datastoreItem xmlns:ds="http://schemas.openxmlformats.org/officeDocument/2006/customXml" ds:itemID="{81D961FF-5AEC-42D4-A825-40F6A2C53406}">
+  <ds:schemaRefs>
+    <ds:schemaRef ds:uri="http://schemas.microsoft.com/VisualStudio/2011/storyboarding/control"/>
+  </ds:schemaRefs>
+</ds:datastoreItem>
+</file>
+
+<file path=customXml/itemProps244.xml><?xml version="1.0" encoding="utf-8"?>
+<ds:datastoreItem xmlns:ds="http://schemas.openxmlformats.org/officeDocument/2006/customXml" ds:itemID="{3C926393-13BE-4E11-B28C-325DFF825D65}">
+  <ds:schemaRefs>
+    <ds:schemaRef ds:uri="http://schemas.microsoft.com/VisualStudio/2011/storyboarding/control"/>
+  </ds:schemaRefs>
+</ds:datastoreItem>
+</file>
+
+<file path=customXml/itemProps245.xml><?xml version="1.0" encoding="utf-8"?>
+<ds:datastoreItem xmlns:ds="http://schemas.openxmlformats.org/officeDocument/2006/customXml" ds:itemID="{FBD4E163-4562-47FE-BC16-63F946CB900C}">
+  <ds:schemaRefs>
+    <ds:schemaRef ds:uri="http://schemas.microsoft.com/VisualStudio/2011/storyboarding/control"/>
+  </ds:schemaRefs>
+</ds:datastoreItem>
+</file>
+
+<file path=customXml/itemProps246.xml><?xml version="1.0" encoding="utf-8"?>
+<ds:datastoreItem xmlns:ds="http://schemas.openxmlformats.org/officeDocument/2006/customXml" ds:itemID="{17658EED-361F-4B58-9F51-40C52E9422C8}">
+  <ds:schemaRefs>
+    <ds:schemaRef ds:uri="http://schemas.microsoft.com/VisualStudio/2011/storyboarding/control"/>
+  </ds:schemaRefs>
+</ds:datastoreItem>
+</file>
+
+<file path=customXml/itemProps247.xml><?xml version="1.0" encoding="utf-8"?>
+<ds:datastoreItem xmlns:ds="http://schemas.openxmlformats.org/officeDocument/2006/customXml" ds:itemID="{734FC74F-92DC-4F5F-B575-B58D019BB8E1}">
+  <ds:schemaRefs>
+    <ds:schemaRef ds:uri="http://schemas.microsoft.com/VisualStudio/2011/storyboarding/control"/>
+  </ds:schemaRefs>
+</ds:datastoreItem>
+</file>
+
+<file path=customXml/itemProps248.xml><?xml version="1.0" encoding="utf-8"?>
+<ds:datastoreItem xmlns:ds="http://schemas.openxmlformats.org/officeDocument/2006/customXml" ds:itemID="{E4955A29-9332-4962-A3C6-CC5E8FE29315}">
+  <ds:schemaRefs>
+    <ds:schemaRef ds:uri="http://schemas.microsoft.com/VisualStudio/2011/storyboarding/control"/>
+  </ds:schemaRefs>
+</ds:datastoreItem>
+</file>
+
+<file path=customXml/itemProps249.xml><?xml version="1.0" encoding="utf-8"?>
+<ds:datastoreItem xmlns:ds="http://schemas.openxmlformats.org/officeDocument/2006/customXml" ds:itemID="{82DEB3ED-CC58-42ED-834B-F2D5BD48CC3B}">
+  <ds:schemaRefs>
+    <ds:schemaRef ds:uri="http://schemas.microsoft.com/VisualStudio/2011/storyboarding/control"/>
+  </ds:schemaRefs>
+</ds:datastoreItem>
+</file>
+
+<file path=customXml/itemProps25.xml><?xml version="1.0" encoding="utf-8"?>
+<ds:datastoreItem xmlns:ds="http://schemas.openxmlformats.org/officeDocument/2006/customXml" ds:itemID="{C4E5D3AF-6364-499A-AD9C-2F8BED8E3B15}">
+  <ds:schemaRefs>
+    <ds:schemaRef ds:uri="http://schemas.microsoft.com/VisualStudio/2011/storyboarding/control"/>
+  </ds:schemaRefs>
+</ds:datastoreItem>
+</file>
+
+<file path=customXml/itemProps250.xml><?xml version="1.0" encoding="utf-8"?>
+<ds:datastoreItem xmlns:ds="http://schemas.openxmlformats.org/officeDocument/2006/customXml" ds:itemID="{253B000D-0B23-420C-B5B5-11B6002E5391}">
+  <ds:schemaRefs>
+    <ds:schemaRef ds:uri="http://schemas.microsoft.com/VisualStudio/2011/storyboarding/control/v1.0"/>
+  </ds:schemaRefs>
+</ds:datastoreItem>
+</file>
+
+<file path=customXml/itemProps251.xml><?xml version="1.0" encoding="utf-8"?>
+<ds:datastoreItem xmlns:ds="http://schemas.openxmlformats.org/officeDocument/2006/customXml" ds:itemID="{58AC7355-5BCF-41B0-8ABF-7FD1A0386648}">
+  <ds:schemaRefs>
+    <ds:schemaRef ds:uri="http://schemas.microsoft.com/VisualStudio/2011/storyboarding/control"/>
+  </ds:schemaRefs>
+</ds:datastoreItem>
+</file>
+
+<file path=customXml/itemProps252.xml><?xml version="1.0" encoding="utf-8"?>
+<ds:datastoreItem xmlns:ds="http://schemas.openxmlformats.org/officeDocument/2006/customXml" ds:itemID="{65D627D8-B4C3-485A-A660-3F82C30F6F4D}">
+  <ds:schemaRefs>
+    <ds:schemaRef ds:uri="http://schemas.microsoft.com/VisualStudio/2011/storyboarding/control"/>
+  </ds:schemaRefs>
+</ds:datastoreItem>
+</file>
+
+<file path=customXml/itemProps253.xml><?xml version="1.0" encoding="utf-8"?>
+<ds:datastoreItem xmlns:ds="http://schemas.openxmlformats.org/officeDocument/2006/customXml" ds:itemID="{2D05A1BB-F8F2-4A8C-9C47-4D725E73E8C0}">
+  <ds:schemaRefs>
+    <ds:schemaRef ds:uri="http://schemas.microsoft.com/VisualStudio/2011/storyboarding/control"/>
+  </ds:schemaRefs>
+</ds:datastoreItem>
+</file>
+
+<file path=customXml/itemProps254.xml><?xml version="1.0" encoding="utf-8"?>
+<ds:datastoreItem xmlns:ds="http://schemas.openxmlformats.org/officeDocument/2006/customXml" ds:itemID="{78A023F7-CB32-42B5-A4E3-D74D915D8DE1}">
+  <ds:schemaRefs>
+    <ds:schemaRef ds:uri="http://schemas.microsoft.com/VisualStudio/2011/storyboarding/control"/>
+  </ds:schemaRefs>
+</ds:datastoreItem>
+</file>
+
+<file path=customXml/itemProps255.xml><?xml version="1.0" encoding="utf-8"?>
+<ds:datastoreItem xmlns:ds="http://schemas.openxmlformats.org/officeDocument/2006/customXml" ds:itemID="{36156D9C-1DAA-43CB-9F20-58EA3D4F3C48}">
+  <ds:schemaRefs>
+    <ds:schemaRef ds:uri="http://schemas.microsoft.com/VisualStudio/2011/storyboarding/control"/>
+  </ds:schemaRefs>
+</ds:datastoreItem>
+</file>
+
+<file path=customXml/itemProps256.xml><?xml version="1.0" encoding="utf-8"?>
+<ds:datastoreItem xmlns:ds="http://schemas.openxmlformats.org/officeDocument/2006/customXml" ds:itemID="{4526E249-381C-4680-81E8-75A78726C84C}">
+  <ds:schemaRefs>
+    <ds:schemaRef ds:uri="http://schemas.microsoft.com/VisualStudio/2011/storyboarding/control"/>
+  </ds:schemaRefs>
+</ds:datastoreItem>
+</file>
+
+<file path=customXml/itemProps257.xml><?xml version="1.0" encoding="utf-8"?>
+<ds:datastoreItem xmlns:ds="http://schemas.openxmlformats.org/officeDocument/2006/customXml" ds:itemID="{1348E9F0-41E7-4109-8E0D-1DB827F66CDC}">
+  <ds:schemaRefs>
+    <ds:schemaRef ds:uri="http://schemas.microsoft.com/VisualStudio/2011/storyboarding/control"/>
+  </ds:schemaRefs>
+</ds:datastoreItem>
+</file>
+
+<file path=customXml/itemProps258.xml><?xml version="1.0" encoding="utf-8"?>
+<ds:datastoreItem xmlns:ds="http://schemas.openxmlformats.org/officeDocument/2006/customXml" ds:itemID="{156ACD54-663F-4146-A83C-D39B7758E090}">
+  <ds:schemaRefs>
+    <ds:schemaRef ds:uri="http://schemas.microsoft.com/VisualStudio/2011/storyboarding/control/v1.0"/>
+  </ds:schemaRefs>
+</ds:datastoreItem>
+</file>
+
+<file path=customXml/itemProps259.xml><?xml version="1.0" encoding="utf-8"?>
 <ds:datastoreItem xmlns:ds="http://schemas.openxmlformats.org/officeDocument/2006/customXml" ds:itemID="{B49626F1-1962-40AA-AEBF-71410D1868FC}">
   <ds:schemaRefs>
     <ds:schemaRef ds:uri="http://schemas.microsoft.com/VisualStudio/2011/storyboarding/control"/>
@@ -48676,7 +49535,367 @@
 </ds:datastoreItem>
 </file>
 
-<file path=customXml/itemProps139.xml><?xml version="1.0" encoding="utf-8"?>
+<file path=customXml/itemProps26.xml><?xml version="1.0" encoding="utf-8"?>
+<ds:datastoreItem xmlns:ds="http://schemas.openxmlformats.org/officeDocument/2006/customXml" ds:itemID="{84F65994-E980-446B-9DF0-3376276C30F4}">
+  <ds:schemaRefs>
+    <ds:schemaRef ds:uri="http://schemas.microsoft.com/VisualStudio/2011/storyboarding/control"/>
+  </ds:schemaRefs>
+</ds:datastoreItem>
+</file>
+
+<file path=customXml/itemProps260.xml><?xml version="1.0" encoding="utf-8"?>
+<ds:datastoreItem xmlns:ds="http://schemas.openxmlformats.org/officeDocument/2006/customXml" ds:itemID="{55C8793C-BCCD-4DCF-B8DB-B94127F9B688}">
+  <ds:schemaRefs>
+    <ds:schemaRef ds:uri="http://schemas.microsoft.com/VisualStudio/2011/storyboarding/control"/>
+  </ds:schemaRefs>
+</ds:datastoreItem>
+</file>
+
+<file path=customXml/itemProps261.xml><?xml version="1.0" encoding="utf-8"?>
+<ds:datastoreItem xmlns:ds="http://schemas.openxmlformats.org/officeDocument/2006/customXml" ds:itemID="{A808BB02-19D0-442F-A7D1-C5BAADA618E9}">
+  <ds:schemaRefs>
+    <ds:schemaRef ds:uri="http://schemas.microsoft.com/VisualStudio/2011/storyboarding/control"/>
+  </ds:schemaRefs>
+</ds:datastoreItem>
+</file>
+
+<file path=customXml/itemProps262.xml><?xml version="1.0" encoding="utf-8"?>
+<ds:datastoreItem xmlns:ds="http://schemas.openxmlformats.org/officeDocument/2006/customXml" ds:itemID="{2A290B3E-128F-434A-A181-6670CD4D86BC}">
+  <ds:schemaRefs>
+    <ds:schemaRef ds:uri="http://schemas.microsoft.com/VisualStudio/2011/storyboarding/control"/>
+  </ds:schemaRefs>
+</ds:datastoreItem>
+</file>
+
+<file path=customXml/itemProps263.xml><?xml version="1.0" encoding="utf-8"?>
+<ds:datastoreItem xmlns:ds="http://schemas.openxmlformats.org/officeDocument/2006/customXml" ds:itemID="{0E6EFF5D-4958-4328-A1F4-273676ED0A93}">
+  <ds:schemaRefs>
+    <ds:schemaRef ds:uri="http://schemas.microsoft.com/VisualStudio/2011/storyboarding/control"/>
+  </ds:schemaRefs>
+</ds:datastoreItem>
+</file>
+
+<file path=customXml/itemProps264.xml><?xml version="1.0" encoding="utf-8"?>
+<ds:datastoreItem xmlns:ds="http://schemas.openxmlformats.org/officeDocument/2006/customXml" ds:itemID="{528E95B9-CEE3-4C79-9779-69BAED92798A}">
+  <ds:schemaRefs>
+    <ds:schemaRef ds:uri="http://schemas.microsoft.com/VisualStudio/2011/storyboarding/control"/>
+  </ds:schemaRefs>
+</ds:datastoreItem>
+</file>
+
+<file path=customXml/itemProps265.xml><?xml version="1.0" encoding="utf-8"?>
+<ds:datastoreItem xmlns:ds="http://schemas.openxmlformats.org/officeDocument/2006/customXml" ds:itemID="{B830F82D-7083-40CB-9CA8-EE2DE5D24499}">
+  <ds:schemaRefs>
+    <ds:schemaRef ds:uri="http://schemas.microsoft.com/VisualStudio/2011/storyboarding/control"/>
+  </ds:schemaRefs>
+</ds:datastoreItem>
+</file>
+
+<file path=customXml/itemProps266.xml><?xml version="1.0" encoding="utf-8"?>
+<ds:datastoreItem xmlns:ds="http://schemas.openxmlformats.org/officeDocument/2006/customXml" ds:itemID="{47280F27-D216-4199-B9E4-2F344B04278D}">
+  <ds:schemaRefs>
+    <ds:schemaRef ds:uri="http://schemas.microsoft.com/VisualStudio/2011/storyboarding/control"/>
+  </ds:schemaRefs>
+</ds:datastoreItem>
+</file>
+
+<file path=customXml/itemProps267.xml><?xml version="1.0" encoding="utf-8"?>
+<ds:datastoreItem xmlns:ds="http://schemas.openxmlformats.org/officeDocument/2006/customXml" ds:itemID="{1EDE67A2-BB67-481D-A5B0-088ECC7E1D16}">
+  <ds:schemaRefs>
+    <ds:schemaRef ds:uri="http://schemas.microsoft.com/VisualStudio/2011/storyboarding/control"/>
+  </ds:schemaRefs>
+</ds:datastoreItem>
+</file>
+
+<file path=customXml/itemProps268.xml><?xml version="1.0" encoding="utf-8"?>
+<ds:datastoreItem xmlns:ds="http://schemas.openxmlformats.org/officeDocument/2006/customXml" ds:itemID="{215B580D-203A-4FE0-B924-9A64D0F703AE}">
+  <ds:schemaRefs>
+    <ds:schemaRef ds:uri="http://schemas.microsoft.com/VisualStudio/2011/storyboarding/control"/>
+  </ds:schemaRefs>
+</ds:datastoreItem>
+</file>
+
+<file path=customXml/itemProps269.xml><?xml version="1.0" encoding="utf-8"?>
+<ds:datastoreItem xmlns:ds="http://schemas.openxmlformats.org/officeDocument/2006/customXml" ds:itemID="{063106FD-8836-4282-B199-EA4B966FF14A}">
+  <ds:schemaRefs>
+    <ds:schemaRef ds:uri="http://schemas.microsoft.com/VisualStudio/2011/storyboarding/control"/>
+  </ds:schemaRefs>
+</ds:datastoreItem>
+</file>
+
+<file path=customXml/itemProps27.xml><?xml version="1.0" encoding="utf-8"?>
+<ds:datastoreItem xmlns:ds="http://schemas.openxmlformats.org/officeDocument/2006/customXml" ds:itemID="{8D6F1E2B-42FE-4A71-93A8-D9B6BF0B3428}">
+  <ds:schemaRefs>
+    <ds:schemaRef ds:uri="http://schemas.microsoft.com/VisualStudio/2011/storyboarding/control"/>
+  </ds:schemaRefs>
+</ds:datastoreItem>
+</file>
+
+<file path=customXml/itemProps270.xml><?xml version="1.0" encoding="utf-8"?>
+<ds:datastoreItem xmlns:ds="http://schemas.openxmlformats.org/officeDocument/2006/customXml" ds:itemID="{0CF90D37-4583-4098-B3E2-C11B98A33E5A}">
+  <ds:schemaRefs>
+    <ds:schemaRef ds:uri="http://schemas.microsoft.com/VisualStudio/2011/storyboarding/control"/>
+  </ds:schemaRefs>
+</ds:datastoreItem>
+</file>
+
+<file path=customXml/itemProps271.xml><?xml version="1.0" encoding="utf-8"?>
+<ds:datastoreItem xmlns:ds="http://schemas.openxmlformats.org/officeDocument/2006/customXml" ds:itemID="{58EC9E1F-2595-46F3-8A3B-84253F6E85D1}">
+  <ds:schemaRefs>
+    <ds:schemaRef ds:uri="http://schemas.microsoft.com/VisualStudio/2011/storyboarding/control"/>
+  </ds:schemaRefs>
+</ds:datastoreItem>
+</file>
+
+<file path=customXml/itemProps272.xml><?xml version="1.0" encoding="utf-8"?>
+<ds:datastoreItem xmlns:ds="http://schemas.openxmlformats.org/officeDocument/2006/customXml" ds:itemID="{64C71902-D243-4E22-B242-4A0CDF564D97}">
+  <ds:schemaRefs>
+    <ds:schemaRef ds:uri="http://schemas.microsoft.com/VisualStudio/2011/storyboarding/control"/>
+  </ds:schemaRefs>
+</ds:datastoreItem>
+</file>
+
+<file path=customXml/itemProps273.xml><?xml version="1.0" encoding="utf-8"?>
+<ds:datastoreItem xmlns:ds="http://schemas.openxmlformats.org/officeDocument/2006/customXml" ds:itemID="{D356E6DB-54C9-4389-B932-0F583366BD4B}">
+  <ds:schemaRefs>
+    <ds:schemaRef ds:uri="http://schemas.microsoft.com/VisualStudio/2011/storyboarding/control/v1.0"/>
+  </ds:schemaRefs>
+</ds:datastoreItem>
+</file>
+
+<file path=customXml/itemProps274.xml><?xml version="1.0" encoding="utf-8"?>
+<ds:datastoreItem xmlns:ds="http://schemas.openxmlformats.org/officeDocument/2006/customXml" ds:itemID="{699689A1-427B-4DEA-8FDB-0058CB4B38D8}">
+  <ds:schemaRefs>
+    <ds:schemaRef ds:uri="http://schemas.microsoft.com/VisualStudio/2011/storyboarding/control/v1.0"/>
+  </ds:schemaRefs>
+</ds:datastoreItem>
+</file>
+
+<file path=customXml/itemProps275.xml><?xml version="1.0" encoding="utf-8"?>
+<ds:datastoreItem xmlns:ds="http://schemas.openxmlformats.org/officeDocument/2006/customXml" ds:itemID="{CF2E1323-2233-418A-BF30-70C435788FEB}">
+  <ds:schemaRefs>
+    <ds:schemaRef ds:uri="http://schemas.microsoft.com/VisualStudio/2011/storyboarding/control"/>
+  </ds:schemaRefs>
+</ds:datastoreItem>
+</file>
+
+<file path=customXml/itemProps276.xml><?xml version="1.0" encoding="utf-8"?>
+<ds:datastoreItem xmlns:ds="http://schemas.openxmlformats.org/officeDocument/2006/customXml" ds:itemID="{016BA1A1-3162-4382-9F37-080148C85A23}">
+  <ds:schemaRefs>
+    <ds:schemaRef ds:uri="http://schemas.microsoft.com/VisualStudio/2011/storyboarding/control"/>
+  </ds:schemaRefs>
+</ds:datastoreItem>
+</file>
+
+<file path=customXml/itemProps277.xml><?xml version="1.0" encoding="utf-8"?>
+<ds:datastoreItem xmlns:ds="http://schemas.openxmlformats.org/officeDocument/2006/customXml" ds:itemID="{9535D88F-A4F9-4043-99D2-0BA0F5D4FA9E}">
+  <ds:schemaRefs>
+    <ds:schemaRef ds:uri="http://schemas.microsoft.com/VisualStudio/2011/storyboarding/control"/>
+  </ds:schemaRefs>
+</ds:datastoreItem>
+</file>
+
+<file path=customXml/itemProps278.xml><?xml version="1.0" encoding="utf-8"?>
+<ds:datastoreItem xmlns:ds="http://schemas.openxmlformats.org/officeDocument/2006/customXml" ds:itemID="{870035FA-90A6-4512-9682-88121BC13C7C}">
+  <ds:schemaRefs>
+    <ds:schemaRef ds:uri="http://schemas.microsoft.com/VisualStudio/2011/storyboarding/control"/>
+  </ds:schemaRefs>
+</ds:datastoreItem>
+</file>
+
+<file path=customXml/itemProps279.xml><?xml version="1.0" encoding="utf-8"?>
+<ds:datastoreItem xmlns:ds="http://schemas.openxmlformats.org/officeDocument/2006/customXml" ds:itemID="{9C4C7B07-3AE3-46A1-A54D-2BDFAB93A8EF}">
+  <ds:schemaRefs>
+    <ds:schemaRef ds:uri="http://schemas.microsoft.com/VisualStudio/2011/storyboarding/control/v1.0"/>
+  </ds:schemaRefs>
+</ds:datastoreItem>
+</file>
+
+<file path=customXml/itemProps28.xml><?xml version="1.0" encoding="utf-8"?>
+<ds:datastoreItem xmlns:ds="http://schemas.openxmlformats.org/officeDocument/2006/customXml" ds:itemID="{7728F985-45AC-4583-B889-202C29951136}">
+  <ds:schemaRefs>
+    <ds:schemaRef ds:uri="http://schemas.microsoft.com/VisualStudio/2011/storyboarding/control"/>
+  </ds:schemaRefs>
+</ds:datastoreItem>
+</file>
+
+<file path=customXml/itemProps280.xml><?xml version="1.0" encoding="utf-8"?>
+<ds:datastoreItem xmlns:ds="http://schemas.openxmlformats.org/officeDocument/2006/customXml" ds:itemID="{BCC26AAB-ACE0-4E06-96EB-91D114535900}">
+  <ds:schemaRefs>
+    <ds:schemaRef ds:uri="http://schemas.microsoft.com/VisualStudio/2011/storyboarding/control"/>
+  </ds:schemaRefs>
+</ds:datastoreItem>
+</file>
+
+<file path=customXml/itemProps281.xml><?xml version="1.0" encoding="utf-8"?>
+<ds:datastoreItem xmlns:ds="http://schemas.openxmlformats.org/officeDocument/2006/customXml" ds:itemID="{A171EC6E-0B34-412F-93F3-F53F62F28985}">
+  <ds:schemaRefs>
+    <ds:schemaRef ds:uri="http://schemas.microsoft.com/VisualStudio/2011/storyboarding/control"/>
+  </ds:schemaRefs>
+</ds:datastoreItem>
+</file>
+
+<file path=customXml/itemProps282.xml><?xml version="1.0" encoding="utf-8"?>
+<ds:datastoreItem xmlns:ds="http://schemas.openxmlformats.org/officeDocument/2006/customXml" ds:itemID="{A9E9510A-02AF-4564-9E17-46676C80E84C}">
+  <ds:schemaRefs>
+    <ds:schemaRef ds:uri="http://schemas.openxmlformats.org/package/2006/metadata/core-properties"/>
+    <ds:schemaRef ds:uri="http://purl.org/dc/terms/"/>
+    <ds:schemaRef ds:uri="http://www.w3.org/XML/1998/namespace"/>
+    <ds:schemaRef ds:uri="http://schemas.microsoft.com/office/infopath/2007/PartnerControls"/>
+    <ds:schemaRef ds:uri="b4ebf394-daf6-497a-96c5-a2f8c10b38cf"/>
+    <ds:schemaRef ds:uri="http://purl.org/dc/elements/1.1/"/>
+    <ds:schemaRef ds:uri="http://schemas.microsoft.com/office/2006/documentManagement/types"/>
+    <ds:schemaRef ds:uri="http://schemas.microsoft.com/office/2006/metadata/properties"/>
+    <ds:schemaRef ds:uri="http://purl.org/dc/dcmitype/"/>
+  </ds:schemaRefs>
+</ds:datastoreItem>
+</file>
+
+<file path=customXml/itemProps283.xml><?xml version="1.0" encoding="utf-8"?>
+<ds:datastoreItem xmlns:ds="http://schemas.openxmlformats.org/officeDocument/2006/customXml" ds:itemID="{3D256CC2-6FF6-40DC-9A74-A06006A5CA25}">
+  <ds:schemaRefs>
+    <ds:schemaRef ds:uri="http://schemas.microsoft.com/VisualStudio/2011/storyboarding/control"/>
+  </ds:schemaRefs>
+</ds:datastoreItem>
+</file>
+
+<file path=customXml/itemProps284.xml><?xml version="1.0" encoding="utf-8"?>
+<ds:datastoreItem xmlns:ds="http://schemas.openxmlformats.org/officeDocument/2006/customXml" ds:itemID="{BA2C55E9-BDE8-41FC-B02F-EBA8C07A01F8}">
+  <ds:schemaRefs>
+    <ds:schemaRef ds:uri="http://schemas.microsoft.com/VisualStudio/2011/storyboarding/control/v1.0"/>
+  </ds:schemaRefs>
+</ds:datastoreItem>
+</file>
+
+<file path=customXml/itemProps285.xml><?xml version="1.0" encoding="utf-8"?>
+<ds:datastoreItem xmlns:ds="http://schemas.openxmlformats.org/officeDocument/2006/customXml" ds:itemID="{E1BAF4CB-704B-4C94-BD7D-4724B54B1561}">
+  <ds:schemaRefs>
+    <ds:schemaRef ds:uri="http://schemas.microsoft.com/VisualStudio/2011/storyboarding/control"/>
+  </ds:schemaRefs>
+</ds:datastoreItem>
+</file>
+
+<file path=customXml/itemProps286.xml><?xml version="1.0" encoding="utf-8"?>
+<ds:datastoreItem xmlns:ds="http://schemas.openxmlformats.org/officeDocument/2006/customXml" ds:itemID="{7621FDFF-2E1A-42D8-9E95-355FFE527B8D}">
+  <ds:schemaRefs>
+    <ds:schemaRef ds:uri="http://schemas.microsoft.com/VisualStudio/2011/storyboarding/control"/>
+  </ds:schemaRefs>
+</ds:datastoreItem>
+</file>
+
+<file path=customXml/itemProps287.xml><?xml version="1.0" encoding="utf-8"?>
+<ds:datastoreItem xmlns:ds="http://schemas.openxmlformats.org/officeDocument/2006/customXml" ds:itemID="{6321DF9F-B57F-4638-9CE4-57E2C9F5DD38}">
+  <ds:schemaRefs>
+    <ds:schemaRef ds:uri="http://schemas.microsoft.com/VisualStudio/2011/storyboarding/control"/>
+  </ds:schemaRefs>
+</ds:datastoreItem>
+</file>
+
+<file path=customXml/itemProps288.xml><?xml version="1.0" encoding="utf-8"?>
+<ds:datastoreItem xmlns:ds="http://schemas.openxmlformats.org/officeDocument/2006/customXml" ds:itemID="{47C86DEB-6C55-43CE-96A7-363CD56E1025}">
+  <ds:schemaRefs>
+    <ds:schemaRef ds:uri="http://schemas.microsoft.com/VisualStudio/2011/storyboarding/control"/>
+  </ds:schemaRefs>
+</ds:datastoreItem>
+</file>
+
+<file path=customXml/itemProps289.xml><?xml version="1.0" encoding="utf-8"?>
+<ds:datastoreItem xmlns:ds="http://schemas.openxmlformats.org/officeDocument/2006/customXml" ds:itemID="{03751A76-6B46-4E6A-98ED-2BA906B3F681}">
+  <ds:schemaRefs>
+    <ds:schemaRef ds:uri="http://schemas.microsoft.com/VisualStudio/2011/storyboarding/control"/>
+  </ds:schemaRefs>
+</ds:datastoreItem>
+</file>
+
+<file path=customXml/itemProps29.xml><?xml version="1.0" encoding="utf-8"?>
+<ds:datastoreItem xmlns:ds="http://schemas.openxmlformats.org/officeDocument/2006/customXml" ds:itemID="{188F6680-9EB8-4B03-8D3B-773D66FC777A}">
+  <ds:schemaRefs>
+    <ds:schemaRef ds:uri="http://schemas.microsoft.com/VisualStudio/2011/storyboarding/control/v1.0"/>
+  </ds:schemaRefs>
+</ds:datastoreItem>
+</file>
+
+<file path=customXml/itemProps290.xml><?xml version="1.0" encoding="utf-8"?>
+<ds:datastoreItem xmlns:ds="http://schemas.openxmlformats.org/officeDocument/2006/customXml" ds:itemID="{A3893413-CE22-4EDB-93B9-C1985A86D4BC}">
+  <ds:schemaRefs>
+    <ds:schemaRef ds:uri="http://schemas.microsoft.com/VisualStudio/2011/storyboarding/control"/>
+  </ds:schemaRefs>
+</ds:datastoreItem>
+</file>
+
+<file path=customXml/itemProps291.xml><?xml version="1.0" encoding="utf-8"?>
+<ds:datastoreItem xmlns:ds="http://schemas.openxmlformats.org/officeDocument/2006/customXml" ds:itemID="{1882091E-66A1-40F1-863E-24CAEA4B162A}">
+  <ds:schemaRefs>
+    <ds:schemaRef ds:uri="http://schemas.microsoft.com/VisualStudio/2011/storyboarding/control"/>
+  </ds:schemaRefs>
+</ds:datastoreItem>
+</file>
+
+<file path=customXml/itemProps292.xml><?xml version="1.0" encoding="utf-8"?>
+<ds:datastoreItem xmlns:ds="http://schemas.openxmlformats.org/officeDocument/2006/customXml" ds:itemID="{761467E5-93C6-41DA-A03C-D55252306EF9}">
+  <ds:schemaRefs>
+    <ds:schemaRef ds:uri="http://schemas.microsoft.com/VisualStudio/2011/storyboarding/control"/>
+  </ds:schemaRefs>
+</ds:datastoreItem>
+</file>
+
+<file path=customXml/itemProps293.xml><?xml version="1.0" encoding="utf-8"?>
+<ds:datastoreItem xmlns:ds="http://schemas.openxmlformats.org/officeDocument/2006/customXml" ds:itemID="{63E54A0C-A919-4747-87DB-6EB5DB41F719}">
+  <ds:schemaRefs>
+    <ds:schemaRef ds:uri="http://schemas.microsoft.com/VisualStudio/2011/storyboarding/control/v1.0"/>
+  </ds:schemaRefs>
+</ds:datastoreItem>
+</file>
+
+<file path=customXml/itemProps294.xml><?xml version="1.0" encoding="utf-8"?>
+<ds:datastoreItem xmlns:ds="http://schemas.openxmlformats.org/officeDocument/2006/customXml" ds:itemID="{CF6ADF36-104B-46FF-B50C-7452ED382388}">
+  <ds:schemaRefs>
+    <ds:schemaRef ds:uri="http://schemas.microsoft.com/VisualStudio/2011/storyboarding/control"/>
+  </ds:schemaRefs>
+</ds:datastoreItem>
+</file>
+
+<file path=customXml/itemProps295.xml><?xml version="1.0" encoding="utf-8"?>
+<ds:datastoreItem xmlns:ds="http://schemas.openxmlformats.org/officeDocument/2006/customXml" ds:itemID="{C4783010-23AB-4BDC-BABF-F6576658A2B0}">
+  <ds:schemaRefs>
+    <ds:schemaRef ds:uri="http://schemas.microsoft.com/VisualStudio/2011/storyboarding/control/v1.0"/>
+  </ds:schemaRefs>
+</ds:datastoreItem>
+</file>
+
+<file path=customXml/itemProps296.xml><?xml version="1.0" encoding="utf-8"?>
+<ds:datastoreItem xmlns:ds="http://schemas.openxmlformats.org/officeDocument/2006/customXml" ds:itemID="{4002BB7E-E74B-4646-9EF5-485257C83CB6}">
+  <ds:schemaRefs>
+    <ds:schemaRef ds:uri="http://schemas.microsoft.com/VisualStudio/2011/storyboarding/control"/>
+  </ds:schemaRefs>
+</ds:datastoreItem>
+</file>
+
+<file path=customXml/itemProps297.xml><?xml version="1.0" encoding="utf-8"?>
+<ds:datastoreItem xmlns:ds="http://schemas.openxmlformats.org/officeDocument/2006/customXml" ds:itemID="{559555D9-A00A-4AE8-8EDC-9B2D091AB899}">
+  <ds:schemaRefs>
+    <ds:schemaRef ds:uri="http://schemas.microsoft.com/VisualStudio/2011/storyboarding/control"/>
+  </ds:schemaRefs>
+</ds:datastoreItem>
+</file>
+
+<file path=customXml/itemProps298.xml><?xml version="1.0" encoding="utf-8"?>
+<ds:datastoreItem xmlns:ds="http://schemas.openxmlformats.org/officeDocument/2006/customXml" ds:itemID="{7BF16C54-4775-4FA7-AF88-98AF6D5E8CA6}">
+  <ds:schemaRefs>
+    <ds:schemaRef ds:uri="http://schemas.microsoft.com/VisualStudio/2011/storyboarding/control/v1.0"/>
+  </ds:schemaRefs>
+</ds:datastoreItem>
+</file>
+
+<file path=customXml/itemProps299.xml><?xml version="1.0" encoding="utf-8"?>
+<ds:datastoreItem xmlns:ds="http://schemas.openxmlformats.org/officeDocument/2006/customXml" ds:itemID="{B4BE880E-F71A-4C21-A1C3-8A2437E3C677}">
+  <ds:schemaRefs>
+    <ds:schemaRef ds:uri="http://schemas.microsoft.com/VisualStudio/2011/storyboarding/control/v1.0"/>
+  </ds:schemaRefs>
+</ds:datastoreItem>
+</file>
+
+<file path=customXml/itemProps3.xml><?xml version="1.0" encoding="utf-8"?>
 <ds:datastoreItem xmlns:ds="http://schemas.openxmlformats.org/officeDocument/2006/customXml" ds:itemID="{E79435B9-3246-45D9-A0D7-E9A2D16B5292}">
   <ds:schemaRefs>
     <ds:schemaRef ds:uri="http://schemas.microsoft.com/VisualStudio/2011/storyboarding/control"/>
@@ -48684,207 +49903,7 @@
 </ds:datastoreItem>
 </file>
 
-<file path=customXml/itemProps14.xml><?xml version="1.0" encoding="utf-8"?>
-<ds:datastoreItem xmlns:ds="http://schemas.openxmlformats.org/officeDocument/2006/customXml" ds:itemID="{E9C4CBB0-7D2F-42EC-9ED0-589327F3DDE1}">
-  <ds:schemaRefs>
-    <ds:schemaRef ds:uri="http://schemas.microsoft.com/VisualStudio/2011/storyboarding/control"/>
-  </ds:schemaRefs>
-</ds:datastoreItem>
-</file>
-
-<file path=customXml/itemProps140.xml><?xml version="1.0" encoding="utf-8"?>
-<ds:datastoreItem xmlns:ds="http://schemas.openxmlformats.org/officeDocument/2006/customXml" ds:itemID="{3D256CC2-6FF6-40DC-9A74-A06006A5CA25}">
-  <ds:schemaRefs>
-    <ds:schemaRef ds:uri="http://schemas.microsoft.com/VisualStudio/2011/storyboarding/control"/>
-  </ds:schemaRefs>
-</ds:datastoreItem>
-</file>
-
-<file path=customXml/itemProps141.xml><?xml version="1.0" encoding="utf-8"?>
-<ds:datastoreItem xmlns:ds="http://schemas.openxmlformats.org/officeDocument/2006/customXml" ds:itemID="{7728F985-45AC-4583-B889-202C29951136}">
-  <ds:schemaRefs>
-    <ds:schemaRef ds:uri="http://schemas.microsoft.com/VisualStudio/2011/storyboarding/control"/>
-  </ds:schemaRefs>
-</ds:datastoreItem>
-</file>
-
-<file path=customXml/itemProps142.xml><?xml version="1.0" encoding="utf-8"?>
-<ds:datastoreItem xmlns:ds="http://schemas.openxmlformats.org/officeDocument/2006/customXml" ds:itemID="{A1B88D5F-41A7-488A-960C-6D819000899D}">
-  <ds:schemaRefs>
-    <ds:schemaRef ds:uri="http://schemas.microsoft.com/VisualStudio/2011/storyboarding/control/v1.0"/>
-  </ds:schemaRefs>
-</ds:datastoreItem>
-</file>
-
-<file path=customXml/itemProps143.xml><?xml version="1.0" encoding="utf-8"?>
-<ds:datastoreItem xmlns:ds="http://schemas.openxmlformats.org/officeDocument/2006/customXml" ds:itemID="{CD17C18B-5B11-471F-97AA-CE2EA822BB97}">
-  <ds:schemaRefs>
-    <ds:schemaRef ds:uri="http://schemas.microsoft.com/VisualStudio/2011/storyboarding/control/v1.0"/>
-  </ds:schemaRefs>
-</ds:datastoreItem>
-</file>
-
-<file path=customXml/itemProps144.xml><?xml version="1.0" encoding="utf-8"?>
-<ds:datastoreItem xmlns:ds="http://schemas.openxmlformats.org/officeDocument/2006/customXml" ds:itemID="{1AF31726-A62F-4331-8622-ED351D5149B7}">
-  <ds:schemaRefs>
-    <ds:schemaRef ds:uri="http://schemas.microsoft.com/VisualStudio/2011/storyboarding/control"/>
-  </ds:schemaRefs>
-</ds:datastoreItem>
-</file>
-
-<file path=customXml/itemProps145.xml><?xml version="1.0" encoding="utf-8"?>
-<ds:datastoreItem xmlns:ds="http://schemas.openxmlformats.org/officeDocument/2006/customXml" ds:itemID="{BF4C2572-69B2-46F9-B2EF-DD9AC3769060}">
-  <ds:schemaRefs>
-    <ds:schemaRef ds:uri="http://schemas.microsoft.com/VisualStudio/2011/storyboarding/control"/>
-  </ds:schemaRefs>
-</ds:datastoreItem>
-</file>
-
-<file path=customXml/itemProps146.xml><?xml version="1.0" encoding="utf-8"?>
-<ds:datastoreItem xmlns:ds="http://schemas.openxmlformats.org/officeDocument/2006/customXml" ds:itemID="{2333FAD5-4B0F-46CB-85C1-5385EB3AD2B4}">
-  <ds:schemaRefs>
-    <ds:schemaRef ds:uri="http://schemas.microsoft.com/VisualStudio/2011/storyboarding/control"/>
-  </ds:schemaRefs>
-</ds:datastoreItem>
-</file>
-
-<file path=customXml/itemProps147.xml><?xml version="1.0" encoding="utf-8"?>
-<ds:datastoreItem xmlns:ds="http://schemas.openxmlformats.org/officeDocument/2006/customXml" ds:itemID="{C19FFBA0-FE96-460C-AA7A-1559EDC70E58}">
-  <ds:schemaRefs>
-    <ds:schemaRef ds:uri="http://schemas.microsoft.com/VisualStudio/2011/storyboarding/control"/>
-  </ds:schemaRefs>
-</ds:datastoreItem>
-</file>
-
-<file path=customXml/itemProps148.xml><?xml version="1.0" encoding="utf-8"?>
-<ds:datastoreItem xmlns:ds="http://schemas.openxmlformats.org/officeDocument/2006/customXml" ds:itemID="{E4955A29-9332-4962-A3C6-CC5E8FE29315}">
-  <ds:schemaRefs>
-    <ds:schemaRef ds:uri="http://schemas.microsoft.com/VisualStudio/2011/storyboarding/control"/>
-  </ds:schemaRefs>
-</ds:datastoreItem>
-</file>
-
-<file path=customXml/itemProps149.xml><?xml version="1.0" encoding="utf-8"?>
-<ds:datastoreItem xmlns:ds="http://schemas.openxmlformats.org/officeDocument/2006/customXml" ds:itemID="{1EDE67A2-BB67-481D-A5B0-088ECC7E1D16}">
-  <ds:schemaRefs>
-    <ds:schemaRef ds:uri="http://schemas.microsoft.com/VisualStudio/2011/storyboarding/control"/>
-  </ds:schemaRefs>
-</ds:datastoreItem>
-</file>
-
-<file path=customXml/itemProps15.xml><?xml version="1.0" encoding="utf-8"?>
-<ds:datastoreItem xmlns:ds="http://schemas.openxmlformats.org/officeDocument/2006/customXml" ds:itemID="{A40D73F4-5C62-409C-8927-126AD6D7A89E}">
-  <ds:schemaRefs>
-    <ds:schemaRef ds:uri="http://schemas.microsoft.com/VisualStudio/2011/storyboarding/control"/>
-  </ds:schemaRefs>
-</ds:datastoreItem>
-</file>
-
-<file path=customXml/itemProps150.xml><?xml version="1.0" encoding="utf-8"?>
-<ds:datastoreItem xmlns:ds="http://schemas.openxmlformats.org/officeDocument/2006/customXml" ds:itemID="{700D1735-9812-43F2-A398-5A9A7FE4CE02}">
-  <ds:schemaRefs>
-    <ds:schemaRef ds:uri="http://schemas.microsoft.com/VisualStudio/2011/storyboarding/control"/>
-  </ds:schemaRefs>
-</ds:datastoreItem>
-</file>
-
-<file path=customXml/itemProps151.xml><?xml version="1.0" encoding="utf-8"?>
-<ds:datastoreItem xmlns:ds="http://schemas.openxmlformats.org/officeDocument/2006/customXml" ds:itemID="{1882091E-66A1-40F1-863E-24CAEA4B162A}">
-  <ds:schemaRefs>
-    <ds:schemaRef ds:uri="http://schemas.microsoft.com/VisualStudio/2011/storyboarding/control"/>
-  </ds:schemaRefs>
-</ds:datastoreItem>
-</file>
-
-<file path=customXml/itemProps152.xml><?xml version="1.0" encoding="utf-8"?>
-<ds:datastoreItem xmlns:ds="http://schemas.openxmlformats.org/officeDocument/2006/customXml" ds:itemID="{3C6220BE-0F2A-49C6-BFB2-C458479F3F62}">
-  <ds:schemaRefs>
-    <ds:schemaRef ds:uri="http://schemas.microsoft.com/VisualStudio/2011/storyboarding/control/v1.0"/>
-  </ds:schemaRefs>
-</ds:datastoreItem>
-</file>
-
-<file path=customXml/itemProps153.xml><?xml version="1.0" encoding="utf-8"?>
-<ds:datastoreItem xmlns:ds="http://schemas.openxmlformats.org/officeDocument/2006/customXml" ds:itemID="{E6C688DD-065A-4726-BCE5-E5AFDA3F5641}">
-  <ds:schemaRefs>
-    <ds:schemaRef ds:uri="http://schemas.microsoft.com/VisualStudio/2011/storyboarding/control/v1.0"/>
-  </ds:schemaRefs>
-</ds:datastoreItem>
-</file>
-
-<file path=customXml/itemProps154.xml><?xml version="1.0" encoding="utf-8"?>
-<ds:datastoreItem xmlns:ds="http://schemas.openxmlformats.org/officeDocument/2006/customXml" ds:itemID="{AB006AED-D3B6-450F-A436-759E490055A5}">
-  <ds:schemaRefs>
-    <ds:schemaRef ds:uri="http://schemas.microsoft.com/VisualStudio/2011/storyboarding/control/v1.0"/>
-  </ds:schemaRefs>
-</ds:datastoreItem>
-</file>
-
-<file path=customXml/itemProps155.xml><?xml version="1.0" encoding="utf-8"?>
-<ds:datastoreItem xmlns:ds="http://schemas.openxmlformats.org/officeDocument/2006/customXml" ds:itemID="{07386B1B-B603-48F1-B273-2619CD39E415}">
-  <ds:schemaRefs>
-    <ds:schemaRef ds:uri="http://schemas.microsoft.com/VisualStudio/2011/storyboarding/control"/>
-  </ds:schemaRefs>
-</ds:datastoreItem>
-</file>
-
-<file path=customXml/itemProps156.xml><?xml version="1.0" encoding="utf-8"?>
-<ds:datastoreItem xmlns:ds="http://schemas.openxmlformats.org/officeDocument/2006/customXml" ds:itemID="{8B2BC39B-CAA5-48F4-92D5-7F73027D6DE2}">
-  <ds:schemaRefs>
-    <ds:schemaRef ds:uri="http://schemas.microsoft.com/VisualStudio/2011/storyboarding/control"/>
-  </ds:schemaRefs>
-</ds:datastoreItem>
-</file>
-
-<file path=customXml/itemProps157.xml><?xml version="1.0" encoding="utf-8"?>
-<ds:datastoreItem xmlns:ds="http://schemas.openxmlformats.org/officeDocument/2006/customXml" ds:itemID="{6772C88A-36A0-4EAC-86A3-BB16EEADAB3E}">
-  <ds:schemaRefs>
-    <ds:schemaRef ds:uri="http://schemas.microsoft.com/VisualStudio/2011/storyboarding/control/v1.0"/>
-  </ds:schemaRefs>
-</ds:datastoreItem>
-</file>
-
-<file path=customXml/itemProps158.xml><?xml version="1.0" encoding="utf-8"?>
-<ds:datastoreItem xmlns:ds="http://schemas.openxmlformats.org/officeDocument/2006/customXml" ds:itemID="{79539245-6219-4BDE-B124-341940B68859}">
-  <ds:schemaRefs>
-    <ds:schemaRef ds:uri="http://schemas.microsoft.com/VisualStudio/2011/storyboarding/control"/>
-  </ds:schemaRefs>
-</ds:datastoreItem>
-</file>
-
-<file path=customXml/itemProps159.xml><?xml version="1.0" encoding="utf-8"?>
-<ds:datastoreItem xmlns:ds="http://schemas.openxmlformats.org/officeDocument/2006/customXml" ds:itemID="{A7072B08-7F8C-4E35-AFFA-BCB19287748E}">
-  <ds:schemaRefs>
-    <ds:schemaRef ds:uri="http://schemas.microsoft.com/VisualStudio/2011/storyboarding/control"/>
-  </ds:schemaRefs>
-</ds:datastoreItem>
-</file>
-
-<file path=customXml/itemProps16.xml><?xml version="1.0" encoding="utf-8"?>
-<ds:datastoreItem xmlns:ds="http://schemas.openxmlformats.org/officeDocument/2006/customXml" ds:itemID="{070A0919-5036-4D47-9D0D-4D9A508634EC}">
-  <ds:schemaRefs>
-    <ds:schemaRef ds:uri="http://schemas.microsoft.com/VisualStudio/2011/storyboarding/control"/>
-  </ds:schemaRefs>
-</ds:datastoreItem>
-</file>
-
-<file path=customXml/itemProps160.xml><?xml version="1.0" encoding="utf-8"?>
-<ds:datastoreItem xmlns:ds="http://schemas.openxmlformats.org/officeDocument/2006/customXml" ds:itemID="{0CF90D37-4583-4098-B3E2-C11B98A33E5A}">
-  <ds:schemaRefs>
-    <ds:schemaRef ds:uri="http://schemas.microsoft.com/VisualStudio/2011/storyboarding/control"/>
-  </ds:schemaRefs>
-</ds:datastoreItem>
-</file>
-
-<file path=customXml/itemProps161.xml><?xml version="1.0" encoding="utf-8"?>
-<ds:datastoreItem xmlns:ds="http://schemas.openxmlformats.org/officeDocument/2006/customXml" ds:itemID="{7910AE8B-C176-4CC9-9252-E2F2D4E20013}">
-  <ds:schemaRefs>
-    <ds:schemaRef ds:uri="http://schemas.microsoft.com/VisualStudio/2011/storyboarding/control"/>
-  </ds:schemaRefs>
-</ds:datastoreItem>
-</file>
-
-<file path=customXml/itemProps162.xml><?xml version="1.0" encoding="utf-8"?>
+<file path=customXml/itemProps30.xml><?xml version="1.0" encoding="utf-8"?>
 <ds:datastoreItem xmlns:ds="http://schemas.openxmlformats.org/officeDocument/2006/customXml" ds:itemID="{2FEB3A16-E640-4049-92BF-229BF3B54149}">
   <ds:schemaRefs>
     <ds:schemaRef ds:uri="http://schemas.microsoft.com/office/2006/metadata/contentType"/>
@@ -48902,7 +49921,391 @@
 </ds:datastoreItem>
 </file>
 
-<file path=customXml/itemProps163.xml><?xml version="1.0" encoding="utf-8"?>
+<file path=customXml/itemProps300.xml><?xml version="1.0" encoding="utf-8"?>
+<ds:datastoreItem xmlns:ds="http://schemas.openxmlformats.org/officeDocument/2006/customXml" ds:itemID="{94AD1A0B-E9F6-4AC5-92C7-D2F1157C203A}">
+  <ds:schemaRefs>
+    <ds:schemaRef ds:uri="http://schemas.microsoft.com/VisualStudio/2011/storyboarding/control"/>
+  </ds:schemaRefs>
+</ds:datastoreItem>
+</file>
+
+<file path=customXml/itemProps301.xml><?xml version="1.0" encoding="utf-8"?>
+<ds:datastoreItem xmlns:ds="http://schemas.openxmlformats.org/officeDocument/2006/customXml" ds:itemID="{574C0546-69B0-4850-A983-CDA8017CD4CE}">
+  <ds:schemaRefs>
+    <ds:schemaRef ds:uri="http://schemas.microsoft.com/VisualStudio/2011/storyboarding/control"/>
+  </ds:schemaRefs>
+</ds:datastoreItem>
+</file>
+
+<file path=customXml/itemProps302.xml><?xml version="1.0" encoding="utf-8"?>
+<ds:datastoreItem xmlns:ds="http://schemas.openxmlformats.org/officeDocument/2006/customXml" ds:itemID="{99C05955-8F83-4A01-9B61-A4A6D0C430C1}">
+  <ds:schemaRefs>
+    <ds:schemaRef ds:uri="http://schemas.microsoft.com/VisualStudio/2011/storyboarding/control"/>
+  </ds:schemaRefs>
+</ds:datastoreItem>
+</file>
+
+<file path=customXml/itemProps303.xml><?xml version="1.0" encoding="utf-8"?>
+<ds:datastoreItem xmlns:ds="http://schemas.openxmlformats.org/officeDocument/2006/customXml" ds:itemID="{7CC61D81-7136-45FE-B8F4-A552B01AA236}">
+  <ds:schemaRefs>
+    <ds:schemaRef ds:uri="http://schemas.microsoft.com/VisualStudio/2011/storyboarding/control"/>
+  </ds:schemaRefs>
+</ds:datastoreItem>
+</file>
+
+<file path=customXml/itemProps304.xml><?xml version="1.0" encoding="utf-8"?>
+<ds:datastoreItem xmlns:ds="http://schemas.openxmlformats.org/officeDocument/2006/customXml" ds:itemID="{056219C8-2DDB-4448-8642-8825E7426201}">
+  <ds:schemaRefs>
+    <ds:schemaRef ds:uri="http://schemas.microsoft.com/VisualStudio/2011/storyboarding/control"/>
+  </ds:schemaRefs>
+</ds:datastoreItem>
+</file>
+
+<file path=customXml/itemProps305.xml><?xml version="1.0" encoding="utf-8"?>
+<ds:datastoreItem xmlns:ds="http://schemas.openxmlformats.org/officeDocument/2006/customXml" ds:itemID="{A7072B08-7F8C-4E35-AFFA-BCB19287748E}">
+  <ds:schemaRefs>
+    <ds:schemaRef ds:uri="http://schemas.microsoft.com/VisualStudio/2011/storyboarding/control"/>
+  </ds:schemaRefs>
+</ds:datastoreItem>
+</file>
+
+<file path=customXml/itemProps306.xml><?xml version="1.0" encoding="utf-8"?>
+<ds:datastoreItem xmlns:ds="http://schemas.openxmlformats.org/officeDocument/2006/customXml" ds:itemID="{D1B77EF3-D702-4711-B1A5-EFD587B9F7B2}">
+  <ds:schemaRefs>
+    <ds:schemaRef ds:uri="http://schemas.microsoft.com/VisualStudio/2011/storyboarding/control"/>
+  </ds:schemaRefs>
+</ds:datastoreItem>
+</file>
+
+<file path=customXml/itemProps307.xml><?xml version="1.0" encoding="utf-8"?>
+<ds:datastoreItem xmlns:ds="http://schemas.openxmlformats.org/officeDocument/2006/customXml" ds:itemID="{5587D3A2-4602-48A1-862D-10E645D868E0}">
+  <ds:schemaRefs>
+    <ds:schemaRef ds:uri="http://schemas.microsoft.com/VisualStudio/2011/storyboarding/control"/>
+  </ds:schemaRefs>
+</ds:datastoreItem>
+</file>
+
+<file path=customXml/itemProps308.xml><?xml version="1.0" encoding="utf-8"?>
+<ds:datastoreItem xmlns:ds="http://schemas.openxmlformats.org/officeDocument/2006/customXml" ds:itemID="{64C1A34D-9BCF-4EB1-9B34-5F6DD4A16513}">
+  <ds:schemaRefs>
+    <ds:schemaRef ds:uri="http://schemas.microsoft.com/VisualStudio/2011/storyboarding/control"/>
+  </ds:schemaRefs>
+</ds:datastoreItem>
+</file>
+
+<file path=customXml/itemProps309.xml><?xml version="1.0" encoding="utf-8"?>
+<ds:datastoreItem xmlns:ds="http://schemas.openxmlformats.org/officeDocument/2006/customXml" ds:itemID="{9C57ED54-5F7A-476D-BFE2-C46C7230CC6B}">
+  <ds:schemaRefs>
+    <ds:schemaRef ds:uri="http://schemas.microsoft.com/VisualStudio/2011/storyboarding/control/v1.0"/>
+  </ds:schemaRefs>
+</ds:datastoreItem>
+</file>
+
+<file path=customXml/itemProps31.xml><?xml version="1.0" encoding="utf-8"?>
+<ds:datastoreItem xmlns:ds="http://schemas.openxmlformats.org/officeDocument/2006/customXml" ds:itemID="{7A6C67DF-EAED-4DB3-8D1D-EDF223CB32C6}">
+  <ds:schemaRefs>
+    <ds:schemaRef ds:uri="http://schemas.microsoft.com/VisualStudio/2011/storyboarding/control"/>
+  </ds:schemaRefs>
+</ds:datastoreItem>
+</file>
+
+<file path=customXml/itemProps310.xml><?xml version="1.0" encoding="utf-8"?>
+<ds:datastoreItem xmlns:ds="http://schemas.openxmlformats.org/officeDocument/2006/customXml" ds:itemID="{4128EE26-B265-4FA3-97CC-CAAD73E8C185}">
+  <ds:schemaRefs>
+    <ds:schemaRef ds:uri="http://schemas.microsoft.com/VisualStudio/2011/storyboarding/control"/>
+  </ds:schemaRefs>
+</ds:datastoreItem>
+</file>
+
+<file path=customXml/itemProps311.xml><?xml version="1.0" encoding="utf-8"?>
+<ds:datastoreItem xmlns:ds="http://schemas.openxmlformats.org/officeDocument/2006/customXml" ds:itemID="{F1A6E310-0626-4DAC-A346-455C974A17E6}">
+  <ds:schemaRefs>
+    <ds:schemaRef ds:uri="http://schemas.microsoft.com/VisualStudio/2011/storyboarding/control"/>
+  </ds:schemaRefs>
+</ds:datastoreItem>
+</file>
+
+<file path=customXml/itemProps312.xml><?xml version="1.0" encoding="utf-8"?>
+<ds:datastoreItem xmlns:ds="http://schemas.openxmlformats.org/officeDocument/2006/customXml" ds:itemID="{E8BBFC1B-916D-426A-8825-D3326F96A0E7}">
+  <ds:schemaRefs>
+    <ds:schemaRef ds:uri="http://schemas.microsoft.com/VisualStudio/2011/storyboarding/control"/>
+  </ds:schemaRefs>
+</ds:datastoreItem>
+</file>
+
+<file path=customXml/itemProps313.xml><?xml version="1.0" encoding="utf-8"?>
+<ds:datastoreItem xmlns:ds="http://schemas.openxmlformats.org/officeDocument/2006/customXml" ds:itemID="{689D1D5E-D257-4BB6-B0A4-CC926BBA5400}">
+  <ds:schemaRefs>
+    <ds:schemaRef ds:uri="http://schemas.microsoft.com/VisualStudio/2011/storyboarding/control"/>
+  </ds:schemaRefs>
+</ds:datastoreItem>
+</file>
+
+<file path=customXml/itemProps314.xml><?xml version="1.0" encoding="utf-8"?>
+<ds:datastoreItem xmlns:ds="http://schemas.openxmlformats.org/officeDocument/2006/customXml" ds:itemID="{431A578B-FFA3-4F37-99C5-E028D90653D4}">
+  <ds:schemaRefs>
+    <ds:schemaRef ds:uri="http://schemas.microsoft.com/VisualStudio/2011/storyboarding/control"/>
+  </ds:schemaRefs>
+</ds:datastoreItem>
+</file>
+
+<file path=customXml/itemProps32.xml><?xml version="1.0" encoding="utf-8"?>
+<ds:datastoreItem xmlns:ds="http://schemas.openxmlformats.org/officeDocument/2006/customXml" ds:itemID="{E164FBF6-1352-49DB-9A1A-D144BA361278}">
+  <ds:schemaRefs>
+    <ds:schemaRef ds:uri="http://schemas.microsoft.com/VisualStudio/2011/storyboarding/control"/>
+  </ds:schemaRefs>
+</ds:datastoreItem>
+</file>
+
+<file path=customXml/itemProps33.xml><?xml version="1.0" encoding="utf-8"?>
+<ds:datastoreItem xmlns:ds="http://schemas.openxmlformats.org/officeDocument/2006/customXml" ds:itemID="{ED84F838-8F99-4062-9A97-EB75BCEFDDE9}">
+  <ds:schemaRefs>
+    <ds:schemaRef ds:uri="http://schemas.microsoft.com/VisualStudio/2011/storyboarding/control"/>
+  </ds:schemaRefs>
+</ds:datastoreItem>
+</file>
+
+<file path=customXml/itemProps34.xml><?xml version="1.0" encoding="utf-8"?>
+<ds:datastoreItem xmlns:ds="http://schemas.openxmlformats.org/officeDocument/2006/customXml" ds:itemID="{A0B3715A-C40A-4FA7-84AD-3255E65EDFB9}">
+  <ds:schemaRefs>
+    <ds:schemaRef ds:uri="http://schemas.microsoft.com/VisualStudio/2011/storyboarding/control"/>
+  </ds:schemaRefs>
+</ds:datastoreItem>
+</file>
+
+<file path=customXml/itemProps35.xml><?xml version="1.0" encoding="utf-8"?>
+<ds:datastoreItem xmlns:ds="http://schemas.openxmlformats.org/officeDocument/2006/customXml" ds:itemID="{CE62CA99-6887-4EB1-9C10-6D57DFF49F63}">
+  <ds:schemaRefs>
+    <ds:schemaRef ds:uri="http://schemas.microsoft.com/VisualStudio/2011/storyboarding/control"/>
+  </ds:schemaRefs>
+</ds:datastoreItem>
+</file>
+
+<file path=customXml/itemProps36.xml><?xml version="1.0" encoding="utf-8"?>
+<ds:datastoreItem xmlns:ds="http://schemas.openxmlformats.org/officeDocument/2006/customXml" ds:itemID="{453431D8-11E8-44D9-8F58-30B056857265}">
+  <ds:schemaRefs>
+    <ds:schemaRef ds:uri="http://schemas.microsoft.com/VisualStudio/2011/storyboarding/control"/>
+  </ds:schemaRefs>
+</ds:datastoreItem>
+</file>
+
+<file path=customXml/itemProps37.xml><?xml version="1.0" encoding="utf-8"?>
+<ds:datastoreItem xmlns:ds="http://schemas.openxmlformats.org/officeDocument/2006/customXml" ds:itemID="{5DBFF5E1-D0FE-4FAD-88CA-B82495D76ACF}">
+  <ds:schemaRefs>
+    <ds:schemaRef ds:uri="http://schemas.microsoft.com/VisualStudio/2011/storyboarding/control"/>
+  </ds:schemaRefs>
+</ds:datastoreItem>
+</file>
+
+<file path=customXml/itemProps38.xml><?xml version="1.0" encoding="utf-8"?>
+<ds:datastoreItem xmlns:ds="http://schemas.openxmlformats.org/officeDocument/2006/customXml" ds:itemID="{2EF9B67E-6439-466F-A97B-67B594D93EC7}">
+  <ds:schemaRefs>
+    <ds:schemaRef ds:uri="http://schemas.microsoft.com/VisualStudio/2011/storyboarding/control"/>
+  </ds:schemaRefs>
+</ds:datastoreItem>
+</file>
+
+<file path=customXml/itemProps39.xml><?xml version="1.0" encoding="utf-8"?>
+<ds:datastoreItem xmlns:ds="http://schemas.openxmlformats.org/officeDocument/2006/customXml" ds:itemID="{387838C4-29F2-40AB-9647-8346D39956AB}">
+  <ds:schemaRefs>
+    <ds:schemaRef ds:uri="http://schemas.microsoft.com/VisualStudio/2011/storyboarding/control"/>
+  </ds:schemaRefs>
+</ds:datastoreItem>
+</file>
+
+<file path=customXml/itemProps4.xml><?xml version="1.0" encoding="utf-8"?>
+<ds:datastoreItem xmlns:ds="http://schemas.openxmlformats.org/officeDocument/2006/customXml" ds:itemID="{0AEDB3B7-A8AC-4E3C-AEB5-6723FB4DA5F1}">
+  <ds:schemaRefs>
+    <ds:schemaRef ds:uri="http://schemas.microsoft.com/VisualStudio/2011/storyboarding/control"/>
+  </ds:schemaRefs>
+</ds:datastoreItem>
+</file>
+
+<file path=customXml/itemProps40.xml><?xml version="1.0" encoding="utf-8"?>
+<ds:datastoreItem xmlns:ds="http://schemas.openxmlformats.org/officeDocument/2006/customXml" ds:itemID="{EDE713BE-A567-491C-902D-E6087D824056}">
+  <ds:schemaRefs>
+    <ds:schemaRef ds:uri="http://schemas.microsoft.com/VisualStudio/2011/storyboarding/control/v1.0"/>
+  </ds:schemaRefs>
+</ds:datastoreItem>
+</file>
+
+<file path=customXml/itemProps41.xml><?xml version="1.0" encoding="utf-8"?>
+<ds:datastoreItem xmlns:ds="http://schemas.openxmlformats.org/officeDocument/2006/customXml" ds:itemID="{E5723664-F93B-4E22-B1B6-B5098FD1FF64}">
+  <ds:schemaRefs>
+    <ds:schemaRef ds:uri="http://schemas.microsoft.com/VisualStudio/2011/storyboarding/control"/>
+  </ds:schemaRefs>
+</ds:datastoreItem>
+</file>
+
+<file path=customXml/itemProps42.xml><?xml version="1.0" encoding="utf-8"?>
+<ds:datastoreItem xmlns:ds="http://schemas.openxmlformats.org/officeDocument/2006/customXml" ds:itemID="{B86CCFE5-B204-463A-8823-237DAF399305}">
+  <ds:schemaRefs>
+    <ds:schemaRef ds:uri="http://schemas.microsoft.com/VisualStudio/2011/storyboarding/control"/>
+  </ds:schemaRefs>
+</ds:datastoreItem>
+</file>
+
+<file path=customXml/itemProps43.xml><?xml version="1.0" encoding="utf-8"?>
+<ds:datastoreItem xmlns:ds="http://schemas.openxmlformats.org/officeDocument/2006/customXml" ds:itemID="{AA5E4F96-8C72-44F9-A0C5-FB007B246D91}">
+  <ds:schemaRefs>
+    <ds:schemaRef ds:uri="http://schemas.microsoft.com/VisualStudio/2011/storyboarding/control/v1.0"/>
+  </ds:schemaRefs>
+</ds:datastoreItem>
+</file>
+
+<file path=customXml/itemProps44.xml><?xml version="1.0" encoding="utf-8"?>
+<ds:datastoreItem xmlns:ds="http://schemas.openxmlformats.org/officeDocument/2006/customXml" ds:itemID="{3C6220BE-0F2A-49C6-BFB2-C458479F3F62}">
+  <ds:schemaRefs>
+    <ds:schemaRef ds:uri="http://schemas.microsoft.com/VisualStudio/2011/storyboarding/control/v1.0"/>
+  </ds:schemaRefs>
+</ds:datastoreItem>
+</file>
+
+<file path=customXml/itemProps45.xml><?xml version="1.0" encoding="utf-8"?>
+<ds:datastoreItem xmlns:ds="http://schemas.openxmlformats.org/officeDocument/2006/customXml" ds:itemID="{BDECF2A2-F746-4DBC-8C83-264123BBDBFC}">
+  <ds:schemaRefs>
+    <ds:schemaRef ds:uri="http://schemas.microsoft.com/VisualStudio/2011/storyboarding/control"/>
+  </ds:schemaRefs>
+</ds:datastoreItem>
+</file>
+
+<file path=customXml/itemProps46.xml><?xml version="1.0" encoding="utf-8"?>
+<ds:datastoreItem xmlns:ds="http://schemas.openxmlformats.org/officeDocument/2006/customXml" ds:itemID="{CF34EB2F-12F9-409B-ADD9-81F160B1B89D}">
+  <ds:schemaRefs>
+    <ds:schemaRef ds:uri="http://schemas.microsoft.com/VisualStudio/2011/storyboarding/control"/>
+  </ds:schemaRefs>
+</ds:datastoreItem>
+</file>
+
+<file path=customXml/itemProps47.xml><?xml version="1.0" encoding="utf-8"?>
+<ds:datastoreItem xmlns:ds="http://schemas.openxmlformats.org/officeDocument/2006/customXml" ds:itemID="{814432F2-7AE9-411E-9F7B-EBBF16C4666D}">
+  <ds:schemaRefs>
+    <ds:schemaRef ds:uri="http://schemas.microsoft.com/VisualStudio/2011/storyboarding/control/v1.0"/>
+  </ds:schemaRefs>
+</ds:datastoreItem>
+</file>
+
+<file path=customXml/itemProps48.xml><?xml version="1.0" encoding="utf-8"?>
+<ds:datastoreItem xmlns:ds="http://schemas.openxmlformats.org/officeDocument/2006/customXml" ds:itemID="{00058C37-2776-41CC-825C-5662329DBF01}">
+  <ds:schemaRefs>
+    <ds:schemaRef ds:uri="http://schemas.microsoft.com/VisualStudio/2011/storyboarding/control"/>
+  </ds:schemaRefs>
+</ds:datastoreItem>
+</file>
+
+<file path=customXml/itemProps49.xml><?xml version="1.0" encoding="utf-8"?>
+<ds:datastoreItem xmlns:ds="http://schemas.openxmlformats.org/officeDocument/2006/customXml" ds:itemID="{1976123C-3A8F-4E9E-A7EA-2EA4F611710C}">
+  <ds:schemaRefs>
+    <ds:schemaRef ds:uri="http://schemas.microsoft.com/VisualStudio/2011/storyboarding/control"/>
+  </ds:schemaRefs>
+</ds:datastoreItem>
+</file>
+
+<file path=customXml/itemProps5.xml><?xml version="1.0" encoding="utf-8"?>
+<ds:datastoreItem xmlns:ds="http://schemas.openxmlformats.org/officeDocument/2006/customXml" ds:itemID="{2E2EBA79-387D-48F3-8F1E-66EE14F34655}">
+  <ds:schemaRefs>
+    <ds:schemaRef ds:uri="http://schemas.microsoft.com/VisualStudio/2011/storyboarding/control"/>
+  </ds:schemaRefs>
+</ds:datastoreItem>
+</file>
+
+<file path=customXml/itemProps50.xml><?xml version="1.0" encoding="utf-8"?>
+<ds:datastoreItem xmlns:ds="http://schemas.openxmlformats.org/officeDocument/2006/customXml" ds:itemID="{083C6336-2A1A-46E8-A91E-BFCF2D1B0C8B}">
+  <ds:schemaRefs>
+    <ds:schemaRef ds:uri="http://schemas.microsoft.com/VisualStudio/2011/storyboarding/control"/>
+  </ds:schemaRefs>
+</ds:datastoreItem>
+</file>
+
+<file path=customXml/itemProps51.xml><?xml version="1.0" encoding="utf-8"?>
+<ds:datastoreItem xmlns:ds="http://schemas.openxmlformats.org/officeDocument/2006/customXml" ds:itemID="{E9C4CBB0-7D2F-42EC-9ED0-589327F3DDE1}">
+  <ds:schemaRefs>
+    <ds:schemaRef ds:uri="http://schemas.microsoft.com/VisualStudio/2011/storyboarding/control"/>
+  </ds:schemaRefs>
+</ds:datastoreItem>
+</file>
+
+<file path=customXml/itemProps52.xml><?xml version="1.0" encoding="utf-8"?>
+<ds:datastoreItem xmlns:ds="http://schemas.openxmlformats.org/officeDocument/2006/customXml" ds:itemID="{4CFA599C-9F1C-4AB4-AB4F-10CF77B58F79}">
+  <ds:schemaRefs>
+    <ds:schemaRef ds:uri="http://schemas.microsoft.com/VisualStudio/2011/storyboarding/control/v1.0"/>
+  </ds:schemaRefs>
+</ds:datastoreItem>
+</file>
+
+<file path=customXml/itemProps53.xml><?xml version="1.0" encoding="utf-8"?>
+<ds:datastoreItem xmlns:ds="http://schemas.openxmlformats.org/officeDocument/2006/customXml" ds:itemID="{F395D8ED-A0D3-4F6E-91F3-A29EC16A8083}">
+  <ds:schemaRefs>
+    <ds:schemaRef ds:uri="http://schemas.microsoft.com/VisualStudio/2011/storyboarding/control/v1.0"/>
+  </ds:schemaRefs>
+</ds:datastoreItem>
+</file>
+
+<file path=customXml/itemProps54.xml><?xml version="1.0" encoding="utf-8"?>
+<ds:datastoreItem xmlns:ds="http://schemas.openxmlformats.org/officeDocument/2006/customXml" ds:itemID="{5423C7C4-EE26-4ED2-9F11-C9ABAA081BA5}">
+  <ds:schemaRefs>
+    <ds:schemaRef ds:uri="http://schemas.microsoft.com/VisualStudio/2011/storyboarding/control/v1.0"/>
+  </ds:schemaRefs>
+</ds:datastoreItem>
+</file>
+
+<file path=customXml/itemProps55.xml><?xml version="1.0" encoding="utf-8"?>
+<ds:datastoreItem xmlns:ds="http://schemas.openxmlformats.org/officeDocument/2006/customXml" ds:itemID="{F6284D1D-3B60-45C8-9401-39277E43FA4C}">
+  <ds:schemaRefs>
+    <ds:schemaRef ds:uri="http://schemas.microsoft.com/VisualStudio/2011/storyboarding/control"/>
+  </ds:schemaRefs>
+</ds:datastoreItem>
+</file>
+
+<file path=customXml/itemProps56.xml><?xml version="1.0" encoding="utf-8"?>
+<ds:datastoreItem xmlns:ds="http://schemas.openxmlformats.org/officeDocument/2006/customXml" ds:itemID="{59F3BF51-CF83-45E9-9E04-A39D5DBFD0AE}">
+  <ds:schemaRefs>
+    <ds:schemaRef ds:uri="http://schemas.microsoft.com/VisualStudio/2011/storyboarding/control"/>
+  </ds:schemaRefs>
+</ds:datastoreItem>
+</file>
+
+<file path=customXml/itemProps57.xml><?xml version="1.0" encoding="utf-8"?>
+<ds:datastoreItem xmlns:ds="http://schemas.openxmlformats.org/officeDocument/2006/customXml" ds:itemID="{3F032E52-7009-4752-B05A-A09B42D51897}">
+  <ds:schemaRefs>
+    <ds:schemaRef ds:uri="http://schemas.microsoft.com/VisualStudio/2011/storyboarding/control"/>
+  </ds:schemaRefs>
+</ds:datastoreItem>
+</file>
+
+<file path=customXml/itemProps58.xml><?xml version="1.0" encoding="utf-8"?>
+<ds:datastoreItem xmlns:ds="http://schemas.openxmlformats.org/officeDocument/2006/customXml" ds:itemID="{359B13B5-DE77-48C2-859A-70355A1B9D90}">
+  <ds:schemaRefs>
+    <ds:schemaRef ds:uri="http://schemas.microsoft.com/VisualStudio/2011/storyboarding/control/v1.0"/>
+  </ds:schemaRefs>
+</ds:datastoreItem>
+</file>
+
+<file path=customXml/itemProps59.xml><?xml version="1.0" encoding="utf-8"?>
+<ds:datastoreItem xmlns:ds="http://schemas.openxmlformats.org/officeDocument/2006/customXml" ds:itemID="{416D00B5-FBFE-483F-BE84-520287240459}">
+  <ds:schemaRefs>
+    <ds:schemaRef ds:uri="http://schemas.microsoft.com/VisualStudio/2011/storyboarding/control/v1.0"/>
+  </ds:schemaRefs>
+</ds:datastoreItem>
+</file>
+
+<file path=customXml/itemProps6.xml><?xml version="1.0" encoding="utf-8"?>
+<ds:datastoreItem xmlns:ds="http://schemas.openxmlformats.org/officeDocument/2006/customXml" ds:itemID="{379BFC32-51F7-4218-B2AD-CFD6564CE11F}">
+  <ds:schemaRefs>
+    <ds:schemaRef ds:uri="http://schemas.microsoft.com/VisualStudio/2011/storyboarding/control"/>
+  </ds:schemaRefs>
+</ds:datastoreItem>
+</file>
+
+<file path=customXml/itemProps60.xml><?xml version="1.0" encoding="utf-8"?>
+<ds:datastoreItem xmlns:ds="http://schemas.openxmlformats.org/officeDocument/2006/customXml" ds:itemID="{A1B88D5F-41A7-488A-960C-6D819000899D}">
+  <ds:schemaRefs>
+    <ds:schemaRef ds:uri="http://schemas.microsoft.com/VisualStudio/2011/storyboarding/control/v1.0"/>
+  </ds:schemaRefs>
+</ds:datastoreItem>
+</file>
+
+<file path=customXml/itemProps61.xml><?xml version="1.0" encoding="utf-8"?>
 <ds:datastoreItem xmlns:ds="http://schemas.openxmlformats.org/officeDocument/2006/customXml" ds:itemID="{672609A4-F990-4E8E-B553-561D3489121F}">
   <ds:schemaRefs>
     <ds:schemaRef ds:uri="http://schemas.microsoft.com/VisualStudio/2011/storyboarding/control"/>
@@ -48910,7 +50313,263 @@
 </ds:datastoreItem>
 </file>
 
-<file path=customXml/itemProps164.xml><?xml version="1.0" encoding="utf-8"?>
+<file path=customXml/itemProps62.xml><?xml version="1.0" encoding="utf-8"?>
+<ds:datastoreItem xmlns:ds="http://schemas.openxmlformats.org/officeDocument/2006/customXml" ds:itemID="{01951054-2A1B-4EB3-9239-E5A3B1808350}">
+  <ds:schemaRefs>
+    <ds:schemaRef ds:uri="http://schemas.microsoft.com/VisualStudio/2011/storyboarding/control"/>
+  </ds:schemaRefs>
+</ds:datastoreItem>
+</file>
+
+<file path=customXml/itemProps63.xml><?xml version="1.0" encoding="utf-8"?>
+<ds:datastoreItem xmlns:ds="http://schemas.openxmlformats.org/officeDocument/2006/customXml" ds:itemID="{0062AF88-B988-48B1-B42A-67FEE33A1AA0}">
+  <ds:schemaRefs>
+    <ds:schemaRef ds:uri="http://schemas.microsoft.com/VisualStudio/2011/storyboarding/control"/>
+  </ds:schemaRefs>
+</ds:datastoreItem>
+</file>
+
+<file path=customXml/itemProps64.xml><?xml version="1.0" encoding="utf-8"?>
+<ds:datastoreItem xmlns:ds="http://schemas.openxmlformats.org/officeDocument/2006/customXml" ds:itemID="{2FDCAE22-C8AB-4C60-9F13-1F1A855F08D9}">
+  <ds:schemaRefs>
+    <ds:schemaRef ds:uri="http://schemas.microsoft.com/VisualStudio/2011/storyboarding/control"/>
+  </ds:schemaRefs>
+</ds:datastoreItem>
+</file>
+
+<file path=customXml/itemProps65.xml><?xml version="1.0" encoding="utf-8"?>
+<ds:datastoreItem xmlns:ds="http://schemas.openxmlformats.org/officeDocument/2006/customXml" ds:itemID="{A17DCA50-D019-440D-8E48-0280B22348BA}">
+  <ds:schemaRefs>
+    <ds:schemaRef ds:uri="http://schemas.microsoft.com/VisualStudio/2011/storyboarding/control"/>
+  </ds:schemaRefs>
+</ds:datastoreItem>
+</file>
+
+<file path=customXml/itemProps66.xml><?xml version="1.0" encoding="utf-8"?>
+<ds:datastoreItem xmlns:ds="http://schemas.openxmlformats.org/officeDocument/2006/customXml" ds:itemID="{92A76F61-31F3-46AF-90CF-A8930E14B64B}">
+  <ds:schemaRefs>
+    <ds:schemaRef ds:uri="http://schemas.microsoft.com/VisualStudio/2011/storyboarding/control"/>
+  </ds:schemaRefs>
+</ds:datastoreItem>
+</file>
+
+<file path=customXml/itemProps67.xml><?xml version="1.0" encoding="utf-8"?>
+<ds:datastoreItem xmlns:ds="http://schemas.openxmlformats.org/officeDocument/2006/customXml" ds:itemID="{AECE9E1B-E7C1-46F6-9945-164C1E49BE74}">
+  <ds:schemaRefs>
+    <ds:schemaRef ds:uri="http://schemas.microsoft.com/VisualStudio/2011/storyboarding/control/v1.0"/>
+  </ds:schemaRefs>
+</ds:datastoreItem>
+</file>
+
+<file path=customXml/itemProps68.xml><?xml version="1.0" encoding="utf-8"?>
+<ds:datastoreItem xmlns:ds="http://schemas.openxmlformats.org/officeDocument/2006/customXml" ds:itemID="{5AEB498F-611A-4747-BA30-9FC7F2005BBC}">
+  <ds:schemaRefs>
+    <ds:schemaRef ds:uri="http://schemas.microsoft.com/VisualStudio/2011/storyboarding/control"/>
+  </ds:schemaRefs>
+</ds:datastoreItem>
+</file>
+
+<file path=customXml/itemProps69.xml><?xml version="1.0" encoding="utf-8"?>
+<ds:datastoreItem xmlns:ds="http://schemas.openxmlformats.org/officeDocument/2006/customXml" ds:itemID="{4BBB479A-7116-4DFF-B5F0-559C79AF2773}">
+  <ds:schemaRefs>
+    <ds:schemaRef ds:uri="http://schemas.microsoft.com/VisualStudio/2011/storyboarding/control"/>
+  </ds:schemaRefs>
+</ds:datastoreItem>
+</file>
+
+<file path=customXml/itemProps7.xml><?xml version="1.0" encoding="utf-8"?>
+<ds:datastoreItem xmlns:ds="http://schemas.openxmlformats.org/officeDocument/2006/customXml" ds:itemID="{700D1735-9812-43F2-A398-5A9A7FE4CE02}">
+  <ds:schemaRefs>
+    <ds:schemaRef ds:uri="http://schemas.microsoft.com/VisualStudio/2011/storyboarding/control"/>
+  </ds:schemaRefs>
+</ds:datastoreItem>
+</file>
+
+<file path=customXml/itemProps70.xml><?xml version="1.0" encoding="utf-8"?>
+<ds:datastoreItem xmlns:ds="http://schemas.openxmlformats.org/officeDocument/2006/customXml" ds:itemID="{6E960401-8906-46E6-A456-7B8ADE8CBF74}">
+  <ds:schemaRefs>
+    <ds:schemaRef ds:uri="http://schemas.microsoft.com/VisualStudio/2011/storyboarding/control"/>
+  </ds:schemaRefs>
+</ds:datastoreItem>
+</file>
+
+<file path=customXml/itemProps71.xml><?xml version="1.0" encoding="utf-8"?>
+<ds:datastoreItem xmlns:ds="http://schemas.openxmlformats.org/officeDocument/2006/customXml" ds:itemID="{5D8DFC2E-1554-4A18-8359-FD46264D5226}">
+  <ds:schemaRefs>
+    <ds:schemaRef ds:uri="http://schemas.microsoft.com/VisualStudio/2011/storyboarding/control"/>
+  </ds:schemaRefs>
+</ds:datastoreItem>
+</file>
+
+<file path=customXml/itemProps72.xml><?xml version="1.0" encoding="utf-8"?>
+<ds:datastoreItem xmlns:ds="http://schemas.openxmlformats.org/officeDocument/2006/customXml" ds:itemID="{916A51F4-761E-4234-825A-DF2165BA716E}">
+  <ds:schemaRefs>
+    <ds:schemaRef ds:uri="http://schemas.microsoft.com/VisualStudio/2011/storyboarding/control"/>
+  </ds:schemaRefs>
+</ds:datastoreItem>
+</file>
+
+<file path=customXml/itemProps73.xml><?xml version="1.0" encoding="utf-8"?>
+<ds:datastoreItem xmlns:ds="http://schemas.openxmlformats.org/officeDocument/2006/customXml" ds:itemID="{92675051-6BC6-4BCB-A4C3-2D65BD737D8A}">
+  <ds:schemaRefs>
+    <ds:schemaRef ds:uri="http://schemas.microsoft.com/VisualStudio/2011/storyboarding/control"/>
+  </ds:schemaRefs>
+</ds:datastoreItem>
+</file>
+
+<file path=customXml/itemProps74.xml><?xml version="1.0" encoding="utf-8"?>
+<ds:datastoreItem xmlns:ds="http://schemas.openxmlformats.org/officeDocument/2006/customXml" ds:itemID="{B2C9D19C-4878-43E0-A5AD-CB76AB49D960}">
+  <ds:schemaRefs>
+    <ds:schemaRef ds:uri="http://schemas.microsoft.com/VisualStudio/2011/storyboarding/control/v1.0"/>
+  </ds:schemaRefs>
+</ds:datastoreItem>
+</file>
+
+<file path=customXml/itemProps75.xml><?xml version="1.0" encoding="utf-8"?>
+<ds:datastoreItem xmlns:ds="http://schemas.openxmlformats.org/officeDocument/2006/customXml" ds:itemID="{E6C688DD-065A-4726-BCE5-E5AFDA3F5641}">
+  <ds:schemaRefs>
+    <ds:schemaRef ds:uri="http://schemas.microsoft.com/VisualStudio/2011/storyboarding/control/v1.0"/>
+  </ds:schemaRefs>
+</ds:datastoreItem>
+</file>
+
+<file path=customXml/itemProps76.xml><?xml version="1.0" encoding="utf-8"?>
+<ds:datastoreItem xmlns:ds="http://schemas.openxmlformats.org/officeDocument/2006/customXml" ds:itemID="{4EE14C2A-AD9F-4617-A8CC-4057921BFCA8}">
+  <ds:schemaRefs>
+    <ds:schemaRef ds:uri="http://schemas.microsoft.com/VisualStudio/2011/storyboarding/control/v1.0"/>
+  </ds:schemaRefs>
+</ds:datastoreItem>
+</file>
+
+<file path=customXml/itemProps77.xml><?xml version="1.0" encoding="utf-8"?>
+<ds:datastoreItem xmlns:ds="http://schemas.openxmlformats.org/officeDocument/2006/customXml" ds:itemID="{E00F1A5A-BFA5-4260-9548-C5D415AAE018}">
+  <ds:schemaRefs>
+    <ds:schemaRef ds:uri="http://schemas.microsoft.com/VisualStudio/2011/storyboarding/control"/>
+  </ds:schemaRefs>
+</ds:datastoreItem>
+</file>
+
+<file path=customXml/itemProps78.xml><?xml version="1.0" encoding="utf-8"?>
+<ds:datastoreItem xmlns:ds="http://schemas.openxmlformats.org/officeDocument/2006/customXml" ds:itemID="{E2968586-6EB5-4B3C-A2E1-82E35F695B75}">
+  <ds:schemaRefs>
+    <ds:schemaRef ds:uri="http://schemas.microsoft.com/VisualStudio/2011/storyboarding/control/v1.0"/>
+  </ds:schemaRefs>
+</ds:datastoreItem>
+</file>
+
+<file path=customXml/itemProps79.xml><?xml version="1.0" encoding="utf-8"?>
+<ds:datastoreItem xmlns:ds="http://schemas.openxmlformats.org/officeDocument/2006/customXml" ds:itemID="{64A06D12-0C7F-4F2C-BFDB-4E96BE9DF1F5}">
+  <ds:schemaRefs>
+    <ds:schemaRef ds:uri="http://schemas.microsoft.com/VisualStudio/2011/storyboarding/control"/>
+  </ds:schemaRefs>
+</ds:datastoreItem>
+</file>
+
+<file path=customXml/itemProps8.xml><?xml version="1.0" encoding="utf-8"?>
+<ds:datastoreItem xmlns:ds="http://schemas.openxmlformats.org/officeDocument/2006/customXml" ds:itemID="{B41892D7-DF8B-4D5A-8AD2-983048A35AA0}">
+  <ds:schemaRefs>
+    <ds:schemaRef ds:uri="http://schemas.microsoft.com/VisualStudio/2011/storyboarding/control/v1.0"/>
+  </ds:schemaRefs>
+</ds:datastoreItem>
+</file>
+
+<file path=customXml/itemProps80.xml><?xml version="1.0" encoding="utf-8"?>
+<ds:datastoreItem xmlns:ds="http://schemas.openxmlformats.org/officeDocument/2006/customXml" ds:itemID="{15C208BD-B335-417C-9169-07AE3E393AB4}">
+  <ds:schemaRefs>
+    <ds:schemaRef ds:uri="http://schemas.microsoft.com/VisualStudio/2011/storyboarding/control"/>
+  </ds:schemaRefs>
+</ds:datastoreItem>
+</file>
+
+<file path=customXml/itemProps81.xml><?xml version="1.0" encoding="utf-8"?>
+<ds:datastoreItem xmlns:ds="http://schemas.openxmlformats.org/officeDocument/2006/customXml" ds:itemID="{A40D73F4-5C62-409C-8927-126AD6D7A89E}">
+  <ds:schemaRefs>
+    <ds:schemaRef ds:uri="http://schemas.microsoft.com/VisualStudio/2011/storyboarding/control"/>
+  </ds:schemaRefs>
+</ds:datastoreItem>
+</file>
+
+<file path=customXml/itemProps82.xml><?xml version="1.0" encoding="utf-8"?>
+<ds:datastoreItem xmlns:ds="http://schemas.openxmlformats.org/officeDocument/2006/customXml" ds:itemID="{B7BD4F34-B154-4D92-BE87-C557EB1B7EFB}">
+  <ds:schemaRefs>
+    <ds:schemaRef ds:uri="http://schemas.microsoft.com/sharepoint/v3/contenttype/forms"/>
+  </ds:schemaRefs>
+</ds:datastoreItem>
+</file>
+
+<file path=customXml/itemProps83.xml><?xml version="1.0" encoding="utf-8"?>
+<ds:datastoreItem xmlns:ds="http://schemas.openxmlformats.org/officeDocument/2006/customXml" ds:itemID="{C29BC5F4-0639-40EF-AE58-276891D954E3}">
+  <ds:schemaRefs>
+    <ds:schemaRef ds:uri="http://schemas.microsoft.com/VisualStudio/2011/storyboarding/control"/>
+  </ds:schemaRefs>
+</ds:datastoreItem>
+</file>
+
+<file path=customXml/itemProps84.xml><?xml version="1.0" encoding="utf-8"?>
+<ds:datastoreItem xmlns:ds="http://schemas.openxmlformats.org/officeDocument/2006/customXml" ds:itemID="{C0CC6341-FB9A-4E7F-BCCB-2AAF5D010E4B}">
+  <ds:schemaRefs>
+    <ds:schemaRef ds:uri="http://schemas.microsoft.com/VisualStudio/2011/storyboarding/control"/>
+  </ds:schemaRefs>
+</ds:datastoreItem>
+</file>
+
+<file path=customXml/itemProps85.xml><?xml version="1.0" encoding="utf-8"?>
+<ds:datastoreItem xmlns:ds="http://schemas.openxmlformats.org/officeDocument/2006/customXml" ds:itemID="{A2467CA4-1312-4CB2-8D35-F125ADE86BDB}">
+  <ds:schemaRefs>
+    <ds:schemaRef ds:uri="http://schemas.microsoft.com/VisualStudio/2011/storyboarding/control"/>
+  </ds:schemaRefs>
+</ds:datastoreItem>
+</file>
+
+<file path=customXml/itemProps86.xml><?xml version="1.0" encoding="utf-8"?>
+<ds:datastoreItem xmlns:ds="http://schemas.openxmlformats.org/officeDocument/2006/customXml" ds:itemID="{B571350C-23C3-4B5A-8F49-FBEB6CF22964}">
+  <ds:schemaRefs>
+    <ds:schemaRef ds:uri="http://schemas.microsoft.com/VisualStudio/2011/storyboarding/control/v1.0"/>
+  </ds:schemaRefs>
+</ds:datastoreItem>
+</file>
+
+<file path=customXml/itemProps87.xml><?xml version="1.0" encoding="utf-8"?>
+<ds:datastoreItem xmlns:ds="http://schemas.openxmlformats.org/officeDocument/2006/customXml" ds:itemID="{2B6243A2-99B5-42ED-B049-93E27D774527}">
+  <ds:schemaRefs>
+    <ds:schemaRef ds:uri="http://schemas.microsoft.com/VisualStudio/2011/storyboarding/control/v1.0"/>
+  </ds:schemaRefs>
+</ds:datastoreItem>
+</file>
+
+<file path=customXml/itemProps88.xml><?xml version="1.0" encoding="utf-8"?>
+<ds:datastoreItem xmlns:ds="http://schemas.openxmlformats.org/officeDocument/2006/customXml" ds:itemID="{9E78B062-440B-4D44-A48C-B829AC541158}">
+  <ds:schemaRefs>
+    <ds:schemaRef ds:uri="http://schemas.microsoft.com/VisualStudio/2011/storyboarding/control"/>
+  </ds:schemaRefs>
+</ds:datastoreItem>
+</file>
+
+<file path=customXml/itemProps89.xml><?xml version="1.0" encoding="utf-8"?>
+<ds:datastoreItem xmlns:ds="http://schemas.openxmlformats.org/officeDocument/2006/customXml" ds:itemID="{D705ACE5-FAF8-44EC-9622-845721B4A44D}">
+  <ds:schemaRefs>
+    <ds:schemaRef ds:uri="http://schemas.microsoft.com/VisualStudio/2011/storyboarding/control/v1.0"/>
+  </ds:schemaRefs>
+</ds:datastoreItem>
+</file>
+
+<file path=customXml/itemProps9.xml><?xml version="1.0" encoding="utf-8"?>
+<ds:datastoreItem xmlns:ds="http://schemas.openxmlformats.org/officeDocument/2006/customXml" ds:itemID="{32B32180-C250-467B-9107-7B6DF8D1F3E1}">
+  <ds:schemaRefs>
+    <ds:schemaRef ds:uri="http://schemas.microsoft.com/VisualStudio/2011/storyboarding/control"/>
+  </ds:schemaRefs>
+</ds:datastoreItem>
+</file>
+
+<file path=customXml/itemProps90.xml><?xml version="1.0" encoding="utf-8"?>
+<ds:datastoreItem xmlns:ds="http://schemas.openxmlformats.org/officeDocument/2006/customXml" ds:itemID="{CD17C18B-5B11-471F-97AA-CE2EA822BB97}">
+  <ds:schemaRefs>
+    <ds:schemaRef ds:uri="http://schemas.microsoft.com/VisualStudio/2011/storyboarding/control/v1.0"/>
+  </ds:schemaRefs>
+</ds:datastoreItem>
+</file>
+
+<file path=customXml/itemProps91.xml><?xml version="1.0" encoding="utf-8"?>
 <ds:datastoreItem xmlns:ds="http://schemas.openxmlformats.org/officeDocument/2006/customXml" ds:itemID="{39536A02-E179-4A1C-9FA7-86EF40631969}">
   <ds:schemaRefs>
     <ds:schemaRef ds:uri="http://schemas.microsoft.com/VisualStudio/2011/storyboarding/control/v1.0"/>
@@ -48918,183 +50577,7 @@
 </ds:datastoreItem>
 </file>
 
-<file path=customXml/itemProps165.xml><?xml version="1.0" encoding="utf-8"?>
-<ds:datastoreItem xmlns:ds="http://schemas.openxmlformats.org/officeDocument/2006/customXml" ds:itemID="{E2EFB470-892C-4F70-98FA-B53F970592A9}">
-  <ds:schemaRefs>
-    <ds:schemaRef ds:uri="http://schemas.microsoft.com/VisualStudio/2011/storyboarding/control"/>
-  </ds:schemaRefs>
-</ds:datastoreItem>
-</file>
-
-<file path=customXml/itemProps166.xml><?xml version="1.0" encoding="utf-8"?>
-<ds:datastoreItem xmlns:ds="http://schemas.openxmlformats.org/officeDocument/2006/customXml" ds:itemID="{8E441221-AF4B-4D83-9C68-1BBAB5D732C1}">
-  <ds:schemaRefs>
-    <ds:schemaRef ds:uri="http://schemas.microsoft.com/VisualStudio/2011/storyboarding/control"/>
-  </ds:schemaRefs>
-</ds:datastoreItem>
-</file>
-
-<file path=customXml/itemProps167.xml><?xml version="1.0" encoding="utf-8"?>
-<ds:datastoreItem xmlns:ds="http://schemas.openxmlformats.org/officeDocument/2006/customXml" ds:itemID="{DDEEC505-9111-44CE-9DED-8A454ABEC272}">
-  <ds:schemaRefs>
-    <ds:schemaRef ds:uri="http://schemas.microsoft.com/VisualStudio/2011/storyboarding/control/v1.0"/>
-  </ds:schemaRefs>
-</ds:datastoreItem>
-</file>
-
-<file path=customXml/itemProps168.xml><?xml version="1.0" encoding="utf-8"?>
-<ds:datastoreItem xmlns:ds="http://schemas.openxmlformats.org/officeDocument/2006/customXml" ds:itemID="{561F34EB-C0AB-467A-B145-C74976B3BDBE}">
-  <ds:schemaRefs>
-    <ds:schemaRef ds:uri="http://schemas.microsoft.com/VisualStudio/2011/storyboarding/control"/>
-  </ds:schemaRefs>
-</ds:datastoreItem>
-</file>
-
-<file path=customXml/itemProps169.xml><?xml version="1.0" encoding="utf-8"?>
-<ds:datastoreItem xmlns:ds="http://schemas.openxmlformats.org/officeDocument/2006/customXml" ds:itemID="{82DEB3ED-CC58-42ED-834B-F2D5BD48CC3B}">
-  <ds:schemaRefs>
-    <ds:schemaRef ds:uri="http://schemas.microsoft.com/VisualStudio/2011/storyboarding/control"/>
-  </ds:schemaRefs>
-</ds:datastoreItem>
-</file>
-
-<file path=customXml/itemProps17.xml><?xml version="1.0" encoding="utf-8"?>
-<ds:datastoreItem xmlns:ds="http://schemas.openxmlformats.org/officeDocument/2006/customXml" ds:itemID="{C033384C-50F5-477A-9BC2-506199347FDE}">
-  <ds:schemaRefs>
-    <ds:schemaRef ds:uri="http://schemas.microsoft.com/VisualStudio/2011/storyboarding/control"/>
-  </ds:schemaRefs>
-</ds:datastoreItem>
-</file>
-
-<file path=customXml/itemProps170.xml><?xml version="1.0" encoding="utf-8"?>
-<ds:datastoreItem xmlns:ds="http://schemas.openxmlformats.org/officeDocument/2006/customXml" ds:itemID="{D1B77EF3-D702-4711-B1A5-EFD587B9F7B2}">
-  <ds:schemaRefs>
-    <ds:schemaRef ds:uri="http://schemas.microsoft.com/VisualStudio/2011/storyboarding/control"/>
-  </ds:schemaRefs>
-</ds:datastoreItem>
-</file>
-
-<file path=customXml/itemProps171.xml><?xml version="1.0" encoding="utf-8"?>
-<ds:datastoreItem xmlns:ds="http://schemas.openxmlformats.org/officeDocument/2006/customXml" ds:itemID="{016BA1A1-3162-4382-9F37-080148C85A23}">
-  <ds:schemaRefs>
-    <ds:schemaRef ds:uri="http://schemas.microsoft.com/VisualStudio/2011/storyboarding/control"/>
-  </ds:schemaRefs>
-</ds:datastoreItem>
-</file>
-
-<file path=customXml/itemProps172.xml><?xml version="1.0" encoding="utf-8"?>
-<ds:datastoreItem xmlns:ds="http://schemas.openxmlformats.org/officeDocument/2006/customXml" ds:itemID="{BE19BDE1-4243-42E1-A7DE-2CB5E97BD1B6}">
-  <ds:schemaRefs>
-    <ds:schemaRef ds:uri="http://schemas.microsoft.com/VisualStudio/2011/storyboarding/control"/>
-  </ds:schemaRefs>
-</ds:datastoreItem>
-</file>
-
-<file path=customXml/itemProps173.xml><?xml version="1.0" encoding="utf-8"?>
-<ds:datastoreItem xmlns:ds="http://schemas.openxmlformats.org/officeDocument/2006/customXml" ds:itemID="{BDECF2A2-F746-4DBC-8C83-264123BBDBFC}">
-  <ds:schemaRefs>
-    <ds:schemaRef ds:uri="http://schemas.microsoft.com/VisualStudio/2011/storyboarding/control"/>
-  </ds:schemaRefs>
-</ds:datastoreItem>
-</file>
-
-<file path=customXml/itemProps174.xml><?xml version="1.0" encoding="utf-8"?>
-<ds:datastoreItem xmlns:ds="http://schemas.openxmlformats.org/officeDocument/2006/customXml" ds:itemID="{4EE14C2A-AD9F-4617-A8CC-4057921BFCA8}">
-  <ds:schemaRefs>
-    <ds:schemaRef ds:uri="http://schemas.microsoft.com/VisualStudio/2011/storyboarding/control/v1.0"/>
-  </ds:schemaRefs>
-</ds:datastoreItem>
-</file>
-
-<file path=customXml/itemProps175.xml><?xml version="1.0" encoding="utf-8"?>
-<ds:datastoreItem xmlns:ds="http://schemas.openxmlformats.org/officeDocument/2006/customXml" ds:itemID="{6B22741B-5AC6-4A2C-A57A-E4BDF22E0A90}">
-  <ds:schemaRefs>
-    <ds:schemaRef ds:uri="http://schemas.microsoft.com/VisualStudio/2011/storyboarding/control/v1.0"/>
-  </ds:schemaRefs>
-</ds:datastoreItem>
-</file>
-
-<file path=customXml/itemProps176.xml><?xml version="1.0" encoding="utf-8"?>
-<ds:datastoreItem xmlns:ds="http://schemas.openxmlformats.org/officeDocument/2006/customXml" ds:itemID="{63E5DE85-F05E-4507-B223-806D8F49F058}">
-  <ds:schemaRefs>
-    <ds:schemaRef ds:uri="http://schemas.microsoft.com/VisualStudio/2011/storyboarding/control/v1.0"/>
-  </ds:schemaRefs>
-</ds:datastoreItem>
-</file>
-
-<file path=customXml/itemProps177.xml><?xml version="1.0" encoding="utf-8"?>
-<ds:datastoreItem xmlns:ds="http://schemas.openxmlformats.org/officeDocument/2006/customXml" ds:itemID="{482C66B2-8FE3-4A84-87E1-3F9E8F798AEF}">
-  <ds:schemaRefs>
-    <ds:schemaRef ds:uri="http://schemas.microsoft.com/VisualStudio/2011/storyboarding/control"/>
-  </ds:schemaRefs>
-</ds:datastoreItem>
-</file>
-
-<file path=customXml/itemProps178.xml><?xml version="1.0" encoding="utf-8"?>
-<ds:datastoreItem xmlns:ds="http://schemas.openxmlformats.org/officeDocument/2006/customXml" ds:itemID="{3949AE0A-6F66-430B-AEAC-E1BF3B6154A6}">
-  <ds:schemaRefs>
-    <ds:schemaRef ds:uri="http://schemas.microsoft.com/VisualStudio/2011/storyboarding/control"/>
-  </ds:schemaRefs>
-</ds:datastoreItem>
-</file>
-
-<file path=customXml/itemProps179.xml><?xml version="1.0" encoding="utf-8"?>
-<ds:datastoreItem xmlns:ds="http://schemas.openxmlformats.org/officeDocument/2006/customXml" ds:itemID="{1F5C1850-0CBA-4E6A-972B-054668D8F3D9}">
-  <ds:schemaRefs>
-    <ds:schemaRef ds:uri="http://schemas.microsoft.com/VisualStudio/2011/storyboarding/control"/>
-  </ds:schemaRefs>
-</ds:datastoreItem>
-</file>
-
-<file path=customXml/itemProps18.xml><?xml version="1.0" encoding="utf-8"?>
-<ds:datastoreItem xmlns:ds="http://schemas.openxmlformats.org/officeDocument/2006/customXml" ds:itemID="{DB12B8CA-3C8F-452F-89EF-A05CDB3CBC03}">
-  <ds:schemaRefs>
-    <ds:schemaRef ds:uri="http://schemas.microsoft.com/VisualStudio/2011/storyboarding/control"/>
-  </ds:schemaRefs>
-</ds:datastoreItem>
-</file>
-
-<file path=customXml/itemProps180.xml><?xml version="1.0" encoding="utf-8"?>
-<ds:datastoreItem xmlns:ds="http://schemas.openxmlformats.org/officeDocument/2006/customXml" ds:itemID="{58AC7355-5BCF-41B0-8ABF-7FD1A0386648}">
-  <ds:schemaRefs>
-    <ds:schemaRef ds:uri="http://schemas.microsoft.com/VisualStudio/2011/storyboarding/control"/>
-  </ds:schemaRefs>
-</ds:datastoreItem>
-</file>
-
-<file path=customXml/itemProps181.xml><?xml version="1.0" encoding="utf-8"?>
-<ds:datastoreItem xmlns:ds="http://schemas.openxmlformats.org/officeDocument/2006/customXml" ds:itemID="{689D1D5E-D257-4BB6-B0A4-CC926BBA5400}">
-  <ds:schemaRefs>
-    <ds:schemaRef ds:uri="http://schemas.microsoft.com/VisualStudio/2011/storyboarding/control"/>
-  </ds:schemaRefs>
-</ds:datastoreItem>
-</file>
-
-<file path=customXml/itemProps182.xml><?xml version="1.0" encoding="utf-8"?>
-<ds:datastoreItem xmlns:ds="http://schemas.openxmlformats.org/officeDocument/2006/customXml" ds:itemID="{BA2C55E9-BDE8-41FC-B02F-EBA8C07A01F8}">
-  <ds:schemaRefs>
-    <ds:schemaRef ds:uri="http://schemas.microsoft.com/VisualStudio/2011/storyboarding/control/v1.0"/>
-  </ds:schemaRefs>
-</ds:datastoreItem>
-</file>
-
-<file path=customXml/itemProps183.xml><?xml version="1.0" encoding="utf-8"?>
-<ds:datastoreItem xmlns:ds="http://schemas.openxmlformats.org/officeDocument/2006/customXml" ds:itemID="{7A6C67DF-EAED-4DB3-8D1D-EDF223CB32C6}">
-  <ds:schemaRefs>
-    <ds:schemaRef ds:uri="http://schemas.microsoft.com/VisualStudio/2011/storyboarding/control"/>
-  </ds:schemaRefs>
-</ds:datastoreItem>
-</file>
-
-<file path=customXml/itemProps184.xml><?xml version="1.0" encoding="utf-8"?>
-<ds:datastoreItem xmlns:ds="http://schemas.openxmlformats.org/officeDocument/2006/customXml" ds:itemID="{01951054-2A1B-4EB3-9239-E5A3B1808350}">
-  <ds:schemaRefs>
-    <ds:schemaRef ds:uri="http://schemas.microsoft.com/VisualStudio/2011/storyboarding/control"/>
-  </ds:schemaRefs>
-</ds:datastoreItem>
-</file>
-
-<file path=customXml/itemProps185.xml><?xml version="1.0" encoding="utf-8"?>
+<file path=customXml/itemProps92.xml><?xml version="1.0" encoding="utf-8"?>
 <ds:datastoreItem xmlns:ds="http://schemas.openxmlformats.org/officeDocument/2006/customXml" ds:itemID="{08904217-40E1-4558-95D8-8D709CA82866}">
   <ds:schemaRefs>
     <ds:schemaRef ds:uri="http://schemas.microsoft.com/VisualStudio/2011/storyboarding/control/v1.0"/>
@@ -49102,231 +50585,15 @@
 </ds:datastoreItem>
 </file>
 
-<file path=customXml/itemProps186.xml><?xml version="1.0" encoding="utf-8"?>
-<ds:datastoreItem xmlns:ds="http://schemas.openxmlformats.org/officeDocument/2006/customXml" ds:itemID="{E4D924B8-E923-4751-87E1-B31AA64A9F7B}">
-  <ds:schemaRefs>
-    <ds:schemaRef ds:uri="http://schemas.microsoft.com/VisualStudio/2011/storyboarding/control/v1.0"/>
-  </ds:schemaRefs>
-</ds:datastoreItem>
-</file>
-
-<file path=customXml/itemProps187.xml><?xml version="1.0" encoding="utf-8"?>
-<ds:datastoreItem xmlns:ds="http://schemas.openxmlformats.org/officeDocument/2006/customXml" ds:itemID="{C1E8400F-CB83-4A16-AF3D-36FAF22BDD23}">
-  <ds:schemaRefs>
-    <ds:schemaRef ds:uri="http://schemas.microsoft.com/VisualStudio/2011/storyboarding/control/v1.0"/>
-  </ds:schemaRefs>
-</ds:datastoreItem>
-</file>
-
-<file path=customXml/itemProps188.xml><?xml version="1.0" encoding="utf-8"?>
-<ds:datastoreItem xmlns:ds="http://schemas.openxmlformats.org/officeDocument/2006/customXml" ds:itemID="{86DDA142-5274-48CF-86BC-261450CA9F62}">
+<file path=customXml/itemProps93.xml><?xml version="1.0" encoding="utf-8"?>
+<ds:datastoreItem xmlns:ds="http://schemas.openxmlformats.org/officeDocument/2006/customXml" ds:itemID="{DE293D9F-1A02-4625-AE8D-C35D3F325ECF}">
   <ds:schemaRefs>
     <ds:schemaRef ds:uri="http://schemas.microsoft.com/VisualStudio/2011/storyboarding/control"/>
   </ds:schemaRefs>
 </ds:datastoreItem>
 </file>
 
-<file path=customXml/itemProps189.xml><?xml version="1.0" encoding="utf-8"?>
-<ds:datastoreItem xmlns:ds="http://schemas.openxmlformats.org/officeDocument/2006/customXml" ds:itemID="{A2F1A585-6ACF-41E6-9ED7-63B9553E43E4}">
-  <ds:schemaRefs>
-    <ds:schemaRef ds:uri="http://schemas.microsoft.com/VisualStudio/2011/storyboarding/control"/>
-  </ds:schemaRefs>
-</ds:datastoreItem>
-</file>
-
-<file path=customXml/itemProps19.xml><?xml version="1.0" encoding="utf-8"?>
-<ds:datastoreItem xmlns:ds="http://schemas.openxmlformats.org/officeDocument/2006/customXml" ds:itemID="{C59CD979-7E5F-4D6B-96AB-8815286CC58D}">
-  <ds:schemaRefs>
-    <ds:schemaRef ds:uri="http://schemas.microsoft.com/VisualStudio/2011/storyboarding/control"/>
-  </ds:schemaRefs>
-</ds:datastoreItem>
-</file>
-
-<file path=customXml/itemProps190.xml><?xml version="1.0" encoding="utf-8"?>
-<ds:datastoreItem xmlns:ds="http://schemas.openxmlformats.org/officeDocument/2006/customXml" ds:itemID="{AE829EE6-2A90-4D53-B65D-B896D4164D58}">
-  <ds:schemaRefs>
-    <ds:schemaRef ds:uri="http://schemas.microsoft.com/VisualStudio/2011/storyboarding/control"/>
-  </ds:schemaRefs>
-</ds:datastoreItem>
-</file>
-
-<file path=customXml/itemProps191.xml><?xml version="1.0" encoding="utf-8"?>
-<ds:datastoreItem xmlns:ds="http://schemas.openxmlformats.org/officeDocument/2006/customXml" ds:itemID="{55C8793C-BCCD-4DCF-B8DB-B94127F9B688}">
-  <ds:schemaRefs>
-    <ds:schemaRef ds:uri="http://schemas.microsoft.com/VisualStudio/2011/storyboarding/control"/>
-  </ds:schemaRefs>
-</ds:datastoreItem>
-</file>
-
-<file path=customXml/itemProps192.xml><?xml version="1.0" encoding="utf-8"?>
-<ds:datastoreItem xmlns:ds="http://schemas.openxmlformats.org/officeDocument/2006/customXml" ds:itemID="{B41892D7-DF8B-4D5A-8AD2-983048A35AA0}">
-  <ds:schemaRefs>
-    <ds:schemaRef ds:uri="http://schemas.microsoft.com/VisualStudio/2011/storyboarding/control/v1.0"/>
-  </ds:schemaRefs>
-</ds:datastoreItem>
-</file>
-
-<file path=customXml/itemProps193.xml><?xml version="1.0" encoding="utf-8"?>
-<ds:datastoreItem xmlns:ds="http://schemas.openxmlformats.org/officeDocument/2006/customXml" ds:itemID="{761467E5-93C6-41DA-A03C-D55252306EF9}">
-  <ds:schemaRefs>
-    <ds:schemaRef ds:uri="http://schemas.microsoft.com/VisualStudio/2011/storyboarding/control"/>
-  </ds:schemaRefs>
-</ds:datastoreItem>
-</file>
-
-<file path=customXml/itemProps194.xml><?xml version="1.0" encoding="utf-8"?>
-<ds:datastoreItem xmlns:ds="http://schemas.openxmlformats.org/officeDocument/2006/customXml" ds:itemID="{CF34EB2F-12F9-409B-ADD9-81F160B1B89D}">
-  <ds:schemaRefs>
-    <ds:schemaRef ds:uri="http://schemas.microsoft.com/VisualStudio/2011/storyboarding/control"/>
-  </ds:schemaRefs>
-</ds:datastoreItem>
-</file>
-
-<file path=customXml/itemProps195.xml><?xml version="1.0" encoding="utf-8"?>
-<ds:datastoreItem xmlns:ds="http://schemas.openxmlformats.org/officeDocument/2006/customXml" ds:itemID="{E00F1A5A-BFA5-4260-9548-C5D415AAE018}">
-  <ds:schemaRefs>
-    <ds:schemaRef ds:uri="http://schemas.microsoft.com/VisualStudio/2011/storyboarding/control"/>
-  </ds:schemaRefs>
-</ds:datastoreItem>
-</file>
-
-<file path=customXml/itemProps196.xml><?xml version="1.0" encoding="utf-8"?>
-<ds:datastoreItem xmlns:ds="http://schemas.openxmlformats.org/officeDocument/2006/customXml" ds:itemID="{AD9C1405-6371-400D-A0E2-389A1557BE20}">
-  <ds:schemaRefs>
-    <ds:schemaRef ds:uri="http://schemas.microsoft.com/VisualStudio/2011/storyboarding/control/v1.0"/>
-  </ds:schemaRefs>
-</ds:datastoreItem>
-</file>
-
-<file path=customXml/itemProps197.xml><?xml version="1.0" encoding="utf-8"?>
-<ds:datastoreItem xmlns:ds="http://schemas.openxmlformats.org/officeDocument/2006/customXml" ds:itemID="{E4A0845B-41B6-4256-8FB3-E31EA581BF55}">
-  <ds:schemaRefs>
-    <ds:schemaRef ds:uri="http://schemas.microsoft.com/VisualStudio/2011/storyboarding/control/v1.0"/>
-  </ds:schemaRefs>
-</ds:datastoreItem>
-</file>
-
-<file path=customXml/itemProps198.xml><?xml version="1.0" encoding="utf-8"?>
-<ds:datastoreItem xmlns:ds="http://schemas.openxmlformats.org/officeDocument/2006/customXml" ds:itemID="{7732A184-08DF-455A-8213-649E4A546A1D}">
-  <ds:schemaRefs>
-    <ds:schemaRef ds:uri="http://schemas.microsoft.com/VisualStudio/2011/storyboarding/control"/>
-  </ds:schemaRefs>
-</ds:datastoreItem>
-</file>
-
-<file path=customXml/itemProps199.xml><?xml version="1.0" encoding="utf-8"?>
-<ds:datastoreItem xmlns:ds="http://schemas.openxmlformats.org/officeDocument/2006/customXml" ds:itemID="{AED3AD3A-A042-431E-8211-C82389E4646A}">
-  <ds:schemaRefs>
-    <ds:schemaRef ds:uri="http://schemas.microsoft.com/VisualStudio/2011/storyboarding/control"/>
-  </ds:schemaRefs>
-</ds:datastoreItem>
-</file>
-
-<file path=customXml/itemProps2.xml><?xml version="1.0" encoding="utf-8"?>
-<ds:datastoreItem xmlns:ds="http://schemas.openxmlformats.org/officeDocument/2006/customXml" ds:itemID="{4BCB20A2-9850-49DA-9BD6-A5D2B0ABF72F}">
-  <ds:schemaRefs>
-    <ds:schemaRef ds:uri="http://schemas.microsoft.com/VisualStudio/2011/storyboarding/control/v1.0"/>
-  </ds:schemaRefs>
-</ds:datastoreItem>
-</file>
-
-<file path=customXml/itemProps20.xml><?xml version="1.0" encoding="utf-8"?>
-<ds:datastoreItem xmlns:ds="http://schemas.openxmlformats.org/officeDocument/2006/customXml" ds:itemID="{0AB3DFBB-643B-4A5D-BC79-F9C35DFA2AF1}">
-  <ds:schemaRefs>
-    <ds:schemaRef ds:uri="http://schemas.microsoft.com/VisualStudio/2011/storyboarding/control"/>
-  </ds:schemaRefs>
-</ds:datastoreItem>
-</file>
-
-<file path=customXml/itemProps200.xml><?xml version="1.0" encoding="utf-8"?>
-<ds:datastoreItem xmlns:ds="http://schemas.openxmlformats.org/officeDocument/2006/customXml" ds:itemID="{90D9B8AC-3F59-44DB-A5DF-E2DC5644EC71}">
-  <ds:schemaRefs>
-    <ds:schemaRef ds:uri="http://schemas.microsoft.com/VisualStudio/2011/storyboarding/control"/>
-  </ds:schemaRefs>
-</ds:datastoreItem>
-</file>
-
-<file path=customXml/itemProps201.xml><?xml version="1.0" encoding="utf-8"?>
-<ds:datastoreItem xmlns:ds="http://schemas.openxmlformats.org/officeDocument/2006/customXml" ds:itemID="{AF11E85C-9EAB-45A1-A9B3-77E0CFB7F705}">
-  <ds:schemaRefs>
-    <ds:schemaRef ds:uri="http://schemas.microsoft.com/VisualStudio/2011/storyboarding/control"/>
-  </ds:schemaRefs>
-</ds:datastoreItem>
-</file>
-
-<file path=customXml/itemProps202.xml><?xml version="1.0" encoding="utf-8"?>
-<ds:datastoreItem xmlns:ds="http://schemas.openxmlformats.org/officeDocument/2006/customXml" ds:itemID="{A84BE01C-E91B-4A90-8E7F-25887EF8E061}">
-  <ds:schemaRefs>
-    <ds:schemaRef ds:uri="http://schemas.microsoft.com/VisualStudio/2011/storyboarding/control/v1.0"/>
-  </ds:schemaRefs>
-</ds:datastoreItem>
-</file>
-
-<file path=customXml/itemProps203.xml><?xml version="1.0" encoding="utf-8"?>
-<ds:datastoreItem xmlns:ds="http://schemas.openxmlformats.org/officeDocument/2006/customXml" ds:itemID="{18A6A270-A75C-4D7E-86E4-765FF07C5144}">
-  <ds:schemaRefs>
-    <ds:schemaRef ds:uri="http://schemas.microsoft.com/sharepoint/events"/>
-  </ds:schemaRefs>
-</ds:datastoreItem>
-</file>
-
-<file path=customXml/itemProps204.xml><?xml version="1.0" encoding="utf-8"?>
-<ds:datastoreItem xmlns:ds="http://schemas.openxmlformats.org/officeDocument/2006/customXml" ds:itemID="{AEC8637B-0235-45D6-B62A-3D1CD06E267F}">
-  <ds:schemaRefs>
-    <ds:schemaRef ds:uri="http://schemas.microsoft.com/VisualStudio/2011/storyboarding/control"/>
-  </ds:schemaRefs>
-</ds:datastoreItem>
-</file>
-
-<file path=customXml/itemProps205.xml><?xml version="1.0" encoding="utf-8"?>
-<ds:datastoreItem xmlns:ds="http://schemas.openxmlformats.org/officeDocument/2006/customXml" ds:itemID="{A808BB02-19D0-442F-A7D1-C5BAADA618E9}">
-  <ds:schemaRefs>
-    <ds:schemaRef ds:uri="http://schemas.microsoft.com/VisualStudio/2011/storyboarding/control"/>
-  </ds:schemaRefs>
-</ds:datastoreItem>
-</file>
-
-<file path=customXml/itemProps206.xml><?xml version="1.0" encoding="utf-8"?>
-<ds:datastoreItem xmlns:ds="http://schemas.openxmlformats.org/officeDocument/2006/customXml" ds:itemID="{32B32180-C250-467B-9107-7B6DF8D1F3E1}">
-  <ds:schemaRefs>
-    <ds:schemaRef ds:uri="http://schemas.microsoft.com/VisualStudio/2011/storyboarding/control"/>
-  </ds:schemaRefs>
-</ds:datastoreItem>
-</file>
-
-<file path=customXml/itemProps207.xml><?xml version="1.0" encoding="utf-8"?>
-<ds:datastoreItem xmlns:ds="http://schemas.openxmlformats.org/officeDocument/2006/customXml" ds:itemID="{63E54A0C-A919-4747-87DB-6EB5DB41F719}">
-  <ds:schemaRefs>
-    <ds:schemaRef ds:uri="http://schemas.microsoft.com/VisualStudio/2011/storyboarding/control/v1.0"/>
-  </ds:schemaRefs>
-</ds:datastoreItem>
-</file>
-
-<file path=customXml/itemProps208.xml><?xml version="1.0" encoding="utf-8"?>
-<ds:datastoreItem xmlns:ds="http://schemas.openxmlformats.org/officeDocument/2006/customXml" ds:itemID="{814432F2-7AE9-411E-9F7B-EBBF16C4666D}">
-  <ds:schemaRefs>
-    <ds:schemaRef ds:uri="http://schemas.microsoft.com/VisualStudio/2011/storyboarding/control/v1.0"/>
-  </ds:schemaRefs>
-</ds:datastoreItem>
-</file>
-
-<file path=customXml/itemProps209.xml><?xml version="1.0" encoding="utf-8"?>
-<ds:datastoreItem xmlns:ds="http://schemas.openxmlformats.org/officeDocument/2006/customXml" ds:itemID="{E2968586-6EB5-4B3C-A2E1-82E35F695B75}">
-  <ds:schemaRefs>
-    <ds:schemaRef ds:uri="http://schemas.microsoft.com/VisualStudio/2011/storyboarding/control/v1.0"/>
-  </ds:schemaRefs>
-</ds:datastoreItem>
-</file>
-
-<file path=customXml/itemProps21.xml><?xml version="1.0" encoding="utf-8"?>
-<ds:datastoreItem xmlns:ds="http://schemas.openxmlformats.org/officeDocument/2006/customXml" ds:itemID="{7CC61D81-7136-45FE-B8F4-A552B01AA236}">
-  <ds:schemaRefs>
-    <ds:schemaRef ds:uri="http://schemas.microsoft.com/VisualStudio/2011/storyboarding/control"/>
-  </ds:schemaRefs>
-</ds:datastoreItem>
-</file>
-
-<file path=customXml/itemProps210.xml><?xml version="1.0" encoding="utf-8"?>
+<file path=customXml/itemProps94.xml><?xml version="1.0" encoding="utf-8"?>
 <ds:datastoreItem xmlns:ds="http://schemas.openxmlformats.org/officeDocument/2006/customXml" ds:itemID="{FB602D86-17B9-4847-8DBC-1EFA867362F9}">
   <ds:schemaRefs>
     <ds:schemaRef ds:uri="http://schemas.microsoft.com/VisualStudio/2011/storyboarding/control"/>
@@ -49334,183 +50601,15 @@
 </ds:datastoreItem>
 </file>
 
-<file path=customXml/itemProps211.xml><?xml version="1.0" encoding="utf-8"?>
-<ds:datastoreItem xmlns:ds="http://schemas.openxmlformats.org/officeDocument/2006/customXml" ds:itemID="{70C6AFB5-ABBC-4D9A-B9BF-1D1F343F47C6}">
+<file path=customXml/itemProps95.xml><?xml version="1.0" encoding="utf-8"?>
+<ds:datastoreItem xmlns:ds="http://schemas.openxmlformats.org/officeDocument/2006/customXml" ds:itemID="{70C23831-7801-40F8-9A53-4E9925562CBE}">
   <ds:schemaRefs>
     <ds:schemaRef ds:uri="http://schemas.microsoft.com/VisualStudio/2011/storyboarding/control"/>
   </ds:schemaRefs>
 </ds:datastoreItem>
 </file>
 
-<file path=customXml/itemProps212.xml><?xml version="1.0" encoding="utf-8"?>
-<ds:datastoreItem xmlns:ds="http://schemas.openxmlformats.org/officeDocument/2006/customXml" ds:itemID="{62A003C9-06B4-4632-BCC6-0A4289DB3564}">
-  <ds:schemaRefs>
-    <ds:schemaRef ds:uri="http://schemas.microsoft.com/VisualStudio/2011/storyboarding/control"/>
-  </ds:schemaRefs>
-</ds:datastoreItem>
-</file>
-
-<file path=customXml/itemProps213.xml><?xml version="1.0" encoding="utf-8"?>
-<ds:datastoreItem xmlns:ds="http://schemas.openxmlformats.org/officeDocument/2006/customXml" ds:itemID="{094BB5CD-D80A-4B61-966C-DFF69648ED5C}">
-  <ds:schemaRefs>
-    <ds:schemaRef ds:uri="http://schemas.microsoft.com/VisualStudio/2011/storyboarding/control"/>
-  </ds:schemaRefs>
-</ds:datastoreItem>
-</file>
-
-<file path=customXml/itemProps214.xml><?xml version="1.0" encoding="utf-8"?>
-<ds:datastoreItem xmlns:ds="http://schemas.openxmlformats.org/officeDocument/2006/customXml" ds:itemID="{ECB2E80D-053D-40FF-945A-EF28565E7993}">
-  <ds:schemaRefs>
-    <ds:schemaRef ds:uri="http://schemas.microsoft.com/VisualStudio/2011/storyboarding/control"/>
-  </ds:schemaRefs>
-</ds:datastoreItem>
-</file>
-
-<file path=customXml/itemProps215.xml><?xml version="1.0" encoding="utf-8"?>
-<ds:datastoreItem xmlns:ds="http://schemas.openxmlformats.org/officeDocument/2006/customXml" ds:itemID="{65D627D8-B4C3-485A-A660-3F82C30F6F4D}">
-  <ds:schemaRefs>
-    <ds:schemaRef ds:uri="http://schemas.microsoft.com/VisualStudio/2011/storyboarding/control"/>
-  </ds:schemaRefs>
-</ds:datastoreItem>
-</file>
-
-<file path=customXml/itemProps216.xml><?xml version="1.0" encoding="utf-8"?>
-<ds:datastoreItem xmlns:ds="http://schemas.openxmlformats.org/officeDocument/2006/customXml" ds:itemID="{58EC9E1F-2595-46F3-8A3B-84253F6E85D1}">
-  <ds:schemaRefs>
-    <ds:schemaRef ds:uri="http://schemas.microsoft.com/VisualStudio/2011/storyboarding/control"/>
-  </ds:schemaRefs>
-</ds:datastoreItem>
-</file>
-
-<file path=customXml/itemProps217.xml><?xml version="1.0" encoding="utf-8"?>
-<ds:datastoreItem xmlns:ds="http://schemas.openxmlformats.org/officeDocument/2006/customXml" ds:itemID="{48C57403-F2FB-4B26-BA3E-D349DB7D1CA8}">
-  <ds:schemaRefs>
-    <ds:schemaRef ds:uri="http://schemas.microsoft.com/VisualStudio/2011/storyboarding/control"/>
-  </ds:schemaRefs>
-</ds:datastoreItem>
-</file>
-
-<file path=customXml/itemProps218.xml><?xml version="1.0" encoding="utf-8"?>
-<ds:datastoreItem xmlns:ds="http://schemas.openxmlformats.org/officeDocument/2006/customXml" ds:itemID="{E164FBF6-1352-49DB-9A1A-D144BA361278}">
-  <ds:schemaRefs>
-    <ds:schemaRef ds:uri="http://schemas.microsoft.com/VisualStudio/2011/storyboarding/control"/>
-  </ds:schemaRefs>
-</ds:datastoreItem>
-</file>
-
-<file path=customXml/itemProps219.xml><?xml version="1.0" encoding="utf-8"?>
-<ds:datastoreItem xmlns:ds="http://schemas.openxmlformats.org/officeDocument/2006/customXml" ds:itemID="{0062AF88-B988-48B1-B42A-67FEE33A1AA0}">
-  <ds:schemaRefs>
-    <ds:schemaRef ds:uri="http://schemas.microsoft.com/VisualStudio/2011/storyboarding/control"/>
-  </ds:schemaRefs>
-</ds:datastoreItem>
-</file>
-
-<file path=customXml/itemProps22.xml><?xml version="1.0" encoding="utf-8"?>
-<ds:datastoreItem xmlns:ds="http://schemas.openxmlformats.org/officeDocument/2006/customXml" ds:itemID="{D356E6DB-54C9-4389-B932-0F583366BD4B}">
-  <ds:schemaRefs>
-    <ds:schemaRef ds:uri="http://schemas.microsoft.com/VisualStudio/2011/storyboarding/control/v1.0"/>
-  </ds:schemaRefs>
-</ds:datastoreItem>
-</file>
-
-<file path=customXml/itemProps220.xml><?xml version="1.0" encoding="utf-8"?>
-<ds:datastoreItem xmlns:ds="http://schemas.openxmlformats.org/officeDocument/2006/customXml" ds:itemID="{64A06D12-0C7F-4F2C-BFDB-4E96BE9DF1F5}">
-  <ds:schemaRefs>
-    <ds:schemaRef ds:uri="http://schemas.microsoft.com/VisualStudio/2011/storyboarding/control"/>
-  </ds:schemaRefs>
-</ds:datastoreItem>
-</file>
-
-<file path=customXml/itemProps221.xml><?xml version="1.0" encoding="utf-8"?>
-<ds:datastoreItem xmlns:ds="http://schemas.openxmlformats.org/officeDocument/2006/customXml" ds:itemID="{E4971D0C-420D-4809-8F33-590B7037BBDD}">
-  <ds:schemaRefs>
-    <ds:schemaRef ds:uri="http://schemas.microsoft.com/VisualStudio/2011/storyboarding/control"/>
-  </ds:schemaRefs>
-</ds:datastoreItem>
-</file>
-
-<file path=customXml/itemProps222.xml><?xml version="1.0" encoding="utf-8"?>
-<ds:datastoreItem xmlns:ds="http://schemas.openxmlformats.org/officeDocument/2006/customXml" ds:itemID="{BC139307-416A-4069-9200-E7C0D2AE8D69}">
-  <ds:schemaRefs>
-    <ds:schemaRef ds:uri="http://schemas.microsoft.com/VisualStudio/2011/storyboarding/control"/>
-  </ds:schemaRefs>
-</ds:datastoreItem>
-</file>
-
-<file path=customXml/itemProps223.xml><?xml version="1.0" encoding="utf-8"?>
-<ds:datastoreItem xmlns:ds="http://schemas.openxmlformats.org/officeDocument/2006/customXml" ds:itemID="{F5B2D0F4-F906-4501-8179-1914E0FB4926}">
-  <ds:schemaRefs>
-    <ds:schemaRef ds:uri="http://schemas.microsoft.com/VisualStudio/2011/storyboarding/control"/>
-  </ds:schemaRefs>
-</ds:datastoreItem>
-</file>
-
-<file path=customXml/itemProps224.xml><?xml version="1.0" encoding="utf-8"?>
-<ds:datastoreItem xmlns:ds="http://schemas.openxmlformats.org/officeDocument/2006/customXml" ds:itemID="{74F0B0F5-A7B1-446C-984E-7ABB30A38E9E}">
-  <ds:schemaRefs>
-    <ds:schemaRef ds:uri="http://schemas.microsoft.com/VisualStudio/2011/storyboarding/control"/>
-  </ds:schemaRefs>
-</ds:datastoreItem>
-</file>
-
-<file path=customXml/itemProps225.xml><?xml version="1.0" encoding="utf-8"?>
-<ds:datastoreItem xmlns:ds="http://schemas.openxmlformats.org/officeDocument/2006/customXml" ds:itemID="{4A923D45-67DD-44AB-935B-7B89FE3C1066}">
-  <ds:schemaRefs>
-    <ds:schemaRef ds:uri="http://schemas.microsoft.com/VisualStudio/2011/storyboarding/control"/>
-  </ds:schemaRefs>
-</ds:datastoreItem>
-</file>
-
-<file path=customXml/itemProps226.xml><?xml version="1.0" encoding="utf-8"?>
-<ds:datastoreItem xmlns:ds="http://schemas.openxmlformats.org/officeDocument/2006/customXml" ds:itemID="{5587D3A2-4602-48A1-862D-10E645D868E0}">
-  <ds:schemaRefs>
-    <ds:schemaRef ds:uri="http://schemas.microsoft.com/VisualStudio/2011/storyboarding/control"/>
-  </ds:schemaRefs>
-</ds:datastoreItem>
-</file>
-
-<file path=customXml/itemProps227.xml><?xml version="1.0" encoding="utf-8"?>
-<ds:datastoreItem xmlns:ds="http://schemas.openxmlformats.org/officeDocument/2006/customXml" ds:itemID="{9535D88F-A4F9-4043-99D2-0BA0F5D4FA9E}">
-  <ds:schemaRefs>
-    <ds:schemaRef ds:uri="http://schemas.microsoft.com/VisualStudio/2011/storyboarding/control"/>
-  </ds:schemaRefs>
-</ds:datastoreItem>
-</file>
-
-<file path=customXml/itemProps228.xml><?xml version="1.0" encoding="utf-8"?>
-<ds:datastoreItem xmlns:ds="http://schemas.openxmlformats.org/officeDocument/2006/customXml" ds:itemID="{19281F7C-5FD9-439E-94CA-F221212807C0}">
-  <ds:schemaRefs>
-    <ds:schemaRef ds:uri="http://schemas.microsoft.com/VisualStudio/2011/storyboarding/control"/>
-  </ds:schemaRefs>
-</ds:datastoreItem>
-</file>
-
-<file path=customXml/itemProps229.xml><?xml version="1.0" encoding="utf-8"?>
-<ds:datastoreItem xmlns:ds="http://schemas.openxmlformats.org/officeDocument/2006/customXml" ds:itemID="{00058C37-2776-41CC-825C-5662329DBF01}">
-  <ds:schemaRefs>
-    <ds:schemaRef ds:uri="http://schemas.microsoft.com/VisualStudio/2011/storyboarding/control"/>
-  </ds:schemaRefs>
-</ds:datastoreItem>
-</file>
-
-<file path=customXml/itemProps23.xml><?xml version="1.0" encoding="utf-8"?>
-<ds:datastoreItem xmlns:ds="http://schemas.openxmlformats.org/officeDocument/2006/customXml" ds:itemID="{A2DAA52B-5F52-4A8E-B601-7BF162CD738F}">
-  <ds:schemaRefs>
-    <ds:schemaRef ds:uri="http://schemas.microsoft.com/VisualStudio/2011/storyboarding/control/v1.0"/>
-  </ds:schemaRefs>
-</ds:datastoreItem>
-</file>
-
-<file path=customXml/itemProps230.xml><?xml version="1.0" encoding="utf-8"?>
-<ds:datastoreItem xmlns:ds="http://schemas.openxmlformats.org/officeDocument/2006/customXml" ds:itemID="{2FDCAE22-C8AB-4C60-9F13-1F1A855F08D9}">
-  <ds:schemaRefs>
-    <ds:schemaRef ds:uri="http://schemas.microsoft.com/VisualStudio/2011/storyboarding/control"/>
-  </ds:schemaRefs>
-</ds:datastoreItem>
-</file>
-
-<file path=customXml/itemProps231.xml><?xml version="1.0" encoding="utf-8"?>
+<file path=customXml/itemProps96.xml><?xml version="1.0" encoding="utf-8"?>
 <ds:datastoreItem xmlns:ds="http://schemas.openxmlformats.org/officeDocument/2006/customXml" ds:itemID="{D7A0370E-9EBE-44A7-9070-C36AA113B7D7}">
   <ds:schemaRefs>
     <ds:schemaRef ds:uri="http://schemas.microsoft.com/VisualStudio/2011/storyboarding/control"/>
@@ -49518,183 +50617,7 @@
 </ds:datastoreItem>
 </file>
 
-<file path=customXml/itemProps232.xml><?xml version="1.0" encoding="utf-8"?>
-<ds:datastoreItem xmlns:ds="http://schemas.openxmlformats.org/officeDocument/2006/customXml" ds:itemID="{90E02751-6EB1-435F-9756-F9B50171DB60}">
-  <ds:schemaRefs>
-    <ds:schemaRef ds:uri="http://schemas.microsoft.com/VisualStudio/2011/storyboarding/control"/>
-  </ds:schemaRefs>
-</ds:datastoreItem>
-</file>
-
-<file path=customXml/itemProps233.xml><?xml version="1.0" encoding="utf-8"?>
-<ds:datastoreItem xmlns:ds="http://schemas.openxmlformats.org/officeDocument/2006/customXml" ds:itemID="{4B2794CB-8E47-4643-AB0C-80A92E058F1C}">
-  <ds:schemaRefs>
-    <ds:schemaRef ds:uri="http://schemas.microsoft.com/VisualStudio/2011/storyboarding/control"/>
-  </ds:schemaRefs>
-</ds:datastoreItem>
-</file>
-
-<file path=customXml/itemProps234.xml><?xml version="1.0" encoding="utf-8"?>
-<ds:datastoreItem xmlns:ds="http://schemas.openxmlformats.org/officeDocument/2006/customXml" ds:itemID="{28924D55-F231-485D-87E0-2FF3A9BD7FD5}">
-  <ds:schemaRefs>
-    <ds:schemaRef ds:uri="http://schemas.microsoft.com/VisualStudio/2011/storyboarding/control"/>
-  </ds:schemaRefs>
-</ds:datastoreItem>
-</file>
-
-<file path=customXml/itemProps235.xml><?xml version="1.0" encoding="utf-8"?>
-<ds:datastoreItem xmlns:ds="http://schemas.openxmlformats.org/officeDocument/2006/customXml" ds:itemID="{F2F0840F-DCB2-4FB7-9C6F-74188743A963}">
-  <ds:schemaRefs>
-    <ds:schemaRef ds:uri="http://schemas.microsoft.com/VisualStudio/2011/storyboarding/control"/>
-  </ds:schemaRefs>
-</ds:datastoreItem>
-</file>
-
-<file path=customXml/itemProps236.xml><?xml version="1.0" encoding="utf-8"?>
-<ds:datastoreItem xmlns:ds="http://schemas.openxmlformats.org/officeDocument/2006/customXml" ds:itemID="{2D05A1BB-F8F2-4A8C-9C47-4D725E73E8C0}">
-  <ds:schemaRefs>
-    <ds:schemaRef ds:uri="http://schemas.microsoft.com/VisualStudio/2011/storyboarding/control"/>
-  </ds:schemaRefs>
-</ds:datastoreItem>
-</file>
-
-<file path=customXml/itemProps237.xml><?xml version="1.0" encoding="utf-8"?>
-<ds:datastoreItem xmlns:ds="http://schemas.openxmlformats.org/officeDocument/2006/customXml" ds:itemID="{431A578B-FFA3-4F37-99C5-E028D90653D4}">
-  <ds:schemaRefs>
-    <ds:schemaRef ds:uri="http://schemas.microsoft.com/VisualStudio/2011/storyboarding/control"/>
-  </ds:schemaRefs>
-</ds:datastoreItem>
-</file>
-
-<file path=customXml/itemProps238.xml><?xml version="1.0" encoding="utf-8"?>
-<ds:datastoreItem xmlns:ds="http://schemas.openxmlformats.org/officeDocument/2006/customXml" ds:itemID="{7621FDFF-2E1A-42D8-9E95-355FFE527B8D}">
-  <ds:schemaRefs>
-    <ds:schemaRef ds:uri="http://schemas.microsoft.com/VisualStudio/2011/storyboarding/control"/>
-  </ds:schemaRefs>
-</ds:datastoreItem>
-</file>
-
-<file path=customXml/itemProps239.xml><?xml version="1.0" encoding="utf-8"?>
-<ds:datastoreItem xmlns:ds="http://schemas.openxmlformats.org/officeDocument/2006/customXml" ds:itemID="{ED84F838-8F99-4062-9A97-EB75BCEFDDE9}">
-  <ds:schemaRefs>
-    <ds:schemaRef ds:uri="http://schemas.microsoft.com/VisualStudio/2011/storyboarding/control"/>
-  </ds:schemaRefs>
-</ds:datastoreItem>
-</file>
-
-<file path=customXml/itemProps24.xml><?xml version="1.0" encoding="utf-8"?>
-<ds:datastoreItem xmlns:ds="http://schemas.openxmlformats.org/officeDocument/2006/customXml" ds:itemID="{2EF9B67E-6439-466F-A97B-67B594D93EC7}">
-  <ds:schemaRefs>
-    <ds:schemaRef ds:uri="http://schemas.microsoft.com/VisualStudio/2011/storyboarding/control"/>
-  </ds:schemaRefs>
-</ds:datastoreItem>
-</file>
-
-<file path=customXml/itemProps240.xml><?xml version="1.0" encoding="utf-8"?>
-<ds:datastoreItem xmlns:ds="http://schemas.openxmlformats.org/officeDocument/2006/customXml" ds:itemID="{1976123C-3A8F-4E9E-A7EA-2EA4F611710C}">
-  <ds:schemaRefs>
-    <ds:schemaRef ds:uri="http://schemas.microsoft.com/VisualStudio/2011/storyboarding/control"/>
-  </ds:schemaRefs>
-</ds:datastoreItem>
-</file>
-
-<file path=customXml/itemProps241.xml><?xml version="1.0" encoding="utf-8"?>
-<ds:datastoreItem xmlns:ds="http://schemas.openxmlformats.org/officeDocument/2006/customXml" ds:itemID="{15C208BD-B335-417C-9169-07AE3E393AB4}">
-  <ds:schemaRefs>
-    <ds:schemaRef ds:uri="http://schemas.microsoft.com/VisualStudio/2011/storyboarding/control"/>
-  </ds:schemaRefs>
-</ds:datastoreItem>
-</file>
-
-<file path=customXml/itemProps242.xml><?xml version="1.0" encoding="utf-8"?>
-<ds:datastoreItem xmlns:ds="http://schemas.openxmlformats.org/officeDocument/2006/customXml" ds:itemID="{87756BF3-99DD-459A-983C-CB7CF508397B}">
-  <ds:schemaRefs>
-    <ds:schemaRef ds:uri="http://schemas.microsoft.com/VisualStudio/2011/storyboarding/control"/>
-  </ds:schemaRefs>
-</ds:datastoreItem>
-</file>
-
-<file path=customXml/itemProps243.xml><?xml version="1.0" encoding="utf-8"?>
-<ds:datastoreItem xmlns:ds="http://schemas.openxmlformats.org/officeDocument/2006/customXml" ds:itemID="{87D0648D-5A18-4A12-BF43-4ECD1F1BE762}">
-  <ds:schemaRefs>
-    <ds:schemaRef ds:uri="http://schemas.microsoft.com/VisualStudio/2011/storyboarding/control"/>
-  </ds:schemaRefs>
-</ds:datastoreItem>
-</file>
-
-<file path=customXml/itemProps244.xml><?xml version="1.0" encoding="utf-8"?>
-<ds:datastoreItem xmlns:ds="http://schemas.openxmlformats.org/officeDocument/2006/customXml" ds:itemID="{A495BDE2-DE86-4DB5-BBC3-A67308A84836}">
-  <ds:schemaRefs>
-    <ds:schemaRef ds:uri="http://schemas.microsoft.com/VisualStudio/2011/storyboarding/control"/>
-  </ds:schemaRefs>
-</ds:datastoreItem>
-</file>
-
-<file path=customXml/itemProps245.xml><?xml version="1.0" encoding="utf-8"?>
-<ds:datastoreItem xmlns:ds="http://schemas.openxmlformats.org/officeDocument/2006/customXml" ds:itemID="{A214BBB2-0619-4F79-8F5D-C4D646E29AE2}">
-  <ds:schemaRefs>
-    <ds:schemaRef ds:uri="http://schemas.microsoft.com/VisualStudio/2011/storyboarding/control"/>
-  </ds:schemaRefs>
-</ds:datastoreItem>
-</file>
-
-<file path=customXml/itemProps246.xml><?xml version="1.0" encoding="utf-8"?>
-<ds:datastoreItem xmlns:ds="http://schemas.openxmlformats.org/officeDocument/2006/customXml" ds:itemID="{159ADC07-D3C2-4FB2-9F6C-54C3E95AABA7}">
-  <ds:schemaRefs>
-    <ds:schemaRef ds:uri="http://schemas.microsoft.com/VisualStudio/2011/storyboarding/control"/>
-  </ds:schemaRefs>
-</ds:datastoreItem>
-</file>
-
-<file path=customXml/itemProps247.xml><?xml version="1.0" encoding="utf-8"?>
-<ds:datastoreItem xmlns:ds="http://schemas.openxmlformats.org/officeDocument/2006/customXml" ds:itemID="{2A290B3E-128F-434A-A181-6670CD4D86BC}">
-  <ds:schemaRefs>
-    <ds:schemaRef ds:uri="http://schemas.microsoft.com/VisualStudio/2011/storyboarding/control"/>
-  </ds:schemaRefs>
-</ds:datastoreItem>
-</file>
-
-<file path=customXml/itemProps248.xml><?xml version="1.0" encoding="utf-8"?>
-<ds:datastoreItem xmlns:ds="http://schemas.openxmlformats.org/officeDocument/2006/customXml" ds:itemID="{403C6BC3-D7AA-4E58-AD05-52B3DCE4509A}">
-  <ds:schemaRefs>
-    <ds:schemaRef ds:uri="http://schemas.microsoft.com/VisualStudio/2011/storyboarding/control"/>
-  </ds:schemaRefs>
-</ds:datastoreItem>
-</file>
-
-<file path=customXml/itemProps249.xml><?xml version="1.0" encoding="utf-8"?>
-<ds:datastoreItem xmlns:ds="http://schemas.openxmlformats.org/officeDocument/2006/customXml" ds:itemID="{CF6ADF36-104B-46FF-B50C-7452ED382388}">
-  <ds:schemaRefs>
-    <ds:schemaRef ds:uri="http://schemas.microsoft.com/VisualStudio/2011/storyboarding/control"/>
-  </ds:schemaRefs>
-</ds:datastoreItem>
-</file>
-
-<file path=customXml/itemProps25.xml><?xml version="1.0" encoding="utf-8"?>
-<ds:datastoreItem xmlns:ds="http://schemas.openxmlformats.org/officeDocument/2006/customXml" ds:itemID="{92A76F61-31F3-46AF-90CF-A8930E14B64B}">
-  <ds:schemaRefs>
-    <ds:schemaRef ds:uri="http://schemas.microsoft.com/VisualStudio/2011/storyboarding/control"/>
-  </ds:schemaRefs>
-</ds:datastoreItem>
-</file>
-
-<file path=customXml/itemProps250.xml><?xml version="1.0" encoding="utf-8"?>
-<ds:datastoreItem xmlns:ds="http://schemas.openxmlformats.org/officeDocument/2006/customXml" ds:itemID="{A0B3715A-C40A-4FA7-84AD-3255E65EDFB9}">
-  <ds:schemaRefs>
-    <ds:schemaRef ds:uri="http://schemas.microsoft.com/VisualStudio/2011/storyboarding/control"/>
-  </ds:schemaRefs>
-</ds:datastoreItem>
-</file>
-
-<file path=customXml/itemProps251.xml><?xml version="1.0" encoding="utf-8"?>
-<ds:datastoreItem xmlns:ds="http://schemas.openxmlformats.org/officeDocument/2006/customXml" ds:itemID="{A17DCA50-D019-440D-8E48-0280B22348BA}">
-  <ds:schemaRefs>
-    <ds:schemaRef ds:uri="http://schemas.microsoft.com/VisualStudio/2011/storyboarding/control"/>
-  </ds:schemaRefs>
-</ds:datastoreItem>
-</file>
-
-<file path=customXml/itemProps252.xml><?xml version="1.0" encoding="utf-8"?>
+<file path=customXml/itemProps97.xml><?xml version="1.0" encoding="utf-8"?>
 <ds:datastoreItem xmlns:ds="http://schemas.openxmlformats.org/officeDocument/2006/customXml" ds:itemID="{E1A3A932-D4AE-4F3A-A93A-CAABDD1F8C69}">
   <ds:schemaRefs>
     <ds:schemaRef ds:uri="http://schemas.microsoft.com/VisualStudio/2011/storyboarding/control"/>
@@ -49702,183 +50625,7 @@
 </ds:datastoreItem>
 </file>
 
-<file path=customXml/itemProps253.xml><?xml version="1.0" encoding="utf-8"?>
-<ds:datastoreItem xmlns:ds="http://schemas.openxmlformats.org/officeDocument/2006/customXml" ds:itemID="{9C628832-EAE6-47E8-9B5C-DF0774975B25}">
-  <ds:schemaRefs>
-    <ds:schemaRef ds:uri="http://schemas.microsoft.com/VisualStudio/2011/storyboarding/control"/>
-  </ds:schemaRefs>
-</ds:datastoreItem>
-</file>
-
-<file path=customXml/itemProps254.xml><?xml version="1.0" encoding="utf-8"?>
-<ds:datastoreItem xmlns:ds="http://schemas.openxmlformats.org/officeDocument/2006/customXml" ds:itemID="{6B9950BB-86DC-4FB2-A188-EEF61E254E00}">
-  <ds:schemaRefs>
-    <ds:schemaRef ds:uri="http://schemas.microsoft.com/VisualStudio/2011/storyboarding/control"/>
-  </ds:schemaRefs>
-</ds:datastoreItem>
-</file>
-
-<file path=customXml/itemProps255.xml><?xml version="1.0" encoding="utf-8"?>
-<ds:datastoreItem xmlns:ds="http://schemas.openxmlformats.org/officeDocument/2006/customXml" ds:itemID="{0B7EDE5B-4D51-49E1-9CEB-68B8A7C62080}">
-  <ds:schemaRefs>
-    <ds:schemaRef ds:uri="http://schemas.microsoft.com/VisualStudio/2011/storyboarding/control"/>
-  </ds:schemaRefs>
-</ds:datastoreItem>
-</file>
-
-<file path=customXml/itemProps256.xml><?xml version="1.0" encoding="utf-8"?>
-<ds:datastoreItem xmlns:ds="http://schemas.openxmlformats.org/officeDocument/2006/customXml" ds:itemID="{F1C4ACDC-E59B-4A7C-8B85-138496E90808}">
-  <ds:schemaRefs>
-    <ds:schemaRef ds:uri="http://schemas.microsoft.com/VisualStudio/2011/storyboarding/control"/>
-  </ds:schemaRefs>
-</ds:datastoreItem>
-</file>
-
-<file path=customXml/itemProps257.xml><?xml version="1.0" encoding="utf-8"?>
-<ds:datastoreItem xmlns:ds="http://schemas.openxmlformats.org/officeDocument/2006/customXml" ds:itemID="{78A023F7-CB32-42B5-A4E3-D74D915D8DE1}">
-  <ds:schemaRefs>
-    <ds:schemaRef ds:uri="http://schemas.microsoft.com/VisualStudio/2011/storyboarding/control"/>
-  </ds:schemaRefs>
-</ds:datastoreItem>
-</file>
-
-<file path=customXml/itemProps258.xml><?xml version="1.0" encoding="utf-8"?>
-<ds:datastoreItem xmlns:ds="http://schemas.openxmlformats.org/officeDocument/2006/customXml" ds:itemID="{64C71902-D243-4E22-B242-4A0CDF564D97}">
-  <ds:schemaRefs>
-    <ds:schemaRef ds:uri="http://schemas.microsoft.com/VisualStudio/2011/storyboarding/control"/>
-  </ds:schemaRefs>
-</ds:datastoreItem>
-</file>
-
-<file path=customXml/itemProps259.xml><?xml version="1.0" encoding="utf-8"?>
-<ds:datastoreItem xmlns:ds="http://schemas.openxmlformats.org/officeDocument/2006/customXml" ds:itemID="{AA63A2A6-8C8A-43A5-BBCE-29755176128F}">
-  <ds:schemaRefs>
-    <ds:schemaRef ds:uri="http://schemas.microsoft.com/VisualStudio/2011/storyboarding/control"/>
-  </ds:schemaRefs>
-</ds:datastoreItem>
-</file>
-
-<file path=customXml/itemProps26.xml><?xml version="1.0" encoding="utf-8"?>
-<ds:datastoreItem xmlns:ds="http://schemas.openxmlformats.org/officeDocument/2006/customXml" ds:itemID="{70C23831-7801-40F8-9A53-4E9925562CBE}">
-  <ds:schemaRefs>
-    <ds:schemaRef ds:uri="http://schemas.microsoft.com/VisualStudio/2011/storyboarding/control"/>
-  </ds:schemaRefs>
-</ds:datastoreItem>
-</file>
-
-<file path=customXml/itemProps260.xml><?xml version="1.0" encoding="utf-8"?>
-<ds:datastoreItem xmlns:ds="http://schemas.openxmlformats.org/officeDocument/2006/customXml" ds:itemID="{559555D9-A00A-4AE8-8EDC-9B2D091AB899}">
-  <ds:schemaRefs>
-    <ds:schemaRef ds:uri="http://schemas.microsoft.com/VisualStudio/2011/storyboarding/control"/>
-  </ds:schemaRefs>
-</ds:datastoreItem>
-</file>
-
-<file path=customXml/itemProps261.xml><?xml version="1.0" encoding="utf-8"?>
-<ds:datastoreItem xmlns:ds="http://schemas.openxmlformats.org/officeDocument/2006/customXml" ds:itemID="{083C6336-2A1A-46E8-A91E-BFCF2D1B0C8B}">
-  <ds:schemaRefs>
-    <ds:schemaRef ds:uri="http://schemas.microsoft.com/VisualStudio/2011/storyboarding/control"/>
-  </ds:schemaRefs>
-</ds:datastoreItem>
-</file>
-
-<file path=customXml/itemProps262.xml><?xml version="1.0" encoding="utf-8"?>
-<ds:datastoreItem xmlns:ds="http://schemas.openxmlformats.org/officeDocument/2006/customXml" ds:itemID="{C0CC6341-FB9A-4E7F-BCCB-2AAF5D010E4B}">
-  <ds:schemaRefs>
-    <ds:schemaRef ds:uri="http://schemas.microsoft.com/VisualStudio/2011/storyboarding/control"/>
-  </ds:schemaRefs>
-</ds:datastoreItem>
-</file>
-
-<file path=customXml/itemProps263.xml><?xml version="1.0" encoding="utf-8"?>
-<ds:datastoreItem xmlns:ds="http://schemas.openxmlformats.org/officeDocument/2006/customXml" ds:itemID="{A2C6E495-7087-4B96-B86F-7F6CABCE8BF8}">
-  <ds:schemaRefs>
-    <ds:schemaRef ds:uri="http://schemas.microsoft.com/VisualStudio/2011/storyboarding/control"/>
-  </ds:schemaRefs>
-</ds:datastoreItem>
-</file>
-
-<file path=customXml/itemProps264.xml><?xml version="1.0" encoding="utf-8"?>
-<ds:datastoreItem xmlns:ds="http://schemas.openxmlformats.org/officeDocument/2006/customXml" ds:itemID="{9C728789-D285-4B32-8607-4EE84F572A23}">
-  <ds:schemaRefs>
-    <ds:schemaRef ds:uri="http://schemas.microsoft.com/VisualStudio/2011/storyboarding/control"/>
-  </ds:schemaRefs>
-</ds:datastoreItem>
-</file>
-
-<file path=customXml/itemProps265.xml><?xml version="1.0" encoding="utf-8"?>
-<ds:datastoreItem xmlns:ds="http://schemas.openxmlformats.org/officeDocument/2006/customXml" ds:itemID="{A6CECEA6-E7B3-4E14-A088-25D078A015BE}">
-  <ds:schemaRefs>
-    <ds:schemaRef ds:uri="http://schemas.microsoft.com/VisualStudio/2011/storyboarding/control"/>
-  </ds:schemaRefs>
-</ds:datastoreItem>
-</file>
-
-<file path=customXml/itemProps266.xml><?xml version="1.0" encoding="utf-8"?>
-<ds:datastoreItem xmlns:ds="http://schemas.openxmlformats.org/officeDocument/2006/customXml" ds:itemID="{380520DA-6825-4F41-8284-821CB3CA5C82}">
-  <ds:schemaRefs>
-    <ds:schemaRef ds:uri="http://schemas.microsoft.com/VisualStudio/2011/storyboarding/control"/>
-  </ds:schemaRefs>
-</ds:datastoreItem>
-</file>
-
-<file path=customXml/itemProps267.xml><?xml version="1.0" encoding="utf-8"?>
-<ds:datastoreItem xmlns:ds="http://schemas.openxmlformats.org/officeDocument/2006/customXml" ds:itemID="{A2C3C850-4F05-44AE-9D60-A5D2C3CA035F}">
-  <ds:schemaRefs>
-    <ds:schemaRef ds:uri="http://schemas.microsoft.com/VisualStudio/2011/storyboarding/control"/>
-  </ds:schemaRefs>
-</ds:datastoreItem>
-</file>
-
-<file path=customXml/itemProps268.xml><?xml version="1.0" encoding="utf-8"?>
-<ds:datastoreItem xmlns:ds="http://schemas.openxmlformats.org/officeDocument/2006/customXml" ds:itemID="{64C1A34D-9BCF-4EB1-9B34-5F6DD4A16513}">
-  <ds:schemaRefs>
-    <ds:schemaRef ds:uri="http://schemas.microsoft.com/VisualStudio/2011/storyboarding/control"/>
-  </ds:schemaRefs>
-</ds:datastoreItem>
-</file>
-
-<file path=customXml/itemProps269.xml><?xml version="1.0" encoding="utf-8"?>
-<ds:datastoreItem xmlns:ds="http://schemas.openxmlformats.org/officeDocument/2006/customXml" ds:itemID="{870035FA-90A6-4512-9682-88121BC13C7C}">
-  <ds:schemaRefs>
-    <ds:schemaRef ds:uri="http://schemas.microsoft.com/VisualStudio/2011/storyboarding/control"/>
-  </ds:schemaRefs>
-</ds:datastoreItem>
-</file>
-
-<file path=customXml/itemProps27.xml><?xml version="1.0" encoding="utf-8"?>
-<ds:datastoreItem xmlns:ds="http://schemas.openxmlformats.org/officeDocument/2006/customXml" ds:itemID="{8FF740A7-C8EE-480F-BAFC-0E587C82188C}">
-  <ds:schemaRefs>
-    <ds:schemaRef ds:uri="http://schemas.microsoft.com/VisualStudio/2011/storyboarding/control"/>
-  </ds:schemaRefs>
-</ds:datastoreItem>
-</file>
-
-<file path=customXml/itemProps270.xml><?xml version="1.0" encoding="utf-8"?>
-<ds:datastoreItem xmlns:ds="http://schemas.openxmlformats.org/officeDocument/2006/customXml" ds:itemID="{8C9DC196-410F-4C9C-AE66-5EDEA8509CCA}">
-  <ds:schemaRefs>
-    <ds:schemaRef ds:uri="http://schemas.microsoft.com/VisualStudio/2011/storyboarding/control"/>
-  </ds:schemaRefs>
-</ds:datastoreItem>
-</file>
-
-<file path=customXml/itemProps271.xml><?xml version="1.0" encoding="utf-8"?>
-<ds:datastoreItem xmlns:ds="http://schemas.openxmlformats.org/officeDocument/2006/customXml" ds:itemID="{CE62CA99-6887-4EB1-9C10-6D57DFF49F63}">
-  <ds:schemaRefs>
-    <ds:schemaRef ds:uri="http://schemas.microsoft.com/VisualStudio/2011/storyboarding/control"/>
-  </ds:schemaRefs>
-</ds:datastoreItem>
-</file>
-
-<file path=customXml/itemProps272.xml><?xml version="1.0" encoding="utf-8"?>
-<ds:datastoreItem xmlns:ds="http://schemas.openxmlformats.org/officeDocument/2006/customXml" ds:itemID="{4BBB479A-7116-4DFF-B5F0-559C79AF2773}">
-  <ds:schemaRefs>
-    <ds:schemaRef ds:uri="http://schemas.microsoft.com/VisualStudio/2011/storyboarding/control"/>
-  </ds:schemaRefs>
-</ds:datastoreItem>
-</file>
-
-<file path=customXml/itemProps273.xml><?xml version="1.0" encoding="utf-8"?>
+<file path=customXml/itemProps98.xml><?xml version="1.0" encoding="utf-8"?>
 <ds:datastoreItem xmlns:ds="http://schemas.openxmlformats.org/officeDocument/2006/customXml" ds:itemID="{B4A070F3-5EBB-4FD8-B3AF-9145329E89B5}">
   <ds:schemaRefs>
     <ds:schemaRef ds:uri="http://schemas.microsoft.com/VisualStudio/2011/storyboarding/control"/>
@@ -49886,970 +50633,10 @@
 </ds:datastoreItem>
 </file>
 
-<file path=customXml/itemProps274.xml><?xml version="1.0" encoding="utf-8"?>
-<ds:datastoreItem xmlns:ds="http://schemas.openxmlformats.org/officeDocument/2006/customXml" ds:itemID="{09CC12C2-65F6-4851-BF1A-DFADE603750B}">
-  <ds:schemaRefs>
-    <ds:schemaRef ds:uri="http://schemas.microsoft.com/VisualStudio/2011/storyboarding/control"/>
-  </ds:schemaRefs>
-</ds:datastoreItem>
-</file>
-
-<file path=customXml/itemProps275.xml><?xml version="1.0" encoding="utf-8"?>
-<ds:datastoreItem xmlns:ds="http://schemas.openxmlformats.org/officeDocument/2006/customXml" ds:itemID="{3B9D6764-90AA-4098-A737-3AD20DC24405}">
-  <ds:schemaRefs>
-    <ds:schemaRef ds:uri="http://schemas.microsoft.com/VisualStudio/2011/storyboarding/control"/>
-  </ds:schemaRefs>
-</ds:datastoreItem>
-</file>
-
-<file path=customXml/itemProps276.xml><?xml version="1.0" encoding="utf-8"?>
-<ds:datastoreItem xmlns:ds="http://schemas.openxmlformats.org/officeDocument/2006/customXml" ds:itemID="{6CCE3CA7-341D-4718-9E2A-11B173C57EC1}">
-  <ds:schemaRefs>
-    <ds:schemaRef ds:uri="http://schemas.microsoft.com/VisualStudio/2011/storyboarding/control"/>
-  </ds:schemaRefs>
-</ds:datastoreItem>
-</file>
-
-<file path=customXml/itemProps277.xml><?xml version="1.0" encoding="utf-8"?>
-<ds:datastoreItem xmlns:ds="http://schemas.openxmlformats.org/officeDocument/2006/customXml" ds:itemID="{15ADC171-1D00-43AA-8660-03BE1F33122C}">
-  <ds:schemaRefs>
-    <ds:schemaRef ds:uri="http://schemas.microsoft.com/VisualStudio/2011/storyboarding/control"/>
-  </ds:schemaRefs>
-</ds:datastoreItem>
-</file>
-
-<file path=customXml/itemProps278.xml><?xml version="1.0" encoding="utf-8"?>
-<ds:datastoreItem xmlns:ds="http://schemas.openxmlformats.org/officeDocument/2006/customXml" ds:itemID="{36156D9C-1DAA-43CB-9F20-58EA3D4F3C48}">
-  <ds:schemaRefs>
-    <ds:schemaRef ds:uri="http://schemas.microsoft.com/VisualStudio/2011/storyboarding/control"/>
-  </ds:schemaRefs>
-</ds:datastoreItem>
-</file>
-
-<file path=customXml/itemProps279.xml><?xml version="1.0" encoding="utf-8"?>
-<ds:datastoreItem xmlns:ds="http://schemas.openxmlformats.org/officeDocument/2006/customXml" ds:itemID="{724AE484-A91A-4C5A-ADA2-B1E14D44C5F9}">
-  <ds:schemaRefs>
-    <ds:schemaRef ds:uri="http://schemas.microsoft.com/VisualStudio/2011/storyboarding/control"/>
-  </ds:schemaRefs>
-</ds:datastoreItem>
-</file>
-
-<file path=customXml/itemProps28.xml><?xml version="1.0" encoding="utf-8"?>
-<ds:datastoreItem xmlns:ds="http://schemas.openxmlformats.org/officeDocument/2006/customXml" ds:itemID="{F528CFA6-F2A9-46AF-9122-04E816D8A71D}">
-  <ds:schemaRefs>
-    <ds:schemaRef ds:uri="http://schemas.microsoft.com/VisualStudio/2011/storyboarding/control"/>
-  </ds:schemaRefs>
-</ds:datastoreItem>
-</file>
-
-<file path=customXml/itemProps280.xml><?xml version="1.0" encoding="utf-8"?>
-<ds:datastoreItem xmlns:ds="http://schemas.openxmlformats.org/officeDocument/2006/customXml" ds:itemID="{A171EC6E-0B34-412F-93F3-F53F62F28985}">
-  <ds:schemaRefs>
-    <ds:schemaRef ds:uri="http://schemas.microsoft.com/VisualStudio/2011/storyboarding/control"/>
-  </ds:schemaRefs>
-</ds:datastoreItem>
-</file>
-
-<file path=customXml/itemProps281.xml><?xml version="1.0" encoding="utf-8"?>
-<ds:datastoreItem xmlns:ds="http://schemas.openxmlformats.org/officeDocument/2006/customXml" ds:itemID="{C4E5D3AF-6364-499A-AD9C-2F8BED8E3B15}">
-  <ds:schemaRefs>
-    <ds:schemaRef ds:uri="http://schemas.microsoft.com/VisualStudio/2011/storyboarding/control"/>
-  </ds:schemaRefs>
-</ds:datastoreItem>
-</file>
-
-<file path=customXml/itemProps282.xml><?xml version="1.0" encoding="utf-8"?>
-<ds:datastoreItem xmlns:ds="http://schemas.openxmlformats.org/officeDocument/2006/customXml" ds:itemID="{59F3BF51-CF83-45E9-9E04-A39D5DBFD0AE}">
-  <ds:schemaRefs>
-    <ds:schemaRef ds:uri="http://schemas.microsoft.com/VisualStudio/2011/storyboarding/control"/>
-  </ds:schemaRefs>
-</ds:datastoreItem>
-</file>
-
-<file path=customXml/itemProps283.xml><?xml version="1.0" encoding="utf-8"?>
-<ds:datastoreItem xmlns:ds="http://schemas.openxmlformats.org/officeDocument/2006/customXml" ds:itemID="{A2467CA4-1312-4CB2-8D35-F125ADE86BDB}">
-  <ds:schemaRefs>
-    <ds:schemaRef ds:uri="http://schemas.microsoft.com/VisualStudio/2011/storyboarding/control"/>
-  </ds:schemaRefs>
-</ds:datastoreItem>
-</file>
-
-<file path=customXml/itemProps284.xml><?xml version="1.0" encoding="utf-8"?>
-<ds:datastoreItem xmlns:ds="http://schemas.openxmlformats.org/officeDocument/2006/customXml" ds:itemID="{32217E3C-AB6C-4709-89B2-382049C37CA9}">
-  <ds:schemaRefs>
-    <ds:schemaRef ds:uri="http://schemas.microsoft.com/VisualStudio/2011/storyboarding/control"/>
-  </ds:schemaRefs>
-</ds:datastoreItem>
-</file>
-
-<file path=customXml/itemProps285.xml><?xml version="1.0" encoding="utf-8"?>
-<ds:datastoreItem xmlns:ds="http://schemas.openxmlformats.org/officeDocument/2006/customXml" ds:itemID="{55B60632-BF0E-452D-AFAC-EF70B726383B}">
-  <ds:schemaRefs>
-    <ds:schemaRef ds:uri="http://schemas.microsoft.com/VisualStudio/2011/storyboarding/control"/>
-  </ds:schemaRefs>
-</ds:datastoreItem>
-</file>
-
-<file path=customXml/itemProps286.xml><?xml version="1.0" encoding="utf-8"?>
-<ds:datastoreItem xmlns:ds="http://schemas.openxmlformats.org/officeDocument/2006/customXml" ds:itemID="{1C091AA2-E8E7-4486-B4A2-F72A9C23359F}">
-  <ds:schemaRefs>
-    <ds:schemaRef ds:uri="http://schemas.microsoft.com/VisualStudio/2011/storyboarding/control"/>
-  </ds:schemaRefs>
-</ds:datastoreItem>
-</file>
-
-<file path=customXml/itemProps287.xml><?xml version="1.0" encoding="utf-8"?>
-<ds:datastoreItem xmlns:ds="http://schemas.openxmlformats.org/officeDocument/2006/customXml" ds:itemID="{B0A9A6F9-9B8F-41F1-9C73-D1586249E417}">
-  <ds:schemaRefs>
-    <ds:schemaRef ds:uri="http://schemas.microsoft.com/VisualStudio/2011/storyboarding/control"/>
-  </ds:schemaRefs>
-</ds:datastoreItem>
-</file>
-
-<file path=customXml/itemProps288.xml><?xml version="1.0" encoding="utf-8"?>
-<ds:datastoreItem xmlns:ds="http://schemas.openxmlformats.org/officeDocument/2006/customXml" ds:itemID="{2468B27E-3B25-4E7A-9AD2-A8CC6B4DBF16}">
-  <ds:schemaRefs>
-    <ds:schemaRef ds:uri="http://schemas.microsoft.com/VisualStudio/2011/storyboarding/control"/>
-  </ds:schemaRefs>
-</ds:datastoreItem>
-</file>
-
-<file path=customXml/itemProps289.xml><?xml version="1.0" encoding="utf-8"?>
-<ds:datastoreItem xmlns:ds="http://schemas.openxmlformats.org/officeDocument/2006/customXml" ds:itemID="{528E95B9-CEE3-4C79-9779-69BAED92798A}">
-  <ds:schemaRefs>
-    <ds:schemaRef ds:uri="http://schemas.microsoft.com/VisualStudio/2011/storyboarding/control"/>
-  </ds:schemaRefs>
-</ds:datastoreItem>
-</file>
-
-<file path=customXml/itemProps29.xml><?xml version="1.0" encoding="utf-8"?>
-<ds:datastoreItem xmlns:ds="http://schemas.openxmlformats.org/officeDocument/2006/customXml" ds:itemID="{B836105E-5EEE-42B3-9106-1CD030EDC961}">
-  <ds:schemaRefs>
-    <ds:schemaRef ds:uri="http://schemas.microsoft.com/VisualStudio/2011/storyboarding/control"/>
-  </ds:schemaRefs>
-</ds:datastoreItem>
-</file>
-
-<file path=customXml/itemProps290.xml><?xml version="1.0" encoding="utf-8"?>
-<ds:datastoreItem xmlns:ds="http://schemas.openxmlformats.org/officeDocument/2006/customXml" ds:itemID="{0AEDB3B7-A8AC-4E3C-AEB5-6723FB4DA5F1}">
-  <ds:schemaRefs>
-    <ds:schemaRef ds:uri="http://schemas.microsoft.com/VisualStudio/2011/storyboarding/control"/>
-  </ds:schemaRefs>
-</ds:datastoreItem>
-</file>
-
-<file path=customXml/itemProps291.xml><?xml version="1.0" encoding="utf-8"?>
-<ds:datastoreItem xmlns:ds="http://schemas.openxmlformats.org/officeDocument/2006/customXml" ds:itemID="{6321DF9F-B57F-4638-9CE4-57E2C9F5DD38}">
-  <ds:schemaRefs>
-    <ds:schemaRef ds:uri="http://schemas.microsoft.com/VisualStudio/2011/storyboarding/control"/>
-  </ds:schemaRefs>
-</ds:datastoreItem>
-</file>
-
-<file path=customXml/itemProps292.xml><?xml version="1.0" encoding="utf-8"?>
-<ds:datastoreItem xmlns:ds="http://schemas.openxmlformats.org/officeDocument/2006/customXml" ds:itemID="{453431D8-11E8-44D9-8F58-30B056857265}">
-  <ds:schemaRefs>
-    <ds:schemaRef ds:uri="http://schemas.microsoft.com/VisualStudio/2011/storyboarding/control"/>
-  </ds:schemaRefs>
-</ds:datastoreItem>
-</file>
-
-<file path=customXml/itemProps293.xml><?xml version="1.0" encoding="utf-8"?>
-<ds:datastoreItem xmlns:ds="http://schemas.openxmlformats.org/officeDocument/2006/customXml" ds:itemID="{6E960401-8906-46E6-A456-7B8ADE8CBF74}">
-  <ds:schemaRefs>
-    <ds:schemaRef ds:uri="http://schemas.microsoft.com/VisualStudio/2011/storyboarding/control"/>
-  </ds:schemaRefs>
-</ds:datastoreItem>
-</file>
-
-<file path=customXml/itemProps294.xml><?xml version="1.0" encoding="utf-8"?>
+<file path=customXml/itemProps99.xml><?xml version="1.0" encoding="utf-8"?>
 <ds:datastoreItem xmlns:ds="http://schemas.openxmlformats.org/officeDocument/2006/customXml" ds:itemID="{45FDF728-6B6E-47AB-B08A-384F1C48FD3C}">
   <ds:schemaRefs>
     <ds:schemaRef ds:uri="http://schemas.microsoft.com/VisualStudio/2011/storyboarding/control"/>
   </ds:schemaRefs>
 </ds:datastoreItem>
-</file>
-
-<file path=customXml/itemProps295.xml><?xml version="1.0" encoding="utf-8"?>
-<ds:datastoreItem xmlns:ds="http://schemas.openxmlformats.org/officeDocument/2006/customXml" ds:itemID="{BC3DFB4E-5FF4-4F62-926A-1F1B188759FD}">
-  <ds:schemaRefs>
-    <ds:schemaRef ds:uri="http://schemas.microsoft.com/VisualStudio/2011/storyboarding/control"/>
-  </ds:schemaRefs>
-</ds:datastoreItem>
-</file>
-
-<file path=customXml/itemProps296.xml><?xml version="1.0" encoding="utf-8"?>
-<ds:datastoreItem xmlns:ds="http://schemas.openxmlformats.org/officeDocument/2006/customXml" ds:itemID="{B28FE181-DF34-46D8-92F0-4B5EE0F22C85}">
-  <ds:schemaRefs>
-    <ds:schemaRef ds:uri="http://schemas.microsoft.com/VisualStudio/2011/storyboarding/control"/>
-  </ds:schemaRefs>
-</ds:datastoreItem>
-</file>
-
-<file path=customXml/itemProps297.xml><?xml version="1.0" encoding="utf-8"?>
-<ds:datastoreItem xmlns:ds="http://schemas.openxmlformats.org/officeDocument/2006/customXml" ds:itemID="{A08EAE6B-4625-4A14-A4A9-EF486483F890}">
-  <ds:schemaRefs>
-    <ds:schemaRef ds:uri="http://schemas.microsoft.com/VisualStudio/2011/storyboarding/control"/>
-  </ds:schemaRefs>
-</ds:datastoreItem>
-</file>
-
-<file path=customXml/itemProps298.xml><?xml version="1.0" encoding="utf-8"?>
-<ds:datastoreItem xmlns:ds="http://schemas.openxmlformats.org/officeDocument/2006/customXml" ds:itemID="{514C3188-379E-46BF-BC22-7EED3E88977B}">
-  <ds:schemaRefs>
-    <ds:schemaRef ds:uri="http://schemas.microsoft.com/VisualStudio/2011/storyboarding/control"/>
-  </ds:schemaRefs>
-</ds:datastoreItem>
-</file>
-
-<file path=customXml/itemProps299.xml><?xml version="1.0" encoding="utf-8"?>
-<ds:datastoreItem xmlns:ds="http://schemas.openxmlformats.org/officeDocument/2006/customXml" ds:itemID="{99C05955-8F83-4A01-9B61-A4A6D0C430C1}">
-  <ds:schemaRefs>
-    <ds:schemaRef ds:uri="http://schemas.microsoft.com/VisualStudio/2011/storyboarding/control"/>
-  </ds:schemaRefs>
-</ds:datastoreItem>
-</file>
-
-<file path=customXml/itemProps3.xml><?xml version="1.0" encoding="utf-8"?>
-<ds:datastoreItem xmlns:ds="http://schemas.openxmlformats.org/officeDocument/2006/customXml" ds:itemID="{0BD21A30-063A-4397-97B8-0121D45BD9D6}">
-  <ds:schemaRefs>
-    <ds:schemaRef ds:uri="http://schemas.microsoft.com/VisualStudio/2011/storyboarding/control/v1.0"/>
-  </ds:schemaRefs>
-</ds:datastoreItem>
-</file>
-
-<file path=customXml/itemProps30.xml><?xml version="1.0" encoding="utf-8"?>
-<ds:datastoreItem xmlns:ds="http://schemas.openxmlformats.org/officeDocument/2006/customXml" ds:itemID="{BF11B036-6E64-47A4-8B66-189890EFA8D5}">
-  <ds:schemaRefs>
-    <ds:schemaRef ds:uri="http://schemas.microsoft.com/VisualStudio/2011/storyboarding/control"/>
-  </ds:schemaRefs>
-</ds:datastoreItem>
-</file>
-
-<file path=customXml/itemProps300.xml><?xml version="1.0" encoding="utf-8"?>
-<ds:datastoreItem xmlns:ds="http://schemas.openxmlformats.org/officeDocument/2006/customXml" ds:itemID="{BBEA8A1F-B02A-4CFD-BB65-DE3DBA4D23CE}">
-  <ds:schemaRefs>
-    <ds:schemaRef ds:uri="http://schemas.microsoft.com/VisualStudio/2011/storyboarding/control"/>
-  </ds:schemaRefs>
-</ds:datastoreItem>
-</file>
-
-<file path=customXml/itemProps301.xml><?xml version="1.0" encoding="utf-8"?>
-<ds:datastoreItem xmlns:ds="http://schemas.openxmlformats.org/officeDocument/2006/customXml" ds:itemID="{B49BEC75-1273-4B0C-9BD8-824516F2DB79}">
-  <ds:schemaRefs>
-    <ds:schemaRef ds:uri="http://schemas.microsoft.com/VisualStudio/2011/storyboarding/control"/>
-  </ds:schemaRefs>
-</ds:datastoreItem>
-</file>
-
-<file path=customXml/itemProps302.xml><?xml version="1.0" encoding="utf-8"?>
-<ds:datastoreItem xmlns:ds="http://schemas.openxmlformats.org/officeDocument/2006/customXml" ds:itemID="{2FD194D4-8818-4493-9F6F-BD81786FD722}">
-  <ds:schemaRefs>
-    <ds:schemaRef ds:uri="http://schemas.microsoft.com/VisualStudio/2011/storyboarding/control"/>
-  </ds:schemaRefs>
-</ds:datastoreItem>
-</file>
-
-<file path=customXml/itemProps303.xml><?xml version="1.0" encoding="utf-8"?>
-<ds:datastoreItem xmlns:ds="http://schemas.openxmlformats.org/officeDocument/2006/customXml" ds:itemID="{4526E249-381C-4680-81E8-75A78726C84C}">
-  <ds:schemaRefs>
-    <ds:schemaRef ds:uri="http://schemas.microsoft.com/VisualStudio/2011/storyboarding/control"/>
-  </ds:schemaRefs>
-</ds:datastoreItem>
-</file>
-
-<file path=customXml/itemProps304.xml><?xml version="1.0" encoding="utf-8"?>
-<ds:datastoreItem xmlns:ds="http://schemas.openxmlformats.org/officeDocument/2006/customXml" ds:itemID="{2E2EBA79-387D-48F3-8F1E-66EE14F34655}">
-  <ds:schemaRefs>
-    <ds:schemaRef ds:uri="http://schemas.microsoft.com/VisualStudio/2011/storyboarding/control"/>
-  </ds:schemaRefs>
-</ds:datastoreItem>
-</file>
-
-<file path=customXml/itemProps305.xml><?xml version="1.0" encoding="utf-8"?>
-<ds:datastoreItem xmlns:ds="http://schemas.openxmlformats.org/officeDocument/2006/customXml" ds:itemID="{47C86DEB-6C55-43CE-96A7-363CD56E1025}">
-  <ds:schemaRefs>
-    <ds:schemaRef ds:uri="http://schemas.microsoft.com/VisualStudio/2011/storyboarding/control"/>
-  </ds:schemaRefs>
-</ds:datastoreItem>
-</file>
-
-<file path=customXml/itemProps306.xml><?xml version="1.0" encoding="utf-8"?>
-<ds:datastoreItem xmlns:ds="http://schemas.openxmlformats.org/officeDocument/2006/customXml" ds:itemID="{5DBFF5E1-D0FE-4FAD-88CA-B82495D76ACF}">
-  <ds:schemaRefs>
-    <ds:schemaRef ds:uri="http://schemas.microsoft.com/VisualStudio/2011/storyboarding/control"/>
-  </ds:schemaRefs>
-</ds:datastoreItem>
-</file>
-
-<file path=customXml/itemProps307.xml><?xml version="1.0" encoding="utf-8"?>
-<ds:datastoreItem xmlns:ds="http://schemas.openxmlformats.org/officeDocument/2006/customXml" ds:itemID="{5D8DFC2E-1554-4A18-8359-FD46264D5226}">
-  <ds:schemaRefs>
-    <ds:schemaRef ds:uri="http://schemas.microsoft.com/VisualStudio/2011/storyboarding/control"/>
-  </ds:schemaRefs>
-</ds:datastoreItem>
-</file>
-
-<file path=customXml/itemProps308.xml><?xml version="1.0" encoding="utf-8"?>
-<ds:datastoreItem xmlns:ds="http://schemas.openxmlformats.org/officeDocument/2006/customXml" ds:itemID="{B4DF03EA-95D8-472A-AE5D-DFC4AF15B022}">
-  <ds:schemaRefs>
-    <ds:schemaRef ds:uri="http://schemas.microsoft.com/VisualStudio/2011/storyboarding/control"/>
-  </ds:schemaRefs>
-</ds:datastoreItem>
-</file>
-
-<file path=customXml/itemProps309.xml><?xml version="1.0" encoding="utf-8"?>
-<ds:datastoreItem xmlns:ds="http://schemas.openxmlformats.org/officeDocument/2006/customXml" ds:itemID="{3EABCF1F-5E30-4073-A48D-44DBBCB28505}">
-  <ds:schemaRefs>
-    <ds:schemaRef ds:uri="http://schemas.microsoft.com/VisualStudio/2011/storyboarding/control"/>
-  </ds:schemaRefs>
-</ds:datastoreItem>
-</file>
-
-<file path=customXml/itemProps31.xml><?xml version="1.0" encoding="utf-8"?>
-<ds:datastoreItem xmlns:ds="http://schemas.openxmlformats.org/officeDocument/2006/customXml" ds:itemID="{3C926393-13BE-4E11-B28C-325DFF825D65}">
-  <ds:schemaRefs>
-    <ds:schemaRef ds:uri="http://schemas.microsoft.com/VisualStudio/2011/storyboarding/control"/>
-  </ds:schemaRefs>
-</ds:datastoreItem>
-</file>
-
-<file path=customXml/itemProps310.xml><?xml version="1.0" encoding="utf-8"?>
-<ds:datastoreItem xmlns:ds="http://schemas.openxmlformats.org/officeDocument/2006/customXml" ds:itemID="{893424C2-FB64-4068-B7CE-4D0175AA35D6}">
-  <ds:schemaRefs>
-    <ds:schemaRef ds:uri="http://schemas.microsoft.com/VisualStudio/2011/storyboarding/control"/>
-  </ds:schemaRefs>
-</ds:datastoreItem>
-</file>
-
-<file path=customXml/itemProps311.xml><?xml version="1.0" encoding="utf-8"?>
-<ds:datastoreItem xmlns:ds="http://schemas.openxmlformats.org/officeDocument/2006/customXml" ds:itemID="{D064F9E9-4F9E-4E86-A1C8-B1028BE4E427}">
-  <ds:schemaRefs>
-    <ds:schemaRef ds:uri="http://schemas.microsoft.com/VisualStudio/2011/storyboarding/control"/>
-  </ds:schemaRefs>
-</ds:datastoreItem>
-</file>
-
-<file path=customXml/itemProps312.xml><?xml version="1.0" encoding="utf-8"?>
-<ds:datastoreItem xmlns:ds="http://schemas.openxmlformats.org/officeDocument/2006/customXml" ds:itemID="{3F848EF3-35D8-4197-9709-1D010A638AC5}">
-  <ds:schemaRefs>
-    <ds:schemaRef ds:uri="http://schemas.microsoft.com/VisualStudio/2011/storyboarding/control"/>
-  </ds:schemaRefs>
-</ds:datastoreItem>
-</file>
-
-<file path=customXml/itemProps313.xml><?xml version="1.0" encoding="utf-8"?>
-<ds:datastoreItem xmlns:ds="http://schemas.openxmlformats.org/officeDocument/2006/customXml" ds:itemID="{245C9D42-AED9-4DE9-BEE9-065304A671E1}">
-  <ds:schemaRefs>
-    <ds:schemaRef ds:uri="http://schemas.microsoft.com/VisualStudio/2011/storyboarding/control"/>
-  </ds:schemaRefs>
-</ds:datastoreItem>
-</file>
-
-<file path=customXml/itemProps314.xml><?xml version="1.0" encoding="utf-8"?>
-<ds:datastoreItem xmlns:ds="http://schemas.openxmlformats.org/officeDocument/2006/customXml" ds:itemID="{215B580D-203A-4FE0-B924-9A64D0F703AE}">
-  <ds:schemaRefs>
-    <ds:schemaRef ds:uri="http://schemas.microsoft.com/VisualStudio/2011/storyboarding/control"/>
-  </ds:schemaRefs>
-</ds:datastoreItem>
-</file>
-
-<file path=customXml/itemProps32.xml><?xml version="1.0" encoding="utf-8"?>
-<ds:datastoreItem xmlns:ds="http://schemas.openxmlformats.org/officeDocument/2006/customXml" ds:itemID="{9C57ED54-5F7A-476D-BFE2-C46C7230CC6B}">
-  <ds:schemaRefs>
-    <ds:schemaRef ds:uri="http://schemas.microsoft.com/VisualStudio/2011/storyboarding/control/v1.0"/>
-  </ds:schemaRefs>
-</ds:datastoreItem>
-</file>
-
-<file path=customXml/itemProps33.xml><?xml version="1.0" encoding="utf-8"?>
-<ds:datastoreItem xmlns:ds="http://schemas.openxmlformats.org/officeDocument/2006/customXml" ds:itemID="{9C4C7B07-3AE3-46A1-A54D-2BDFAB93A8EF}">
-  <ds:schemaRefs>
-    <ds:schemaRef ds:uri="http://schemas.microsoft.com/VisualStudio/2011/storyboarding/control/v1.0"/>
-  </ds:schemaRefs>
-</ds:datastoreItem>
-</file>
-
-<file path=customXml/itemProps34.xml><?xml version="1.0" encoding="utf-8"?>
-<ds:datastoreItem xmlns:ds="http://schemas.openxmlformats.org/officeDocument/2006/customXml" ds:itemID="{84F65994-E980-446B-9DF0-3376276C30F4}">
-  <ds:schemaRefs>
-    <ds:schemaRef ds:uri="http://schemas.microsoft.com/VisualStudio/2011/storyboarding/control"/>
-  </ds:schemaRefs>
-</ds:datastoreItem>
-</file>
-
-<file path=customXml/itemProps35.xml><?xml version="1.0" encoding="utf-8"?>
-<ds:datastoreItem xmlns:ds="http://schemas.openxmlformats.org/officeDocument/2006/customXml" ds:itemID="{4CFA599C-9F1C-4AB4-AB4F-10CF77B58F79}">
-  <ds:schemaRefs>
-    <ds:schemaRef ds:uri="http://schemas.microsoft.com/VisualStudio/2011/storyboarding/control/v1.0"/>
-  </ds:schemaRefs>
-</ds:datastoreItem>
-</file>
-
-<file path=customXml/itemProps36.xml><?xml version="1.0" encoding="utf-8"?>
-<ds:datastoreItem xmlns:ds="http://schemas.openxmlformats.org/officeDocument/2006/customXml" ds:itemID="{B7BD4F34-B154-4D92-BE87-C557EB1B7EFB}">
-  <ds:schemaRefs>
-    <ds:schemaRef ds:uri="http://schemas.microsoft.com/sharepoint/v3/contenttype/forms"/>
-  </ds:schemaRefs>
-</ds:datastoreItem>
-</file>
-
-<file path=customXml/itemProps37.xml><?xml version="1.0" encoding="utf-8"?>
-<ds:datastoreItem xmlns:ds="http://schemas.openxmlformats.org/officeDocument/2006/customXml" ds:itemID="{AE37FB5D-C140-4FA3-AFC0-7BBE49EA661F}">
-  <ds:schemaRefs>
-    <ds:schemaRef ds:uri="http://schemas.microsoft.com/VisualStudio/2011/storyboarding/control"/>
-  </ds:schemaRefs>
-</ds:datastoreItem>
-</file>
-
-<file path=customXml/itemProps38.xml><?xml version="1.0" encoding="utf-8"?>
-<ds:datastoreItem xmlns:ds="http://schemas.openxmlformats.org/officeDocument/2006/customXml" ds:itemID="{D713BDE5-C80D-4110-B57B-3868CFE6F1D4}">
-  <ds:schemaRefs>
-    <ds:schemaRef ds:uri="http://schemas.microsoft.com/VisualStudio/2011/storyboarding/control"/>
-  </ds:schemaRefs>
-</ds:datastoreItem>
-</file>
-
-<file path=customXml/itemProps39.xml><?xml version="1.0" encoding="utf-8"?>
-<ds:datastoreItem xmlns:ds="http://schemas.openxmlformats.org/officeDocument/2006/customXml" ds:itemID="{EAFC578D-2F7F-4742-9430-F08171D1B752}">
-  <ds:schemaRefs>
-    <ds:schemaRef ds:uri="http://schemas.microsoft.com/VisualStudio/2011/storyboarding/control"/>
-  </ds:schemaRefs>
-</ds:datastoreItem>
-</file>
-
-<file path=customXml/itemProps4.xml><?xml version="1.0" encoding="utf-8"?>
-<ds:datastoreItem xmlns:ds="http://schemas.openxmlformats.org/officeDocument/2006/customXml" ds:itemID="{253B000D-0B23-420C-B5B5-11B6002E5391}">
-  <ds:schemaRefs>
-    <ds:schemaRef ds:uri="http://schemas.microsoft.com/VisualStudio/2011/storyboarding/control/v1.0"/>
-  </ds:schemaRefs>
-</ds:datastoreItem>
-</file>
-
-<file path=customXml/itemProps40.xml><?xml version="1.0" encoding="utf-8"?>
-<ds:datastoreItem xmlns:ds="http://schemas.openxmlformats.org/officeDocument/2006/customXml" ds:itemID="{EC4D8D96-7D54-4E66-97F0-A05202B5A0A9}">
-  <ds:schemaRefs>
-    <ds:schemaRef ds:uri="http://schemas.microsoft.com/VisualStudio/2011/storyboarding/control"/>
-  </ds:schemaRefs>
-</ds:datastoreItem>
-</file>
-
-<file path=customXml/itemProps41.xml><?xml version="1.0" encoding="utf-8"?>
-<ds:datastoreItem xmlns:ds="http://schemas.openxmlformats.org/officeDocument/2006/customXml" ds:itemID="{087E62CD-9D1F-42A4-BF86-DF782D88BABA}">
-  <ds:schemaRefs>
-    <ds:schemaRef ds:uri="http://schemas.microsoft.com/VisualStudio/2011/storyboarding/control"/>
-  </ds:schemaRefs>
-</ds:datastoreItem>
-</file>
-
-<file path=customXml/itemProps42.xml><?xml version="1.0" encoding="utf-8"?>
-<ds:datastoreItem xmlns:ds="http://schemas.openxmlformats.org/officeDocument/2006/customXml" ds:itemID="{1348E9F0-41E7-4109-8E0D-1DB827F66CDC}">
-  <ds:schemaRefs>
-    <ds:schemaRef ds:uri="http://schemas.microsoft.com/VisualStudio/2011/storyboarding/control"/>
-  </ds:schemaRefs>
-</ds:datastoreItem>
-</file>
-
-<file path=customXml/itemProps43.xml><?xml version="1.0" encoding="utf-8"?>
-<ds:datastoreItem xmlns:ds="http://schemas.openxmlformats.org/officeDocument/2006/customXml" ds:itemID="{F17D5AF6-3BD9-4DFF-AE9B-2E10D3430779}">
-  <ds:schemaRefs>
-    <ds:schemaRef ds:uri="http://schemas.microsoft.com/VisualStudio/2011/storyboarding/control/v1.0"/>
-  </ds:schemaRefs>
-</ds:datastoreItem>
-</file>
-
-<file path=customXml/itemProps44.xml><?xml version="1.0" encoding="utf-8"?>
-<ds:datastoreItem xmlns:ds="http://schemas.openxmlformats.org/officeDocument/2006/customXml" ds:itemID="{03751A76-6B46-4E6A-98ED-2BA906B3F681}">
-  <ds:schemaRefs>
-    <ds:schemaRef ds:uri="http://schemas.microsoft.com/VisualStudio/2011/storyboarding/control"/>
-  </ds:schemaRefs>
-</ds:datastoreItem>
-</file>
-
-<file path=customXml/itemProps45.xml><?xml version="1.0" encoding="utf-8"?>
-<ds:datastoreItem xmlns:ds="http://schemas.openxmlformats.org/officeDocument/2006/customXml" ds:itemID="{387838C4-29F2-40AB-9647-8346D39956AB}">
-  <ds:schemaRefs>
-    <ds:schemaRef ds:uri="http://schemas.microsoft.com/VisualStudio/2011/storyboarding/control"/>
-  </ds:schemaRefs>
-</ds:datastoreItem>
-</file>
-
-<file path=customXml/itemProps46.xml><?xml version="1.0" encoding="utf-8"?>
-<ds:datastoreItem xmlns:ds="http://schemas.openxmlformats.org/officeDocument/2006/customXml" ds:itemID="{AECE9E1B-E7C1-46F6-9945-164C1E49BE74}">
-  <ds:schemaRefs>
-    <ds:schemaRef ds:uri="http://schemas.microsoft.com/VisualStudio/2011/storyboarding/control/v1.0"/>
-  </ds:schemaRefs>
-</ds:datastoreItem>
-</file>
-
-<file path=customXml/itemProps47.xml><?xml version="1.0" encoding="utf-8"?>
-<ds:datastoreItem xmlns:ds="http://schemas.openxmlformats.org/officeDocument/2006/customXml" ds:itemID="{ADB04634-E1B0-4104-AA98-AD7F274ACEFE}">
-  <ds:schemaRefs>
-    <ds:schemaRef ds:uri="http://schemas.microsoft.com/VisualStudio/2011/storyboarding/control"/>
-  </ds:schemaRefs>
-</ds:datastoreItem>
-</file>
-
-<file path=customXml/itemProps48.xml><?xml version="1.0" encoding="utf-8"?>
-<ds:datastoreItem xmlns:ds="http://schemas.openxmlformats.org/officeDocument/2006/customXml" ds:itemID="{801F3AE5-65F3-4F34-8431-3329707AA1A1}">
-  <ds:schemaRefs>
-    <ds:schemaRef ds:uri="http://schemas.microsoft.com/VisualStudio/2011/storyboarding/control"/>
-  </ds:schemaRefs>
-</ds:datastoreItem>
-</file>
-
-<file path=customXml/itemProps49.xml><?xml version="1.0" encoding="utf-8"?>
-<ds:datastoreItem xmlns:ds="http://schemas.openxmlformats.org/officeDocument/2006/customXml" ds:itemID="{1FF88975-36AE-43BF-87E0-E0D59F21DA7F}">
-  <ds:schemaRefs>
-    <ds:schemaRef ds:uri="http://schemas.microsoft.com/VisualStudio/2011/storyboarding/control"/>
-  </ds:schemaRefs>
-</ds:datastoreItem>
-</file>
-
-<file path=customXml/itemProps5.xml><?xml version="1.0" encoding="utf-8"?>
-<ds:datastoreItem xmlns:ds="http://schemas.openxmlformats.org/officeDocument/2006/customXml" ds:itemID="{E8BBFC1B-916D-426A-8825-D3326F96A0E7}">
-  <ds:schemaRefs>
-    <ds:schemaRef ds:uri="http://schemas.microsoft.com/VisualStudio/2011/storyboarding/control"/>
-  </ds:schemaRefs>
-</ds:datastoreItem>
-</file>
-
-<file path=customXml/itemProps50.xml><?xml version="1.0" encoding="utf-8"?>
-<ds:datastoreItem xmlns:ds="http://schemas.openxmlformats.org/officeDocument/2006/customXml" ds:itemID="{048A3CC1-91CB-4990-8022-89A76DC8521F}">
-  <ds:schemaRefs>
-    <ds:schemaRef ds:uri="http://schemas.microsoft.com/VisualStudio/2011/storyboarding/control"/>
-  </ds:schemaRefs>
-</ds:datastoreItem>
-</file>
-
-<file path=customXml/itemProps51.xml><?xml version="1.0" encoding="utf-8"?>
-<ds:datastoreItem xmlns:ds="http://schemas.openxmlformats.org/officeDocument/2006/customXml" ds:itemID="{19CB1DF2-8822-4520-A56A-045D340F0C71}">
-  <ds:schemaRefs>
-    <ds:schemaRef ds:uri="http://schemas.microsoft.com/VisualStudio/2011/storyboarding/control/v1.0"/>
-  </ds:schemaRefs>
-</ds:datastoreItem>
-</file>
-
-<file path=customXml/itemProps52.xml><?xml version="1.0" encoding="utf-8"?>
-<ds:datastoreItem xmlns:ds="http://schemas.openxmlformats.org/officeDocument/2006/customXml" ds:itemID="{FBD4E163-4562-47FE-BC16-63F946CB900C}">
-  <ds:schemaRefs>
-    <ds:schemaRef ds:uri="http://schemas.microsoft.com/VisualStudio/2011/storyboarding/control"/>
-  </ds:schemaRefs>
-</ds:datastoreItem>
-</file>
-
-<file path=customXml/itemProps53.xml><?xml version="1.0" encoding="utf-8"?>
-<ds:datastoreItem xmlns:ds="http://schemas.openxmlformats.org/officeDocument/2006/customXml" ds:itemID="{47280F27-D216-4199-B9E4-2F344B04278D}">
-  <ds:schemaRefs>
-    <ds:schemaRef ds:uri="http://schemas.microsoft.com/VisualStudio/2011/storyboarding/control"/>
-  </ds:schemaRefs>
-</ds:datastoreItem>
-</file>
-
-<file path=customXml/itemProps54.xml><?xml version="1.0" encoding="utf-8"?>
-<ds:datastoreItem xmlns:ds="http://schemas.openxmlformats.org/officeDocument/2006/customXml" ds:itemID="{07B11A95-7731-4379-9E1B-32BC87FA2B56}">
-  <ds:schemaRefs>
-    <ds:schemaRef ds:uri="http://schemas.microsoft.com/VisualStudio/2011/storyboarding/control/v1.0"/>
-  </ds:schemaRefs>
-</ds:datastoreItem>
-</file>
-
-<file path=customXml/itemProps55.xml><?xml version="1.0" encoding="utf-8"?>
-<ds:datastoreItem xmlns:ds="http://schemas.openxmlformats.org/officeDocument/2006/customXml" ds:itemID="{7BF16C54-4775-4FA7-AF88-98AF6D5E8CA6}">
-  <ds:schemaRefs>
-    <ds:schemaRef ds:uri="http://schemas.microsoft.com/VisualStudio/2011/storyboarding/control/v1.0"/>
-  </ds:schemaRefs>
-</ds:datastoreItem>
-</file>
-
-<file path=customXml/itemProps56.xml><?xml version="1.0" encoding="utf-8"?>
-<ds:datastoreItem xmlns:ds="http://schemas.openxmlformats.org/officeDocument/2006/customXml" ds:itemID="{F395D8ED-A0D3-4F6E-91F3-A29EC16A8083}">
-  <ds:schemaRefs>
-    <ds:schemaRef ds:uri="http://schemas.microsoft.com/VisualStudio/2011/storyboarding/control/v1.0"/>
-  </ds:schemaRefs>
-</ds:datastoreItem>
-</file>
-
-<file path=customXml/itemProps57.xml><?xml version="1.0" encoding="utf-8"?>
-<ds:datastoreItem xmlns:ds="http://schemas.openxmlformats.org/officeDocument/2006/customXml" ds:itemID="{C29BC5F4-0639-40EF-AE58-276891D954E3}">
-  <ds:schemaRefs>
-    <ds:schemaRef ds:uri="http://schemas.microsoft.com/VisualStudio/2011/storyboarding/control"/>
-  </ds:schemaRefs>
-</ds:datastoreItem>
-</file>
-
-<file path=customXml/itemProps58.xml><?xml version="1.0" encoding="utf-8"?>
-<ds:datastoreItem xmlns:ds="http://schemas.openxmlformats.org/officeDocument/2006/customXml" ds:itemID="{80057D26-84AE-4214-A069-42EEB0220CF3}">
-  <ds:schemaRefs>
-    <ds:schemaRef ds:uri="http://schemas.microsoft.com/VisualStudio/2011/storyboarding/control"/>
-  </ds:schemaRefs>
-</ds:datastoreItem>
-</file>
-
-<file path=customXml/itemProps59.xml><?xml version="1.0" encoding="utf-8"?>
-<ds:datastoreItem xmlns:ds="http://schemas.openxmlformats.org/officeDocument/2006/customXml" ds:itemID="{C1F57F2F-EB69-455F-86E9-7D1815C6A967}">
-  <ds:schemaRefs>
-    <ds:schemaRef ds:uri="http://schemas.microsoft.com/VisualStudio/2011/storyboarding/control"/>
-  </ds:schemaRefs>
-</ds:datastoreItem>
-</file>
-
-<file path=customXml/itemProps6.xml><?xml version="1.0" encoding="utf-8"?>
-<ds:datastoreItem xmlns:ds="http://schemas.openxmlformats.org/officeDocument/2006/customXml" ds:itemID="{E1BAF4CB-704B-4C94-BD7D-4724B54B1561}">
-  <ds:schemaRefs>
-    <ds:schemaRef ds:uri="http://schemas.microsoft.com/VisualStudio/2011/storyboarding/control"/>
-  </ds:schemaRefs>
-</ds:datastoreItem>
-</file>
-
-<file path=customXml/itemProps60.xml><?xml version="1.0" encoding="utf-8"?>
-<ds:datastoreItem xmlns:ds="http://schemas.openxmlformats.org/officeDocument/2006/customXml" ds:itemID="{210D98BC-CFC9-452C-BD71-82D18275CCFB}">
-  <ds:schemaRefs>
-    <ds:schemaRef ds:uri="http://schemas.microsoft.com/VisualStudio/2011/storyboarding/control"/>
-  </ds:schemaRefs>
-</ds:datastoreItem>
-</file>
-
-<file path=customXml/itemProps61.xml><?xml version="1.0" encoding="utf-8"?>
-<ds:datastoreItem xmlns:ds="http://schemas.openxmlformats.org/officeDocument/2006/customXml" ds:itemID="{FA5216FE-1DE9-4185-8800-0EC7C7890F70}">
-  <ds:schemaRefs>
-    <ds:schemaRef ds:uri="http://schemas.microsoft.com/VisualStudio/2011/storyboarding/control"/>
-  </ds:schemaRefs>
-</ds:datastoreItem>
-</file>
-
-<file path=customXml/itemProps62.xml><?xml version="1.0" encoding="utf-8"?>
-<ds:datastoreItem xmlns:ds="http://schemas.openxmlformats.org/officeDocument/2006/customXml" ds:itemID="{841747D4-39CC-40AD-A9E6-73C9D5CDFACB}">
-  <ds:schemaRefs>
-    <ds:schemaRef ds:uri="http://schemas.microsoft.com/VisualStudio/2011/storyboarding/control"/>
-  </ds:schemaRefs>
-</ds:datastoreItem>
-</file>
-
-<file path=customXml/itemProps63.xml><?xml version="1.0" encoding="utf-8"?>
-<ds:datastoreItem xmlns:ds="http://schemas.openxmlformats.org/officeDocument/2006/customXml" ds:itemID="{056219C8-2DDB-4448-8642-8825E7426201}">
-  <ds:schemaRefs>
-    <ds:schemaRef ds:uri="http://schemas.microsoft.com/VisualStudio/2011/storyboarding/control"/>
-  </ds:schemaRefs>
-</ds:datastoreItem>
-</file>
-
-<file path=customXml/itemProps64.xml><?xml version="1.0" encoding="utf-8"?>
-<ds:datastoreItem xmlns:ds="http://schemas.openxmlformats.org/officeDocument/2006/customXml" ds:itemID="{699689A1-427B-4DEA-8FDB-0058CB4B38D8}">
-  <ds:schemaRefs>
-    <ds:schemaRef ds:uri="http://schemas.microsoft.com/VisualStudio/2011/storyboarding/control/v1.0"/>
-  </ds:schemaRefs>
-</ds:datastoreItem>
-</file>
-
-<file path=customXml/itemProps65.xml><?xml version="1.0" encoding="utf-8"?>
-<ds:datastoreItem xmlns:ds="http://schemas.openxmlformats.org/officeDocument/2006/customXml" ds:itemID="{20EE139D-44C7-4192-A8B7-E25390148E28}">
-  <ds:schemaRefs>
-    <ds:schemaRef ds:uri="http://schemas.microsoft.com/VisualStudio/2011/storyboarding/control/v1.0"/>
-  </ds:schemaRefs>
-</ds:datastoreItem>
-</file>
-
-<file path=customXml/itemProps66.xml><?xml version="1.0" encoding="utf-8"?>
-<ds:datastoreItem xmlns:ds="http://schemas.openxmlformats.org/officeDocument/2006/customXml" ds:itemID="{EDE713BE-A567-491C-902D-E6087D824056}">
-  <ds:schemaRefs>
-    <ds:schemaRef ds:uri="http://schemas.microsoft.com/VisualStudio/2011/storyboarding/control/v1.0"/>
-  </ds:schemaRefs>
-</ds:datastoreItem>
-</file>
-
-<file path=customXml/itemProps67.xml><?xml version="1.0" encoding="utf-8"?>
-<ds:datastoreItem xmlns:ds="http://schemas.openxmlformats.org/officeDocument/2006/customXml" ds:itemID="{5AEB498F-611A-4747-BA30-9FC7F2005BBC}">
-  <ds:schemaRefs>
-    <ds:schemaRef ds:uri="http://schemas.microsoft.com/VisualStudio/2011/storyboarding/control"/>
-  </ds:schemaRefs>
-</ds:datastoreItem>
-</file>
-
-<file path=customXml/itemProps68.xml><?xml version="1.0" encoding="utf-8"?>
-<ds:datastoreItem xmlns:ds="http://schemas.openxmlformats.org/officeDocument/2006/customXml" ds:itemID="{013A0AD4-9F3D-4ED0-A576-2EA7727919A1}">
-  <ds:schemaRefs>
-    <ds:schemaRef ds:uri="http://schemas.microsoft.com/VisualStudio/2011/storyboarding/control"/>
-  </ds:schemaRefs>
-</ds:datastoreItem>
-</file>
-
-<file path=customXml/itemProps69.xml><?xml version="1.0" encoding="utf-8"?>
-<ds:datastoreItem xmlns:ds="http://schemas.openxmlformats.org/officeDocument/2006/customXml" ds:itemID="{5E2E8CE4-298D-499A-B8B4-4A593AC844A5}">
-  <ds:schemaRefs>
-    <ds:schemaRef ds:uri="http://schemas.microsoft.com/VisualStudio/2011/storyboarding/control/v1.0"/>
-  </ds:schemaRefs>
-</ds:datastoreItem>
-</file>
-
-<file path=customXml/itemProps7.xml><?xml version="1.0" encoding="utf-8"?>
-<ds:datastoreItem xmlns:ds="http://schemas.openxmlformats.org/officeDocument/2006/customXml" ds:itemID="{188F6680-9EB8-4B03-8D3B-773D66FC777A}">
-  <ds:schemaRefs>
-    <ds:schemaRef ds:uri="http://schemas.microsoft.com/VisualStudio/2011/storyboarding/control/v1.0"/>
-  </ds:schemaRefs>
-</ds:datastoreItem>
-</file>
-
-<file path=customXml/itemProps70.xml><?xml version="1.0" encoding="utf-8"?>
-<ds:datastoreItem xmlns:ds="http://schemas.openxmlformats.org/officeDocument/2006/customXml" ds:itemID="{09AB39FA-4C31-44D3-8396-6567184FBB26}">
-  <ds:schemaRefs>
-    <ds:schemaRef ds:uri="http://schemas.microsoft.com/VisualStudio/2011/storyboarding/control"/>
-  </ds:schemaRefs>
-</ds:datastoreItem>
-</file>
-
-<file path=customXml/itemProps71.xml><?xml version="1.0" encoding="utf-8"?>
-<ds:datastoreItem xmlns:ds="http://schemas.openxmlformats.org/officeDocument/2006/customXml" ds:itemID="{B456FE19-ED72-4E25-9FC9-4BECF543B733}">
-  <ds:schemaRefs>
-    <ds:schemaRef ds:uri="http://schemas.microsoft.com/VisualStudio/2011/storyboarding/control"/>
-  </ds:schemaRefs>
-</ds:datastoreItem>
-</file>
-
-<file path=customXml/itemProps72.xml><?xml version="1.0" encoding="utf-8"?>
-<ds:datastoreItem xmlns:ds="http://schemas.openxmlformats.org/officeDocument/2006/customXml" ds:itemID="{7AC21F39-8137-409B-8CA9-0D8BCA8C53A9}">
-  <ds:schemaRefs>
-    <ds:schemaRef ds:uri="http://schemas.microsoft.com/VisualStudio/2011/storyboarding/control"/>
-  </ds:schemaRefs>
-</ds:datastoreItem>
-</file>
-
-<file path=customXml/itemProps73.xml><?xml version="1.0" encoding="utf-8"?>
-<ds:datastoreItem xmlns:ds="http://schemas.openxmlformats.org/officeDocument/2006/customXml" ds:itemID="{17658EED-361F-4B58-9F51-40C52E9422C8}">
-  <ds:schemaRefs>
-    <ds:schemaRef ds:uri="http://schemas.microsoft.com/VisualStudio/2011/storyboarding/control"/>
-  </ds:schemaRefs>
-</ds:datastoreItem>
-</file>
-
-<file path=customXml/itemProps74.xml><?xml version="1.0" encoding="utf-8"?>
-<ds:datastoreItem xmlns:ds="http://schemas.openxmlformats.org/officeDocument/2006/customXml" ds:itemID="{4128EE26-B265-4FA3-97CC-CAAD73E8C185}">
-  <ds:schemaRefs>
-    <ds:schemaRef ds:uri="http://schemas.microsoft.com/VisualStudio/2011/storyboarding/control"/>
-  </ds:schemaRefs>
-</ds:datastoreItem>
-</file>
-
-<file path=customXml/itemProps75.xml><?xml version="1.0" encoding="utf-8"?>
-<ds:datastoreItem xmlns:ds="http://schemas.openxmlformats.org/officeDocument/2006/customXml" ds:itemID="{A9E9510A-02AF-4564-9E17-46676C80E84C}">
-  <ds:schemaRefs>
-    <ds:schemaRef ds:uri="http://schemas.openxmlformats.org/package/2006/metadata/core-properties"/>
-    <ds:schemaRef ds:uri="http://purl.org/dc/terms/"/>
-    <ds:schemaRef ds:uri="http://www.w3.org/XML/1998/namespace"/>
-    <ds:schemaRef ds:uri="http://schemas.microsoft.com/office/infopath/2007/PartnerControls"/>
-    <ds:schemaRef ds:uri="b4ebf394-daf6-497a-96c5-a2f8c10b38cf"/>
-    <ds:schemaRef ds:uri="http://purl.org/dc/elements/1.1/"/>
-    <ds:schemaRef ds:uri="http://schemas.microsoft.com/office/2006/documentManagement/types"/>
-    <ds:schemaRef ds:uri="http://schemas.microsoft.com/office/2006/metadata/properties"/>
-    <ds:schemaRef ds:uri="http://purl.org/dc/dcmitype/"/>
-  </ds:schemaRefs>
-</ds:datastoreItem>
-</file>
-
-<file path=customXml/itemProps76.xml><?xml version="1.0" encoding="utf-8"?>
-<ds:datastoreItem xmlns:ds="http://schemas.openxmlformats.org/officeDocument/2006/customXml" ds:itemID="{8D6F1E2B-42FE-4A71-93A8-D9B6BF0B3428}">
-  <ds:schemaRefs>
-    <ds:schemaRef ds:uri="http://schemas.microsoft.com/VisualStudio/2011/storyboarding/control"/>
-  </ds:schemaRefs>
-</ds:datastoreItem>
-</file>
-
-<file path=customXml/itemProps77.xml><?xml version="1.0" encoding="utf-8"?>
-<ds:datastoreItem xmlns:ds="http://schemas.openxmlformats.org/officeDocument/2006/customXml" ds:itemID="{5423C7C4-EE26-4ED2-9F11-C9ABAA081BA5}">
-  <ds:schemaRefs>
-    <ds:schemaRef ds:uri="http://schemas.microsoft.com/VisualStudio/2011/storyboarding/control/v1.0"/>
-  </ds:schemaRefs>
-</ds:datastoreItem>
-</file>
-
-<file path=customXml/itemProps78.xml><?xml version="1.0" encoding="utf-8"?>
-<ds:datastoreItem xmlns:ds="http://schemas.openxmlformats.org/officeDocument/2006/customXml" ds:itemID="{B571350C-23C3-4B5A-8F49-FBEB6CF22964}">
-  <ds:schemaRefs>
-    <ds:schemaRef ds:uri="http://schemas.microsoft.com/VisualStudio/2011/storyboarding/control/v1.0"/>
-  </ds:schemaRefs>
-</ds:datastoreItem>
-</file>
-
-<file path=customXml/itemProps79.xml><?xml version="1.0" encoding="utf-8"?>
-<ds:datastoreItem xmlns:ds="http://schemas.openxmlformats.org/officeDocument/2006/customXml" ds:itemID="{288CEDBF-3F9B-47CF-AF84-2B8486359159}">
-  <ds:schemaRefs>
-    <ds:schemaRef ds:uri="http://schemas.microsoft.com/VisualStudio/2011/storyboarding/control/v1.0"/>
-  </ds:schemaRefs>
-</ds:datastoreItem>
-</file>
-
-<file path=customXml/itemProps8.xml><?xml version="1.0" encoding="utf-8"?>
-<ds:datastoreItem xmlns:ds="http://schemas.openxmlformats.org/officeDocument/2006/customXml" ds:itemID="{3F032E52-7009-4752-B05A-A09B42D51897}">
-  <ds:schemaRefs>
-    <ds:schemaRef ds:uri="http://schemas.microsoft.com/VisualStudio/2011/storyboarding/control"/>
-  </ds:schemaRefs>
-</ds:datastoreItem>
-</file>
-
-<file path=customXml/itemProps80.xml><?xml version="1.0" encoding="utf-8"?>
-<ds:datastoreItem xmlns:ds="http://schemas.openxmlformats.org/officeDocument/2006/customXml" ds:itemID="{1880FE45-DF38-4D93-976C-E0A82A466CB2}">
-  <ds:schemaRefs>
-    <ds:schemaRef ds:uri="http://schemas.microsoft.com/VisualStudio/2011/storyboarding/control"/>
-  </ds:schemaRefs>
-</ds:datastoreItem>
-</file>
-
-<file path=customXml/itemProps81.xml><?xml version="1.0" encoding="utf-8"?>
-<ds:datastoreItem xmlns:ds="http://schemas.openxmlformats.org/officeDocument/2006/customXml" ds:itemID="{CEFE4058-5397-4E53-AD5F-D2E2BC794126}">
-  <ds:schemaRefs>
-    <ds:schemaRef ds:uri="http://schemas.microsoft.com/VisualStudio/2011/storyboarding/control"/>
-  </ds:schemaRefs>
-</ds:datastoreItem>
-</file>
-
-<file path=customXml/itemProps82.xml><?xml version="1.0" encoding="utf-8"?>
-<ds:datastoreItem xmlns:ds="http://schemas.openxmlformats.org/officeDocument/2006/customXml" ds:itemID="{4C0069AA-981E-4DCF-95BA-4FF939F40700}">
-  <ds:schemaRefs>
-    <ds:schemaRef ds:uri="http://schemas.microsoft.com/VisualStudio/2011/storyboarding/control"/>
-  </ds:schemaRefs>
-</ds:datastoreItem>
-</file>
-
-<file path=customXml/itemProps83.xml><?xml version="1.0" encoding="utf-8"?>
-<ds:datastoreItem xmlns:ds="http://schemas.openxmlformats.org/officeDocument/2006/customXml" ds:itemID="{A6ECB6E0-BD84-4681-8699-56A1B3F36A60}">
-  <ds:schemaRefs>
-    <ds:schemaRef ds:uri="http://schemas.microsoft.com/VisualStudio/2011/storyboarding/control"/>
-  </ds:schemaRefs>
-</ds:datastoreItem>
-</file>
-
-<file path=customXml/itemProps84.xml><?xml version="1.0" encoding="utf-8"?>
-<ds:datastoreItem xmlns:ds="http://schemas.openxmlformats.org/officeDocument/2006/customXml" ds:itemID="{156ACD54-663F-4146-A83C-D39B7758E090}">
-  <ds:schemaRefs>
-    <ds:schemaRef ds:uri="http://schemas.microsoft.com/VisualStudio/2011/storyboarding/control/v1.0"/>
-  </ds:schemaRefs>
-</ds:datastoreItem>
-</file>
-
-<file path=customXml/itemProps85.xml><?xml version="1.0" encoding="utf-8"?>
-<ds:datastoreItem xmlns:ds="http://schemas.openxmlformats.org/officeDocument/2006/customXml" ds:itemID="{379BFC32-51F7-4218-B2AD-CFD6564CE11F}">
-  <ds:schemaRefs>
-    <ds:schemaRef ds:uri="http://schemas.microsoft.com/VisualStudio/2011/storyboarding/control"/>
-  </ds:schemaRefs>
-</ds:datastoreItem>
-</file>
-
-<file path=customXml/itemProps86.xml><?xml version="1.0" encoding="utf-8"?>
-<ds:datastoreItem xmlns:ds="http://schemas.openxmlformats.org/officeDocument/2006/customXml" ds:itemID="{A3893413-CE22-4EDB-93B9-C1985A86D4BC}">
-  <ds:schemaRefs>
-    <ds:schemaRef ds:uri="http://schemas.microsoft.com/VisualStudio/2011/storyboarding/control"/>
-  </ds:schemaRefs>
-</ds:datastoreItem>
-</file>
-
-<file path=customXml/itemProps87.xml><?xml version="1.0" encoding="utf-8"?>
-<ds:datastoreItem xmlns:ds="http://schemas.openxmlformats.org/officeDocument/2006/customXml" ds:itemID="{E5723664-F93B-4E22-B1B6-B5098FD1FF64}">
-  <ds:schemaRefs>
-    <ds:schemaRef ds:uri="http://schemas.microsoft.com/VisualStudio/2011/storyboarding/control"/>
-  </ds:schemaRefs>
-</ds:datastoreItem>
-</file>
-
-<file path=customXml/itemProps88.xml><?xml version="1.0" encoding="utf-8"?>
-<ds:datastoreItem xmlns:ds="http://schemas.openxmlformats.org/officeDocument/2006/customXml" ds:itemID="{916A51F4-761E-4234-825A-DF2165BA716E}">
-  <ds:schemaRefs>
-    <ds:schemaRef ds:uri="http://schemas.microsoft.com/VisualStudio/2011/storyboarding/control"/>
-  </ds:schemaRefs>
-</ds:datastoreItem>
-</file>
-
-<file path=customXml/itemProps89.xml><?xml version="1.0" encoding="utf-8"?>
-<ds:datastoreItem xmlns:ds="http://schemas.openxmlformats.org/officeDocument/2006/customXml" ds:itemID="{50AB9033-38E6-4E6C-802A-6C285CADB0AF}">
-  <ds:schemaRefs>
-    <ds:schemaRef ds:uri="http://schemas.microsoft.com/VisualStudio/2011/storyboarding/control"/>
-  </ds:schemaRefs>
-</ds:datastoreItem>
-</file>
-
-<file path=customXml/itemProps9.xml><?xml version="1.0" encoding="utf-8"?>
-<ds:datastoreItem xmlns:ds="http://schemas.openxmlformats.org/officeDocument/2006/customXml" ds:itemID="{DE293D9F-1A02-4625-AE8D-C35D3F325ECF}">
-  <ds:schemaRefs>
-    <ds:schemaRef ds:uri="http://schemas.microsoft.com/VisualStudio/2011/storyboarding/control"/>
-  </ds:schemaRefs>
-</ds:datastoreItem>
-</file>
-
-<file path=customXml/itemProps90.xml><?xml version="1.0" encoding="utf-8"?>
-<ds:datastoreItem xmlns:ds="http://schemas.openxmlformats.org/officeDocument/2006/customXml" ds:itemID="{61718306-62A2-464C-A071-ED5770176479}">
-  <ds:schemaRefs>
-    <ds:schemaRef ds:uri="http://schemas.microsoft.com/VisualStudio/2011/storyboarding/control"/>
-  </ds:schemaRefs>
-</ds:datastoreItem>
-</file>
-
-<file path=customXml/itemProps91.xml><?xml version="1.0" encoding="utf-8"?>
-<ds:datastoreItem xmlns:ds="http://schemas.openxmlformats.org/officeDocument/2006/customXml" ds:itemID="{FBA6DA6D-7786-4A2A-BC68-30ED15C8A190}">
-  <ds:schemaRefs>
-    <ds:schemaRef ds:uri="http://schemas.microsoft.com/VisualStudio/2011/storyboarding/control"/>
-  </ds:schemaRefs>
-</ds:datastoreItem>
-</file>
-
-<file path=customXml/itemProps92.xml><?xml version="1.0" encoding="utf-8"?>
-<ds:datastoreItem xmlns:ds="http://schemas.openxmlformats.org/officeDocument/2006/customXml" ds:itemID="{01E0B54D-93C0-47BA-BD37-28A68DD7C93D}">
-  <ds:schemaRefs>
-    <ds:schemaRef ds:uri="http://schemas.microsoft.com/VisualStudio/2011/storyboarding/control"/>
-  </ds:schemaRefs>
-</ds:datastoreItem>
-</file>
-
-<file path=customXml/itemProps93.xml><?xml version="1.0" encoding="utf-8"?>
-<ds:datastoreItem xmlns:ds="http://schemas.openxmlformats.org/officeDocument/2006/customXml" ds:itemID="{967C42A5-1DCA-4F10-9D2C-730B7244B788}">
-  <ds:schemaRefs>
-    <ds:schemaRef ds:uri="http://schemas.microsoft.com/VisualStudio/2011/storyboarding/control"/>
-  </ds:schemaRefs>
-</ds:datastoreItem>
-</file>
-
-<file path=customXml/itemProps94.xml><?xml version="1.0" encoding="utf-8"?>
-<ds:datastoreItem xmlns:ds="http://schemas.openxmlformats.org/officeDocument/2006/customXml" ds:itemID="{734FC74F-92DC-4F5F-B575-B58D019BB8E1}">
-  <ds:schemaRefs>
-    <ds:schemaRef ds:uri="http://schemas.microsoft.com/VisualStudio/2011/storyboarding/control"/>
-  </ds:schemaRefs>
-</ds:datastoreItem>
-</file>
-
-<file path=customXml/itemProps95.xml><?xml version="1.0" encoding="utf-8"?>
-<ds:datastoreItem xmlns:ds="http://schemas.openxmlformats.org/officeDocument/2006/customXml" ds:itemID="{063106FD-8836-4282-B199-EA4B966FF14A}">
-  <ds:schemaRefs>
-    <ds:schemaRef ds:uri="http://schemas.microsoft.com/VisualStudio/2011/storyboarding/control"/>
-  </ds:schemaRefs>
-</ds:datastoreItem>
-</file>
-
-<file path=customXml/itemProps96.xml><?xml version="1.0" encoding="utf-8"?>
-<ds:datastoreItem xmlns:ds="http://schemas.openxmlformats.org/officeDocument/2006/customXml" ds:itemID="{32B7F290-7492-4F18-9180-8C7334175437}">
-  <ds:schemaRefs>
-    <ds:schemaRef ds:uri="http://schemas.microsoft.com/VisualStudio/2011/storyboarding/control"/>
-  </ds:schemaRefs>
-</ds:datastoreItem>
-</file>
-
-<file path=customXml/itemProps97.xml><?xml version="1.0" encoding="utf-8"?>
-<ds:datastoreItem xmlns:ds="http://schemas.openxmlformats.org/officeDocument/2006/customXml" ds:itemID="{B4BE880E-F71A-4C21-A1C3-8A2437E3C677}">
-  <ds:schemaRefs>
-    <ds:schemaRef ds:uri="http://schemas.microsoft.com/VisualStudio/2011/storyboarding/control/v1.0"/>
-  </ds:schemaRefs>
-</ds:datastoreItem>
-</file>
-
-<file path=customXml/itemProps98.xml><?xml version="1.0" encoding="utf-8"?>
-<ds:datastoreItem xmlns:ds="http://schemas.openxmlformats.org/officeDocument/2006/customXml" ds:itemID="{359B13B5-DE77-48C2-859A-70355A1B9D90}">
-  <ds:schemaRefs>
-    <ds:schemaRef ds:uri="http://schemas.microsoft.com/VisualStudio/2011/storyboarding/control/v1.0"/>
-  </ds:schemaRefs>
-</ds:datastoreItem>
-</file>
-
-<file path=customXml/itemProps99.xml><?xml version="1.0" encoding="utf-8"?>
-<ds:datastoreItem xmlns:ds="http://schemas.openxmlformats.org/officeDocument/2006/customXml" ds:itemID="{2B6243A2-99B5-42ED-B049-93E27D774527}">
-  <ds:schemaRefs>
-    <ds:schemaRef ds:uri="http://schemas.microsoft.com/VisualStudio/2011/storyboarding/control/v1.0"/>
-  </ds:schemaRefs>
-</ds:datastoreItem>
 </file>
--- a/Documentation/Storyboards/Aphelion.Meerkat.IndicatorCapture.v002.pptx
+++ b/Documentation/Storyboards/Aphelion.Meerkat.IndicatorCapture.v002.pptx
@@ -216,7 +216,7 @@
             <a:fld id="{CE74A6EE-E360-4005-A696-0C73C91B5E4F}" type="datetimeFigureOut">
               <a:rPr lang="en-US" smtClean="0"/>
               <a:pPr/>
-              <a:t>4/17/2014</a:t>
+              <a:t>6/8/2014</a:t>
             </a:fld>
             <a:endParaRPr lang="en-US"/>
           </a:p>
@@ -1530,7 +1530,7 @@
             <a:fld id="{AD33D0BB-003F-42B4-BF7A-CD36EAA9C443}" type="datetimeFigureOut">
               <a:rPr lang="en-US" smtClean="0"/>
               <a:pPr/>
-              <a:t>4/17/2014</a:t>
+              <a:t>6/8/2014</a:t>
             </a:fld>
             <a:endParaRPr lang="en-US"/>
           </a:p>
@@ -1709,7 +1709,7 @@
             <a:fld id="{AD33D0BB-003F-42B4-BF7A-CD36EAA9C443}" type="datetimeFigureOut">
               <a:rPr lang="en-US" smtClean="0"/>
               <a:pPr/>
-              <a:t>4/17/2014</a:t>
+              <a:t>6/8/2014</a:t>
             </a:fld>
             <a:endParaRPr lang="en-US"/>
           </a:p>
@@ -1891,7 +1891,7 @@
             <a:fld id="{AD33D0BB-003F-42B4-BF7A-CD36EAA9C443}" type="datetimeFigureOut">
               <a:rPr lang="en-US" smtClean="0"/>
               <a:pPr/>
-              <a:t>4/17/2014</a:t>
+              <a:t>6/8/2014</a:t>
             </a:fld>
             <a:endParaRPr lang="en-US"/>
           </a:p>
@@ -2063,7 +2063,7 @@
             <a:fld id="{AD33D0BB-003F-42B4-BF7A-CD36EAA9C443}" type="datetimeFigureOut">
               <a:rPr lang="en-US" smtClean="0"/>
               <a:pPr/>
-              <a:t>4/17/2014</a:t>
+              <a:t>6/8/2014</a:t>
             </a:fld>
             <a:endParaRPr lang="en-US"/>
           </a:p>
@@ -2311,7 +2311,7 @@
             <a:fld id="{AD33D0BB-003F-42B4-BF7A-CD36EAA9C443}" type="datetimeFigureOut">
               <a:rPr lang="en-US" smtClean="0"/>
               <a:pPr/>
-              <a:t>4/17/2014</a:t>
+              <a:t>6/8/2014</a:t>
             </a:fld>
             <a:endParaRPr lang="en-US"/>
           </a:p>
@@ -2601,7 +2601,7 @@
             <a:fld id="{AD33D0BB-003F-42B4-BF7A-CD36EAA9C443}" type="datetimeFigureOut">
               <a:rPr lang="en-US" smtClean="0"/>
               <a:pPr/>
-              <a:t>4/17/2014</a:t>
+              <a:t>6/8/2014</a:t>
             </a:fld>
             <a:endParaRPr lang="en-US"/>
           </a:p>
@@ -3025,7 +3025,7 @@
             <a:fld id="{AD33D0BB-003F-42B4-BF7A-CD36EAA9C443}" type="datetimeFigureOut">
               <a:rPr lang="en-US" smtClean="0"/>
               <a:pPr/>
-              <a:t>4/17/2014</a:t>
+              <a:t>6/8/2014</a:t>
             </a:fld>
             <a:endParaRPr lang="en-US"/>
           </a:p>
@@ -3145,7 +3145,7 @@
             <a:fld id="{AD33D0BB-003F-42B4-BF7A-CD36EAA9C443}" type="datetimeFigureOut">
               <a:rPr lang="en-US" smtClean="0"/>
               <a:pPr/>
-              <a:t>4/17/2014</a:t>
+              <a:t>6/8/2014</a:t>
             </a:fld>
             <a:endParaRPr lang="en-US"/>
           </a:p>
@@ -3242,7 +3242,7 @@
             <a:fld id="{AD33D0BB-003F-42B4-BF7A-CD36EAA9C443}" type="datetimeFigureOut">
               <a:rPr lang="en-US" smtClean="0"/>
               <a:pPr/>
-              <a:t>4/17/2014</a:t>
+              <a:t>6/8/2014</a:t>
             </a:fld>
             <a:endParaRPr lang="en-US"/>
           </a:p>
@@ -3521,7 +3521,7 @@
             <a:fld id="{AD33D0BB-003F-42B4-BF7A-CD36EAA9C443}" type="datetimeFigureOut">
               <a:rPr lang="en-US" smtClean="0"/>
               <a:pPr/>
-              <a:t>4/17/2014</a:t>
+              <a:t>6/8/2014</a:t>
             </a:fld>
             <a:endParaRPr lang="en-US"/>
           </a:p>
@@ -3780,7 +3780,7 @@
             <a:fld id="{AD33D0BB-003F-42B4-BF7A-CD36EAA9C443}" type="datetimeFigureOut">
               <a:rPr lang="en-US" smtClean="0"/>
               <a:pPr/>
-              <a:t>4/17/2014</a:t>
+              <a:t>6/8/2014</a:t>
             </a:fld>
             <a:endParaRPr lang="en-US"/>
           </a:p>
@@ -3995,7 +3995,7 @@
             <a:fld id="{AD33D0BB-003F-42B4-BF7A-CD36EAA9C443}" type="datetimeFigureOut">
               <a:rPr lang="en-US" smtClean="0"/>
               <a:pPr/>
-              <a:t>4/17/2014</a:t>
+              <a:t>6/8/2014</a:t>
             </a:fld>
             <a:endParaRPr lang="en-US"/>
           </a:p>
@@ -46041,7 +46041,7 @@
 
 <file path=customXml/item1.xml><?xml version="1.0" encoding="utf-8"?>
 <Control xmlns="http://schemas.microsoft.com/VisualStudio/2011/storyboarding/control">
-  <Id Name="System.Storyboarding.Common.Button" Revision="1" Stencil="System.Storyboarding.Common" StencilVersion="0.1"/>
+  <Id Name="System.Storyboarding.Common.MouseClick" Revision="1" Stencil="System.Storyboarding.Common" StencilVersion="0.1"/>
 </Control>
 </file>
 
@@ -46053,19 +46053,19 @@
 
 <file path=customXml/item100.xml><?xml version="1.0" encoding="utf-8"?>
 <Control xmlns="http://schemas.microsoft.com/VisualStudio/2011/storyboarding/control">
-  <Id Name="9d9c56e0-6ca3-4298-b757-9c73dab947ac" RevisionId="993ea365-49c2-46dc-bf14-e971e460de1e" Stencil="172d6d98-e5c9-42e9-a209-79f7a94bbd38" StencilRevisionId="00000000-0000-0000-0000-000000000000" StencilVersion="0.0"/>
+  <Id Name="System.Storyboarding.Common.TabGroup" Revision="1" Stencil="System.Storyboarding.Common" StencilVersion="0.1"/>
 </Control>
 </file>
 
 <file path=customXml/item101.xml><?xml version="1.0" encoding="utf-8"?>
 <Control xmlns="http://schemas.microsoft.com/VisualStudio/2011/storyboarding/control">
-  <Id Name="9d9c56e0-6ca3-4298-b757-9c73dab947ac" RevisionId="993ea365-49c2-46dc-bf14-e971e460de1e" Stencil="172d6d98-e5c9-42e9-a209-79f7a94bbd38" StencilRevisionId="00000000-0000-0000-0000-000000000000" StencilVersion="0.0"/>
+  <Id Name="System.Storyboarding.Common.SearchBox" Revision="1" Stencil="System.Storyboarding.Common" StencilVersion="0.1"/>
 </Control>
 </file>
 
 <file path=customXml/item102.xml><?xml version="1.0" encoding="utf-8"?>
-<Control xmlns="http://schemas.microsoft.com/VisualStudio/2011/storyboarding/control">
-  <Id Name="System.Storyboarding.Common.TextInput" Revision="1" Stencil="System.Storyboarding.Common" StencilVersion="0.1"/>
+<Control xmlns="http://schemas.microsoft.com/VisualStudio/2011/storyboarding/control/v1.0">
+  <Id Name="System.Storyboard.Stencil.Title" RevisionId="00000000-0000-0000-0000-000000000000" Stencil="System.Common" StencilRevisionId="00000000-0000-0000-0000-000000000000" StencilVersion="1.0"/>
 </Control>
 </file>
 
@@ -46083,121 +46083,121 @@
 
 <file path=customXml/item105.xml><?xml version="1.0" encoding="utf-8"?>
 <Control xmlns="http://schemas.microsoft.com/VisualStudio/2011/storyboarding/control/v1.0">
-  <Id Name="System.Storyboard.Stencil.ColorPicker" RevisionId="00000000-0000-0000-0000-000000000000" Stencil="System.Media" StencilRevisionId="00000000-0000-0000-0000-000000000000" StencilVersion="1.0"/>
+  <Id Name="System.Storyboard.Stencil.VerticalScrollbar" RevisionId="00000000-0000-0000-0000-000000000000" Stencil="System.Common" StencilRevisionId="00000000-0000-0000-0000-000000000000" StencilVersion="1.0"/>
 </Control>
 </file>
 
 <file path=customXml/item106.xml><?xml version="1.0" encoding="utf-8"?>
-<Control xmlns="http://schemas.microsoft.com/VisualStudio/2011/storyboarding/control/v1.0">
-  <Id Name="System.Storyboard.Stencil.FourItemList" RevisionId="00000000-0000-0000-0000-000000000000" Stencil="System.Common" StencilRevisionId="00000000-0000-0000-0000-000000000000" StencilVersion="1.0"/>
+<Control xmlns="http://schemas.microsoft.com/VisualStudio/2011/storyboarding/control">
+  <Id Name="600d61f4-2d09-42e6-a6db-83e260e051ae" RevisionId="3c9eb7e9-0ea7-4fb5-adc7-dcc81ff0fb36" Stencil="172d6d98-e5c9-42e9-a209-79f7a94bbd38" StencilRevisionId="00000000-0000-0000-0000-000000000000" StencilVersion="0.0"/>
 </Control>
 </file>
 
 <file path=customXml/item107.xml><?xml version="1.0" encoding="utf-8"?>
 <Control xmlns="http://schemas.microsoft.com/VisualStudio/2011/storyboarding/control/v1.0">
-  <Id Name="System.Storyboard.Stencil.DropdownBox" RevisionId="00000000-0000-0000-0000-000000000000" Stencil="System.Common" StencilRevisionId="00000000-0000-0000-0000-000000000000" StencilVersion="1.0"/>
+  <Id Name="System.Storyboard.Stencil.Image" RevisionId="00000000-0000-0000-0000-000000000000" Stencil="System.Media" StencilRevisionId="00000000-0000-0000-0000-000000000000" StencilVersion="1.0"/>
 </Control>
 </file>
 
 <file path=customXml/item108.xml><?xml version="1.0" encoding="utf-8"?>
-<Control xmlns="http://schemas.microsoft.com/VisualStudio/2011/storyboarding/control/v1.0">
-  <Id Name="System.Storyboard.Stencil.DatePicker" RevisionId="00000000-0000-0000-0000-000000000000" Stencil="System.Common" StencilRevisionId="00000000-0000-0000-0000-000000000000" StencilVersion="1.0"/>
+<Control xmlns="http://schemas.microsoft.com/VisualStudio/2011/storyboarding/control">
+  <Id Name="System.Storyboarding.Common.MouseClick" Revision="1" Stencil="System.Storyboarding.Common" StencilVersion="0.1"/>
 </Control>
 </file>
 
 <file path=customXml/item109.xml><?xml version="1.0" encoding="utf-8"?>
-<Control xmlns="http://schemas.microsoft.com/VisualStudio/2011/storyboarding/control">
-  <Id Name="System.Storyboarding.Common.DropdownBox" Revision="1" Stencil="System.Storyboarding.Common" StencilVersion="0.1"/>
-</Control>
-</file>
-
-<file path=customXml/item11.xml><?xml version="1.0" encoding="utf-8"?>
-<Control xmlns="http://schemas.microsoft.com/VisualStudio/2011/storyboarding/control/v1.0">
-  <Id Name="System.Storyboard.Stencil.Calendar" RevisionId="00000000-0000-0000-0000-000000000000" Stencil="System.Common" StencilRevisionId="00000000-0000-0000-0000-000000000000" StencilVersion="1.0"/>
-</Control>
-</file>
-
-<file path=customXml/item110.xml><?xml version="1.0" encoding="utf-8"?>
 <Control xmlns="http://schemas.microsoft.com/VisualStudio/2011/storyboarding/control">
   <Id Name="System.Storyboarding.Common.Text" Revision="1" Stencil="System.Storyboarding.Common" StencilVersion="0.1"/>
 </Control>
 </file>
 
+<file path=customXml/item11.xml><?xml version="1.0" encoding="utf-8"?>
+<Control xmlns="http://schemas.microsoft.com/VisualStudio/2011/storyboarding/control">
+  <Id Name="System.Storyboarding.Common.TextInput" Revision="1" Stencil="System.Storyboarding.Common" StencilVersion="0.1"/>
+</Control>
+</file>
+
+<file path=customXml/item110.xml><?xml version="1.0" encoding="utf-8"?>
+<Control xmlns="http://schemas.microsoft.com/VisualStudio/2011/storyboarding/control/v1.0">
+  <Id Name="System.Storyboard.Stencil.TreeList" RevisionId="00000000-0000-0000-0000-000000000000" Stencil="System.Common" StencilRevisionId="00000000-0000-0000-0000-000000000000" StencilVersion="1.0"/>
+</Control>
+</file>
+
 <file path=customXml/item111.xml><?xml version="1.0" encoding="utf-8"?>
 <Control xmlns="http://schemas.microsoft.com/VisualStudio/2011/storyboarding/control">
-  <Id Name="System.Storyboarding.Common.TextArea" Revision="1" Stencil="System.Storyboarding.Common" StencilVersion="0.1"/>
+  <Id Name="System.Storyboarding.Common.SearchBox" Revision="1" Stencil="System.Storyboarding.Common" StencilVersion="0.1"/>
 </Control>
 </file>
 
 <file path=customXml/item112.xml><?xml version="1.0" encoding="utf-8"?>
+<Control xmlns="http://schemas.microsoft.com/VisualStudio/2011/storyboarding/control">
+  <Id Name="System.Storyboarding.Common.SearchBox" Revision="1" Stencil="System.Storyboarding.Common" StencilVersion="0.1"/>
+</Control>
+</file>
+
+<file path=customXml/item113.xml><?xml version="1.0" encoding="utf-8"?>
+<Control xmlns="http://schemas.microsoft.com/VisualStudio/2011/storyboarding/control">
+  <Id Name="System.Storyboarding.WindowsPhoneIcons.Save" Revision="1" Stencil="System.Storyboarding.WindowsPhoneIcons" StencilVersion="0.1"/>
+</Control>
+</file>
+
+<file path=customXml/item114.xml><?xml version="1.0" encoding="utf-8"?>
+<Control xmlns="http://schemas.microsoft.com/VisualStudio/2011/storyboarding/control">
+  <Id Name="System.Storyboarding.Common.TabGroup" Revision="1" Stencil="System.Storyboarding.Common" StencilVersion="0.1"/>
+</Control>
+</file>
+
+<file path=customXml/item115.xml><?xml version="1.0" encoding="utf-8"?>
+<Control xmlns="http://schemas.microsoft.com/VisualStudio/2011/storyboarding/control">
+  <Id Name="System.Storyboarding.WindowsPhoneIcons.Cancel" Revision="1" Stencil="System.Storyboarding.WindowsPhoneIcons" StencilVersion="0.1"/>
+</Control>
+</file>
+
+<file path=customXml/item116.xml><?xml version="1.0" encoding="utf-8"?>
+<Control xmlns="http://schemas.microsoft.com/VisualStudio/2011/storyboarding/control">
+  <Id Name="System.Storyboarding.Common.Button" Revision="1" Stencil="System.Storyboarding.Common" StencilVersion="0.1"/>
+</Control>
+</file>
+
+<file path=customXml/item117.xml><?xml version="1.0" encoding="utf-8"?>
 <Control xmlns="http://schemas.microsoft.com/VisualStudio/2011/storyboarding/control">
   <Id Name="System.Storyboarding.Common.MouseClick" Revision="1" Stencil="System.Storyboarding.Common" StencilVersion="0.1"/>
 </Control>
 </file>
 
-<file path=customXml/item113.xml><?xml version="1.0" encoding="utf-8"?>
+<file path=customXml/item118.xml><?xml version="1.0" encoding="utf-8"?>
+<Control xmlns="http://schemas.microsoft.com/VisualStudio/2011/storyboarding/control/v1.0">
+  <Id Name="System.Storyboard.Stencil.PhoneTile" RevisionId="00000000-0000-0000-0000-000000000000" Stencil="System.Windows_Phone_7" StencilRevisionId="00000000-0000-0000-0000-000000000000" StencilVersion="1.0"/>
+</Control>
+</file>
+
+<file path=customXml/item119.xml><?xml version="1.0" encoding="utf-8"?>
 <Control xmlns="http://schemas.microsoft.com/VisualStudio/2011/storyboarding/control">
   <Id Name="System.Storyboarding.Common.TabGroup" Revision="1" Stencil="System.Storyboarding.Common" StencilVersion="0.1"/>
 </Control>
 </file>
 
-<file path=customXml/item114.xml><?xml version="1.0" encoding="utf-8"?>
-<Control xmlns="http://schemas.microsoft.com/VisualStudio/2011/storyboarding/control">
-  <Id Name="System.Storyboarding.Common.Text" Revision="1" Stencil="System.Storyboarding.Common" StencilVersion="0.1"/>
-</Control>
-</file>
-
-<file path=customXml/item115.xml><?xml version="1.0" encoding="utf-8"?>
-<Control xmlns="http://schemas.microsoft.com/VisualStudio/2011/storyboarding/control">
-  <Id Name="System.Storyboarding.Common.DropdownBox" Revision="1" Stencil="System.Storyboarding.Common" StencilVersion="0.1"/>
-</Control>
-</file>
-
-<file path=customXml/item116.xml><?xml version="1.0" encoding="utf-8"?>
+<file path=customXml/item12.xml><?xml version="1.0" encoding="utf-8"?>
 <Control xmlns="http://schemas.microsoft.com/VisualStudio/2011/storyboarding/control">
   <Id Name="System.Storyboarding.Common.SearchBox" Revision="1" Stencil="System.Storyboarding.Common" StencilVersion="0.1"/>
 </Control>
 </file>
 
-<file path=customXml/item117.xml><?xml version="1.0" encoding="utf-8"?>
+<file path=customXml/item120.xml><?xml version="1.0" encoding="utf-8"?>
 <Control xmlns="http://schemas.microsoft.com/VisualStudio/2011/storyboarding/control/v1.0">
-  <Id Name="System.Storyboard.Stencil.PhoneKeyboard" RevisionId="00000000-0000-0000-0000-000000000000" Stencil="System.Windows_Phone_7" StencilRevisionId="00000000-0000-0000-0000-000000000000" StencilVersion="1.0"/>
+  <Id Name="System.Storyboard.Stencil.StatusBar" RevisionId="00000000-0000-0000-0000-000000000000" Stencil="System.Windows" StencilRevisionId="00000000-0000-0000-0000-000000000000" StencilVersion="1.0"/>
 </Control>
 </file>
 
-<file path=customXml/item118.xml><?xml version="1.0" encoding="utf-8"?>
-<Control xmlns="http://schemas.microsoft.com/VisualStudio/2011/storyboarding/control/v1.0">
-  <Id Name="System.Storyboarding.Common.Text" RevisionId="68ea164d-c1de-47a5-804f-d4d1290fa524" Stencil="System.Storyboarding.Common" StencilRevisionId="68ea164d-c1de-47a5-804f-d4d1290fa524" StencilVersion="0.1"/>
-</Control>
-</file>
-
-<file path=customXml/item119.xml><?xml version="1.0" encoding="utf-8"?>
-<Control xmlns="http://schemas.microsoft.com/VisualStudio/2011/storyboarding/control/v1.0">
-  <Id Name="System.Storyboard.Stencil.Browser" RevisionId="bdb52a43-f875-417f-a3f8-9b0259dd3051" Stencil="System.Backgrounds" StencilRevisionId="bdb52a43-f875-417f-a3f8-9b0259dd3051" StencilVersion="1.0"/>
-</Control>
-</file>
-
-<file path=customXml/item12.xml><?xml version="1.0" encoding="utf-8"?>
+<file path=customXml/item121.xml><?xml version="1.0" encoding="utf-8"?>
 <Control xmlns="http://schemas.microsoft.com/VisualStudio/2011/storyboarding/control">
   <Id Name="System.Storyboarding.Common.TextInput" Revision="1" Stencil="System.Storyboarding.Common" StencilVersion="0.1"/>
 </Control>
 </file>
 
-<file path=customXml/item120.xml><?xml version="1.0" encoding="utf-8"?>
-<Control xmlns="http://schemas.microsoft.com/VisualStudio/2011/storyboarding/control">
-  <Id Name="System.Storyboarding.Backgrounds.Window" RevisionId="bdb52a43-f875-417f-a3f8-9b0259dd3051" Stencil="System.Storyboarding.Backgrounds" StencilRevisionId="bdb52a43-f875-417f-a3f8-9b0259dd3051" StencilVersion="0.1"/>
-</Control>
-</file>
-
-<file path=customXml/item121.xml><?xml version="1.0" encoding="utf-8"?>
-<Control xmlns="http://schemas.microsoft.com/VisualStudio/2011/storyboarding/control">
-  <Id Name="System.Storyboarding.Common.SearchBox" Revision="1" Stencil="System.Storyboarding.Common" StencilVersion="0.1"/>
-</Control>
-</file>
-
 <file path=customXml/item122.xml><?xml version="1.0" encoding="utf-8"?>
 <Control xmlns="http://schemas.microsoft.com/VisualStudio/2011/storyboarding/control">
-  <Id Name="System.Storyboarding.Backgrounds.WindowsPhoneLandscape" RevisionId="bdb52a43-f875-417f-a3f8-9b0259dd3051" Stencil="System.Storyboarding.Backgrounds" StencilRevisionId="bdb52a43-f875-417f-a3f8-9b0259dd3051" StencilVersion="0.1"/>
+  <Id Name="System.Storyboarding.Common.TextInput" Revision="1" Stencil="System.Storyboarding.Common" StencilVersion="0.1"/>
 </Control>
 </file>
 
@@ -46209,43 +46209,43 @@
 
 <file path=customXml/item124.xml><?xml version="1.0" encoding="utf-8"?>
 <Control xmlns="http://schemas.microsoft.com/VisualStudio/2011/storyboarding/control">
-  <Id Name="System.Storyboarding.Common.Text" Revision="1" Stencil="System.Storyboarding.Common" StencilVersion="0.1"/>
+  <Id Name="System.Storyboarding.Common.DropdownBox" Revision="1" Stencil="System.Storyboarding.Common" StencilVersion="0.1"/>
 </Control>
 </file>
 
 <file path=customXml/item125.xml><?xml version="1.0" encoding="utf-8"?>
-<Control xmlns="http://schemas.microsoft.com/VisualStudio/2011/storyboarding/control">
-  <Id Name="System.Storyboarding.WindowsPhoneIcons.BaseCircle" Revision="1" Stencil="System.Storyboarding.WindowsPhoneIcons" StencilVersion="0.1"/>
+<Control xmlns="http://schemas.microsoft.com/VisualStudio/2011/storyboarding/control/v1.0">
+  <Id Name="System.Storyboard.Stencil.PhoneBrowserBar" RevisionId="00000000-0000-0000-0000-000000000000" Stencil="System.Windows_Phone_7" StencilRevisionId="00000000-0000-0000-0000-000000000000" StencilVersion="1.0"/>
 </Control>
 </file>
 
 <file path=customXml/item126.xml><?xml version="1.0" encoding="utf-8"?>
 <Control xmlns="http://schemas.microsoft.com/VisualStudio/2011/storyboarding/control">
-  <Id Name="System.Storyboarding.Common.Text" Revision="1" Stencil="System.Storyboarding.Common" StencilVersion="0.1"/>
+  <Id Name="System.Storyboarding.Common.DropdownBox" Revision="1" Stencil="System.Storyboarding.Common" StencilVersion="0.1"/>
 </Control>
 </file>
 
 <file path=customXml/item127.xml><?xml version="1.0" encoding="utf-8"?>
 <Control xmlns="http://schemas.microsoft.com/VisualStudio/2011/storyboarding/control">
-  <Id Name="System.Storyboarding.Common.SearchBox" Revision="1" Stencil="System.Storyboarding.Common" StencilVersion="0.1"/>
+  <Id Name="System.Storyboarding.WindowsPhoneIcons.Cancel" Revision="1" Stencil="System.Storyboarding.WindowsPhoneIcons" StencilVersion="0.1"/>
 </Control>
 </file>
 
 <file path=customXml/item128.xml><?xml version="1.0" encoding="utf-8"?>
 <Control xmlns="http://schemas.microsoft.com/VisualStudio/2011/storyboarding/control">
-  <Id Name="System.Storyboarding.Common.MouseClick" Revision="1" Stencil="System.Storyboarding.Common" StencilVersion="0.1"/>
+  <Id Name="System.Storyboarding.Common.TabGroupVertical" Revision="1" Stencil="System.Storyboarding.Common" StencilVersion="0.1"/>
 </Control>
 </file>
 
 <file path=customXml/item129.xml><?xml version="1.0" encoding="utf-8"?>
 <Control xmlns="http://schemas.microsoft.com/VisualStudio/2011/storyboarding/control">
-  <Id Name="600d61f4-2d09-42e6-a6db-83e260e051ae" RevisionId="3c9eb7e9-0ea7-4fb5-adc7-dcc81ff0fb36" Stencil="172d6d98-e5c9-42e9-a209-79f7a94bbd38" StencilRevisionId="00000000-0000-0000-0000-000000000000" StencilVersion="0.0"/>
+  <Id Name="System.Storyboarding.Backgrounds.WindowsPhone" RevisionId="bdb52a43-f875-417f-a3f8-9b0259dd3051" Stencil="System.Storyboarding.Backgrounds" StencilRevisionId="bdb52a43-f875-417f-a3f8-9b0259dd3051" StencilVersion="0.1"/>
 </Control>
 </file>
 
 <file path=customXml/item13.xml><?xml version="1.0" encoding="utf-8"?>
-<Control xmlns="http://schemas.microsoft.com/VisualStudio/2011/storyboarding/control/v1.0">
-  <Id Name="System.Storyboard.Stencil.PhoneTile" RevisionId="00000000-0000-0000-0000-000000000000" Stencil="System.Windows_Phone_7" StencilRevisionId="00000000-0000-0000-0000-000000000000" StencilVersion="1.0"/>
+<Control xmlns="http://schemas.microsoft.com/VisualStudio/2011/storyboarding/control">
+  <Id Name="System.Storyboarding.Common.Text" Revision="1" Stencil="System.Storyboarding.Common" StencilVersion="0.1"/>
 </Control>
 </file>
 
@@ -46256,80 +46256,80 @@
 </file>
 
 <file path=customXml/item131.xml><?xml version="1.0" encoding="utf-8"?>
+<Control xmlns="http://schemas.microsoft.com/VisualStudio/2011/storyboarding/control/v1.0">
+  <Id Name="System.Storyboard.Stencil.Title" RevisionId="00000000-0000-0000-0000-000000000000" Stencil="System.Common" StencilRevisionId="00000000-0000-0000-0000-000000000000" StencilVersion="1.0"/>
+</Control>
+</file>
+
+<file path=customXml/item132.xml><?xml version="1.0" encoding="utf-8"?>
+<Control xmlns="http://schemas.microsoft.com/VisualStudio/2011/storyboarding/control/v1.0">
+  <Id Name="System.Storyboard.Stencil.Hyperlink" RevisionId="00000000-0000-0000-0000-000000000000" Stencil="System.Common" StencilRevisionId="00000000-0000-0000-0000-000000000000" StencilVersion="1.0"/>
+</Control>
+</file>
+
+<file path=customXml/item133.xml><?xml version="1.0" encoding="utf-8"?>
+<Control xmlns="http://schemas.microsoft.com/VisualStudio/2011/storyboarding/control/v1.0">
+  <Id Name="System.Storyboard.Stencil.Title" RevisionId="00000000-0000-0000-0000-000000000000" Stencil="System.Common" StencilRevisionId="00000000-0000-0000-0000-000000000000" StencilVersion="1.0"/>
+</Control>
+</file>
+
+<file path=customXml/item134.xml><?xml version="1.0" encoding="utf-8"?>
+<Control xmlns="http://schemas.microsoft.com/VisualStudio/2011/storyboarding/control">
+  <Id Name="9d9c56e0-6ca3-4298-b757-9c73dab947ac" RevisionId="993ea365-49c2-46dc-bf14-e971e460de1e" Stencil="172d6d98-e5c9-42e9-a209-79f7a94bbd38" StencilRevisionId="00000000-0000-0000-0000-000000000000" StencilVersion="0.0"/>
+</Control>
+</file>
+
+<file path=customXml/item135.xml><?xml version="1.0" encoding="utf-8"?>
+<Control xmlns="http://schemas.microsoft.com/VisualStudio/2011/storyboarding/control">
+  <Id Name="System.Storyboarding.Common.DropdownBox" Revision="1" Stencil="System.Storyboarding.Common" StencilVersion="0.1"/>
+</Control>
+</file>
+
+<file path=customXml/item136.xml><?xml version="1.0" encoding="utf-8"?>
+<Control xmlns="http://schemas.microsoft.com/VisualStudio/2011/storyboarding/control">
+  <Id Name="System.Storyboarding.Common.SearchBox" Revision="1" Stencil="System.Storyboarding.Common" StencilVersion="0.1"/>
+</Control>
+</file>
+
+<file path=customXml/item137.xml><?xml version="1.0" encoding="utf-8"?>
 <Control xmlns="http://schemas.microsoft.com/VisualStudio/2011/storyboarding/control">
   <Id Name="System.Storyboarding.Common.TabGroup" Revision="1" Stencil="System.Storyboarding.Common" StencilVersion="0.1"/>
 </Control>
 </file>
 
-<file path=customXml/item132.xml><?xml version="1.0" encoding="utf-8"?>
-<Control xmlns="http://schemas.microsoft.com/VisualStudio/2011/storyboarding/control/v1.0">
-  <Id Name="System.Storyboard.Stencil.TreeList" RevisionId="00000000-0000-0000-0000-000000000000" Stencil="System.Common" StencilRevisionId="00000000-0000-0000-0000-000000000000" StencilVersion="1.0"/>
-</Control>
-</file>
-
-<file path=customXml/item133.xml><?xml version="1.0" encoding="utf-8"?>
-<Control xmlns="http://schemas.microsoft.com/VisualStudio/2011/storyboarding/control">
-  <Id Name="System.Storyboarding.Common.Text" Revision="1" Stencil="System.Storyboarding.Common" StencilVersion="0.1"/>
-</Control>
-</file>
-
-<file path=customXml/item134.xml><?xml version="1.0" encoding="utf-8"?>
+<file path=customXml/item138.xml><?xml version="1.0" encoding="utf-8"?>
 <Control xmlns="http://schemas.microsoft.com/VisualStudio/2011/storyboarding/control">
   <Id Name="System.Storyboarding.Backgrounds.BrowserWindows8" Revision="1" Stencil="System.Storyboarding.Backgrounds" StencilVersion="0.1"/>
 </Control>
 </file>
 
-<file path=customXml/item135.xml><?xml version="1.0" encoding="utf-8"?>
+<file path=customXml/item139.xml><?xml version="1.0" encoding="utf-8"?>
+<Control xmlns="http://schemas.microsoft.com/VisualStudio/2011/storyboarding/control">
+  <Id Name="System.Storyboarding.Common.MouseClick" Revision="1" Stencil="System.Storyboarding.Common" StencilVersion="0.1"/>
+</Control>
+</file>
+
+<file path=customXml/item14.xml><?xml version="1.0" encoding="utf-8"?>
+<Control xmlns="http://schemas.microsoft.com/VisualStudio/2011/storyboarding/control">
+  <Id Name="System.Storyboarding.Common.SearchBox" Revision="1" Stencil="System.Storyboarding.Common" StencilVersion="0.1"/>
+</Control>
+</file>
+
+<file path=customXml/item140.xml><?xml version="1.0" encoding="utf-8"?>
+<Control xmlns="http://schemas.microsoft.com/VisualStudio/2011/storyboarding/control/v1.0">
+  <Id Name="System.Storyboard.Stencil.DropdownBox" RevisionId="00000000-0000-0000-0000-000000000000" Stencil="System.Common" StencilRevisionId="00000000-0000-0000-0000-000000000000" StencilVersion="1.0"/>
+</Control>
+</file>
+
+<file path=customXml/item141.xml><?xml version="1.0" encoding="utf-8"?>
 <Control xmlns="http://schemas.microsoft.com/VisualStudio/2011/storyboarding/control">
   <Id Name="System.Storyboarding.Common.TextInput" Revision="1" Stencil="System.Storyboarding.Common" StencilVersion="0.1"/>
 </Control>
 </file>
 
-<file path=customXml/item136.xml><?xml version="1.0" encoding="utf-8"?>
-<Control xmlns="http://schemas.microsoft.com/VisualStudio/2011/storyboarding/control">
-  <Id Name="System.Storyboarding.Common.DropdownBox" Revision="1" Stencil="System.Storyboarding.Common" StencilVersion="0.1"/>
-</Control>
-</file>
-
-<file path=customXml/item137.xml><?xml version="1.0" encoding="utf-8"?>
+<file path=customXml/item142.xml><?xml version="1.0" encoding="utf-8"?>
 <Control xmlns="http://schemas.microsoft.com/VisualStudio/2011/storyboarding/control/v1.0">
-  <Id Name="System.Storyboard.Stencil.TabGroup" RevisionId="00000000-0000-0000-0000-000000000000" Stencil="System.Common" StencilRevisionId="00000000-0000-0000-0000-000000000000" StencilVersion="1.0"/>
-</Control>
-</file>
-
-<file path=customXml/item138.xml><?xml version="1.0" encoding="utf-8"?>
-<Control xmlns="http://schemas.microsoft.com/VisualStudio/2011/storyboarding/control/v1.0">
-  <Id Name="System.Storyboard.Stencil.PhoneTile" RevisionId="00000000-0000-0000-0000-000000000000" Stencil="System.Windows_Phone_7" StencilRevisionId="00000000-0000-0000-0000-000000000000" StencilVersion="1.0"/>
-</Control>
-</file>
-
-<file path=customXml/item139.xml><?xml version="1.0" encoding="utf-8"?>
-<Control xmlns="http://schemas.microsoft.com/VisualStudio/2011/storyboarding/control">
-  <Id Name="600d61f4-2d09-42e6-a6db-83e260e051ae" RevisionId="3c9eb7e9-0ea7-4fb5-adc7-dcc81ff0fb36" Stencil="172d6d98-e5c9-42e9-a209-79f7a94bbd38" StencilRevisionId="00000000-0000-0000-0000-000000000000" StencilVersion="0.0"/>
-</Control>
-</file>
-
-<file path=customXml/item14.xml><?xml version="1.0" encoding="utf-8"?>
-<Control xmlns="http://schemas.microsoft.com/VisualStudio/2011/storyboarding/control">
-  <Id Name="System.Storyboarding.Common.DropdownBox" Revision="1" Stencil="System.Storyboarding.Common" StencilVersion="0.1"/>
-</Control>
-</file>
-
-<file path=customXml/item140.xml><?xml version="1.0" encoding="utf-8"?>
-<Control xmlns="http://schemas.microsoft.com/VisualStudio/2011/storyboarding/control">
-  <Id Name="System.Storyboarding.Common.DropdownBox" Revision="1" Stencil="System.Storyboarding.Common" StencilVersion="0.1"/>
-</Control>
-</file>
-
-<file path=customXml/item141.xml><?xml version="1.0" encoding="utf-8"?>
-<Control xmlns="http://schemas.microsoft.com/VisualStudio/2011/storyboarding/control">
-  <Id Name="System.Storyboarding.Common.TabGroupVertical" Revision="1" Stencil="System.Storyboarding.Common" StencilVersion="0.1"/>
-</Control>
-</file>
-
-<file path=customXml/item142.xml><?xml version="1.0" encoding="utf-8"?>
-<Control xmlns="http://schemas.microsoft.com/VisualStudio/2011/storyboarding/control">
-  <Id Name="System.Storyboarding.Common.TextInput" Revision="1" Stencil="System.Storyboarding.Common" StencilVersion="0.1"/>
+  <Id Name="System.Storyboard.Stencil.Group" RevisionId="00000000-0000-0000-0000-000000000000" Stencil="System.Windows" StencilRevisionId="00000000-0000-0000-0000-000000000000" StencilVersion="1.0"/>
 </Control>
 </file>
 
@@ -46341,193 +46341,193 @@
 
 <file path=customXml/item144.xml><?xml version="1.0" encoding="utf-8"?>
 <Control xmlns="http://schemas.microsoft.com/VisualStudio/2011/storyboarding/control">
-  <Id Name="System.Storyboarding.Common.DropdownBox" Revision="1" Stencil="System.Storyboarding.Common" StencilVersion="0.1"/>
+  <Id Name="System.Storyboarding.Common.Text" Revision="1" Stencil="System.Storyboarding.Common" StencilVersion="0.1"/>
 </Control>
 </file>
 
 <file path=customXml/item145.xml><?xml version="1.0" encoding="utf-8"?>
+<Control xmlns="http://schemas.microsoft.com/VisualStudio/2011/storyboarding/control">
+  <Id Name="System.Storyboarding.WindowsPhoneIcons.BaseCircle" Revision="1" Stencil="System.Storyboarding.WindowsPhoneIcons" StencilVersion="0.1"/>
+</Control>
+</file>
+
+<file path=customXml/item146.xml><?xml version="1.0" encoding="utf-8"?>
+<Control xmlns="http://schemas.microsoft.com/VisualStudio/2011/storyboarding/control">
+  <Id Name="System.Storyboarding.Common.Button" Revision="1" Stencil="System.Storyboarding.Common" StencilVersion="0.1"/>
+</Control>
+</file>
+
+<file path=customXml/item147.xml><?xml version="1.0" encoding="utf-8"?>
+<Control xmlns="http://schemas.microsoft.com/VisualStudio/2011/storyboarding/control">
+  <Id Name="System.Storyboarding.Common.SearchBox" Revision="1" Stencil="System.Storyboarding.Common" StencilVersion="0.1"/>
+</Control>
+</file>
+
+<file path=customXml/item148.xml><?xml version="1.0" encoding="utf-8"?>
+<Control xmlns="http://schemas.microsoft.com/VisualStudio/2011/storyboarding/control">
+  <Id Name="System.Storyboarding.Common.Text" Revision="1" Stencil="System.Storyboarding.Common" StencilVersion="0.1"/>
+</Control>
+</file>
+
+<file path=customXml/item149.xml><?xml version="1.0" encoding="utf-8"?>
+<Control xmlns="http://schemas.microsoft.com/VisualStudio/2011/storyboarding/control">
+  <Id Name="System.Storyboarding.Common.SearchBox" Revision="1" Stencil="System.Storyboarding.Common" StencilVersion="0.1"/>
+</Control>
+</file>
+
+<file path=customXml/item15.xml><?xml version="1.0" encoding="utf-8"?>
+<Control xmlns="http://schemas.microsoft.com/VisualStudio/2011/storyboarding/control">
+  <Id Name="System.Storyboarding.Common.TextInput" Revision="1" Stencil="System.Storyboarding.Common" StencilVersion="0.1"/>
+</Control>
+</file>
+
+<file path=customXml/item150.xml><?xml version="1.0" encoding="utf-8"?>
+<Control xmlns="http://schemas.microsoft.com/VisualStudio/2011/storyboarding/control/v1.0">
+  <Id Name="System.Storyboard.Stencil.PhoneTile" RevisionId="00000000-0000-0000-0000-000000000000" Stencil="System.Windows_Phone_7" StencilRevisionId="00000000-0000-0000-0000-000000000000" StencilVersion="1.0"/>
+</Control>
+</file>
+
+<file path=customXml/item151.xml><?xml version="1.0" encoding="utf-8"?>
+<Control xmlns="http://schemas.microsoft.com/VisualStudio/2011/storyboarding/control">
+  <Id Name="System.Storyboarding.Common.Text" Revision="1" Stencil="System.Storyboarding.Common" StencilVersion="0.1"/>
+</Control>
+</file>
+
+<file path=customXml/item152.xml><?xml version="1.0" encoding="utf-8"?>
+<Control xmlns="http://schemas.microsoft.com/VisualStudio/2011/storyboarding/control">
+  <Id Name="System.Storyboarding.Common.Text" Revision="1" Stencil="System.Storyboarding.Common" StencilVersion="0.1"/>
+</Control>
+</file>
+
+<file path=customXml/item153.xml><?xml version="1.0" encoding="utf-8"?>
+<Control xmlns="http://schemas.microsoft.com/VisualStudio/2011/storyboarding/control">
+  <Id Name="System.Storyboarding.WindowsPhoneIcons.Cancel" Revision="1" Stencil="System.Storyboarding.WindowsPhoneIcons" StencilVersion="0.1"/>
+</Control>
+</file>
+
+<file path=customXml/item154.xml><?xml version="1.0" encoding="utf-8"?>
+<Control xmlns="http://schemas.microsoft.com/VisualStudio/2011/storyboarding/control">
+  <Id Name="System.Storyboarding.Common.Text" Revision="1" Stencil="System.Storyboarding.Common" StencilVersion="0.1"/>
+</Control>
+</file>
+
+<file path=customXml/item155.xml><?xml version="1.0" encoding="utf-8"?>
+<Control xmlns="http://schemas.microsoft.com/VisualStudio/2011/storyboarding/control/v1.0">
+  <Id Name="System.Storyboard.Stencil.WidePhoneTile" RevisionId="00000000-0000-0000-0000-000000000000" Stencil="System.Windows_Phone_7" StencilRevisionId="00000000-0000-0000-0000-000000000000" StencilVersion="1.0"/>
+</Control>
+</file>
+
+<file path=customXml/item156.xml><?xml version="1.0" encoding="utf-8"?>
 <Control xmlns="http://schemas.microsoft.com/VisualStudio/2011/storyboarding/control">
   <Id Name="600d61f4-2d09-42e6-a6db-83e260e051ae" RevisionId="3c9eb7e9-0ea7-4fb5-adc7-dcc81ff0fb36" Stencil="172d6d98-e5c9-42e9-a209-79f7a94bbd38" StencilRevisionId="00000000-0000-0000-0000-000000000000" StencilVersion="0.0"/>
 </Control>
 </file>
 
-<file path=customXml/item146.xml><?xml version="1.0" encoding="utf-8"?>
+<file path=customXml/item157.xml><?xml version="1.0" encoding="utf-8"?>
 <Control xmlns="http://schemas.microsoft.com/VisualStudio/2011/storyboarding/control">
-  <Id Name="366cd925-969f-44e1-b789-354cb31b0dfd" RevisionId="87c5073a-f3d6-4c7e-a7b7-c9586eacad3b" Stencil="172d6d98-e5c9-42e9-a209-79f7a94bbd38" StencilRevisionId="00000000-0000-0000-0000-000000000000" StencilVersion="0.0"/>
+  <Id Name="System.Storyboarding.Common.Text" Revision="1" Stencil="System.Storyboarding.Common" StencilVersion="0.1"/>
 </Control>
 </file>
 
-<file path=customXml/item147.xml><?xml version="1.0" encoding="utf-8"?>
-<Control xmlns="http://schemas.microsoft.com/VisualStudio/2011/storyboarding/control/v1.0">
-  <Id Name="System.Storyboard.Stencil.VerticalBarChart" RevisionId="00000000-0000-0000-0000-000000000000" Stencil="System.Media" StencilRevisionId="00000000-0000-0000-0000-000000000000" StencilVersion="1.0"/>
-</Control>
-</file>
-
-<file path=customXml/item148.xml><?xml version="1.0" encoding="utf-8"?>
-<Control xmlns="http://schemas.microsoft.com/VisualStudio/2011/storyboarding/control">
-  <Id Name="System.Storyboarding.Common.SearchBox" Revision="1" Stencil="System.Storyboarding.Common" StencilVersion="0.1"/>
-</Control>
-</file>
-
-<file path=customXml/item149.xml><?xml version="1.0" encoding="utf-8"?>
-<Control xmlns="http://schemas.microsoft.com/VisualStudio/2011/storyboarding/control">
-  <Id Name="366cd925-969f-44e1-b789-354cb31b0dfd" RevisionId="87c5073a-f3d6-4c7e-a7b7-c9586eacad3b" Stencil="172d6d98-e5c9-42e9-a209-79f7a94bbd38" StencilRevisionId="00000000-0000-0000-0000-000000000000" StencilVersion="0.0"/>
-</Control>
-</file>
-
-<file path=customXml/item15.xml><?xml version="1.0" encoding="utf-8"?>
+<file path=customXml/item158.xml><?xml version="1.0" encoding="utf-8"?>
 <Control xmlns="http://schemas.microsoft.com/VisualStudio/2011/storyboarding/control">
   <Id Name="System.Storyboarding.WindowsPhoneIcons.BaseCircle" Revision="1" Stencil="System.Storyboarding.WindowsPhoneIcons" StencilVersion="0.1"/>
 </Control>
 </file>
 
-<file path=customXml/item150.xml><?xml version="1.0" encoding="utf-8"?>
+<file path=customXml/item159.xml><?xml version="1.0" encoding="utf-8"?>
+<Control xmlns="http://schemas.microsoft.com/VisualStudio/2011/storyboarding/control">
+  <Id Name="System.Storyboarding.Common.Button" Revision="1" Stencil="System.Storyboarding.Common" StencilVersion="0.1"/>
+</Control>
+</file>
+
+<file path=customXml/item16.xml><?xml version="1.0" encoding="utf-8"?>
+<Control xmlns="http://schemas.microsoft.com/VisualStudio/2011/storyboarding/control/v1.0">
+  <Id Name="System.Storyboard.Stencil.DatePicker" RevisionId="00000000-0000-0000-0000-000000000000" Stencil="System.Common" StencilRevisionId="00000000-0000-0000-0000-000000000000" StencilVersion="1.0"/>
+</Control>
+</file>
+
+<file path=customXml/item160.xml><?xml version="1.0" encoding="utf-8"?>
+<Control xmlns="http://schemas.microsoft.com/VisualStudio/2011/storyboarding/control">
+  <Id Name="System.Storyboarding.Common.TabGroup" Revision="1" Stencil="System.Storyboarding.Common" StencilVersion="0.1"/>
+</Control>
+</file>
+
+<file path=customXml/item161.xml><?xml version="1.0" encoding="utf-8"?>
+<Control xmlns="http://schemas.microsoft.com/VisualStudio/2011/storyboarding/control">
+  <Id Name="System.Storyboarding.Common.TextArea" Revision="1" Stencil="System.Storyboarding.Common" StencilVersion="0.1"/>
+</Control>
+</file>
+
+<file path=customXml/item162.xml><?xml version="1.0" encoding="utf-8"?>
+<Control xmlns="http://schemas.microsoft.com/VisualStudio/2011/storyboarding/control">
+  <Id Name="System.Storyboarding.Common.Button" Revision="1" Stencil="System.Storyboarding.Common" StencilVersion="0.1"/>
+</Control>
+</file>
+
+<file path=customXml/item163.xml><?xml version="1.0" encoding="utf-8"?>
+<Control xmlns="http://schemas.microsoft.com/VisualStudio/2011/storyboarding/control">
+  <Id Name="System.Storyboarding.WindowsPhoneIcons.Save" Revision="1" Stencil="System.Storyboarding.WindowsPhoneIcons" StencilVersion="0.1"/>
+</Control>
+</file>
+
+<file path=customXml/item164.xml><?xml version="1.0" encoding="utf-8"?>
+<Control xmlns="http://schemas.microsoft.com/VisualStudio/2011/storyboarding/control">
+  <Id Name="System.Storyboarding.Common.MouseClick" Revision="1" Stencil="System.Storyboarding.Common" StencilVersion="0.1"/>
+</Control>
+</file>
+
+<file path=customXml/item165.xml><?xml version="1.0" encoding="utf-8"?>
+<Control xmlns="http://schemas.microsoft.com/VisualStudio/2011/storyboarding/control">
+  <Id Name="System.Storyboarding.Common.Text" Revision="1" Stencil="System.Storyboarding.Common" StencilVersion="0.1"/>
+</Control>
+</file>
+
+<file path=customXml/item166.xml><?xml version="1.0" encoding="utf-8"?>
+<Control xmlns="http://schemas.microsoft.com/VisualStudio/2011/storyboarding/control">
+  <Id Name="b5742593-4330-4997-98c6-02e7437a7975" Revision="1" Stencil="System.MyShapes" StencilVersion="1.0"/>
+</Control>
+</file>
+
+<file path=customXml/item167.xml><?xml version="1.0" encoding="utf-8"?>
+<Control xmlns="http://schemas.microsoft.com/VisualStudio/2011/storyboarding/control">
+  <Id Name="System.Storyboarding.Common.TextArea" Revision="1" Stencil="System.Storyboarding.Common" StencilVersion="0.1"/>
+</Control>
+</file>
+
+<file path=customXml/item168.xml><?xml version="1.0" encoding="utf-8"?>
+<Control xmlns="http://schemas.microsoft.com/VisualStudio/2011/storyboarding/control">
+  <Id Name="600d61f4-2d09-42e6-a6db-83e260e051ae" RevisionId="3c9eb7e9-0ea7-4fb5-adc7-dcc81ff0fb36" Stencil="172d6d98-e5c9-42e9-a209-79f7a94bbd38" StencilRevisionId="00000000-0000-0000-0000-000000000000" StencilVersion="0.0"/>
+</Control>
+</file>
+
+<file path=customXml/item169.xml><?xml version="1.0" encoding="utf-8"?>
+<Control xmlns="http://schemas.microsoft.com/VisualStudio/2011/storyboarding/control/v1.0">
+  <Id Name="System.Storyboard.Stencil.PositionControl" RevisionId="00000000-0000-0000-0000-000000000000" Stencil="System.Media" StencilRevisionId="00000000-0000-0000-0000-000000000000" StencilVersion="1.0"/>
+</Control>
+</file>
+
+<file path=customXml/item17.xml><?xml version="1.0" encoding="utf-8"?>
+<Control xmlns="http://schemas.microsoft.com/VisualStudio/2011/storyboarding/control/v1.0">
+  <Id Name="System.Storyboard.Stencil.Label" RevisionId="00000000-0000-0000-0000-000000000000" Stencil="System.Common" StencilRevisionId="00000000-0000-0000-0000-000000000000" StencilVersion="1.0"/>
+</Control>
+</file>
+
+<file path=customXml/item170.xml><?xml version="1.0" encoding="utf-8"?>
+<Control xmlns="http://schemas.microsoft.com/VisualStudio/2011/storyboarding/control">
+  <Id Name="System.Storyboarding.Common.TextArea" Revision="1" Stencil="System.Storyboarding.Common" StencilVersion="0.1"/>
+</Control>
+</file>
+
+<file path=customXml/item171.xml><?xml version="1.0" encoding="utf-8"?>
 <Control xmlns="http://schemas.microsoft.com/VisualStudio/2011/storyboarding/control">
   <Id Name="System.Storyboarding.Common.TextInput" Revision="1" Stencil="System.Storyboarding.Common" StencilVersion="0.1"/>
 </Control>
 </file>
 
-<file path=customXml/item151.xml><?xml version="1.0" encoding="utf-8"?>
-<Control xmlns="http://schemas.microsoft.com/VisualStudio/2011/storyboarding/control">
-  <Id Name="System.Storyboarding.WindowsPhoneIcons.Cancel" Revision="1" Stencil="System.Storyboarding.WindowsPhoneIcons" StencilVersion="0.1"/>
-</Control>
-</file>
-
-<file path=customXml/item152.xml><?xml version="1.0" encoding="utf-8"?>
-<Control xmlns="http://schemas.microsoft.com/VisualStudio/2011/storyboarding/control">
-  <Id Name="600d61f4-2d09-42e6-a6db-83e260e051ae" RevisionId="3c9eb7e9-0ea7-4fb5-adc7-dcc81ff0fb36" Stencil="172d6d98-e5c9-42e9-a209-79f7a94bbd38" StencilRevisionId="00000000-0000-0000-0000-000000000000" StencilVersion="0.0"/>
-</Control>
-</file>
-
-<file path=customXml/item153.xml><?xml version="1.0" encoding="utf-8"?>
-<Control xmlns="http://schemas.microsoft.com/VisualStudio/2011/storyboarding/control">
-  <Id Name="366cd925-969f-44e1-b789-354cb31b0dfd" RevisionId="87c5073a-f3d6-4c7e-a7b7-c9586eacad3b" Stencil="172d6d98-e5c9-42e9-a209-79f7a94bbd38" StencilRevisionId="00000000-0000-0000-0000-000000000000" StencilVersion="0.0"/>
-</Control>
-</file>
-
-<file path=customXml/item154.xml><?xml version="1.0" encoding="utf-8"?>
-<Control xmlns="http://schemas.microsoft.com/VisualStudio/2011/storyboarding/control/v1.0">
-  <Id Name="System.Storyboard.Stencil.TreeList" RevisionId="00000000-0000-0000-0000-000000000000" Stencil="System.Common" StencilRevisionId="00000000-0000-0000-0000-000000000000" StencilVersion="1.0"/>
-</Control>
-</file>
-
-<file path=customXml/item155.xml><?xml version="1.0" encoding="utf-8"?>
-<Control xmlns="http://schemas.microsoft.com/VisualStudio/2011/storyboarding/control/v1.0">
-  <Id Name="System.Storyboard.Stencil.DropdownBox" RevisionId="00000000-0000-0000-0000-000000000000" Stencil="System.Common" StencilRevisionId="00000000-0000-0000-0000-000000000000" StencilVersion="1.0"/>
-</Control>
-</file>
-
-<file path=customXml/item156.xml><?xml version="1.0" encoding="utf-8"?>
+<file path=customXml/item172.xml><?xml version="1.0" encoding="utf-8"?>
 <Control xmlns="http://schemas.microsoft.com/VisualStudio/2011/storyboarding/control">
   <Id Name="System.Storyboarding.Common.Text" Revision="1" Stencil="System.Storyboarding.Common" StencilVersion="0.1"/>
-</Control>
-</file>
-
-<file path=customXml/item157.xml><?xml version="1.0" encoding="utf-8"?>
-<Control xmlns="http://schemas.microsoft.com/VisualStudio/2011/storyboarding/control">
-  <Id Name="System.Storyboarding.WindowsPhoneIcons.BaseCircle" Revision="1" Stencil="System.Storyboarding.WindowsPhoneIcons" StencilVersion="0.1"/>
-</Control>
-</file>
-
-<file path=customXml/item158.xml><?xml version="1.0" encoding="utf-8"?>
-<Control xmlns="http://schemas.microsoft.com/VisualStudio/2011/storyboarding/control">
-  <Id Name="System.Storyboarding.Common.Button" Revision="1" Stencil="System.Storyboarding.Common" StencilVersion="0.1"/>
-</Control>
-</file>
-
-<file path=customXml/item159.xml><?xml version="1.0" encoding="utf-8"?>
-<Control xmlns="http://schemas.microsoft.com/VisualStudio/2011/storyboarding/control">
-  <Id Name="System.Storyboarding.Common.MouseClick" Revision="1" Stencil="System.Storyboarding.Common" StencilVersion="0.1"/>
-</Control>
-</file>
-
-<file path=customXml/item16.xml><?xml version="1.0" encoding="utf-8"?>
-<Control xmlns="http://schemas.microsoft.com/VisualStudio/2011/storyboarding/control">
-  <Id Name="System.Storyboarding.Common.TabGroup" Revision="1" Stencil="System.Storyboarding.Common" StencilVersion="0.1"/>
-</Control>
-</file>
-
-<file path=customXml/item160.xml><?xml version="1.0" encoding="utf-8"?>
-<Control xmlns="http://schemas.microsoft.com/VisualStudio/2011/storyboarding/control">
-  <Id Name="System.Storyboarding.Common.DropdownBox" Revision="1" Stencil="System.Storyboarding.Common" StencilVersion="0.1"/>
-</Control>
-</file>
-
-<file path=customXml/item161.xml><?xml version="1.0" encoding="utf-8"?>
-<Control xmlns="http://schemas.microsoft.com/VisualStudio/2011/storyboarding/control">
-  <Id Name="366cd925-969f-44e1-b789-354cb31b0dfd" RevisionId="87c5073a-f3d6-4c7e-a7b7-c9586eacad3b" Stencil="172d6d98-e5c9-42e9-a209-79f7a94bbd38" StencilRevisionId="00000000-0000-0000-0000-000000000000" StencilVersion="0.0"/>
-</Control>
-</file>
-
-<file path=customXml/item162.xml><?xml version="1.0" encoding="utf-8"?>
-<Control xmlns="http://schemas.microsoft.com/VisualStudio/2011/storyboarding/control">
-  <Id Name="System.Storyboarding.Common.DropdownBox" Revision="1" Stencil="System.Storyboarding.Common" StencilVersion="0.1"/>
-</Control>
-</file>
-
-<file path=customXml/item163.xml><?xml version="1.0" encoding="utf-8"?>
-<Control xmlns="http://schemas.microsoft.com/VisualStudio/2011/storyboarding/control">
-  <Id Name="System.Storyboarding.Common.MouseClick" Revision="1" Stencil="System.Storyboarding.Common" StencilVersion="0.1"/>
-</Control>
-</file>
-
-<file path=customXml/item164.xml><?xml version="1.0" encoding="utf-8"?>
-<Control xmlns="http://schemas.microsoft.com/VisualStudio/2011/storyboarding/control">
-  <Id Name="System.Storyboarding.WindowsPhoneIcons.Save" Revision="1" Stencil="System.Storyboarding.WindowsPhoneIcons" StencilVersion="0.1"/>
-</Control>
-</file>
-
-<file path=customXml/item165.xml><?xml version="1.0" encoding="utf-8"?>
-<Control xmlns="http://schemas.microsoft.com/VisualStudio/2011/storyboarding/control">
-  <Id Name="System.Storyboarding.Common.DropdownBox" Revision="1" Stencil="System.Storyboarding.Common" StencilVersion="0.1"/>
-</Control>
-</file>
-
-<file path=customXml/item166.xml><?xml version="1.0" encoding="utf-8"?>
-<Control xmlns="http://schemas.microsoft.com/VisualStudio/2011/storyboarding/control">
-  <Id Name="System.Storyboarding.Common.Text" Revision="1" Stencil="System.Storyboarding.Common" StencilVersion="0.1"/>
-</Control>
-</file>
-
-<file path=customXml/item167.xml><?xml version="1.0" encoding="utf-8"?>
-<Control xmlns="http://schemas.microsoft.com/VisualStudio/2011/storyboarding/control">
-  <Id Name="System.Storyboarding.Common.DropdownBox" Revision="1" Stencil="System.Storyboarding.Common" StencilVersion="0.1"/>
-</Control>
-</file>
-
-<file path=customXml/item168.xml><?xml version="1.0" encoding="utf-8"?>
-<Control xmlns="http://schemas.microsoft.com/VisualStudio/2011/storyboarding/control">
-  <Id Name="System.Storyboarding.Common.DropdownBox" Revision="1" Stencil="System.Storyboarding.Common" StencilVersion="0.1"/>
-</Control>
-</file>
-
-<file path=customXml/item169.xml><?xml version="1.0" encoding="utf-8"?>
-<Control xmlns="http://schemas.microsoft.com/VisualStudio/2011/storyboarding/control">
-  <Id Name="System.Storyboarding.Common.SearchBox" Revision="1" Stencil="System.Storyboarding.Common" StencilVersion="0.1"/>
-</Control>
-</file>
-
-<file path=customXml/item17.xml><?xml version="1.0" encoding="utf-8"?>
-<Control xmlns="http://schemas.microsoft.com/VisualStudio/2011/storyboarding/control">
-  <Id Name="System.Storyboarding.Common.Text" Revision="1" Stencil="System.Storyboarding.Common" StencilVersion="0.1"/>
-</Control>
-</file>
-
-<file path=customXml/item170.xml><?xml version="1.0" encoding="utf-8"?>
-<Control xmlns="http://schemas.microsoft.com/VisualStudio/2011/storyboarding/control">
-  <Id Name="System.Storyboarding.Common.DropdownBox" Revision="1" Stencil="System.Storyboarding.Common" StencilVersion="0.1"/>
-</Control>
-</file>
-
-<file path=customXml/item171.xml><?xml version="1.0" encoding="utf-8"?>
-<Control xmlns="http://schemas.microsoft.com/VisualStudio/2011/storyboarding/control/v1.0">
-  <Id Name="System.Storyboard.Stencil.Button" RevisionId="00000000-0000-0000-0000-000000000000" Stencil="System.Common" StencilRevisionId="00000000-0000-0000-0000-000000000000" StencilVersion="1.0"/>
-</Control>
-</file>
-
-<file path=customXml/item172.xml><?xml version="1.0" encoding="utf-8"?>
-<Control xmlns="http://schemas.microsoft.com/VisualStudio/2011/storyboarding/control">
-  <Id Name="System.Storyboarding.Common.DropdownBox" Revision="1" Stencil="System.Storyboarding.Common" StencilVersion="0.1"/>
 </Control>
 </file>
 
@@ -46539,203 +46539,230 @@
 
 <file path=customXml/item174.xml><?xml version="1.0" encoding="utf-8"?>
 <Control xmlns="http://schemas.microsoft.com/VisualStudio/2011/storyboarding/control">
+  <Id Name="System.Storyboarding.Common.SearchBox" Revision="1" Stencil="System.Storyboarding.Common" StencilVersion="0.1"/>
+</Control>
+</file>
+
+<file path=customXml/item175.xml><?xml version="1.0" encoding="utf-8"?>
+<Control xmlns="http://schemas.microsoft.com/VisualStudio/2011/storyboarding/control">
   <Id Name="System.Storyboarding.Common.DropdownBox" Revision="1" Stencil="System.Storyboarding.Common" StencilVersion="0.1"/>
 </Control>
 </file>
 
-<file path=customXml/item175.xml><?xml version="1.0" encoding="utf-8"?>
+<file path=customXml/item176.xml><?xml version="1.0" encoding="utf-8"?>
 <Control xmlns="http://schemas.microsoft.com/VisualStudio/2011/storyboarding/control">
-  <Id Name="System.Storyboarding.Common.SearchBox" Revision="1" Stencil="System.Storyboarding.Common" StencilVersion="0.1"/>
+  <Id Name="b5742593-4330-4997-98c6-02e7437a7975" Revision="1" Stencil="System.MyShapes" StencilVersion="1.0"/>
 </Control>
 </file>
 
-<file path=customXml/item176.xml><?xml version="1.0" encoding="utf-8"?>
+<file path=customXml/item177.xml><?xml version="1.0" encoding="utf-8"?>
+<Control xmlns="http://schemas.microsoft.com/VisualStudio/2011/storyboarding/control">
+  <Id Name="System.Storyboarding.WindowsPhoneIcons.BaseCircle" Revision="1" Stencil="System.Storyboarding.WindowsPhoneIcons" StencilVersion="0.1"/>
+</Control>
+</file>
+
+<file path=customXml/item178.xml><?xml version="1.0" encoding="utf-8"?>
+<Control xmlns="http://schemas.microsoft.com/VisualStudio/2011/storyboarding/control/v1.0">
+  <Id Name="System.Storyboard.Stencil.PhoneTile" RevisionId="00000000-0000-0000-0000-000000000000" Stencil="System.Windows_Phone_7" StencilRevisionId="00000000-0000-0000-0000-000000000000" StencilVersion="1.0"/>
+</Control>
+</file>
+
+<file path=customXml/item179.xml><?xml version="1.0" encoding="utf-8"?>
+<Control xmlns="http://schemas.microsoft.com/VisualStudio/2011/storyboarding/control">
+  <Id Name="System.Storyboarding.Backgrounds.WebBrowser" RevisionId="bdb52a43-f875-417f-a3f8-9b0259dd3051" Stencil="System.Storyboarding.Backgrounds" StencilRevisionId="bdb52a43-f875-417f-a3f8-9b0259dd3051" StencilVersion="0.1"/>
+</Control>
+</file>
+
+<file path=customXml/item18.xml><?xml version="1.0" encoding="utf-8"?>
+<Control xmlns="http://schemas.microsoft.com/VisualStudio/2011/storyboarding/control">
+  <Id Name="b5742593-4330-4997-98c6-02e7437a7975" Revision="1" Stencil="System.MyShapes" StencilVersion="1.0"/>
+</Control>
+</file>
+
+<file path=customXml/item180.xml><?xml version="1.0" encoding="utf-8"?>
+<Control xmlns="http://schemas.microsoft.com/VisualStudio/2011/storyboarding/control">
+  <Id Name="366cd925-969f-44e1-b789-354cb31b0dfd" RevisionId="87c5073a-f3d6-4c7e-a7b7-c9586eacad3b" Stencil="172d6d98-e5c9-42e9-a209-79f7a94bbd38" StencilRevisionId="00000000-0000-0000-0000-000000000000" StencilVersion="0.0"/>
+</Control>
+</file>
+
+<file path=customXml/item181.xml><?xml version="1.0" encoding="utf-8"?>
+<Control xmlns="http://schemas.microsoft.com/VisualStudio/2011/storyboarding/control">
+  <Id Name="600d61f4-2d09-42e6-a6db-83e260e051ae" RevisionId="3c9eb7e9-0ea7-4fb5-adc7-dcc81ff0fb36" Stencil="172d6d98-e5c9-42e9-a209-79f7a94bbd38" StencilRevisionId="00000000-0000-0000-0000-000000000000" StencilVersion="0.0"/>
+</Control>
+</file>
+
+<file path=customXml/item182.xml><?xml version="1.0" encoding="utf-8"?>
+<Control xmlns="http://schemas.microsoft.com/VisualStudio/2011/storyboarding/control">
+  <Id Name="System.Storyboarding.Common.MouseClick" Revision="1" Stencil="System.Storyboarding.Common" StencilVersion="0.1"/>
+</Control>
+</file>
+
+<file path=customXml/item183.xml><?xml version="1.0" encoding="utf-8"?>
+<Control xmlns="http://schemas.microsoft.com/VisualStudio/2011/storyboarding/control">
+  <Id Name="System.Storyboarding.Common.DropdownBox" Revision="1" Stencil="System.Storyboarding.Common" StencilVersion="0.1"/>
+</Control>
+</file>
+
+<file path=customXml/item184.xml><?xml version="1.0" encoding="utf-8"?>
+<Control xmlns="http://schemas.microsoft.com/VisualStudio/2011/storyboarding/control">
+  <Id Name="System.Storyboarding.WindowsPhoneIcons.BaseCircle" Revision="1" Stencil="System.Storyboarding.WindowsPhoneIcons" StencilVersion="0.1"/>
+</Control>
+</file>
+
+<file path=customXml/item185.xml><?xml version="1.0" encoding="utf-8"?>
+<Control xmlns="http://schemas.microsoft.com/VisualStudio/2011/storyboarding/control">
+  <Id Name="366cd925-969f-44e1-b789-354cb31b0dfd" RevisionId="87c5073a-f3d6-4c7e-a7b7-c9586eacad3b" Stencil="172d6d98-e5c9-42e9-a209-79f7a94bbd38" StencilRevisionId="00000000-0000-0000-0000-000000000000" StencilVersion="0.0"/>
+</Control>
+</file>
+
+<file path=customXml/item186.xml><?xml version="1.0" encoding="utf-8"?>
+<Control xmlns="http://schemas.microsoft.com/VisualStudio/2011/storyboarding/control">
+  <Id Name="System.Storyboarding.Common.DropdownBox" Revision="1" Stencil="System.Storyboarding.Common" StencilVersion="0.1"/>
+</Control>
+</file>
+
+<file path=customXml/item187.xml><?xml version="1.0" encoding="utf-8"?>
+<Control xmlns="http://schemas.microsoft.com/VisualStudio/2011/storyboarding/control">
+  <Id Name="System.Storyboarding.WindowsPhoneIcons.Save" Revision="1" Stencil="System.Storyboarding.WindowsPhoneIcons" StencilVersion="0.1"/>
+</Control>
+</file>
+
+<file path=customXml/item188.xml><?xml version="1.0" encoding="utf-8"?>
+<Control xmlns="http://schemas.microsoft.com/VisualStudio/2011/storyboarding/control">
+  <Id Name="b5742593-4330-4997-98c6-02e7437a7975" Revision="1" Stencil="System.MyShapes" StencilVersion="1.0"/>
+</Control>
+</file>
+
+<file path=customXml/item189.xml><?xml version="1.0" encoding="utf-8"?>
+<Control xmlns="http://schemas.microsoft.com/VisualStudio/2011/storyboarding/control">
+  <Id Name="366cd925-969f-44e1-b789-354cb31b0dfd" RevisionId="87c5073a-f3d6-4c7e-a7b7-c9586eacad3b" Stencil="172d6d98-e5c9-42e9-a209-79f7a94bbd38" StencilRevisionId="00000000-0000-0000-0000-000000000000" StencilVersion="0.0"/>
+</Control>
+</file>
+
+<file path=customXml/item19.xml><?xml version="1.0" encoding="utf-8"?>
+<Control xmlns="http://schemas.microsoft.com/VisualStudio/2011/storyboarding/control">
+  <Id Name="366cd925-969f-44e1-b789-354cb31b0dfd" RevisionId="87c5073a-f3d6-4c7e-a7b7-c9586eacad3b" Stencil="172d6d98-e5c9-42e9-a209-79f7a94bbd38" StencilRevisionId="00000000-0000-0000-0000-000000000000" StencilVersion="0.0"/>
+</Control>
+</file>
+
+<file path=customXml/item190.xml><?xml version="1.0" encoding="utf-8"?>
+<Control xmlns="http://schemas.microsoft.com/VisualStudio/2011/storyboarding/control/v1.0">
+  <Id Name="System.Storyboarding.Common.Breadcrumb" RevisionId="68ea164d-c1de-47a5-804f-d4d1290fa524" Stencil="System.Storyboarding.Common" StencilRevisionId="68ea164d-c1de-47a5-804f-d4d1290fa524" StencilVersion="0.1"/>
+</Control>
+</file>
+
+<file path=customXml/item191.xml><?xml version="1.0" encoding="utf-8"?>
 <Control xmlns="http://schemas.microsoft.com/VisualStudio/2011/storyboarding/control">
   <Id Name="System.Storyboarding.Common.TextInput" Revision="1" Stencil="System.Storyboarding.Common" StencilVersion="0.1"/>
 </Control>
 </file>
 
-<file path=customXml/item177.xml><?xml version="1.0" encoding="utf-8"?>
+<file path=customXml/item192.xml><?xml version="1.0" encoding="utf-8"?>
+<Control xmlns="http://schemas.microsoft.com/VisualStudio/2011/storyboarding/control">
+  <Id Name="System.Storyboarding.Common.Text" Revision="1" Stencil="System.Storyboarding.Common" StencilVersion="0.1"/>
+</Control>
+</file>
+
+<file path=customXml/item193.xml><?xml version="1.0" encoding="utf-8"?>
+<Control xmlns="http://schemas.microsoft.com/VisualStudio/2011/storyboarding/control/v1.0">
+  <Id Name="System.Storyboard.Stencil.PositionControl" RevisionId="00000000-0000-0000-0000-000000000000" Stencil="System.Media" StencilRevisionId="00000000-0000-0000-0000-000000000000" StencilVersion="1.0"/>
+</Control>
+</file>
+
+<file path=customXml/item194.xml><?xml version="1.0" encoding="utf-8"?>
+<Control xmlns="http://schemas.microsoft.com/VisualStudio/2011/storyboarding/control/v1.0">
+  <Id Name="System.Storyboard.Stencil.LineChart" RevisionId="00000000-0000-0000-0000-000000000000" Stencil="System.Media" StencilRevisionId="00000000-0000-0000-0000-000000000000" StencilVersion="1.0"/>
+</Control>
+</file>
+
+<file path=customXml/item195.xml><?xml version="1.0" encoding="utf-8"?>
+<Control xmlns="http://schemas.microsoft.com/VisualStudio/2011/storyboarding/control">
+  <Id Name="System.Storyboarding.Common.TabGroupVertical" Revision="1" Stencil="System.Storyboarding.Common" StencilVersion="0.1"/>
+</Control>
+</file>
+
+<file path=customXml/item196.xml><?xml version="1.0" encoding="utf-8"?>
+<Control xmlns="http://schemas.microsoft.com/VisualStudio/2011/storyboarding/control">
+  <Id Name="System.Storyboarding.WindowsPhoneIcons.BaseCircle" Revision="1" Stencil="System.Storyboarding.WindowsPhoneIcons" StencilVersion="0.1"/>
+</Control>
+</file>
+
+<file path=customXml/item197.xml><?xml version="1.0" encoding="utf-8"?>
+<Control xmlns="http://schemas.microsoft.com/VisualStudio/2011/storyboarding/control">
+  <Id Name="System.Storyboarding.Common.MouseClick" Revision="1" Stencil="System.Storyboarding.Common" StencilVersion="0.1"/>
+</Control>
+</file>
+
+<file path=customXml/item198.xml><?xml version="1.0" encoding="utf-8"?>
+<Control xmlns="http://schemas.microsoft.com/VisualStudio/2011/storyboarding/control/v1.0">
+  <Id Name="System.Storyboarding.Common.Text" RevisionId="68ea164d-c1de-47a5-804f-d4d1290fa524" Stencil="System.Storyboarding.Common" StencilRevisionId="68ea164d-c1de-47a5-804f-d4d1290fa524" StencilVersion="0.1"/>
+</Control>
+</file>
+
+<file path=customXml/item199.xml><?xml version="1.0" encoding="utf-8"?>
+<Control xmlns="http://schemas.microsoft.com/VisualStudio/2011/storyboarding/control">
+  <Id Name="System.Storyboarding.Common.DropdownBox" Revision="1" Stencil="System.Storyboarding.Common" StencilVersion="0.1"/>
+</Control>
+</file>
+
+<file path=customXml/item2.xml><?xml version="1.0" encoding="utf-8"?>
+<Control xmlns="http://schemas.microsoft.com/VisualStudio/2011/storyboarding/control">
+  <Id Name="600d61f4-2d09-42e6-a6db-83e260e051ae" RevisionId="3c9eb7e9-0ea7-4fb5-adc7-dcc81ff0fb36" Stencil="172d6d98-e5c9-42e9-a209-79f7a94bbd38" StencilRevisionId="00000000-0000-0000-0000-000000000000" StencilVersion="0.0"/>
+</Control>
+</file>
+
+<file path=customXml/item20.xml><?xml version="1.0" encoding="utf-8"?>
+<Control xmlns="http://schemas.microsoft.com/VisualStudio/2011/storyboarding/control">
+  <Id Name="System.Storyboarding.Common.TextInput" Revision="1" Stencil="System.Storyboarding.Common" StencilVersion="0.1"/>
+</Control>
+</file>
+
+<file path=customXml/item200.xml><?xml version="1.0" encoding="utf-8"?>
+<Control xmlns="http://schemas.microsoft.com/VisualStudio/2011/storyboarding/control">
+  <Id Name="System.Storyboarding.Common.DropdownBox" Revision="1" Stencil="System.Storyboarding.Common" StencilVersion="0.1"/>
+</Control>
+</file>
+
+<file path=customXml/item201.xml><?xml version="1.0" encoding="utf-8"?>
+<Control xmlns="http://schemas.microsoft.com/VisualStudio/2011/storyboarding/control">
+  <Id Name="System.Storyboarding.WindowsPhoneIcons.BaseCircle" Revision="1" Stencil="System.Storyboarding.WindowsPhoneIcons" StencilVersion="0.1"/>
+</Control>
+</file>
+
+<file path=customXml/item202.xml><?xml version="1.0" encoding="utf-8"?>
 <Control xmlns="http://schemas.microsoft.com/VisualStudio/2011/storyboarding/control">
   <Id Name="System.Storyboarding.Common.Button" Revision="1" Stencil="System.Storyboarding.Common" StencilVersion="0.1"/>
 </Control>
 </file>
 
-<file path=customXml/item178.xml><?xml version="1.0" encoding="utf-8"?>
+<file path=customXml/item203.xml><?xml version="1.0" encoding="utf-8"?>
 <Control xmlns="http://schemas.microsoft.com/VisualStudio/2011/storyboarding/control">
-  <Id Name="System.Storyboarding.Common.Button" Revision="1" Stencil="System.Storyboarding.Common" StencilVersion="0.1"/>
+  <Id Name="System.Storyboarding.Backgrounds.RibbonApplication" RevisionId="bdb52a43-f875-417f-a3f8-9b0259dd3051" Stencil="System.Storyboarding.Backgrounds" StencilRevisionId="bdb52a43-f875-417f-a3f8-9b0259dd3051" StencilVersion="0.1"/>
 </Control>
 </file>
 
-<file path=customXml/item179.xml><?xml version="1.0" encoding="utf-8"?>
-<Control xmlns="http://schemas.microsoft.com/VisualStudio/2011/storyboarding/control/v1.0">
-  <Id Name="System.Storyboard.Stencil.TextArea" RevisionId="00000000-0000-0000-0000-000000000000" Stencil="System.Common" StencilRevisionId="00000000-0000-0000-0000-000000000000" StencilVersion="1.0"/>
-</Control>
-</file>
-
-<file path=customXml/item18.xml><?xml version="1.0" encoding="utf-8"?>
-<Control xmlns="http://schemas.microsoft.com/VisualStudio/2011/storyboarding/control/v1.0">
-  <Id Name="System.Storyboard.Stencil.PhoneTile" RevisionId="00000000-0000-0000-0000-000000000000" Stencil="System.Windows_Phone_7" StencilRevisionId="00000000-0000-0000-0000-000000000000" StencilVersion="1.0"/>
-</Control>
-</file>
-
-<file path=customXml/item180.xml><?xml version="1.0" encoding="utf-8"?>
-<Control xmlns="http://schemas.microsoft.com/VisualStudio/2011/storyboarding/control">
-  <Id Name="9d9c56e0-6ca3-4298-b757-9c73dab947ac" RevisionId="993ea365-49c2-46dc-bf14-e971e460de1e" Stencil="172d6d98-e5c9-42e9-a209-79f7a94bbd38" StencilRevisionId="00000000-0000-0000-0000-000000000000" StencilVersion="0.0"/>
-</Control>
-</file>
-
-<file path=customXml/item181.xml><?xml version="1.0" encoding="utf-8"?>
-<Control xmlns="http://schemas.microsoft.com/VisualStudio/2011/storyboarding/control">
-  <Id Name="System.Storyboarding.Common.Text" Revision="1" Stencil="System.Storyboarding.Common" StencilVersion="0.1"/>
-</Control>
-</file>
-
-<file path=customXml/item182.xml><?xml version="1.0" encoding="utf-8"?>
-<Control xmlns="http://schemas.microsoft.com/VisualStudio/2011/storyboarding/control/v1.0">
-  <Id Name="System.Storyboard.Stencil.VerticalSplitter" RevisionId="00000000-0000-0000-0000-000000000000" Stencil="System.Windows" StencilRevisionId="00000000-0000-0000-0000-000000000000" StencilVersion="1.0"/>
-</Control>
-</file>
-
-<file path=customXml/item183.xml><?xml version="1.0" encoding="utf-8"?>
-<Control xmlns="http://schemas.microsoft.com/VisualStudio/2011/storyboarding/control">
-  <Id Name="System.Storyboarding.Common.TextInput" Revision="1" Stencil="System.Storyboarding.Common" StencilVersion="0.1"/>
-</Control>
-</file>
-
-<file path=customXml/item184.xml><?xml version="1.0" encoding="utf-8"?>
-<Control xmlns="http://schemas.microsoft.com/VisualStudio/2011/storyboarding/control">
-  <Id Name="System.Storyboarding.Common.MouseClick" Revision="1" Stencil="System.Storyboarding.Common" StencilVersion="0.1"/>
-</Control>
-</file>
-
-<file path=customXml/item185.xml><?xml version="1.0" encoding="utf-8"?>
-<Control xmlns="http://schemas.microsoft.com/VisualStudio/2011/storyboarding/control">
-  <Id Name="System.Storyboarding.Common.SearchBox" Revision="1" Stencil="System.Storyboarding.Common" StencilVersion="0.1"/>
-</Control>
-</file>
-
-<file path=customXml/item186.xml><?xml version="1.0" encoding="utf-8"?>
+<file path=customXml/item204.xml><?xml version="1.0" encoding="utf-8"?>
 <Control xmlns="http://schemas.microsoft.com/VisualStudio/2011/storyboarding/control">
   <Id Name="System.Storyboarding.WindowsPhoneIcons.Cancel" Revision="1" Stencil="System.Storyboarding.WindowsPhoneIcons" StencilVersion="0.1"/>
 </Control>
 </file>
 
-<file path=customXml/item187.xml><?xml version="1.0" encoding="utf-8"?>
-<Control xmlns="http://schemas.microsoft.com/VisualStudio/2011/storyboarding/control">
-  <Id Name="System.Storyboarding.WindowsPhoneIcons.BaseCircle" Revision="1" Stencil="System.Storyboarding.WindowsPhoneIcons" StencilVersion="0.1"/>
-</Control>
-</file>
-
-<file path=customXml/item188.xml><?xml version="1.0" encoding="utf-8"?>
-<Control xmlns="http://schemas.microsoft.com/VisualStudio/2011/storyboarding/control">
-  <Id Name="System.Storyboarding.WindowsPhoneIcons.Save" Revision="1" Stencil="System.Storyboarding.WindowsPhoneIcons" StencilVersion="0.1"/>
-</Control>
-</file>
-
-<file path=customXml/item189.xml><?xml version="1.0" encoding="utf-8"?>
-<Control xmlns="http://schemas.microsoft.com/VisualStudio/2011/storyboarding/control/v1.0">
-  <Id Name="System.Storyboard.Stencil.PlayControls" RevisionId="00000000-0000-0000-0000-000000000000" Stencil="System.Media" StencilRevisionId="00000000-0000-0000-0000-000000000000" StencilVersion="1.0"/>
-</Control>
-</file>
-
-<file path=customXml/item19.xml><?xml version="1.0" encoding="utf-8"?>
-<Control xmlns="http://schemas.microsoft.com/VisualStudio/2011/storyboarding/control">
-  <Id Name="System.Storyboarding.WindowsPhoneIcons.BaseCircle" Revision="1" Stencil="System.Storyboarding.WindowsPhoneIcons" StencilVersion="0.1"/>
-</Control>
-</file>
-
-<file path=customXml/item190.xml><?xml version="1.0" encoding="utf-8"?>
-<Control xmlns="http://schemas.microsoft.com/VisualStudio/2011/storyboarding/control">
-  <Id Name="System.Storyboarding.Common.Text" Revision="1" Stencil="System.Storyboarding.Common" StencilVersion="0.1"/>
-</Control>
-</file>
-
-<file path=customXml/item191.xml><?xml version="1.0" encoding="utf-8"?>
-<Control xmlns="http://schemas.microsoft.com/VisualStudio/2011/storyboarding/control">
-  <Id Name="System.Storyboarding.Common.Text" Revision="1" Stencil="System.Storyboarding.Common" StencilVersion="0.1"/>
-</Control>
-</file>
-
-<file path=customXml/item192.xml><?xml version="1.0" encoding="utf-8"?>
-<Control xmlns="http://schemas.microsoft.com/VisualStudio/2011/storyboarding/control">
-  <Id Name="System.Storyboarding.Common.SearchBox" Revision="1" Stencil="System.Storyboarding.Common" StencilVersion="0.1"/>
-</Control>
-</file>
-
-<file path=customXml/item193.xml><?xml version="1.0" encoding="utf-8"?>
-<Control xmlns="http://schemas.microsoft.com/VisualStudio/2011/storyboarding/control">
-  <Id Name="System.Storyboarding.Common.CheckBoxUnchecked" Revision="1" Stencil="System.Storyboarding.Common" StencilVersion="0.1"/>
-</Control>
-</file>
-
-<file path=customXml/item194.xml><?xml version="1.0" encoding="utf-8"?>
-<Control xmlns="http://schemas.microsoft.com/VisualStudio/2011/storyboarding/control">
-  <Id Name="System.Storyboarding.WindowsPhoneIcons.BaseCircle" Revision="1" Stencil="System.Storyboarding.WindowsPhoneIcons" StencilVersion="0.1"/>
-</Control>
-</file>
-
-<file path=customXml/item195.xml><?xml version="1.0" encoding="utf-8"?>
-<Control xmlns="http://schemas.microsoft.com/VisualStudio/2011/storyboarding/control">
-  <Id Name="b5742593-4330-4997-98c6-02e7437a7975" Revision="1" Stencil="System.MyShapes" StencilVersion="1.0"/>
-</Control>
-</file>
-
-<file path=customXml/item196.xml><?xml version="1.0" encoding="utf-8"?>
-<Control xmlns="http://schemas.microsoft.com/VisualStudio/2011/storyboarding/control">
-  <Id Name="System.Storyboarding.Common.SearchBox" Revision="1" Stencil="System.Storyboarding.Common" StencilVersion="0.1"/>
-</Control>
-</file>
-
-<file path=customXml/item197.xml><?xml version="1.0" encoding="utf-8"?>
-<Control xmlns="http://schemas.microsoft.com/VisualStudio/2011/storyboarding/control/v1.0">
-  <Id Name="System.Storyboard.Stencil.Group" RevisionId="00000000-0000-0000-0000-000000000000" Stencil="System.Windows" StencilRevisionId="00000000-0000-0000-0000-000000000000" StencilVersion="1.0"/>
-</Control>
-</file>
-
-<file path=customXml/item198.xml><?xml version="1.0" encoding="utf-8"?>
-<Control xmlns="http://schemas.microsoft.com/VisualStudio/2011/storyboarding/control">
-  <Id Name="System.Storyboarding.Common.SearchBox" Revision="1" Stencil="System.Storyboarding.Common" StencilVersion="0.1"/>
-</Control>
-</file>
-
-<file path=customXml/item199.xml><?xml version="1.0" encoding="utf-8"?>
+<file path=customXml/item205.xml><?xml version="1.0" encoding="utf-8"?>
+<?mso-contentType ?>
+<FormTemplates xmlns="http://schemas.microsoft.com/sharepoint/v3/contenttype/forms">
+  <Display>DocumentLibraryForm</Display>
+  <Edit>DocumentLibraryForm</Edit>
+  <New>DocumentLibraryForm</New>
+</FormTemplates>
+</file>
+
+<file path=customXml/item206.xml><?xml version="1.0" encoding="utf-8"?>
 <Control xmlns="http://schemas.microsoft.com/VisualStudio/2011/storyboarding/control">
   <Id Name="System.Storyboarding.WindowsPhoneIcons.Cancel" Revision="1" Stencil="System.Storyboarding.WindowsPhoneIcons" StencilVersion="0.1"/>
 </Control>
 </file>
 
-<file path=customXml/item2.xml><?xml version="1.0" encoding="utf-8"?>
-<Control xmlns="http://schemas.microsoft.com/VisualStudio/2011/storyboarding/control/v1.0">
-  <Id Name="System.Storyboard.Stencil.PositionControl" RevisionId="00000000-0000-0000-0000-000000000000" Stencil="System.Media" StencilRevisionId="00000000-0000-0000-0000-000000000000" StencilVersion="1.0"/>
-</Control>
-</file>
-
-<file path=customXml/item20.xml><?xml version="1.0" encoding="utf-8"?>
-<Control xmlns="http://schemas.microsoft.com/VisualStudio/2011/storyboarding/control">
-  <Id Name="System.Storyboarding.Common.SearchBox" Revision="1" Stencil="System.Storyboarding.Common" StencilVersion="0.1"/>
-</Control>
-</file>
-
-<file path=customXml/item200.xml><?xml version="1.0" encoding="utf-8"?>
-<Control xmlns="http://schemas.microsoft.com/VisualStudio/2011/storyboarding/control">
-  <Id Name="System.Storyboarding.WindowsPhoneIcons.Save" Revision="1" Stencil="System.Storyboarding.WindowsPhoneIcons" StencilVersion="0.1"/>
-</Control>
-</file>
-
-<file path=customXml/item201.xml><?xml version="1.0" encoding="utf-8"?>
-<Control xmlns="http://schemas.microsoft.com/VisualStudio/2011/storyboarding/control">
-  <Id Name="System.Storyboarding.Common.Text" Revision="1" Stencil="System.Storyboarding.Common" StencilVersion="0.1"/>
-</Control>
-</file>
-
-<file path=customXml/item202.xml><?xml version="1.0" encoding="utf-8"?>
-<Control xmlns="http://schemas.microsoft.com/VisualStudio/2011/storyboarding/control">
-  <Id Name="System.Storyboarding.Common.DropdownBox" Revision="1" Stencil="System.Storyboarding.Common" StencilVersion="0.1"/>
-</Control>
-</file>
-
-<file path=customXml/item203.xml><?xml version="1.0" encoding="utf-8"?>
+<file path=customXml/item207.xml><?xml version="1.0" encoding="utf-8"?>
 <?mso-contentType ?>
 <spe:Receivers xmlns:spe="http://schemas.microsoft.com/sharepoint/events">
   <Receiver>
@@ -46781,649 +46808,43 @@
 </spe:Receivers>
 </file>
 
-<file path=customXml/item204.xml><?xml version="1.0" encoding="utf-8"?>
+<file path=customXml/item208.xml><?xml version="1.0" encoding="utf-8"?>
 <Control xmlns="http://schemas.microsoft.com/VisualStudio/2011/storyboarding/control">
   <Id Name="System.Storyboarding.WindowsPhoneIcons.BaseCircle" Revision="1" Stencil="System.Storyboarding.WindowsPhoneIcons" StencilVersion="0.1"/>
 </Control>
 </file>
 
-<file path=customXml/item205.xml><?xml version="1.0" encoding="utf-8"?>
+<file path=customXml/item209.xml><?xml version="1.0" encoding="utf-8"?>
 <Control xmlns="http://schemas.microsoft.com/VisualStudio/2011/storyboarding/control">
-  <Id Name="System.Storyboarding.Common.SearchBox" Revision="1" Stencil="System.Storyboarding.Common" StencilVersion="0.1"/>
+  <Id Name="System.Storyboarding.WindowsPhoneIcons.BaseCircle" Revision="1" Stencil="System.Storyboarding.WindowsPhoneIcons" StencilVersion="0.1"/>
 </Control>
 </file>
 
-<file path=customXml/item206.xml><?xml version="1.0" encoding="utf-8"?>
+<file path=customXml/item21.xml><?xml version="1.0" encoding="utf-8"?>
+<Control xmlns="http://schemas.microsoft.com/VisualStudio/2011/storyboarding/control">
+  <Id Name="System.Storyboarding.Common.DropdownBox" Revision="1" Stencil="System.Storyboarding.Common" StencilVersion="0.1"/>
+</Control>
+</file>
+
+<file path=customXml/item210.xml><?xml version="1.0" encoding="utf-8"?>
 <Control xmlns="http://schemas.microsoft.com/VisualStudio/2011/storyboarding/control">
   <Id Name="System.Storyboarding.Common.Text" Revision="1" Stencil="System.Storyboarding.Common" StencilVersion="0.1"/>
 </Control>
 </file>
 
-<file path=customXml/item207.xml><?xml version="1.0" encoding="utf-8"?>
+<file path=customXml/item211.xml><?xml version="1.0" encoding="utf-8"?>
 <Control xmlns="http://schemas.microsoft.com/VisualStudio/2011/storyboarding/control">
-  <Id Name="System.Storyboarding.Common.TextInput" Revision="1" Stencil="System.Storyboarding.Common" StencilVersion="0.1"/>
+  <Id Name="System.Storyboarding.WindowsPhoneIcons.Save" Revision="1" Stencil="System.Storyboarding.WindowsPhoneIcons" StencilVersion="0.1"/>
 </Control>
 </file>
 
-<file path=customXml/item208.xml><?xml version="1.0" encoding="utf-8"?>
+<file path=customXml/item212.xml><?xml version="1.0" encoding="utf-8"?>
 <Control xmlns="http://schemas.microsoft.com/VisualStudio/2011/storyboarding/control">
   <Id Name="System.Storyboarding.Common.Text" Revision="1" Stencil="System.Storyboarding.Common" StencilVersion="0.1"/>
 </Control>
 </file>
 
-<file path=customXml/item209.xml><?xml version="1.0" encoding="utf-8"?>
-<Control xmlns="http://schemas.microsoft.com/VisualStudio/2011/storyboarding/control">
-  <Id Name="System.Storyboarding.Common.Text" Revision="1" Stencil="System.Storyboarding.Common" StencilVersion="0.1"/>
-</Control>
-</file>
-
-<file path=customXml/item21.xml><?xml version="1.0" encoding="utf-8"?>
-<Control xmlns="http://schemas.microsoft.com/VisualStudio/2011/storyboarding/control/v1.0">
-  <Id Name="System.Storyboarding.Common.Text" RevisionId="68ea164d-c1de-47a5-804f-d4d1290fa524" Stencil="System.Storyboarding.Common" StencilRevisionId="68ea164d-c1de-47a5-804f-d4d1290fa524" StencilVersion="0.1"/>
-</Control>
-</file>
-
-<file path=customXml/item210.xml><?xml version="1.0" encoding="utf-8"?>
-<Control xmlns="http://schemas.microsoft.com/VisualStudio/2011/storyboarding/control/v1.0">
-  <Id Name="System.Storyboarding.Common.Text" RevisionId="68ea164d-c1de-47a5-804f-d4d1290fa524" Stencil="System.Storyboarding.Common" StencilRevisionId="68ea164d-c1de-47a5-804f-d4d1290fa524" StencilVersion="0.1"/>
-</Control>
-</file>
-
-<file path=customXml/item211.xml><?xml version="1.0" encoding="utf-8"?>
-<Control xmlns="http://schemas.microsoft.com/VisualStudio/2011/storyboarding/control">
-  <Id Name="System.Storyboarding.Common.TabGroupVertical" Revision="1" Stencil="System.Storyboarding.Common" StencilVersion="0.1"/>
-</Control>
-</file>
-
-<file path=customXml/item212.xml><?xml version="1.0" encoding="utf-8"?>
-<Control xmlns="http://schemas.microsoft.com/VisualStudio/2011/storyboarding/control">
-  <Id Name="System.Storyboarding.Common.TabGroup" Revision="1" Stencil="System.Storyboarding.Common" StencilVersion="0.1"/>
-</Control>
-</file>
-
 <file path=customXml/item213.xml><?xml version="1.0" encoding="utf-8"?>
-<Control xmlns="http://schemas.microsoft.com/VisualStudio/2011/storyboarding/control">
-  <Id Name="System.Storyboarding.Common.TextInput" Revision="1" Stencil="System.Storyboarding.Common" StencilVersion="0.1"/>
-</Control>
-</file>
-
-<file path=customXml/item214.xml><?xml version="1.0" encoding="utf-8"?>
-<Control xmlns="http://schemas.microsoft.com/VisualStudio/2011/storyboarding/control">
-  <Id Name="System.Storyboarding.Common.DataGrid" Revision="1" Stencil="System.Storyboarding.Common" StencilVersion="0.1"/>
-</Control>
-</file>
-
-<file path=customXml/item215.xml><?xml version="1.0" encoding="utf-8"?>
-<Control xmlns="http://schemas.microsoft.com/VisualStudio/2011/storyboarding/control/v1.0">
-  <Id Name="System.Storyboarding.Icons.FolderOpen" RevisionId="05cd6d03-c0b2-488e-98a7-d68de69a2cfc" Stencil="System.Storyboarding.Icons" StencilRevisionId="05cd6d03-c0b2-488e-98a7-d68de69a2cfc" StencilVersion="0.1"/>
-</Control>
-</file>
-
-<file path=customXml/item216.xml><?xml version="1.0" encoding="utf-8"?>
-<Control xmlns="http://schemas.microsoft.com/VisualStudio/2011/storyboarding/control">
-  <Id Name="System.Storyboarding.Common.MouseClick" Revision="1" Stencil="System.Storyboarding.Common" StencilVersion="0.1"/>
-</Control>
-</file>
-
-<file path=customXml/item217.xml><?xml version="1.0" encoding="utf-8"?>
-<Control xmlns="http://schemas.microsoft.com/VisualStudio/2011/storyboarding/control">
-  <Id Name="System.Storyboarding.Common.TextInput" Revision="1" Stencil="System.Storyboarding.Common" StencilVersion="0.1"/>
-</Control>
-</file>
-
-<file path=customXml/item218.xml><?xml version="1.0" encoding="utf-8"?>
-<Control xmlns="http://schemas.microsoft.com/VisualStudio/2011/storyboarding/control">
-  <Id Name="System.Storyboarding.Common.Text" Revision="1" Stencil="System.Storyboarding.Common" StencilVersion="0.1"/>
-</Control>
-</file>
-
-<file path=customXml/item219.xml><?xml version="1.0" encoding="utf-8"?>
-<Control xmlns="http://schemas.microsoft.com/VisualStudio/2011/storyboarding/control/v1.0">
-  <Id Name="System.Storyboarding.Media.Image" RevisionId="658c0869-8ded-44f2-a68a-f8e8fcb7d3bd" Stencil="System.Storyboarding.Media" StencilRevisionId="658c0869-8ded-44f2-a68a-f8e8fcb7d3bd" StencilVersion="0.1"/>
-</Control>
-</file>
-
-<file path=customXml/item22.xml><?xml version="1.0" encoding="utf-8"?>
-<Control xmlns="http://schemas.microsoft.com/VisualStudio/2011/storyboarding/control">
-  <Id Name="System.Storyboarding.Common.DropdownBox" Revision="1" Stencil="System.Storyboarding.Common" StencilVersion="0.1"/>
-</Control>
-</file>
-
-<file path=customXml/item220.xml><?xml version="1.0" encoding="utf-8"?>
-<Control xmlns="http://schemas.microsoft.com/VisualStudio/2011/storyboarding/control">
-  <Id Name="System.Storyboarding.Common.MouseClick" Revision="1" Stencil="System.Storyboarding.Common" StencilVersion="0.1"/>
-</Control>
-</file>
-
-<file path=customXml/item221.xml><?xml version="1.0" encoding="utf-8"?>
-<Control xmlns="http://schemas.microsoft.com/VisualStudio/2011/storyboarding/control">
-  <Id Name="System.Storyboarding.WindowsPhoneIcons.Cancel" Revision="1" Stencil="System.Storyboarding.WindowsPhoneIcons" StencilVersion="0.1"/>
-</Control>
-</file>
-
-<file path=customXml/item222.xml><?xml version="1.0" encoding="utf-8"?>
-<Control xmlns="http://schemas.microsoft.com/VisualStudio/2011/storyboarding/control">
-  <Id Name="System.Storyboarding.Common.Text" Revision="1" Stencil="System.Storyboarding.Common" StencilVersion="0.1"/>
-</Control>
-</file>
-
-<file path=customXml/item223.xml><?xml version="1.0" encoding="utf-8"?>
-<Control xmlns="http://schemas.microsoft.com/VisualStudio/2011/storyboarding/control">
-  <Id Name="b5742593-4330-4997-98c6-02e7437a7975" Revision="1" Stencil="System.MyShapes" StencilVersion="1.0"/>
-</Control>
-</file>
-
-<file path=customXml/item224.xml><?xml version="1.0" encoding="utf-8"?>
-<Control xmlns="http://schemas.microsoft.com/VisualStudio/2011/storyboarding/control">
-  <Id Name="System.Storyboarding.WindowsPhoneIcons.BaseCircle" Revision="1" Stencil="System.Storyboarding.WindowsPhoneIcons" StencilVersion="0.1"/>
-</Control>
-</file>
-
-<file path=customXml/item225.xml><?xml version="1.0" encoding="utf-8"?>
-<Control xmlns="http://schemas.microsoft.com/VisualStudio/2011/storyboarding/control/v1.0">
-  <Id Name="System.Storyboard.Stencil.HorizontalScrollbar" RevisionId="00000000-0000-0000-0000-000000000000" Stencil="System.Common" StencilRevisionId="00000000-0000-0000-0000-000000000000" StencilVersion="1.0"/>
-</Control>
-</file>
-
-<file path=customXml/item226.xml><?xml version="1.0" encoding="utf-8"?>
-<Control xmlns="http://schemas.microsoft.com/VisualStudio/2011/storyboarding/control">
-  <Id Name="System.Storyboarding.Common.TextInput" Revision="1" Stencil="System.Storyboarding.Common" StencilVersion="0.1"/>
-</Control>
-</file>
-
-<file path=customXml/item227.xml><?xml version="1.0" encoding="utf-8"?>
-<Control xmlns="http://schemas.microsoft.com/VisualStudio/2011/storyboarding/control">
-  <Id Name="System.Storyboarding.Common.SearchBox" Revision="1" Stencil="System.Storyboarding.Common" StencilVersion="0.1"/>
-</Control>
-</file>
-
-<file path=customXml/item228.xml><?xml version="1.0" encoding="utf-8"?>
-<Control xmlns="http://schemas.microsoft.com/VisualStudio/2011/storyboarding/control">
-  <Id Name="366cd925-969f-44e1-b789-354cb31b0dfd" RevisionId="87c5073a-f3d6-4c7e-a7b7-c9586eacad3b" Stencil="172d6d98-e5c9-42e9-a209-79f7a94bbd38" StencilRevisionId="00000000-0000-0000-0000-000000000000" StencilVersion="0.0"/>
-</Control>
-</file>
-
-<file path=customXml/item229.xml><?xml version="1.0" encoding="utf-8"?>
-<Control xmlns="http://schemas.microsoft.com/VisualStudio/2011/storyboarding/control">
-  <Id Name="System.Storyboarding.Annotation.AnimatedRectangleCallout" Revision="1" Stencil="System.Storyboarding.Annotation" StencilVersion="0.1"/>
-</Control>
-</file>
-
-<file path=customXml/item23.xml><?xml version="1.0" encoding="utf-8"?>
-<Control xmlns="http://schemas.microsoft.com/VisualStudio/2011/storyboarding/control">
-  <Id Name="System.Storyboarding.Common.TextArea" Revision="1" Stencil="System.Storyboarding.Common" StencilVersion="0.1"/>
-</Control>
-</file>
-
-<file path=customXml/item230.xml><?xml version="1.0" encoding="utf-8"?>
-<Control xmlns="http://schemas.microsoft.com/VisualStudio/2011/storyboarding/control">
-  <Id Name="System.Storyboarding.Common.MouseClick" Revision="1" Stencil="System.Storyboarding.Common" StencilVersion="0.1"/>
-</Control>
-</file>
-
-<file path=customXml/item231.xml><?xml version="1.0" encoding="utf-8"?>
-<Control xmlns="http://schemas.microsoft.com/VisualStudio/2011/storyboarding/control">
-  <Id Name="System.Storyboarding.Common.TabGroup" Revision="1" Stencil="System.Storyboarding.Common" StencilVersion="0.1"/>
-</Control>
-</file>
-
-<file path=customXml/item232.xml><?xml version="1.0" encoding="utf-8"?>
-<Control xmlns="http://schemas.microsoft.com/VisualStudio/2011/storyboarding/control">
-  <Id Name="System.Storyboarding.Backgrounds.WindowsPhone" RevisionId="bdb52a43-f875-417f-a3f8-9b0259dd3051" Stencil="System.Storyboarding.Backgrounds" StencilRevisionId="bdb52a43-f875-417f-a3f8-9b0259dd3051" StencilVersion="0.1"/>
-</Control>
-</file>
-
-<file path=customXml/item233.xml><?xml version="1.0" encoding="utf-8"?>
-<Control xmlns="http://schemas.microsoft.com/VisualStudio/2011/storyboarding/control">
-  <Id Name="System.Storyboarding.Common.TextArea" Revision="1" Stencil="System.Storyboarding.Common" StencilVersion="0.1"/>
-</Control>
-</file>
-
-<file path=customXml/item234.xml><?xml version="1.0" encoding="utf-8"?>
-<Control xmlns="http://schemas.microsoft.com/VisualStudio/2011/storyboarding/control">
-  <Id Name="System.Storyboarding.Common.Text" Revision="1" Stencil="System.Storyboarding.Common" StencilVersion="0.1"/>
-</Control>
-</file>
-
-<file path=customXml/item235.xml><?xml version="1.0" encoding="utf-8"?>
-<Control xmlns="http://schemas.microsoft.com/VisualStudio/2011/storyboarding/control">
-  <Id Name="System.Storyboarding.Common.SearchBox" Revision="1" Stencil="System.Storyboarding.Common" StencilVersion="0.1"/>
-</Control>
-</file>
-
-<file path=customXml/item236.xml><?xml version="1.0" encoding="utf-8"?>
-<Control xmlns="http://schemas.microsoft.com/VisualStudio/2011/storyboarding/control">
-  <Id Name="System.Storyboarding.Common.DropdownBox" Revision="1" Stencil="System.Storyboarding.Common" StencilVersion="0.1"/>
-</Control>
-</file>
-
-<file path=customXml/item237.xml><?xml version="1.0" encoding="utf-8"?>
-<Control xmlns="http://schemas.microsoft.com/VisualStudio/2011/storyboarding/control">
-  <Id Name="System.Storyboarding.Common.Text" Revision="1" Stencil="System.Storyboarding.Common" StencilVersion="0.1"/>
-</Control>
-</file>
-
-<file path=customXml/item238.xml><?xml version="1.0" encoding="utf-8"?>
-<Control xmlns="http://schemas.microsoft.com/VisualStudio/2011/storyboarding/control">
-  <Id Name="System.Storyboarding.Common.TextArea" Revision="1" Stencil="System.Storyboarding.Common" StencilVersion="0.1"/>
-</Control>
-</file>
-
-<file path=customXml/item239.xml><?xml version="1.0" encoding="utf-8"?>
-<Control xmlns="http://schemas.microsoft.com/VisualStudio/2011/storyboarding/control">
-  <Id Name="System.Storyboarding.Common.Text" Revision="1" Stencil="System.Storyboarding.Common" StencilVersion="0.1"/>
-</Control>
-</file>
-
-<file path=customXml/item24.xml><?xml version="1.0" encoding="utf-8"?>
-<Control xmlns="http://schemas.microsoft.com/VisualStudio/2011/storyboarding/control">
-  <Id Name="System.Storyboarding.Common.SearchBox" Revision="1" Stencil="System.Storyboarding.Common" StencilVersion="0.1"/>
-</Control>
-</file>
-
-<file path=customXml/item240.xml><?xml version="1.0" encoding="utf-8"?>
-<Control xmlns="http://schemas.microsoft.com/VisualStudio/2011/storyboarding/control">
-  <Id Name="366cd925-969f-44e1-b789-354cb31b0dfd" RevisionId="87c5073a-f3d6-4c7e-a7b7-c9586eacad3b" Stencil="172d6d98-e5c9-42e9-a209-79f7a94bbd38" StencilRevisionId="00000000-0000-0000-0000-000000000000" StencilVersion="0.0"/>
-</Control>
-</file>
-
-<file path=customXml/item241.xml><?xml version="1.0" encoding="utf-8"?>
-<Control xmlns="http://schemas.microsoft.com/VisualStudio/2011/storyboarding/control">
-  <Id Name="System.Storyboarding.Common.DropdownBox" Revision="1" Stencil="System.Storyboarding.Common" StencilVersion="0.1"/>
-</Control>
-</file>
-
-<file path=customXml/item242.xml><?xml version="1.0" encoding="utf-8"?>
-<Control xmlns="http://schemas.microsoft.com/VisualStudio/2011/storyboarding/control">
-  <Id Name="System.Storyboarding.Common.Button" Revision="1" Stencil="System.Storyboarding.Common" StencilVersion="0.1"/>
-</Control>
-</file>
-
-<file path=customXml/item243.xml><?xml version="1.0" encoding="utf-8"?>
-<Control xmlns="http://schemas.microsoft.com/VisualStudio/2011/storyboarding/control">
-  <Id Name="System.Storyboarding.WindowsPhoneIcons.BaseCircle" Revision="1" Stencil="System.Storyboarding.WindowsPhoneIcons" StencilVersion="0.1"/>
-</Control>
-</file>
-
-<file path=customXml/item244.xml><?xml version="1.0" encoding="utf-8"?>
-<Control xmlns="http://schemas.microsoft.com/VisualStudio/2011/storyboarding/control">
-  <Id Name="System.Storyboarding.WindowsPhoneIcons.BaseCircle" Revision="1" Stencil="System.Storyboarding.WindowsPhoneIcons" StencilVersion="0.1"/>
-</Control>
-</file>
-
-<file path=customXml/item245.xml><?xml version="1.0" encoding="utf-8"?>
-<Control xmlns="http://schemas.microsoft.com/VisualStudio/2011/storyboarding/control">
-  <Id Name="System.Storyboarding.Common.Text" Revision="1" Stencil="System.Storyboarding.Common" StencilVersion="0.1"/>
-</Control>
-</file>
-
-<file path=customXml/item246.xml><?xml version="1.0" encoding="utf-8"?>
-<Control xmlns="http://schemas.microsoft.com/VisualStudio/2011/storyboarding/control">
-  <Id Name="System.Storyboarding.Common.Text" Revision="1" Stencil="System.Storyboarding.Common" StencilVersion="0.1"/>
-</Control>
-</file>
-
-<file path=customXml/item247.xml><?xml version="1.0" encoding="utf-8"?>
-<Control xmlns="http://schemas.microsoft.com/VisualStudio/2011/storyboarding/control">
-  <Id Name="System.Storyboarding.WindowsPhoneIcons.BaseCircle" Revision="1" Stencil="System.Storyboarding.WindowsPhoneIcons" StencilVersion="0.1"/>
-</Control>
-</file>
-
-<file path=customXml/item248.xml><?xml version="1.0" encoding="utf-8"?>
-<Control xmlns="http://schemas.microsoft.com/VisualStudio/2011/storyboarding/control">
-  <Id Name="System.Storyboarding.Common.SearchBox" Revision="1" Stencil="System.Storyboarding.Common" StencilVersion="0.1"/>
-</Control>
-</file>
-
-<file path=customXml/item249.xml><?xml version="1.0" encoding="utf-8"?>
-<Control xmlns="http://schemas.microsoft.com/VisualStudio/2011/storyboarding/control">
-  <Id Name="System.Storyboarding.Common.Text" Revision="1" Stencil="System.Storyboarding.Common" StencilVersion="0.1"/>
-</Control>
-</file>
-
-<file path=customXml/item25.xml><?xml version="1.0" encoding="utf-8"?>
-<Control xmlns="http://schemas.microsoft.com/VisualStudio/2011/storyboarding/control">
-  <Id Name="System.Storyboarding.Common.Text" Revision="1" Stencil="System.Storyboarding.Common" StencilVersion="0.1"/>
-</Control>
-</file>
-
-<file path=customXml/item250.xml><?xml version="1.0" encoding="utf-8"?>
-<Control xmlns="http://schemas.microsoft.com/VisualStudio/2011/storyboarding/control/v1.0">
-  <Id Name="System.Storyboard.Stencil.Label" RevisionId="00000000-0000-0000-0000-000000000000" Stencil="System.Common" StencilRevisionId="00000000-0000-0000-0000-000000000000" StencilVersion="1.0"/>
-</Control>
-</file>
-
-<file path=customXml/item251.xml><?xml version="1.0" encoding="utf-8"?>
-<Control xmlns="http://schemas.microsoft.com/VisualStudio/2011/storyboarding/control">
-  <Id Name="9d9c56e0-6ca3-4298-b757-9c73dab947ac" RevisionId="993ea365-49c2-46dc-bf14-e971e460de1e" Stencil="172d6d98-e5c9-42e9-a209-79f7a94bbd38" StencilRevisionId="00000000-0000-0000-0000-000000000000" StencilVersion="0.0"/>
-</Control>
-</file>
-
-<file path=customXml/item252.xml><?xml version="1.0" encoding="utf-8"?>
-<Control xmlns="http://schemas.microsoft.com/VisualStudio/2011/storyboarding/control">
-  <Id Name="System.Storyboarding.Common.SearchBox" Revision="1" Stencil="System.Storyboarding.Common" StencilVersion="0.1"/>
-</Control>
-</file>
-
-<file path=customXml/item253.xml><?xml version="1.0" encoding="utf-8"?>
-<Control xmlns="http://schemas.microsoft.com/VisualStudio/2011/storyboarding/control">
-  <Id Name="366cd925-969f-44e1-b789-354cb31b0dfd" RevisionId="87c5073a-f3d6-4c7e-a7b7-c9586eacad3b" Stencil="172d6d98-e5c9-42e9-a209-79f7a94bbd38" StencilRevisionId="00000000-0000-0000-0000-000000000000" StencilVersion="0.0"/>
-</Control>
-</file>
-
-<file path=customXml/item254.xml><?xml version="1.0" encoding="utf-8"?>
-<Control xmlns="http://schemas.microsoft.com/VisualStudio/2011/storyboarding/control">
-  <Id Name="System.Storyboarding.Common.Button" Revision="1" Stencil="System.Storyboarding.Common" StencilVersion="0.1"/>
-</Control>
-</file>
-
-<file path=customXml/item255.xml><?xml version="1.0" encoding="utf-8"?>
-<Control xmlns="http://schemas.microsoft.com/VisualStudio/2011/storyboarding/control">
-  <Id Name="System.Storyboarding.Common.TabGroupVertical" Revision="1" Stencil="System.Storyboarding.Common" StencilVersion="0.1"/>
-</Control>
-</file>
-
-<file path=customXml/item256.xml><?xml version="1.0" encoding="utf-8"?>
-<Control xmlns="http://schemas.microsoft.com/VisualStudio/2011/storyboarding/control">
-  <Id Name="9d9c56e0-6ca3-4298-b757-9c73dab947ac" RevisionId="993ea365-49c2-46dc-bf14-e971e460de1e" Stencil="172d6d98-e5c9-42e9-a209-79f7a94bbd38" StencilRevisionId="00000000-0000-0000-0000-000000000000" StencilVersion="0.0"/>
-</Control>
-</file>
-
-<file path=customXml/item257.xml><?xml version="1.0" encoding="utf-8"?>
-<Control xmlns="http://schemas.microsoft.com/VisualStudio/2011/storyboarding/control">
-  <Id Name="System.Storyboarding.Common.SearchBox" Revision="1" Stencil="System.Storyboarding.Common" StencilVersion="0.1"/>
-</Control>
-</file>
-
-<file path=customXml/item258.xml><?xml version="1.0" encoding="utf-8"?>
-<Control xmlns="http://schemas.microsoft.com/VisualStudio/2011/storyboarding/control/v1.0">
-  <Id Name="System.Storyboard.Stencil.VideoPlayer" RevisionId="00000000-0000-0000-0000-000000000000" Stencil="System.Media" StencilRevisionId="00000000-0000-0000-0000-000000000000" StencilVersion="1.0"/>
-</Control>
-</file>
-
-<file path=customXml/item259.xml><?xml version="1.0" encoding="utf-8"?>
-<Control xmlns="http://schemas.microsoft.com/VisualStudio/2011/storyboarding/control">
-  <Id Name="System.Storyboarding.Common.DropdownBox" Revision="1" Stencil="System.Storyboarding.Common" StencilVersion="0.1"/>
-</Control>
-</file>
-
-<file path=customXml/item26.xml><?xml version="1.0" encoding="utf-8"?>
-<Control xmlns="http://schemas.microsoft.com/VisualStudio/2011/storyboarding/control">
-  <Id Name="System.Storyboarding.Common.DropdownBox" Revision="1" Stencil="System.Storyboarding.Common" StencilVersion="0.1"/>
-</Control>
-</file>
-
-<file path=customXml/item260.xml><?xml version="1.0" encoding="utf-8"?>
-<Control xmlns="http://schemas.microsoft.com/VisualStudio/2011/storyboarding/control">
-  <Id Name="System.Storyboarding.WindowsPhoneIcons.Save" Revision="1" Stencil="System.Storyboarding.WindowsPhoneIcons" StencilVersion="0.1"/>
-</Control>
-</file>
-
-<file path=customXml/item261.xml><?xml version="1.0" encoding="utf-8"?>
-<Control xmlns="http://schemas.microsoft.com/VisualStudio/2011/storyboarding/control">
-  <Id Name="System.Storyboarding.WindowsPhoneIcons.Cancel" Revision="1" Stencil="System.Storyboarding.WindowsPhoneIcons" StencilVersion="0.1"/>
-</Control>
-</file>
-
-<file path=customXml/item262.xml><?xml version="1.0" encoding="utf-8"?>
-<Control xmlns="http://schemas.microsoft.com/VisualStudio/2011/storyboarding/control">
-  <Id Name="System.Storyboarding.Common.Text" Revision="1" Stencil="System.Storyboarding.Common" StencilVersion="0.1"/>
-</Control>
-</file>
-
-<file path=customXml/item263.xml><?xml version="1.0" encoding="utf-8"?>
-<Control xmlns="http://schemas.microsoft.com/VisualStudio/2011/storyboarding/control">
-  <Id Name="System.Storyboarding.Common.MouseClick" Revision="1" Stencil="System.Storyboarding.Common" StencilVersion="0.1"/>
-</Control>
-</file>
-
-<file path=customXml/item264.xml><?xml version="1.0" encoding="utf-8"?>
-<Control xmlns="http://schemas.microsoft.com/VisualStudio/2011/storyboarding/control">
-  <Id Name="System.Storyboarding.Common.Button" Revision="1" Stencil="System.Storyboarding.Common" StencilVersion="0.1"/>
-</Control>
-</file>
-
-<file path=customXml/item265.xml><?xml version="1.0" encoding="utf-8"?>
-<Control xmlns="http://schemas.microsoft.com/VisualStudio/2011/storyboarding/control">
-  <Id Name="366cd925-969f-44e1-b789-354cb31b0dfd" RevisionId="87c5073a-f3d6-4c7e-a7b7-c9586eacad3b" Stencil="172d6d98-e5c9-42e9-a209-79f7a94bbd38" StencilRevisionId="00000000-0000-0000-0000-000000000000" StencilVersion="0.0"/>
-</Control>
-</file>
-
-<file path=customXml/item266.xml><?xml version="1.0" encoding="utf-8"?>
-<Control xmlns="http://schemas.microsoft.com/VisualStudio/2011/storyboarding/control">
-  <Id Name="System.Storyboarding.WindowsPhoneIcons.Save" Revision="1" Stencil="System.Storyboarding.WindowsPhoneIcons" StencilVersion="0.1"/>
-</Control>
-</file>
-
-<file path=customXml/item267.xml><?xml version="1.0" encoding="utf-8"?>
-<Control xmlns="http://schemas.microsoft.com/VisualStudio/2011/storyboarding/control">
-  <Id Name="System.Storyboarding.WindowsPhoneIcons.BaseCircle" Revision="1" Stencil="System.Storyboarding.WindowsPhoneIcons" StencilVersion="0.1"/>
-</Control>
-</file>
-
-<file path=customXml/item268.xml><?xml version="1.0" encoding="utf-8"?>
-<Control xmlns="http://schemas.microsoft.com/VisualStudio/2011/storyboarding/control">
-  <Id Name="System.Storyboarding.Common.Button" Revision="1" Stencil="System.Storyboarding.Common" StencilVersion="0.1"/>
-</Control>
-</file>
-
-<file path=customXml/item269.xml><?xml version="1.0" encoding="utf-8"?>
-<Control xmlns="http://schemas.microsoft.com/VisualStudio/2011/storyboarding/control">
-  <Id Name="b5742593-4330-4997-98c6-02e7437a7975" Revision="1" Stencil="System.MyShapes" StencilVersion="1.0"/>
-</Control>
-</file>
-
-<file path=customXml/item27.xml><?xml version="1.0" encoding="utf-8"?>
-<Control xmlns="http://schemas.microsoft.com/VisualStudio/2011/storyboarding/control">
-  <Id Name="9d9c56e0-6ca3-4298-b757-9c73dab947ac" RevisionId="993ea365-49c2-46dc-bf14-e971e460de1e" Stencil="172d6d98-e5c9-42e9-a209-79f7a94bbd38" StencilRevisionId="00000000-0000-0000-0000-000000000000" StencilVersion="0.0"/>
-</Control>
-</file>
-
-<file path=customXml/item270.xml><?xml version="1.0" encoding="utf-8"?>
-<Control xmlns="http://schemas.microsoft.com/VisualStudio/2011/storyboarding/control">
-  <Id Name="366cd925-969f-44e1-b789-354cb31b0dfd" RevisionId="87c5073a-f3d6-4c7e-a7b7-c9586eacad3b" Stencil="172d6d98-e5c9-42e9-a209-79f7a94bbd38" StencilRevisionId="00000000-0000-0000-0000-000000000000" StencilVersion="0.0"/>
-</Control>
-</file>
-
-<file path=customXml/item271.xml><?xml version="1.0" encoding="utf-8"?>
-<Control xmlns="http://schemas.microsoft.com/VisualStudio/2011/storyboarding/control">
-  <Id Name="System.Storyboarding.Common.DropdownBox" Revision="1" Stencil="System.Storyboarding.Common" StencilVersion="0.1"/>
-</Control>
-</file>
-
-<file path=customXml/item272.xml><?xml version="1.0" encoding="utf-8"?>
-<Control xmlns="http://schemas.microsoft.com/VisualStudio/2011/storyboarding/control">
-  <Id Name="System.Storyboarding.Common.Text" Revision="1" Stencil="System.Storyboarding.Common" StencilVersion="0.1"/>
-</Control>
-</file>
-
-<file path=customXml/item273.xml><?xml version="1.0" encoding="utf-8"?>
-<Control xmlns="http://schemas.microsoft.com/VisualStudio/2011/storyboarding/control/v1.0">
-  <Id Name="System.Storyboard.Stencil.Title" RevisionId="00000000-0000-0000-0000-000000000000" Stencil="System.Common" StencilRevisionId="00000000-0000-0000-0000-000000000000" StencilVersion="1.0"/>
-</Control>
-</file>
-
-<file path=customXml/item274.xml><?xml version="1.0" encoding="utf-8"?>
-<Control xmlns="http://schemas.microsoft.com/VisualStudio/2011/storyboarding/control/v1.0">
-  <Id Name="System.Storyboard.Stencil.Title" RevisionId="00000000-0000-0000-0000-000000000000" Stencil="System.Common" StencilRevisionId="00000000-0000-0000-0000-000000000000" StencilVersion="1.0"/>
-</Control>
-</file>
-
-<file path=customXml/item275.xml><?xml version="1.0" encoding="utf-8"?>
-<Control xmlns="http://schemas.microsoft.com/VisualStudio/2011/storyboarding/control">
-  <Id Name="b5742593-4330-4997-98c6-02e7437a7975" Revision="1" Stencil="System.MyShapes" StencilVersion="1.0"/>
-</Control>
-</file>
-
-<file path=customXml/item276.xml><?xml version="1.0" encoding="utf-8"?>
-<Control xmlns="http://schemas.microsoft.com/VisualStudio/2011/storyboarding/control">
-  <Id Name="System.Storyboarding.WindowsPhoneIcons.BaseCircle" Revision="1" Stencil="System.Storyboarding.WindowsPhoneIcons" StencilVersion="0.1"/>
-</Control>
-</file>
-
-<file path=customXml/item277.xml><?xml version="1.0" encoding="utf-8"?>
-<Control xmlns="http://schemas.microsoft.com/VisualStudio/2011/storyboarding/control">
-  <Id Name="System.Storyboarding.Common.DropdownBox" Revision="1" Stencil="System.Storyboarding.Common" StencilVersion="0.1"/>
-</Control>
-</file>
-
-<file path=customXml/item278.xml><?xml version="1.0" encoding="utf-8"?>
-<Control xmlns="http://schemas.microsoft.com/VisualStudio/2011/storyboarding/control">
-  <Id Name="System.Storyboarding.Common.DropdownBox" Revision="1" Stencil="System.Storyboarding.Common" StencilVersion="0.1"/>
-</Control>
-</file>
-
-<file path=customXml/item279.xml><?xml version="1.0" encoding="utf-8"?>
-<Control xmlns="http://schemas.microsoft.com/VisualStudio/2011/storyboarding/control/v1.0">
-  <Id Name="System.Storyboard.Stencil.PhoneTile" RevisionId="00000000-0000-0000-0000-000000000000" Stencil="System.Windows_Phone_7" StencilRevisionId="00000000-0000-0000-0000-000000000000" StencilVersion="1.0"/>
-</Control>
-</file>
-
-<file path=customXml/item28.xml><?xml version="1.0" encoding="utf-8"?>
-<Control xmlns="http://schemas.microsoft.com/VisualStudio/2011/storyboarding/control">
-  <Id Name="System.Storyboarding.WindowsPhoneIcons.Save" Revision="1" Stencil="System.Storyboarding.WindowsPhoneIcons" StencilVersion="0.1"/>
-</Control>
-</file>
-
-<file path=customXml/item280.xml><?xml version="1.0" encoding="utf-8"?>
-<Control xmlns="http://schemas.microsoft.com/VisualStudio/2011/storyboarding/control">
-  <Id Name="System.Storyboarding.Common.TextInput" Revision="1" Stencil="System.Storyboarding.Common" StencilVersion="0.1"/>
-</Control>
-</file>
-
-<file path=customXml/item281.xml><?xml version="1.0" encoding="utf-8"?>
-<Control xmlns="http://schemas.microsoft.com/VisualStudio/2011/storyboarding/control">
-  <Id Name="System.Storyboarding.Common.Text" Revision="1" Stencil="System.Storyboarding.Common" StencilVersion="0.1"/>
-</Control>
-</file>
-
-<file path=customXml/item282.xml><?xml version="1.0" encoding="utf-8"?>
-<p:properties xmlns:p="http://schemas.microsoft.com/office/2006/metadata/properties" xmlns:xsi="http://www.w3.org/2001/XMLSchema-instance" xmlns:pc="http://schemas.microsoft.com/office/infopath/2007/PartnerControls">
-  <documentManagement>
-    <_dlc_DocId xmlns="b4ebf394-daf6-497a-96c5-a2f8c10b38cf">TT6HZDVJM2HV-178-540</_dlc_DocId>
-    <_dlc_DocIdUrl xmlns="b4ebf394-daf6-497a-96c5-a2f8c10b38cf">
-      <Url>http://vstsdfmoss/sites/VSTSDF/DevDiv/TFS/teams/rm/_layouts/DocIdRedir.aspx?ID=TT6HZDVJM2HV-178-540</Url>
-      <Description>TT6HZDVJM2HV-178-540</Description>
-    </_dlc_DocIdUrl>
-  </documentManagement>
-</p:properties>
-</file>
-
-<file path=customXml/item283.xml><?xml version="1.0" encoding="utf-8"?>
-<Control xmlns="http://schemas.microsoft.com/VisualStudio/2011/storyboarding/control">
-  <Id Name="System.Storyboarding.WindowsPhoneIcons.BaseCircle" Revision="1" Stencil="System.Storyboarding.WindowsPhoneIcons" StencilVersion="0.1"/>
-</Control>
-</file>
-
-<file path=customXml/item284.xml><?xml version="1.0" encoding="utf-8"?>
-<Control xmlns="http://schemas.microsoft.com/VisualStudio/2011/storyboarding/control/v1.0">
-  <Id Name="System.Storyboard.Stencil.PhoneTile" RevisionId="00000000-0000-0000-0000-000000000000" Stencil="System.Windows_Phone_7" StencilRevisionId="00000000-0000-0000-0000-000000000000" StencilVersion="1.0"/>
-</Control>
-</file>
-
-<file path=customXml/item285.xml><?xml version="1.0" encoding="utf-8"?>
-<Control xmlns="http://schemas.microsoft.com/VisualStudio/2011/storyboarding/control">
-  <Id Name="System.Storyboarding.Common.SearchBox" Revision="1" Stencil="System.Storyboarding.Common" StencilVersion="0.1"/>
-</Control>
-</file>
-
-<file path=customXml/item286.xml><?xml version="1.0" encoding="utf-8"?>
-<Control xmlns="http://schemas.microsoft.com/VisualStudio/2011/storyboarding/control">
-  <Id Name="600d61f4-2d09-42e6-a6db-83e260e051ae" RevisionId="3c9eb7e9-0ea7-4fb5-adc7-dcc81ff0fb36" Stencil="172d6d98-e5c9-42e9-a209-79f7a94bbd38" StencilRevisionId="00000000-0000-0000-0000-000000000000" StencilVersion="0.0"/>
-</Control>
-</file>
-
-<file path=customXml/item287.xml><?xml version="1.0" encoding="utf-8"?>
-<Control xmlns="http://schemas.microsoft.com/VisualStudio/2011/storyboarding/control">
-  <Id Name="System.Storyboarding.Common.Text" Revision="1" Stencil="System.Storyboarding.Common" StencilVersion="0.1"/>
-</Control>
-</file>
-
-<file path=customXml/item288.xml><?xml version="1.0" encoding="utf-8"?>
-<Control xmlns="http://schemas.microsoft.com/VisualStudio/2011/storyboarding/control">
-  <Id Name="366cd925-969f-44e1-b789-354cb31b0dfd" RevisionId="87c5073a-f3d6-4c7e-a7b7-c9586eacad3b" Stencil="172d6d98-e5c9-42e9-a209-79f7a94bbd38" StencilRevisionId="00000000-0000-0000-0000-000000000000" StencilVersion="0.0"/>
-</Control>
-</file>
-
-<file path=customXml/item289.xml><?xml version="1.0" encoding="utf-8"?>
-<Control xmlns="http://schemas.microsoft.com/VisualStudio/2011/storyboarding/control">
-  <Id Name="System.Storyboarding.Common.DropdownBox" Revision="1" Stencil="System.Storyboarding.Common" StencilVersion="0.1"/>
-</Control>
-</file>
-
-<file path=customXml/item29.xml><?xml version="1.0" encoding="utf-8"?>
-<Control xmlns="http://schemas.microsoft.com/VisualStudio/2011/storyboarding/control/v1.0">
-  <Id Name="System.Storyboard.Stencil.LineChart" RevisionId="00000000-0000-0000-0000-000000000000" Stencil="System.Media" StencilRevisionId="00000000-0000-0000-0000-000000000000" StencilVersion="1.0"/>
-</Control>
-</file>
-
-<file path=customXml/item290.xml><?xml version="1.0" encoding="utf-8"?>
-<Control xmlns="http://schemas.microsoft.com/VisualStudio/2011/storyboarding/control">
-  <Id Name="System.Storyboarding.Common.TextInput" Revision="1" Stencil="System.Storyboarding.Common" StencilVersion="0.1"/>
-</Control>
-</file>
-
-<file path=customXml/item291.xml><?xml version="1.0" encoding="utf-8"?>
-<Control xmlns="http://schemas.microsoft.com/VisualStudio/2011/storyboarding/control">
-  <Id Name="System.Storyboarding.Common.SearchBox" Revision="1" Stencil="System.Storyboarding.Common" StencilVersion="0.1"/>
-</Control>
-</file>
-
-<file path=customXml/item292.xml><?xml version="1.0" encoding="utf-8"?>
-<Control xmlns="http://schemas.microsoft.com/VisualStudio/2011/storyboarding/control">
-  <Id Name="System.Storyboarding.Common.TextInput" Revision="1" Stencil="System.Storyboarding.Common" StencilVersion="0.1"/>
-</Control>
-</file>
-
-<file path=customXml/item293.xml><?xml version="1.0" encoding="utf-8"?>
-<Control xmlns="http://schemas.microsoft.com/VisualStudio/2011/storyboarding/control/v1.0">
-  <Id Name="System.Storyboarding.Icons.Help" RevisionId="05cd6d03-c0b2-488e-98a7-d68de69a2cfc" Stencil="System.Storyboarding.Icons" StencilRevisionId="05cd6d03-c0b2-488e-98a7-d68de69a2cfc" StencilVersion="0.1"/>
-</Control>
-</file>
-
-<file path=customXml/item294.xml><?xml version="1.0" encoding="utf-8"?>
-<Control xmlns="http://schemas.microsoft.com/VisualStudio/2011/storyboarding/control">
-  <Id Name="System.Storyboarding.Common.Text" Revision="1" Stencil="System.Storyboarding.Common" StencilVersion="0.1"/>
-</Control>
-</file>
-
-<file path=customXml/item295.xml><?xml version="1.0" encoding="utf-8"?>
-<Control xmlns="http://schemas.microsoft.com/VisualStudio/2011/storyboarding/control/v1.0">
-  <Id Name="System.Storyboard.Stencil.Hyperlink" RevisionId="00000000-0000-0000-0000-000000000000" Stencil="System.Common" StencilRevisionId="00000000-0000-0000-0000-000000000000" StencilVersion="1.0"/>
-</Control>
-</file>
-
-<file path=customXml/item296.xml><?xml version="1.0" encoding="utf-8"?>
-<Control xmlns="http://schemas.microsoft.com/VisualStudio/2011/storyboarding/control">
-  <Id Name="System.Storyboarding.Common.TextArea" Revision="1" Stencil="System.Storyboarding.Common" StencilVersion="0.1"/>
-</Control>
-</file>
-
-<file path=customXml/item297.xml><?xml version="1.0" encoding="utf-8"?>
-<Control xmlns="http://schemas.microsoft.com/VisualStudio/2011/storyboarding/control">
-  <Id Name="System.Storyboarding.Common.MouseClick" Revision="1" Stencil="System.Storyboarding.Common" StencilVersion="0.1"/>
-</Control>
-</file>
-
-<file path=customXml/item298.xml><?xml version="1.0" encoding="utf-8"?>
-<Control xmlns="http://schemas.microsoft.com/VisualStudio/2011/storyboarding/control/v1.0">
-  <Id Name="System.Storyboarding.Common.SearchBox" RevisionId="68ea164d-c1de-47a5-804f-d4d1290fa524" Stencil="System.Storyboarding.Common" StencilRevisionId="68ea164d-c1de-47a5-804f-d4d1290fa524" StencilVersion="0.1"/>
-</Control>
-</file>
-
-<file path=customXml/item299.xml><?xml version="1.0" encoding="utf-8"?>
-<Control xmlns="http://schemas.microsoft.com/VisualStudio/2011/storyboarding/control/v1.0">
-  <Id Name="System.Storyboard.Stencil.PieChart" RevisionId="00000000-0000-0000-0000-000000000000" Stencil="System.Media" StencilRevisionId="00000000-0000-0000-0000-000000000000" StencilVersion="1.0"/>
-</Control>
-</file>
-
-<file path=customXml/item3.xml><?xml version="1.0" encoding="utf-8"?>
-<Control xmlns="http://schemas.microsoft.com/VisualStudio/2011/storyboarding/control">
-  <Id Name="System.Storyboarding.Common.Button" Revision="1" Stencil="System.Storyboarding.Common" StencilVersion="0.1"/>
-</Control>
-</file>
-
-<file path=customXml/item30.xml><?xml version="1.0" encoding="utf-8"?>
 <ct:contentTypeSchema xmlns:ct="http://schemas.microsoft.com/office/2006/metadata/contentType" xmlns:ma="http://schemas.microsoft.com/office/2006/metadata/properties/metaAttributes" ct:_="" ma:_="" ma:contentTypeName="Document" ma:contentTypeID="0x01010022C9F813607D1D469674AAA3D24DC85B" ma:contentTypeVersion="0" ma:contentTypeDescription="Create a new document." ma:contentTypeScope="" ma:versionID="2370c695874a1292907530ead749c2be">
   <xsd:schema xmlns:xsd="http://www.w3.org/2001/XMLSchema" xmlns:xs="http://www.w3.org/2001/XMLSchema" xmlns:p="http://schemas.microsoft.com/office/2006/metadata/properties" xmlns:ns2="b4ebf394-daf6-497a-96c5-a2f8c10b38cf" targetNamespace="http://schemas.microsoft.com/office/2006/metadata/properties" ma:root="true" ma:fieldsID="9b19f9f2e3a2b2958cd8578711e95110" ns2:_="">
     <xsd:import namespace="b4ebf394-daf6-497a-96c5-a2f8c10b38cf"/>
@@ -47568,147 +46989,723 @@
 </ct:contentTypeSchema>
 </file>
 
-<file path=customXml/item300.xml><?xml version="1.0" encoding="utf-8"?>
+<file path=customXml/item214.xml><?xml version="1.0" encoding="utf-8"?>
+<Control xmlns="http://schemas.microsoft.com/VisualStudio/2011/storyboarding/control/v1.0">
+  <Id Name="System.Storyboard.Stencil.ColorPicker" RevisionId="00000000-0000-0000-0000-000000000000" Stencil="System.Media" StencilRevisionId="00000000-0000-0000-0000-000000000000" StencilVersion="1.0"/>
+</Control>
+</file>
+
+<file path=customXml/item215.xml><?xml version="1.0" encoding="utf-8"?>
+<Control xmlns="http://schemas.microsoft.com/VisualStudio/2011/storyboarding/control">
+  <Id Name="System.Storyboarding.Common.Text" Revision="1" Stencil="System.Storyboarding.Common" StencilVersion="0.1"/>
+</Control>
+</file>
+
+<file path=customXml/item216.xml><?xml version="1.0" encoding="utf-8"?>
+<Control xmlns="http://schemas.microsoft.com/VisualStudio/2011/storyboarding/control/v1.0">
+  <Id Name="System.Storyboard.Stencil.VerticalBarChart" RevisionId="00000000-0000-0000-0000-000000000000" Stencil="System.Media" StencilRevisionId="00000000-0000-0000-0000-000000000000" StencilVersion="1.0"/>
+</Control>
+</file>
+
+<file path=customXml/item217.xml><?xml version="1.0" encoding="utf-8"?>
+<Control xmlns="http://schemas.microsoft.com/VisualStudio/2011/storyboarding/control">
+  <Id Name="System.Storyboarding.Common.DropdownBox" Revision="1" Stencil="System.Storyboarding.Common" StencilVersion="0.1"/>
+</Control>
+</file>
+
+<file path=customXml/item218.xml><?xml version="1.0" encoding="utf-8"?>
+<Control xmlns="http://schemas.microsoft.com/VisualStudio/2011/storyboarding/control">
+  <Id Name="366cd925-969f-44e1-b789-354cb31b0dfd" RevisionId="87c5073a-f3d6-4c7e-a7b7-c9586eacad3b" Stencil="172d6d98-e5c9-42e9-a209-79f7a94bbd38" StencilRevisionId="00000000-0000-0000-0000-000000000000" StencilVersion="0.0"/>
+</Control>
+</file>
+
+<file path=customXml/item219.xml><?xml version="1.0" encoding="utf-8"?>
+<Control xmlns="http://schemas.microsoft.com/VisualStudio/2011/storyboarding/control">
+  <Id Name="System.Storyboarding.Backgrounds.RibbonApplication" RevisionId="bdb52a43-f875-417f-a3f8-9b0259dd3051" Stencil="System.Storyboarding.Backgrounds" StencilRevisionId="bdb52a43-f875-417f-a3f8-9b0259dd3051" StencilVersion="0.1"/>
+</Control>
+</file>
+
+<file path=customXml/item22.xml><?xml version="1.0" encoding="utf-8"?>
+<Control xmlns="http://schemas.microsoft.com/VisualStudio/2011/storyboarding/control">
+  <Id Name="System.Storyboarding.Common.TextArea" Revision="1" Stencil="System.Storyboarding.Common" StencilVersion="0.1"/>
+</Control>
+</file>
+
+<file path=customXml/item220.xml><?xml version="1.0" encoding="utf-8"?>
+<Control xmlns="http://schemas.microsoft.com/VisualStudio/2011/storyboarding/control">
+  <Id Name="366cd925-969f-44e1-b789-354cb31b0dfd" RevisionId="87c5073a-f3d6-4c7e-a7b7-c9586eacad3b" Stencil="172d6d98-e5c9-42e9-a209-79f7a94bbd38" StencilRevisionId="00000000-0000-0000-0000-000000000000" StencilVersion="0.0"/>
+</Control>
+</file>
+
+<file path=customXml/item221.xml><?xml version="1.0" encoding="utf-8"?>
+<Control xmlns="http://schemas.microsoft.com/VisualStudio/2011/storyboarding/control">
+  <Id Name="System.Storyboarding.Common.Text" Revision="1" Stencil="System.Storyboarding.Common" StencilVersion="0.1"/>
+</Control>
+</file>
+
+<file path=customXml/item222.xml><?xml version="1.0" encoding="utf-8"?>
+<Control xmlns="http://schemas.microsoft.com/VisualStudio/2011/storyboarding/control/v1.0">
+  <Id Name="System.Storyboard.Stencil.PlayControls" RevisionId="00000000-0000-0000-0000-000000000000" Stencil="System.Media" StencilRevisionId="00000000-0000-0000-0000-000000000000" StencilVersion="1.0"/>
+</Control>
+</file>
+
+<file path=customXml/item223.xml><?xml version="1.0" encoding="utf-8"?>
+<Control xmlns="http://schemas.microsoft.com/VisualStudio/2011/storyboarding/control">
+  <Id Name="System.Storyboarding.Common.Button" Revision="1" Stencil="System.Storyboarding.Common" StencilVersion="0.1"/>
+</Control>
+</file>
+
+<file path=customXml/item224.xml><?xml version="1.0" encoding="utf-8"?>
+<Control xmlns="http://schemas.microsoft.com/VisualStudio/2011/storyboarding/control">
+  <Id Name="System.Storyboarding.Common.DataGrid" Revision="1" Stencil="System.Storyboarding.Common" StencilVersion="0.1"/>
+</Control>
+</file>
+
+<file path=customXml/item225.xml><?xml version="1.0" encoding="utf-8"?>
+<Control xmlns="http://schemas.microsoft.com/VisualStudio/2011/storyboarding/control">
+  <Id Name="System.Storyboarding.Common.SearchBox" Revision="1" Stencil="System.Storyboarding.Common" StencilVersion="0.1"/>
+</Control>
+</file>
+
+<file path=customXml/item226.xml><?xml version="1.0" encoding="utf-8"?>
+<Control xmlns="http://schemas.microsoft.com/VisualStudio/2011/storyboarding/control">
+  <Id Name="9d9c56e0-6ca3-4298-b757-9c73dab947ac" RevisionId="993ea365-49c2-46dc-bf14-e971e460de1e" Stencil="172d6d98-e5c9-42e9-a209-79f7a94bbd38" StencilRevisionId="00000000-0000-0000-0000-000000000000" StencilVersion="0.0"/>
+</Control>
+</file>
+
+<file path=customXml/item227.xml><?xml version="1.0" encoding="utf-8"?>
+<Control xmlns="http://schemas.microsoft.com/VisualStudio/2011/storyboarding/control">
+  <Id Name="System.Storyboarding.Common.DropdownBox" Revision="1" Stencil="System.Storyboarding.Common" StencilVersion="0.1"/>
+</Control>
+</file>
+
+<file path=customXml/item228.xml><?xml version="1.0" encoding="utf-8"?>
+<Control xmlns="http://schemas.microsoft.com/VisualStudio/2011/storyboarding/control/v1.0">
+  <Id Name="System.Storyboarding.Common.SearchBox" RevisionId="68ea164d-c1de-47a5-804f-d4d1290fa524" Stencil="System.Storyboarding.Common" StencilRevisionId="68ea164d-c1de-47a5-804f-d4d1290fa524" StencilVersion="0.1"/>
+</Control>
+</file>
+
+<file path=customXml/item229.xml><?xml version="1.0" encoding="utf-8"?>
+<Control xmlns="http://schemas.microsoft.com/VisualStudio/2011/storyboarding/control">
+  <Id Name="System.Storyboarding.Common.SearchBox" Revision="1" Stencil="System.Storyboarding.Common" StencilVersion="0.1"/>
+</Control>
+</file>
+
+<file path=customXml/item23.xml><?xml version="1.0" encoding="utf-8"?>
+<Control xmlns="http://schemas.microsoft.com/VisualStudio/2011/storyboarding/control/v1.0">
+  <Id Name="System.Storyboard.Stencil.Browser" RevisionId="bdb52a43-f875-417f-a3f8-9b0259dd3051" Stencil="System.Backgrounds" StencilRevisionId="bdb52a43-f875-417f-a3f8-9b0259dd3051" StencilVersion="1.0"/>
+</Control>
+</file>
+
+<file path=customXml/item230.xml><?xml version="1.0" encoding="utf-8"?>
+<Control xmlns="http://schemas.microsoft.com/VisualStudio/2011/storyboarding/control/v1.0">
+  <Id Name="System.Storyboard.Stencil.TabGroup" RevisionId="00000000-0000-0000-0000-000000000000" Stencil="System.Common" StencilRevisionId="00000000-0000-0000-0000-000000000000" StencilVersion="1.0"/>
+</Control>
+</file>
+
+<file path=customXml/item231.xml><?xml version="1.0" encoding="utf-8"?>
+<Control xmlns="http://schemas.microsoft.com/VisualStudio/2011/storyboarding/control">
+  <Id Name="System.Storyboarding.Common.Button" Revision="1" Stencil="System.Storyboarding.Common" StencilVersion="0.1"/>
+</Control>
+</file>
+
+<file path=customXml/item232.xml><?xml version="1.0" encoding="utf-8"?>
+<Control xmlns="http://schemas.microsoft.com/VisualStudio/2011/storyboarding/control">
+  <Id Name="System.Storyboarding.WindowsPhoneIcons.BaseCircle" Revision="1" Stencil="System.Storyboarding.WindowsPhoneIcons" StencilVersion="0.1"/>
+</Control>
+</file>
+
+<file path=customXml/item233.xml><?xml version="1.0" encoding="utf-8"?>
+<Control xmlns="http://schemas.microsoft.com/VisualStudio/2011/storyboarding/control">
+  <Id Name="System.Storyboarding.Common.SearchBox" Revision="1" Stencil="System.Storyboarding.Common" StencilVersion="0.1"/>
+</Control>
+</file>
+
+<file path=customXml/item234.xml><?xml version="1.0" encoding="utf-8"?>
+<Control xmlns="http://schemas.microsoft.com/VisualStudio/2011/storyboarding/control">
+  <Id Name="System.Storyboarding.Common.DropdownBox" Revision="1" Stencil="System.Storyboarding.Common" StencilVersion="0.1"/>
+</Control>
+</file>
+
+<file path=customXml/item235.xml><?xml version="1.0" encoding="utf-8"?>
+<Control xmlns="http://schemas.microsoft.com/VisualStudio/2011/storyboarding/control">
+  <Id Name="366cd925-969f-44e1-b789-354cb31b0dfd" RevisionId="87c5073a-f3d6-4c7e-a7b7-c9586eacad3b" Stencil="172d6d98-e5c9-42e9-a209-79f7a94bbd38" StencilRevisionId="00000000-0000-0000-0000-000000000000" StencilVersion="0.0"/>
+</Control>
+</file>
+
+<file path=customXml/item236.xml><?xml version="1.0" encoding="utf-8"?>
+<Control xmlns="http://schemas.microsoft.com/VisualStudio/2011/storyboarding/control">
+  <Id Name="System.Storyboarding.Common.SearchBox" Revision="1" Stencil="System.Storyboarding.Common" StencilVersion="0.1"/>
+</Control>
+</file>
+
+<file path=customXml/item237.xml><?xml version="1.0" encoding="utf-8"?>
+<Control xmlns="http://schemas.microsoft.com/VisualStudio/2011/storyboarding/control/v1.0">
+  <Id Name="System.Storyboard.Stencil.TextArea" RevisionId="00000000-0000-0000-0000-000000000000" Stencil="System.Common" StencilRevisionId="00000000-0000-0000-0000-000000000000" StencilVersion="1.0"/>
+</Control>
+</file>
+
+<file path=customXml/item238.xml><?xml version="1.0" encoding="utf-8"?>
+<Control xmlns="http://schemas.microsoft.com/VisualStudio/2011/storyboarding/control">
+  <Id Name="System.Storyboarding.Common.Text" Revision="1" Stencil="System.Storyboarding.Common" StencilVersion="0.1"/>
+</Control>
+</file>
+
+<file path=customXml/item239.xml><?xml version="1.0" encoding="utf-8"?>
+<Control xmlns="http://schemas.microsoft.com/VisualStudio/2011/storyboarding/control">
+  <Id Name="System.Storyboarding.WindowsPhoneIcons.BaseCircle" Revision="1" Stencil="System.Storyboarding.WindowsPhoneIcons" StencilVersion="0.1"/>
+</Control>
+</file>
+
+<file path=customXml/item24.xml><?xml version="1.0" encoding="utf-8"?>
+<Control xmlns="http://schemas.microsoft.com/VisualStudio/2011/storyboarding/control">
+  <Id Name="366cd925-969f-44e1-b789-354cb31b0dfd" RevisionId="87c5073a-f3d6-4c7e-a7b7-c9586eacad3b" Stencil="172d6d98-e5c9-42e9-a209-79f7a94bbd38" StencilRevisionId="00000000-0000-0000-0000-000000000000" StencilVersion="0.0"/>
+</Control>
+</file>
+
+<file path=customXml/item240.xml><?xml version="1.0" encoding="utf-8"?>
+<Control xmlns="http://schemas.microsoft.com/VisualStudio/2011/storyboarding/control/v1.0">
+  <Id Name="System.Storyboard.Stencil.HorizontalScrollbar" RevisionId="00000000-0000-0000-0000-000000000000" Stencil="System.Common" StencilRevisionId="00000000-0000-0000-0000-000000000000" StencilVersion="1.0"/>
+</Control>
+</file>
+
+<file path=customXml/item241.xml><?xml version="1.0" encoding="utf-8"?>
+<Control xmlns="http://schemas.microsoft.com/VisualStudio/2011/storyboarding/control">
+  <Id Name="System.Storyboarding.Common.Text" Revision="1" Stencil="System.Storyboarding.Common" StencilVersion="0.1"/>
+</Control>
+</file>
+
+<file path=customXml/item242.xml><?xml version="1.0" encoding="utf-8"?>
+<Control xmlns="http://schemas.microsoft.com/VisualStudio/2011/storyboarding/control">
+  <Id Name="System.Storyboarding.WindowsPhoneIcons.BaseCircle" Revision="1" Stencil="System.Storyboarding.WindowsPhoneIcons" StencilVersion="0.1"/>
+</Control>
+</file>
+
+<file path=customXml/item243.xml><?xml version="1.0" encoding="utf-8"?>
+<Control xmlns="http://schemas.microsoft.com/VisualStudio/2011/storyboarding/control">
+  <Id Name="366cd925-969f-44e1-b789-354cb31b0dfd" RevisionId="87c5073a-f3d6-4c7e-a7b7-c9586eacad3b" Stencil="172d6d98-e5c9-42e9-a209-79f7a94bbd38" StencilRevisionId="00000000-0000-0000-0000-000000000000" StencilVersion="0.0"/>
+</Control>
+</file>
+
+<file path=customXml/item244.xml><?xml version="1.0" encoding="utf-8"?>
+<Control xmlns="http://schemas.microsoft.com/VisualStudio/2011/storyboarding/control/v1.0">
+  <Id Name="System.Storyboard.Stencil.FourItemList" RevisionId="00000000-0000-0000-0000-000000000000" Stencil="System.Common" StencilRevisionId="00000000-0000-0000-0000-000000000000" StencilVersion="1.0"/>
+</Control>
+</file>
+
+<file path=customXml/item245.xml><?xml version="1.0" encoding="utf-8"?>
+<Control xmlns="http://schemas.microsoft.com/VisualStudio/2011/storyboarding/control">
+  <Id Name="System.Storyboarding.Common.SearchBox" Revision="1" Stencil="System.Storyboarding.Common" StencilVersion="0.1"/>
+</Control>
+</file>
+
+<file path=customXml/item246.xml><?xml version="1.0" encoding="utf-8"?>
+<Control xmlns="http://schemas.microsoft.com/VisualStudio/2011/storyboarding/control">
+  <Id Name="System.Storyboarding.WindowsPhoneIcons.Save" Revision="1" Stencil="System.Storyboarding.WindowsPhoneIcons" StencilVersion="0.1"/>
+</Control>
+</file>
+
+<file path=customXml/item247.xml><?xml version="1.0" encoding="utf-8"?>
+<Control xmlns="http://schemas.microsoft.com/VisualStudio/2011/storyboarding/control">
+  <Id Name="System.Storyboarding.Common.Text" Revision="1" Stencil="System.Storyboarding.Common" StencilVersion="0.1"/>
+</Control>
+</file>
+
+<file path=customXml/item248.xml><?xml version="1.0" encoding="utf-8"?>
+<Control xmlns="http://schemas.microsoft.com/VisualStudio/2011/storyboarding/control">
+  <Id Name="System.Storyboarding.Common.DropdownBox" Revision="1" Stencil="System.Storyboarding.Common" StencilVersion="0.1"/>
+</Control>
+</file>
+
+<file path=customXml/item249.xml><?xml version="1.0" encoding="utf-8"?>
+<Control xmlns="http://schemas.microsoft.com/VisualStudio/2011/storyboarding/control/v1.0">
+  <Id Name="System.Storyboard.Stencil.Breadcrumb" RevisionId="00000000-0000-0000-0000-000000000000" Stencil="System.Common" StencilRevisionId="00000000-0000-0000-0000-000000000000" StencilVersion="1.0"/>
+</Control>
+</file>
+
+<file path=customXml/item25.xml><?xml version="1.0" encoding="utf-8"?>
+<Control xmlns="http://schemas.microsoft.com/VisualStudio/2011/storyboarding/control">
+  <Id Name="System.Storyboarding.Common.Button" Revision="1" Stencil="System.Storyboarding.Common" StencilVersion="0.1"/>
+</Control>
+</file>
+
+<file path=customXml/item250.xml><?xml version="1.0" encoding="utf-8"?>
+<Control xmlns="http://schemas.microsoft.com/VisualStudio/2011/storyboarding/control">
+  <Id Name="System.Storyboarding.Common.TextInput" Revision="1" Stencil="System.Storyboarding.Common" StencilVersion="0.1"/>
+</Control>
+</file>
+
+<file path=customXml/item251.xml><?xml version="1.0" encoding="utf-8"?>
+<Control xmlns="http://schemas.microsoft.com/VisualStudio/2011/storyboarding/control">
+  <Id Name="System.Storyboarding.Common.TextArea" Revision="1" Stencil="System.Storyboarding.Common" StencilVersion="0.1"/>
+</Control>
+</file>
+
+<file path=customXml/item252.xml><?xml version="1.0" encoding="utf-8"?>
+<Control xmlns="http://schemas.microsoft.com/VisualStudio/2011/storyboarding/control">
+  <Id Name="System.Storyboarding.Common.SearchBox" Revision="1" Stencil="System.Storyboarding.Common" StencilVersion="0.1"/>
+</Control>
+</file>
+
+<file path=customXml/item253.xml><?xml version="1.0" encoding="utf-8"?>
+<Control xmlns="http://schemas.microsoft.com/VisualStudio/2011/storyboarding/control">
+  <Id Name="System.Storyboarding.Common.SearchBox" Revision="1" Stencil="System.Storyboarding.Common" StencilVersion="0.1"/>
+</Control>
+</file>
+
+<file path=customXml/item254.xml><?xml version="1.0" encoding="utf-8"?>
+<Control xmlns="http://schemas.microsoft.com/VisualStudio/2011/storyboarding/control">
+  <Id Name="System.Storyboarding.Common.Text" Revision="1" Stencil="System.Storyboarding.Common" StencilVersion="0.1"/>
+</Control>
+</file>
+
+<file path=customXml/item255.xml><?xml version="1.0" encoding="utf-8"?>
+<Control xmlns="http://schemas.microsoft.com/VisualStudio/2011/storyboarding/control">
+  <Id Name="9d9c56e0-6ca3-4298-b757-9c73dab947ac" RevisionId="993ea365-49c2-46dc-bf14-e971e460de1e" Stencil="172d6d98-e5c9-42e9-a209-79f7a94bbd38" StencilRevisionId="00000000-0000-0000-0000-000000000000" StencilVersion="0.0"/>
+</Control>
+</file>
+
+<file path=customXml/item256.xml><?xml version="1.0" encoding="utf-8"?>
+<Control xmlns="http://schemas.microsoft.com/VisualStudio/2011/storyboarding/control/v1.0">
+  <Id Name="System.Storyboarding.Icons.FolderOpen" RevisionId="05cd6d03-c0b2-488e-98a7-d68de69a2cfc" Stencil="System.Storyboarding.Icons" StencilRevisionId="05cd6d03-c0b2-488e-98a7-d68de69a2cfc" StencilVersion="0.1"/>
+</Control>
+</file>
+
+<file path=customXml/item257.xml><?xml version="1.0" encoding="utf-8"?>
+<Control xmlns="http://schemas.microsoft.com/VisualStudio/2011/storyboarding/control">
+  <Id Name="System.Storyboarding.Common.DropdownBox" Revision="1" Stencil="System.Storyboarding.Common" StencilVersion="0.1"/>
+</Control>
+</file>
+
+<file path=customXml/item258.xml><?xml version="1.0" encoding="utf-8"?>
+<Control xmlns="http://schemas.microsoft.com/VisualStudio/2011/storyboarding/control">
+  <Id Name="System.Storyboarding.Common.SearchBox" Revision="1" Stencil="System.Storyboarding.Common" StencilVersion="0.1"/>
+</Control>
+</file>
+
+<file path=customXml/item259.xml><?xml version="1.0" encoding="utf-8"?>
+<Control xmlns="http://schemas.microsoft.com/VisualStudio/2011/storyboarding/control">
+  <Id Name="System.Storyboarding.Common.DropdownBox" Revision="1" Stencil="System.Storyboarding.Common" StencilVersion="0.1"/>
+</Control>
+</file>
+
+<file path=customXml/item26.xml><?xml version="1.0" encoding="utf-8"?>
+<Control xmlns="http://schemas.microsoft.com/VisualStudio/2011/storyboarding/control">
+  <Id Name="366cd925-969f-44e1-b789-354cb31b0dfd" RevisionId="87c5073a-f3d6-4c7e-a7b7-c9586eacad3b" Stencil="172d6d98-e5c9-42e9-a209-79f7a94bbd38" StencilRevisionId="00000000-0000-0000-0000-000000000000" StencilVersion="0.0"/>
+</Control>
+</file>
+
+<file path=customXml/item260.xml><?xml version="1.0" encoding="utf-8"?>
+<Control xmlns="http://schemas.microsoft.com/VisualStudio/2011/storyboarding/control">
+  <Id Name="System.Storyboarding.Common.DropdownBox" Revision="1" Stencil="System.Storyboarding.Common" StencilVersion="0.1"/>
+</Control>
+</file>
+
+<file path=customXml/item261.xml><?xml version="1.0" encoding="utf-8"?>
+<Control xmlns="http://schemas.microsoft.com/VisualStudio/2011/storyboarding/control">
+  <Id Name="System.Storyboarding.Common.DropdownBox" Revision="1" Stencil="System.Storyboarding.Common" StencilVersion="0.1"/>
+</Control>
+</file>
+
+<file path=customXml/item262.xml><?xml version="1.0" encoding="utf-8"?>
+<Control xmlns="http://schemas.microsoft.com/VisualStudio/2011/storyboarding/control">
+  <Id Name="System.Storyboarding.Common.CheckBoxUnchecked" Revision="1" Stencil="System.Storyboarding.Common" StencilVersion="0.1"/>
+</Control>
+</file>
+
+<file path=customXml/item263.xml><?xml version="1.0" encoding="utf-8"?>
+<Control xmlns="http://schemas.microsoft.com/VisualStudio/2011/storyboarding/control/v1.0">
+  <Id Name="System.Storyboard.Stencil.PhoneTile" RevisionId="00000000-0000-0000-0000-000000000000" Stencil="System.Windows_Phone_7" StencilRevisionId="00000000-0000-0000-0000-000000000000" StencilVersion="1.0"/>
+</Control>
+</file>
+
+<file path=customXml/item264.xml><?xml version="1.0" encoding="utf-8"?>
+<Control xmlns="http://schemas.microsoft.com/VisualStudio/2011/storyboarding/control">
+  <Id Name="System.Storyboarding.Common.Text" Revision="1" Stencil="System.Storyboarding.Common" StencilVersion="0.1"/>
+</Control>
+</file>
+
+<file path=customXml/item265.xml><?xml version="1.0" encoding="utf-8"?>
+<Control xmlns="http://schemas.microsoft.com/VisualStudio/2011/storyboarding/control">
+  <Id Name="System.Storyboarding.Common.SearchBox" Revision="1" Stencil="System.Storyboarding.Common" StencilVersion="0.1"/>
+</Control>
+</file>
+
+<file path=customXml/item266.xml><?xml version="1.0" encoding="utf-8"?>
+<Control xmlns="http://schemas.microsoft.com/VisualStudio/2011/storyboarding/control">
+  <Id Name="System.Storyboarding.WindowsPhoneIcons.BaseCircle" Revision="1" Stencil="System.Storyboarding.WindowsPhoneIcons" StencilVersion="0.1"/>
+</Control>
+</file>
+
+<file path=customXml/item267.xml><?xml version="1.0" encoding="utf-8"?>
+<Control xmlns="http://schemas.microsoft.com/VisualStudio/2011/storyboarding/control/v1.0">
+  <Id Name="System.Storyboard.Stencil.DropdownBox" RevisionId="00000000-0000-0000-0000-000000000000" Stencil="System.Common" StencilRevisionId="00000000-0000-0000-0000-000000000000" StencilVersion="1.0"/>
+</Control>
+</file>
+
+<file path=customXml/item268.xml><?xml version="1.0" encoding="utf-8"?>
+<Control xmlns="http://schemas.microsoft.com/VisualStudio/2011/storyboarding/control">
+  <Id Name="System.Storyboarding.Common.DropdownBox" Revision="1" Stencil="System.Storyboarding.Common" StencilVersion="0.1"/>
+</Control>
+</file>
+
+<file path=customXml/item269.xml><?xml version="1.0" encoding="utf-8"?>
+<Control xmlns="http://schemas.microsoft.com/VisualStudio/2011/storyboarding/control/v1.0">
+  <Id Name="System.Storyboard.Stencil.Calendar" RevisionId="00000000-0000-0000-0000-000000000000" Stencil="System.Common" StencilRevisionId="00000000-0000-0000-0000-000000000000" StencilVersion="1.0"/>
+</Control>
+</file>
+
+<file path=customXml/item27.xml><?xml version="1.0" encoding="utf-8"?>
+<Control xmlns="http://schemas.microsoft.com/VisualStudio/2011/storyboarding/control">
+  <Id Name="System.Storyboarding.Common.DropdownBox" Revision="1" Stencil="System.Storyboarding.Common" StencilVersion="0.1"/>
+</Control>
+</file>
+
+<file path=customXml/item270.xml><?xml version="1.0" encoding="utf-8"?>
+<Control xmlns="http://schemas.microsoft.com/VisualStudio/2011/storyboarding/control/v1.0">
+  <Id Name="System.Storyboard.Stencil.LineChart" RevisionId="00000000-0000-0000-0000-000000000000" Stencil="System.Media" StencilRevisionId="00000000-0000-0000-0000-000000000000" StencilVersion="1.0"/>
+</Control>
+</file>
+
+<file path=customXml/item271.xml><?xml version="1.0" encoding="utf-8"?>
+<Control xmlns="http://schemas.microsoft.com/VisualStudio/2011/storyboarding/control">
+  <Id Name="366cd925-969f-44e1-b789-354cb31b0dfd" RevisionId="87c5073a-f3d6-4c7e-a7b7-c9586eacad3b" Stencil="172d6d98-e5c9-42e9-a209-79f7a94bbd38" StencilRevisionId="00000000-0000-0000-0000-000000000000" StencilVersion="0.0"/>
+</Control>
+</file>
+
+<file path=customXml/item272.xml><?xml version="1.0" encoding="utf-8"?>
+<Control xmlns="http://schemas.microsoft.com/VisualStudio/2011/storyboarding/control">
+  <Id Name="9d9c56e0-6ca3-4298-b757-9c73dab947ac" RevisionId="993ea365-49c2-46dc-bf14-e971e460de1e" Stencil="172d6d98-e5c9-42e9-a209-79f7a94bbd38" StencilRevisionId="00000000-0000-0000-0000-000000000000" StencilVersion="0.0"/>
+</Control>
+</file>
+
+<file path=customXml/item273.xml><?xml version="1.0" encoding="utf-8"?>
+<Control xmlns="http://schemas.microsoft.com/VisualStudio/2011/storyboarding/control">
+  <Id Name="System.Storyboarding.WindowsPhoneIcons.Video" RevisionId="5814b1e0-0169-11e0-a976-0800200c9a66" Stencil="System.Storyboarding.WindowsPhoneIcons" StencilRevisionId="5814b1e0-0169-11e0-a976-0800200c9a66" StencilVersion="0.1"/>
+</Control>
+</file>
+
+<file path=customXml/item274.xml><?xml version="1.0" encoding="utf-8"?>
+<Control xmlns="http://schemas.microsoft.com/VisualStudio/2011/storyboarding/control">
+  <Id Name="System.Storyboarding.Common.DropdownBox" Revision="1" Stencil="System.Storyboarding.Common" StencilVersion="0.1"/>
+</Control>
+</file>
+
+<file path=customXml/item275.xml><?xml version="1.0" encoding="utf-8"?>
+<Control xmlns="http://schemas.microsoft.com/VisualStudio/2011/storyboarding/control">
+  <Id Name="System.Storyboarding.Common.MouseClick" Revision="1" Stencil="System.Storyboarding.Common" StencilVersion="0.1"/>
+</Control>
+</file>
+
+<file path=customXml/item276.xml><?xml version="1.0" encoding="utf-8"?>
+<Control xmlns="http://schemas.microsoft.com/VisualStudio/2011/storyboarding/control/v1.0">
+  <Id Name="System.Storyboard.Stencil.VideoPlayer" RevisionId="00000000-0000-0000-0000-000000000000" Stencil="System.Media" StencilRevisionId="00000000-0000-0000-0000-000000000000" StencilVersion="1.0"/>
+</Control>
+</file>
+
+<file path=customXml/item277.xml><?xml version="1.0" encoding="utf-8"?>
+<Control xmlns="http://schemas.microsoft.com/VisualStudio/2011/storyboarding/control">
+  <Id Name="System.Storyboarding.Common.DropdownBox" Revision="1" Stencil="System.Storyboarding.Common" StencilVersion="0.1"/>
+</Control>
+</file>
+
+<file path=customXml/item278.xml><?xml version="1.0" encoding="utf-8"?>
+<Control xmlns="http://schemas.microsoft.com/VisualStudio/2011/storyboarding/control">
+  <Id Name="System.Storyboarding.Common.SearchBox" Revision="1" Stencil="System.Storyboarding.Common" StencilVersion="0.1"/>
+</Control>
+</file>
+
+<file path=customXml/item279.xml><?xml version="1.0" encoding="utf-8"?>
+<Control xmlns="http://schemas.microsoft.com/VisualStudio/2011/storyboarding/control/v1.0">
+  <Id Name="System.Storyboarding.Common.Text" RevisionId="68ea164d-c1de-47a5-804f-d4d1290fa524" Stencil="System.Storyboarding.Common" StencilRevisionId="68ea164d-c1de-47a5-804f-d4d1290fa524" StencilVersion="0.1"/>
+</Control>
+</file>
+
+<file path=customXml/item28.xml><?xml version="1.0" encoding="utf-8"?>
+<Control xmlns="http://schemas.microsoft.com/VisualStudio/2011/storyboarding/control">
+  <Id Name="366cd925-969f-44e1-b789-354cb31b0dfd" RevisionId="87c5073a-f3d6-4c7e-a7b7-c9586eacad3b" Stencil="172d6d98-e5c9-42e9-a209-79f7a94bbd38" StencilRevisionId="00000000-0000-0000-0000-000000000000" StencilVersion="0.0"/>
+</Control>
+</file>
+
+<file path=customXml/item280.xml><?xml version="1.0" encoding="utf-8"?>
+<Control xmlns="http://schemas.microsoft.com/VisualStudio/2011/storyboarding/control/v1.0">
+  <Id Name="System.Storyboard.Stencil.Button" RevisionId="00000000-0000-0000-0000-000000000000" Stencil="System.Common" StencilRevisionId="00000000-0000-0000-0000-000000000000" StencilVersion="1.0"/>
+</Control>
+</file>
+
+<file path=customXml/item281.xml><?xml version="1.0" encoding="utf-8"?>
+<Control xmlns="http://schemas.microsoft.com/VisualStudio/2011/storyboarding/control">
+  <Id Name="System.Storyboarding.Common.SearchBox" Revision="1" Stencil="System.Storyboarding.Common" StencilVersion="0.1"/>
+</Control>
+</file>
+
+<file path=customXml/item282.xml><?xml version="1.0" encoding="utf-8"?>
+<Control xmlns="http://schemas.microsoft.com/VisualStudio/2011/storyboarding/control">
+  <Id Name="b5742593-4330-4997-98c6-02e7437a7975" Revision="1" Stencil="System.MyShapes" StencilVersion="1.0"/>
+</Control>
+</file>
+
+<file path=customXml/item283.xml><?xml version="1.0" encoding="utf-8"?>
+<Control xmlns="http://schemas.microsoft.com/VisualStudio/2011/storyboarding/control">
+  <Id Name="366cd925-969f-44e1-b789-354cb31b0dfd" RevisionId="87c5073a-f3d6-4c7e-a7b7-c9586eacad3b" Stencil="172d6d98-e5c9-42e9-a209-79f7a94bbd38" StencilRevisionId="00000000-0000-0000-0000-000000000000" StencilVersion="0.0"/>
+</Control>
+</file>
+
+<file path=customXml/item284.xml><?xml version="1.0" encoding="utf-8"?>
 <Control xmlns="http://schemas.microsoft.com/VisualStudio/2011/storyboarding/control">
   <Id Name="600d61f4-2d09-42e6-a6db-83e260e051ae" RevisionId="3c9eb7e9-0ea7-4fb5-adc7-dcc81ff0fb36" Stencil="172d6d98-e5c9-42e9-a209-79f7a94bbd38" StencilRevisionId="00000000-0000-0000-0000-000000000000" StencilVersion="0.0"/>
 </Control>
 </file>
 
-<file path=customXml/item301.xml><?xml version="1.0" encoding="utf-8"?>
+<file path=customXml/item285.xml><?xml version="1.0" encoding="utf-8"?>
 <Control xmlns="http://schemas.microsoft.com/VisualStudio/2011/storyboarding/control">
-  <Id Name="System.Storyboarding.Backgrounds.RibbonApplication" RevisionId="bdb52a43-f875-417f-a3f8-9b0259dd3051" Stencil="System.Storyboarding.Backgrounds" StencilRevisionId="bdb52a43-f875-417f-a3f8-9b0259dd3051" StencilVersion="0.1"/>
+  <Id Name="System.Storyboarding.Common.TextInput" Revision="1" Stencil="System.Storyboarding.Common" StencilVersion="0.1"/>
 </Control>
 </file>
 
-<file path=customXml/item302.xml><?xml version="1.0" encoding="utf-8"?>
-<Control xmlns="http://schemas.microsoft.com/VisualStudio/2011/storyboarding/control">
-  <Id Name="System.Storyboarding.WindowsPhoneIcons.BaseCircle" Revision="1" Stencil="System.Storyboarding.WindowsPhoneIcons" StencilVersion="0.1"/>
+<file path=customXml/item286.xml><?xml version="1.0" encoding="utf-8"?>
+<Control xmlns="http://schemas.microsoft.com/VisualStudio/2011/storyboarding/control/v1.0">
+  <Id Name="System.Storyboard.Stencil.PhoneApplicationBar" RevisionId="00000000-0000-0000-0000-000000000000" Stencil="System.Windows_Phone_7" StencilRevisionId="00000000-0000-0000-0000-000000000000" StencilVersion="1.0"/>
 </Control>
 </file>
 
-<file path=customXml/item303.xml><?xml version="1.0" encoding="utf-8"?>
+<file path=customXml/item287.xml><?xml version="1.0" encoding="utf-8"?>
 <Control xmlns="http://schemas.microsoft.com/VisualStudio/2011/storyboarding/control">
   <Id Name="System.Storyboarding.Common.DropdownBox" Revision="1" Stencil="System.Storyboarding.Common" StencilVersion="0.1"/>
 </Control>
 </file>
 
-<file path=customXml/item304.xml><?xml version="1.0" encoding="utf-8"?>
+<file path=customXml/item288.xml><?xml version="1.0" encoding="utf-8"?>
+<Control xmlns="http://schemas.microsoft.com/VisualStudio/2011/storyboarding/control/v1.0">
+  <Id Name="System.Storyboard.Stencil.VerticalSplitter" RevisionId="00000000-0000-0000-0000-000000000000" Stencil="System.Windows" StencilRevisionId="00000000-0000-0000-0000-000000000000" StencilVersion="1.0"/>
+</Control>
+</file>
+
+<file path=customXml/item289.xml><?xml version="1.0" encoding="utf-8"?>
 <Control xmlns="http://schemas.microsoft.com/VisualStudio/2011/storyboarding/control">
-  <Id Name="b5742593-4330-4997-98c6-02e7437a7975" Revision="1" Stencil="System.MyShapes" StencilVersion="1.0"/>
+  <Id Name="System.Storyboarding.Backgrounds.SharePoint" RevisionId="bdb52a43-f875-417f-a3f8-9b0259dd3051" Stencil="System.Storyboarding.Backgrounds" StencilRevisionId="bdb52a43-f875-417f-a3f8-9b0259dd3051" StencilVersion="0.1"/>
 </Control>
 </file>
 
-<file path=customXml/item305.xml><?xml version="1.0" encoding="utf-8"?>
+<file path=customXml/item29.xml><?xml version="1.0" encoding="utf-8"?>
+<Control xmlns="http://schemas.microsoft.com/VisualStudio/2011/storyboarding/control">
+  <Id Name="System.Storyboarding.Common.Text" Revision="1" Stencil="System.Storyboarding.Common" StencilVersion="0.1"/>
+</Control>
+</file>
+
+<file path=customXml/item290.xml><?xml version="1.0" encoding="utf-8"?>
+<Control xmlns="http://schemas.microsoft.com/VisualStudio/2011/storyboarding/control">
+  <Id Name="System.Storyboarding.Common.TextArea" Revision="1" Stencil="System.Storyboarding.Common" StencilVersion="0.1"/>
+</Control>
+</file>
+
+<file path=customXml/item291.xml><?xml version="1.0" encoding="utf-8"?>
+<Control xmlns="http://schemas.microsoft.com/VisualStudio/2011/storyboarding/control">
+  <Id Name="System.Storyboarding.Common.SearchBox" Revision="1" Stencil="System.Storyboarding.Common" StencilVersion="0.1"/>
+</Control>
+</file>
+
+<file path=customXml/item292.xml><?xml version="1.0" encoding="utf-8"?>
 <Control xmlns="http://schemas.microsoft.com/VisualStudio/2011/storyboarding/control">
   <Id Name="System.Storyboarding.Common.TextInput" Revision="1" Stencil="System.Storyboarding.Common" StencilVersion="0.1"/>
 </Control>
 </file>
 
+<file path=customXml/item293.xml><?xml version="1.0" encoding="utf-8"?>
+<Control xmlns="http://schemas.microsoft.com/VisualStudio/2011/storyboarding/control/v1.0">
+  <Id Name="System.Storyboarding.Common.Text" RevisionId="68ea164d-c1de-47a5-804f-d4d1290fa524" Stencil="System.Storyboarding.Common" StencilRevisionId="68ea164d-c1de-47a5-804f-d4d1290fa524" StencilVersion="0.1"/>
+</Control>
+</file>
+
+<file path=customXml/item294.xml><?xml version="1.0" encoding="utf-8"?>
+<Control xmlns="http://schemas.microsoft.com/VisualStudio/2011/storyboarding/control/v1.0">
+  <Id Name="System.Storyboard.Stencil.ColorPicker" RevisionId="00000000-0000-0000-0000-000000000000" Stencil="System.Media" StencilRevisionId="00000000-0000-0000-0000-000000000000" StencilVersion="1.0"/>
+</Control>
+</file>
+
+<file path=customXml/item295.xml><?xml version="1.0" encoding="utf-8"?>
+<Control xmlns="http://schemas.microsoft.com/VisualStudio/2011/storyboarding/control">
+  <Id Name="System.Storyboarding.WindowsPhoneIcons.Cancel" Revision="1" Stencil="System.Storyboarding.WindowsPhoneIcons" StencilVersion="0.1"/>
+</Control>
+</file>
+
+<file path=customXml/item296.xml><?xml version="1.0" encoding="utf-8"?>
+<Control xmlns="http://schemas.microsoft.com/VisualStudio/2011/storyboarding/control">
+  <Id Name="System.Storyboarding.Common.CheckBoxUnchecked" Revision="1" Stencil="System.Storyboarding.Common" StencilVersion="0.1"/>
+</Control>
+</file>
+
+<file path=customXml/item297.xml><?xml version="1.0" encoding="utf-8"?>
+<Control xmlns="http://schemas.microsoft.com/VisualStudio/2011/storyboarding/control">
+  <Id Name="System.Storyboarding.Common.TextInput" Revision="1" Stencil="System.Storyboarding.Common" StencilVersion="0.1"/>
+</Control>
+</file>
+
+<file path=customXml/item298.xml><?xml version="1.0" encoding="utf-8"?>
+<Control xmlns="http://schemas.microsoft.com/VisualStudio/2011/storyboarding/control">
+  <Id Name="System.Storyboarding.Common.Text" Revision="1" Stencil="System.Storyboarding.Common" StencilVersion="0.1"/>
+</Control>
+</file>
+
+<file path=customXml/item299.xml><?xml version="1.0" encoding="utf-8"?>
+<Control xmlns="http://schemas.microsoft.com/VisualStudio/2011/storyboarding/control/v1.0">
+  <Id Name="System.Storyboard.Stencil.PhoneTile" RevisionId="00000000-0000-0000-0000-000000000000" Stencil="System.Windows_Phone_7" StencilRevisionId="00000000-0000-0000-0000-000000000000" StencilVersion="1.0"/>
+</Control>
+</file>
+
+<file path=customXml/item3.xml><?xml version="1.0" encoding="utf-8"?>
+<Control xmlns="http://schemas.microsoft.com/VisualStudio/2011/storyboarding/control">
+  <Id Name="System.Storyboarding.Common.Text" Revision="1" Stencil="System.Storyboarding.Common" StencilVersion="0.1"/>
+</Control>
+</file>
+
+<file path=customXml/item30.xml><?xml version="1.0" encoding="utf-8"?>
+<Control xmlns="http://schemas.microsoft.com/VisualStudio/2011/storyboarding/control">
+  <Id Name="System.Storyboarding.Common.Text" Revision="1" Stencil="System.Storyboarding.Common" StencilVersion="0.1"/>
+</Control>
+</file>
+
+<file path=customXml/item300.xml><?xml version="1.0" encoding="utf-8"?>
+<Control xmlns="http://schemas.microsoft.com/VisualStudio/2011/storyboarding/control">
+  <Id Name="System.Storyboarding.Common.DropdownBox" Revision="1" Stencil="System.Storyboarding.Common" StencilVersion="0.1"/>
+</Control>
+</file>
+
+<file path=customXml/item301.xml><?xml version="1.0" encoding="utf-8"?>
+<Control xmlns="http://schemas.microsoft.com/VisualStudio/2011/storyboarding/control">
+  <Id Name="System.Storyboarding.WindowsPhoneIcons.Save" Revision="1" Stencil="System.Storyboarding.WindowsPhoneIcons" StencilVersion="0.1"/>
+</Control>
+</file>
+
+<file path=customXml/item302.xml><?xml version="1.0" encoding="utf-8"?>
+<Control xmlns="http://schemas.microsoft.com/VisualStudio/2011/storyboarding/control">
+  <Id Name="System.Storyboarding.Common.SearchBox" Revision="1" Stencil="System.Storyboarding.Common" StencilVersion="0.1"/>
+</Control>
+</file>
+
+<file path=customXml/item303.xml><?xml version="1.0" encoding="utf-8"?>
+<Control xmlns="http://schemas.microsoft.com/VisualStudio/2011/storyboarding/control">
+  <Id Name="System.Storyboarding.Common.Text" Revision="1" Stencil="System.Storyboarding.Common" StencilVersion="0.1"/>
+</Control>
+</file>
+
+<file path=customXml/item304.xml><?xml version="1.0" encoding="utf-8"?>
+<Control xmlns="http://schemas.microsoft.com/VisualStudio/2011/storyboarding/control">
+  <Id Name="System.Storyboarding.Backgrounds.Window" RevisionId="bdb52a43-f875-417f-a3f8-9b0259dd3051" Stencil="System.Storyboarding.Backgrounds" StencilRevisionId="bdb52a43-f875-417f-a3f8-9b0259dd3051" StencilVersion="0.1"/>
+</Control>
+</file>
+
+<file path=customXml/item305.xml><?xml version="1.0" encoding="utf-8"?>
+<Control xmlns="http://schemas.microsoft.com/VisualStudio/2011/storyboarding/control/v1.0">
+  <Id Name="System.Storyboard.Stencil.PhoneKeyboard" RevisionId="00000000-0000-0000-0000-000000000000" Stencil="System.Windows_Phone_7" StencilRevisionId="00000000-0000-0000-0000-000000000000" StencilVersion="1.0"/>
+</Control>
+</file>
+
 <file path=customXml/item306.xml><?xml version="1.0" encoding="utf-8"?>
+<Control xmlns="http://schemas.microsoft.com/VisualStudio/2011/storyboarding/control/v1.0">
+  <Id Name="System.Storyboard.Stencil.PieChart" RevisionId="00000000-0000-0000-0000-000000000000" Stencil="System.Media" StencilRevisionId="00000000-0000-0000-0000-000000000000" StencilVersion="1.0"/>
+</Control>
+</file>
+
+<file path=customXml/item307.xml><?xml version="1.0" encoding="utf-8"?>
+<Control xmlns="http://schemas.microsoft.com/VisualStudio/2011/storyboarding/control/v1.0">
+  <Id Name="System.Storyboarding.Common.Text" RevisionId="68ea164d-c1de-47a5-804f-d4d1290fa524" Stencil="System.Storyboarding.Common" StencilRevisionId="68ea164d-c1de-47a5-804f-d4d1290fa524" StencilVersion="0.1"/>
+</Control>
+</file>
+
+<file path=customXml/item308.xml><?xml version="1.0" encoding="utf-8"?>
+<Control xmlns="http://schemas.microsoft.com/VisualStudio/2011/storyboarding/control">
+  <Id Name="System.Storyboarding.Common.TextInput" Revision="1" Stencil="System.Storyboarding.Common" StencilVersion="0.1"/>
+</Control>
+</file>
+
+<file path=customXml/item309.xml><?xml version="1.0" encoding="utf-8"?>
+<Control xmlns="http://schemas.microsoft.com/VisualStudio/2011/storyboarding/control">
+  <Id Name="System.Storyboarding.Common.MouseClick" Revision="1" Stencil="System.Storyboarding.Common" StencilVersion="0.1"/>
+</Control>
+</file>
+
+<file path=customXml/item31.xml><?xml version="1.0" encoding="utf-8"?>
+<Control xmlns="http://schemas.microsoft.com/VisualStudio/2011/storyboarding/control/v1.0">
+  <Id Name="System.Storyboard.Stencil.PhoneNotification" RevisionId="00000000-0000-0000-0000-000000000000" Stencil="System.Windows_Phone_7" StencilRevisionId="00000000-0000-0000-0000-000000000000" StencilVersion="1.0"/>
+</Control>
+</file>
+
+<file path=customXml/item310.xml><?xml version="1.0" encoding="utf-8"?>
+<Control xmlns="http://schemas.microsoft.com/VisualStudio/2011/storyboarding/control">
+  <Id Name="System.Storyboarding.Common.DropdownBox" Revision="1" Stencil="System.Storyboarding.Common" StencilVersion="0.1"/>
+</Control>
+</file>
+
+<file path=customXml/item311.xml><?xml version="1.0" encoding="utf-8"?>
+<Control xmlns="http://schemas.microsoft.com/VisualStudio/2011/storyboarding/control">
+  <Id Name="System.Storyboarding.Common.TextInput" Revision="1" Stencil="System.Storyboarding.Common" StencilVersion="0.1"/>
+</Control>
+</file>
+
+<file path=customXml/item312.xml><?xml version="1.0" encoding="utf-8"?>
+<Control xmlns="http://schemas.microsoft.com/VisualStudio/2011/storyboarding/control">
+  <Id Name="System.Storyboarding.Common.Button" Revision="1" Stencil="System.Storyboarding.Common" StencilVersion="0.1"/>
+</Control>
+</file>
+
+<file path=customXml/item313.xml><?xml version="1.0" encoding="utf-8"?>
+<Control xmlns="http://schemas.microsoft.com/VisualStudio/2011/storyboarding/control">
+  <Id Name="System.Storyboarding.Common.TextInput" Revision="1" Stencil="System.Storyboarding.Common" StencilVersion="0.1"/>
+</Control>
+</file>
+
+<file path=customXml/item314.xml><?xml version="1.0" encoding="utf-8"?>
+<Control xmlns="http://schemas.microsoft.com/VisualStudio/2011/storyboarding/control/v1.0">
+  <Id Name="System.Storyboard.Stencil.PieChart" RevisionId="00000000-0000-0000-0000-000000000000" Stencil="System.Media" StencilRevisionId="00000000-0000-0000-0000-000000000000" StencilVersion="1.0"/>
+</Control>
+</file>
+
+<file path=customXml/item32.xml><?xml version="1.0" encoding="utf-8"?>
 <Control xmlns="http://schemas.microsoft.com/VisualStudio/2011/storyboarding/control">
   <Id Name="System.Storyboarding.Common.TabGroupVertical" Revision="1" Stencil="System.Storyboarding.Common" StencilVersion="0.1"/>
 </Control>
 </file>
 
-<file path=customXml/item307.xml><?xml version="1.0" encoding="utf-8"?>
+<file path=customXml/item33.xml><?xml version="1.0" encoding="utf-8"?>
 <Control xmlns="http://schemas.microsoft.com/VisualStudio/2011/storyboarding/control">
-  <Id Name="System.Storyboarding.Common.SearchBox" Revision="1" Stencil="System.Storyboarding.Common" StencilVersion="0.1"/>
+  <Id Name="System.Storyboarding.Common.TextInput" Revision="1" Stencil="System.Storyboarding.Common" StencilVersion="0.1"/>
 </Control>
 </file>
 
-<file path=customXml/item308.xml><?xml version="1.0" encoding="utf-8"?>
+<file path=customXml/item34.xml><?xml version="1.0" encoding="utf-8"?>
 <Control xmlns="http://schemas.microsoft.com/VisualStudio/2011/storyboarding/control">
   <Id Name="System.Storyboarding.Common.DropdownBox" Revision="1" Stencil="System.Storyboarding.Common" StencilVersion="0.1"/>
 </Control>
 </file>
 
-<file path=customXml/item309.xml><?xml version="1.0" encoding="utf-8"?>
-<Control xmlns="http://schemas.microsoft.com/VisualStudio/2011/storyboarding/control/v1.0">
-  <Id Name="System.Storyboard.Stencil.Title" RevisionId="00000000-0000-0000-0000-000000000000" Stencil="System.Common" StencilRevisionId="00000000-0000-0000-0000-000000000000" StencilVersion="1.0"/>
-</Control>
-</file>
-
-<file path=customXml/item31.xml><?xml version="1.0" encoding="utf-8"?>
-<Control xmlns="http://schemas.microsoft.com/VisualStudio/2011/storyboarding/control">
-  <Id Name="System.Storyboarding.Common.DropdownBox" Revision="1" Stencil="System.Storyboarding.Common" StencilVersion="0.1"/>
-</Control>
-</file>
-
-<file path=customXml/item310.xml><?xml version="1.0" encoding="utf-8"?>
-<Control xmlns="http://schemas.microsoft.com/VisualStudio/2011/storyboarding/control">
-  <Id Name="System.Storyboarding.WindowsPhoneIcons.Cancel" Revision="1" Stencil="System.Storyboarding.WindowsPhoneIcons" StencilVersion="0.1"/>
-</Control>
-</file>
-
-<file path=customXml/item311.xml><?xml version="1.0" encoding="utf-8"?>
-<Control xmlns="http://schemas.microsoft.com/VisualStudio/2011/storyboarding/control">
-  <Id Name="b5742593-4330-4997-98c6-02e7437a7975" Revision="1" Stencil="System.MyShapes" StencilVersion="1.0"/>
-</Control>
-</file>
-
-<file path=customXml/item312.xml><?xml version="1.0" encoding="utf-8"?>
-<Control xmlns="http://schemas.microsoft.com/VisualStudio/2011/storyboarding/control">
-  <Id Name="366cd925-969f-44e1-b789-354cb31b0dfd" RevisionId="87c5073a-f3d6-4c7e-a7b7-c9586eacad3b" Stencil="172d6d98-e5c9-42e9-a209-79f7a94bbd38" StencilRevisionId="00000000-0000-0000-0000-000000000000" StencilVersion="0.0"/>
-</Control>
-</file>
-
-<file path=customXml/item313.xml><?xml version="1.0" encoding="utf-8"?>
-<Control xmlns="http://schemas.microsoft.com/VisualStudio/2011/storyboarding/control">
-  <Id Name="System.Storyboarding.WindowsPhoneIcons.Save" Revision="1" Stencil="System.Storyboarding.WindowsPhoneIcons" StencilVersion="0.1"/>
-</Control>
-</file>
-
-<file path=customXml/item314.xml><?xml version="1.0" encoding="utf-8"?>
-<Control xmlns="http://schemas.microsoft.com/VisualStudio/2011/storyboarding/control">
-  <Id Name="9d9c56e0-6ca3-4298-b757-9c73dab947ac" RevisionId="993ea365-49c2-46dc-bf14-e971e460de1e" Stencil="172d6d98-e5c9-42e9-a209-79f7a94bbd38" StencilRevisionId="00000000-0000-0000-0000-000000000000" StencilVersion="0.0"/>
-</Control>
-</file>
-
-<file path=customXml/item32.xml><?xml version="1.0" encoding="utf-8"?>
+<file path=customXml/item35.xml><?xml version="1.0" encoding="utf-8"?>
 <Control xmlns="http://schemas.microsoft.com/VisualStudio/2011/storyboarding/control">
   <Id Name="System.Storyboarding.Common.TextInput" Revision="1" Stencil="System.Storyboarding.Common" StencilVersion="0.1"/>
 </Control>
 </file>
 
-<file path=customXml/item33.xml><?xml version="1.0" encoding="utf-8"?>
-<Control xmlns="http://schemas.microsoft.com/VisualStudio/2011/storyboarding/control">
-  <Id Name="366cd925-969f-44e1-b789-354cb31b0dfd" RevisionId="87c5073a-f3d6-4c7e-a7b7-c9586eacad3b" Stencil="172d6d98-e5c9-42e9-a209-79f7a94bbd38" StencilRevisionId="00000000-0000-0000-0000-000000000000" StencilVersion="0.0"/>
-</Control>
-</file>
-
-<file path=customXml/item34.xml><?xml version="1.0" encoding="utf-8"?>
+<file path=customXml/item36.xml><?xml version="1.0" encoding="utf-8"?>
 <Control xmlns="http://schemas.microsoft.com/VisualStudio/2011/storyboarding/control">
   <Id Name="System.Storyboarding.Common.Text" Revision="1" Stencil="System.Storyboarding.Common" StencilVersion="0.1"/>
 </Control>
 </file>
 
-<file path=customXml/item35.xml><?xml version="1.0" encoding="utf-8"?>
+<file path=customXml/item37.xml><?xml version="1.0" encoding="utf-8"?>
+<Control xmlns="http://schemas.microsoft.com/VisualStudio/2011/storyboarding/control">
+  <Id Name="System.Storyboarding.Common.Text" Revision="1" Stencil="System.Storyboarding.Common" StencilVersion="0.1"/>
+</Control>
+</file>
+
+<file path=customXml/item38.xml><?xml version="1.0" encoding="utf-8"?>
+<Control xmlns="http://schemas.microsoft.com/VisualStudio/2011/storyboarding/control/v1.0">
+  <Id Name="System.Storyboard.Stencil.Label" RevisionId="00000000-0000-0000-0000-000000000000" Stencil="System.Common" StencilRevisionId="00000000-0000-0000-0000-000000000000" StencilVersion="1.0"/>
+</Control>
+</file>
+
+<file path=customXml/item39.xml><?xml version="1.0" encoding="utf-8"?>
 <Control xmlns="http://schemas.microsoft.com/VisualStudio/2011/storyboarding/control">
   <Id Name="System.Storyboarding.Common.DropdownBox" Revision="1" Stencil="System.Storyboarding.Common" StencilVersion="0.1"/>
-</Control>
-</file>
-
-<file path=customXml/item36.xml><?xml version="1.0" encoding="utf-8"?>
-<Control xmlns="http://schemas.microsoft.com/VisualStudio/2011/storyboarding/control">
-  <Id Name="System.Storyboarding.Common.Button" Revision="1" Stencil="System.Storyboarding.Common" StencilVersion="0.1"/>
-</Control>
-</file>
-
-<file path=customXml/item37.xml><?xml version="1.0" encoding="utf-8"?>
-<Control xmlns="http://schemas.microsoft.com/VisualStudio/2011/storyboarding/control">
-  <Id Name="System.Storyboarding.Common.TabGroup" Revision="1" Stencil="System.Storyboarding.Common" StencilVersion="0.1"/>
-</Control>
-</file>
-
-<file path=customXml/item38.xml><?xml version="1.0" encoding="utf-8"?>
-<Control xmlns="http://schemas.microsoft.com/VisualStudio/2011/storyboarding/control">
-  <Id Name="System.Storyboarding.Common.SearchBox" Revision="1" Stencil="System.Storyboarding.Common" StencilVersion="0.1"/>
-</Control>
-</file>
-
-<file path=customXml/item39.xml><?xml version="1.0" encoding="utf-8"?>
-<Control xmlns="http://schemas.microsoft.com/VisualStudio/2011/storyboarding/control">
-  <Id Name="System.Storyboarding.Backgrounds.WebBrowser" RevisionId="bdb52a43-f875-417f-a3f8-9b0259dd3051" Stencil="System.Storyboarding.Backgrounds" StencilRevisionId="bdb52a43-f875-417f-a3f8-9b0259dd3051" StencilVersion="0.1"/>
 </Control>
 </file>
 
@@ -47719,200 +47716,206 @@
 </file>
 
 <file path=customXml/item40.xml><?xml version="1.0" encoding="utf-8"?>
-<Control xmlns="http://schemas.microsoft.com/VisualStudio/2011/storyboarding/control/v1.0">
-  <Id Name="System.Storyboarding.Common.Text" RevisionId="68ea164d-c1de-47a5-804f-d4d1290fa524" Stencil="System.Storyboarding.Common" StencilRevisionId="68ea164d-c1de-47a5-804f-d4d1290fa524" StencilVersion="0.1"/>
+<Control xmlns="http://schemas.microsoft.com/VisualStudio/2011/storyboarding/control">
+  <Id Name="System.Storyboarding.Common.TextInput" Revision="1" Stencil="System.Storyboarding.Common" StencilVersion="0.1"/>
 </Control>
 </file>
 
 <file path=customXml/item41.xml><?xml version="1.0" encoding="utf-8"?>
+<Control xmlns="http://schemas.microsoft.com/VisualStudio/2011/storyboarding/control">
+  <Id Name="System.Storyboarding.Common.TabGroupVertical" Revision="1" Stencil="System.Storyboarding.Common" StencilVersion="0.1"/>
+</Control>
+</file>
+
+<file path=customXml/item42.xml><?xml version="1.0" encoding="utf-8"?>
+<Control xmlns="http://schemas.microsoft.com/VisualStudio/2011/storyboarding/control">
+  <Id Name="System.Storyboarding.Common.SearchBox" Revision="1" Stencil="System.Storyboarding.Common" StencilVersion="0.1"/>
+</Control>
+</file>
+
+<file path=customXml/item43.xml><?xml version="1.0" encoding="utf-8"?>
 <Control xmlns="http://schemas.microsoft.com/VisualStudio/2011/storyboarding/control">
   <Id Name="System.Storyboarding.Common.DropdownBox" Revision="1" Stencil="System.Storyboarding.Common" StencilVersion="0.1"/>
 </Control>
 </file>
 
-<file path=customXml/item42.xml><?xml version="1.0" encoding="utf-8"?>
+<file path=customXml/item44.xml><?xml version="1.0" encoding="utf-8"?>
+<Control xmlns="http://schemas.microsoft.com/VisualStudio/2011/storyboarding/control">
+  <Id Name="9d9c56e0-6ca3-4298-b757-9c73dab947ac" RevisionId="993ea365-49c2-46dc-bf14-e971e460de1e" Stencil="172d6d98-e5c9-42e9-a209-79f7a94bbd38" StencilRevisionId="00000000-0000-0000-0000-000000000000" StencilVersion="0.0"/>
+</Control>
+</file>
+
+<file path=customXml/item45.xml><?xml version="1.0" encoding="utf-8"?>
+<Control xmlns="http://schemas.microsoft.com/VisualStudio/2011/storyboarding/control/v1.0">
+  <Id Name="System.Storyboarding.Common.DropdownBox" RevisionId="68ea164d-c1de-47a5-804f-d4d1290fa524" Stencil="System.Storyboarding.Common" StencilRevisionId="68ea164d-c1de-47a5-804f-d4d1290fa524" StencilVersion="0.1"/>
+</Control>
+</file>
+
+<file path=customXml/item46.xml><?xml version="1.0" encoding="utf-8"?>
+<Control xmlns="http://schemas.microsoft.com/VisualStudio/2011/storyboarding/control">
+  <Id Name="System.Storyboarding.Common.Text" Revision="1" Stencil="System.Storyboarding.Common" StencilVersion="0.1"/>
+</Control>
+</file>
+
+<file path=customXml/item47.xml><?xml version="1.0" encoding="utf-8"?>
+<Control xmlns="http://schemas.microsoft.com/VisualStudio/2011/storyboarding/control">
+  <Id Name="System.Storyboarding.Common.TabGroup" Revision="1" Stencil="System.Storyboarding.Common" StencilVersion="0.1"/>
+</Control>
+</file>
+
+<file path=customXml/item48.xml><?xml version="1.0" encoding="utf-8"?>
+<Control xmlns="http://schemas.microsoft.com/VisualStudio/2011/storyboarding/control">
+  <Id Name="600d61f4-2d09-42e6-a6db-83e260e051ae" RevisionId="3c9eb7e9-0ea7-4fb5-adc7-dcc81ff0fb36" Stencil="172d6d98-e5c9-42e9-a209-79f7a94bbd38" StencilRevisionId="00000000-0000-0000-0000-000000000000" StencilVersion="0.0"/>
+</Control>
+</file>
+
+<file path=customXml/item49.xml><?xml version="1.0" encoding="utf-8"?>
+<Control xmlns="http://schemas.microsoft.com/VisualStudio/2011/storyboarding/control">
+  <Id Name="System.Storyboarding.Common.Button" Revision="1" Stencil="System.Storyboarding.Common" StencilVersion="0.1"/>
+</Control>
+</file>
+
+<file path=customXml/item5.xml><?xml version="1.0" encoding="utf-8"?>
+<Control xmlns="http://schemas.microsoft.com/VisualStudio/2011/storyboarding/control/v1.0">
+  <Id Name="System.Storyboard.Stencil.PhoneTile" RevisionId="00000000-0000-0000-0000-000000000000" Stencil="System.Windows_Phone_7" StencilRevisionId="00000000-0000-0000-0000-000000000000" StencilVersion="1.0"/>
+</Control>
+</file>
+
+<file path=customXml/item50.xml><?xml version="1.0" encoding="utf-8"?>
+<Control xmlns="http://schemas.microsoft.com/VisualStudio/2011/storyboarding/control">
+  <Id Name="System.Storyboarding.WindowsPhoneIcons.BaseCircle" Revision="1" Stencil="System.Storyboarding.WindowsPhoneIcons" StencilVersion="0.1"/>
+</Control>
+</file>
+
+<file path=customXml/item51.xml><?xml version="1.0" encoding="utf-8"?>
+<Control xmlns="http://schemas.microsoft.com/VisualStudio/2011/storyboarding/control">
+  <Id Name="System.Storyboarding.Common.Text" Revision="1" Stencil="System.Storyboarding.Common" StencilVersion="0.1"/>
+</Control>
+</file>
+
+<file path=customXml/item52.xml><?xml version="1.0" encoding="utf-8"?>
+<Control xmlns="http://schemas.microsoft.com/VisualStudio/2011/storyboarding/control">
+  <Id Name="System.Storyboarding.Annotation.AnimatedRectangleCallout" Revision="1" Stencil="System.Storyboarding.Annotation" StencilVersion="0.1"/>
+</Control>
+</file>
+
+<file path=customXml/item53.xml><?xml version="1.0" encoding="utf-8"?>
+<Control xmlns="http://schemas.microsoft.com/VisualStudio/2011/storyboarding/control">
+  <Id Name="366cd925-969f-44e1-b789-354cb31b0dfd" RevisionId="87c5073a-f3d6-4c7e-a7b7-c9586eacad3b" Stencil="172d6d98-e5c9-42e9-a209-79f7a94bbd38" StencilRevisionId="00000000-0000-0000-0000-000000000000" StencilVersion="0.0"/>
+</Control>
+</file>
+
+<file path=customXml/item54.xml><?xml version="1.0" encoding="utf-8"?>
+<Control xmlns="http://schemas.microsoft.com/VisualStudio/2011/storyboarding/control">
+  <Id Name="System.Storyboarding.WindowsPhoneIcons.Cancel" Revision="1" Stencil="System.Storyboarding.WindowsPhoneIcons" StencilVersion="0.1"/>
+</Control>
+</file>
+
+<file path=customXml/item55.xml><?xml version="1.0" encoding="utf-8"?>
 <Control xmlns="http://schemas.microsoft.com/VisualStudio/2011/storyboarding/control">
   <Id Name="System.Storyboarding.Common.DropdownBox" Revision="1" Stencil="System.Storyboarding.Common" StencilVersion="0.1"/>
 </Control>
 </file>
 
-<file path=customXml/item43.xml><?xml version="1.0" encoding="utf-8"?>
+<file path=customXml/item56.xml><?xml version="1.0" encoding="utf-8"?>
+<Control xmlns="http://schemas.microsoft.com/VisualStudio/2011/storyboarding/control">
+  <Id Name="System.Storyboarding.Common.DropdownBox" Revision="1" Stencil="System.Storyboarding.Common" StencilVersion="0.1"/>
+</Control>
+</file>
+
+<file path=customXml/item57.xml><?xml version="1.0" encoding="utf-8"?>
+<Control xmlns="http://schemas.microsoft.com/VisualStudio/2011/storyboarding/control">
+  <Id Name="System.Storyboarding.Common.Text" Revision="1" Stencil="System.Storyboarding.Common" StencilVersion="0.1"/>
+</Control>
+</file>
+
+<file path=customXml/item58.xml><?xml version="1.0" encoding="utf-8"?>
+<Control xmlns="http://schemas.microsoft.com/VisualStudio/2011/storyboarding/control">
+  <Id Name="System.Storyboarding.Common.SearchBox" Revision="1" Stencil="System.Storyboarding.Common" StencilVersion="0.1"/>
+</Control>
+</file>
+
+<file path=customXml/item59.xml><?xml version="1.0" encoding="utf-8"?>
+<Control xmlns="http://schemas.microsoft.com/VisualStudio/2011/storyboarding/control">
+  <Id Name="9d9c56e0-6ca3-4298-b757-9c73dab947ac" RevisionId="993ea365-49c2-46dc-bf14-e971e460de1e" Stencil="172d6d98-e5c9-42e9-a209-79f7a94bbd38" StencilRevisionId="00000000-0000-0000-0000-000000000000" StencilVersion="0.0"/>
+</Control>
+</file>
+
+<file path=customXml/item6.xml><?xml version="1.0" encoding="utf-8"?>
 <Control xmlns="http://schemas.microsoft.com/VisualStudio/2011/storyboarding/control/v1.0">
   <Id Name="System.Storyboard.Stencil.Title" RevisionId="00000000-0000-0000-0000-000000000000" Stencil="System.Common" StencilRevisionId="00000000-0000-0000-0000-000000000000" StencilVersion="1.0"/>
 </Control>
 </file>
 
-<file path=customXml/item44.xml><?xml version="1.0" encoding="utf-8"?>
+<file path=customXml/item60.xml><?xml version="1.0" encoding="utf-8"?>
+<p:properties xmlns:p="http://schemas.microsoft.com/office/2006/metadata/properties" xmlns:xsi="http://www.w3.org/2001/XMLSchema-instance" xmlns:pc="http://schemas.microsoft.com/office/infopath/2007/PartnerControls">
+  <documentManagement>
+    <_dlc_DocId xmlns="b4ebf394-daf6-497a-96c5-a2f8c10b38cf">TT6HZDVJM2HV-178-540</_dlc_DocId>
+    <_dlc_DocIdUrl xmlns="b4ebf394-daf6-497a-96c5-a2f8c10b38cf">
+      <Url>http://vstsdfmoss/sites/VSTSDF/DevDiv/TFS/teams/rm/_layouts/DocIdRedir.aspx?ID=TT6HZDVJM2HV-178-540</Url>
+      <Description>TT6HZDVJM2HV-178-540</Description>
+    </_dlc_DocIdUrl>
+  </documentManagement>
+</p:properties>
+</file>
+
+<file path=customXml/item61.xml><?xml version="1.0" encoding="utf-8"?>
 <Control xmlns="http://schemas.microsoft.com/VisualStudio/2011/storyboarding/control/v1.0">
-  <Id Name="System.Storyboarding.Common.Text" RevisionId="68ea164d-c1de-47a5-804f-d4d1290fa524" Stencil="System.Storyboarding.Common" StencilRevisionId="68ea164d-c1de-47a5-804f-d4d1290fa524" StencilVersion="0.1"/>
+  <Id Name="System.Storyboard.Stencil.VerticalScrollbar" RevisionId="00000000-0000-0000-0000-000000000000" Stencil="System.Common" StencilRevisionId="00000000-0000-0000-0000-000000000000" StencilVersion="1.0"/>
 </Control>
 </file>
 
-<file path=customXml/item45.xml><?xml version="1.0" encoding="utf-8"?>
+<file path=customXml/item62.xml><?xml version="1.0" encoding="utf-8"?>
 <Control xmlns="http://schemas.microsoft.com/VisualStudio/2011/storyboarding/control">
   <Id Name="System.Storyboarding.Common.DropdownBox" Revision="1" Stencil="System.Storyboarding.Common" StencilVersion="0.1"/>
 </Control>
 </file>
 
-<file path=customXml/item46.xml><?xml version="1.0" encoding="utf-8"?>
+<file path=customXml/item63.xml><?xml version="1.0" encoding="utf-8"?>
 <Control xmlns="http://schemas.microsoft.com/VisualStudio/2011/storyboarding/control">
-  <Id Name="System.Storyboarding.Common.DropdownBox" Revision="1" Stencil="System.Storyboarding.Common" StencilVersion="0.1"/>
+  <Id Name="System.Storyboarding.Common.SearchBox" Revision="1" Stencil="System.Storyboarding.Common" StencilVersion="0.1"/>
 </Control>
 </file>
 
-<file path=customXml/item47.xml><?xml version="1.0" encoding="utf-8"?>
-<Control xmlns="http://schemas.microsoft.com/VisualStudio/2011/storyboarding/control/v1.0">
-  <Id Name="System.Storyboard.Stencil.VerticalScrollbar" RevisionId="00000000-0000-0000-0000-000000000000" Stencil="System.Common" StencilRevisionId="00000000-0000-0000-0000-000000000000" StencilVersion="1.0"/>
+<file path=customXml/item64.xml><?xml version="1.0" encoding="utf-8"?>
+<Control xmlns="http://schemas.microsoft.com/VisualStudio/2011/storyboarding/control">
+  <Id Name="System.Storyboarding.Common.TextInput" Revision="1" Stencil="System.Storyboarding.Common" StencilVersion="0.1"/>
 </Control>
 </file>
 
-<file path=customXml/item48.xml><?xml version="1.0" encoding="utf-8"?>
-<Control xmlns="http://schemas.microsoft.com/VisualStudio/2011/storyboarding/control">
-  <Id Name="System.Storyboarding.Common.DropdownBox" Revision="1" Stencil="System.Storyboarding.Common" StencilVersion="0.1"/>
-</Control>
-</file>
-
-<file path=customXml/item49.xml><?xml version="1.0" encoding="utf-8"?>
+<file path=customXml/item65.xml><?xml version="1.0" encoding="utf-8"?>
 <Control xmlns="http://schemas.microsoft.com/VisualStudio/2011/storyboarding/control">
   <Id Name="System.Storyboarding.Common.MouseClick" Revision="1" Stencil="System.Storyboarding.Common" StencilVersion="0.1"/>
 </Control>
 </file>
 
-<file path=customXml/item5.xml><?xml version="1.0" encoding="utf-8"?>
-<Control xmlns="http://schemas.microsoft.com/VisualStudio/2011/storyboarding/control">
-  <Id Name="600d61f4-2d09-42e6-a6db-83e260e051ae" RevisionId="3c9eb7e9-0ea7-4fb5-adc7-dcc81ff0fb36" Stencil="172d6d98-e5c9-42e9-a209-79f7a94bbd38" StencilRevisionId="00000000-0000-0000-0000-000000000000" StencilVersion="0.0"/>
-</Control>
-</file>
-
-<file path=customXml/item50.xml><?xml version="1.0" encoding="utf-8"?>
+<file path=customXml/item66.xml><?xml version="1.0" encoding="utf-8"?>
 <Control xmlns="http://schemas.microsoft.com/VisualStudio/2011/storyboarding/control">
   <Id Name="System.Storyboarding.Common.MouseClick" Revision="1" Stencil="System.Storyboarding.Common" StencilVersion="0.1"/>
 </Control>
 </file>
 
-<file path=customXml/item51.xml><?xml version="1.0" encoding="utf-8"?>
-<Control xmlns="http://schemas.microsoft.com/VisualStudio/2011/storyboarding/control">
-  <Id Name="System.Storyboarding.Backgrounds.RibbonApplication" RevisionId="bdb52a43-f875-417f-a3f8-9b0259dd3051" Stencil="System.Storyboarding.Backgrounds" StencilRevisionId="bdb52a43-f875-417f-a3f8-9b0259dd3051" StencilVersion="0.1"/>
+<file path=customXml/item67.xml><?xml version="1.0" encoding="utf-8"?>
+<Control xmlns="http://schemas.microsoft.com/VisualStudio/2011/storyboarding/control/v1.0">
+  <Id Name="System.Storyboarding.Media.Image" RevisionId="658c0869-8ded-44f2-a68a-f8e8fcb7d3bd" Stencil="System.Storyboarding.Media" StencilRevisionId="658c0869-8ded-44f2-a68a-f8e8fcb7d3bd" StencilVersion="0.1"/>
 </Control>
 </file>
 
-<file path=customXml/item52.xml><?xml version="1.0" encoding="utf-8"?>
-<Control xmlns="http://schemas.microsoft.com/VisualStudio/2011/storyboarding/control/v1.0">
-  <Id Name="System.Storyboard.Stencil.Breadcrumb" RevisionId="00000000-0000-0000-0000-000000000000" Stencil="System.Common" StencilRevisionId="00000000-0000-0000-0000-000000000000" StencilVersion="1.0"/>
-</Control>
-</file>
-
-<file path=customXml/item53.xml><?xml version="1.0" encoding="utf-8"?>
-<Control xmlns="http://schemas.microsoft.com/VisualStudio/2011/storyboarding/control/v1.0">
-  <Id Name="System.Storyboard.Stencil.LineChart" RevisionId="00000000-0000-0000-0000-000000000000" Stencil="System.Media" StencilRevisionId="00000000-0000-0000-0000-000000000000" StencilVersion="1.0"/>
-</Control>
-</file>
-
-<file path=customXml/item54.xml><?xml version="1.0" encoding="utf-8"?>
-<Control xmlns="http://schemas.microsoft.com/VisualStudio/2011/storyboarding/control/v1.0">
-  <Id Name="System.Storyboard.Stencil.Label" RevisionId="00000000-0000-0000-0000-000000000000" Stencil="System.Common" StencilRevisionId="00000000-0000-0000-0000-000000000000" StencilVersion="1.0"/>
-</Control>
-</file>
-
-<file path=customXml/item55.xml><?xml version="1.0" encoding="utf-8"?>
-<Control xmlns="http://schemas.microsoft.com/VisualStudio/2011/storyboarding/control">
-  <Id Name="System.Storyboarding.Common.SearchBox" Revision="1" Stencil="System.Storyboarding.Common" StencilVersion="0.1"/>
-</Control>
-</file>
-
-<file path=customXml/item56.xml><?xml version="1.0" encoding="utf-8"?>
-<Control xmlns="http://schemas.microsoft.com/VisualStudio/2011/storyboarding/control">
-  <Id Name="System.Storyboarding.Common.Text" Revision="1" Stencil="System.Storyboarding.Common" StencilVersion="0.1"/>
-</Control>
-</file>
-
-<file path=customXml/item57.xml><?xml version="1.0" encoding="utf-8"?>
+<file path=customXml/item68.xml><?xml version="1.0" encoding="utf-8"?>
 <Control xmlns="http://schemas.microsoft.com/VisualStudio/2011/storyboarding/control">
   <Id Name="System.Storyboarding.Common.MouseClick" Revision="1" Stencil="System.Storyboarding.Common" StencilVersion="0.1"/>
 </Control>
 </file>
 
-<file path=customXml/item58.xml><?xml version="1.0" encoding="utf-8"?>
-<Control xmlns="http://schemas.microsoft.com/VisualStudio/2011/storyboarding/control/v1.0">
-  <Id Name="System.Storyboard.Stencil.StatusBar" RevisionId="00000000-0000-0000-0000-000000000000" Stencil="System.Windows" StencilRevisionId="00000000-0000-0000-0000-000000000000" StencilVersion="1.0"/>
-</Control>
-</file>
-
-<file path=customXml/item59.xml><?xml version="1.0" encoding="utf-8"?>
-<Control xmlns="http://schemas.microsoft.com/VisualStudio/2011/storyboarding/control/v1.0">
-  <Id Name="System.Storyboard.Stencil.PhoneTile" RevisionId="00000000-0000-0000-0000-000000000000" Stencil="System.Windows_Phone_7" StencilRevisionId="00000000-0000-0000-0000-000000000000" StencilVersion="1.0"/>
-</Control>
-</file>
-
-<file path=customXml/item6.xml><?xml version="1.0" encoding="utf-8"?>
-<Control xmlns="http://schemas.microsoft.com/VisualStudio/2011/storyboarding/control">
-  <Id Name="System.Storyboarding.Backgrounds.SharePoint" RevisionId="bdb52a43-f875-417f-a3f8-9b0259dd3051" Stencil="System.Storyboarding.Backgrounds" StencilRevisionId="bdb52a43-f875-417f-a3f8-9b0259dd3051" StencilVersion="0.1"/>
-</Control>
-</file>
-
-<file path=customXml/item60.xml><?xml version="1.0" encoding="utf-8"?>
-<Control xmlns="http://schemas.microsoft.com/VisualStudio/2011/storyboarding/control/v1.0">
-  <Id Name="System.Storyboard.Stencil.PositionControl" RevisionId="00000000-0000-0000-0000-000000000000" Stencil="System.Media" StencilRevisionId="00000000-0000-0000-0000-000000000000" StencilVersion="1.0"/>
-</Control>
-</file>
-
-<file path=customXml/item61.xml><?xml version="1.0" encoding="utf-8"?>
-<Control xmlns="http://schemas.microsoft.com/VisualStudio/2011/storyboarding/control">
-  <Id Name="System.Storyboarding.WindowsPhoneIcons.Cancel" Revision="1" Stencil="System.Storyboarding.WindowsPhoneIcons" StencilVersion="0.1"/>
-</Control>
-</file>
-
-<file path=customXml/item62.xml><?xml version="1.0" encoding="utf-8"?>
-<Control xmlns="http://schemas.microsoft.com/VisualStudio/2011/storyboarding/control">
-  <Id Name="366cd925-969f-44e1-b789-354cb31b0dfd" RevisionId="87c5073a-f3d6-4c7e-a7b7-c9586eacad3b" Stencil="172d6d98-e5c9-42e9-a209-79f7a94bbd38" StencilRevisionId="00000000-0000-0000-0000-000000000000" StencilVersion="0.0"/>
-</Control>
-</file>
-
-<file path=customXml/item63.xml><?xml version="1.0" encoding="utf-8"?>
-<Control xmlns="http://schemas.microsoft.com/VisualStudio/2011/storyboarding/control">
-  <Id Name="System.Storyboarding.Common.TextInput" Revision="1" Stencil="System.Storyboarding.Common" StencilVersion="0.1"/>
-</Control>
-</file>
-
-<file path=customXml/item64.xml><?xml version="1.0" encoding="utf-8"?>
-<Control xmlns="http://schemas.microsoft.com/VisualStudio/2011/storyboarding/control">
-  <Id Name="System.Storyboarding.Common.SearchBox" Revision="1" Stencil="System.Storyboarding.Common" StencilVersion="0.1"/>
-</Control>
-</file>
-
-<file path=customXml/item65.xml><?xml version="1.0" encoding="utf-8"?>
-<Control xmlns="http://schemas.microsoft.com/VisualStudio/2011/storyboarding/control">
-  <Id Name="System.Storyboarding.Common.Button" Revision="1" Stencil="System.Storyboarding.Common" StencilVersion="0.1"/>
-</Control>
-</file>
-
-<file path=customXml/item66.xml><?xml version="1.0" encoding="utf-8"?>
+<file path=customXml/item69.xml><?xml version="1.0" encoding="utf-8"?>
 <Control xmlns="http://schemas.microsoft.com/VisualStudio/2011/storyboarding/control">
   <Id Name="9d9c56e0-6ca3-4298-b757-9c73dab947ac" RevisionId="993ea365-49c2-46dc-bf14-e971e460de1e" Stencil="172d6d98-e5c9-42e9-a209-79f7a94bbd38" StencilRevisionId="00000000-0000-0000-0000-000000000000" StencilVersion="0.0"/>
 </Control>
 </file>
 
-<file path=customXml/item67.xml><?xml version="1.0" encoding="utf-8"?>
-<Control xmlns="http://schemas.microsoft.com/VisualStudio/2011/storyboarding/control/v1.0">
-  <Id Name="System.Storyboard.Stencil.WidePhoneTile" RevisionId="00000000-0000-0000-0000-000000000000" Stencil="System.Windows_Phone_7" StencilRevisionId="00000000-0000-0000-0000-000000000000" StencilVersion="1.0"/>
-</Control>
-</file>
-
-<file path=customXml/item68.xml><?xml version="1.0" encoding="utf-8"?>
+<file path=customXml/item7.xml><?xml version="1.0" encoding="utf-8"?>
 <Control xmlns="http://schemas.microsoft.com/VisualStudio/2011/storyboarding/control">
   <Id Name="600d61f4-2d09-42e6-a6db-83e260e051ae" RevisionId="3c9eb7e9-0ea7-4fb5-adc7-dcc81ff0fb36" Stencil="172d6d98-e5c9-42e9-a209-79f7a94bbd38" StencilRevisionId="00000000-0000-0000-0000-000000000000" StencilVersion="0.0"/>
-</Control>
-</file>
-
-<file path=customXml/item69.xml><?xml version="1.0" encoding="utf-8"?>
-<Control xmlns="http://schemas.microsoft.com/VisualStudio/2011/storyboarding/control">
-  <Id Name="System.Storyboarding.Common.SearchBox" Revision="1" Stencil="System.Storyboarding.Common" StencilVersion="0.1"/>
-</Control>
-</file>
-
-<file path=customXml/item7.xml><?xml version="1.0" encoding="utf-8"?>
-<Control xmlns="http://schemas.microsoft.com/VisualStudio/2011/storyboarding/control">
-  <Id Name="System.Storyboarding.Common.TextInput" Revision="1" Stencil="System.Storyboarding.Common" StencilVersion="0.1"/>
 </Control>
 </file>
 
@@ -47924,195 +47927,192 @@
 
 <file path=customXml/item71.xml><?xml version="1.0" encoding="utf-8"?>
 <Control xmlns="http://schemas.microsoft.com/VisualStudio/2011/storyboarding/control">
-  <Id Name="366cd925-969f-44e1-b789-354cb31b0dfd" RevisionId="87c5073a-f3d6-4c7e-a7b7-c9586eacad3b" Stencil="172d6d98-e5c9-42e9-a209-79f7a94bbd38" StencilRevisionId="00000000-0000-0000-0000-000000000000" StencilVersion="0.0"/>
+  <Id Name="System.Storyboarding.Common.DropdownBox" Revision="1" Stencil="System.Storyboarding.Common" StencilVersion="0.1"/>
 </Control>
 </file>
 
 <file path=customXml/item72.xml><?xml version="1.0" encoding="utf-8"?>
+<Control xmlns="http://schemas.microsoft.com/VisualStudio/2011/storyboarding/control/v1.0">
+  <Id Name="System.Storyboard.Stencil.WidePhoneTile" RevisionId="00000000-0000-0000-0000-000000000000" Stencil="System.Windows_Phone_7" StencilRevisionId="00000000-0000-0000-0000-000000000000" StencilVersion="1.0"/>
+</Control>
+</file>
+
+<file path=customXml/item73.xml><?xml version="1.0" encoding="utf-8"?>
+<Control xmlns="http://schemas.microsoft.com/VisualStudio/2011/storyboarding/control">
+  <Id Name="System.Storyboarding.Common.Text" Revision="1" Stencil="System.Storyboarding.Common" StencilVersion="0.1"/>
+</Control>
+</file>
+
+<file path=customXml/item74.xml><?xml version="1.0" encoding="utf-8"?>
+<Control xmlns="http://schemas.microsoft.com/VisualStudio/2011/storyboarding/control/v1.0">
+  <Id Name="System.Storyboarding.Icons.Help" RevisionId="05cd6d03-c0b2-488e-98a7-d68de69a2cfc" Stencil="System.Storyboarding.Icons" StencilRevisionId="05cd6d03-c0b2-488e-98a7-d68de69a2cfc" StencilVersion="0.1"/>
+</Control>
+</file>
+
+<file path=customXml/item75.xml><?xml version="1.0" encoding="utf-8"?>
+<Control xmlns="http://schemas.microsoft.com/VisualStudio/2011/storyboarding/control">
+  <Id Name="System.Storyboarding.Common.SearchBox" Revision="1" Stencil="System.Storyboarding.Common" StencilVersion="0.1"/>
+</Control>
+</file>
+
+<file path=customXml/item76.xml><?xml version="1.0" encoding="utf-8"?>
+<Control xmlns="http://schemas.microsoft.com/VisualStudio/2011/storyboarding/control">
+  <Id Name="System.Storyboarding.Common.SearchBox" Revision="1" Stencil="System.Storyboarding.Common" StencilVersion="0.1"/>
+</Control>
+</file>
+
+<file path=customXml/item77.xml><?xml version="1.0" encoding="utf-8"?>
+<Control xmlns="http://schemas.microsoft.com/VisualStudio/2011/storyboarding/control">
+  <Id Name="System.Storyboarding.Common.TextArea" Revision="1" Stencil="System.Storyboarding.Common" StencilVersion="0.1"/>
+</Control>
+</file>
+
+<file path=customXml/item78.xml><?xml version="1.0" encoding="utf-8"?>
+<Control xmlns="http://schemas.microsoft.com/VisualStudio/2011/storyboarding/control/v1.0">
+  <Id Name="System.Storyboard.Stencil.TreeList" RevisionId="00000000-0000-0000-0000-000000000000" Stencil="System.Common" StencilRevisionId="00000000-0000-0000-0000-000000000000" StencilVersion="1.0"/>
+</Control>
+</file>
+
+<file path=customXml/item79.xml><?xml version="1.0" encoding="utf-8"?>
 <Control xmlns="http://schemas.microsoft.com/VisualStudio/2011/storyboarding/control">
   <Id Name="366cd925-969f-44e1-b789-354cb31b0dfd" RevisionId="87c5073a-f3d6-4c7e-a7b7-c9586eacad3b" Stencil="172d6d98-e5c9-42e9-a209-79f7a94bbd38" StencilRevisionId="00000000-0000-0000-0000-000000000000" StencilVersion="0.0"/>
 </Control>
 </file>
 
-<file path=customXml/item73.xml><?xml version="1.0" encoding="utf-8"?>
+<file path=customXml/item8.xml><?xml version="1.0" encoding="utf-8"?>
 <Control xmlns="http://schemas.microsoft.com/VisualStudio/2011/storyboarding/control">
   <Id Name="System.Storyboarding.Common.TextInput" Revision="1" Stencil="System.Storyboarding.Common" StencilVersion="0.1"/>
 </Control>
 </file>
 
-<file path=customXml/item74.xml><?xml version="1.0" encoding="utf-8"?>
+<file path=customXml/item80.xml><?xml version="1.0" encoding="utf-8"?>
+<Control xmlns="http://schemas.microsoft.com/VisualStudio/2011/storyboarding/control">
+  <Id Name="System.Storyboarding.Common.DropdownBox" Revision="1" Stencil="System.Storyboarding.Common" StencilVersion="0.1"/>
+</Control>
+</file>
+
+<file path=customXml/item81.xml><?xml version="1.0" encoding="utf-8"?>
+<Control xmlns="http://schemas.microsoft.com/VisualStudio/2011/storyboarding/control">
+  <Id Name="b5742593-4330-4997-98c6-02e7437a7975" Revision="1" Stencil="System.MyShapes" StencilVersion="1.0"/>
+</Control>
+</file>
+
+<file path=customXml/item82.xml><?xml version="1.0" encoding="utf-8"?>
+<Control xmlns="http://schemas.microsoft.com/VisualStudio/2011/storyboarding/control">
+  <Id Name="System.Storyboarding.Common.Text" Revision="1" Stencil="System.Storyboarding.Common" StencilVersion="0.1"/>
+</Control>
+</file>
+
+<file path=customXml/item83.xml><?xml version="1.0" encoding="utf-8"?>
+<Control xmlns="http://schemas.microsoft.com/VisualStudio/2011/storyboarding/control">
+  <Id Name="System.Storyboarding.Common.MouseClick" Revision="1" Stencil="System.Storyboarding.Common" StencilVersion="0.1"/>
+</Control>
+</file>
+
+<file path=customXml/item84.xml><?xml version="1.0" encoding="utf-8"?>
+<Control xmlns="http://schemas.microsoft.com/VisualStudio/2011/storyboarding/control">
+  <Id Name="System.Storyboarding.Common.DropdownBox" Revision="1" Stencil="System.Storyboarding.Common" StencilVersion="0.1"/>
+</Control>
+</file>
+
+<file path=customXml/item85.xml><?xml version="1.0" encoding="utf-8"?>
+<Control xmlns="http://schemas.microsoft.com/VisualStudio/2011/storyboarding/control">
+  <Id Name="System.Storyboarding.WindowsPhoneIcons.BaseCircle" Revision="1" Stencil="System.Storyboarding.WindowsPhoneIcons" StencilVersion="0.1"/>
+</Control>
+</file>
+
+<file path=customXml/item86.xml><?xml version="1.0" encoding="utf-8"?>
+<Control xmlns="http://schemas.microsoft.com/VisualStudio/2011/storyboarding/control">
+  <Id Name="System.Storyboarding.Common.Button" Revision="1" Stencil="System.Storyboarding.Common" StencilVersion="0.1"/>
+</Control>
+</file>
+
+<file path=customXml/item87.xml><?xml version="1.0" encoding="utf-8"?>
+<Control xmlns="http://schemas.microsoft.com/VisualStudio/2011/storyboarding/control">
+  <Id Name="System.Storyboarding.Common.MouseClick" Revision="1" Stencil="System.Storyboarding.Common" StencilVersion="0.1"/>
+</Control>
+</file>
+
+<file path=customXml/item88.xml><?xml version="1.0" encoding="utf-8"?>
+<Control xmlns="http://schemas.microsoft.com/VisualStudio/2011/storyboarding/control">
+  <Id Name="System.Storyboarding.Common.Text" Revision="1" Stencil="System.Storyboarding.Common" StencilVersion="0.1"/>
+</Control>
+</file>
+
+<file path=customXml/item89.xml><?xml version="1.0" encoding="utf-8"?>
+<Control xmlns="http://schemas.microsoft.com/VisualStudio/2011/storyboarding/control">
+  <Id Name="System.Storyboarding.WindowsPhoneIcons.BaseCircle" Revision="1" Stencil="System.Storyboarding.WindowsPhoneIcons" StencilVersion="0.1"/>
+</Control>
+</file>
+
+<file path=customXml/item9.xml><?xml version="1.0" encoding="utf-8"?>
+<Control xmlns="http://schemas.microsoft.com/VisualStudio/2011/storyboarding/control">
+  <Id Name="b5742593-4330-4997-98c6-02e7437a7975" Revision="1" Stencil="System.MyShapes" StencilVersion="1.0"/>
+</Control>
+</file>
+
+<file path=customXml/item90.xml><?xml version="1.0" encoding="utf-8"?>
 <Control xmlns="http://schemas.microsoft.com/VisualStudio/2011/storyboarding/control/v1.0">
-  <Id Name="System.Storyboard.Stencil.PieChart" RevisionId="00000000-0000-0000-0000-000000000000" Stencil="System.Media" StencilRevisionId="00000000-0000-0000-0000-000000000000" StencilVersion="1.0"/>
+  <Id Name="System.Storyboard.Stencil.Slider" RevisionId="00000000-0000-0000-0000-000000000000" Stencil="System.Common" StencilRevisionId="00000000-0000-0000-0000-000000000000" StencilVersion="1.0"/>
 </Control>
 </file>
 
-<file path=customXml/item75.xml><?xml version="1.0" encoding="utf-8"?>
-<Control xmlns="http://schemas.microsoft.com/VisualStudio/2011/storyboarding/control/v1.0">
-  <Id Name="System.Storyboard.Stencil.PhoneApplicationBar" RevisionId="00000000-0000-0000-0000-000000000000" Stencil="System.Windows_Phone_7" StencilRevisionId="00000000-0000-0000-0000-000000000000" StencilVersion="1.0"/>
+<file path=customXml/item91.xml><?xml version="1.0" encoding="utf-8"?>
+<Control xmlns="http://schemas.microsoft.com/VisualStudio/2011/storyboarding/control">
+  <Id Name="System.Storyboarding.Common.Text" Revision="1" Stencil="System.Storyboarding.Common" StencilVersion="0.1"/>
 </Control>
 </file>
 
-<file path=customXml/item76.xml><?xml version="1.0" encoding="utf-8"?>
-<Control xmlns="http://schemas.microsoft.com/VisualStudio/2011/storyboarding/control/v1.0">
-  <Id Name="System.Storyboard.Stencil.PhoneNotification" RevisionId="00000000-0000-0000-0000-000000000000" Stencil="System.Windows_Phone_7" StencilRevisionId="00000000-0000-0000-0000-000000000000" StencilVersion="1.0"/>
+<file path=customXml/item92.xml><?xml version="1.0" encoding="utf-8"?>
+<Control xmlns="http://schemas.microsoft.com/VisualStudio/2011/storyboarding/control">
+  <Id Name="9d9c56e0-6ca3-4298-b757-9c73dab947ac" RevisionId="993ea365-49c2-46dc-bf14-e971e460de1e" Stencil="172d6d98-e5c9-42e9-a209-79f7a94bbd38" StencilRevisionId="00000000-0000-0000-0000-000000000000" StencilVersion="0.0"/>
 </Control>
 </file>
 
-<file path=customXml/item77.xml><?xml version="1.0" encoding="utf-8"?>
+<file path=customXml/item93.xml><?xml version="1.0" encoding="utf-8"?>
+<Control xmlns="http://schemas.microsoft.com/VisualStudio/2011/storyboarding/control">
+  <Id Name="System.Storyboarding.Backgrounds.WindowsPhoneLandscape" RevisionId="bdb52a43-f875-417f-a3f8-9b0259dd3051" Stencil="System.Storyboarding.Backgrounds" StencilRevisionId="bdb52a43-f875-417f-a3f8-9b0259dd3051" StencilVersion="0.1"/>
+</Control>
+</file>
+
+<file path=customXml/item94.xml><?xml version="1.0" encoding="utf-8"?>
+<Control xmlns="http://schemas.microsoft.com/VisualStudio/2011/storyboarding/control">
+  <Id Name="System.Storyboarding.Common.Text" Revision="1" Stencil="System.Storyboarding.Common" StencilVersion="0.1"/>
+</Control>
+</file>
+
+<file path=customXml/item95.xml><?xml version="1.0" encoding="utf-8"?>
+<Control xmlns="http://schemas.microsoft.com/VisualStudio/2011/storyboarding/control">
+  <Id Name="System.Storyboarding.WindowsPhoneIcons.Save" Revision="1" Stencil="System.Storyboarding.WindowsPhoneIcons" StencilVersion="0.1"/>
+</Control>
+</file>
+
+<file path=customXml/item96.xml><?xml version="1.0" encoding="utf-8"?>
 <Control xmlns="http://schemas.microsoft.com/VisualStudio/2011/storyboarding/control">
   <Id Name="System.Storyboarding.Common.SearchBox" Revision="1" Stencil="System.Storyboarding.Common" StencilVersion="0.1"/>
 </Control>
 </file>
 
-<file path=customXml/item78.xml><?xml version="1.0" encoding="utf-8"?>
-<Control xmlns="http://schemas.microsoft.com/VisualStudio/2011/storyboarding/control/v1.0">
-  <Id Name="System.Storyboard.Stencil.Slider" RevisionId="00000000-0000-0000-0000-000000000000" Stencil="System.Common" StencilRevisionId="00000000-0000-0000-0000-000000000000" StencilVersion="1.0"/>
-</Control>
-</file>
-
-<file path=customXml/item79.xml><?xml version="1.0" encoding="utf-8"?>
+<file path=customXml/item97.xml><?xml version="1.0" encoding="utf-8"?>
 <Control xmlns="http://schemas.microsoft.com/VisualStudio/2011/storyboarding/control">
   <Id Name="System.Storyboarding.Common.TextInput" Revision="1" Stencil="System.Storyboarding.Common" StencilVersion="0.1"/>
 </Control>
 </file>
 
-<file path=customXml/item8.xml><?xml version="1.0" encoding="utf-8"?>
+<file path=customXml/item98.xml><?xml version="1.0" encoding="utf-8"?>
 <Control xmlns="http://schemas.microsoft.com/VisualStudio/2011/storyboarding/control/v1.0">
-  <Id Name="System.Storyboard.Stencil.VerticalScrollbar" RevisionId="00000000-0000-0000-0000-000000000000" Stencil="System.Common" StencilRevisionId="00000000-0000-0000-0000-000000000000" StencilVersion="1.0"/>
+  <Id Name="System.Storyboarding.Common.Text" RevisionId="68ea164d-c1de-47a5-804f-d4d1290fa524" Stencil="System.Storyboarding.Common" StencilRevisionId="68ea164d-c1de-47a5-804f-d4d1290fa524" StencilVersion="0.1"/>
 </Control>
 </file>
 
-<file path=customXml/item80.xml><?xml version="1.0" encoding="utf-8"?>
-<Control xmlns="http://schemas.microsoft.com/VisualStudio/2011/storyboarding/control">
-  <Id Name="System.Storyboarding.Common.MouseClick" Revision="1" Stencil="System.Storyboarding.Common" StencilVersion="0.1"/>
-</Control>
-</file>
-
-<file path=customXml/item81.xml><?xml version="1.0" encoding="utf-8"?>
-<Control xmlns="http://schemas.microsoft.com/VisualStudio/2011/storyboarding/control">
-  <Id Name="System.Storyboarding.Common.TextArea" Revision="1" Stencil="System.Storyboarding.Common" StencilVersion="0.1"/>
-</Control>
-</file>
-
-<file path=customXml/item82.xml><?xml version="1.0" encoding="utf-8"?>
-<?mso-contentType ?>
-<FormTemplates xmlns="http://schemas.microsoft.com/sharepoint/v3/contenttype/forms">
-  <Display>DocumentLibraryForm</Display>
-  <Edit>DocumentLibraryForm</Edit>
-  <New>DocumentLibraryForm</New>
-</FormTemplates>
-</file>
-
-<file path=customXml/item83.xml><?xml version="1.0" encoding="utf-8"?>
-<Control xmlns="http://schemas.microsoft.com/VisualStudio/2011/storyboarding/control">
-  <Id Name="System.Storyboarding.Common.SearchBox" Revision="1" Stencil="System.Storyboarding.Common" StencilVersion="0.1"/>
-</Control>
-</file>
-
-<file path=customXml/item84.xml><?xml version="1.0" encoding="utf-8"?>
-<Control xmlns="http://schemas.microsoft.com/VisualStudio/2011/storyboarding/control">
-  <Id Name="System.Storyboarding.Common.CheckBoxUnchecked" Revision="1" Stencil="System.Storyboarding.Common" StencilVersion="0.1"/>
-</Control>
-</file>
-
-<file path=customXml/item85.xml><?xml version="1.0" encoding="utf-8"?>
-<Control xmlns="http://schemas.microsoft.com/VisualStudio/2011/storyboarding/control">
-  <Id Name="System.Storyboarding.Common.Text" Revision="1" Stencil="System.Storyboarding.Common" StencilVersion="0.1"/>
-</Control>
-</file>
-
-<file path=customXml/item86.xml><?xml version="1.0" encoding="utf-8"?>
-<Control xmlns="http://schemas.microsoft.com/VisualStudio/2011/storyboarding/control/v1.0">
-  <Id Name="System.Storyboard.Stencil.ColorPicker" RevisionId="00000000-0000-0000-0000-000000000000" Stencil="System.Media" StencilRevisionId="00000000-0000-0000-0000-000000000000" StencilVersion="1.0"/>
-</Control>
-</file>
-
-<file path=customXml/item87.xml><?xml version="1.0" encoding="utf-8"?>
-<Control xmlns="http://schemas.microsoft.com/VisualStudio/2011/storyboarding/control/v1.0">
-  <Id Name="System.Storyboarding.Common.DropdownBox" RevisionId="68ea164d-c1de-47a5-804f-d4d1290fa524" Stencil="System.Storyboarding.Common" StencilRevisionId="68ea164d-c1de-47a5-804f-d4d1290fa524" StencilVersion="0.1"/>
-</Control>
-</file>
-
-<file path=customXml/item88.xml><?xml version="1.0" encoding="utf-8"?>
-<Control xmlns="http://schemas.microsoft.com/VisualStudio/2011/storyboarding/control">
-  <Id Name="System.Storyboarding.Common.SearchBox" Revision="1" Stencil="System.Storyboarding.Common" StencilVersion="0.1"/>
-</Control>
-</file>
-
-<file path=customXml/item89.xml><?xml version="1.0" encoding="utf-8"?>
-<Control xmlns="http://schemas.microsoft.com/VisualStudio/2011/storyboarding/control/v1.0">
-  <Id Name="System.Storyboard.Stencil.Image" RevisionId="00000000-0000-0000-0000-000000000000" Stencil="System.Media" StencilRevisionId="00000000-0000-0000-0000-000000000000" StencilVersion="1.0"/>
-</Control>
-</file>
-
-<file path=customXml/item9.xml><?xml version="1.0" encoding="utf-8"?>
-<Control xmlns="http://schemas.microsoft.com/VisualStudio/2011/storyboarding/control">
-  <Id Name="System.Storyboarding.Common.TextInput" Revision="1" Stencil="System.Storyboarding.Common" StencilVersion="0.1"/>
-</Control>
-</file>
-
-<file path=customXml/item90.xml><?xml version="1.0" encoding="utf-8"?>
-<Control xmlns="http://schemas.microsoft.com/VisualStudio/2011/storyboarding/control/v1.0">
-  <Id Name="System.Storyboard.Stencil.PhoneBrowserBar" RevisionId="00000000-0000-0000-0000-000000000000" Stencil="System.Windows_Phone_7" StencilRevisionId="00000000-0000-0000-0000-000000000000" StencilVersion="1.0"/>
-</Control>
-</file>
-
-<file path=customXml/item91.xml><?xml version="1.0" encoding="utf-8"?>
-<Control xmlns="http://schemas.microsoft.com/VisualStudio/2011/storyboarding/control/v1.0">
-  <Id Name="System.Storyboard.Stencil.WidePhoneTile" RevisionId="00000000-0000-0000-0000-000000000000" Stencil="System.Windows_Phone_7" StencilRevisionId="00000000-0000-0000-0000-000000000000" StencilVersion="1.0"/>
-</Control>
-</file>
-
-<file path=customXml/item92.xml><?xml version="1.0" encoding="utf-8"?>
-<Control xmlns="http://schemas.microsoft.com/VisualStudio/2011/storyboarding/control/v1.0">
-  <Id Name="System.Storyboarding.Common.Breadcrumb" RevisionId="68ea164d-c1de-47a5-804f-d4d1290fa524" Stencil="System.Storyboarding.Common" StencilRevisionId="68ea164d-c1de-47a5-804f-d4d1290fa524" StencilVersion="0.1"/>
-</Control>
-</file>
-
-<file path=customXml/item93.xml><?xml version="1.0" encoding="utf-8"?>
-<Control xmlns="http://schemas.microsoft.com/VisualStudio/2011/storyboarding/control">
-  <Id Name="System.Storyboarding.Common.Text" Revision="1" Stencil="System.Storyboarding.Common" StencilVersion="0.1"/>
-</Control>
-</file>
-
-<file path=customXml/item94.xml><?xml version="1.0" encoding="utf-8"?>
-<Control xmlns="http://schemas.microsoft.com/VisualStudio/2011/storyboarding/control">
-  <Id Name="System.Storyboarding.Common.TextArea" Revision="1" Stencil="System.Storyboarding.Common" StencilVersion="0.1"/>
-</Control>
-</file>
-
-<file path=customXml/item95.xml><?xml version="1.0" encoding="utf-8"?>
-<Control xmlns="http://schemas.microsoft.com/VisualStudio/2011/storyboarding/control">
-  <Id Name="System.Storyboarding.WindowsPhoneIcons.Video" RevisionId="5814b1e0-0169-11e0-a976-0800200c9a66" Stencil="System.Storyboarding.WindowsPhoneIcons" StencilRevisionId="5814b1e0-0169-11e0-a976-0800200c9a66" StencilVersion="0.1"/>
-</Control>
-</file>
-
-<file path=customXml/item96.xml><?xml version="1.0" encoding="utf-8"?>
-<Control xmlns="http://schemas.microsoft.com/VisualStudio/2011/storyboarding/control">
-  <Id Name="b5742593-4330-4997-98c6-02e7437a7975" Revision="1" Stencil="System.MyShapes" StencilVersion="1.0"/>
-</Control>
-</file>
-
-<file path=customXml/item97.xml><?xml version="1.0" encoding="utf-8"?>
-<Control xmlns="http://schemas.microsoft.com/VisualStudio/2011/storyboarding/control">
-  <Id Name="System.Storyboarding.Common.Text" Revision="1" Stencil="System.Storyboarding.Common" StencilVersion="0.1"/>
-</Control>
-</file>
-
-<file path=customXml/item98.xml><?xml version="1.0" encoding="utf-8"?>
+<file path=customXml/item99.xml><?xml version="1.0" encoding="utf-8"?>
 <Control xmlns="http://schemas.microsoft.com/VisualStudio/2011/storyboarding/control">
   <Id Name="System.Storyboarding.Common.DropdownBox" Revision="1" Stencil="System.Storyboarding.Common" StencilVersion="0.1"/>
 </Control>
 </file>
 
-<file path=customXml/item99.xml><?xml version="1.0" encoding="utf-8"?>
-<Control xmlns="http://schemas.microsoft.com/VisualStudio/2011/storyboarding/control">
-  <Id Name="System.Storyboarding.Common.Text" Revision="1" Stencil="System.Storyboarding.Common" StencilVersion="0.1"/>
-</Control>
-</file>
-
 <file path=customXml/itemProps1.xml><?xml version="1.0" encoding="utf-8"?>
-<ds:datastoreItem xmlns:ds="http://schemas.openxmlformats.org/officeDocument/2006/customXml" ds:itemID="{724AE484-A91A-4C5A-ADA2-B1E14D44C5F9}">
+<ds:datastoreItem xmlns:ds="http://schemas.openxmlformats.org/officeDocument/2006/customXml" ds:itemID="{BC3DFB4E-5FF4-4F62-926A-1F1B188759FD}">
   <ds:schemaRefs>
     <ds:schemaRef ds:uri="http://schemas.microsoft.com/VisualStudio/2011/storyboarding/control"/>
   </ds:schemaRefs>
@@ -48120,7 +48120,7 @@
 </file>
 
 <file path=customXml/itemProps10.xml><?xml version="1.0" encoding="utf-8"?>
-<ds:datastoreItem xmlns:ds="http://schemas.openxmlformats.org/officeDocument/2006/customXml" ds:itemID="{403C6BC3-D7AA-4E58-AD05-52B3DCE4509A}">
+<ds:datastoreItem xmlns:ds="http://schemas.openxmlformats.org/officeDocument/2006/customXml" ds:itemID="{A2467CA4-1312-4CB2-8D35-F125ADE86BDB}">
   <ds:schemaRefs>
     <ds:schemaRef ds:uri="http://schemas.microsoft.com/VisualStudio/2011/storyboarding/control"/>
   </ds:schemaRefs>
@@ -48128,7 +48128,7 @@
 </file>
 
 <file path=customXml/itemProps100.xml><?xml version="1.0" encoding="utf-8"?>
-<ds:datastoreItem xmlns:ds="http://schemas.openxmlformats.org/officeDocument/2006/customXml" ds:itemID="{B4DF03EA-95D8-472A-AE5D-DFC4AF15B022}">
+<ds:datastoreItem xmlns:ds="http://schemas.openxmlformats.org/officeDocument/2006/customXml" ds:itemID="{841747D4-39CC-40AD-A9E6-73C9D5CDFACB}">
   <ds:schemaRefs>
     <ds:schemaRef ds:uri="http://schemas.microsoft.com/VisualStudio/2011/storyboarding/control"/>
   </ds:schemaRefs>
@@ -48136,7 +48136,7 @@
 </file>
 
 <file path=customXml/itemProps101.xml><?xml version="1.0" encoding="utf-8"?>
-<ds:datastoreItem xmlns:ds="http://schemas.openxmlformats.org/officeDocument/2006/customXml" ds:itemID="{ADB04634-E1B0-4104-AA98-AD7F274ACEFE}">
+<ds:datastoreItem xmlns:ds="http://schemas.openxmlformats.org/officeDocument/2006/customXml" ds:itemID="{65D627D8-B4C3-485A-A660-3F82C30F6F4D}">
   <ds:schemaRefs>
     <ds:schemaRef ds:uri="http://schemas.microsoft.com/VisualStudio/2011/storyboarding/control"/>
   </ds:schemaRefs>
@@ -48144,94 +48144,54 @@
 </file>
 
 <file path=customXml/itemProps102.xml><?xml version="1.0" encoding="utf-8"?>
-<ds:datastoreItem xmlns:ds="http://schemas.openxmlformats.org/officeDocument/2006/customXml" ds:itemID="{013A0AD4-9F3D-4ED0-A576-2EA7727919A1}">
+<ds:datastoreItem xmlns:ds="http://schemas.openxmlformats.org/officeDocument/2006/customXml" ds:itemID="{D356E6DB-54C9-4389-B932-0F583366BD4B}">
+  <ds:schemaRefs>
+    <ds:schemaRef ds:uri="http://schemas.microsoft.com/VisualStudio/2011/storyboarding/control/v1.0"/>
+  </ds:schemaRefs>
+</ds:datastoreItem>
+</file>
+
+<file path=customXml/itemProps103.xml><?xml version="1.0" encoding="utf-8"?>
+<ds:datastoreItem xmlns:ds="http://schemas.openxmlformats.org/officeDocument/2006/customXml" ds:itemID="{CF6ADF36-104B-46FF-B50C-7452ED382388}">
   <ds:schemaRefs>
     <ds:schemaRef ds:uri="http://schemas.microsoft.com/VisualStudio/2011/storyboarding/control"/>
   </ds:schemaRefs>
 </ds:datastoreItem>
 </file>
 
-<file path=customXml/itemProps103.xml><?xml version="1.0" encoding="utf-8"?>
-<ds:datastoreItem xmlns:ds="http://schemas.openxmlformats.org/officeDocument/2006/customXml" ds:itemID="{50AB9033-38E6-4E6C-802A-6C285CADB0AF}">
+<file path=customXml/itemProps104.xml><?xml version="1.0" encoding="utf-8"?>
+<ds:datastoreItem xmlns:ds="http://schemas.openxmlformats.org/officeDocument/2006/customXml" ds:itemID="{64C1A34D-9BCF-4EB1-9B34-5F6DD4A16513}">
   <ds:schemaRefs>
     <ds:schemaRef ds:uri="http://schemas.microsoft.com/VisualStudio/2011/storyboarding/control"/>
   </ds:schemaRefs>
 </ds:datastoreItem>
 </file>
 
-<file path=customXml/itemProps104.xml><?xml version="1.0" encoding="utf-8"?>
-<ds:datastoreItem xmlns:ds="http://schemas.openxmlformats.org/officeDocument/2006/customXml" ds:itemID="{F750840A-4646-401F-9E4C-EF29E17FC114}">
+<file path=customXml/itemProps105.xml><?xml version="1.0" encoding="utf-8"?>
+<ds:datastoreItem xmlns:ds="http://schemas.openxmlformats.org/officeDocument/2006/customXml" ds:itemID="{814432F2-7AE9-411E-9F7B-EBBF16C4666D}">
+  <ds:schemaRefs>
+    <ds:schemaRef ds:uri="http://schemas.microsoft.com/VisualStudio/2011/storyboarding/control/v1.0"/>
+  </ds:schemaRefs>
+</ds:datastoreItem>
+</file>
+
+<file path=customXml/itemProps106.xml><?xml version="1.0" encoding="utf-8"?>
+<ds:datastoreItem xmlns:ds="http://schemas.openxmlformats.org/officeDocument/2006/customXml" ds:itemID="{5AEB498F-611A-4747-BA30-9FC7F2005BBC}">
   <ds:schemaRefs>
     <ds:schemaRef ds:uri="http://schemas.microsoft.com/VisualStudio/2011/storyboarding/control"/>
   </ds:schemaRefs>
 </ds:datastoreItem>
 </file>
 
-<file path=customXml/itemProps105.xml><?xml version="1.0" encoding="utf-8"?>
-<ds:datastoreItem xmlns:ds="http://schemas.openxmlformats.org/officeDocument/2006/customXml" ds:itemID="{CC419530-796D-4DBE-BBEE-9A6630A896E1}">
+<file path=customXml/itemProps107.xml><?xml version="1.0" encoding="utf-8"?>
+<ds:datastoreItem xmlns:ds="http://schemas.openxmlformats.org/officeDocument/2006/customXml" ds:itemID="{D705ACE5-FAF8-44EC-9622-845721B4A44D}">
   <ds:schemaRefs>
     <ds:schemaRef ds:uri="http://schemas.microsoft.com/VisualStudio/2011/storyboarding/control/v1.0"/>
   </ds:schemaRefs>
 </ds:datastoreItem>
 </file>
 
-<file path=customXml/itemProps106.xml><?xml version="1.0" encoding="utf-8"?>
-<ds:datastoreItem xmlns:ds="http://schemas.openxmlformats.org/officeDocument/2006/customXml" ds:itemID="{AB006AED-D3B6-450F-A436-759E490055A5}">
-  <ds:schemaRefs>
-    <ds:schemaRef ds:uri="http://schemas.microsoft.com/VisualStudio/2011/storyboarding/control/v1.0"/>
-  </ds:schemaRefs>
-</ds:datastoreItem>
-</file>
-
-<file path=customXml/itemProps107.xml><?xml version="1.0" encoding="utf-8"?>
-<ds:datastoreItem xmlns:ds="http://schemas.openxmlformats.org/officeDocument/2006/customXml" ds:itemID="{6B22741B-5AC6-4A2C-A57A-E4BDF22E0A90}">
-  <ds:schemaRefs>
-    <ds:schemaRef ds:uri="http://schemas.microsoft.com/VisualStudio/2011/storyboarding/control/v1.0"/>
-  </ds:schemaRefs>
-</ds:datastoreItem>
-</file>
-
 <file path=customXml/itemProps108.xml><?xml version="1.0" encoding="utf-8"?>
-<ds:datastoreItem xmlns:ds="http://schemas.openxmlformats.org/officeDocument/2006/customXml" ds:itemID="{AD9C1405-6371-400D-A0E2-389A1557BE20}">
-  <ds:schemaRefs>
-    <ds:schemaRef ds:uri="http://schemas.microsoft.com/VisualStudio/2011/storyboarding/control/v1.0"/>
-  </ds:schemaRefs>
-</ds:datastoreItem>
-</file>
-
-<file path=customXml/itemProps109.xml><?xml version="1.0" encoding="utf-8"?>
-<ds:datastoreItem xmlns:ds="http://schemas.openxmlformats.org/officeDocument/2006/customXml" ds:itemID="{90D9B8AC-3F59-44DB-A5DF-E2DC5644EC71}">
-  <ds:schemaRefs>
-    <ds:schemaRef ds:uri="http://schemas.microsoft.com/VisualStudio/2011/storyboarding/control"/>
-  </ds:schemaRefs>
-</ds:datastoreItem>
-</file>
-
-<file path=customXml/itemProps11.xml><?xml version="1.0" encoding="utf-8"?>
-<ds:datastoreItem xmlns:ds="http://schemas.openxmlformats.org/officeDocument/2006/customXml" ds:itemID="{B0DBD337-FDC5-4C36-BF85-C09756391AA1}">
-  <ds:schemaRefs>
-    <ds:schemaRef ds:uri="http://schemas.microsoft.com/VisualStudio/2011/storyboarding/control/v1.0"/>
-  </ds:schemaRefs>
-</ds:datastoreItem>
-</file>
-
-<file path=customXml/itemProps110.xml><?xml version="1.0" encoding="utf-8"?>
-<ds:datastoreItem xmlns:ds="http://schemas.openxmlformats.org/officeDocument/2006/customXml" ds:itemID="{070A0919-5036-4D47-9D0D-4D9A508634EC}">
-  <ds:schemaRefs>
-    <ds:schemaRef ds:uri="http://schemas.microsoft.com/VisualStudio/2011/storyboarding/control"/>
-  </ds:schemaRefs>
-</ds:datastoreItem>
-</file>
-
-<file path=customXml/itemProps111.xml><?xml version="1.0" encoding="utf-8"?>
-<ds:datastoreItem xmlns:ds="http://schemas.openxmlformats.org/officeDocument/2006/customXml" ds:itemID="{E4971D0C-420D-4809-8F33-590B7037BBDD}">
-  <ds:schemaRefs>
-    <ds:schemaRef ds:uri="http://schemas.microsoft.com/VisualStudio/2011/storyboarding/control"/>
-  </ds:schemaRefs>
-</ds:datastoreItem>
-</file>
-
-<file path=customXml/itemProps112.xml><?xml version="1.0" encoding="utf-8"?>
 <ds:datastoreItem xmlns:ds="http://schemas.openxmlformats.org/officeDocument/2006/customXml" ds:itemID="{87756BF3-99DD-459A-983C-CB7CF508397B}">
   <ds:schemaRefs>
     <ds:schemaRef ds:uri="http://schemas.microsoft.com/VisualStudio/2011/storyboarding/control"/>
@@ -48239,88 +48199,128 @@
 </ds:datastoreItem>
 </file>
 
-<file path=customXml/itemProps113.xml><?xml version="1.0" encoding="utf-8"?>
-<ds:datastoreItem xmlns:ds="http://schemas.openxmlformats.org/officeDocument/2006/customXml" ds:itemID="{A2C6E495-7087-4B96-B86F-7F6CABCE8BF8}">
+<file path=customXml/itemProps109.xml><?xml version="1.0" encoding="utf-8"?>
+<ds:datastoreItem xmlns:ds="http://schemas.openxmlformats.org/officeDocument/2006/customXml" ds:itemID="{D45B366B-3798-4663-91E0-AD0AD6C27250}">
   <ds:schemaRefs>
     <ds:schemaRef ds:uri="http://schemas.microsoft.com/VisualStudio/2011/storyboarding/control"/>
   </ds:schemaRefs>
 </ds:datastoreItem>
 </file>
 
-<file path=customXml/itemProps114.xml><?xml version="1.0" encoding="utf-8"?>
-<ds:datastoreItem xmlns:ds="http://schemas.openxmlformats.org/officeDocument/2006/customXml" ds:itemID="{32217E3C-AB6C-4709-89B2-382049C37CA9}">
+<file path=customXml/itemProps11.xml><?xml version="1.0" encoding="utf-8"?>
+<ds:datastoreItem xmlns:ds="http://schemas.openxmlformats.org/officeDocument/2006/customXml" ds:itemID="{09AB39FA-4C31-44D3-8396-6567184FBB26}">
   <ds:schemaRefs>
     <ds:schemaRef ds:uri="http://schemas.microsoft.com/VisualStudio/2011/storyboarding/control"/>
   </ds:schemaRefs>
 </ds:datastoreItem>
 </file>
 
-<file path=customXml/itemProps115.xml><?xml version="1.0" encoding="utf-8"?>
-<ds:datastoreItem xmlns:ds="http://schemas.openxmlformats.org/officeDocument/2006/customXml" ds:itemID="{AE37FB5D-C140-4FA3-AFC0-7BBE49EA661F}">
+<file path=customXml/itemProps110.xml><?xml version="1.0" encoding="utf-8"?>
+<ds:datastoreItem xmlns:ds="http://schemas.openxmlformats.org/officeDocument/2006/customXml" ds:itemID="{C1E8400F-CB83-4A16-AF3D-36FAF22BDD23}">
+  <ds:schemaRefs>
+    <ds:schemaRef ds:uri="http://schemas.microsoft.com/VisualStudio/2011/storyboarding/control/v1.0"/>
+  </ds:schemaRefs>
+</ds:datastoreItem>
+</file>
+
+<file path=customXml/itemProps111.xml><?xml version="1.0" encoding="utf-8"?>
+<ds:datastoreItem xmlns:ds="http://schemas.openxmlformats.org/officeDocument/2006/customXml" ds:itemID="{EAFC578D-2F7F-4742-9430-F08171D1B752}">
   <ds:schemaRefs>
     <ds:schemaRef ds:uri="http://schemas.microsoft.com/VisualStudio/2011/storyboarding/control"/>
   </ds:schemaRefs>
 </ds:datastoreItem>
 </file>
 
-<file path=customXml/itemProps116.xml><?xml version="1.0" encoding="utf-8"?>
-<ds:datastoreItem xmlns:ds="http://schemas.openxmlformats.org/officeDocument/2006/customXml" ds:itemID="{80057D26-84AE-4214-A069-42EEB0220CF3}">
+<file path=customXml/itemProps112.xml><?xml version="1.0" encoding="utf-8"?>
+<ds:datastoreItem xmlns:ds="http://schemas.openxmlformats.org/officeDocument/2006/customXml" ds:itemID="{518BFC86-3FAF-4208-8B8C-3779530ADA6A}">
   <ds:schemaRefs>
     <ds:schemaRef ds:uri="http://schemas.microsoft.com/VisualStudio/2011/storyboarding/control"/>
   </ds:schemaRefs>
 </ds:datastoreItem>
 </file>
 
+<file path=customXml/itemProps113.xml><?xml version="1.0" encoding="utf-8"?>
+<ds:datastoreItem xmlns:ds="http://schemas.openxmlformats.org/officeDocument/2006/customXml" ds:itemID="{FA5216FE-1DE9-4185-8800-0EC7C7890F70}">
+  <ds:schemaRefs>
+    <ds:schemaRef ds:uri="http://schemas.microsoft.com/VisualStudio/2011/storyboarding/control"/>
+  </ds:schemaRefs>
+</ds:datastoreItem>
+</file>
+
+<file path=customXml/itemProps114.xml><?xml version="1.0" encoding="utf-8"?>
+<ds:datastoreItem xmlns:ds="http://schemas.openxmlformats.org/officeDocument/2006/customXml" ds:itemID="{48C57403-F2FB-4B26-BA3E-D349DB7D1CA8}">
+  <ds:schemaRefs>
+    <ds:schemaRef ds:uri="http://schemas.microsoft.com/VisualStudio/2011/storyboarding/control"/>
+  </ds:schemaRefs>
+</ds:datastoreItem>
+</file>
+
+<file path=customXml/itemProps115.xml><?xml version="1.0" encoding="utf-8"?>
+<ds:datastoreItem xmlns:ds="http://schemas.openxmlformats.org/officeDocument/2006/customXml" ds:itemID="{F2F0840F-DCB2-4FB7-9C6F-74188743A963}">
+  <ds:schemaRefs>
+    <ds:schemaRef ds:uri="http://schemas.microsoft.com/VisualStudio/2011/storyboarding/control"/>
+  </ds:schemaRefs>
+</ds:datastoreItem>
+</file>
+
+<file path=customXml/itemProps116.xml><?xml version="1.0" encoding="utf-8"?>
+<ds:datastoreItem xmlns:ds="http://schemas.openxmlformats.org/officeDocument/2006/customXml" ds:itemID="{245C9D42-AED9-4DE9-BEE9-065304A671E1}">
+  <ds:schemaRefs>
+    <ds:schemaRef ds:uri="http://schemas.microsoft.com/VisualStudio/2011/storyboarding/control"/>
+  </ds:schemaRefs>
+</ds:datastoreItem>
+</file>
+
 <file path=customXml/itemProps117.xml><?xml version="1.0" encoding="utf-8"?>
-<ds:datastoreItem xmlns:ds="http://schemas.openxmlformats.org/officeDocument/2006/customXml" ds:itemID="{288CEDBF-3F9B-47CF-AF84-2B8486359159}">
+<ds:datastoreItem xmlns:ds="http://schemas.openxmlformats.org/officeDocument/2006/customXml" ds:itemID="{0E6EFF5D-4958-4328-A1F4-273676ED0A93}">
+  <ds:schemaRefs>
+    <ds:schemaRef ds:uri="http://schemas.microsoft.com/VisualStudio/2011/storyboarding/control"/>
+  </ds:schemaRefs>
+</ds:datastoreItem>
+</file>
+
+<file path=customXml/itemProps118.xml><?xml version="1.0" encoding="utf-8"?>
+<ds:datastoreItem xmlns:ds="http://schemas.openxmlformats.org/officeDocument/2006/customXml" ds:itemID="{BA2C55E9-BDE8-41FC-B02F-EBA8C07A01F8}">
   <ds:schemaRefs>
     <ds:schemaRef ds:uri="http://schemas.microsoft.com/VisualStudio/2011/storyboarding/control/v1.0"/>
   </ds:schemaRefs>
 </ds:datastoreItem>
 </file>
 
-<file path=customXml/itemProps118.xml><?xml version="1.0" encoding="utf-8"?>
-<ds:datastoreItem xmlns:ds="http://schemas.openxmlformats.org/officeDocument/2006/customXml" ds:itemID="{729DB56D-F542-4709-9AE0-E83CD92BA163}">
+<file path=customXml/itemProps119.xml><?xml version="1.0" encoding="utf-8"?>
+<ds:datastoreItem xmlns:ds="http://schemas.openxmlformats.org/officeDocument/2006/customXml" ds:itemID="{5DBFF5E1-D0FE-4FAD-88CA-B82495D76ACF}">
+  <ds:schemaRefs>
+    <ds:schemaRef ds:uri="http://schemas.microsoft.com/VisualStudio/2011/storyboarding/control"/>
+  </ds:schemaRefs>
+</ds:datastoreItem>
+</file>
+
+<file path=customXml/itemProps12.xml><?xml version="1.0" encoding="utf-8"?>
+<ds:datastoreItem xmlns:ds="http://schemas.openxmlformats.org/officeDocument/2006/customXml" ds:itemID="{6CCE3CA7-341D-4718-9E2A-11B173C57EC1}">
+  <ds:schemaRefs>
+    <ds:schemaRef ds:uri="http://schemas.microsoft.com/VisualStudio/2011/storyboarding/control"/>
+  </ds:schemaRefs>
+</ds:datastoreItem>
+</file>
+
+<file path=customXml/itemProps120.xml><?xml version="1.0" encoding="utf-8"?>
+<ds:datastoreItem xmlns:ds="http://schemas.openxmlformats.org/officeDocument/2006/customXml" ds:itemID="{359B13B5-DE77-48C2-859A-70355A1B9D90}">
   <ds:schemaRefs>
     <ds:schemaRef ds:uri="http://schemas.microsoft.com/VisualStudio/2011/storyboarding/control/v1.0"/>
   </ds:schemaRefs>
 </ds:datastoreItem>
 </file>
 
-<file path=customXml/itemProps119.xml><?xml version="1.0" encoding="utf-8"?>
-<ds:datastoreItem xmlns:ds="http://schemas.openxmlformats.org/officeDocument/2006/customXml" ds:itemID="{53BC856C-B486-437D-A7B4-612AE9417D7A}">
-  <ds:schemaRefs>
-    <ds:schemaRef ds:uri="http://schemas.microsoft.com/VisualStudio/2011/storyboarding/control/v1.0"/>
-  </ds:schemaRefs>
-</ds:datastoreItem>
-</file>
-
-<file path=customXml/itemProps12.xml><?xml version="1.0" encoding="utf-8"?>
-<ds:datastoreItem xmlns:ds="http://schemas.openxmlformats.org/officeDocument/2006/customXml" ds:itemID="{B5B3D461-05BC-453F-A891-9BA91045E521}">
+<file path=customXml/itemProps121.xml><?xml version="1.0" encoding="utf-8"?>
+<ds:datastoreItem xmlns:ds="http://schemas.openxmlformats.org/officeDocument/2006/customXml" ds:itemID="{64A06D12-0C7F-4F2C-BFDB-4E96BE9DF1F5}">
   <ds:schemaRefs>
     <ds:schemaRef ds:uri="http://schemas.microsoft.com/VisualStudio/2011/storyboarding/control"/>
   </ds:schemaRefs>
 </ds:datastoreItem>
 </file>
 
-<file path=customXml/itemProps120.xml><?xml version="1.0" encoding="utf-8"?>
-<ds:datastoreItem xmlns:ds="http://schemas.openxmlformats.org/officeDocument/2006/customXml" ds:itemID="{1AF31726-A62F-4331-8622-ED351D5149B7}">
-  <ds:schemaRefs>
-    <ds:schemaRef ds:uri="http://schemas.microsoft.com/VisualStudio/2011/storyboarding/control"/>
-  </ds:schemaRefs>
-</ds:datastoreItem>
-</file>
-
-<file path=customXml/itemProps121.xml><?xml version="1.0" encoding="utf-8"?>
-<ds:datastoreItem xmlns:ds="http://schemas.openxmlformats.org/officeDocument/2006/customXml" ds:itemID="{61718306-62A2-464C-A071-ED5770176479}">
-  <ds:schemaRefs>
-    <ds:schemaRef ds:uri="http://schemas.microsoft.com/VisualStudio/2011/storyboarding/control"/>
-  </ds:schemaRefs>
-</ds:datastoreItem>
-</file>
-
 <file path=customXml/itemProps122.xml><?xml version="1.0" encoding="utf-8"?>
-<ds:datastoreItem xmlns:ds="http://schemas.openxmlformats.org/officeDocument/2006/customXml" ds:itemID="{E2EFB470-892C-4F70-98FA-B53F970592A9}">
+<ds:datastoreItem xmlns:ds="http://schemas.openxmlformats.org/officeDocument/2006/customXml" ds:itemID="{013A0AD4-9F3D-4ED0-A576-2EA7727919A1}">
   <ds:schemaRefs>
     <ds:schemaRef ds:uri="http://schemas.microsoft.com/VisualStudio/2011/storyboarding/control"/>
   </ds:schemaRefs>
@@ -48336,6 +48336,254 @@
 </file>
 
 <file path=customXml/itemProps124.xml><?xml version="1.0" encoding="utf-8"?>
+<ds:datastoreItem xmlns:ds="http://schemas.openxmlformats.org/officeDocument/2006/customXml" ds:itemID="{C033384C-50F5-477A-9BC2-506199347FDE}">
+  <ds:schemaRefs>
+    <ds:schemaRef ds:uri="http://schemas.microsoft.com/VisualStudio/2011/storyboarding/control"/>
+  </ds:schemaRefs>
+</ds:datastoreItem>
+</file>
+
+<file path=customXml/itemProps125.xml><?xml version="1.0" encoding="utf-8"?>
+<ds:datastoreItem xmlns:ds="http://schemas.openxmlformats.org/officeDocument/2006/customXml" ds:itemID="{CD17C18B-5B11-471F-97AA-CE2EA822BB97}">
+  <ds:schemaRefs>
+    <ds:schemaRef ds:uri="http://schemas.microsoft.com/VisualStudio/2011/storyboarding/control/v1.0"/>
+  </ds:schemaRefs>
+</ds:datastoreItem>
+</file>
+
+<file path=customXml/itemProps126.xml><?xml version="1.0" encoding="utf-8"?>
+<ds:datastoreItem xmlns:ds="http://schemas.openxmlformats.org/officeDocument/2006/customXml" ds:itemID="{210D98BC-CFC9-452C-BD71-82D18275CCFB}">
+  <ds:schemaRefs>
+    <ds:schemaRef ds:uri="http://schemas.microsoft.com/VisualStudio/2011/storyboarding/control"/>
+  </ds:schemaRefs>
+</ds:datastoreItem>
+</file>
+
+<file path=customXml/itemProps127.xml><?xml version="1.0" encoding="utf-8"?>
+<ds:datastoreItem xmlns:ds="http://schemas.openxmlformats.org/officeDocument/2006/customXml" ds:itemID="{01E0B54D-93C0-47BA-BD37-28A68DD7C93D}">
+  <ds:schemaRefs>
+    <ds:schemaRef ds:uri="http://schemas.microsoft.com/VisualStudio/2011/storyboarding/control"/>
+  </ds:schemaRefs>
+</ds:datastoreItem>
+</file>
+
+<file path=customXml/itemProps128.xml><?xml version="1.0" encoding="utf-8"?>
+<ds:datastoreItem xmlns:ds="http://schemas.openxmlformats.org/officeDocument/2006/customXml" ds:itemID="{562C37FA-BC49-48FE-A586-618D0F9E7A11}">
+  <ds:schemaRefs>
+    <ds:schemaRef ds:uri="http://schemas.microsoft.com/VisualStudio/2011/storyboarding/control"/>
+  </ds:schemaRefs>
+</ds:datastoreItem>
+</file>
+
+<file path=customXml/itemProps129.xml><?xml version="1.0" encoding="utf-8"?>
+<ds:datastoreItem xmlns:ds="http://schemas.openxmlformats.org/officeDocument/2006/customXml" ds:itemID="{A6ECB6E0-BD84-4681-8699-56A1B3F36A60}">
+  <ds:schemaRefs>
+    <ds:schemaRef ds:uri="http://schemas.microsoft.com/VisualStudio/2011/storyboarding/control"/>
+  </ds:schemaRefs>
+</ds:datastoreItem>
+</file>
+
+<file path=customXml/itemProps13.xml><?xml version="1.0" encoding="utf-8"?>
+<ds:datastoreItem xmlns:ds="http://schemas.openxmlformats.org/officeDocument/2006/customXml" ds:itemID="{A214BBB2-0619-4F79-8F5D-C4D646E29AE2}">
+  <ds:schemaRefs>
+    <ds:schemaRef ds:uri="http://schemas.microsoft.com/VisualStudio/2011/storyboarding/control"/>
+  </ds:schemaRefs>
+</ds:datastoreItem>
+</file>
+
+<file path=customXml/itemProps130.xml><?xml version="1.0" encoding="utf-8"?>
+<ds:datastoreItem xmlns:ds="http://schemas.openxmlformats.org/officeDocument/2006/customXml" ds:itemID="{2D05A1BB-F8F2-4A8C-9C47-4D725E73E8C0}">
+  <ds:schemaRefs>
+    <ds:schemaRef ds:uri="http://schemas.microsoft.com/VisualStudio/2011/storyboarding/control"/>
+  </ds:schemaRefs>
+</ds:datastoreItem>
+</file>
+
+<file path=customXml/itemProps131.xml><?xml version="1.0" encoding="utf-8"?>
+<ds:datastoreItem xmlns:ds="http://schemas.openxmlformats.org/officeDocument/2006/customXml" ds:itemID="{699689A1-427B-4DEA-8FDB-0058CB4B38D8}">
+  <ds:schemaRefs>
+    <ds:schemaRef ds:uri="http://schemas.microsoft.com/VisualStudio/2011/storyboarding/control/v1.0"/>
+  </ds:schemaRefs>
+</ds:datastoreItem>
+</file>
+
+<file path=customXml/itemProps132.xml><?xml version="1.0" encoding="utf-8"?>
+<ds:datastoreItem xmlns:ds="http://schemas.openxmlformats.org/officeDocument/2006/customXml" ds:itemID="{C4783010-23AB-4BDC-BABF-F6576658A2B0}">
+  <ds:schemaRefs>
+    <ds:schemaRef ds:uri="http://schemas.microsoft.com/VisualStudio/2011/storyboarding/control/v1.0"/>
+  </ds:schemaRefs>
+</ds:datastoreItem>
+</file>
+
+<file path=customXml/itemProps133.xml><?xml version="1.0" encoding="utf-8"?>
+<ds:datastoreItem xmlns:ds="http://schemas.openxmlformats.org/officeDocument/2006/customXml" ds:itemID="{9C57ED54-5F7A-476D-BFE2-C46C7230CC6B}">
+  <ds:schemaRefs>
+    <ds:schemaRef ds:uri="http://schemas.microsoft.com/VisualStudio/2011/storyboarding/control/v1.0"/>
+  </ds:schemaRefs>
+</ds:datastoreItem>
+</file>
+
+<file path=customXml/itemProps134.xml><?xml version="1.0" encoding="utf-8"?>
+<ds:datastoreItem xmlns:ds="http://schemas.openxmlformats.org/officeDocument/2006/customXml" ds:itemID="{8D6F1E2B-42FE-4A71-93A8-D9B6BF0B3428}">
+  <ds:schemaRefs>
+    <ds:schemaRef ds:uri="http://schemas.microsoft.com/VisualStudio/2011/storyboarding/control"/>
+  </ds:schemaRefs>
+</ds:datastoreItem>
+</file>
+
+<file path=customXml/itemProps135.xml><?xml version="1.0" encoding="utf-8"?>
+<ds:datastoreItem xmlns:ds="http://schemas.openxmlformats.org/officeDocument/2006/customXml" ds:itemID="{00058C37-2776-41CC-825C-5662329DBF01}">
+  <ds:schemaRefs>
+    <ds:schemaRef ds:uri="http://schemas.microsoft.com/VisualStudio/2011/storyboarding/control"/>
+  </ds:schemaRefs>
+</ds:datastoreItem>
+</file>
+
+<file path=customXml/itemProps136.xml><?xml version="1.0" encoding="utf-8"?>
+<ds:datastoreItem xmlns:ds="http://schemas.openxmlformats.org/officeDocument/2006/customXml" ds:itemID="{4BBB479A-7116-4DFF-B5F0-559C79AF2773}">
+  <ds:schemaRefs>
+    <ds:schemaRef ds:uri="http://schemas.microsoft.com/VisualStudio/2011/storyboarding/control"/>
+  </ds:schemaRefs>
+</ds:datastoreItem>
+</file>
+
+<file path=customXml/itemProps137.xml><?xml version="1.0" encoding="utf-8"?>
+<ds:datastoreItem xmlns:ds="http://schemas.openxmlformats.org/officeDocument/2006/customXml" ds:itemID="{A2C6E495-7087-4B96-B86F-7F6CABCE8BF8}">
+  <ds:schemaRefs>
+    <ds:schemaRef ds:uri="http://schemas.microsoft.com/VisualStudio/2011/storyboarding/control"/>
+  </ds:schemaRefs>
+</ds:datastoreItem>
+</file>
+
+<file path=customXml/itemProps138.xml><?xml version="1.0" encoding="utf-8"?>
+<ds:datastoreItem xmlns:ds="http://schemas.openxmlformats.org/officeDocument/2006/customXml" ds:itemID="{0247083A-3524-406A-A57C-68F47B43167B}">
+  <ds:schemaRefs>
+    <ds:schemaRef ds:uri="http://schemas.microsoft.com/VisualStudio/2011/storyboarding/control"/>
+  </ds:schemaRefs>
+</ds:datastoreItem>
+</file>
+
+<file path=customXml/itemProps139.xml><?xml version="1.0" encoding="utf-8"?>
+<ds:datastoreItem xmlns:ds="http://schemas.openxmlformats.org/officeDocument/2006/customXml" ds:itemID="{15C208BD-B335-417C-9169-07AE3E393AB4}">
+  <ds:schemaRefs>
+    <ds:schemaRef ds:uri="http://schemas.microsoft.com/VisualStudio/2011/storyboarding/control"/>
+  </ds:schemaRefs>
+</ds:datastoreItem>
+</file>
+
+<file path=customXml/itemProps14.xml><?xml version="1.0" encoding="utf-8"?>
+<ds:datastoreItem xmlns:ds="http://schemas.openxmlformats.org/officeDocument/2006/customXml" ds:itemID="{E4955A29-9332-4962-A3C6-CC5E8FE29315}">
+  <ds:schemaRefs>
+    <ds:schemaRef ds:uri="http://schemas.microsoft.com/VisualStudio/2011/storyboarding/control"/>
+  </ds:schemaRefs>
+</ds:datastoreItem>
+</file>
+
+<file path=customXml/itemProps140.xml><?xml version="1.0" encoding="utf-8"?>
+<ds:datastoreItem xmlns:ds="http://schemas.openxmlformats.org/officeDocument/2006/customXml" ds:itemID="{D8E0912A-795B-4916-9114-34B4F28A0EE3}">
+  <ds:schemaRefs>
+    <ds:schemaRef ds:uri="http://schemas.microsoft.com/VisualStudio/2011/storyboarding/control/v1.0"/>
+  </ds:schemaRefs>
+</ds:datastoreItem>
+</file>
+
+<file path=customXml/itemProps141.xml><?xml version="1.0" encoding="utf-8"?>
+<ds:datastoreItem xmlns:ds="http://schemas.openxmlformats.org/officeDocument/2006/customXml" ds:itemID="{A6CECEA6-E7B3-4E14-A088-25D078A015BE}">
+  <ds:schemaRefs>
+    <ds:schemaRef ds:uri="http://schemas.microsoft.com/VisualStudio/2011/storyboarding/control"/>
+  </ds:schemaRefs>
+</ds:datastoreItem>
+</file>
+
+<file path=customXml/itemProps142.xml><?xml version="1.0" encoding="utf-8"?>
+<ds:datastoreItem xmlns:ds="http://schemas.openxmlformats.org/officeDocument/2006/customXml" ds:itemID="{6772C88A-36A0-4EAC-86A3-BB16EEADAB3E}">
+  <ds:schemaRefs>
+    <ds:schemaRef ds:uri="http://schemas.microsoft.com/VisualStudio/2011/storyboarding/control/v1.0"/>
+  </ds:schemaRefs>
+</ds:datastoreItem>
+</file>
+
+<file path=customXml/itemProps143.xml><?xml version="1.0" encoding="utf-8"?>
+<ds:datastoreItem xmlns:ds="http://schemas.openxmlformats.org/officeDocument/2006/customXml" ds:itemID="{4C0069AA-981E-4DCF-95BA-4FF939F40700}">
+  <ds:schemaRefs>
+    <ds:schemaRef ds:uri="http://schemas.microsoft.com/VisualStudio/2011/storyboarding/control"/>
+  </ds:schemaRefs>
+</ds:datastoreItem>
+</file>
+
+<file path=customXml/itemProps144.xml><?xml version="1.0" encoding="utf-8"?>
+<ds:datastoreItem xmlns:ds="http://schemas.openxmlformats.org/officeDocument/2006/customXml" ds:itemID="{F1C4ACDC-E59B-4A7C-8B85-138496E90808}">
+  <ds:schemaRefs>
+    <ds:schemaRef ds:uri="http://schemas.microsoft.com/VisualStudio/2011/storyboarding/control"/>
+  </ds:schemaRefs>
+</ds:datastoreItem>
+</file>
+
+<file path=customXml/itemProps145.xml><?xml version="1.0" encoding="utf-8"?>
+<ds:datastoreItem xmlns:ds="http://schemas.openxmlformats.org/officeDocument/2006/customXml" ds:itemID="{81D961FF-5AEC-42D4-A825-40F6A2C53406}">
+  <ds:schemaRefs>
+    <ds:schemaRef ds:uri="http://schemas.microsoft.com/VisualStudio/2011/storyboarding/control"/>
+  </ds:schemaRefs>
+</ds:datastoreItem>
+</file>
+
+<file path=customXml/itemProps146.xml><?xml version="1.0" encoding="utf-8"?>
+<ds:datastoreItem xmlns:ds="http://schemas.openxmlformats.org/officeDocument/2006/customXml" ds:itemID="{528E95B9-CEE3-4C79-9779-69BAED92798A}">
+  <ds:schemaRefs>
+    <ds:schemaRef ds:uri="http://schemas.microsoft.com/VisualStudio/2011/storyboarding/control"/>
+  </ds:schemaRefs>
+</ds:datastoreItem>
+</file>
+
+<file path=customXml/itemProps147.xml><?xml version="1.0" encoding="utf-8"?>
+<ds:datastoreItem xmlns:ds="http://schemas.openxmlformats.org/officeDocument/2006/customXml" ds:itemID="{E1BAF4CB-704B-4C94-BD7D-4724B54B1561}">
+  <ds:schemaRefs>
+    <ds:schemaRef ds:uri="http://schemas.microsoft.com/VisualStudio/2011/storyboarding/control"/>
+  </ds:schemaRefs>
+</ds:datastoreItem>
+</file>
+
+<file path=customXml/itemProps148.xml><?xml version="1.0" encoding="utf-8"?>
+<ds:datastoreItem xmlns:ds="http://schemas.openxmlformats.org/officeDocument/2006/customXml" ds:itemID="{AA63A2A6-8C8A-43A5-BBCE-29755176128F}">
+  <ds:schemaRefs>
+    <ds:schemaRef ds:uri="http://schemas.microsoft.com/VisualStudio/2011/storyboarding/control"/>
+  </ds:schemaRefs>
+</ds:datastoreItem>
+</file>
+
+<file path=customXml/itemProps149.xml><?xml version="1.0" encoding="utf-8"?>
+<ds:datastoreItem xmlns:ds="http://schemas.openxmlformats.org/officeDocument/2006/customXml" ds:itemID="{2EF9B67E-6439-466F-A97B-67B594D93EC7}">
+  <ds:schemaRefs>
+    <ds:schemaRef ds:uri="http://schemas.microsoft.com/VisualStudio/2011/storyboarding/control"/>
+  </ds:schemaRefs>
+</ds:datastoreItem>
+</file>
+
+<file path=customXml/itemProps15.xml><?xml version="1.0" encoding="utf-8"?>
+<ds:datastoreItem xmlns:ds="http://schemas.openxmlformats.org/officeDocument/2006/customXml" ds:itemID="{B5B3D461-05BC-453F-A891-9BA91045E521}">
+  <ds:schemaRefs>
+    <ds:schemaRef ds:uri="http://schemas.microsoft.com/VisualStudio/2011/storyboarding/control"/>
+  </ds:schemaRefs>
+</ds:datastoreItem>
+</file>
+
+<file path=customXml/itemProps150.xml><?xml version="1.0" encoding="utf-8"?>
+<ds:datastoreItem xmlns:ds="http://schemas.openxmlformats.org/officeDocument/2006/customXml" ds:itemID="{416D00B5-FBFE-483F-BE84-520287240459}">
+  <ds:schemaRefs>
+    <ds:schemaRef ds:uri="http://schemas.microsoft.com/VisualStudio/2011/storyboarding/control/v1.0"/>
+  </ds:schemaRefs>
+</ds:datastoreItem>
+</file>
+
+<file path=customXml/itemProps151.xml><?xml version="1.0" encoding="utf-8"?>
+<ds:datastoreItem xmlns:ds="http://schemas.openxmlformats.org/officeDocument/2006/customXml" ds:itemID="{50AB9033-38E6-4E6C-802A-6C285CADB0AF}">
+  <ds:schemaRefs>
+    <ds:schemaRef ds:uri="http://schemas.microsoft.com/VisualStudio/2011/storyboarding/control"/>
+  </ds:schemaRefs>
+</ds:datastoreItem>
+</file>
+
+<file path=customXml/itemProps152.xml><?xml version="1.0" encoding="utf-8"?>
 <ds:datastoreItem xmlns:ds="http://schemas.openxmlformats.org/officeDocument/2006/customXml" ds:itemID="{70C6AFB5-ABBC-4D9A-B9BF-1D1F343F47C6}">
   <ds:schemaRefs>
     <ds:schemaRef ds:uri="http://schemas.microsoft.com/VisualStudio/2011/storyboarding/control"/>
@@ -48343,7 +48591,279 @@
 </ds:datastoreItem>
 </file>
 
-<file path=customXml/itemProps125.xml><?xml version="1.0" encoding="utf-8"?>
+<file path=customXml/itemProps153.xml><?xml version="1.0" encoding="utf-8"?>
+<ds:datastoreItem xmlns:ds="http://schemas.openxmlformats.org/officeDocument/2006/customXml" ds:itemID="{4128EE26-B265-4FA3-97CC-CAAD73E8C185}">
+  <ds:schemaRefs>
+    <ds:schemaRef ds:uri="http://schemas.microsoft.com/VisualStudio/2011/storyboarding/control"/>
+  </ds:schemaRefs>
+</ds:datastoreItem>
+</file>
+
+<file path=customXml/itemProps154.xml><?xml version="1.0" encoding="utf-8"?>
+<ds:datastoreItem xmlns:ds="http://schemas.openxmlformats.org/officeDocument/2006/customXml" ds:itemID="{6E960401-8906-46E6-A456-7B8ADE8CBF74}">
+  <ds:schemaRefs>
+    <ds:schemaRef ds:uri="http://schemas.microsoft.com/VisualStudio/2011/storyboarding/control"/>
+  </ds:schemaRefs>
+</ds:datastoreItem>
+</file>
+
+<file path=customXml/itemProps155.xml><?xml version="1.0" encoding="utf-8"?>
+<ds:datastoreItem xmlns:ds="http://schemas.openxmlformats.org/officeDocument/2006/customXml" ds:itemID="{39536A02-E179-4A1C-9FA7-86EF40631969}">
+  <ds:schemaRefs>
+    <ds:schemaRef ds:uri="http://schemas.microsoft.com/VisualStudio/2011/storyboarding/control/v1.0"/>
+  </ds:schemaRefs>
+</ds:datastoreItem>
+</file>
+
+<file path=customXml/itemProps156.xml><?xml version="1.0" encoding="utf-8"?>
+<ds:datastoreItem xmlns:ds="http://schemas.openxmlformats.org/officeDocument/2006/customXml" ds:itemID="{D713BDE5-C80D-4110-B57B-3868CFE6F1D4}">
+  <ds:schemaRefs>
+    <ds:schemaRef ds:uri="http://schemas.microsoft.com/VisualStudio/2011/storyboarding/control"/>
+  </ds:schemaRefs>
+</ds:datastoreItem>
+</file>
+
+<file path=customXml/itemProps157.xml><?xml version="1.0" encoding="utf-8"?>
+<ds:datastoreItem xmlns:ds="http://schemas.openxmlformats.org/officeDocument/2006/customXml" ds:itemID="{CEFE4058-5397-4E53-AD5F-D2E2BC794126}">
+  <ds:schemaRefs>
+    <ds:schemaRef ds:uri="http://schemas.microsoft.com/VisualStudio/2011/storyboarding/control"/>
+  </ds:schemaRefs>
+</ds:datastoreItem>
+</file>
+
+<file path=customXml/itemProps158.xml><?xml version="1.0" encoding="utf-8"?>
+<ds:datastoreItem xmlns:ds="http://schemas.openxmlformats.org/officeDocument/2006/customXml" ds:itemID="{094BB5CD-D80A-4B61-966C-DFF69648ED5C}">
+  <ds:schemaRefs>
+    <ds:schemaRef ds:uri="http://schemas.microsoft.com/VisualStudio/2011/storyboarding/control"/>
+  </ds:schemaRefs>
+</ds:datastoreItem>
+</file>
+
+<file path=customXml/itemProps159.xml><?xml version="1.0" encoding="utf-8"?>
+<ds:datastoreItem xmlns:ds="http://schemas.openxmlformats.org/officeDocument/2006/customXml" ds:itemID="{724AE484-A91A-4C5A-ADA2-B1E14D44C5F9}">
+  <ds:schemaRefs>
+    <ds:schemaRef ds:uri="http://schemas.microsoft.com/VisualStudio/2011/storyboarding/control"/>
+  </ds:schemaRefs>
+</ds:datastoreItem>
+</file>
+
+<file path=customXml/itemProps16.xml><?xml version="1.0" encoding="utf-8"?>
+<ds:datastoreItem xmlns:ds="http://schemas.openxmlformats.org/officeDocument/2006/customXml" ds:itemID="{AD9C1405-6371-400D-A0E2-389A1557BE20}">
+  <ds:schemaRefs>
+    <ds:schemaRef ds:uri="http://schemas.microsoft.com/VisualStudio/2011/storyboarding/control/v1.0"/>
+  </ds:schemaRefs>
+</ds:datastoreItem>
+</file>
+
+<file path=customXml/itemProps160.xml><?xml version="1.0" encoding="utf-8"?>
+<ds:datastoreItem xmlns:ds="http://schemas.openxmlformats.org/officeDocument/2006/customXml" ds:itemID="{C19FFBA0-FE96-460C-AA7A-1559EDC70E58}">
+  <ds:schemaRefs>
+    <ds:schemaRef ds:uri="http://schemas.microsoft.com/VisualStudio/2011/storyboarding/control"/>
+  </ds:schemaRefs>
+</ds:datastoreItem>
+</file>
+
+<file path=customXml/itemProps161.xml><?xml version="1.0" encoding="utf-8"?>
+<ds:datastoreItem xmlns:ds="http://schemas.openxmlformats.org/officeDocument/2006/customXml" ds:itemID="{1F5C1850-0CBA-4E6A-972B-054668D8F3D9}">
+  <ds:schemaRefs>
+    <ds:schemaRef ds:uri="http://schemas.microsoft.com/VisualStudio/2011/storyboarding/control"/>
+  </ds:schemaRefs>
+</ds:datastoreItem>
+</file>
+
+<file path=customXml/itemProps162.xml><?xml version="1.0" encoding="utf-8"?>
+<ds:datastoreItem xmlns:ds="http://schemas.openxmlformats.org/officeDocument/2006/customXml" ds:itemID="{78A023F7-CB32-42B5-A4E3-D74D915D8DE1}">
+  <ds:schemaRefs>
+    <ds:schemaRef ds:uri="http://schemas.microsoft.com/VisualStudio/2011/storyboarding/control"/>
+  </ds:schemaRefs>
+</ds:datastoreItem>
+</file>
+
+<file path=customXml/itemProps163.xml><?xml version="1.0" encoding="utf-8"?>
+<ds:datastoreItem xmlns:ds="http://schemas.openxmlformats.org/officeDocument/2006/customXml" ds:itemID="{7728F985-45AC-4583-B889-202C29951136}">
+  <ds:schemaRefs>
+    <ds:schemaRef ds:uri="http://schemas.microsoft.com/VisualStudio/2011/storyboarding/control"/>
+  </ds:schemaRefs>
+</ds:datastoreItem>
+</file>
+
+<file path=customXml/itemProps164.xml><?xml version="1.0" encoding="utf-8"?>
+<ds:datastoreItem xmlns:ds="http://schemas.openxmlformats.org/officeDocument/2006/customXml" ds:itemID="{1976123C-3A8F-4E9E-A7EA-2EA4F611710C}">
+  <ds:schemaRefs>
+    <ds:schemaRef ds:uri="http://schemas.microsoft.com/VisualStudio/2011/storyboarding/control"/>
+  </ds:schemaRefs>
+</ds:datastoreItem>
+</file>
+
+<file path=customXml/itemProps165.xml><?xml version="1.0" encoding="utf-8"?>
+<ds:datastoreItem xmlns:ds="http://schemas.openxmlformats.org/officeDocument/2006/customXml" ds:itemID="{32217E3C-AB6C-4709-89B2-382049C37CA9}">
+  <ds:schemaRefs>
+    <ds:schemaRef ds:uri="http://schemas.microsoft.com/VisualStudio/2011/storyboarding/control"/>
+  </ds:schemaRefs>
+</ds:datastoreItem>
+</file>
+
+<file path=customXml/itemProps166.xml><?xml version="1.0" encoding="utf-8"?>
+<ds:datastoreItem xmlns:ds="http://schemas.openxmlformats.org/officeDocument/2006/customXml" ds:itemID="{CF2E1323-2233-418A-BF30-70C435788FEB}">
+  <ds:schemaRefs>
+    <ds:schemaRef ds:uri="http://schemas.microsoft.com/VisualStudio/2011/storyboarding/control"/>
+  </ds:schemaRefs>
+</ds:datastoreItem>
+</file>
+
+<file path=customXml/itemProps167.xml><?xml version="1.0" encoding="utf-8"?>
+<ds:datastoreItem xmlns:ds="http://schemas.openxmlformats.org/officeDocument/2006/customXml" ds:itemID="{4002BB7E-E74B-4646-9EF5-485257C83CB6}">
+  <ds:schemaRefs>
+    <ds:schemaRef ds:uri="http://schemas.microsoft.com/VisualStudio/2011/storyboarding/control"/>
+  </ds:schemaRefs>
+</ds:datastoreItem>
+</file>
+
+<file path=customXml/itemProps168.xml><?xml version="1.0" encoding="utf-8"?>
+<ds:datastoreItem xmlns:ds="http://schemas.openxmlformats.org/officeDocument/2006/customXml" ds:itemID="{94AD1A0B-E9F6-4AC5-92C7-D2F1157C203A}">
+  <ds:schemaRefs>
+    <ds:schemaRef ds:uri="http://schemas.microsoft.com/VisualStudio/2011/storyboarding/control"/>
+  </ds:schemaRefs>
+</ds:datastoreItem>
+</file>
+
+<file path=customXml/itemProps169.xml><?xml version="1.0" encoding="utf-8"?>
+<ds:datastoreItem xmlns:ds="http://schemas.openxmlformats.org/officeDocument/2006/customXml" ds:itemID="{A1B88D5F-41A7-488A-960C-6D819000899D}">
+  <ds:schemaRefs>
+    <ds:schemaRef ds:uri="http://schemas.microsoft.com/VisualStudio/2011/storyboarding/control/v1.0"/>
+  </ds:schemaRefs>
+</ds:datastoreItem>
+</file>
+
+<file path=customXml/itemProps17.xml><?xml version="1.0" encoding="utf-8"?>
+<ds:datastoreItem xmlns:ds="http://schemas.openxmlformats.org/officeDocument/2006/customXml" ds:itemID="{5423C7C4-EE26-4ED2-9F11-C9ABAA081BA5}">
+  <ds:schemaRefs>
+    <ds:schemaRef ds:uri="http://schemas.microsoft.com/VisualStudio/2011/storyboarding/control/v1.0"/>
+  </ds:schemaRefs>
+</ds:datastoreItem>
+</file>
+
+<file path=customXml/itemProps170.xml><?xml version="1.0" encoding="utf-8"?>
+<ds:datastoreItem xmlns:ds="http://schemas.openxmlformats.org/officeDocument/2006/customXml" ds:itemID="{A40D73F4-5C62-409C-8927-126AD6D7A89E}">
+  <ds:schemaRefs>
+    <ds:schemaRef ds:uri="http://schemas.microsoft.com/VisualStudio/2011/storyboarding/control"/>
+  </ds:schemaRefs>
+</ds:datastoreItem>
+</file>
+
+<file path=customXml/itemProps171.xml><?xml version="1.0" encoding="utf-8"?>
+<ds:datastoreItem xmlns:ds="http://schemas.openxmlformats.org/officeDocument/2006/customXml" ds:itemID="{1880FE45-DF38-4D93-976C-E0A82A466CB2}">
+  <ds:schemaRefs>
+    <ds:schemaRef ds:uri="http://schemas.microsoft.com/VisualStudio/2011/storyboarding/control"/>
+  </ds:schemaRefs>
+</ds:datastoreItem>
+</file>
+
+<file path=customXml/itemProps172.xml><?xml version="1.0" encoding="utf-8"?>
+<ds:datastoreItem xmlns:ds="http://schemas.openxmlformats.org/officeDocument/2006/customXml" ds:itemID="{62A003C9-06B4-4632-BCC6-0A4289DB3564}">
+  <ds:schemaRefs>
+    <ds:schemaRef ds:uri="http://schemas.microsoft.com/VisualStudio/2011/storyboarding/control"/>
+  </ds:schemaRefs>
+</ds:datastoreItem>
+</file>
+
+<file path=customXml/itemProps173.xml><?xml version="1.0" encoding="utf-8"?>
+<ds:datastoreItem xmlns:ds="http://schemas.openxmlformats.org/officeDocument/2006/customXml" ds:itemID="{1C091AA2-E8E7-4486-B4A2-F72A9C23359F}">
+  <ds:schemaRefs>
+    <ds:schemaRef ds:uri="http://schemas.microsoft.com/VisualStudio/2011/storyboarding/control"/>
+  </ds:schemaRefs>
+</ds:datastoreItem>
+</file>
+
+<file path=customXml/itemProps174.xml><?xml version="1.0" encoding="utf-8"?>
+<ds:datastoreItem xmlns:ds="http://schemas.openxmlformats.org/officeDocument/2006/customXml" ds:itemID="{3949AE0A-6F66-430B-AEAC-E1BF3B6154A6}">
+  <ds:schemaRefs>
+    <ds:schemaRef ds:uri="http://schemas.microsoft.com/VisualStudio/2011/storyboarding/control"/>
+  </ds:schemaRefs>
+</ds:datastoreItem>
+</file>
+
+<file path=customXml/itemProps175.xml><?xml version="1.0" encoding="utf-8"?>
+<ds:datastoreItem xmlns:ds="http://schemas.openxmlformats.org/officeDocument/2006/customXml" ds:itemID="{AED3AD3A-A042-431E-8211-C82389E4646A}">
+  <ds:schemaRefs>
+    <ds:schemaRef ds:uri="http://schemas.microsoft.com/VisualStudio/2011/storyboarding/control"/>
+  </ds:schemaRefs>
+</ds:datastoreItem>
+</file>
+
+<file path=customXml/itemProps176.xml><?xml version="1.0" encoding="utf-8"?>
+<ds:datastoreItem xmlns:ds="http://schemas.openxmlformats.org/officeDocument/2006/customXml" ds:itemID="{15ADC171-1D00-43AA-8660-03BE1F33122C}">
+  <ds:schemaRefs>
+    <ds:schemaRef ds:uri="http://schemas.microsoft.com/VisualStudio/2011/storyboarding/control"/>
+  </ds:schemaRefs>
+</ds:datastoreItem>
+</file>
+
+<file path=customXml/itemProps177.xml><?xml version="1.0" encoding="utf-8"?>
+<ds:datastoreItem xmlns:ds="http://schemas.openxmlformats.org/officeDocument/2006/customXml" ds:itemID="{3C926393-13BE-4E11-B28C-325DFF825D65}">
+  <ds:schemaRefs>
+    <ds:schemaRef ds:uri="http://schemas.microsoft.com/VisualStudio/2011/storyboarding/control"/>
+  </ds:schemaRefs>
+</ds:datastoreItem>
+</file>
+
+<file path=customXml/itemProps178.xml><?xml version="1.0" encoding="utf-8"?>
+<ds:datastoreItem xmlns:ds="http://schemas.openxmlformats.org/officeDocument/2006/customXml" ds:itemID="{A2DAA52B-5F52-4A8E-B601-7BF162CD738F}">
+  <ds:schemaRefs>
+    <ds:schemaRef ds:uri="http://schemas.microsoft.com/VisualStudio/2011/storyboarding/control/v1.0"/>
+  </ds:schemaRefs>
+</ds:datastoreItem>
+</file>
+
+<file path=customXml/itemProps179.xml><?xml version="1.0" encoding="utf-8"?>
+<ds:datastoreItem xmlns:ds="http://schemas.openxmlformats.org/officeDocument/2006/customXml" ds:itemID="{387838C4-29F2-40AB-9647-8346D39956AB}">
+  <ds:schemaRefs>
+    <ds:schemaRef ds:uri="http://schemas.microsoft.com/VisualStudio/2011/storyboarding/control"/>
+  </ds:schemaRefs>
+</ds:datastoreItem>
+</file>
+
+<file path=customXml/itemProps18.xml><?xml version="1.0" encoding="utf-8"?>
+<ds:datastoreItem xmlns:ds="http://schemas.openxmlformats.org/officeDocument/2006/customXml" ds:itemID="{D7A0370E-9EBE-44A7-9070-C36AA113B7D7}">
+  <ds:schemaRefs>
+    <ds:schemaRef ds:uri="http://schemas.microsoft.com/VisualStudio/2011/storyboarding/control"/>
+  </ds:schemaRefs>
+</ds:datastoreItem>
+</file>
+
+<file path=customXml/itemProps180.xml><?xml version="1.0" encoding="utf-8"?>
+<ds:datastoreItem xmlns:ds="http://schemas.openxmlformats.org/officeDocument/2006/customXml" ds:itemID="{B830F82D-7083-40CB-9CA8-EE2DE5D24499}">
+  <ds:schemaRefs>
+    <ds:schemaRef ds:uri="http://schemas.microsoft.com/VisualStudio/2011/storyboarding/control"/>
+  </ds:schemaRefs>
+</ds:datastoreItem>
+</file>
+
+<file path=customXml/itemProps181.xml><?xml version="1.0" encoding="utf-8"?>
+<ds:datastoreItem xmlns:ds="http://schemas.openxmlformats.org/officeDocument/2006/customXml" ds:itemID="{7621FDFF-2E1A-42D8-9E95-355FFE527B8D}">
+  <ds:schemaRefs>
+    <ds:schemaRef ds:uri="http://schemas.microsoft.com/VisualStudio/2011/storyboarding/control"/>
+  </ds:schemaRefs>
+</ds:datastoreItem>
+</file>
+
+<file path=customXml/itemProps182.xml><?xml version="1.0" encoding="utf-8"?>
+<ds:datastoreItem xmlns:ds="http://schemas.openxmlformats.org/officeDocument/2006/customXml" ds:itemID="{083C6336-2A1A-46E8-A91E-BFCF2D1B0C8B}">
+  <ds:schemaRefs>
+    <ds:schemaRef ds:uri="http://schemas.microsoft.com/VisualStudio/2011/storyboarding/control"/>
+  </ds:schemaRefs>
+</ds:datastoreItem>
+</file>
+
+<file path=customXml/itemProps183.xml><?xml version="1.0" encoding="utf-8"?>
+<ds:datastoreItem xmlns:ds="http://schemas.openxmlformats.org/officeDocument/2006/customXml" ds:itemID="{F750840A-4646-401F-9E4C-EF29E17FC114}">
+  <ds:schemaRefs>
+    <ds:schemaRef ds:uri="http://schemas.microsoft.com/VisualStudio/2011/storyboarding/control"/>
+  </ds:schemaRefs>
+</ds:datastoreItem>
+</file>
+
+<file path=customXml/itemProps184.xml><?xml version="1.0" encoding="utf-8"?>
 <ds:datastoreItem xmlns:ds="http://schemas.openxmlformats.org/officeDocument/2006/customXml" ds:itemID="{90E02751-6EB1-435F-9756-F9B50171DB60}">
   <ds:schemaRefs>
     <ds:schemaRef ds:uri="http://schemas.microsoft.com/VisualStudio/2011/storyboarding/control"/>
@@ -48351,95 +48871,151 @@
 </ds:datastoreItem>
 </file>
 
-<file path=customXml/itemProps126.xml><?xml version="1.0" encoding="utf-8"?>
-<ds:datastoreItem xmlns:ds="http://schemas.openxmlformats.org/officeDocument/2006/customXml" ds:itemID="{9C628832-EAE6-47E8-9B5C-DF0774975B25}">
+<file path=customXml/itemProps185.xml><?xml version="1.0" encoding="utf-8"?>
+<ds:datastoreItem xmlns:ds="http://schemas.openxmlformats.org/officeDocument/2006/customXml" ds:itemID="{C1F57F2F-EB69-455F-86E9-7D1815C6A967}">
   <ds:schemaRefs>
     <ds:schemaRef ds:uri="http://schemas.microsoft.com/VisualStudio/2011/storyboarding/control"/>
   </ds:schemaRefs>
 </ds:datastoreItem>
 </file>
 
-<file path=customXml/itemProps127.xml><?xml version="1.0" encoding="utf-8"?>
-<ds:datastoreItem xmlns:ds="http://schemas.openxmlformats.org/officeDocument/2006/customXml" ds:itemID="{09CC12C2-65F6-4851-BF1A-DFADE603750B}">
+<file path=customXml/itemProps186.xml><?xml version="1.0" encoding="utf-8"?>
+<ds:datastoreItem xmlns:ds="http://schemas.openxmlformats.org/officeDocument/2006/customXml" ds:itemID="{7F991AEE-D8F9-4C32-A3DE-247A79338965}">
   <ds:schemaRefs>
     <ds:schemaRef ds:uri="http://schemas.microsoft.com/VisualStudio/2011/storyboarding/control"/>
   </ds:schemaRefs>
 </ds:datastoreItem>
 </file>
 
-<file path=customXml/itemProps128.xml><?xml version="1.0" encoding="utf-8"?>
-<ds:datastoreItem xmlns:ds="http://schemas.openxmlformats.org/officeDocument/2006/customXml" ds:itemID="{BC3DFB4E-5FF4-4F62-926A-1F1B188759FD}">
+<file path=customXml/itemProps187.xml><?xml version="1.0" encoding="utf-8"?>
+<ds:datastoreItem xmlns:ds="http://schemas.openxmlformats.org/officeDocument/2006/customXml" ds:itemID="{28924D55-F231-485D-87E0-2FF3A9BD7FD5}">
   <ds:schemaRefs>
     <ds:schemaRef ds:uri="http://schemas.microsoft.com/VisualStudio/2011/storyboarding/control"/>
   </ds:schemaRefs>
 </ds:datastoreItem>
 </file>
 
-<file path=customXml/itemProps129.xml><?xml version="1.0" encoding="utf-8"?>
-<ds:datastoreItem xmlns:ds="http://schemas.openxmlformats.org/officeDocument/2006/customXml" ds:itemID="{3EABCF1F-5E30-4073-A48D-44DBBCB28505}">
+<file path=customXml/itemProps188.xml><?xml version="1.0" encoding="utf-8"?>
+<ds:datastoreItem xmlns:ds="http://schemas.openxmlformats.org/officeDocument/2006/customXml" ds:itemID="{F1A6E310-0626-4DAC-A346-455C974A17E6}">
   <ds:schemaRefs>
     <ds:schemaRef ds:uri="http://schemas.microsoft.com/VisualStudio/2011/storyboarding/control"/>
   </ds:schemaRefs>
 </ds:datastoreItem>
 </file>
 
-<file path=customXml/itemProps13.xml><?xml version="1.0" encoding="utf-8"?>
-<ds:datastoreItem xmlns:ds="http://schemas.openxmlformats.org/officeDocument/2006/customXml" ds:itemID="{07B11A95-7731-4379-9E1B-32BC87FA2B56}">
+<file path=customXml/itemProps189.xml><?xml version="1.0" encoding="utf-8"?>
+<ds:datastoreItem xmlns:ds="http://schemas.openxmlformats.org/officeDocument/2006/customXml" ds:itemID="{5D8DFC2E-1554-4A18-8359-FD46264D5226}">
+  <ds:schemaRefs>
+    <ds:schemaRef ds:uri="http://schemas.microsoft.com/VisualStudio/2011/storyboarding/control"/>
+  </ds:schemaRefs>
+</ds:datastoreItem>
+</file>
+
+<file path=customXml/itemProps19.xml><?xml version="1.0" encoding="utf-8"?>
+<ds:datastoreItem xmlns:ds="http://schemas.openxmlformats.org/officeDocument/2006/customXml" ds:itemID="{D440442A-68BC-4116-A5A6-FDB6BAB9693D}">
+  <ds:schemaRefs>
+    <ds:schemaRef ds:uri="http://schemas.microsoft.com/VisualStudio/2011/storyboarding/control"/>
+  </ds:schemaRefs>
+</ds:datastoreItem>
+</file>
+
+<file path=customXml/itemProps190.xml><?xml version="1.0" encoding="utf-8"?>
+<ds:datastoreItem xmlns:ds="http://schemas.openxmlformats.org/officeDocument/2006/customXml" ds:itemID="{08904217-40E1-4558-95D8-8D709CA82866}">
   <ds:schemaRefs>
     <ds:schemaRef ds:uri="http://schemas.microsoft.com/VisualStudio/2011/storyboarding/control/v1.0"/>
   </ds:schemaRefs>
 </ds:datastoreItem>
 </file>
 
-<file path=customXml/itemProps130.xml><?xml version="1.0" encoding="utf-8"?>
-<ds:datastoreItem xmlns:ds="http://schemas.openxmlformats.org/officeDocument/2006/customXml" ds:itemID="{8FF740A7-C8EE-480F-BAFC-0E587C82188C}">
+<file path=customXml/itemProps191.xml><?xml version="1.0" encoding="utf-8"?>
+<ds:datastoreItem xmlns:ds="http://schemas.openxmlformats.org/officeDocument/2006/customXml" ds:itemID="{561F34EB-C0AB-467A-B145-C74976B3BDBE}">
   <ds:schemaRefs>
     <ds:schemaRef ds:uri="http://schemas.microsoft.com/VisualStudio/2011/storyboarding/control"/>
   </ds:schemaRefs>
 </ds:datastoreItem>
 </file>
 
-<file path=customXml/itemProps131.xml><?xml version="1.0" encoding="utf-8"?>
-<ds:datastoreItem xmlns:ds="http://schemas.openxmlformats.org/officeDocument/2006/customXml" ds:itemID="{801F3AE5-65F3-4F34-8431-3329707AA1A1}">
+<file path=customXml/itemProps192.xml><?xml version="1.0" encoding="utf-8"?>
+<ds:datastoreItem xmlns:ds="http://schemas.openxmlformats.org/officeDocument/2006/customXml" ds:itemID="{AE829EE6-2A90-4D53-B65D-B896D4164D58}">
   <ds:schemaRefs>
     <ds:schemaRef ds:uri="http://schemas.microsoft.com/VisualStudio/2011/storyboarding/control"/>
   </ds:schemaRefs>
 </ds:datastoreItem>
 </file>
 
-<file path=customXml/itemProps132.xml><?xml version="1.0" encoding="utf-8"?>
-<ds:datastoreItem xmlns:ds="http://schemas.openxmlformats.org/officeDocument/2006/customXml" ds:itemID="{5E2E8CE4-298D-499A-B8B4-4A593AC844A5}">
+<file path=customXml/itemProps193.xml><?xml version="1.0" encoding="utf-8"?>
+<ds:datastoreItem xmlns:ds="http://schemas.openxmlformats.org/officeDocument/2006/customXml" ds:itemID="{F17D5AF6-3BD9-4DFF-AE9B-2E10D3430779}">
   <ds:schemaRefs>
     <ds:schemaRef ds:uri="http://schemas.microsoft.com/VisualStudio/2011/storyboarding/control/v1.0"/>
   </ds:schemaRefs>
 </ds:datastoreItem>
 </file>
 
-<file path=customXml/itemProps133.xml><?xml version="1.0" encoding="utf-8"?>
-<ds:datastoreItem xmlns:ds="http://schemas.openxmlformats.org/officeDocument/2006/customXml" ds:itemID="{D45B366B-3798-4663-91E0-AD0AD6C27250}">
+<file path=customXml/itemProps194.xml><?xml version="1.0" encoding="utf-8"?>
+<ds:datastoreItem xmlns:ds="http://schemas.openxmlformats.org/officeDocument/2006/customXml" ds:itemID="{188F6680-9EB8-4B03-8D3B-773D66FC777A}">
+  <ds:schemaRefs>
+    <ds:schemaRef ds:uri="http://schemas.microsoft.com/VisualStudio/2011/storyboarding/control/v1.0"/>
+  </ds:schemaRefs>
+</ds:datastoreItem>
+</file>
+
+<file path=customXml/itemProps195.xml><?xml version="1.0" encoding="utf-8"?>
+<ds:datastoreItem xmlns:ds="http://schemas.openxmlformats.org/officeDocument/2006/customXml" ds:itemID="{36156D9C-1DAA-43CB-9F20-58EA3D4F3C48}">
   <ds:schemaRefs>
     <ds:schemaRef ds:uri="http://schemas.microsoft.com/VisualStudio/2011/storyboarding/control"/>
   </ds:schemaRefs>
 </ds:datastoreItem>
 </file>
 
-<file path=customXml/itemProps134.xml><?xml version="1.0" encoding="utf-8"?>
-<ds:datastoreItem xmlns:ds="http://schemas.openxmlformats.org/officeDocument/2006/customXml" ds:itemID="{0247083A-3524-406A-A57C-68F47B43167B}">
+<file path=customXml/itemProps196.xml><?xml version="1.0" encoding="utf-8"?>
+<ds:datastoreItem xmlns:ds="http://schemas.openxmlformats.org/officeDocument/2006/customXml" ds:itemID="{016BA1A1-3162-4382-9F37-080148C85A23}">
   <ds:schemaRefs>
     <ds:schemaRef ds:uri="http://schemas.microsoft.com/VisualStudio/2011/storyboarding/control"/>
   </ds:schemaRefs>
 </ds:datastoreItem>
 </file>
 
-<file path=customXml/itemProps135.xml><?xml version="1.0" encoding="utf-8"?>
-<ds:datastoreItem xmlns:ds="http://schemas.openxmlformats.org/officeDocument/2006/customXml" ds:itemID="{1880FE45-DF38-4D93-976C-E0A82A466CB2}">
+<file path=customXml/itemProps197.xml><?xml version="1.0" encoding="utf-8"?>
+<ds:datastoreItem xmlns:ds="http://schemas.openxmlformats.org/officeDocument/2006/customXml" ds:itemID="{559555D9-A00A-4AE8-8EDC-9B2D091AB899}">
   <ds:schemaRefs>
     <ds:schemaRef ds:uri="http://schemas.microsoft.com/VisualStudio/2011/storyboarding/control"/>
   </ds:schemaRefs>
 </ds:datastoreItem>
 </file>
 
-<file path=customXml/itemProps136.xml><?xml version="1.0" encoding="utf-8"?>
+<file path=customXml/itemProps198.xml><?xml version="1.0" encoding="utf-8"?>
+<ds:datastoreItem xmlns:ds="http://schemas.openxmlformats.org/officeDocument/2006/customXml" ds:itemID="{EDE713BE-A567-491C-902D-E6087D824056}">
+  <ds:schemaRefs>
+    <ds:schemaRef ds:uri="http://schemas.microsoft.com/VisualStudio/2011/storyboarding/control/v1.0"/>
+  </ds:schemaRefs>
+</ds:datastoreItem>
+</file>
+
+<file path=customXml/itemProps199.xml><?xml version="1.0" encoding="utf-8"?>
+<ds:datastoreItem xmlns:ds="http://schemas.openxmlformats.org/officeDocument/2006/customXml" ds:itemID="{AE37FB5D-C140-4FA3-AFC0-7BBE49EA661F}">
+  <ds:schemaRefs>
+    <ds:schemaRef ds:uri="http://schemas.microsoft.com/VisualStudio/2011/storyboarding/control"/>
+  </ds:schemaRefs>
+</ds:datastoreItem>
+</file>
+
+<file path=customXml/itemProps2.xml><?xml version="1.0" encoding="utf-8"?>
+<ds:datastoreItem xmlns:ds="http://schemas.openxmlformats.org/officeDocument/2006/customXml" ds:itemID="{2E2EBA79-387D-48F3-8F1E-66EE14F34655}">
+  <ds:schemaRefs>
+    <ds:schemaRef ds:uri="http://schemas.microsoft.com/VisualStudio/2011/storyboarding/control"/>
+  </ds:schemaRefs>
+</ds:datastoreItem>
+</file>
+
+<file path=customXml/itemProps20.xml><?xml version="1.0" encoding="utf-8"?>
+<ds:datastoreItem xmlns:ds="http://schemas.openxmlformats.org/officeDocument/2006/customXml" ds:itemID="{967C42A5-1DCA-4F10-9D2C-730B7244B788}">
+  <ds:schemaRefs>
+    <ds:schemaRef ds:uri="http://schemas.microsoft.com/VisualStudio/2011/storyboarding/control"/>
+  </ds:schemaRefs>
+</ds:datastoreItem>
+</file>
+
+<file path=customXml/itemProps200.xml><?xml version="1.0" encoding="utf-8"?>
 <ds:datastoreItem xmlns:ds="http://schemas.openxmlformats.org/officeDocument/2006/customXml" ds:itemID="{07386B1B-B603-48F1-B273-2619CD39E415}">
   <ds:schemaRefs>
     <ds:schemaRef ds:uri="http://schemas.microsoft.com/VisualStudio/2011/storyboarding/control"/>
@@ -48447,183 +49023,7 @@
 </ds:datastoreItem>
 </file>
 
-<file path=customXml/itemProps137.xml><?xml version="1.0" encoding="utf-8"?>
-<ds:datastoreItem xmlns:ds="http://schemas.openxmlformats.org/officeDocument/2006/customXml" ds:itemID="{63E5DE85-F05E-4507-B223-806D8F49F058}">
-  <ds:schemaRefs>
-    <ds:schemaRef ds:uri="http://schemas.microsoft.com/VisualStudio/2011/storyboarding/control/v1.0"/>
-  </ds:schemaRefs>
-</ds:datastoreItem>
-</file>
-
-<file path=customXml/itemProps138.xml><?xml version="1.0" encoding="utf-8"?>
-<ds:datastoreItem xmlns:ds="http://schemas.openxmlformats.org/officeDocument/2006/customXml" ds:itemID="{E4A0845B-41B6-4256-8FB3-E31EA581BF55}">
-  <ds:schemaRefs>
-    <ds:schemaRef ds:uri="http://schemas.microsoft.com/VisualStudio/2011/storyboarding/control/v1.0"/>
-  </ds:schemaRefs>
-</ds:datastoreItem>
-</file>
-
-<file path=customXml/itemProps139.xml><?xml version="1.0" encoding="utf-8"?>
-<ds:datastoreItem xmlns:ds="http://schemas.openxmlformats.org/officeDocument/2006/customXml" ds:itemID="{AF11E85C-9EAB-45A1-A9B3-77E0CFB7F705}">
-  <ds:schemaRefs>
-    <ds:schemaRef ds:uri="http://schemas.microsoft.com/VisualStudio/2011/storyboarding/control"/>
-  </ds:schemaRefs>
-</ds:datastoreItem>
-</file>
-
-<file path=customXml/itemProps14.xml><?xml version="1.0" encoding="utf-8"?>
-<ds:datastoreItem xmlns:ds="http://schemas.openxmlformats.org/officeDocument/2006/customXml" ds:itemID="{32B7F290-7492-4F18-9180-8C7334175437}">
-  <ds:schemaRefs>
-    <ds:schemaRef ds:uri="http://schemas.microsoft.com/VisualStudio/2011/storyboarding/control"/>
-  </ds:schemaRefs>
-</ds:datastoreItem>
-</file>
-
-<file path=customXml/itemProps140.xml><?xml version="1.0" encoding="utf-8"?>
-<ds:datastoreItem xmlns:ds="http://schemas.openxmlformats.org/officeDocument/2006/customXml" ds:itemID="{BC139307-416A-4069-9200-E7C0D2AE8D69}">
-  <ds:schemaRefs>
-    <ds:schemaRef ds:uri="http://schemas.microsoft.com/VisualStudio/2011/storyboarding/control"/>
-  </ds:schemaRefs>
-</ds:datastoreItem>
-</file>
-
-<file path=customXml/itemProps141.xml><?xml version="1.0" encoding="utf-8"?>
-<ds:datastoreItem xmlns:ds="http://schemas.openxmlformats.org/officeDocument/2006/customXml" ds:itemID="{87D0648D-5A18-4A12-BF43-4ECD1F1BE762}">
-  <ds:schemaRefs>
-    <ds:schemaRef ds:uri="http://schemas.microsoft.com/VisualStudio/2011/storyboarding/control"/>
-  </ds:schemaRefs>
-</ds:datastoreItem>
-</file>
-
-<file path=customXml/itemProps142.xml><?xml version="1.0" encoding="utf-8"?>
-<ds:datastoreItem xmlns:ds="http://schemas.openxmlformats.org/officeDocument/2006/customXml" ds:itemID="{9C728789-D285-4B32-8607-4EE84F572A23}">
-  <ds:schemaRefs>
-    <ds:schemaRef ds:uri="http://schemas.microsoft.com/VisualStudio/2011/storyboarding/control"/>
-  </ds:schemaRefs>
-</ds:datastoreItem>
-</file>
-
-<file path=customXml/itemProps143.xml><?xml version="1.0" encoding="utf-8"?>
-<ds:datastoreItem xmlns:ds="http://schemas.openxmlformats.org/officeDocument/2006/customXml" ds:itemID="{55B60632-BF0E-452D-AFAC-EF70B726383B}">
-  <ds:schemaRefs>
-    <ds:schemaRef ds:uri="http://schemas.microsoft.com/VisualStudio/2011/storyboarding/control"/>
-  </ds:schemaRefs>
-</ds:datastoreItem>
-</file>
-
-<file path=customXml/itemProps144.xml><?xml version="1.0" encoding="utf-8"?>
-<ds:datastoreItem xmlns:ds="http://schemas.openxmlformats.org/officeDocument/2006/customXml" ds:itemID="{C033384C-50F5-477A-9BC2-506199347FDE}">
-  <ds:schemaRefs>
-    <ds:schemaRef ds:uri="http://schemas.microsoft.com/VisualStudio/2011/storyboarding/control"/>
-  </ds:schemaRefs>
-</ds:datastoreItem>
-</file>
-
-<file path=customXml/itemProps145.xml><?xml version="1.0" encoding="utf-8"?>
-<ds:datastoreItem xmlns:ds="http://schemas.openxmlformats.org/officeDocument/2006/customXml" ds:itemID="{D713BDE5-C80D-4110-B57B-3868CFE6F1D4}">
-  <ds:schemaRefs>
-    <ds:schemaRef ds:uri="http://schemas.microsoft.com/VisualStudio/2011/storyboarding/control"/>
-  </ds:schemaRefs>
-</ds:datastoreItem>
-</file>
-
-<file path=customXml/itemProps146.xml><?xml version="1.0" encoding="utf-8"?>
-<ds:datastoreItem xmlns:ds="http://schemas.openxmlformats.org/officeDocument/2006/customXml" ds:itemID="{C1F57F2F-EB69-455F-86E9-7D1815C6A967}">
-  <ds:schemaRefs>
-    <ds:schemaRef ds:uri="http://schemas.microsoft.com/VisualStudio/2011/storyboarding/control"/>
-  </ds:schemaRefs>
-</ds:datastoreItem>
-</file>
-
-<file path=customXml/itemProps147.xml><?xml version="1.0" encoding="utf-8"?>
-<ds:datastoreItem xmlns:ds="http://schemas.openxmlformats.org/officeDocument/2006/customXml" ds:itemID="{16772130-8F5D-442B-AA11-39D4F229ACC6}">
-  <ds:schemaRefs>
-    <ds:schemaRef ds:uri="http://schemas.microsoft.com/VisualStudio/2011/storyboarding/control/v1.0"/>
-  </ds:schemaRefs>
-</ds:datastoreItem>
-</file>
-
-<file path=customXml/itemProps148.xml><?xml version="1.0" encoding="utf-8"?>
-<ds:datastoreItem xmlns:ds="http://schemas.openxmlformats.org/officeDocument/2006/customXml" ds:itemID="{315B2A83-1D6D-48EF-A92A-4C133D593900}">
-  <ds:schemaRefs>
-    <ds:schemaRef ds:uri="http://schemas.microsoft.com/VisualStudio/2011/storyboarding/control"/>
-  </ds:schemaRefs>
-</ds:datastoreItem>
-</file>
-
-<file path=customXml/itemProps149.xml><?xml version="1.0" encoding="utf-8"?>
-<ds:datastoreItem xmlns:ds="http://schemas.openxmlformats.org/officeDocument/2006/customXml" ds:itemID="{893424C2-FB64-4068-B7CE-4D0175AA35D6}">
-  <ds:schemaRefs>
-    <ds:schemaRef ds:uri="http://schemas.microsoft.com/VisualStudio/2011/storyboarding/control"/>
-  </ds:schemaRefs>
-</ds:datastoreItem>
-</file>
-
-<file path=customXml/itemProps15.xml><?xml version="1.0" encoding="utf-8"?>
-<ds:datastoreItem xmlns:ds="http://schemas.openxmlformats.org/officeDocument/2006/customXml" ds:itemID="{7910AE8B-C176-4CC9-9252-E2F2D4E20013}">
-  <ds:schemaRefs>
-    <ds:schemaRef ds:uri="http://schemas.microsoft.com/VisualStudio/2011/storyboarding/control"/>
-  </ds:schemaRefs>
-</ds:datastoreItem>
-</file>
-
-<file path=customXml/itemProps150.xml><?xml version="1.0" encoding="utf-8"?>
-<ds:datastoreItem xmlns:ds="http://schemas.openxmlformats.org/officeDocument/2006/customXml" ds:itemID="{09AB39FA-4C31-44D3-8396-6567184FBB26}">
-  <ds:schemaRefs>
-    <ds:schemaRef ds:uri="http://schemas.microsoft.com/VisualStudio/2011/storyboarding/control"/>
-  </ds:schemaRefs>
-</ds:datastoreItem>
-</file>
-
-<file path=customXml/itemProps151.xml><?xml version="1.0" encoding="utf-8"?>
-<ds:datastoreItem xmlns:ds="http://schemas.openxmlformats.org/officeDocument/2006/customXml" ds:itemID="{FBA6DA6D-7786-4A2A-BC68-30ED15C8A190}">
-  <ds:schemaRefs>
-    <ds:schemaRef ds:uri="http://schemas.microsoft.com/VisualStudio/2011/storyboarding/control"/>
-  </ds:schemaRefs>
-</ds:datastoreItem>
-</file>
-
-<file path=customXml/itemProps152.xml><?xml version="1.0" encoding="utf-8"?>
-<ds:datastoreItem xmlns:ds="http://schemas.openxmlformats.org/officeDocument/2006/customXml" ds:itemID="{BF4C2572-69B2-46F9-B2EF-DD9AC3769060}">
-  <ds:schemaRefs>
-    <ds:schemaRef ds:uri="http://schemas.microsoft.com/VisualStudio/2011/storyboarding/control"/>
-  </ds:schemaRefs>
-</ds:datastoreItem>
-</file>
-
-<file path=customXml/itemProps153.xml><?xml version="1.0" encoding="utf-8"?>
-<ds:datastoreItem xmlns:ds="http://schemas.openxmlformats.org/officeDocument/2006/customXml" ds:itemID="{8E441221-AF4B-4D83-9C68-1BBAB5D732C1}">
-  <ds:schemaRefs>
-    <ds:schemaRef ds:uri="http://schemas.microsoft.com/VisualStudio/2011/storyboarding/control"/>
-  </ds:schemaRefs>
-</ds:datastoreItem>
-</file>
-
-<file path=customXml/itemProps154.xml><?xml version="1.0" encoding="utf-8"?>
-<ds:datastoreItem xmlns:ds="http://schemas.openxmlformats.org/officeDocument/2006/customXml" ds:itemID="{C1E8400F-CB83-4A16-AF3D-36FAF22BDD23}">
-  <ds:schemaRefs>
-    <ds:schemaRef ds:uri="http://schemas.microsoft.com/VisualStudio/2011/storyboarding/control/v1.0"/>
-  </ds:schemaRefs>
-</ds:datastoreItem>
-</file>
-
-<file path=customXml/itemProps155.xml><?xml version="1.0" encoding="utf-8"?>
-<ds:datastoreItem xmlns:ds="http://schemas.openxmlformats.org/officeDocument/2006/customXml" ds:itemID="{D8E0912A-795B-4916-9114-34B4F28A0EE3}">
-  <ds:schemaRefs>
-    <ds:schemaRef ds:uri="http://schemas.microsoft.com/VisualStudio/2011/storyboarding/control/v1.0"/>
-  </ds:schemaRefs>
-</ds:datastoreItem>
-</file>
-
-<file path=customXml/itemProps156.xml><?xml version="1.0" encoding="utf-8"?>
-<ds:datastoreItem xmlns:ds="http://schemas.openxmlformats.org/officeDocument/2006/customXml" ds:itemID="{62A003C9-06B4-4632-BCC6-0A4289DB3564}">
-  <ds:schemaRefs>
-    <ds:schemaRef ds:uri="http://schemas.microsoft.com/VisualStudio/2011/storyboarding/control"/>
-  </ds:schemaRefs>
-</ds:datastoreItem>
-</file>
-
-<file path=customXml/itemProps157.xml><?xml version="1.0" encoding="utf-8"?>
+<file path=customXml/itemProps201.xml><?xml version="1.0" encoding="utf-8"?>
 <ds:datastoreItem xmlns:ds="http://schemas.openxmlformats.org/officeDocument/2006/customXml" ds:itemID="{4B2794CB-8E47-4643-AB0C-80A92E058F1C}">
   <ds:schemaRefs>
     <ds:schemaRef ds:uri="http://schemas.microsoft.com/VisualStudio/2011/storyboarding/control"/>
@@ -48631,183 +49031,7 @@
 </ds:datastoreItem>
 </file>
 
-<file path=customXml/itemProps158.xml><?xml version="1.0" encoding="utf-8"?>
-<ds:datastoreItem xmlns:ds="http://schemas.openxmlformats.org/officeDocument/2006/customXml" ds:itemID="{6B9950BB-86DC-4FB2-A188-EEF61E254E00}">
-  <ds:schemaRefs>
-    <ds:schemaRef ds:uri="http://schemas.microsoft.com/VisualStudio/2011/storyboarding/control"/>
-  </ds:schemaRefs>
-</ds:datastoreItem>
-</file>
-
-<file path=customXml/itemProps159.xml><?xml version="1.0" encoding="utf-8"?>
-<ds:datastoreItem xmlns:ds="http://schemas.openxmlformats.org/officeDocument/2006/customXml" ds:itemID="{F528CFA6-F2A9-46AF-9122-04E816D8A71D}">
-  <ds:schemaRefs>
-    <ds:schemaRef ds:uri="http://schemas.microsoft.com/VisualStudio/2011/storyboarding/control"/>
-  </ds:schemaRefs>
-</ds:datastoreItem>
-</file>
-
-<file path=customXml/itemProps16.xml><?xml version="1.0" encoding="utf-8"?>
-<ds:datastoreItem xmlns:ds="http://schemas.openxmlformats.org/officeDocument/2006/customXml" ds:itemID="{48C57403-F2FB-4B26-BA3E-D349DB7D1CA8}">
-  <ds:schemaRefs>
-    <ds:schemaRef ds:uri="http://schemas.microsoft.com/VisualStudio/2011/storyboarding/control"/>
-  </ds:schemaRefs>
-</ds:datastoreItem>
-</file>
-
-<file path=customXml/itemProps160.xml><?xml version="1.0" encoding="utf-8"?>
-<ds:datastoreItem xmlns:ds="http://schemas.openxmlformats.org/officeDocument/2006/customXml" ds:itemID="{1FF88975-36AE-43BF-87E0-E0D59F21DA7F}">
-  <ds:schemaRefs>
-    <ds:schemaRef ds:uri="http://schemas.microsoft.com/VisualStudio/2011/storyboarding/control"/>
-  </ds:schemaRefs>
-</ds:datastoreItem>
-</file>
-
-<file path=customXml/itemProps161.xml><?xml version="1.0" encoding="utf-8"?>
-<ds:datastoreItem xmlns:ds="http://schemas.openxmlformats.org/officeDocument/2006/customXml" ds:itemID="{D440442A-68BC-4116-A5A6-FDB6BAB9693D}">
-  <ds:schemaRefs>
-    <ds:schemaRef ds:uri="http://schemas.microsoft.com/VisualStudio/2011/storyboarding/control"/>
-  </ds:schemaRefs>
-</ds:datastoreItem>
-</file>
-
-<file path=customXml/itemProps162.xml><?xml version="1.0" encoding="utf-8"?>
-<ds:datastoreItem xmlns:ds="http://schemas.openxmlformats.org/officeDocument/2006/customXml" ds:itemID="{3B9D6764-90AA-4098-A737-3AD20DC24405}">
-  <ds:schemaRefs>
-    <ds:schemaRef ds:uri="http://schemas.microsoft.com/VisualStudio/2011/storyboarding/control"/>
-  </ds:schemaRefs>
-</ds:datastoreItem>
-</file>
-
-<file path=customXml/itemProps163.xml><?xml version="1.0" encoding="utf-8"?>
-<ds:datastoreItem xmlns:ds="http://schemas.openxmlformats.org/officeDocument/2006/customXml" ds:itemID="{B28FE181-DF34-46D8-92F0-4B5EE0F22C85}">
-  <ds:schemaRefs>
-    <ds:schemaRef ds:uri="http://schemas.microsoft.com/VisualStudio/2011/storyboarding/control"/>
-  </ds:schemaRefs>
-</ds:datastoreItem>
-</file>
-
-<file path=customXml/itemProps164.xml><?xml version="1.0" encoding="utf-8"?>
-<ds:datastoreItem xmlns:ds="http://schemas.openxmlformats.org/officeDocument/2006/customXml" ds:itemID="{BBEA8A1F-B02A-4CFD-BB65-DE3DBA4D23CE}">
-  <ds:schemaRefs>
-    <ds:schemaRef ds:uri="http://schemas.microsoft.com/VisualStudio/2011/storyboarding/control"/>
-  </ds:schemaRefs>
-</ds:datastoreItem>
-</file>
-
-<file path=customXml/itemProps165.xml><?xml version="1.0" encoding="utf-8"?>
-<ds:datastoreItem xmlns:ds="http://schemas.openxmlformats.org/officeDocument/2006/customXml" ds:itemID="{210D98BC-CFC9-452C-BD71-82D18275CCFB}">
-  <ds:schemaRefs>
-    <ds:schemaRef ds:uri="http://schemas.microsoft.com/VisualStudio/2011/storyboarding/control"/>
-  </ds:schemaRefs>
-</ds:datastoreItem>
-</file>
-
-<file path=customXml/itemProps166.xml><?xml version="1.0" encoding="utf-8"?>
-<ds:datastoreItem xmlns:ds="http://schemas.openxmlformats.org/officeDocument/2006/customXml" ds:itemID="{CEFE4058-5397-4E53-AD5F-D2E2BC794126}">
-  <ds:schemaRefs>
-    <ds:schemaRef ds:uri="http://schemas.microsoft.com/VisualStudio/2011/storyboarding/control"/>
-  </ds:schemaRefs>
-</ds:datastoreItem>
-</file>
-
-<file path=customXml/itemProps167.xml><?xml version="1.0" encoding="utf-8"?>
-<ds:datastoreItem xmlns:ds="http://schemas.openxmlformats.org/officeDocument/2006/customXml" ds:itemID="{7F991AEE-D8F9-4C32-A3DE-247A79338965}">
-  <ds:schemaRefs>
-    <ds:schemaRef ds:uri="http://schemas.microsoft.com/VisualStudio/2011/storyboarding/control"/>
-  </ds:schemaRefs>
-</ds:datastoreItem>
-</file>
-
-<file path=customXml/itemProps168.xml><?xml version="1.0" encoding="utf-8"?>
-<ds:datastoreItem xmlns:ds="http://schemas.openxmlformats.org/officeDocument/2006/customXml" ds:itemID="{8B2BC39B-CAA5-48F4-92D5-7F73027D6DE2}">
-  <ds:schemaRefs>
-    <ds:schemaRef ds:uri="http://schemas.microsoft.com/VisualStudio/2011/storyboarding/control"/>
-  </ds:schemaRefs>
-</ds:datastoreItem>
-</file>
-
-<file path=customXml/itemProps169.xml><?xml version="1.0" encoding="utf-8"?>
-<ds:datastoreItem xmlns:ds="http://schemas.openxmlformats.org/officeDocument/2006/customXml" ds:itemID="{482C66B2-8FE3-4A84-87E1-3F9E8F798AEF}">
-  <ds:schemaRefs>
-    <ds:schemaRef ds:uri="http://schemas.microsoft.com/VisualStudio/2011/storyboarding/control"/>
-  </ds:schemaRefs>
-</ds:datastoreItem>
-</file>
-
-<file path=customXml/itemProps17.xml><?xml version="1.0" encoding="utf-8"?>
-<ds:datastoreItem xmlns:ds="http://schemas.openxmlformats.org/officeDocument/2006/customXml" ds:itemID="{AA63A2A6-8C8A-43A5-BBCE-29755176128F}">
-  <ds:schemaRefs>
-    <ds:schemaRef ds:uri="http://schemas.microsoft.com/VisualStudio/2011/storyboarding/control"/>
-  </ds:schemaRefs>
-</ds:datastoreItem>
-</file>
-
-<file path=customXml/itemProps170.xml><?xml version="1.0" encoding="utf-8"?>
-<ds:datastoreItem xmlns:ds="http://schemas.openxmlformats.org/officeDocument/2006/customXml" ds:itemID="{7732A184-08DF-455A-8213-649E4A546A1D}">
-  <ds:schemaRefs>
-    <ds:schemaRef ds:uri="http://schemas.microsoft.com/VisualStudio/2011/storyboarding/control"/>
-  </ds:schemaRefs>
-</ds:datastoreItem>
-</file>
-
-<file path=customXml/itemProps171.xml><?xml version="1.0" encoding="utf-8"?>
-<ds:datastoreItem xmlns:ds="http://schemas.openxmlformats.org/officeDocument/2006/customXml" ds:itemID="{A84BE01C-E91B-4A90-8E7F-25887EF8E061}">
-  <ds:schemaRefs>
-    <ds:schemaRef ds:uri="http://schemas.microsoft.com/VisualStudio/2011/storyboarding/control/v1.0"/>
-  </ds:schemaRefs>
-</ds:datastoreItem>
-</file>
-
-<file path=customXml/itemProps172.xml><?xml version="1.0" encoding="utf-8"?>
-<ds:datastoreItem xmlns:ds="http://schemas.openxmlformats.org/officeDocument/2006/customXml" ds:itemID="{F5B2D0F4-F906-4501-8179-1914E0FB4926}">
-  <ds:schemaRefs>
-    <ds:schemaRef ds:uri="http://schemas.microsoft.com/VisualStudio/2011/storyboarding/control"/>
-  </ds:schemaRefs>
-</ds:datastoreItem>
-</file>
-
-<file path=customXml/itemProps173.xml><?xml version="1.0" encoding="utf-8"?>
-<ds:datastoreItem xmlns:ds="http://schemas.openxmlformats.org/officeDocument/2006/customXml" ds:itemID="{A495BDE2-DE86-4DB5-BBC3-A67308A84836}">
-  <ds:schemaRefs>
-    <ds:schemaRef ds:uri="http://schemas.microsoft.com/VisualStudio/2011/storyboarding/control"/>
-  </ds:schemaRefs>
-</ds:datastoreItem>
-</file>
-
-<file path=customXml/itemProps174.xml><?xml version="1.0" encoding="utf-8"?>
-<ds:datastoreItem xmlns:ds="http://schemas.openxmlformats.org/officeDocument/2006/customXml" ds:itemID="{DB12B8CA-3C8F-452F-89EF-A05CDB3CBC03}">
-  <ds:schemaRefs>
-    <ds:schemaRef ds:uri="http://schemas.microsoft.com/VisualStudio/2011/storyboarding/control"/>
-  </ds:schemaRefs>
-</ds:datastoreItem>
-</file>
-
-<file path=customXml/itemProps175.xml><?xml version="1.0" encoding="utf-8"?>
-<ds:datastoreItem xmlns:ds="http://schemas.openxmlformats.org/officeDocument/2006/customXml" ds:itemID="{EAFC578D-2F7F-4742-9430-F08171D1B752}">
-  <ds:schemaRefs>
-    <ds:schemaRef ds:uri="http://schemas.microsoft.com/VisualStudio/2011/storyboarding/control"/>
-  </ds:schemaRefs>
-</ds:datastoreItem>
-</file>
-
-<file path=customXml/itemProps176.xml><?xml version="1.0" encoding="utf-8"?>
-<ds:datastoreItem xmlns:ds="http://schemas.openxmlformats.org/officeDocument/2006/customXml" ds:itemID="{A6CECEA6-E7B3-4E14-A088-25D078A015BE}">
-  <ds:schemaRefs>
-    <ds:schemaRef ds:uri="http://schemas.microsoft.com/VisualStudio/2011/storyboarding/control"/>
-  </ds:schemaRefs>
-</ds:datastoreItem>
-</file>
-
-<file path=customXml/itemProps177.xml><?xml version="1.0" encoding="utf-8"?>
-<ds:datastoreItem xmlns:ds="http://schemas.openxmlformats.org/officeDocument/2006/customXml" ds:itemID="{1C091AA2-E8E7-4486-B4A2-F72A9C23359F}">
-  <ds:schemaRefs>
-    <ds:schemaRef ds:uri="http://schemas.microsoft.com/VisualStudio/2011/storyboarding/control"/>
-  </ds:schemaRefs>
-</ds:datastoreItem>
-</file>
-
-<file path=customXml/itemProps178.xml><?xml version="1.0" encoding="utf-8"?>
+<file path=customXml/itemProps202.xml><?xml version="1.0" encoding="utf-8"?>
 <ds:datastoreItem xmlns:ds="http://schemas.openxmlformats.org/officeDocument/2006/customXml" ds:itemID="{048A3CC1-91CB-4990-8022-89A76DC8521F}">
   <ds:schemaRefs>
     <ds:schemaRef ds:uri="http://schemas.microsoft.com/VisualStudio/2011/storyboarding/control"/>
@@ -48815,103 +49039,47 @@
 </ds:datastoreItem>
 </file>
 
-<file path=customXml/itemProps179.xml><?xml version="1.0" encoding="utf-8"?>
-<ds:datastoreItem xmlns:ds="http://schemas.openxmlformats.org/officeDocument/2006/customXml" ds:itemID="{7C4FADB9-82C5-46C4-AD0E-6B60B5C6AEAE}">
-  <ds:schemaRefs>
-    <ds:schemaRef ds:uri="http://schemas.microsoft.com/VisualStudio/2011/storyboarding/control/v1.0"/>
-  </ds:schemaRefs>
-</ds:datastoreItem>
-</file>
-
-<file path=customXml/itemProps18.xml><?xml version="1.0" encoding="utf-8"?>
-<ds:datastoreItem xmlns:ds="http://schemas.openxmlformats.org/officeDocument/2006/customXml" ds:itemID="{A2DAA52B-5F52-4A8E-B601-7BF162CD738F}">
-  <ds:schemaRefs>
-    <ds:schemaRef ds:uri="http://schemas.microsoft.com/VisualStudio/2011/storyboarding/control/v1.0"/>
-  </ds:schemaRefs>
-</ds:datastoreItem>
-</file>
-
-<file path=customXml/itemProps180.xml><?xml version="1.0" encoding="utf-8"?>
-<ds:datastoreItem xmlns:ds="http://schemas.openxmlformats.org/officeDocument/2006/customXml" ds:itemID="{33B5ACEB-736C-4301-8146-E6656B732852}">
+<file path=customXml/itemProps203.xml><?xml version="1.0" encoding="utf-8"?>
+<ds:datastoreItem xmlns:ds="http://schemas.openxmlformats.org/officeDocument/2006/customXml" ds:itemID="{574C0546-69B0-4850-A983-CDA8017CD4CE}">
   <ds:schemaRefs>
     <ds:schemaRef ds:uri="http://schemas.microsoft.com/VisualStudio/2011/storyboarding/control"/>
   </ds:schemaRefs>
 </ds:datastoreItem>
 </file>
 
-<file path=customXml/itemProps181.xml><?xml version="1.0" encoding="utf-8"?>
-<ds:datastoreItem xmlns:ds="http://schemas.openxmlformats.org/officeDocument/2006/customXml" ds:itemID="{2333FAD5-4B0F-46CB-85C1-5385EB3AD2B4}">
+<file path=customXml/itemProps204.xml><?xml version="1.0" encoding="utf-8"?>
+<ds:datastoreItem xmlns:ds="http://schemas.openxmlformats.org/officeDocument/2006/customXml" ds:itemID="{672609A4-F990-4E8E-B553-561D3489121F}">
   <ds:schemaRefs>
     <ds:schemaRef ds:uri="http://schemas.microsoft.com/VisualStudio/2011/storyboarding/control"/>
   </ds:schemaRefs>
 </ds:datastoreItem>
 </file>
 
-<file path=customXml/itemProps182.xml><?xml version="1.0" encoding="utf-8"?>
-<ds:datastoreItem xmlns:ds="http://schemas.openxmlformats.org/officeDocument/2006/customXml" ds:itemID="{DDEEC505-9111-44CE-9DED-8A454ABEC272}">
+<file path=customXml/itemProps205.xml><?xml version="1.0" encoding="utf-8"?>
+<ds:datastoreItem xmlns:ds="http://schemas.openxmlformats.org/officeDocument/2006/customXml" ds:itemID="{B7BD4F34-B154-4D92-BE87-C557EB1B7EFB}">
   <ds:schemaRefs>
-    <ds:schemaRef ds:uri="http://schemas.microsoft.com/VisualStudio/2011/storyboarding/control/v1.0"/>
+    <ds:schemaRef ds:uri="http://schemas.microsoft.com/sharepoint/v3/contenttype/forms"/>
   </ds:schemaRefs>
 </ds:datastoreItem>
 </file>
 
-<file path=customXml/itemProps183.xml><?xml version="1.0" encoding="utf-8"?>
-<ds:datastoreItem xmlns:ds="http://schemas.openxmlformats.org/officeDocument/2006/customXml" ds:itemID="{86DDA142-5274-48CF-86BC-261450CA9F62}">
+<file path=customXml/itemProps206.xml><?xml version="1.0" encoding="utf-8"?>
+<ds:datastoreItem xmlns:ds="http://schemas.openxmlformats.org/officeDocument/2006/customXml" ds:itemID="{B49BEC75-1273-4B0C-9BD8-824516F2DB79}">
   <ds:schemaRefs>
     <ds:schemaRef ds:uri="http://schemas.microsoft.com/VisualStudio/2011/storyboarding/control"/>
   </ds:schemaRefs>
 </ds:datastoreItem>
 </file>
 
-<file path=customXml/itemProps184.xml><?xml version="1.0" encoding="utf-8"?>
-<ds:datastoreItem xmlns:ds="http://schemas.openxmlformats.org/officeDocument/2006/customXml" ds:itemID="{D064F9E9-4F9E-4E86-A1C8-B1028BE4E427}">
+<file path=customXml/itemProps207.xml><?xml version="1.0" encoding="utf-8"?>
+<ds:datastoreItem xmlns:ds="http://schemas.openxmlformats.org/officeDocument/2006/customXml" ds:itemID="{18A6A270-A75C-4D7E-86E4-765FF07C5144}">
   <ds:schemaRefs>
-    <ds:schemaRef ds:uri="http://schemas.microsoft.com/VisualStudio/2011/storyboarding/control"/>
+    <ds:schemaRef ds:uri="http://schemas.microsoft.com/sharepoint/events"/>
   </ds:schemaRefs>
 </ds:datastoreItem>
 </file>
 
-<file path=customXml/itemProps185.xml><?xml version="1.0" encoding="utf-8"?>
-<ds:datastoreItem xmlns:ds="http://schemas.openxmlformats.org/officeDocument/2006/customXml" ds:itemID="{B456FE19-ED72-4E25-9FC9-4BECF543B733}">
-  <ds:schemaRefs>
-    <ds:schemaRef ds:uri="http://schemas.microsoft.com/VisualStudio/2011/storyboarding/control"/>
-  </ds:schemaRefs>
-</ds:datastoreItem>
-</file>
-
-<file path=customXml/itemProps186.xml><?xml version="1.0" encoding="utf-8"?>
-<ds:datastoreItem xmlns:ds="http://schemas.openxmlformats.org/officeDocument/2006/customXml" ds:itemID="{01E0B54D-93C0-47BA-BD37-28A68DD7C93D}">
-  <ds:schemaRefs>
-    <ds:schemaRef ds:uri="http://schemas.microsoft.com/VisualStudio/2011/storyboarding/control"/>
-  </ds:schemaRefs>
-</ds:datastoreItem>
-</file>
-
-<file path=customXml/itemProps187.xml><?xml version="1.0" encoding="utf-8"?>
-<ds:datastoreItem xmlns:ds="http://schemas.openxmlformats.org/officeDocument/2006/customXml" ds:itemID="{094BB5CD-D80A-4B61-966C-DFF69648ED5C}">
-  <ds:schemaRefs>
-    <ds:schemaRef ds:uri="http://schemas.microsoft.com/VisualStudio/2011/storyboarding/control"/>
-  </ds:schemaRefs>
-</ds:datastoreItem>
-</file>
-
-<file path=customXml/itemProps188.xml><?xml version="1.0" encoding="utf-8"?>
-<ds:datastoreItem xmlns:ds="http://schemas.openxmlformats.org/officeDocument/2006/customXml" ds:itemID="{28924D55-F231-485D-87E0-2FF3A9BD7FD5}">
-  <ds:schemaRefs>
-    <ds:schemaRef ds:uri="http://schemas.microsoft.com/VisualStudio/2011/storyboarding/control"/>
-  </ds:schemaRefs>
-</ds:datastoreItem>
-</file>
-
-<file path=customXml/itemProps189.xml><?xml version="1.0" encoding="utf-8"?>
-<ds:datastoreItem xmlns:ds="http://schemas.openxmlformats.org/officeDocument/2006/customXml" ds:itemID="{4BCB20A2-9850-49DA-9BD6-A5D2B0ABF72F}">
-  <ds:schemaRefs>
-    <ds:schemaRef ds:uri="http://schemas.microsoft.com/VisualStudio/2011/storyboarding/control/v1.0"/>
-  </ds:schemaRefs>
-</ds:datastoreItem>
-</file>
-
-<file path=customXml/itemProps19.xml><?xml version="1.0" encoding="utf-8"?>
+<file path=customXml/itemProps208.xml><?xml version="1.0" encoding="utf-8"?>
 <ds:datastoreItem xmlns:ds="http://schemas.openxmlformats.org/officeDocument/2006/customXml" ds:itemID="{6DB748EE-C7FB-45BD-A8D2-052E4039A714}">
   <ds:schemaRefs>
     <ds:schemaRef ds:uri="http://schemas.microsoft.com/VisualStudio/2011/storyboarding/control"/>
@@ -48919,311 +49087,7 @@
 </ds:datastoreItem>
 </file>
 
-<file path=customXml/itemProps190.xml><?xml version="1.0" encoding="utf-8"?>
-<ds:datastoreItem xmlns:ds="http://schemas.openxmlformats.org/officeDocument/2006/customXml" ds:itemID="{B836105E-5EEE-42B3-9106-1CD030EDC961}">
-  <ds:schemaRefs>
-    <ds:schemaRef ds:uri="http://schemas.microsoft.com/VisualStudio/2011/storyboarding/control"/>
-  </ds:schemaRefs>
-</ds:datastoreItem>
-</file>
-
-<file path=customXml/itemProps191.xml><?xml version="1.0" encoding="utf-8"?>
-<ds:datastoreItem xmlns:ds="http://schemas.openxmlformats.org/officeDocument/2006/customXml" ds:itemID="{0B7EDE5B-4D51-49E1-9CEB-68B8A7C62080}">
-  <ds:schemaRefs>
-    <ds:schemaRef ds:uri="http://schemas.microsoft.com/VisualStudio/2011/storyboarding/control"/>
-  </ds:schemaRefs>
-</ds:datastoreItem>
-</file>
-
-<file path=customXml/itemProps192.xml><?xml version="1.0" encoding="utf-8"?>
-<ds:datastoreItem xmlns:ds="http://schemas.openxmlformats.org/officeDocument/2006/customXml" ds:itemID="{6CCE3CA7-341D-4718-9E2A-11B173C57EC1}">
-  <ds:schemaRefs>
-    <ds:schemaRef ds:uri="http://schemas.microsoft.com/VisualStudio/2011/storyboarding/control"/>
-  </ds:schemaRefs>
-</ds:datastoreItem>
-</file>
-
-<file path=customXml/itemProps193.xml><?xml version="1.0" encoding="utf-8"?>
-<ds:datastoreItem xmlns:ds="http://schemas.openxmlformats.org/officeDocument/2006/customXml" ds:itemID="{A08EAE6B-4625-4A14-A4A9-EF486483F890}">
-  <ds:schemaRefs>
-    <ds:schemaRef ds:uri="http://schemas.microsoft.com/VisualStudio/2011/storyboarding/control"/>
-  </ds:schemaRefs>
-</ds:datastoreItem>
-</file>
-
-<file path=customXml/itemProps194.xml><?xml version="1.0" encoding="utf-8"?>
-<ds:datastoreItem xmlns:ds="http://schemas.openxmlformats.org/officeDocument/2006/customXml" ds:itemID="{EC4D8D96-7D54-4E66-97F0-A05202B5A0A9}">
-  <ds:schemaRefs>
-    <ds:schemaRef ds:uri="http://schemas.microsoft.com/VisualStudio/2011/storyboarding/control"/>
-  </ds:schemaRefs>
-</ds:datastoreItem>
-</file>
-
-<file path=customXml/itemProps195.xml><?xml version="1.0" encoding="utf-8"?>
-<ds:datastoreItem xmlns:ds="http://schemas.openxmlformats.org/officeDocument/2006/customXml" ds:itemID="{D548E006-7BE6-4C3C-AB4B-22C6CB51C665}">
-  <ds:schemaRefs>
-    <ds:schemaRef ds:uri="http://schemas.microsoft.com/VisualStudio/2011/storyboarding/control"/>
-  </ds:schemaRefs>
-</ds:datastoreItem>
-</file>
-
-<file path=customXml/itemProps196.xml><?xml version="1.0" encoding="utf-8"?>
-<ds:datastoreItem xmlns:ds="http://schemas.openxmlformats.org/officeDocument/2006/customXml" ds:itemID="{518BFC86-3FAF-4208-8B8C-3779530ADA6A}">
-  <ds:schemaRefs>
-    <ds:schemaRef ds:uri="http://schemas.microsoft.com/VisualStudio/2011/storyboarding/control"/>
-  </ds:schemaRefs>
-</ds:datastoreItem>
-</file>
-
-<file path=customXml/itemProps197.xml><?xml version="1.0" encoding="utf-8"?>
-<ds:datastoreItem xmlns:ds="http://schemas.openxmlformats.org/officeDocument/2006/customXml" ds:itemID="{6772C88A-36A0-4EAC-86A3-BB16EEADAB3E}">
-  <ds:schemaRefs>
-    <ds:schemaRef ds:uri="http://schemas.microsoft.com/VisualStudio/2011/storyboarding/control/v1.0"/>
-  </ds:schemaRefs>
-</ds:datastoreItem>
-</file>
-
-<file path=customXml/itemProps198.xml><?xml version="1.0" encoding="utf-8"?>
-<ds:datastoreItem xmlns:ds="http://schemas.openxmlformats.org/officeDocument/2006/customXml" ds:itemID="{3949AE0A-6F66-430B-AEAC-E1BF3B6154A6}">
-  <ds:schemaRefs>
-    <ds:schemaRef ds:uri="http://schemas.microsoft.com/VisualStudio/2011/storyboarding/control"/>
-  </ds:schemaRefs>
-</ds:datastoreItem>
-</file>
-
-<file path=customXml/itemProps199.xml><?xml version="1.0" encoding="utf-8"?>
-<ds:datastoreItem xmlns:ds="http://schemas.openxmlformats.org/officeDocument/2006/customXml" ds:itemID="{B49BEC75-1273-4B0C-9BD8-824516F2DB79}">
-  <ds:schemaRefs>
-    <ds:schemaRef ds:uri="http://schemas.microsoft.com/VisualStudio/2011/storyboarding/control"/>
-  </ds:schemaRefs>
-</ds:datastoreItem>
-</file>
-
-<file path=customXml/itemProps2.xml><?xml version="1.0" encoding="utf-8"?>
-<ds:datastoreItem xmlns:ds="http://schemas.openxmlformats.org/officeDocument/2006/customXml" ds:itemID="{F17D5AF6-3BD9-4DFF-AE9B-2E10D3430779}">
-  <ds:schemaRefs>
-    <ds:schemaRef ds:uri="http://schemas.microsoft.com/VisualStudio/2011/storyboarding/control/v1.0"/>
-  </ds:schemaRefs>
-</ds:datastoreItem>
-</file>
-
-<file path=customXml/itemProps20.xml><?xml version="1.0" encoding="utf-8"?>
-<ds:datastoreItem xmlns:ds="http://schemas.openxmlformats.org/officeDocument/2006/customXml" ds:itemID="{8C9DC196-410F-4C9C-AE66-5EDEA8509CCA}">
-  <ds:schemaRefs>
-    <ds:schemaRef ds:uri="http://schemas.microsoft.com/VisualStudio/2011/storyboarding/control"/>
-  </ds:schemaRefs>
-</ds:datastoreItem>
-</file>
-
-<file path=customXml/itemProps200.xml><?xml version="1.0" encoding="utf-8"?>
-<ds:datastoreItem xmlns:ds="http://schemas.openxmlformats.org/officeDocument/2006/customXml" ds:itemID="{FA5216FE-1DE9-4185-8800-0EC7C7890F70}">
-  <ds:schemaRefs>
-    <ds:schemaRef ds:uri="http://schemas.microsoft.com/VisualStudio/2011/storyboarding/control"/>
-  </ds:schemaRefs>
-</ds:datastoreItem>
-</file>
-
-<file path=customXml/itemProps201.xml><?xml version="1.0" encoding="utf-8"?>
-<ds:datastoreItem xmlns:ds="http://schemas.openxmlformats.org/officeDocument/2006/customXml" ds:itemID="{4C0069AA-981E-4DCF-95BA-4FF939F40700}">
-  <ds:schemaRefs>
-    <ds:schemaRef ds:uri="http://schemas.microsoft.com/VisualStudio/2011/storyboarding/control"/>
-  </ds:schemaRefs>
-</ds:datastoreItem>
-</file>
-
-<file path=customXml/itemProps202.xml><?xml version="1.0" encoding="utf-8"?>
-<ds:datastoreItem xmlns:ds="http://schemas.openxmlformats.org/officeDocument/2006/customXml" ds:itemID="{AED3AD3A-A042-431E-8211-C82389E4646A}">
-  <ds:schemaRefs>
-    <ds:schemaRef ds:uri="http://schemas.microsoft.com/VisualStudio/2011/storyboarding/control"/>
-  </ds:schemaRefs>
-</ds:datastoreItem>
-</file>
-
-<file path=customXml/itemProps203.xml><?xml version="1.0" encoding="utf-8"?>
-<ds:datastoreItem xmlns:ds="http://schemas.openxmlformats.org/officeDocument/2006/customXml" ds:itemID="{18A6A270-A75C-4D7E-86E4-765FF07C5144}">
-  <ds:schemaRefs>
-    <ds:schemaRef ds:uri="http://schemas.microsoft.com/sharepoint/events"/>
-  </ds:schemaRefs>
-</ds:datastoreItem>
-</file>
-
-<file path=customXml/itemProps204.xml><?xml version="1.0" encoding="utf-8"?>
-<ds:datastoreItem xmlns:ds="http://schemas.openxmlformats.org/officeDocument/2006/customXml" ds:itemID="{C59CD979-7E5F-4D6B-96AB-8815286CC58D}">
-  <ds:schemaRefs>
-    <ds:schemaRef ds:uri="http://schemas.microsoft.com/VisualStudio/2011/storyboarding/control"/>
-  </ds:schemaRefs>
-</ds:datastoreItem>
-</file>
-
-<file path=customXml/itemProps205.xml><?xml version="1.0" encoding="utf-8"?>
-<ds:datastoreItem xmlns:ds="http://schemas.openxmlformats.org/officeDocument/2006/customXml" ds:itemID="{74F0B0F5-A7B1-446C-984E-7ABB30A38E9E}">
-  <ds:schemaRefs>
-    <ds:schemaRef ds:uri="http://schemas.microsoft.com/VisualStudio/2011/storyboarding/control"/>
-  </ds:schemaRefs>
-</ds:datastoreItem>
-</file>
-
-<file path=customXml/itemProps206.xml><?xml version="1.0" encoding="utf-8"?>
-<ds:datastoreItem xmlns:ds="http://schemas.openxmlformats.org/officeDocument/2006/customXml" ds:itemID="{A214BBB2-0619-4F79-8F5D-C4D646E29AE2}">
-  <ds:schemaRefs>
-    <ds:schemaRef ds:uri="http://schemas.microsoft.com/VisualStudio/2011/storyboarding/control"/>
-  </ds:schemaRefs>
-</ds:datastoreItem>
-</file>
-
-<file path=customXml/itemProps207.xml><?xml version="1.0" encoding="utf-8"?>
-<ds:datastoreItem xmlns:ds="http://schemas.openxmlformats.org/officeDocument/2006/customXml" ds:itemID="{380520DA-6825-4F41-8284-821CB3CA5C82}">
-  <ds:schemaRefs>
-    <ds:schemaRef ds:uri="http://schemas.microsoft.com/VisualStudio/2011/storyboarding/control"/>
-  </ds:schemaRefs>
-</ds:datastoreItem>
-</file>
-
-<file path=customXml/itemProps208.xml><?xml version="1.0" encoding="utf-8"?>
-<ds:datastoreItem xmlns:ds="http://schemas.openxmlformats.org/officeDocument/2006/customXml" ds:itemID="{B0A9A6F9-9B8F-41F1-9C73-D1586249E417}">
-  <ds:schemaRefs>
-    <ds:schemaRef ds:uri="http://schemas.microsoft.com/VisualStudio/2011/storyboarding/control"/>
-  </ds:schemaRefs>
-</ds:datastoreItem>
-</file>
-
 <file path=customXml/itemProps209.xml><?xml version="1.0" encoding="utf-8"?>
-<ds:datastoreItem xmlns:ds="http://schemas.openxmlformats.org/officeDocument/2006/customXml" ds:itemID="{BF11B036-6E64-47A4-8B66-189890EFA8D5}">
-  <ds:schemaRefs>
-    <ds:schemaRef ds:uri="http://schemas.microsoft.com/VisualStudio/2011/storyboarding/control"/>
-  </ds:schemaRefs>
-</ds:datastoreItem>
-</file>
-
-<file path=customXml/itemProps21.xml><?xml version="1.0" encoding="utf-8"?>
-<ds:datastoreItem xmlns:ds="http://schemas.openxmlformats.org/officeDocument/2006/customXml" ds:itemID="{20EE139D-44C7-4192-A8B7-E25390148E28}">
-  <ds:schemaRefs>
-    <ds:schemaRef ds:uri="http://schemas.microsoft.com/VisualStudio/2011/storyboarding/control/v1.0"/>
-  </ds:schemaRefs>
-</ds:datastoreItem>
-</file>
-
-<file path=customXml/itemProps210.xml><?xml version="1.0" encoding="utf-8"?>
-<ds:datastoreItem xmlns:ds="http://schemas.openxmlformats.org/officeDocument/2006/customXml" ds:itemID="{6574190A-3D9E-42C1-B276-38E33156AA99}">
-  <ds:schemaRefs>
-    <ds:schemaRef ds:uri="http://schemas.microsoft.com/VisualStudio/2011/storyboarding/control/v1.0"/>
-  </ds:schemaRefs>
-</ds:datastoreItem>
-</file>
-
-<file path=customXml/itemProps211.xml><?xml version="1.0" encoding="utf-8"?>
-<ds:datastoreItem xmlns:ds="http://schemas.openxmlformats.org/officeDocument/2006/customXml" ds:itemID="{562C37FA-BC49-48FE-A586-618D0F9E7A11}">
-  <ds:schemaRefs>
-    <ds:schemaRef ds:uri="http://schemas.microsoft.com/VisualStudio/2011/storyboarding/control"/>
-  </ds:schemaRefs>
-</ds:datastoreItem>
-</file>
-
-<file path=customXml/itemProps212.xml><?xml version="1.0" encoding="utf-8"?>
-<ds:datastoreItem xmlns:ds="http://schemas.openxmlformats.org/officeDocument/2006/customXml" ds:itemID="{C19FFBA0-FE96-460C-AA7A-1559EDC70E58}">
-  <ds:schemaRefs>
-    <ds:schemaRef ds:uri="http://schemas.microsoft.com/VisualStudio/2011/storyboarding/control"/>
-  </ds:schemaRefs>
-</ds:datastoreItem>
-</file>
-
-<file path=customXml/itemProps213.xml><?xml version="1.0" encoding="utf-8"?>
-<ds:datastoreItem xmlns:ds="http://schemas.openxmlformats.org/officeDocument/2006/customXml" ds:itemID="{561F34EB-C0AB-467A-B145-C74976B3BDBE}">
-  <ds:schemaRefs>
-    <ds:schemaRef ds:uri="http://schemas.microsoft.com/VisualStudio/2011/storyboarding/control"/>
-  </ds:schemaRefs>
-</ds:datastoreItem>
-</file>
-
-<file path=customXml/itemProps214.xml><?xml version="1.0" encoding="utf-8"?>
-<ds:datastoreItem xmlns:ds="http://schemas.openxmlformats.org/officeDocument/2006/customXml" ds:itemID="{3F848EF3-35D8-4197-9709-1D010A638AC5}">
-  <ds:schemaRefs>
-    <ds:schemaRef ds:uri="http://schemas.microsoft.com/VisualStudio/2011/storyboarding/control"/>
-  </ds:schemaRefs>
-</ds:datastoreItem>
-</file>
-
-<file path=customXml/itemProps215.xml><?xml version="1.0" encoding="utf-8"?>
-<ds:datastoreItem xmlns:ds="http://schemas.openxmlformats.org/officeDocument/2006/customXml" ds:itemID="{19CB1DF2-8822-4520-A56A-045D340F0C71}">
-  <ds:schemaRefs>
-    <ds:schemaRef ds:uri="http://schemas.microsoft.com/VisualStudio/2011/storyboarding/control/v1.0"/>
-  </ds:schemaRefs>
-</ds:datastoreItem>
-</file>
-
-<file path=customXml/itemProps216.xml><?xml version="1.0" encoding="utf-8"?>
-<ds:datastoreItem xmlns:ds="http://schemas.openxmlformats.org/officeDocument/2006/customXml" ds:itemID="{7AC21F39-8137-409B-8CA9-0D8BCA8C53A9}">
-  <ds:schemaRefs>
-    <ds:schemaRef ds:uri="http://schemas.microsoft.com/VisualStudio/2011/storyboarding/control"/>
-  </ds:schemaRefs>
-</ds:datastoreItem>
-</file>
-
-<file path=customXml/itemProps217.xml><?xml version="1.0" encoding="utf-8"?>
-<ds:datastoreItem xmlns:ds="http://schemas.openxmlformats.org/officeDocument/2006/customXml" ds:itemID="{967C42A5-1DCA-4F10-9D2C-730B7244B788}">
-  <ds:schemaRefs>
-    <ds:schemaRef ds:uri="http://schemas.microsoft.com/VisualStudio/2011/storyboarding/control"/>
-  </ds:schemaRefs>
-</ds:datastoreItem>
-</file>
-
-<file path=customXml/itemProps218.xml><?xml version="1.0" encoding="utf-8"?>
-<ds:datastoreItem xmlns:ds="http://schemas.openxmlformats.org/officeDocument/2006/customXml" ds:itemID="{A2F1A585-6ACF-41E6-9ED7-63B9553E43E4}">
-  <ds:schemaRefs>
-    <ds:schemaRef ds:uri="http://schemas.microsoft.com/VisualStudio/2011/storyboarding/control"/>
-  </ds:schemaRefs>
-</ds:datastoreItem>
-</file>
-
-<file path=customXml/itemProps219.xml><?xml version="1.0" encoding="utf-8"?>
-<ds:datastoreItem xmlns:ds="http://schemas.openxmlformats.org/officeDocument/2006/customXml" ds:itemID="{0BD21A30-063A-4397-97B8-0121D45BD9D6}">
-  <ds:schemaRefs>
-    <ds:schemaRef ds:uri="http://schemas.microsoft.com/VisualStudio/2011/storyboarding/control/v1.0"/>
-  </ds:schemaRefs>
-</ds:datastoreItem>
-</file>
-
-<file path=customXml/itemProps22.xml><?xml version="1.0" encoding="utf-8"?>
-<ds:datastoreItem xmlns:ds="http://schemas.openxmlformats.org/officeDocument/2006/customXml" ds:itemID="{2BFF8308-D282-489A-AA7B-794AC6DDD350}">
-  <ds:schemaRefs>
-    <ds:schemaRef ds:uri="http://schemas.microsoft.com/VisualStudio/2011/storyboarding/control"/>
-  </ds:schemaRefs>
-</ds:datastoreItem>
-</file>
-
-<file path=customXml/itemProps220.xml><?xml version="1.0" encoding="utf-8"?>
-<ds:datastoreItem xmlns:ds="http://schemas.openxmlformats.org/officeDocument/2006/customXml" ds:itemID="{ECB2E80D-053D-40FF-945A-EF28565E7993}">
-  <ds:schemaRefs>
-    <ds:schemaRef ds:uri="http://schemas.microsoft.com/VisualStudio/2011/storyboarding/control"/>
-  </ds:schemaRefs>
-</ds:datastoreItem>
-</file>
-
-<file path=customXml/itemProps221.xml><?xml version="1.0" encoding="utf-8"?>
-<ds:datastoreItem xmlns:ds="http://schemas.openxmlformats.org/officeDocument/2006/customXml" ds:itemID="{F2F0840F-DCB2-4FB7-9C6F-74188743A963}">
-  <ds:schemaRefs>
-    <ds:schemaRef ds:uri="http://schemas.microsoft.com/VisualStudio/2011/storyboarding/control"/>
-  </ds:schemaRefs>
-</ds:datastoreItem>
-</file>
-
-<file path=customXml/itemProps222.xml><?xml version="1.0" encoding="utf-8"?>
-<ds:datastoreItem xmlns:ds="http://schemas.openxmlformats.org/officeDocument/2006/customXml" ds:itemID="{F1C4ACDC-E59B-4A7C-8B85-138496E90808}">
-  <ds:schemaRefs>
-    <ds:schemaRef ds:uri="http://schemas.microsoft.com/VisualStudio/2011/storyboarding/control"/>
-  </ds:schemaRefs>
-</ds:datastoreItem>
-</file>
-
-<file path=customXml/itemProps223.xml><?xml version="1.0" encoding="utf-8"?>
-<ds:datastoreItem xmlns:ds="http://schemas.openxmlformats.org/officeDocument/2006/customXml" ds:itemID="{15ADC171-1D00-43AA-8660-03BE1F33122C}">
-  <ds:schemaRefs>
-    <ds:schemaRef ds:uri="http://schemas.microsoft.com/VisualStudio/2011/storyboarding/control"/>
-  </ds:schemaRefs>
-</ds:datastoreItem>
-</file>
-
-<file path=customXml/itemProps224.xml><?xml version="1.0" encoding="utf-8"?>
 <ds:datastoreItem xmlns:ds="http://schemas.openxmlformats.org/officeDocument/2006/customXml" ds:itemID="{514C3188-379E-46BF-BC22-7EED3E88977B}">
   <ds:schemaRefs>
     <ds:schemaRef ds:uri="http://schemas.microsoft.com/VisualStudio/2011/storyboarding/control"/>
@@ -49231,183 +49095,15 @@
 </ds:datastoreItem>
 </file>
 
-<file path=customXml/itemProps225.xml><?xml version="1.0" encoding="utf-8"?>
-<ds:datastoreItem xmlns:ds="http://schemas.openxmlformats.org/officeDocument/2006/customXml" ds:itemID="{CB953D38-E965-4BB2-94FE-DF647E85A654}">
-  <ds:schemaRefs>
-    <ds:schemaRef ds:uri="http://schemas.microsoft.com/VisualStudio/2011/storyboarding/control/v1.0"/>
-  </ds:schemaRefs>
-</ds:datastoreItem>
-</file>
-
-<file path=customXml/itemProps226.xml><?xml version="1.0" encoding="utf-8"?>
-<ds:datastoreItem xmlns:ds="http://schemas.openxmlformats.org/officeDocument/2006/customXml" ds:itemID="{9F370CE8-88BC-4934-8DD8-D52AF3D5E959}">
+<file path=customXml/itemProps21.xml><?xml version="1.0" encoding="utf-8"?>
+<ds:datastoreItem xmlns:ds="http://schemas.openxmlformats.org/officeDocument/2006/customXml" ds:itemID="{B49626F1-1962-40AA-AEBF-71410D1868FC}">
   <ds:schemaRefs>
     <ds:schemaRef ds:uri="http://schemas.microsoft.com/VisualStudio/2011/storyboarding/control"/>
   </ds:schemaRefs>
 </ds:datastoreItem>
 </file>
 
-<file path=customXml/itemProps227.xml><?xml version="1.0" encoding="utf-8"?>
-<ds:datastoreItem xmlns:ds="http://schemas.openxmlformats.org/officeDocument/2006/customXml" ds:itemID="{79539245-6219-4BDE-B124-341940B68859}">
-  <ds:schemaRefs>
-    <ds:schemaRef ds:uri="http://schemas.microsoft.com/VisualStudio/2011/storyboarding/control"/>
-  </ds:schemaRefs>
-</ds:datastoreItem>
-</file>
-
-<file path=customXml/itemProps228.xml><?xml version="1.0" encoding="utf-8"?>
-<ds:datastoreItem xmlns:ds="http://schemas.openxmlformats.org/officeDocument/2006/customXml" ds:itemID="{2FD194D4-8818-4493-9F6F-BD81786FD722}">
-  <ds:schemaRefs>
-    <ds:schemaRef ds:uri="http://schemas.microsoft.com/VisualStudio/2011/storyboarding/control"/>
-  </ds:schemaRefs>
-</ds:datastoreItem>
-</file>
-
-<file path=customXml/itemProps229.xml><?xml version="1.0" encoding="utf-8"?>
-<ds:datastoreItem xmlns:ds="http://schemas.openxmlformats.org/officeDocument/2006/customXml" ds:itemID="{0AB3DFBB-643B-4A5D-BC79-F9C35DFA2AF1}">
-  <ds:schemaRefs>
-    <ds:schemaRef ds:uri="http://schemas.microsoft.com/VisualStudio/2011/storyboarding/control"/>
-  </ds:schemaRefs>
-</ds:datastoreItem>
-</file>
-
-<file path=customXml/itemProps23.xml><?xml version="1.0" encoding="utf-8"?>
-<ds:datastoreItem xmlns:ds="http://schemas.openxmlformats.org/officeDocument/2006/customXml" ds:itemID="{BE19BDE1-4243-42E1-A7DE-2CB5E97BD1B6}">
-  <ds:schemaRefs>
-    <ds:schemaRef ds:uri="http://schemas.microsoft.com/VisualStudio/2011/storyboarding/control"/>
-  </ds:schemaRefs>
-</ds:datastoreItem>
-</file>
-
-<file path=customXml/itemProps230.xml><?xml version="1.0" encoding="utf-8"?>
-<ds:datastoreItem xmlns:ds="http://schemas.openxmlformats.org/officeDocument/2006/customXml" ds:itemID="{087E62CD-9D1F-42A4-BF86-DF782D88BABA}">
-  <ds:schemaRefs>
-    <ds:schemaRef ds:uri="http://schemas.microsoft.com/VisualStudio/2011/storyboarding/control"/>
-  </ds:schemaRefs>
-</ds:datastoreItem>
-</file>
-
-<file path=customXml/itemProps231.xml><?xml version="1.0" encoding="utf-8"?>
-<ds:datastoreItem xmlns:ds="http://schemas.openxmlformats.org/officeDocument/2006/customXml" ds:itemID="{841747D4-39CC-40AD-A9E6-73C9D5CDFACB}">
-  <ds:schemaRefs>
-    <ds:schemaRef ds:uri="http://schemas.microsoft.com/VisualStudio/2011/storyboarding/control"/>
-  </ds:schemaRefs>
-</ds:datastoreItem>
-</file>
-
-<file path=customXml/itemProps232.xml><?xml version="1.0" encoding="utf-8"?>
-<ds:datastoreItem xmlns:ds="http://schemas.openxmlformats.org/officeDocument/2006/customXml" ds:itemID="{A6ECB6E0-BD84-4681-8699-56A1B3F36A60}">
-  <ds:schemaRefs>
-    <ds:schemaRef ds:uri="http://schemas.microsoft.com/VisualStudio/2011/storyboarding/control"/>
-  </ds:schemaRefs>
-</ds:datastoreItem>
-</file>
-
-<file path=customXml/itemProps233.xml><?xml version="1.0" encoding="utf-8"?>
-<ds:datastoreItem xmlns:ds="http://schemas.openxmlformats.org/officeDocument/2006/customXml" ds:itemID="{1F5C1850-0CBA-4E6A-972B-054668D8F3D9}">
-  <ds:schemaRefs>
-    <ds:schemaRef ds:uri="http://schemas.microsoft.com/VisualStudio/2011/storyboarding/control"/>
-  </ds:schemaRefs>
-</ds:datastoreItem>
-</file>
-
-<file path=customXml/itemProps234.xml><?xml version="1.0" encoding="utf-8"?>
-<ds:datastoreItem xmlns:ds="http://schemas.openxmlformats.org/officeDocument/2006/customXml" ds:itemID="{AE829EE6-2A90-4D53-B65D-B896D4164D58}">
-  <ds:schemaRefs>
-    <ds:schemaRef ds:uri="http://schemas.microsoft.com/VisualStudio/2011/storyboarding/control"/>
-  </ds:schemaRefs>
-</ds:datastoreItem>
-</file>
-
-<file path=customXml/itemProps235.xml><?xml version="1.0" encoding="utf-8"?>
-<ds:datastoreItem xmlns:ds="http://schemas.openxmlformats.org/officeDocument/2006/customXml" ds:itemID="{AEC8637B-0235-45D6-B62A-3D1CD06E267F}">
-  <ds:schemaRefs>
-    <ds:schemaRef ds:uri="http://schemas.microsoft.com/VisualStudio/2011/storyboarding/control"/>
-  </ds:schemaRefs>
-</ds:datastoreItem>
-</file>
-
-<file path=customXml/itemProps236.xml><?xml version="1.0" encoding="utf-8"?>
-<ds:datastoreItem xmlns:ds="http://schemas.openxmlformats.org/officeDocument/2006/customXml" ds:itemID="{4A923D45-67DD-44AB-935B-7B89FE3C1066}">
-  <ds:schemaRefs>
-    <ds:schemaRef ds:uri="http://schemas.microsoft.com/VisualStudio/2011/storyboarding/control"/>
-  </ds:schemaRefs>
-</ds:datastoreItem>
-</file>
-
-<file path=customXml/itemProps237.xml><?xml version="1.0" encoding="utf-8"?>
-<ds:datastoreItem xmlns:ds="http://schemas.openxmlformats.org/officeDocument/2006/customXml" ds:itemID="{159ADC07-D3C2-4FB2-9F6C-54C3E95AABA7}">
-  <ds:schemaRefs>
-    <ds:schemaRef ds:uri="http://schemas.microsoft.com/VisualStudio/2011/storyboarding/control"/>
-  </ds:schemaRefs>
-</ds:datastoreItem>
-</file>
-
-<file path=customXml/itemProps238.xml><?xml version="1.0" encoding="utf-8"?>
-<ds:datastoreItem xmlns:ds="http://schemas.openxmlformats.org/officeDocument/2006/customXml" ds:itemID="{A2C3C850-4F05-44AE-9D60-A5D2C3CA035F}">
-  <ds:schemaRefs>
-    <ds:schemaRef ds:uri="http://schemas.microsoft.com/VisualStudio/2011/storyboarding/control"/>
-  </ds:schemaRefs>
-</ds:datastoreItem>
-</file>
-
-<file path=customXml/itemProps239.xml><?xml version="1.0" encoding="utf-8"?>
-<ds:datastoreItem xmlns:ds="http://schemas.openxmlformats.org/officeDocument/2006/customXml" ds:itemID="{2468B27E-3B25-4E7A-9AD2-A8CC6B4DBF16}">
-  <ds:schemaRefs>
-    <ds:schemaRef ds:uri="http://schemas.microsoft.com/VisualStudio/2011/storyboarding/control"/>
-  </ds:schemaRefs>
-</ds:datastoreItem>
-</file>
-
-<file path=customXml/itemProps24.xml><?xml version="1.0" encoding="utf-8"?>
-<ds:datastoreItem xmlns:ds="http://schemas.openxmlformats.org/officeDocument/2006/customXml" ds:itemID="{19281F7C-5FD9-439E-94CA-F221212807C0}">
-  <ds:schemaRefs>
-    <ds:schemaRef ds:uri="http://schemas.microsoft.com/VisualStudio/2011/storyboarding/control"/>
-  </ds:schemaRefs>
-</ds:datastoreItem>
-</file>
-
-<file path=customXml/itemProps240.xml><?xml version="1.0" encoding="utf-8"?>
-<ds:datastoreItem xmlns:ds="http://schemas.openxmlformats.org/officeDocument/2006/customXml" ds:itemID="{FC15A188-E1DB-4A62-A1DD-04D2C3B705E4}">
-  <ds:schemaRefs>
-    <ds:schemaRef ds:uri="http://schemas.microsoft.com/VisualStudio/2011/storyboarding/control"/>
-  </ds:schemaRefs>
-</ds:datastoreItem>
-</file>
-
-<file path=customXml/itemProps241.xml><?xml version="1.0" encoding="utf-8"?>
-<ds:datastoreItem xmlns:ds="http://schemas.openxmlformats.org/officeDocument/2006/customXml" ds:itemID="{51B26ADE-1687-4355-9ECA-B2D9FA35F65A}">
-  <ds:schemaRefs>
-    <ds:schemaRef ds:uri="http://schemas.microsoft.com/VisualStudio/2011/storyboarding/control"/>
-  </ds:schemaRefs>
-</ds:datastoreItem>
-</file>
-
-<file path=customXml/itemProps242.xml><?xml version="1.0" encoding="utf-8"?>
-<ds:datastoreItem xmlns:ds="http://schemas.openxmlformats.org/officeDocument/2006/customXml" ds:itemID="{245C9D42-AED9-4DE9-BEE9-065304A671E1}">
-  <ds:schemaRefs>
-    <ds:schemaRef ds:uri="http://schemas.microsoft.com/VisualStudio/2011/storyboarding/control"/>
-  </ds:schemaRefs>
-</ds:datastoreItem>
-</file>
-
-<file path=customXml/itemProps243.xml><?xml version="1.0" encoding="utf-8"?>
-<ds:datastoreItem xmlns:ds="http://schemas.openxmlformats.org/officeDocument/2006/customXml" ds:itemID="{81D961FF-5AEC-42D4-A825-40F6A2C53406}">
-  <ds:schemaRefs>
-    <ds:schemaRef ds:uri="http://schemas.microsoft.com/VisualStudio/2011/storyboarding/control"/>
-  </ds:schemaRefs>
-</ds:datastoreItem>
-</file>
-
-<file path=customXml/itemProps244.xml><?xml version="1.0" encoding="utf-8"?>
-<ds:datastoreItem xmlns:ds="http://schemas.openxmlformats.org/officeDocument/2006/customXml" ds:itemID="{3C926393-13BE-4E11-B28C-325DFF825D65}">
-  <ds:schemaRefs>
-    <ds:schemaRef ds:uri="http://schemas.microsoft.com/VisualStudio/2011/storyboarding/control"/>
-  </ds:schemaRefs>
-</ds:datastoreItem>
-</file>
-
-<file path=customXml/itemProps245.xml><?xml version="1.0" encoding="utf-8"?>
+<file path=customXml/itemProps210.xml><?xml version="1.0" encoding="utf-8"?>
 <ds:datastoreItem xmlns:ds="http://schemas.openxmlformats.org/officeDocument/2006/customXml" ds:itemID="{FBD4E163-4562-47FE-BC16-63F946CB900C}">
   <ds:schemaRefs>
     <ds:schemaRef ds:uri="http://schemas.microsoft.com/VisualStudio/2011/storyboarding/control"/>
@@ -49415,183 +49111,7 @@
 </ds:datastoreItem>
 </file>
 
-<file path=customXml/itemProps246.xml><?xml version="1.0" encoding="utf-8"?>
-<ds:datastoreItem xmlns:ds="http://schemas.openxmlformats.org/officeDocument/2006/customXml" ds:itemID="{17658EED-361F-4B58-9F51-40C52E9422C8}">
-  <ds:schemaRefs>
-    <ds:schemaRef ds:uri="http://schemas.microsoft.com/VisualStudio/2011/storyboarding/control"/>
-  </ds:schemaRefs>
-</ds:datastoreItem>
-</file>
-
-<file path=customXml/itemProps247.xml><?xml version="1.0" encoding="utf-8"?>
-<ds:datastoreItem xmlns:ds="http://schemas.openxmlformats.org/officeDocument/2006/customXml" ds:itemID="{734FC74F-92DC-4F5F-B575-B58D019BB8E1}">
-  <ds:schemaRefs>
-    <ds:schemaRef ds:uri="http://schemas.microsoft.com/VisualStudio/2011/storyboarding/control"/>
-  </ds:schemaRefs>
-</ds:datastoreItem>
-</file>
-
-<file path=customXml/itemProps248.xml><?xml version="1.0" encoding="utf-8"?>
-<ds:datastoreItem xmlns:ds="http://schemas.openxmlformats.org/officeDocument/2006/customXml" ds:itemID="{E4955A29-9332-4962-A3C6-CC5E8FE29315}">
-  <ds:schemaRefs>
-    <ds:schemaRef ds:uri="http://schemas.microsoft.com/VisualStudio/2011/storyboarding/control"/>
-  </ds:schemaRefs>
-</ds:datastoreItem>
-</file>
-
-<file path=customXml/itemProps249.xml><?xml version="1.0" encoding="utf-8"?>
-<ds:datastoreItem xmlns:ds="http://schemas.openxmlformats.org/officeDocument/2006/customXml" ds:itemID="{82DEB3ED-CC58-42ED-834B-F2D5BD48CC3B}">
-  <ds:schemaRefs>
-    <ds:schemaRef ds:uri="http://schemas.microsoft.com/VisualStudio/2011/storyboarding/control"/>
-  </ds:schemaRefs>
-</ds:datastoreItem>
-</file>
-
-<file path=customXml/itemProps25.xml><?xml version="1.0" encoding="utf-8"?>
-<ds:datastoreItem xmlns:ds="http://schemas.openxmlformats.org/officeDocument/2006/customXml" ds:itemID="{C4E5D3AF-6364-499A-AD9C-2F8BED8E3B15}">
-  <ds:schemaRefs>
-    <ds:schemaRef ds:uri="http://schemas.microsoft.com/VisualStudio/2011/storyboarding/control"/>
-  </ds:schemaRefs>
-</ds:datastoreItem>
-</file>
-
-<file path=customXml/itemProps250.xml><?xml version="1.0" encoding="utf-8"?>
-<ds:datastoreItem xmlns:ds="http://schemas.openxmlformats.org/officeDocument/2006/customXml" ds:itemID="{253B000D-0B23-420C-B5B5-11B6002E5391}">
-  <ds:schemaRefs>
-    <ds:schemaRef ds:uri="http://schemas.microsoft.com/VisualStudio/2011/storyboarding/control/v1.0"/>
-  </ds:schemaRefs>
-</ds:datastoreItem>
-</file>
-
-<file path=customXml/itemProps251.xml><?xml version="1.0" encoding="utf-8"?>
-<ds:datastoreItem xmlns:ds="http://schemas.openxmlformats.org/officeDocument/2006/customXml" ds:itemID="{58AC7355-5BCF-41B0-8ABF-7FD1A0386648}">
-  <ds:schemaRefs>
-    <ds:schemaRef ds:uri="http://schemas.microsoft.com/VisualStudio/2011/storyboarding/control"/>
-  </ds:schemaRefs>
-</ds:datastoreItem>
-</file>
-
-<file path=customXml/itemProps252.xml><?xml version="1.0" encoding="utf-8"?>
-<ds:datastoreItem xmlns:ds="http://schemas.openxmlformats.org/officeDocument/2006/customXml" ds:itemID="{65D627D8-B4C3-485A-A660-3F82C30F6F4D}">
-  <ds:schemaRefs>
-    <ds:schemaRef ds:uri="http://schemas.microsoft.com/VisualStudio/2011/storyboarding/control"/>
-  </ds:schemaRefs>
-</ds:datastoreItem>
-</file>
-
-<file path=customXml/itemProps253.xml><?xml version="1.0" encoding="utf-8"?>
-<ds:datastoreItem xmlns:ds="http://schemas.openxmlformats.org/officeDocument/2006/customXml" ds:itemID="{2D05A1BB-F8F2-4A8C-9C47-4D725E73E8C0}">
-  <ds:schemaRefs>
-    <ds:schemaRef ds:uri="http://schemas.microsoft.com/VisualStudio/2011/storyboarding/control"/>
-  </ds:schemaRefs>
-</ds:datastoreItem>
-</file>
-
-<file path=customXml/itemProps254.xml><?xml version="1.0" encoding="utf-8"?>
-<ds:datastoreItem xmlns:ds="http://schemas.openxmlformats.org/officeDocument/2006/customXml" ds:itemID="{78A023F7-CB32-42B5-A4E3-D74D915D8DE1}">
-  <ds:schemaRefs>
-    <ds:schemaRef ds:uri="http://schemas.microsoft.com/VisualStudio/2011/storyboarding/control"/>
-  </ds:schemaRefs>
-</ds:datastoreItem>
-</file>
-
-<file path=customXml/itemProps255.xml><?xml version="1.0" encoding="utf-8"?>
-<ds:datastoreItem xmlns:ds="http://schemas.openxmlformats.org/officeDocument/2006/customXml" ds:itemID="{36156D9C-1DAA-43CB-9F20-58EA3D4F3C48}">
-  <ds:schemaRefs>
-    <ds:schemaRef ds:uri="http://schemas.microsoft.com/VisualStudio/2011/storyboarding/control"/>
-  </ds:schemaRefs>
-</ds:datastoreItem>
-</file>
-
-<file path=customXml/itemProps256.xml><?xml version="1.0" encoding="utf-8"?>
-<ds:datastoreItem xmlns:ds="http://schemas.openxmlformats.org/officeDocument/2006/customXml" ds:itemID="{4526E249-381C-4680-81E8-75A78726C84C}">
-  <ds:schemaRefs>
-    <ds:schemaRef ds:uri="http://schemas.microsoft.com/VisualStudio/2011/storyboarding/control"/>
-  </ds:schemaRefs>
-</ds:datastoreItem>
-</file>
-
-<file path=customXml/itemProps257.xml><?xml version="1.0" encoding="utf-8"?>
-<ds:datastoreItem xmlns:ds="http://schemas.openxmlformats.org/officeDocument/2006/customXml" ds:itemID="{1348E9F0-41E7-4109-8E0D-1DB827F66CDC}">
-  <ds:schemaRefs>
-    <ds:schemaRef ds:uri="http://schemas.microsoft.com/VisualStudio/2011/storyboarding/control"/>
-  </ds:schemaRefs>
-</ds:datastoreItem>
-</file>
-
-<file path=customXml/itemProps258.xml><?xml version="1.0" encoding="utf-8"?>
-<ds:datastoreItem xmlns:ds="http://schemas.openxmlformats.org/officeDocument/2006/customXml" ds:itemID="{156ACD54-663F-4146-A83C-D39B7758E090}">
-  <ds:schemaRefs>
-    <ds:schemaRef ds:uri="http://schemas.microsoft.com/VisualStudio/2011/storyboarding/control/v1.0"/>
-  </ds:schemaRefs>
-</ds:datastoreItem>
-</file>
-
-<file path=customXml/itemProps259.xml><?xml version="1.0" encoding="utf-8"?>
-<ds:datastoreItem xmlns:ds="http://schemas.openxmlformats.org/officeDocument/2006/customXml" ds:itemID="{B49626F1-1962-40AA-AEBF-71410D1868FC}">
-  <ds:schemaRefs>
-    <ds:schemaRef ds:uri="http://schemas.microsoft.com/VisualStudio/2011/storyboarding/control"/>
-  </ds:schemaRefs>
-</ds:datastoreItem>
-</file>
-
-<file path=customXml/itemProps26.xml><?xml version="1.0" encoding="utf-8"?>
-<ds:datastoreItem xmlns:ds="http://schemas.openxmlformats.org/officeDocument/2006/customXml" ds:itemID="{84F65994-E980-446B-9DF0-3376276C30F4}">
-  <ds:schemaRefs>
-    <ds:schemaRef ds:uri="http://schemas.microsoft.com/VisualStudio/2011/storyboarding/control"/>
-  </ds:schemaRefs>
-</ds:datastoreItem>
-</file>
-
-<file path=customXml/itemProps260.xml><?xml version="1.0" encoding="utf-8"?>
-<ds:datastoreItem xmlns:ds="http://schemas.openxmlformats.org/officeDocument/2006/customXml" ds:itemID="{55C8793C-BCCD-4DCF-B8DB-B94127F9B688}">
-  <ds:schemaRefs>
-    <ds:schemaRef ds:uri="http://schemas.microsoft.com/VisualStudio/2011/storyboarding/control"/>
-  </ds:schemaRefs>
-</ds:datastoreItem>
-</file>
-
-<file path=customXml/itemProps261.xml><?xml version="1.0" encoding="utf-8"?>
-<ds:datastoreItem xmlns:ds="http://schemas.openxmlformats.org/officeDocument/2006/customXml" ds:itemID="{A808BB02-19D0-442F-A7D1-C5BAADA618E9}">
-  <ds:schemaRefs>
-    <ds:schemaRef ds:uri="http://schemas.microsoft.com/VisualStudio/2011/storyboarding/control"/>
-  </ds:schemaRefs>
-</ds:datastoreItem>
-</file>
-
-<file path=customXml/itemProps262.xml><?xml version="1.0" encoding="utf-8"?>
-<ds:datastoreItem xmlns:ds="http://schemas.openxmlformats.org/officeDocument/2006/customXml" ds:itemID="{2A290B3E-128F-434A-A181-6670CD4D86BC}">
-  <ds:schemaRefs>
-    <ds:schemaRef ds:uri="http://schemas.microsoft.com/VisualStudio/2011/storyboarding/control"/>
-  </ds:schemaRefs>
-</ds:datastoreItem>
-</file>
-
-<file path=customXml/itemProps263.xml><?xml version="1.0" encoding="utf-8"?>
-<ds:datastoreItem xmlns:ds="http://schemas.openxmlformats.org/officeDocument/2006/customXml" ds:itemID="{0E6EFF5D-4958-4328-A1F4-273676ED0A93}">
-  <ds:schemaRefs>
-    <ds:schemaRef ds:uri="http://schemas.microsoft.com/VisualStudio/2011/storyboarding/control"/>
-  </ds:schemaRefs>
-</ds:datastoreItem>
-</file>
-
-<file path=customXml/itemProps264.xml><?xml version="1.0" encoding="utf-8"?>
-<ds:datastoreItem xmlns:ds="http://schemas.openxmlformats.org/officeDocument/2006/customXml" ds:itemID="{528E95B9-CEE3-4C79-9779-69BAED92798A}">
-  <ds:schemaRefs>
-    <ds:schemaRef ds:uri="http://schemas.microsoft.com/VisualStudio/2011/storyboarding/control"/>
-  </ds:schemaRefs>
-</ds:datastoreItem>
-</file>
-
-<file path=customXml/itemProps265.xml><?xml version="1.0" encoding="utf-8"?>
-<ds:datastoreItem xmlns:ds="http://schemas.openxmlformats.org/officeDocument/2006/customXml" ds:itemID="{B830F82D-7083-40CB-9CA8-EE2DE5D24499}">
-  <ds:schemaRefs>
-    <ds:schemaRef ds:uri="http://schemas.microsoft.com/VisualStudio/2011/storyboarding/control"/>
-  </ds:schemaRefs>
-</ds:datastoreItem>
-</file>
-
-<file path=customXml/itemProps266.xml><?xml version="1.0" encoding="utf-8"?>
+<file path=customXml/itemProps211.xml><?xml version="1.0" encoding="utf-8"?>
 <ds:datastoreItem xmlns:ds="http://schemas.openxmlformats.org/officeDocument/2006/customXml" ds:itemID="{47280F27-D216-4199-B9E4-2F344B04278D}">
   <ds:schemaRefs>
     <ds:schemaRef ds:uri="http://schemas.microsoft.com/VisualStudio/2011/storyboarding/control"/>
@@ -49599,191 +49119,7 @@
 </ds:datastoreItem>
 </file>
 
-<file path=customXml/itemProps267.xml><?xml version="1.0" encoding="utf-8"?>
-<ds:datastoreItem xmlns:ds="http://schemas.openxmlformats.org/officeDocument/2006/customXml" ds:itemID="{1EDE67A2-BB67-481D-A5B0-088ECC7E1D16}">
-  <ds:schemaRefs>
-    <ds:schemaRef ds:uri="http://schemas.microsoft.com/VisualStudio/2011/storyboarding/control"/>
-  </ds:schemaRefs>
-</ds:datastoreItem>
-</file>
-
-<file path=customXml/itemProps268.xml><?xml version="1.0" encoding="utf-8"?>
-<ds:datastoreItem xmlns:ds="http://schemas.openxmlformats.org/officeDocument/2006/customXml" ds:itemID="{215B580D-203A-4FE0-B924-9A64D0F703AE}">
-  <ds:schemaRefs>
-    <ds:schemaRef ds:uri="http://schemas.microsoft.com/VisualStudio/2011/storyboarding/control"/>
-  </ds:schemaRefs>
-</ds:datastoreItem>
-</file>
-
-<file path=customXml/itemProps269.xml><?xml version="1.0" encoding="utf-8"?>
-<ds:datastoreItem xmlns:ds="http://schemas.openxmlformats.org/officeDocument/2006/customXml" ds:itemID="{063106FD-8836-4282-B199-EA4B966FF14A}">
-  <ds:schemaRefs>
-    <ds:schemaRef ds:uri="http://schemas.microsoft.com/VisualStudio/2011/storyboarding/control"/>
-  </ds:schemaRefs>
-</ds:datastoreItem>
-</file>
-
-<file path=customXml/itemProps27.xml><?xml version="1.0" encoding="utf-8"?>
-<ds:datastoreItem xmlns:ds="http://schemas.openxmlformats.org/officeDocument/2006/customXml" ds:itemID="{8D6F1E2B-42FE-4A71-93A8-D9B6BF0B3428}">
-  <ds:schemaRefs>
-    <ds:schemaRef ds:uri="http://schemas.microsoft.com/VisualStudio/2011/storyboarding/control"/>
-  </ds:schemaRefs>
-</ds:datastoreItem>
-</file>
-
-<file path=customXml/itemProps270.xml><?xml version="1.0" encoding="utf-8"?>
-<ds:datastoreItem xmlns:ds="http://schemas.openxmlformats.org/officeDocument/2006/customXml" ds:itemID="{0CF90D37-4583-4098-B3E2-C11B98A33E5A}">
-  <ds:schemaRefs>
-    <ds:schemaRef ds:uri="http://schemas.microsoft.com/VisualStudio/2011/storyboarding/control"/>
-  </ds:schemaRefs>
-</ds:datastoreItem>
-</file>
-
-<file path=customXml/itemProps271.xml><?xml version="1.0" encoding="utf-8"?>
-<ds:datastoreItem xmlns:ds="http://schemas.openxmlformats.org/officeDocument/2006/customXml" ds:itemID="{58EC9E1F-2595-46F3-8A3B-84253F6E85D1}">
-  <ds:schemaRefs>
-    <ds:schemaRef ds:uri="http://schemas.microsoft.com/VisualStudio/2011/storyboarding/control"/>
-  </ds:schemaRefs>
-</ds:datastoreItem>
-</file>
-
-<file path=customXml/itemProps272.xml><?xml version="1.0" encoding="utf-8"?>
-<ds:datastoreItem xmlns:ds="http://schemas.openxmlformats.org/officeDocument/2006/customXml" ds:itemID="{64C71902-D243-4E22-B242-4A0CDF564D97}">
-  <ds:schemaRefs>
-    <ds:schemaRef ds:uri="http://schemas.microsoft.com/VisualStudio/2011/storyboarding/control"/>
-  </ds:schemaRefs>
-</ds:datastoreItem>
-</file>
-
-<file path=customXml/itemProps273.xml><?xml version="1.0" encoding="utf-8"?>
-<ds:datastoreItem xmlns:ds="http://schemas.openxmlformats.org/officeDocument/2006/customXml" ds:itemID="{D356E6DB-54C9-4389-B932-0F583366BD4B}">
-  <ds:schemaRefs>
-    <ds:schemaRef ds:uri="http://schemas.microsoft.com/VisualStudio/2011/storyboarding/control/v1.0"/>
-  </ds:schemaRefs>
-</ds:datastoreItem>
-</file>
-
-<file path=customXml/itemProps274.xml><?xml version="1.0" encoding="utf-8"?>
-<ds:datastoreItem xmlns:ds="http://schemas.openxmlformats.org/officeDocument/2006/customXml" ds:itemID="{699689A1-427B-4DEA-8FDB-0058CB4B38D8}">
-  <ds:schemaRefs>
-    <ds:schemaRef ds:uri="http://schemas.microsoft.com/VisualStudio/2011/storyboarding/control/v1.0"/>
-  </ds:schemaRefs>
-</ds:datastoreItem>
-</file>
-
-<file path=customXml/itemProps275.xml><?xml version="1.0" encoding="utf-8"?>
-<ds:datastoreItem xmlns:ds="http://schemas.openxmlformats.org/officeDocument/2006/customXml" ds:itemID="{CF2E1323-2233-418A-BF30-70C435788FEB}">
-  <ds:schemaRefs>
-    <ds:schemaRef ds:uri="http://schemas.microsoft.com/VisualStudio/2011/storyboarding/control"/>
-  </ds:schemaRefs>
-</ds:datastoreItem>
-</file>
-
-<file path=customXml/itemProps276.xml><?xml version="1.0" encoding="utf-8"?>
-<ds:datastoreItem xmlns:ds="http://schemas.openxmlformats.org/officeDocument/2006/customXml" ds:itemID="{016BA1A1-3162-4382-9F37-080148C85A23}">
-  <ds:schemaRefs>
-    <ds:schemaRef ds:uri="http://schemas.microsoft.com/VisualStudio/2011/storyboarding/control"/>
-  </ds:schemaRefs>
-</ds:datastoreItem>
-</file>
-
-<file path=customXml/itemProps277.xml><?xml version="1.0" encoding="utf-8"?>
-<ds:datastoreItem xmlns:ds="http://schemas.openxmlformats.org/officeDocument/2006/customXml" ds:itemID="{9535D88F-A4F9-4043-99D2-0BA0F5D4FA9E}">
-  <ds:schemaRefs>
-    <ds:schemaRef ds:uri="http://schemas.microsoft.com/VisualStudio/2011/storyboarding/control"/>
-  </ds:schemaRefs>
-</ds:datastoreItem>
-</file>
-
-<file path=customXml/itemProps278.xml><?xml version="1.0" encoding="utf-8"?>
-<ds:datastoreItem xmlns:ds="http://schemas.openxmlformats.org/officeDocument/2006/customXml" ds:itemID="{870035FA-90A6-4512-9682-88121BC13C7C}">
-  <ds:schemaRefs>
-    <ds:schemaRef ds:uri="http://schemas.microsoft.com/VisualStudio/2011/storyboarding/control"/>
-  </ds:schemaRefs>
-</ds:datastoreItem>
-</file>
-
-<file path=customXml/itemProps279.xml><?xml version="1.0" encoding="utf-8"?>
-<ds:datastoreItem xmlns:ds="http://schemas.openxmlformats.org/officeDocument/2006/customXml" ds:itemID="{9C4C7B07-3AE3-46A1-A54D-2BDFAB93A8EF}">
-  <ds:schemaRefs>
-    <ds:schemaRef ds:uri="http://schemas.microsoft.com/VisualStudio/2011/storyboarding/control/v1.0"/>
-  </ds:schemaRefs>
-</ds:datastoreItem>
-</file>
-
-<file path=customXml/itemProps28.xml><?xml version="1.0" encoding="utf-8"?>
-<ds:datastoreItem xmlns:ds="http://schemas.openxmlformats.org/officeDocument/2006/customXml" ds:itemID="{7728F985-45AC-4583-B889-202C29951136}">
-  <ds:schemaRefs>
-    <ds:schemaRef ds:uri="http://schemas.microsoft.com/VisualStudio/2011/storyboarding/control"/>
-  </ds:schemaRefs>
-</ds:datastoreItem>
-</file>
-
-<file path=customXml/itemProps280.xml><?xml version="1.0" encoding="utf-8"?>
-<ds:datastoreItem xmlns:ds="http://schemas.openxmlformats.org/officeDocument/2006/customXml" ds:itemID="{BCC26AAB-ACE0-4E06-96EB-91D114535900}">
-  <ds:schemaRefs>
-    <ds:schemaRef ds:uri="http://schemas.microsoft.com/VisualStudio/2011/storyboarding/control"/>
-  </ds:schemaRefs>
-</ds:datastoreItem>
-</file>
-
-<file path=customXml/itemProps281.xml><?xml version="1.0" encoding="utf-8"?>
-<ds:datastoreItem xmlns:ds="http://schemas.openxmlformats.org/officeDocument/2006/customXml" ds:itemID="{A171EC6E-0B34-412F-93F3-F53F62F28985}">
-  <ds:schemaRefs>
-    <ds:schemaRef ds:uri="http://schemas.microsoft.com/VisualStudio/2011/storyboarding/control"/>
-  </ds:schemaRefs>
-</ds:datastoreItem>
-</file>
-
-<file path=customXml/itemProps282.xml><?xml version="1.0" encoding="utf-8"?>
-<ds:datastoreItem xmlns:ds="http://schemas.openxmlformats.org/officeDocument/2006/customXml" ds:itemID="{A9E9510A-02AF-4564-9E17-46676C80E84C}">
-  <ds:schemaRefs>
-    <ds:schemaRef ds:uri="http://schemas.openxmlformats.org/package/2006/metadata/core-properties"/>
-    <ds:schemaRef ds:uri="http://purl.org/dc/terms/"/>
-    <ds:schemaRef ds:uri="http://www.w3.org/XML/1998/namespace"/>
-    <ds:schemaRef ds:uri="http://schemas.microsoft.com/office/infopath/2007/PartnerControls"/>
-    <ds:schemaRef ds:uri="b4ebf394-daf6-497a-96c5-a2f8c10b38cf"/>
-    <ds:schemaRef ds:uri="http://purl.org/dc/elements/1.1/"/>
-    <ds:schemaRef ds:uri="http://schemas.microsoft.com/office/2006/documentManagement/types"/>
-    <ds:schemaRef ds:uri="http://schemas.microsoft.com/office/2006/metadata/properties"/>
-    <ds:schemaRef ds:uri="http://purl.org/dc/dcmitype/"/>
-  </ds:schemaRefs>
-</ds:datastoreItem>
-</file>
-
-<file path=customXml/itemProps283.xml><?xml version="1.0" encoding="utf-8"?>
-<ds:datastoreItem xmlns:ds="http://schemas.openxmlformats.org/officeDocument/2006/customXml" ds:itemID="{3D256CC2-6FF6-40DC-9A74-A06006A5CA25}">
-  <ds:schemaRefs>
-    <ds:schemaRef ds:uri="http://schemas.microsoft.com/VisualStudio/2011/storyboarding/control"/>
-  </ds:schemaRefs>
-</ds:datastoreItem>
-</file>
-
-<file path=customXml/itemProps284.xml><?xml version="1.0" encoding="utf-8"?>
-<ds:datastoreItem xmlns:ds="http://schemas.openxmlformats.org/officeDocument/2006/customXml" ds:itemID="{BA2C55E9-BDE8-41FC-B02F-EBA8C07A01F8}">
-  <ds:schemaRefs>
-    <ds:schemaRef ds:uri="http://schemas.microsoft.com/VisualStudio/2011/storyboarding/control/v1.0"/>
-  </ds:schemaRefs>
-</ds:datastoreItem>
-</file>
-
-<file path=customXml/itemProps285.xml><?xml version="1.0" encoding="utf-8"?>
-<ds:datastoreItem xmlns:ds="http://schemas.openxmlformats.org/officeDocument/2006/customXml" ds:itemID="{E1BAF4CB-704B-4C94-BD7D-4724B54B1561}">
-  <ds:schemaRefs>
-    <ds:schemaRef ds:uri="http://schemas.microsoft.com/VisualStudio/2011/storyboarding/control"/>
-  </ds:schemaRefs>
-</ds:datastoreItem>
-</file>
-
-<file path=customXml/itemProps286.xml><?xml version="1.0" encoding="utf-8"?>
-<ds:datastoreItem xmlns:ds="http://schemas.openxmlformats.org/officeDocument/2006/customXml" ds:itemID="{7621FDFF-2E1A-42D8-9E95-355FFE527B8D}">
-  <ds:schemaRefs>
-    <ds:schemaRef ds:uri="http://schemas.microsoft.com/VisualStudio/2011/storyboarding/control"/>
-  </ds:schemaRefs>
-</ds:datastoreItem>
-</file>
-
-<file path=customXml/itemProps287.xml><?xml version="1.0" encoding="utf-8"?>
+<file path=customXml/itemProps212.xml><?xml version="1.0" encoding="utf-8"?>
 <ds:datastoreItem xmlns:ds="http://schemas.openxmlformats.org/officeDocument/2006/customXml" ds:itemID="{6321DF9F-B57F-4638-9CE4-57E2C9F5DD38}">
   <ds:schemaRefs>
     <ds:schemaRef ds:uri="http://schemas.microsoft.com/VisualStudio/2011/storyboarding/control"/>
@@ -49791,119 +49127,7 @@
 </ds:datastoreItem>
 </file>
 
-<file path=customXml/itemProps288.xml><?xml version="1.0" encoding="utf-8"?>
-<ds:datastoreItem xmlns:ds="http://schemas.openxmlformats.org/officeDocument/2006/customXml" ds:itemID="{47C86DEB-6C55-43CE-96A7-363CD56E1025}">
-  <ds:schemaRefs>
-    <ds:schemaRef ds:uri="http://schemas.microsoft.com/VisualStudio/2011/storyboarding/control"/>
-  </ds:schemaRefs>
-</ds:datastoreItem>
-</file>
-
-<file path=customXml/itemProps289.xml><?xml version="1.0" encoding="utf-8"?>
-<ds:datastoreItem xmlns:ds="http://schemas.openxmlformats.org/officeDocument/2006/customXml" ds:itemID="{03751A76-6B46-4E6A-98ED-2BA906B3F681}">
-  <ds:schemaRefs>
-    <ds:schemaRef ds:uri="http://schemas.microsoft.com/VisualStudio/2011/storyboarding/control"/>
-  </ds:schemaRefs>
-</ds:datastoreItem>
-</file>
-
-<file path=customXml/itemProps29.xml><?xml version="1.0" encoding="utf-8"?>
-<ds:datastoreItem xmlns:ds="http://schemas.openxmlformats.org/officeDocument/2006/customXml" ds:itemID="{188F6680-9EB8-4B03-8D3B-773D66FC777A}">
-  <ds:schemaRefs>
-    <ds:schemaRef ds:uri="http://schemas.microsoft.com/VisualStudio/2011/storyboarding/control/v1.0"/>
-  </ds:schemaRefs>
-</ds:datastoreItem>
-</file>
-
-<file path=customXml/itemProps290.xml><?xml version="1.0" encoding="utf-8"?>
-<ds:datastoreItem xmlns:ds="http://schemas.openxmlformats.org/officeDocument/2006/customXml" ds:itemID="{A3893413-CE22-4EDB-93B9-C1985A86D4BC}">
-  <ds:schemaRefs>
-    <ds:schemaRef ds:uri="http://schemas.microsoft.com/VisualStudio/2011/storyboarding/control"/>
-  </ds:schemaRefs>
-</ds:datastoreItem>
-</file>
-
-<file path=customXml/itemProps291.xml><?xml version="1.0" encoding="utf-8"?>
-<ds:datastoreItem xmlns:ds="http://schemas.openxmlformats.org/officeDocument/2006/customXml" ds:itemID="{1882091E-66A1-40F1-863E-24CAEA4B162A}">
-  <ds:schemaRefs>
-    <ds:schemaRef ds:uri="http://schemas.microsoft.com/VisualStudio/2011/storyboarding/control"/>
-  </ds:schemaRefs>
-</ds:datastoreItem>
-</file>
-
-<file path=customXml/itemProps292.xml><?xml version="1.0" encoding="utf-8"?>
-<ds:datastoreItem xmlns:ds="http://schemas.openxmlformats.org/officeDocument/2006/customXml" ds:itemID="{761467E5-93C6-41DA-A03C-D55252306EF9}">
-  <ds:schemaRefs>
-    <ds:schemaRef ds:uri="http://schemas.microsoft.com/VisualStudio/2011/storyboarding/control"/>
-  </ds:schemaRefs>
-</ds:datastoreItem>
-</file>
-
-<file path=customXml/itemProps293.xml><?xml version="1.0" encoding="utf-8"?>
-<ds:datastoreItem xmlns:ds="http://schemas.openxmlformats.org/officeDocument/2006/customXml" ds:itemID="{63E54A0C-A919-4747-87DB-6EB5DB41F719}">
-  <ds:schemaRefs>
-    <ds:schemaRef ds:uri="http://schemas.microsoft.com/VisualStudio/2011/storyboarding/control/v1.0"/>
-  </ds:schemaRefs>
-</ds:datastoreItem>
-</file>
-
-<file path=customXml/itemProps294.xml><?xml version="1.0" encoding="utf-8"?>
-<ds:datastoreItem xmlns:ds="http://schemas.openxmlformats.org/officeDocument/2006/customXml" ds:itemID="{CF6ADF36-104B-46FF-B50C-7452ED382388}">
-  <ds:schemaRefs>
-    <ds:schemaRef ds:uri="http://schemas.microsoft.com/VisualStudio/2011/storyboarding/control"/>
-  </ds:schemaRefs>
-</ds:datastoreItem>
-</file>
-
-<file path=customXml/itemProps295.xml><?xml version="1.0" encoding="utf-8"?>
-<ds:datastoreItem xmlns:ds="http://schemas.openxmlformats.org/officeDocument/2006/customXml" ds:itemID="{C4783010-23AB-4BDC-BABF-F6576658A2B0}">
-  <ds:schemaRefs>
-    <ds:schemaRef ds:uri="http://schemas.microsoft.com/VisualStudio/2011/storyboarding/control/v1.0"/>
-  </ds:schemaRefs>
-</ds:datastoreItem>
-</file>
-
-<file path=customXml/itemProps296.xml><?xml version="1.0" encoding="utf-8"?>
-<ds:datastoreItem xmlns:ds="http://schemas.openxmlformats.org/officeDocument/2006/customXml" ds:itemID="{4002BB7E-E74B-4646-9EF5-485257C83CB6}">
-  <ds:schemaRefs>
-    <ds:schemaRef ds:uri="http://schemas.microsoft.com/VisualStudio/2011/storyboarding/control"/>
-  </ds:schemaRefs>
-</ds:datastoreItem>
-</file>
-
-<file path=customXml/itemProps297.xml><?xml version="1.0" encoding="utf-8"?>
-<ds:datastoreItem xmlns:ds="http://schemas.openxmlformats.org/officeDocument/2006/customXml" ds:itemID="{559555D9-A00A-4AE8-8EDC-9B2D091AB899}">
-  <ds:schemaRefs>
-    <ds:schemaRef ds:uri="http://schemas.microsoft.com/VisualStudio/2011/storyboarding/control"/>
-  </ds:schemaRefs>
-</ds:datastoreItem>
-</file>
-
-<file path=customXml/itemProps298.xml><?xml version="1.0" encoding="utf-8"?>
-<ds:datastoreItem xmlns:ds="http://schemas.openxmlformats.org/officeDocument/2006/customXml" ds:itemID="{7BF16C54-4775-4FA7-AF88-98AF6D5E8CA6}">
-  <ds:schemaRefs>
-    <ds:schemaRef ds:uri="http://schemas.microsoft.com/VisualStudio/2011/storyboarding/control/v1.0"/>
-  </ds:schemaRefs>
-</ds:datastoreItem>
-</file>
-
-<file path=customXml/itemProps299.xml><?xml version="1.0" encoding="utf-8"?>
-<ds:datastoreItem xmlns:ds="http://schemas.openxmlformats.org/officeDocument/2006/customXml" ds:itemID="{B4BE880E-F71A-4C21-A1C3-8A2437E3C677}">
-  <ds:schemaRefs>
-    <ds:schemaRef ds:uri="http://schemas.microsoft.com/VisualStudio/2011/storyboarding/control/v1.0"/>
-  </ds:schemaRefs>
-</ds:datastoreItem>
-</file>
-
-<file path=customXml/itemProps3.xml><?xml version="1.0" encoding="utf-8"?>
-<ds:datastoreItem xmlns:ds="http://schemas.openxmlformats.org/officeDocument/2006/customXml" ds:itemID="{E79435B9-3246-45D9-A0D7-E9A2D16B5292}">
-  <ds:schemaRefs>
-    <ds:schemaRef ds:uri="http://schemas.microsoft.com/VisualStudio/2011/storyboarding/control"/>
-  </ds:schemaRefs>
-</ds:datastoreItem>
-</file>
-
-<file path=customXml/itemProps30.xml><?xml version="1.0" encoding="utf-8"?>
+<file path=customXml/itemProps213.xml><?xml version="1.0" encoding="utf-8"?>
 <ds:datastoreItem xmlns:ds="http://schemas.openxmlformats.org/officeDocument/2006/customXml" ds:itemID="{2FEB3A16-E640-4049-92BF-229BF3B54149}">
   <ds:schemaRefs>
     <ds:schemaRef ds:uri="http://schemas.microsoft.com/office/2006/metadata/contentType"/>
@@ -49921,23 +49145,167 @@
 </ds:datastoreItem>
 </file>
 
-<file path=customXml/itemProps300.xml><?xml version="1.0" encoding="utf-8"?>
-<ds:datastoreItem xmlns:ds="http://schemas.openxmlformats.org/officeDocument/2006/customXml" ds:itemID="{94AD1A0B-E9F6-4AC5-92C7-D2F1157C203A}">
+<file path=customXml/itemProps214.xml><?xml version="1.0" encoding="utf-8"?>
+<ds:datastoreItem xmlns:ds="http://schemas.openxmlformats.org/officeDocument/2006/customXml" ds:itemID="{CC419530-796D-4DBE-BBEE-9A6630A896E1}">
+  <ds:schemaRefs>
+    <ds:schemaRef ds:uri="http://schemas.microsoft.com/VisualStudio/2011/storyboarding/control/v1.0"/>
+  </ds:schemaRefs>
+</ds:datastoreItem>
+</file>
+
+<file path=customXml/itemProps215.xml><?xml version="1.0" encoding="utf-8"?>
+<ds:datastoreItem xmlns:ds="http://schemas.openxmlformats.org/officeDocument/2006/customXml" ds:itemID="{9C628832-EAE6-47E8-9B5C-DF0774975B25}">
   <ds:schemaRefs>
     <ds:schemaRef ds:uri="http://schemas.microsoft.com/VisualStudio/2011/storyboarding/control"/>
   </ds:schemaRefs>
 </ds:datastoreItem>
 </file>
 
-<file path=customXml/itemProps301.xml><?xml version="1.0" encoding="utf-8"?>
-<ds:datastoreItem xmlns:ds="http://schemas.openxmlformats.org/officeDocument/2006/customXml" ds:itemID="{574C0546-69B0-4850-A983-CDA8017CD4CE}">
+<file path=customXml/itemProps216.xml><?xml version="1.0" encoding="utf-8"?>
+<ds:datastoreItem xmlns:ds="http://schemas.openxmlformats.org/officeDocument/2006/customXml" ds:itemID="{16772130-8F5D-442B-AA11-39D4F229ACC6}">
+  <ds:schemaRefs>
+    <ds:schemaRef ds:uri="http://schemas.microsoft.com/VisualStudio/2011/storyboarding/control/v1.0"/>
+  </ds:schemaRefs>
+</ds:datastoreItem>
+</file>
+
+<file path=customXml/itemProps217.xml><?xml version="1.0" encoding="utf-8"?>
+<ds:datastoreItem xmlns:ds="http://schemas.openxmlformats.org/officeDocument/2006/customXml" ds:itemID="{8B2BC39B-CAA5-48F4-92D5-7F73027D6DE2}">
   <ds:schemaRefs>
     <ds:schemaRef ds:uri="http://schemas.microsoft.com/VisualStudio/2011/storyboarding/control"/>
   </ds:schemaRefs>
 </ds:datastoreItem>
 </file>
 
-<file path=customXml/itemProps302.xml><?xml version="1.0" encoding="utf-8"?>
+<file path=customXml/itemProps218.xml><?xml version="1.0" encoding="utf-8"?>
+<ds:datastoreItem xmlns:ds="http://schemas.openxmlformats.org/officeDocument/2006/customXml" ds:itemID="{E8BBFC1B-916D-426A-8825-D3326F96A0E7}">
+  <ds:schemaRefs>
+    <ds:schemaRef ds:uri="http://schemas.microsoft.com/VisualStudio/2011/storyboarding/control"/>
+  </ds:schemaRefs>
+</ds:datastoreItem>
+</file>
+
+<file path=customXml/itemProps219.xml><?xml version="1.0" encoding="utf-8"?>
+<ds:datastoreItem xmlns:ds="http://schemas.openxmlformats.org/officeDocument/2006/customXml" ds:itemID="{E9C4CBB0-7D2F-42EC-9ED0-589327F3DDE1}">
+  <ds:schemaRefs>
+    <ds:schemaRef ds:uri="http://schemas.microsoft.com/VisualStudio/2011/storyboarding/control"/>
+  </ds:schemaRefs>
+</ds:datastoreItem>
+</file>
+
+<file path=customXml/itemProps22.xml><?xml version="1.0" encoding="utf-8"?>
+<ds:datastoreItem xmlns:ds="http://schemas.openxmlformats.org/officeDocument/2006/customXml" ds:itemID="{BE19BDE1-4243-42E1-A7DE-2CB5E97BD1B6}">
+  <ds:schemaRefs>
+    <ds:schemaRef ds:uri="http://schemas.microsoft.com/VisualStudio/2011/storyboarding/control"/>
+  </ds:schemaRefs>
+</ds:datastoreItem>
+</file>
+
+<file path=customXml/itemProps220.xml><?xml version="1.0" encoding="utf-8"?>
+<ds:datastoreItem xmlns:ds="http://schemas.openxmlformats.org/officeDocument/2006/customXml" ds:itemID="{916A51F4-761E-4234-825A-DF2165BA716E}">
+  <ds:schemaRefs>
+    <ds:schemaRef ds:uri="http://schemas.microsoft.com/VisualStudio/2011/storyboarding/control"/>
+  </ds:schemaRefs>
+</ds:datastoreItem>
+</file>
+
+<file path=customXml/itemProps221.xml><?xml version="1.0" encoding="utf-8"?>
+<ds:datastoreItem xmlns:ds="http://schemas.openxmlformats.org/officeDocument/2006/customXml" ds:itemID="{DE293D9F-1A02-4625-AE8D-C35D3F325ECF}">
+  <ds:schemaRefs>
+    <ds:schemaRef ds:uri="http://schemas.microsoft.com/VisualStudio/2011/storyboarding/control"/>
+  </ds:schemaRefs>
+</ds:datastoreItem>
+</file>
+
+<file path=customXml/itemProps222.xml><?xml version="1.0" encoding="utf-8"?>
+<ds:datastoreItem xmlns:ds="http://schemas.openxmlformats.org/officeDocument/2006/customXml" ds:itemID="{4BCB20A2-9850-49DA-9BD6-A5D2B0ABF72F}">
+  <ds:schemaRefs>
+    <ds:schemaRef ds:uri="http://schemas.microsoft.com/VisualStudio/2011/storyboarding/control/v1.0"/>
+  </ds:schemaRefs>
+</ds:datastoreItem>
+</file>
+
+<file path=customXml/itemProps223.xml><?xml version="1.0" encoding="utf-8"?>
+<ds:datastoreItem xmlns:ds="http://schemas.openxmlformats.org/officeDocument/2006/customXml" ds:itemID="{E79435B9-3246-45D9-A0D7-E9A2D16B5292}">
+  <ds:schemaRefs>
+    <ds:schemaRef ds:uri="http://schemas.microsoft.com/VisualStudio/2011/storyboarding/control"/>
+  </ds:schemaRefs>
+</ds:datastoreItem>
+</file>
+
+<file path=customXml/itemProps224.xml><?xml version="1.0" encoding="utf-8"?>
+<ds:datastoreItem xmlns:ds="http://schemas.openxmlformats.org/officeDocument/2006/customXml" ds:itemID="{3F848EF3-35D8-4197-9709-1D010A638AC5}">
+  <ds:schemaRefs>
+    <ds:schemaRef ds:uri="http://schemas.microsoft.com/VisualStudio/2011/storyboarding/control"/>
+  </ds:schemaRefs>
+</ds:datastoreItem>
+</file>
+
+<file path=customXml/itemProps225.xml><?xml version="1.0" encoding="utf-8"?>
+<ds:datastoreItem xmlns:ds="http://schemas.openxmlformats.org/officeDocument/2006/customXml" ds:itemID="{AEC8637B-0235-45D6-B62A-3D1CD06E267F}">
+  <ds:schemaRefs>
+    <ds:schemaRef ds:uri="http://schemas.microsoft.com/VisualStudio/2011/storyboarding/control"/>
+  </ds:schemaRefs>
+</ds:datastoreItem>
+</file>
+
+<file path=customXml/itemProps226.xml><?xml version="1.0" encoding="utf-8"?>
+<ds:datastoreItem xmlns:ds="http://schemas.openxmlformats.org/officeDocument/2006/customXml" ds:itemID="{4526E249-381C-4680-81E8-75A78726C84C}">
+  <ds:schemaRefs>
+    <ds:schemaRef ds:uri="http://schemas.microsoft.com/VisualStudio/2011/storyboarding/control"/>
+  </ds:schemaRefs>
+</ds:datastoreItem>
+</file>
+
+<file path=customXml/itemProps227.xml><?xml version="1.0" encoding="utf-8"?>
+<ds:datastoreItem xmlns:ds="http://schemas.openxmlformats.org/officeDocument/2006/customXml" ds:itemID="{9535D88F-A4F9-4043-99D2-0BA0F5D4FA9E}">
+  <ds:schemaRefs>
+    <ds:schemaRef ds:uri="http://schemas.microsoft.com/VisualStudio/2011/storyboarding/control"/>
+  </ds:schemaRefs>
+</ds:datastoreItem>
+</file>
+
+<file path=customXml/itemProps228.xml><?xml version="1.0" encoding="utf-8"?>
+<ds:datastoreItem xmlns:ds="http://schemas.openxmlformats.org/officeDocument/2006/customXml" ds:itemID="{7BF16C54-4775-4FA7-AF88-98AF6D5E8CA6}">
+  <ds:schemaRefs>
+    <ds:schemaRef ds:uri="http://schemas.microsoft.com/VisualStudio/2011/storyboarding/control/v1.0"/>
+  </ds:schemaRefs>
+</ds:datastoreItem>
+</file>
+
+<file path=customXml/itemProps229.xml><?xml version="1.0" encoding="utf-8"?>
+<ds:datastoreItem xmlns:ds="http://schemas.openxmlformats.org/officeDocument/2006/customXml" ds:itemID="{80057D26-84AE-4214-A069-42EEB0220CF3}">
+  <ds:schemaRefs>
+    <ds:schemaRef ds:uri="http://schemas.microsoft.com/VisualStudio/2011/storyboarding/control"/>
+  </ds:schemaRefs>
+</ds:datastoreItem>
+</file>
+
+<file path=customXml/itemProps23.xml><?xml version="1.0" encoding="utf-8"?>
+<ds:datastoreItem xmlns:ds="http://schemas.openxmlformats.org/officeDocument/2006/customXml" ds:itemID="{53BC856C-B486-437D-A7B4-612AE9417D7A}">
+  <ds:schemaRefs>
+    <ds:schemaRef ds:uri="http://schemas.microsoft.com/VisualStudio/2011/storyboarding/control/v1.0"/>
+  </ds:schemaRefs>
+</ds:datastoreItem>
+</file>
+
+<file path=customXml/itemProps230.xml><?xml version="1.0" encoding="utf-8"?>
+<ds:datastoreItem xmlns:ds="http://schemas.openxmlformats.org/officeDocument/2006/customXml" ds:itemID="{63E5DE85-F05E-4507-B223-806D8F49F058}">
+  <ds:schemaRefs>
+    <ds:schemaRef ds:uri="http://schemas.microsoft.com/VisualStudio/2011/storyboarding/control/v1.0"/>
+  </ds:schemaRefs>
+</ds:datastoreItem>
+</file>
+
+<file path=customXml/itemProps231.xml><?xml version="1.0" encoding="utf-8"?>
+<ds:datastoreItem xmlns:ds="http://schemas.openxmlformats.org/officeDocument/2006/customXml" ds:itemID="{6B9950BB-86DC-4FB2-A188-EEF61E254E00}">
+  <ds:schemaRefs>
+    <ds:schemaRef ds:uri="http://schemas.microsoft.com/VisualStudio/2011/storyboarding/control"/>
+  </ds:schemaRefs>
+</ds:datastoreItem>
+</file>
+
+<file path=customXml/itemProps232.xml><?xml version="1.0" encoding="utf-8"?>
 <ds:datastoreItem xmlns:ds="http://schemas.openxmlformats.org/officeDocument/2006/customXml" ds:itemID="{99C05955-8F83-4A01-9B61-A4A6D0C430C1}">
   <ds:schemaRefs>
     <ds:schemaRef ds:uri="http://schemas.microsoft.com/VisualStudio/2011/storyboarding/control"/>
@@ -49945,7 +49313,247 @@
 </ds:datastoreItem>
 </file>
 
-<file path=customXml/itemProps303.xml><?xml version="1.0" encoding="utf-8"?>
+<file path=customXml/itemProps233.xml><?xml version="1.0" encoding="utf-8"?>
+<ds:datastoreItem xmlns:ds="http://schemas.openxmlformats.org/officeDocument/2006/customXml" ds:itemID="{8C9DC196-410F-4C9C-AE66-5EDEA8509CCA}">
+  <ds:schemaRefs>
+    <ds:schemaRef ds:uri="http://schemas.microsoft.com/VisualStudio/2011/storyboarding/control"/>
+  </ds:schemaRefs>
+</ds:datastoreItem>
+</file>
+
+<file path=customXml/itemProps234.xml><?xml version="1.0" encoding="utf-8"?>
+<ds:datastoreItem xmlns:ds="http://schemas.openxmlformats.org/officeDocument/2006/customXml" ds:itemID="{E5723664-F93B-4E22-B1B6-B5098FD1FF64}">
+  <ds:schemaRefs>
+    <ds:schemaRef ds:uri="http://schemas.microsoft.com/VisualStudio/2011/storyboarding/control"/>
+  </ds:schemaRefs>
+</ds:datastoreItem>
+</file>
+
+<file path=customXml/itemProps235.xml><?xml version="1.0" encoding="utf-8"?>
+<ds:datastoreItem xmlns:ds="http://schemas.openxmlformats.org/officeDocument/2006/customXml" ds:itemID="{01951054-2A1B-4EB3-9239-E5A3B1808350}">
+  <ds:schemaRefs>
+    <ds:schemaRef ds:uri="http://schemas.microsoft.com/VisualStudio/2011/storyboarding/control"/>
+  </ds:schemaRefs>
+</ds:datastoreItem>
+</file>
+
+<file path=customXml/itemProps236.xml><?xml version="1.0" encoding="utf-8"?>
+<ds:datastoreItem xmlns:ds="http://schemas.openxmlformats.org/officeDocument/2006/customXml" ds:itemID="{C29BC5F4-0639-40EF-AE58-276891D954E3}">
+  <ds:schemaRefs>
+    <ds:schemaRef ds:uri="http://schemas.microsoft.com/VisualStudio/2011/storyboarding/control"/>
+  </ds:schemaRefs>
+</ds:datastoreItem>
+</file>
+
+<file path=customXml/itemProps237.xml><?xml version="1.0" encoding="utf-8"?>
+<ds:datastoreItem xmlns:ds="http://schemas.openxmlformats.org/officeDocument/2006/customXml" ds:itemID="{7C4FADB9-82C5-46C4-AD0E-6B60B5C6AEAE}">
+  <ds:schemaRefs>
+    <ds:schemaRef ds:uri="http://schemas.microsoft.com/VisualStudio/2011/storyboarding/control/v1.0"/>
+  </ds:schemaRefs>
+</ds:datastoreItem>
+</file>
+
+<file path=customXml/itemProps238.xml><?xml version="1.0" encoding="utf-8"?>
+<ds:datastoreItem xmlns:ds="http://schemas.openxmlformats.org/officeDocument/2006/customXml" ds:itemID="{B836105E-5EEE-42B3-9106-1CD030EDC961}">
+  <ds:schemaRefs>
+    <ds:schemaRef ds:uri="http://schemas.microsoft.com/VisualStudio/2011/storyboarding/control"/>
+  </ds:schemaRefs>
+</ds:datastoreItem>
+</file>
+
+<file path=customXml/itemProps239.xml><?xml version="1.0" encoding="utf-8"?>
+<ds:datastoreItem xmlns:ds="http://schemas.openxmlformats.org/officeDocument/2006/customXml" ds:itemID="{C59CD979-7E5F-4D6B-96AB-8815286CC58D}">
+  <ds:schemaRefs>
+    <ds:schemaRef ds:uri="http://schemas.microsoft.com/VisualStudio/2011/storyboarding/control"/>
+  </ds:schemaRefs>
+</ds:datastoreItem>
+</file>
+
+<file path=customXml/itemProps24.xml><?xml version="1.0" encoding="utf-8"?>
+<ds:datastoreItem xmlns:ds="http://schemas.openxmlformats.org/officeDocument/2006/customXml" ds:itemID="{0CF90D37-4583-4098-B3E2-C11B98A33E5A}">
+  <ds:schemaRefs>
+    <ds:schemaRef ds:uri="http://schemas.microsoft.com/VisualStudio/2011/storyboarding/control"/>
+  </ds:schemaRefs>
+</ds:datastoreItem>
+</file>
+
+<file path=customXml/itemProps240.xml><?xml version="1.0" encoding="utf-8"?>
+<ds:datastoreItem xmlns:ds="http://schemas.openxmlformats.org/officeDocument/2006/customXml" ds:itemID="{CB953D38-E965-4BB2-94FE-DF647E85A654}">
+  <ds:schemaRefs>
+    <ds:schemaRef ds:uri="http://schemas.microsoft.com/VisualStudio/2011/storyboarding/control/v1.0"/>
+  </ds:schemaRefs>
+</ds:datastoreItem>
+</file>
+
+<file path=customXml/itemProps241.xml><?xml version="1.0" encoding="utf-8"?>
+<ds:datastoreItem xmlns:ds="http://schemas.openxmlformats.org/officeDocument/2006/customXml" ds:itemID="{17658EED-361F-4B58-9F51-40C52E9422C8}">
+  <ds:schemaRefs>
+    <ds:schemaRef ds:uri="http://schemas.microsoft.com/VisualStudio/2011/storyboarding/control"/>
+  </ds:schemaRefs>
+</ds:datastoreItem>
+</file>
+
+<file path=customXml/itemProps242.xml><?xml version="1.0" encoding="utf-8"?>
+<ds:datastoreItem xmlns:ds="http://schemas.openxmlformats.org/officeDocument/2006/customXml" ds:itemID="{1EDE67A2-BB67-481D-A5B0-088ECC7E1D16}">
+  <ds:schemaRefs>
+    <ds:schemaRef ds:uri="http://schemas.microsoft.com/VisualStudio/2011/storyboarding/control"/>
+  </ds:schemaRefs>
+</ds:datastoreItem>
+</file>
+
+<file path=customXml/itemProps243.xml><?xml version="1.0" encoding="utf-8"?>
+<ds:datastoreItem xmlns:ds="http://schemas.openxmlformats.org/officeDocument/2006/customXml" ds:itemID="{47C86DEB-6C55-43CE-96A7-363CD56E1025}">
+  <ds:schemaRefs>
+    <ds:schemaRef ds:uri="http://schemas.microsoft.com/VisualStudio/2011/storyboarding/control"/>
+  </ds:schemaRefs>
+</ds:datastoreItem>
+</file>
+
+<file path=customXml/itemProps244.xml><?xml version="1.0" encoding="utf-8"?>
+<ds:datastoreItem xmlns:ds="http://schemas.openxmlformats.org/officeDocument/2006/customXml" ds:itemID="{AB006AED-D3B6-450F-A436-759E490055A5}">
+  <ds:schemaRefs>
+    <ds:schemaRef ds:uri="http://schemas.microsoft.com/VisualStudio/2011/storyboarding/control/v1.0"/>
+  </ds:schemaRefs>
+</ds:datastoreItem>
+</file>
+
+<file path=customXml/itemProps245.xml><?xml version="1.0" encoding="utf-8"?>
+<ds:datastoreItem xmlns:ds="http://schemas.openxmlformats.org/officeDocument/2006/customXml" ds:itemID="{09CC12C2-65F6-4851-BF1A-DFADE603750B}">
+  <ds:schemaRefs>
+    <ds:schemaRef ds:uri="http://schemas.microsoft.com/VisualStudio/2011/storyboarding/control"/>
+  </ds:schemaRefs>
+</ds:datastoreItem>
+</file>
+
+<file path=customXml/itemProps246.xml><?xml version="1.0" encoding="utf-8"?>
+<ds:datastoreItem xmlns:ds="http://schemas.openxmlformats.org/officeDocument/2006/customXml" ds:itemID="{689D1D5E-D257-4BB6-B0A4-CC926BBA5400}">
+  <ds:schemaRefs>
+    <ds:schemaRef ds:uri="http://schemas.microsoft.com/VisualStudio/2011/storyboarding/control"/>
+  </ds:schemaRefs>
+</ds:datastoreItem>
+</file>
+
+<file path=customXml/itemProps247.xml><?xml version="1.0" encoding="utf-8"?>
+<ds:datastoreItem xmlns:ds="http://schemas.openxmlformats.org/officeDocument/2006/customXml" ds:itemID="{403C6BC3-D7AA-4E58-AD05-52B3DCE4509A}">
+  <ds:schemaRefs>
+    <ds:schemaRef ds:uri="http://schemas.microsoft.com/VisualStudio/2011/storyboarding/control"/>
+  </ds:schemaRefs>
+</ds:datastoreItem>
+</file>
+
+<file path=customXml/itemProps248.xml><?xml version="1.0" encoding="utf-8"?>
+<ds:datastoreItem xmlns:ds="http://schemas.openxmlformats.org/officeDocument/2006/customXml" ds:itemID="{7A6C67DF-EAED-4DB3-8D1D-EDF223CB32C6}">
+  <ds:schemaRefs>
+    <ds:schemaRef ds:uri="http://schemas.microsoft.com/VisualStudio/2011/storyboarding/control"/>
+  </ds:schemaRefs>
+</ds:datastoreItem>
+</file>
+
+<file path=customXml/itemProps249.xml><?xml version="1.0" encoding="utf-8"?>
+<ds:datastoreItem xmlns:ds="http://schemas.openxmlformats.org/officeDocument/2006/customXml" ds:itemID="{4CFA599C-9F1C-4AB4-AB4F-10CF77B58F79}">
+  <ds:schemaRefs>
+    <ds:schemaRef ds:uri="http://schemas.microsoft.com/VisualStudio/2011/storyboarding/control/v1.0"/>
+  </ds:schemaRefs>
+</ds:datastoreItem>
+</file>
+
+<file path=customXml/itemProps25.xml><?xml version="1.0" encoding="utf-8"?>
+<ds:datastoreItem xmlns:ds="http://schemas.openxmlformats.org/officeDocument/2006/customXml" ds:itemID="{A17DCA50-D019-440D-8E48-0280B22348BA}">
+  <ds:schemaRefs>
+    <ds:schemaRef ds:uri="http://schemas.microsoft.com/VisualStudio/2011/storyboarding/control"/>
+  </ds:schemaRefs>
+</ds:datastoreItem>
+</file>
+
+<file path=customXml/itemProps250.xml><?xml version="1.0" encoding="utf-8"?>
+<ds:datastoreItem xmlns:ds="http://schemas.openxmlformats.org/officeDocument/2006/customXml" ds:itemID="{92675051-6BC6-4BCB-A4C3-2D65BD737D8A}">
+  <ds:schemaRefs>
+    <ds:schemaRef ds:uri="http://schemas.microsoft.com/VisualStudio/2011/storyboarding/control"/>
+  </ds:schemaRefs>
+</ds:datastoreItem>
+</file>
+
+<file path=customXml/itemProps251.xml><?xml version="1.0" encoding="utf-8"?>
+<ds:datastoreItem xmlns:ds="http://schemas.openxmlformats.org/officeDocument/2006/customXml" ds:itemID="{FB602D86-17B9-4847-8DBC-1EFA867362F9}">
+  <ds:schemaRefs>
+    <ds:schemaRef ds:uri="http://schemas.microsoft.com/VisualStudio/2011/storyboarding/control"/>
+  </ds:schemaRefs>
+</ds:datastoreItem>
+</file>
+
+<file path=customXml/itemProps252.xml><?xml version="1.0" encoding="utf-8"?>
+<ds:datastoreItem xmlns:ds="http://schemas.openxmlformats.org/officeDocument/2006/customXml" ds:itemID="{315B2A83-1D6D-48EF-A92A-4C133D593900}">
+  <ds:schemaRefs>
+    <ds:schemaRef ds:uri="http://schemas.microsoft.com/VisualStudio/2011/storyboarding/control"/>
+  </ds:schemaRefs>
+</ds:datastoreItem>
+</file>
+
+<file path=customXml/itemProps253.xml><?xml version="1.0" encoding="utf-8"?>
+<ds:datastoreItem xmlns:ds="http://schemas.openxmlformats.org/officeDocument/2006/customXml" ds:itemID="{482C66B2-8FE3-4A84-87E1-3F9E8F798AEF}">
+  <ds:schemaRefs>
+    <ds:schemaRef ds:uri="http://schemas.microsoft.com/VisualStudio/2011/storyboarding/control"/>
+  </ds:schemaRefs>
+</ds:datastoreItem>
+</file>
+
+<file path=customXml/itemProps254.xml><?xml version="1.0" encoding="utf-8"?>
+<ds:datastoreItem xmlns:ds="http://schemas.openxmlformats.org/officeDocument/2006/customXml" ds:itemID="{0AEDB3B7-A8AC-4E3C-AEB5-6723FB4DA5F1}">
+  <ds:schemaRefs>
+    <ds:schemaRef ds:uri="http://schemas.microsoft.com/VisualStudio/2011/storyboarding/control"/>
+  </ds:schemaRefs>
+</ds:datastoreItem>
+</file>
+
+<file path=customXml/itemProps255.xml><?xml version="1.0" encoding="utf-8"?>
+<ds:datastoreItem xmlns:ds="http://schemas.openxmlformats.org/officeDocument/2006/customXml" ds:itemID="{33B5ACEB-736C-4301-8146-E6656B732852}">
+  <ds:schemaRefs>
+    <ds:schemaRef ds:uri="http://schemas.microsoft.com/VisualStudio/2011/storyboarding/control"/>
+  </ds:schemaRefs>
+</ds:datastoreItem>
+</file>
+
+<file path=customXml/itemProps256.xml><?xml version="1.0" encoding="utf-8"?>
+<ds:datastoreItem xmlns:ds="http://schemas.openxmlformats.org/officeDocument/2006/customXml" ds:itemID="{19CB1DF2-8822-4520-A56A-045D340F0C71}">
+  <ds:schemaRefs>
+    <ds:schemaRef ds:uri="http://schemas.microsoft.com/VisualStudio/2011/storyboarding/control/v1.0"/>
+  </ds:schemaRefs>
+</ds:datastoreItem>
+</file>
+
+<file path=customXml/itemProps257.xml><?xml version="1.0" encoding="utf-8"?>
+<ds:datastoreItem xmlns:ds="http://schemas.openxmlformats.org/officeDocument/2006/customXml" ds:itemID="{4A923D45-67DD-44AB-935B-7B89FE3C1066}">
+  <ds:schemaRefs>
+    <ds:schemaRef ds:uri="http://schemas.microsoft.com/VisualStudio/2011/storyboarding/control"/>
+  </ds:schemaRefs>
+</ds:datastoreItem>
+</file>
+
+<file path=customXml/itemProps258.xml><?xml version="1.0" encoding="utf-8"?>
+<ds:datastoreItem xmlns:ds="http://schemas.openxmlformats.org/officeDocument/2006/customXml" ds:itemID="{1348E9F0-41E7-4109-8E0D-1DB827F66CDC}">
+  <ds:schemaRefs>
+    <ds:schemaRef ds:uri="http://schemas.microsoft.com/VisualStudio/2011/storyboarding/control"/>
+  </ds:schemaRefs>
+</ds:datastoreItem>
+</file>
+
+<file path=customXml/itemProps259.xml><?xml version="1.0" encoding="utf-8"?>
+<ds:datastoreItem xmlns:ds="http://schemas.openxmlformats.org/officeDocument/2006/customXml" ds:itemID="{870035FA-90A6-4512-9682-88121BC13C7C}">
+  <ds:schemaRefs>
+    <ds:schemaRef ds:uri="http://schemas.microsoft.com/VisualStudio/2011/storyboarding/control"/>
+  </ds:schemaRefs>
+</ds:datastoreItem>
+</file>
+
+<file path=customXml/itemProps26.xml><?xml version="1.0" encoding="utf-8"?>
+<ds:datastoreItem xmlns:ds="http://schemas.openxmlformats.org/officeDocument/2006/customXml" ds:itemID="{8FF740A7-C8EE-480F-BAFC-0E587C82188C}">
+  <ds:schemaRefs>
+    <ds:schemaRef ds:uri="http://schemas.microsoft.com/VisualStudio/2011/storyboarding/control"/>
+  </ds:schemaRefs>
+</ds:datastoreItem>
+</file>
+
+<file path=customXml/itemProps260.xml><?xml version="1.0" encoding="utf-8"?>
 <ds:datastoreItem xmlns:ds="http://schemas.openxmlformats.org/officeDocument/2006/customXml" ds:itemID="{7CC61D81-7136-45FE-B8F4-A552B01AA236}">
   <ds:schemaRefs>
     <ds:schemaRef ds:uri="http://schemas.microsoft.com/VisualStudio/2011/storyboarding/control"/>
@@ -49953,7 +49561,999 @@
 </ds:datastoreItem>
 </file>
 
+<file path=customXml/itemProps261.xml><?xml version="1.0" encoding="utf-8"?>
+<ds:datastoreItem xmlns:ds="http://schemas.openxmlformats.org/officeDocument/2006/customXml" ds:itemID="{B86CCFE5-B204-463A-8823-237DAF399305}">
+  <ds:schemaRefs>
+    <ds:schemaRef ds:uri="http://schemas.microsoft.com/VisualStudio/2011/storyboarding/control"/>
+  </ds:schemaRefs>
+</ds:datastoreItem>
+</file>
+
+<file path=customXml/itemProps262.xml><?xml version="1.0" encoding="utf-8"?>
+<ds:datastoreItem xmlns:ds="http://schemas.openxmlformats.org/officeDocument/2006/customXml" ds:itemID="{C0CC6341-FB9A-4E7F-BCCB-2AAF5D010E4B}">
+  <ds:schemaRefs>
+    <ds:schemaRef ds:uri="http://schemas.microsoft.com/VisualStudio/2011/storyboarding/control"/>
+  </ds:schemaRefs>
+</ds:datastoreItem>
+</file>
+
+<file path=customXml/itemProps263.xml><?xml version="1.0" encoding="utf-8"?>
+<ds:datastoreItem xmlns:ds="http://schemas.openxmlformats.org/officeDocument/2006/customXml" ds:itemID="{E4A0845B-41B6-4256-8FB3-E31EA581BF55}">
+  <ds:schemaRefs>
+    <ds:schemaRef ds:uri="http://schemas.microsoft.com/VisualStudio/2011/storyboarding/control/v1.0"/>
+  </ds:schemaRefs>
+</ds:datastoreItem>
+</file>
+
+<file path=customXml/itemProps264.xml><?xml version="1.0" encoding="utf-8"?>
+<ds:datastoreItem xmlns:ds="http://schemas.openxmlformats.org/officeDocument/2006/customXml" ds:itemID="{0B7EDE5B-4D51-49E1-9CEB-68B8A7C62080}">
+  <ds:schemaRefs>
+    <ds:schemaRef ds:uri="http://schemas.microsoft.com/VisualStudio/2011/storyboarding/control"/>
+  </ds:schemaRefs>
+</ds:datastoreItem>
+</file>
+
+<file path=customXml/itemProps265.xml><?xml version="1.0" encoding="utf-8"?>
+<ds:datastoreItem xmlns:ds="http://schemas.openxmlformats.org/officeDocument/2006/customXml" ds:itemID="{74F0B0F5-A7B1-446C-984E-7ABB30A38E9E}">
+  <ds:schemaRefs>
+    <ds:schemaRef ds:uri="http://schemas.microsoft.com/VisualStudio/2011/storyboarding/control"/>
+  </ds:schemaRefs>
+</ds:datastoreItem>
+</file>
+
+<file path=customXml/itemProps266.xml><?xml version="1.0" encoding="utf-8"?>
+<ds:datastoreItem xmlns:ds="http://schemas.openxmlformats.org/officeDocument/2006/customXml" ds:itemID="{734FC74F-92DC-4F5F-B575-B58D019BB8E1}">
+  <ds:schemaRefs>
+    <ds:schemaRef ds:uri="http://schemas.microsoft.com/VisualStudio/2011/storyboarding/control"/>
+  </ds:schemaRefs>
+</ds:datastoreItem>
+</file>
+
+<file path=customXml/itemProps267.xml><?xml version="1.0" encoding="utf-8"?>
+<ds:datastoreItem xmlns:ds="http://schemas.openxmlformats.org/officeDocument/2006/customXml" ds:itemID="{6B22741B-5AC6-4A2C-A57A-E4BDF22E0A90}">
+  <ds:schemaRefs>
+    <ds:schemaRef ds:uri="http://schemas.microsoft.com/VisualStudio/2011/storyboarding/control/v1.0"/>
+  </ds:schemaRefs>
+</ds:datastoreItem>
+</file>
+
+<file path=customXml/itemProps268.xml><?xml version="1.0" encoding="utf-8"?>
+<ds:datastoreItem xmlns:ds="http://schemas.openxmlformats.org/officeDocument/2006/customXml" ds:itemID="{03751A76-6B46-4E6A-98ED-2BA906B3F681}">
+  <ds:schemaRefs>
+    <ds:schemaRef ds:uri="http://schemas.microsoft.com/VisualStudio/2011/storyboarding/control"/>
+  </ds:schemaRefs>
+</ds:datastoreItem>
+</file>
+
+<file path=customXml/itemProps269.xml><?xml version="1.0" encoding="utf-8"?>
+<ds:datastoreItem xmlns:ds="http://schemas.openxmlformats.org/officeDocument/2006/customXml" ds:itemID="{B0DBD337-FDC5-4C36-BF85-C09756391AA1}">
+  <ds:schemaRefs>
+    <ds:schemaRef ds:uri="http://schemas.microsoft.com/VisualStudio/2011/storyboarding/control/v1.0"/>
+  </ds:schemaRefs>
+</ds:datastoreItem>
+</file>
+
+<file path=customXml/itemProps27.xml><?xml version="1.0" encoding="utf-8"?>
+<ds:datastoreItem xmlns:ds="http://schemas.openxmlformats.org/officeDocument/2006/customXml" ds:itemID="{F5B2D0F4-F906-4501-8179-1914E0FB4926}">
+  <ds:schemaRefs>
+    <ds:schemaRef ds:uri="http://schemas.microsoft.com/VisualStudio/2011/storyboarding/control"/>
+  </ds:schemaRefs>
+</ds:datastoreItem>
+</file>
+
+<file path=customXml/itemProps270.xml><?xml version="1.0" encoding="utf-8"?>
+<ds:datastoreItem xmlns:ds="http://schemas.openxmlformats.org/officeDocument/2006/customXml" ds:itemID="{F395D8ED-A0D3-4F6E-91F3-A29EC16A8083}">
+  <ds:schemaRefs>
+    <ds:schemaRef ds:uri="http://schemas.microsoft.com/VisualStudio/2011/storyboarding/control/v1.0"/>
+  </ds:schemaRefs>
+</ds:datastoreItem>
+</file>
+
+<file path=customXml/itemProps271.xml><?xml version="1.0" encoding="utf-8"?>
+<ds:datastoreItem xmlns:ds="http://schemas.openxmlformats.org/officeDocument/2006/customXml" ds:itemID="{893424C2-FB64-4068-B7CE-4D0175AA35D6}">
+  <ds:schemaRefs>
+    <ds:schemaRef ds:uri="http://schemas.microsoft.com/VisualStudio/2011/storyboarding/control"/>
+  </ds:schemaRefs>
+</ds:datastoreItem>
+</file>
+
+<file path=customXml/itemProps272.xml><?xml version="1.0" encoding="utf-8"?>
+<ds:datastoreItem xmlns:ds="http://schemas.openxmlformats.org/officeDocument/2006/customXml" ds:itemID="{431A578B-FFA3-4F37-99C5-E028D90653D4}">
+  <ds:schemaRefs>
+    <ds:schemaRef ds:uri="http://schemas.microsoft.com/VisualStudio/2011/storyboarding/control"/>
+  </ds:schemaRefs>
+</ds:datastoreItem>
+</file>
+
+<file path=customXml/itemProps273.xml><?xml version="1.0" encoding="utf-8"?>
+<ds:datastoreItem xmlns:ds="http://schemas.openxmlformats.org/officeDocument/2006/customXml" ds:itemID="{70C23831-7801-40F8-9A53-4E9925562CBE}">
+  <ds:schemaRefs>
+    <ds:schemaRef ds:uri="http://schemas.microsoft.com/VisualStudio/2011/storyboarding/control"/>
+  </ds:schemaRefs>
+</ds:datastoreItem>
+</file>
+
+<file path=customXml/itemProps274.xml><?xml version="1.0" encoding="utf-8"?>
+<ds:datastoreItem xmlns:ds="http://schemas.openxmlformats.org/officeDocument/2006/customXml" ds:itemID="{1FF88975-36AE-43BF-87E0-E0D59F21DA7F}">
+  <ds:schemaRefs>
+    <ds:schemaRef ds:uri="http://schemas.microsoft.com/VisualStudio/2011/storyboarding/control"/>
+  </ds:schemaRefs>
+</ds:datastoreItem>
+</file>
+
+<file path=customXml/itemProps275.xml><?xml version="1.0" encoding="utf-8"?>
+<ds:datastoreItem xmlns:ds="http://schemas.openxmlformats.org/officeDocument/2006/customXml" ds:itemID="{7AC21F39-8137-409B-8CA9-0D8BCA8C53A9}">
+  <ds:schemaRefs>
+    <ds:schemaRef ds:uri="http://schemas.microsoft.com/VisualStudio/2011/storyboarding/control"/>
+  </ds:schemaRefs>
+</ds:datastoreItem>
+</file>
+
+<file path=customXml/itemProps276.xml><?xml version="1.0" encoding="utf-8"?>
+<ds:datastoreItem xmlns:ds="http://schemas.openxmlformats.org/officeDocument/2006/customXml" ds:itemID="{156ACD54-663F-4146-A83C-D39B7758E090}">
+  <ds:schemaRefs>
+    <ds:schemaRef ds:uri="http://schemas.microsoft.com/VisualStudio/2011/storyboarding/control/v1.0"/>
+  </ds:schemaRefs>
+</ds:datastoreItem>
+</file>
+
+<file path=customXml/itemProps277.xml><?xml version="1.0" encoding="utf-8"?>
+<ds:datastoreItem xmlns:ds="http://schemas.openxmlformats.org/officeDocument/2006/customXml" ds:itemID="{2BFF8308-D282-489A-AA7B-794AC6DDD350}">
+  <ds:schemaRefs>
+    <ds:schemaRef ds:uri="http://schemas.microsoft.com/VisualStudio/2011/storyboarding/control"/>
+  </ds:schemaRefs>
+</ds:datastoreItem>
+</file>
+
+<file path=customXml/itemProps278.xml><?xml version="1.0" encoding="utf-8"?>
+<ds:datastoreItem xmlns:ds="http://schemas.openxmlformats.org/officeDocument/2006/customXml" ds:itemID="{2FDCAE22-C8AB-4C60-9F13-1F1A855F08D9}">
+  <ds:schemaRefs>
+    <ds:schemaRef ds:uri="http://schemas.microsoft.com/VisualStudio/2011/storyboarding/control"/>
+  </ds:schemaRefs>
+</ds:datastoreItem>
+</file>
+
+<file path=customXml/itemProps279.xml><?xml version="1.0" encoding="utf-8"?>
+<ds:datastoreItem xmlns:ds="http://schemas.openxmlformats.org/officeDocument/2006/customXml" ds:itemID="{729DB56D-F542-4709-9AE0-E83CD92BA163}">
+  <ds:schemaRefs>
+    <ds:schemaRef ds:uri="http://schemas.microsoft.com/VisualStudio/2011/storyboarding/control/v1.0"/>
+  </ds:schemaRefs>
+</ds:datastoreItem>
+</file>
+
+<file path=customXml/itemProps28.xml><?xml version="1.0" encoding="utf-8"?>
+<ds:datastoreItem xmlns:ds="http://schemas.openxmlformats.org/officeDocument/2006/customXml" ds:itemID="{2FD194D4-8818-4493-9F6F-BD81786FD722}">
+  <ds:schemaRefs>
+    <ds:schemaRef ds:uri="http://schemas.microsoft.com/VisualStudio/2011/storyboarding/control"/>
+  </ds:schemaRefs>
+</ds:datastoreItem>
+</file>
+
+<file path=customXml/itemProps280.xml><?xml version="1.0" encoding="utf-8"?>
+<ds:datastoreItem xmlns:ds="http://schemas.openxmlformats.org/officeDocument/2006/customXml" ds:itemID="{A84BE01C-E91B-4A90-8E7F-25887EF8E061}">
+  <ds:schemaRefs>
+    <ds:schemaRef ds:uri="http://schemas.microsoft.com/VisualStudio/2011/storyboarding/control/v1.0"/>
+  </ds:schemaRefs>
+</ds:datastoreItem>
+</file>
+
+<file path=customXml/itemProps281.xml><?xml version="1.0" encoding="utf-8"?>
+<ds:datastoreItem xmlns:ds="http://schemas.openxmlformats.org/officeDocument/2006/customXml" ds:itemID="{79539245-6219-4BDE-B124-341940B68859}">
+  <ds:schemaRefs>
+    <ds:schemaRef ds:uri="http://schemas.microsoft.com/VisualStudio/2011/storyboarding/control"/>
+  </ds:schemaRefs>
+</ds:datastoreItem>
+</file>
+
+<file path=customXml/itemProps282.xml><?xml version="1.0" encoding="utf-8"?>
+<ds:datastoreItem xmlns:ds="http://schemas.openxmlformats.org/officeDocument/2006/customXml" ds:itemID="{063106FD-8836-4282-B199-EA4B966FF14A}">
+  <ds:schemaRefs>
+    <ds:schemaRef ds:uri="http://schemas.microsoft.com/VisualStudio/2011/storyboarding/control"/>
+  </ds:schemaRefs>
+</ds:datastoreItem>
+</file>
+
+<file path=customXml/itemProps283.xml><?xml version="1.0" encoding="utf-8"?>
+<ds:datastoreItem xmlns:ds="http://schemas.openxmlformats.org/officeDocument/2006/customXml" ds:itemID="{ED84F838-8F99-4062-9A97-EB75BCEFDDE9}">
+  <ds:schemaRefs>
+    <ds:schemaRef ds:uri="http://schemas.microsoft.com/VisualStudio/2011/storyboarding/control"/>
+  </ds:schemaRefs>
+</ds:datastoreItem>
+</file>
+
+<file path=customXml/itemProps284.xml><?xml version="1.0" encoding="utf-8"?>
+<ds:datastoreItem xmlns:ds="http://schemas.openxmlformats.org/officeDocument/2006/customXml" ds:itemID="{3EABCF1F-5E30-4073-A48D-44DBBCB28505}">
+  <ds:schemaRefs>
+    <ds:schemaRef ds:uri="http://schemas.microsoft.com/VisualStudio/2011/storyboarding/control"/>
+  </ds:schemaRefs>
+</ds:datastoreItem>
+</file>
+
+<file path=customXml/itemProps285.xml><?xml version="1.0" encoding="utf-8"?>
+<ds:datastoreItem xmlns:ds="http://schemas.openxmlformats.org/officeDocument/2006/customXml" ds:itemID="{BCC26AAB-ACE0-4E06-96EB-91D114535900}">
+  <ds:schemaRefs>
+    <ds:schemaRef ds:uri="http://schemas.microsoft.com/VisualStudio/2011/storyboarding/control"/>
+  </ds:schemaRefs>
+</ds:datastoreItem>
+</file>
+
+<file path=customXml/itemProps286.xml><?xml version="1.0" encoding="utf-8"?>
+<ds:datastoreItem xmlns:ds="http://schemas.openxmlformats.org/officeDocument/2006/customXml" ds:itemID="{E6C688DD-065A-4726-BCE5-E5AFDA3F5641}">
+  <ds:schemaRefs>
+    <ds:schemaRef ds:uri="http://schemas.microsoft.com/VisualStudio/2011/storyboarding/control/v1.0"/>
+  </ds:schemaRefs>
+</ds:datastoreItem>
+</file>
+
+<file path=customXml/itemProps287.xml><?xml version="1.0" encoding="utf-8"?>
+<ds:datastoreItem xmlns:ds="http://schemas.openxmlformats.org/officeDocument/2006/customXml" ds:itemID="{BC139307-416A-4069-9200-E7C0D2AE8D69}">
+  <ds:schemaRefs>
+    <ds:schemaRef ds:uri="http://schemas.microsoft.com/VisualStudio/2011/storyboarding/control"/>
+  </ds:schemaRefs>
+</ds:datastoreItem>
+</file>
+
+<file path=customXml/itemProps288.xml><?xml version="1.0" encoding="utf-8"?>
+<ds:datastoreItem xmlns:ds="http://schemas.openxmlformats.org/officeDocument/2006/customXml" ds:itemID="{DDEEC505-9111-44CE-9DED-8A454ABEC272}">
+  <ds:schemaRefs>
+    <ds:schemaRef ds:uri="http://schemas.microsoft.com/VisualStudio/2011/storyboarding/control/v1.0"/>
+  </ds:schemaRefs>
+</ds:datastoreItem>
+</file>
+
+<file path=customXml/itemProps289.xml><?xml version="1.0" encoding="utf-8"?>
+<ds:datastoreItem xmlns:ds="http://schemas.openxmlformats.org/officeDocument/2006/customXml" ds:itemID="{379BFC32-51F7-4218-B2AD-CFD6564CE11F}">
+  <ds:schemaRefs>
+    <ds:schemaRef ds:uri="http://schemas.microsoft.com/VisualStudio/2011/storyboarding/control"/>
+  </ds:schemaRefs>
+</ds:datastoreItem>
+</file>
+
+<file path=customXml/itemProps29.xml><?xml version="1.0" encoding="utf-8"?>
+<ds:datastoreItem xmlns:ds="http://schemas.openxmlformats.org/officeDocument/2006/customXml" ds:itemID="{A171EC6E-0B34-412F-93F3-F53F62F28985}">
+  <ds:schemaRefs>
+    <ds:schemaRef ds:uri="http://schemas.microsoft.com/VisualStudio/2011/storyboarding/control"/>
+  </ds:schemaRefs>
+</ds:datastoreItem>
+</file>
+
+<file path=customXml/itemProps290.xml><?xml version="1.0" encoding="utf-8"?>
+<ds:datastoreItem xmlns:ds="http://schemas.openxmlformats.org/officeDocument/2006/customXml" ds:itemID="{A2C3C850-4F05-44AE-9D60-A5D2C3CA035F}">
+  <ds:schemaRefs>
+    <ds:schemaRef ds:uri="http://schemas.microsoft.com/VisualStudio/2011/storyboarding/control"/>
+  </ds:schemaRefs>
+</ds:datastoreItem>
+</file>
+
+<file path=customXml/itemProps291.xml><?xml version="1.0" encoding="utf-8"?>
+<ds:datastoreItem xmlns:ds="http://schemas.openxmlformats.org/officeDocument/2006/customXml" ds:itemID="{1882091E-66A1-40F1-863E-24CAEA4B162A}">
+  <ds:schemaRefs>
+    <ds:schemaRef ds:uri="http://schemas.microsoft.com/VisualStudio/2011/storyboarding/control"/>
+  </ds:schemaRefs>
+</ds:datastoreItem>
+</file>
+
+<file path=customXml/itemProps292.xml><?xml version="1.0" encoding="utf-8"?>
+<ds:datastoreItem xmlns:ds="http://schemas.openxmlformats.org/officeDocument/2006/customXml" ds:itemID="{A7072B08-7F8C-4E35-AFFA-BCB19287748E}">
+  <ds:schemaRefs>
+    <ds:schemaRef ds:uri="http://schemas.microsoft.com/VisualStudio/2011/storyboarding/control"/>
+  </ds:schemaRefs>
+</ds:datastoreItem>
+</file>
+
+<file path=customXml/itemProps293.xml><?xml version="1.0" encoding="utf-8"?>
+<ds:datastoreItem xmlns:ds="http://schemas.openxmlformats.org/officeDocument/2006/customXml" ds:itemID="{3C6220BE-0F2A-49C6-BFB2-C458479F3F62}">
+  <ds:schemaRefs>
+    <ds:schemaRef ds:uri="http://schemas.microsoft.com/VisualStudio/2011/storyboarding/control/v1.0"/>
+  </ds:schemaRefs>
+</ds:datastoreItem>
+</file>
+
+<file path=customXml/itemProps294.xml><?xml version="1.0" encoding="utf-8"?>
+<ds:datastoreItem xmlns:ds="http://schemas.openxmlformats.org/officeDocument/2006/customXml" ds:itemID="{B571350C-23C3-4B5A-8F49-FBEB6CF22964}">
+  <ds:schemaRefs>
+    <ds:schemaRef ds:uri="http://schemas.microsoft.com/VisualStudio/2011/storyboarding/control/v1.0"/>
+  </ds:schemaRefs>
+</ds:datastoreItem>
+</file>
+
+<file path=customXml/itemProps295.xml><?xml version="1.0" encoding="utf-8"?>
+<ds:datastoreItem xmlns:ds="http://schemas.openxmlformats.org/officeDocument/2006/customXml" ds:itemID="{FBA6DA6D-7786-4A2A-BC68-30ED15C8A190}">
+  <ds:schemaRefs>
+    <ds:schemaRef ds:uri="http://schemas.microsoft.com/VisualStudio/2011/storyboarding/control"/>
+  </ds:schemaRefs>
+</ds:datastoreItem>
+</file>
+
+<file path=customXml/itemProps296.xml><?xml version="1.0" encoding="utf-8"?>
+<ds:datastoreItem xmlns:ds="http://schemas.openxmlformats.org/officeDocument/2006/customXml" ds:itemID="{A08EAE6B-4625-4A14-A4A9-EF486483F890}">
+  <ds:schemaRefs>
+    <ds:schemaRef ds:uri="http://schemas.microsoft.com/VisualStudio/2011/storyboarding/control"/>
+  </ds:schemaRefs>
+</ds:datastoreItem>
+</file>
+
+<file path=customXml/itemProps297.xml><?xml version="1.0" encoding="utf-8"?>
+<ds:datastoreItem xmlns:ds="http://schemas.openxmlformats.org/officeDocument/2006/customXml" ds:itemID="{380520DA-6825-4F41-8284-821CB3CA5C82}">
+  <ds:schemaRefs>
+    <ds:schemaRef ds:uri="http://schemas.microsoft.com/VisualStudio/2011/storyboarding/control"/>
+  </ds:schemaRefs>
+</ds:datastoreItem>
+</file>
+
+<file path=customXml/itemProps298.xml><?xml version="1.0" encoding="utf-8"?>
+<ds:datastoreItem xmlns:ds="http://schemas.openxmlformats.org/officeDocument/2006/customXml" ds:itemID="{82DEB3ED-CC58-42ED-834B-F2D5BD48CC3B}">
+  <ds:schemaRefs>
+    <ds:schemaRef ds:uri="http://schemas.microsoft.com/VisualStudio/2011/storyboarding/control"/>
+  </ds:schemaRefs>
+</ds:datastoreItem>
+</file>
+
+<file path=customXml/itemProps299.xml><?xml version="1.0" encoding="utf-8"?>
+<ds:datastoreItem xmlns:ds="http://schemas.openxmlformats.org/officeDocument/2006/customXml" ds:itemID="{07B11A95-7731-4379-9E1B-32BC87FA2B56}">
+  <ds:schemaRefs>
+    <ds:schemaRef ds:uri="http://schemas.microsoft.com/VisualStudio/2011/storyboarding/control/v1.0"/>
+  </ds:schemaRefs>
+</ds:datastoreItem>
+</file>
+
+<file path=customXml/itemProps3.xml><?xml version="1.0" encoding="utf-8"?>
+<ds:datastoreItem xmlns:ds="http://schemas.openxmlformats.org/officeDocument/2006/customXml" ds:itemID="{2333FAD5-4B0F-46CB-85C1-5385EB3AD2B4}">
+  <ds:schemaRefs>
+    <ds:schemaRef ds:uri="http://schemas.microsoft.com/VisualStudio/2011/storyboarding/control"/>
+  </ds:schemaRefs>
+</ds:datastoreItem>
+</file>
+
+<file path=customXml/itemProps30.xml><?xml version="1.0" encoding="utf-8"?>
+<ds:datastoreItem xmlns:ds="http://schemas.openxmlformats.org/officeDocument/2006/customXml" ds:itemID="{A0B3715A-C40A-4FA7-84AD-3255E65EDFB9}">
+  <ds:schemaRefs>
+    <ds:schemaRef ds:uri="http://schemas.microsoft.com/VisualStudio/2011/storyboarding/control"/>
+  </ds:schemaRefs>
+</ds:datastoreItem>
+</file>
+
+<file path=customXml/itemProps300.xml><?xml version="1.0" encoding="utf-8"?>
+<ds:datastoreItem xmlns:ds="http://schemas.openxmlformats.org/officeDocument/2006/customXml" ds:itemID="{90D9B8AC-3F59-44DB-A5DF-E2DC5644EC71}">
+  <ds:schemaRefs>
+    <ds:schemaRef ds:uri="http://schemas.microsoft.com/VisualStudio/2011/storyboarding/control"/>
+  </ds:schemaRefs>
+</ds:datastoreItem>
+</file>
+
+<file path=customXml/itemProps301.xml><?xml version="1.0" encoding="utf-8"?>
+<ds:datastoreItem xmlns:ds="http://schemas.openxmlformats.org/officeDocument/2006/customXml" ds:itemID="{55C8793C-BCCD-4DCF-B8DB-B94127F9B688}">
+  <ds:schemaRefs>
+    <ds:schemaRef ds:uri="http://schemas.microsoft.com/VisualStudio/2011/storyboarding/control"/>
+  </ds:schemaRefs>
+</ds:datastoreItem>
+</file>
+
+<file path=customXml/itemProps302.xml><?xml version="1.0" encoding="utf-8"?>
+<ds:datastoreItem xmlns:ds="http://schemas.openxmlformats.org/officeDocument/2006/customXml" ds:itemID="{F6284D1D-3B60-45C8-9401-39277E43FA4C}">
+  <ds:schemaRefs>
+    <ds:schemaRef ds:uri="http://schemas.microsoft.com/VisualStudio/2011/storyboarding/control"/>
+  </ds:schemaRefs>
+</ds:datastoreItem>
+</file>
+
+<file path=customXml/itemProps303.xml><?xml version="1.0" encoding="utf-8"?>
+<ds:datastoreItem xmlns:ds="http://schemas.openxmlformats.org/officeDocument/2006/customXml" ds:itemID="{E1A3A932-D4AE-4F3A-A93A-CAABDD1F8C69}">
+  <ds:schemaRefs>
+    <ds:schemaRef ds:uri="http://schemas.microsoft.com/VisualStudio/2011/storyboarding/control"/>
+  </ds:schemaRefs>
+</ds:datastoreItem>
+</file>
+
 <file path=customXml/itemProps304.xml><?xml version="1.0" encoding="utf-8"?>
+<ds:datastoreItem xmlns:ds="http://schemas.openxmlformats.org/officeDocument/2006/customXml" ds:itemID="{1AF31726-A62F-4331-8622-ED351D5149B7}">
+  <ds:schemaRefs>
+    <ds:schemaRef ds:uri="http://schemas.microsoft.com/VisualStudio/2011/storyboarding/control"/>
+  </ds:schemaRefs>
+</ds:datastoreItem>
+</file>
+
+<file path=customXml/itemProps305.xml><?xml version="1.0" encoding="utf-8"?>
+<ds:datastoreItem xmlns:ds="http://schemas.openxmlformats.org/officeDocument/2006/customXml" ds:itemID="{288CEDBF-3F9B-47CF-AF84-2B8486359159}">
+  <ds:schemaRefs>
+    <ds:schemaRef ds:uri="http://schemas.microsoft.com/VisualStudio/2011/storyboarding/control/v1.0"/>
+  </ds:schemaRefs>
+</ds:datastoreItem>
+</file>
+
+<file path=customXml/itemProps306.xml><?xml version="1.0" encoding="utf-8"?>
+<ds:datastoreItem xmlns:ds="http://schemas.openxmlformats.org/officeDocument/2006/customXml" ds:itemID="{B4BE880E-F71A-4C21-A1C3-8A2437E3C677}">
+  <ds:schemaRefs>
+    <ds:schemaRef ds:uri="http://schemas.microsoft.com/VisualStudio/2011/storyboarding/control/v1.0"/>
+  </ds:schemaRefs>
+</ds:datastoreItem>
+</file>
+
+<file path=customXml/itemProps307.xml><?xml version="1.0" encoding="utf-8"?>
+<ds:datastoreItem xmlns:ds="http://schemas.openxmlformats.org/officeDocument/2006/customXml" ds:itemID="{20EE139D-44C7-4192-A8B7-E25390148E28}">
+  <ds:schemaRefs>
+    <ds:schemaRef ds:uri="http://schemas.microsoft.com/VisualStudio/2011/storyboarding/control/v1.0"/>
+  </ds:schemaRefs>
+</ds:datastoreItem>
+</file>
+
+<file path=customXml/itemProps308.xml><?xml version="1.0" encoding="utf-8"?>
+<ds:datastoreItem xmlns:ds="http://schemas.openxmlformats.org/officeDocument/2006/customXml" ds:itemID="{0062AF88-B988-48B1-B42A-67FEE33A1AA0}">
+  <ds:schemaRefs>
+    <ds:schemaRef ds:uri="http://schemas.microsoft.com/VisualStudio/2011/storyboarding/control"/>
+  </ds:schemaRefs>
+</ds:datastoreItem>
+</file>
+
+<file path=customXml/itemProps309.xml><?xml version="1.0" encoding="utf-8"?>
+<ds:datastoreItem xmlns:ds="http://schemas.openxmlformats.org/officeDocument/2006/customXml" ds:itemID="{F528CFA6-F2A9-46AF-9122-04E816D8A71D}">
+  <ds:schemaRefs>
+    <ds:schemaRef ds:uri="http://schemas.microsoft.com/VisualStudio/2011/storyboarding/control"/>
+  </ds:schemaRefs>
+</ds:datastoreItem>
+</file>
+
+<file path=customXml/itemProps31.xml><?xml version="1.0" encoding="utf-8"?>
+<ds:datastoreItem xmlns:ds="http://schemas.openxmlformats.org/officeDocument/2006/customXml" ds:itemID="{4EE14C2A-AD9F-4617-A8CC-4057921BFCA8}">
+  <ds:schemaRefs>
+    <ds:schemaRef ds:uri="http://schemas.microsoft.com/VisualStudio/2011/storyboarding/control/v1.0"/>
+  </ds:schemaRefs>
+</ds:datastoreItem>
+</file>
+
+<file path=customXml/itemProps310.xml><?xml version="1.0" encoding="utf-8"?>
+<ds:datastoreItem xmlns:ds="http://schemas.openxmlformats.org/officeDocument/2006/customXml" ds:itemID="{7732A184-08DF-455A-8213-649E4A546A1D}">
+  <ds:schemaRefs>
+    <ds:schemaRef ds:uri="http://schemas.microsoft.com/VisualStudio/2011/storyboarding/control"/>
+  </ds:schemaRefs>
+</ds:datastoreItem>
+</file>
+
+<file path=customXml/itemProps311.xml><?xml version="1.0" encoding="utf-8"?>
+<ds:datastoreItem xmlns:ds="http://schemas.openxmlformats.org/officeDocument/2006/customXml" ds:itemID="{9F370CE8-88BC-4934-8DD8-D52AF3D5E959}">
+  <ds:schemaRefs>
+    <ds:schemaRef ds:uri="http://schemas.microsoft.com/VisualStudio/2011/storyboarding/control"/>
+  </ds:schemaRefs>
+</ds:datastoreItem>
+</file>
+
+<file path=customXml/itemProps312.xml><?xml version="1.0" encoding="utf-8"?>
+<ds:datastoreItem xmlns:ds="http://schemas.openxmlformats.org/officeDocument/2006/customXml" ds:itemID="{215B580D-203A-4FE0-B924-9A64D0F703AE}">
+  <ds:schemaRefs>
+    <ds:schemaRef ds:uri="http://schemas.microsoft.com/VisualStudio/2011/storyboarding/control"/>
+  </ds:schemaRefs>
+</ds:datastoreItem>
+</file>
+
+<file path=customXml/itemProps313.xml><?xml version="1.0" encoding="utf-8"?>
+<ds:datastoreItem xmlns:ds="http://schemas.openxmlformats.org/officeDocument/2006/customXml" ds:itemID="{E164FBF6-1352-49DB-9A1A-D144BA361278}">
+  <ds:schemaRefs>
+    <ds:schemaRef ds:uri="http://schemas.microsoft.com/VisualStudio/2011/storyboarding/control"/>
+  </ds:schemaRefs>
+</ds:datastoreItem>
+</file>
+
+<file path=customXml/itemProps314.xml><?xml version="1.0" encoding="utf-8"?>
+<ds:datastoreItem xmlns:ds="http://schemas.openxmlformats.org/officeDocument/2006/customXml" ds:itemID="{B2C9D19C-4878-43E0-A5AD-CB76AB49D960}">
+  <ds:schemaRefs>
+    <ds:schemaRef ds:uri="http://schemas.microsoft.com/VisualStudio/2011/storyboarding/control/v1.0"/>
+  </ds:schemaRefs>
+</ds:datastoreItem>
+</file>
+
+<file path=customXml/itemProps32.xml><?xml version="1.0" encoding="utf-8"?>
+<ds:datastoreItem xmlns:ds="http://schemas.openxmlformats.org/officeDocument/2006/customXml" ds:itemID="{87D0648D-5A18-4A12-BF43-4ECD1F1BE762}">
+  <ds:schemaRefs>
+    <ds:schemaRef ds:uri="http://schemas.microsoft.com/VisualStudio/2011/storyboarding/control"/>
+  </ds:schemaRefs>
+</ds:datastoreItem>
+</file>
+
+<file path=customXml/itemProps33.xml><?xml version="1.0" encoding="utf-8"?>
+<ds:datastoreItem xmlns:ds="http://schemas.openxmlformats.org/officeDocument/2006/customXml" ds:itemID="{700D1735-9812-43F2-A398-5A9A7FE4CE02}">
+  <ds:schemaRefs>
+    <ds:schemaRef ds:uri="http://schemas.microsoft.com/VisualStudio/2011/storyboarding/control"/>
+  </ds:schemaRefs>
+</ds:datastoreItem>
+</file>
+
+<file path=customXml/itemProps34.xml><?xml version="1.0" encoding="utf-8"?>
+<ds:datastoreItem xmlns:ds="http://schemas.openxmlformats.org/officeDocument/2006/customXml" ds:itemID="{3B9D6764-90AA-4098-A737-3AD20DC24405}">
+  <ds:schemaRefs>
+    <ds:schemaRef ds:uri="http://schemas.microsoft.com/VisualStudio/2011/storyboarding/control"/>
+  </ds:schemaRefs>
+</ds:datastoreItem>
+</file>
+
+<file path=customXml/itemProps35.xml><?xml version="1.0" encoding="utf-8"?>
+<ds:datastoreItem xmlns:ds="http://schemas.openxmlformats.org/officeDocument/2006/customXml" ds:itemID="{86DDA142-5274-48CF-86BC-261450CA9F62}">
+  <ds:schemaRefs>
+    <ds:schemaRef ds:uri="http://schemas.microsoft.com/VisualStudio/2011/storyboarding/control"/>
+  </ds:schemaRefs>
+</ds:datastoreItem>
+</file>
+
+<file path=customXml/itemProps36.xml><?xml version="1.0" encoding="utf-8"?>
+<ds:datastoreItem xmlns:ds="http://schemas.openxmlformats.org/officeDocument/2006/customXml" ds:itemID="{A2F1A585-6ACF-41E6-9ED7-63B9553E43E4}">
+  <ds:schemaRefs>
+    <ds:schemaRef ds:uri="http://schemas.microsoft.com/VisualStudio/2011/storyboarding/control"/>
+  </ds:schemaRefs>
+</ds:datastoreItem>
+</file>
+
+<file path=customXml/itemProps37.xml><?xml version="1.0" encoding="utf-8"?>
+<ds:datastoreItem xmlns:ds="http://schemas.openxmlformats.org/officeDocument/2006/customXml" ds:itemID="{2468B27E-3B25-4E7A-9AD2-A8CC6B4DBF16}">
+  <ds:schemaRefs>
+    <ds:schemaRef ds:uri="http://schemas.microsoft.com/VisualStudio/2011/storyboarding/control"/>
+  </ds:schemaRefs>
+</ds:datastoreItem>
+</file>
+
+<file path=customXml/itemProps38.xml><?xml version="1.0" encoding="utf-8"?>
+<ds:datastoreItem xmlns:ds="http://schemas.openxmlformats.org/officeDocument/2006/customXml" ds:itemID="{253B000D-0B23-420C-B5B5-11B6002E5391}">
+  <ds:schemaRefs>
+    <ds:schemaRef ds:uri="http://schemas.microsoft.com/VisualStudio/2011/storyboarding/control/v1.0"/>
+  </ds:schemaRefs>
+</ds:datastoreItem>
+</file>
+
+<file path=customXml/itemProps39.xml><?xml version="1.0" encoding="utf-8"?>
+<ds:datastoreItem xmlns:ds="http://schemas.openxmlformats.org/officeDocument/2006/customXml" ds:itemID="{58EC9E1F-2595-46F3-8A3B-84253F6E85D1}">
+  <ds:schemaRefs>
+    <ds:schemaRef ds:uri="http://schemas.microsoft.com/VisualStudio/2011/storyboarding/control"/>
+  </ds:schemaRefs>
+</ds:datastoreItem>
+</file>
+
+<file path=customXml/itemProps4.xml><?xml version="1.0" encoding="utf-8"?>
+<ds:datastoreItem xmlns:ds="http://schemas.openxmlformats.org/officeDocument/2006/customXml" ds:itemID="{159ADC07-D3C2-4FB2-9F6C-54C3E95AABA7}">
+  <ds:schemaRefs>
+    <ds:schemaRef ds:uri="http://schemas.microsoft.com/VisualStudio/2011/storyboarding/control"/>
+  </ds:schemaRefs>
+</ds:datastoreItem>
+</file>
+
+<file path=customXml/itemProps40.xml><?xml version="1.0" encoding="utf-8"?>
+<ds:datastoreItem xmlns:ds="http://schemas.openxmlformats.org/officeDocument/2006/customXml" ds:itemID="{761467E5-93C6-41DA-A03C-D55252306EF9}">
+  <ds:schemaRefs>
+    <ds:schemaRef ds:uri="http://schemas.microsoft.com/VisualStudio/2011/storyboarding/control"/>
+  </ds:schemaRefs>
+</ds:datastoreItem>
+</file>
+
+<file path=customXml/itemProps41.xml><?xml version="1.0" encoding="utf-8"?>
+<ds:datastoreItem xmlns:ds="http://schemas.openxmlformats.org/officeDocument/2006/customXml" ds:itemID="{D1B77EF3-D702-4711-B1A5-EFD587B9F7B2}">
+  <ds:schemaRefs>
+    <ds:schemaRef ds:uri="http://schemas.microsoft.com/VisualStudio/2011/storyboarding/control"/>
+  </ds:schemaRefs>
+</ds:datastoreItem>
+</file>
+
+<file path=customXml/itemProps42.xml><?xml version="1.0" encoding="utf-8"?>
+<ds:datastoreItem xmlns:ds="http://schemas.openxmlformats.org/officeDocument/2006/customXml" ds:itemID="{19281F7C-5FD9-439E-94CA-F221212807C0}">
+  <ds:schemaRefs>
+    <ds:schemaRef ds:uri="http://schemas.microsoft.com/VisualStudio/2011/storyboarding/control"/>
+  </ds:schemaRefs>
+</ds:datastoreItem>
+</file>
+
+<file path=customXml/itemProps43.xml><?xml version="1.0" encoding="utf-8"?>
+<ds:datastoreItem xmlns:ds="http://schemas.openxmlformats.org/officeDocument/2006/customXml" ds:itemID="{BDECF2A2-F746-4DBC-8C83-264123BBDBFC}">
+  <ds:schemaRefs>
+    <ds:schemaRef ds:uri="http://schemas.microsoft.com/VisualStudio/2011/storyboarding/control"/>
+  </ds:schemaRefs>
+</ds:datastoreItem>
+</file>
+
+<file path=customXml/itemProps44.xml><?xml version="1.0" encoding="utf-8"?>
+<ds:datastoreItem xmlns:ds="http://schemas.openxmlformats.org/officeDocument/2006/customXml" ds:itemID="{92A76F61-31F3-46AF-90CF-A8930E14B64B}">
+  <ds:schemaRefs>
+    <ds:schemaRef ds:uri="http://schemas.microsoft.com/VisualStudio/2011/storyboarding/control"/>
+  </ds:schemaRefs>
+</ds:datastoreItem>
+</file>
+
+<file path=customXml/itemProps45.xml><?xml version="1.0" encoding="utf-8"?>
+<ds:datastoreItem xmlns:ds="http://schemas.openxmlformats.org/officeDocument/2006/customXml" ds:itemID="{2B6243A2-99B5-42ED-B049-93E27D774527}">
+  <ds:schemaRefs>
+    <ds:schemaRef ds:uri="http://schemas.microsoft.com/VisualStudio/2011/storyboarding/control/v1.0"/>
+  </ds:schemaRefs>
+</ds:datastoreItem>
+</file>
+
+<file path=customXml/itemProps46.xml><?xml version="1.0" encoding="utf-8"?>
+<ds:datastoreItem xmlns:ds="http://schemas.openxmlformats.org/officeDocument/2006/customXml" ds:itemID="{070A0919-5036-4D47-9D0D-4D9A508634EC}">
+  <ds:schemaRefs>
+    <ds:schemaRef ds:uri="http://schemas.microsoft.com/VisualStudio/2011/storyboarding/control"/>
+  </ds:schemaRefs>
+</ds:datastoreItem>
+</file>
+
+<file path=customXml/itemProps47.xml><?xml version="1.0" encoding="utf-8"?>
+<ds:datastoreItem xmlns:ds="http://schemas.openxmlformats.org/officeDocument/2006/customXml" ds:itemID="{801F3AE5-65F3-4F34-8431-3329707AA1A1}">
+  <ds:schemaRefs>
+    <ds:schemaRef ds:uri="http://schemas.microsoft.com/VisualStudio/2011/storyboarding/control"/>
+  </ds:schemaRefs>
+</ds:datastoreItem>
+</file>
+
+<file path=customXml/itemProps48.xml><?xml version="1.0" encoding="utf-8"?>
+<ds:datastoreItem xmlns:ds="http://schemas.openxmlformats.org/officeDocument/2006/customXml" ds:itemID="{BF4C2572-69B2-46F9-B2EF-DD9AC3769060}">
+  <ds:schemaRefs>
+    <ds:schemaRef ds:uri="http://schemas.microsoft.com/VisualStudio/2011/storyboarding/control"/>
+  </ds:schemaRefs>
+</ds:datastoreItem>
+</file>
+
+<file path=customXml/itemProps49.xml><?xml version="1.0" encoding="utf-8"?>
+<ds:datastoreItem xmlns:ds="http://schemas.openxmlformats.org/officeDocument/2006/customXml" ds:itemID="{A495BDE2-DE86-4DB5-BBC3-A67308A84836}">
+  <ds:schemaRefs>
+    <ds:schemaRef ds:uri="http://schemas.microsoft.com/VisualStudio/2011/storyboarding/control"/>
+  </ds:schemaRefs>
+</ds:datastoreItem>
+</file>
+
+<file path=customXml/itemProps5.xml><?xml version="1.0" encoding="utf-8"?>
+<ds:datastoreItem xmlns:ds="http://schemas.openxmlformats.org/officeDocument/2006/customXml" ds:itemID="{9C4C7B07-3AE3-46A1-A54D-2BDFAB93A8EF}">
+  <ds:schemaRefs>
+    <ds:schemaRef ds:uri="http://schemas.microsoft.com/VisualStudio/2011/storyboarding/control/v1.0"/>
+  </ds:schemaRefs>
+</ds:datastoreItem>
+</file>
+
+<file path=customXml/itemProps50.xml><?xml version="1.0" encoding="utf-8"?>
+<ds:datastoreItem xmlns:ds="http://schemas.openxmlformats.org/officeDocument/2006/customXml" ds:itemID="{EC4D8D96-7D54-4E66-97F0-A05202B5A0A9}">
+  <ds:schemaRefs>
+    <ds:schemaRef ds:uri="http://schemas.microsoft.com/VisualStudio/2011/storyboarding/control"/>
+  </ds:schemaRefs>
+</ds:datastoreItem>
+</file>
+
+<file path=customXml/itemProps51.xml><?xml version="1.0" encoding="utf-8"?>
+<ds:datastoreItem xmlns:ds="http://schemas.openxmlformats.org/officeDocument/2006/customXml" ds:itemID="{B0A9A6F9-9B8F-41F1-9C73-D1586249E417}">
+  <ds:schemaRefs>
+    <ds:schemaRef ds:uri="http://schemas.microsoft.com/VisualStudio/2011/storyboarding/control"/>
+  </ds:schemaRefs>
+</ds:datastoreItem>
+</file>
+
+<file path=customXml/itemProps52.xml><?xml version="1.0" encoding="utf-8"?>
+<ds:datastoreItem xmlns:ds="http://schemas.openxmlformats.org/officeDocument/2006/customXml" ds:itemID="{0AB3DFBB-643B-4A5D-BC79-F9C35DFA2AF1}">
+  <ds:schemaRefs>
+    <ds:schemaRef ds:uri="http://schemas.microsoft.com/VisualStudio/2011/storyboarding/control"/>
+  </ds:schemaRefs>
+</ds:datastoreItem>
+</file>
+
+<file path=customXml/itemProps53.xml><?xml version="1.0" encoding="utf-8"?>
+<ds:datastoreItem xmlns:ds="http://schemas.openxmlformats.org/officeDocument/2006/customXml" ds:itemID="{FC15A188-E1DB-4A62-A1DD-04D2C3B705E4}">
+  <ds:schemaRefs>
+    <ds:schemaRef ds:uri="http://schemas.microsoft.com/VisualStudio/2011/storyboarding/control"/>
+  </ds:schemaRefs>
+</ds:datastoreItem>
+</file>
+
+<file path=customXml/itemProps54.xml><?xml version="1.0" encoding="utf-8"?>
+<ds:datastoreItem xmlns:ds="http://schemas.openxmlformats.org/officeDocument/2006/customXml" ds:itemID="{A808BB02-19D0-442F-A7D1-C5BAADA618E9}">
+  <ds:schemaRefs>
+    <ds:schemaRef ds:uri="http://schemas.microsoft.com/VisualStudio/2011/storyboarding/control"/>
+  </ds:schemaRefs>
+</ds:datastoreItem>
+</file>
+
+<file path=customXml/itemProps55.xml><?xml version="1.0" encoding="utf-8"?>
+<ds:datastoreItem xmlns:ds="http://schemas.openxmlformats.org/officeDocument/2006/customXml" ds:itemID="{32B7F290-7492-4F18-9180-8C7334175437}">
+  <ds:schemaRefs>
+    <ds:schemaRef ds:uri="http://schemas.microsoft.com/VisualStudio/2011/storyboarding/control"/>
+  </ds:schemaRefs>
+</ds:datastoreItem>
+</file>
+
+<file path=customXml/itemProps56.xml><?xml version="1.0" encoding="utf-8"?>
+<ds:datastoreItem xmlns:ds="http://schemas.openxmlformats.org/officeDocument/2006/customXml" ds:itemID="{CE62CA99-6887-4EB1-9C10-6D57DFF49F63}">
+  <ds:schemaRefs>
+    <ds:schemaRef ds:uri="http://schemas.microsoft.com/VisualStudio/2011/storyboarding/control"/>
+  </ds:schemaRefs>
+</ds:datastoreItem>
+</file>
+
+<file path=customXml/itemProps57.xml><?xml version="1.0" encoding="utf-8"?>
+<ds:datastoreItem xmlns:ds="http://schemas.openxmlformats.org/officeDocument/2006/customXml" ds:itemID="{59F3BF51-CF83-45E9-9E04-A39D5DBFD0AE}">
+  <ds:schemaRefs>
+    <ds:schemaRef ds:uri="http://schemas.microsoft.com/VisualStudio/2011/storyboarding/control"/>
+  </ds:schemaRefs>
+</ds:datastoreItem>
+</file>
+
+<file path=customXml/itemProps58.xml><?xml version="1.0" encoding="utf-8"?>
+<ds:datastoreItem xmlns:ds="http://schemas.openxmlformats.org/officeDocument/2006/customXml" ds:itemID="{E00F1A5A-BFA5-4260-9548-C5D415AAE018}">
+  <ds:schemaRefs>
+    <ds:schemaRef ds:uri="http://schemas.microsoft.com/VisualStudio/2011/storyboarding/control"/>
+  </ds:schemaRefs>
+</ds:datastoreItem>
+</file>
+
+<file path=customXml/itemProps59.xml><?xml version="1.0" encoding="utf-8"?>
+<ds:datastoreItem xmlns:ds="http://schemas.openxmlformats.org/officeDocument/2006/customXml" ds:itemID="{B4DF03EA-95D8-472A-AE5D-DFC4AF15B022}">
+  <ds:schemaRefs>
+    <ds:schemaRef ds:uri="http://schemas.microsoft.com/VisualStudio/2011/storyboarding/control"/>
+  </ds:schemaRefs>
+</ds:datastoreItem>
+</file>
+
+<file path=customXml/itemProps6.xml><?xml version="1.0" encoding="utf-8"?>
+<ds:datastoreItem xmlns:ds="http://schemas.openxmlformats.org/officeDocument/2006/customXml" ds:itemID="{AA5E4F96-8C72-44F9-A0C5-FB007B246D91}">
+  <ds:schemaRefs>
+    <ds:schemaRef ds:uri="http://schemas.microsoft.com/VisualStudio/2011/storyboarding/control/v1.0"/>
+  </ds:schemaRefs>
+</ds:datastoreItem>
+</file>
+
+<file path=customXml/itemProps60.xml><?xml version="1.0" encoding="utf-8"?>
+<ds:datastoreItem xmlns:ds="http://schemas.openxmlformats.org/officeDocument/2006/customXml" ds:itemID="{A9E9510A-02AF-4564-9E17-46676C80E84C}">
+  <ds:schemaRefs>
+    <ds:schemaRef ds:uri="http://schemas.openxmlformats.org/package/2006/metadata/core-properties"/>
+    <ds:schemaRef ds:uri="http://purl.org/dc/terms/"/>
+    <ds:schemaRef ds:uri="http://www.w3.org/XML/1998/namespace"/>
+    <ds:schemaRef ds:uri="http://schemas.microsoft.com/office/infopath/2007/PartnerControls"/>
+    <ds:schemaRef ds:uri="b4ebf394-daf6-497a-96c5-a2f8c10b38cf"/>
+    <ds:schemaRef ds:uri="http://purl.org/dc/elements/1.1/"/>
+    <ds:schemaRef ds:uri="http://schemas.microsoft.com/office/2006/documentManagement/types"/>
+    <ds:schemaRef ds:uri="http://schemas.microsoft.com/office/2006/metadata/properties"/>
+    <ds:schemaRef ds:uri="http://purl.org/dc/dcmitype/"/>
+  </ds:schemaRefs>
+</ds:datastoreItem>
+</file>
+
+<file path=customXml/itemProps61.xml><?xml version="1.0" encoding="utf-8"?>
+<ds:datastoreItem xmlns:ds="http://schemas.openxmlformats.org/officeDocument/2006/customXml" ds:itemID="{B41892D7-DF8B-4D5A-8AD2-983048A35AA0}">
+  <ds:schemaRefs>
+    <ds:schemaRef ds:uri="http://schemas.microsoft.com/VisualStudio/2011/storyboarding/control/v1.0"/>
+  </ds:schemaRefs>
+</ds:datastoreItem>
+</file>
+
+<file path=customXml/itemProps62.xml><?xml version="1.0" encoding="utf-8"?>
+<ds:datastoreItem xmlns:ds="http://schemas.openxmlformats.org/officeDocument/2006/customXml" ds:itemID="{B4A070F3-5EBB-4FD8-B3AF-9145329E89B5}">
+  <ds:schemaRefs>
+    <ds:schemaRef ds:uri="http://schemas.microsoft.com/VisualStudio/2011/storyboarding/control"/>
+  </ds:schemaRefs>
+</ds:datastoreItem>
+</file>
+
+<file path=customXml/itemProps63.xml><?xml version="1.0" encoding="utf-8"?>
+<ds:datastoreItem xmlns:ds="http://schemas.openxmlformats.org/officeDocument/2006/customXml" ds:itemID="{61718306-62A2-464C-A071-ED5770176479}">
+  <ds:schemaRefs>
+    <ds:schemaRef ds:uri="http://schemas.microsoft.com/VisualStudio/2011/storyboarding/control"/>
+  </ds:schemaRefs>
+</ds:datastoreItem>
+</file>
+
+<file path=customXml/itemProps64.xml><?xml version="1.0" encoding="utf-8"?>
+<ds:datastoreItem xmlns:ds="http://schemas.openxmlformats.org/officeDocument/2006/customXml" ds:itemID="{9C728789-D285-4B32-8607-4EE84F572A23}">
+  <ds:schemaRefs>
+    <ds:schemaRef ds:uri="http://schemas.microsoft.com/VisualStudio/2011/storyboarding/control"/>
+  </ds:schemaRefs>
+</ds:datastoreItem>
+</file>
+
+<file path=customXml/itemProps65.xml><?xml version="1.0" encoding="utf-8"?>
+<ds:datastoreItem xmlns:ds="http://schemas.openxmlformats.org/officeDocument/2006/customXml" ds:itemID="{B28FE181-DF34-46D8-92F0-4B5EE0F22C85}">
+  <ds:schemaRefs>
+    <ds:schemaRef ds:uri="http://schemas.microsoft.com/VisualStudio/2011/storyboarding/control"/>
+  </ds:schemaRefs>
+</ds:datastoreItem>
+</file>
+
+<file path=customXml/itemProps66.xml><?xml version="1.0" encoding="utf-8"?>
+<ds:datastoreItem xmlns:ds="http://schemas.openxmlformats.org/officeDocument/2006/customXml" ds:itemID="{D064F9E9-4F9E-4E86-A1C8-B1028BE4E427}">
+  <ds:schemaRefs>
+    <ds:schemaRef ds:uri="http://schemas.microsoft.com/VisualStudio/2011/storyboarding/control"/>
+  </ds:schemaRefs>
+</ds:datastoreItem>
+</file>
+
+<file path=customXml/itemProps67.xml><?xml version="1.0" encoding="utf-8"?>
+<ds:datastoreItem xmlns:ds="http://schemas.openxmlformats.org/officeDocument/2006/customXml" ds:itemID="{0BD21A30-063A-4397-97B8-0121D45BD9D6}">
+  <ds:schemaRefs>
+    <ds:schemaRef ds:uri="http://schemas.microsoft.com/VisualStudio/2011/storyboarding/control/v1.0"/>
+  </ds:schemaRefs>
+</ds:datastoreItem>
+</file>
+
+<file path=customXml/itemProps68.xml><?xml version="1.0" encoding="utf-8"?>
+<ds:datastoreItem xmlns:ds="http://schemas.openxmlformats.org/officeDocument/2006/customXml" ds:itemID="{087E62CD-9D1F-42A4-BF86-DF782D88BABA}">
+  <ds:schemaRefs>
+    <ds:schemaRef ds:uri="http://schemas.microsoft.com/VisualStudio/2011/storyboarding/control"/>
+  </ds:schemaRefs>
+</ds:datastoreItem>
+</file>
+
+<file path=customXml/itemProps69.xml><?xml version="1.0" encoding="utf-8"?>
+<ds:datastoreItem xmlns:ds="http://schemas.openxmlformats.org/officeDocument/2006/customXml" ds:itemID="{58AC7355-5BCF-41B0-8ABF-7FD1A0386648}">
+  <ds:schemaRefs>
+    <ds:schemaRef ds:uri="http://schemas.microsoft.com/VisualStudio/2011/storyboarding/control"/>
+  </ds:schemaRefs>
+</ds:datastoreItem>
+</file>
+
+<file path=customXml/itemProps7.xml><?xml version="1.0" encoding="utf-8"?>
+<ds:datastoreItem xmlns:ds="http://schemas.openxmlformats.org/officeDocument/2006/customXml" ds:itemID="{AF11E85C-9EAB-45A1-A9B3-77E0CFB7F705}">
+  <ds:schemaRefs>
+    <ds:schemaRef ds:uri="http://schemas.microsoft.com/VisualStudio/2011/storyboarding/control"/>
+  </ds:schemaRefs>
+</ds:datastoreItem>
+</file>
+
+<file path=customXml/itemProps70.xml><?xml version="1.0" encoding="utf-8"?>
+<ds:datastoreItem xmlns:ds="http://schemas.openxmlformats.org/officeDocument/2006/customXml" ds:itemID="{C4E5D3AF-6364-499A-AD9C-2F8BED8E3B15}">
+  <ds:schemaRefs>
+    <ds:schemaRef ds:uri="http://schemas.microsoft.com/VisualStudio/2011/storyboarding/control"/>
+  </ds:schemaRefs>
+</ds:datastoreItem>
+</file>
+
+<file path=customXml/itemProps71.xml><?xml version="1.0" encoding="utf-8"?>
+<ds:datastoreItem xmlns:ds="http://schemas.openxmlformats.org/officeDocument/2006/customXml" ds:itemID="{CF34EB2F-12F9-409B-ADD9-81F160B1B89D}">
+  <ds:schemaRefs>
+    <ds:schemaRef ds:uri="http://schemas.microsoft.com/VisualStudio/2011/storyboarding/control"/>
+  </ds:schemaRefs>
+</ds:datastoreItem>
+</file>
+
+<file path=customXml/itemProps72.xml><?xml version="1.0" encoding="utf-8"?>
+<ds:datastoreItem xmlns:ds="http://schemas.openxmlformats.org/officeDocument/2006/customXml" ds:itemID="{AECE9E1B-E7C1-46F6-9945-164C1E49BE74}">
+  <ds:schemaRefs>
+    <ds:schemaRef ds:uri="http://schemas.microsoft.com/VisualStudio/2011/storyboarding/control/v1.0"/>
+  </ds:schemaRefs>
+</ds:datastoreItem>
+</file>
+
+<file path=customXml/itemProps73.xml><?xml version="1.0" encoding="utf-8"?>
+<ds:datastoreItem xmlns:ds="http://schemas.openxmlformats.org/officeDocument/2006/customXml" ds:itemID="{64C71902-D243-4E22-B242-4A0CDF564D97}">
+  <ds:schemaRefs>
+    <ds:schemaRef ds:uri="http://schemas.microsoft.com/VisualStudio/2011/storyboarding/control"/>
+  </ds:schemaRefs>
+</ds:datastoreItem>
+</file>
+
+<file path=customXml/itemProps74.xml><?xml version="1.0" encoding="utf-8"?>
+<ds:datastoreItem xmlns:ds="http://schemas.openxmlformats.org/officeDocument/2006/customXml" ds:itemID="{63E54A0C-A919-4747-87DB-6EB5DB41F719}">
+  <ds:schemaRefs>
+    <ds:schemaRef ds:uri="http://schemas.microsoft.com/VisualStudio/2011/storyboarding/control/v1.0"/>
+  </ds:schemaRefs>
+</ds:datastoreItem>
+</file>
+
+<file path=customXml/itemProps75.xml><?xml version="1.0" encoding="utf-8"?>
+<ds:datastoreItem xmlns:ds="http://schemas.openxmlformats.org/officeDocument/2006/customXml" ds:itemID="{5587D3A2-4602-48A1-862D-10E645D868E0}">
+  <ds:schemaRefs>
+    <ds:schemaRef ds:uri="http://schemas.microsoft.com/VisualStudio/2011/storyboarding/control"/>
+  </ds:schemaRefs>
+</ds:datastoreItem>
+</file>
+
+<file path=customXml/itemProps76.xml><?xml version="1.0" encoding="utf-8"?>
+<ds:datastoreItem xmlns:ds="http://schemas.openxmlformats.org/officeDocument/2006/customXml" ds:itemID="{9E78B062-440B-4D44-A48C-B829AC541158}">
+  <ds:schemaRefs>
+    <ds:schemaRef ds:uri="http://schemas.microsoft.com/VisualStudio/2011/storyboarding/control"/>
+  </ds:schemaRefs>
+</ds:datastoreItem>
+</file>
+
+<file path=customXml/itemProps77.xml><?xml version="1.0" encoding="utf-8"?>
+<ds:datastoreItem xmlns:ds="http://schemas.openxmlformats.org/officeDocument/2006/customXml" ds:itemID="{E4971D0C-420D-4809-8F33-590B7037BBDD}">
+  <ds:schemaRefs>
+    <ds:schemaRef ds:uri="http://schemas.microsoft.com/VisualStudio/2011/storyboarding/control"/>
+  </ds:schemaRefs>
+</ds:datastoreItem>
+</file>
+
+<file path=customXml/itemProps78.xml><?xml version="1.0" encoding="utf-8"?>
+<ds:datastoreItem xmlns:ds="http://schemas.openxmlformats.org/officeDocument/2006/customXml" ds:itemID="{5E2E8CE4-298D-499A-B8B4-4A593AC844A5}">
+  <ds:schemaRefs>
+    <ds:schemaRef ds:uri="http://schemas.microsoft.com/VisualStudio/2011/storyboarding/control/v1.0"/>
+  </ds:schemaRefs>
+</ds:datastoreItem>
+</file>
+
+<file path=customXml/itemProps79.xml><?xml version="1.0" encoding="utf-8"?>
+<ds:datastoreItem xmlns:ds="http://schemas.openxmlformats.org/officeDocument/2006/customXml" ds:itemID="{8E441221-AF4B-4D83-9C68-1BBAB5D732C1}">
+  <ds:schemaRefs>
+    <ds:schemaRef ds:uri="http://schemas.microsoft.com/VisualStudio/2011/storyboarding/control"/>
+  </ds:schemaRefs>
+</ds:datastoreItem>
+</file>
+
+<file path=customXml/itemProps8.xml><?xml version="1.0" encoding="utf-8"?>
+<ds:datastoreItem xmlns:ds="http://schemas.openxmlformats.org/officeDocument/2006/customXml" ds:itemID="{A3893413-CE22-4EDB-93B9-C1985A86D4BC}">
+  <ds:schemaRefs>
+    <ds:schemaRef ds:uri="http://schemas.microsoft.com/VisualStudio/2011/storyboarding/control"/>
+  </ds:schemaRefs>
+</ds:datastoreItem>
+</file>
+
+<file path=customXml/itemProps80.xml><?xml version="1.0" encoding="utf-8"?>
+<ds:datastoreItem xmlns:ds="http://schemas.openxmlformats.org/officeDocument/2006/customXml" ds:itemID="{DB12B8CA-3C8F-452F-89EF-A05CDB3CBC03}">
+  <ds:schemaRefs>
+    <ds:schemaRef ds:uri="http://schemas.microsoft.com/VisualStudio/2011/storyboarding/control"/>
+  </ds:schemaRefs>
+</ds:datastoreItem>
+</file>
+
+<file path=customXml/itemProps81.xml><?xml version="1.0" encoding="utf-8"?>
+<ds:datastoreItem xmlns:ds="http://schemas.openxmlformats.org/officeDocument/2006/customXml" ds:itemID="{D548E006-7BE6-4C3C-AB4B-22C6CB51C665}">
+  <ds:schemaRefs>
+    <ds:schemaRef ds:uri="http://schemas.microsoft.com/VisualStudio/2011/storyboarding/control"/>
+  </ds:schemaRefs>
+</ds:datastoreItem>
+</file>
+
+<file path=customXml/itemProps82.xml><?xml version="1.0" encoding="utf-8"?>
+<ds:datastoreItem xmlns:ds="http://schemas.openxmlformats.org/officeDocument/2006/customXml" ds:itemID="{BF11B036-6E64-47A4-8B66-189890EFA8D5}">
+  <ds:schemaRefs>
+    <ds:schemaRef ds:uri="http://schemas.microsoft.com/VisualStudio/2011/storyboarding/control"/>
+  </ds:schemaRefs>
+</ds:datastoreItem>
+</file>
+
+<file path=customXml/itemProps83.xml><?xml version="1.0" encoding="utf-8"?>
+<ds:datastoreItem xmlns:ds="http://schemas.openxmlformats.org/officeDocument/2006/customXml" ds:itemID="{ECB2E80D-053D-40FF-945A-EF28565E7993}">
+  <ds:schemaRefs>
+    <ds:schemaRef ds:uri="http://schemas.microsoft.com/VisualStudio/2011/storyboarding/control"/>
+  </ds:schemaRefs>
+</ds:datastoreItem>
+</file>
+
+<file path=customXml/itemProps84.xml><?xml version="1.0" encoding="utf-8"?>
+<ds:datastoreItem xmlns:ds="http://schemas.openxmlformats.org/officeDocument/2006/customXml" ds:itemID="{51B26ADE-1687-4355-9ECA-B2D9FA35F65A}">
+  <ds:schemaRefs>
+    <ds:schemaRef ds:uri="http://schemas.microsoft.com/VisualStudio/2011/storyboarding/control"/>
+  </ds:schemaRefs>
+</ds:datastoreItem>
+</file>
+
+<file path=customXml/itemProps85.xml><?xml version="1.0" encoding="utf-8"?>
+<ds:datastoreItem xmlns:ds="http://schemas.openxmlformats.org/officeDocument/2006/customXml" ds:itemID="{7910AE8B-C176-4CC9-9252-E2F2D4E20013}">
+  <ds:schemaRefs>
+    <ds:schemaRef ds:uri="http://schemas.microsoft.com/VisualStudio/2011/storyboarding/control"/>
+  </ds:schemaRefs>
+</ds:datastoreItem>
+</file>
+
+<file path=customXml/itemProps86.xml><?xml version="1.0" encoding="utf-8"?>
+<ds:datastoreItem xmlns:ds="http://schemas.openxmlformats.org/officeDocument/2006/customXml" ds:itemID="{453431D8-11E8-44D9-8F58-30B056857265}">
+  <ds:schemaRefs>
+    <ds:schemaRef ds:uri="http://schemas.microsoft.com/VisualStudio/2011/storyboarding/control"/>
+  </ds:schemaRefs>
+</ds:datastoreItem>
+</file>
+
+<file path=customXml/itemProps87.xml><?xml version="1.0" encoding="utf-8"?>
+<ds:datastoreItem xmlns:ds="http://schemas.openxmlformats.org/officeDocument/2006/customXml" ds:itemID="{3F032E52-7009-4752-B05A-A09B42D51897}">
+  <ds:schemaRefs>
+    <ds:schemaRef ds:uri="http://schemas.microsoft.com/VisualStudio/2011/storyboarding/control"/>
+  </ds:schemaRefs>
+</ds:datastoreItem>
+</file>
+
+<file path=customXml/itemProps88.xml><?xml version="1.0" encoding="utf-8"?>
+<ds:datastoreItem xmlns:ds="http://schemas.openxmlformats.org/officeDocument/2006/customXml" ds:itemID="{2A290B3E-128F-434A-A181-6670CD4D86BC}">
+  <ds:schemaRefs>
+    <ds:schemaRef ds:uri="http://schemas.microsoft.com/VisualStudio/2011/storyboarding/control"/>
+  </ds:schemaRefs>
+</ds:datastoreItem>
+</file>
+
+<file path=customXml/itemProps89.xml><?xml version="1.0" encoding="utf-8"?>
+<ds:datastoreItem xmlns:ds="http://schemas.openxmlformats.org/officeDocument/2006/customXml" ds:itemID="{3D256CC2-6FF6-40DC-9A74-A06006A5CA25}">
+  <ds:schemaRefs>
+    <ds:schemaRef ds:uri="http://schemas.microsoft.com/VisualStudio/2011/storyboarding/control"/>
+  </ds:schemaRefs>
+</ds:datastoreItem>
+</file>
+
+<file path=customXml/itemProps9.xml><?xml version="1.0" encoding="utf-8"?>
 <ds:datastoreItem xmlns:ds="http://schemas.openxmlformats.org/officeDocument/2006/customXml" ds:itemID="{056219C8-2DDB-4448-8642-8825E7426201}">
   <ds:schemaRefs>
     <ds:schemaRef ds:uri="http://schemas.microsoft.com/VisualStudio/2011/storyboarding/control"/>
@@ -49961,495 +50561,7 @@
 </ds:datastoreItem>
 </file>
 
-<file path=customXml/itemProps305.xml><?xml version="1.0" encoding="utf-8"?>
-<ds:datastoreItem xmlns:ds="http://schemas.openxmlformats.org/officeDocument/2006/customXml" ds:itemID="{A7072B08-7F8C-4E35-AFFA-BCB19287748E}">
-  <ds:schemaRefs>
-    <ds:schemaRef ds:uri="http://schemas.microsoft.com/VisualStudio/2011/storyboarding/control"/>
-  </ds:schemaRefs>
-</ds:datastoreItem>
-</file>
-
-<file path=customXml/itemProps306.xml><?xml version="1.0" encoding="utf-8"?>
-<ds:datastoreItem xmlns:ds="http://schemas.openxmlformats.org/officeDocument/2006/customXml" ds:itemID="{D1B77EF3-D702-4711-B1A5-EFD587B9F7B2}">
-  <ds:schemaRefs>
-    <ds:schemaRef ds:uri="http://schemas.microsoft.com/VisualStudio/2011/storyboarding/control"/>
-  </ds:schemaRefs>
-</ds:datastoreItem>
-</file>
-
-<file path=customXml/itemProps307.xml><?xml version="1.0" encoding="utf-8"?>
-<ds:datastoreItem xmlns:ds="http://schemas.openxmlformats.org/officeDocument/2006/customXml" ds:itemID="{5587D3A2-4602-48A1-862D-10E645D868E0}">
-  <ds:schemaRefs>
-    <ds:schemaRef ds:uri="http://schemas.microsoft.com/VisualStudio/2011/storyboarding/control"/>
-  </ds:schemaRefs>
-</ds:datastoreItem>
-</file>
-
-<file path=customXml/itemProps308.xml><?xml version="1.0" encoding="utf-8"?>
-<ds:datastoreItem xmlns:ds="http://schemas.openxmlformats.org/officeDocument/2006/customXml" ds:itemID="{64C1A34D-9BCF-4EB1-9B34-5F6DD4A16513}">
-  <ds:schemaRefs>
-    <ds:schemaRef ds:uri="http://schemas.microsoft.com/VisualStudio/2011/storyboarding/control"/>
-  </ds:schemaRefs>
-</ds:datastoreItem>
-</file>
-
-<file path=customXml/itemProps309.xml><?xml version="1.0" encoding="utf-8"?>
-<ds:datastoreItem xmlns:ds="http://schemas.openxmlformats.org/officeDocument/2006/customXml" ds:itemID="{9C57ED54-5F7A-476D-BFE2-C46C7230CC6B}">
-  <ds:schemaRefs>
-    <ds:schemaRef ds:uri="http://schemas.microsoft.com/VisualStudio/2011/storyboarding/control/v1.0"/>
-  </ds:schemaRefs>
-</ds:datastoreItem>
-</file>
-
-<file path=customXml/itemProps31.xml><?xml version="1.0" encoding="utf-8"?>
-<ds:datastoreItem xmlns:ds="http://schemas.openxmlformats.org/officeDocument/2006/customXml" ds:itemID="{7A6C67DF-EAED-4DB3-8D1D-EDF223CB32C6}">
-  <ds:schemaRefs>
-    <ds:schemaRef ds:uri="http://schemas.microsoft.com/VisualStudio/2011/storyboarding/control"/>
-  </ds:schemaRefs>
-</ds:datastoreItem>
-</file>
-
-<file path=customXml/itemProps310.xml><?xml version="1.0" encoding="utf-8"?>
-<ds:datastoreItem xmlns:ds="http://schemas.openxmlformats.org/officeDocument/2006/customXml" ds:itemID="{4128EE26-B265-4FA3-97CC-CAAD73E8C185}">
-  <ds:schemaRefs>
-    <ds:schemaRef ds:uri="http://schemas.microsoft.com/VisualStudio/2011/storyboarding/control"/>
-  </ds:schemaRefs>
-</ds:datastoreItem>
-</file>
-
-<file path=customXml/itemProps311.xml><?xml version="1.0" encoding="utf-8"?>
-<ds:datastoreItem xmlns:ds="http://schemas.openxmlformats.org/officeDocument/2006/customXml" ds:itemID="{F1A6E310-0626-4DAC-A346-455C974A17E6}">
-  <ds:schemaRefs>
-    <ds:schemaRef ds:uri="http://schemas.microsoft.com/VisualStudio/2011/storyboarding/control"/>
-  </ds:schemaRefs>
-</ds:datastoreItem>
-</file>
-
-<file path=customXml/itemProps312.xml><?xml version="1.0" encoding="utf-8"?>
-<ds:datastoreItem xmlns:ds="http://schemas.openxmlformats.org/officeDocument/2006/customXml" ds:itemID="{E8BBFC1B-916D-426A-8825-D3326F96A0E7}">
-  <ds:schemaRefs>
-    <ds:schemaRef ds:uri="http://schemas.microsoft.com/VisualStudio/2011/storyboarding/control"/>
-  </ds:schemaRefs>
-</ds:datastoreItem>
-</file>
-
-<file path=customXml/itemProps313.xml><?xml version="1.0" encoding="utf-8"?>
-<ds:datastoreItem xmlns:ds="http://schemas.openxmlformats.org/officeDocument/2006/customXml" ds:itemID="{689D1D5E-D257-4BB6-B0A4-CC926BBA5400}">
-  <ds:schemaRefs>
-    <ds:schemaRef ds:uri="http://schemas.microsoft.com/VisualStudio/2011/storyboarding/control"/>
-  </ds:schemaRefs>
-</ds:datastoreItem>
-</file>
-
-<file path=customXml/itemProps314.xml><?xml version="1.0" encoding="utf-8"?>
-<ds:datastoreItem xmlns:ds="http://schemas.openxmlformats.org/officeDocument/2006/customXml" ds:itemID="{431A578B-FFA3-4F37-99C5-E028D90653D4}">
-  <ds:schemaRefs>
-    <ds:schemaRef ds:uri="http://schemas.microsoft.com/VisualStudio/2011/storyboarding/control"/>
-  </ds:schemaRefs>
-</ds:datastoreItem>
-</file>
-
-<file path=customXml/itemProps32.xml><?xml version="1.0" encoding="utf-8"?>
-<ds:datastoreItem xmlns:ds="http://schemas.openxmlformats.org/officeDocument/2006/customXml" ds:itemID="{E164FBF6-1352-49DB-9A1A-D144BA361278}">
-  <ds:schemaRefs>
-    <ds:schemaRef ds:uri="http://schemas.microsoft.com/VisualStudio/2011/storyboarding/control"/>
-  </ds:schemaRefs>
-</ds:datastoreItem>
-</file>
-
-<file path=customXml/itemProps33.xml><?xml version="1.0" encoding="utf-8"?>
-<ds:datastoreItem xmlns:ds="http://schemas.openxmlformats.org/officeDocument/2006/customXml" ds:itemID="{ED84F838-8F99-4062-9A97-EB75BCEFDDE9}">
-  <ds:schemaRefs>
-    <ds:schemaRef ds:uri="http://schemas.microsoft.com/VisualStudio/2011/storyboarding/control"/>
-  </ds:schemaRefs>
-</ds:datastoreItem>
-</file>
-
-<file path=customXml/itemProps34.xml><?xml version="1.0" encoding="utf-8"?>
-<ds:datastoreItem xmlns:ds="http://schemas.openxmlformats.org/officeDocument/2006/customXml" ds:itemID="{A0B3715A-C40A-4FA7-84AD-3255E65EDFB9}">
-  <ds:schemaRefs>
-    <ds:schemaRef ds:uri="http://schemas.microsoft.com/VisualStudio/2011/storyboarding/control"/>
-  </ds:schemaRefs>
-</ds:datastoreItem>
-</file>
-
-<file path=customXml/itemProps35.xml><?xml version="1.0" encoding="utf-8"?>
-<ds:datastoreItem xmlns:ds="http://schemas.openxmlformats.org/officeDocument/2006/customXml" ds:itemID="{CE62CA99-6887-4EB1-9C10-6D57DFF49F63}">
-  <ds:schemaRefs>
-    <ds:schemaRef ds:uri="http://schemas.microsoft.com/VisualStudio/2011/storyboarding/control"/>
-  </ds:schemaRefs>
-</ds:datastoreItem>
-</file>
-
-<file path=customXml/itemProps36.xml><?xml version="1.0" encoding="utf-8"?>
-<ds:datastoreItem xmlns:ds="http://schemas.openxmlformats.org/officeDocument/2006/customXml" ds:itemID="{453431D8-11E8-44D9-8F58-30B056857265}">
-  <ds:schemaRefs>
-    <ds:schemaRef ds:uri="http://schemas.microsoft.com/VisualStudio/2011/storyboarding/control"/>
-  </ds:schemaRefs>
-</ds:datastoreItem>
-</file>
-
-<file path=customXml/itemProps37.xml><?xml version="1.0" encoding="utf-8"?>
-<ds:datastoreItem xmlns:ds="http://schemas.openxmlformats.org/officeDocument/2006/customXml" ds:itemID="{5DBFF5E1-D0FE-4FAD-88CA-B82495D76ACF}">
-  <ds:schemaRefs>
-    <ds:schemaRef ds:uri="http://schemas.microsoft.com/VisualStudio/2011/storyboarding/control"/>
-  </ds:schemaRefs>
-</ds:datastoreItem>
-</file>
-
-<file path=customXml/itemProps38.xml><?xml version="1.0" encoding="utf-8"?>
-<ds:datastoreItem xmlns:ds="http://schemas.openxmlformats.org/officeDocument/2006/customXml" ds:itemID="{2EF9B67E-6439-466F-A97B-67B594D93EC7}">
-  <ds:schemaRefs>
-    <ds:schemaRef ds:uri="http://schemas.microsoft.com/VisualStudio/2011/storyboarding/control"/>
-  </ds:schemaRefs>
-</ds:datastoreItem>
-</file>
-
-<file path=customXml/itemProps39.xml><?xml version="1.0" encoding="utf-8"?>
-<ds:datastoreItem xmlns:ds="http://schemas.openxmlformats.org/officeDocument/2006/customXml" ds:itemID="{387838C4-29F2-40AB-9647-8346D39956AB}">
-  <ds:schemaRefs>
-    <ds:schemaRef ds:uri="http://schemas.microsoft.com/VisualStudio/2011/storyboarding/control"/>
-  </ds:schemaRefs>
-</ds:datastoreItem>
-</file>
-
-<file path=customXml/itemProps4.xml><?xml version="1.0" encoding="utf-8"?>
-<ds:datastoreItem xmlns:ds="http://schemas.openxmlformats.org/officeDocument/2006/customXml" ds:itemID="{0AEDB3B7-A8AC-4E3C-AEB5-6723FB4DA5F1}">
-  <ds:schemaRefs>
-    <ds:schemaRef ds:uri="http://schemas.microsoft.com/VisualStudio/2011/storyboarding/control"/>
-  </ds:schemaRefs>
-</ds:datastoreItem>
-</file>
-
-<file path=customXml/itemProps40.xml><?xml version="1.0" encoding="utf-8"?>
-<ds:datastoreItem xmlns:ds="http://schemas.openxmlformats.org/officeDocument/2006/customXml" ds:itemID="{EDE713BE-A567-491C-902D-E6087D824056}">
-  <ds:schemaRefs>
-    <ds:schemaRef ds:uri="http://schemas.microsoft.com/VisualStudio/2011/storyboarding/control/v1.0"/>
-  </ds:schemaRefs>
-</ds:datastoreItem>
-</file>
-
-<file path=customXml/itemProps41.xml><?xml version="1.0" encoding="utf-8"?>
-<ds:datastoreItem xmlns:ds="http://schemas.openxmlformats.org/officeDocument/2006/customXml" ds:itemID="{E5723664-F93B-4E22-B1B6-B5098FD1FF64}">
-  <ds:schemaRefs>
-    <ds:schemaRef ds:uri="http://schemas.microsoft.com/VisualStudio/2011/storyboarding/control"/>
-  </ds:schemaRefs>
-</ds:datastoreItem>
-</file>
-
-<file path=customXml/itemProps42.xml><?xml version="1.0" encoding="utf-8"?>
-<ds:datastoreItem xmlns:ds="http://schemas.openxmlformats.org/officeDocument/2006/customXml" ds:itemID="{B86CCFE5-B204-463A-8823-237DAF399305}">
-  <ds:schemaRefs>
-    <ds:schemaRef ds:uri="http://schemas.microsoft.com/VisualStudio/2011/storyboarding/control"/>
-  </ds:schemaRefs>
-</ds:datastoreItem>
-</file>
-
-<file path=customXml/itemProps43.xml><?xml version="1.0" encoding="utf-8"?>
-<ds:datastoreItem xmlns:ds="http://schemas.openxmlformats.org/officeDocument/2006/customXml" ds:itemID="{AA5E4F96-8C72-44F9-A0C5-FB007B246D91}">
-  <ds:schemaRefs>
-    <ds:schemaRef ds:uri="http://schemas.microsoft.com/VisualStudio/2011/storyboarding/control/v1.0"/>
-  </ds:schemaRefs>
-</ds:datastoreItem>
-</file>
-
-<file path=customXml/itemProps44.xml><?xml version="1.0" encoding="utf-8"?>
-<ds:datastoreItem xmlns:ds="http://schemas.openxmlformats.org/officeDocument/2006/customXml" ds:itemID="{3C6220BE-0F2A-49C6-BFB2-C458479F3F62}">
-  <ds:schemaRefs>
-    <ds:schemaRef ds:uri="http://schemas.microsoft.com/VisualStudio/2011/storyboarding/control/v1.0"/>
-  </ds:schemaRefs>
-</ds:datastoreItem>
-</file>
-
-<file path=customXml/itemProps45.xml><?xml version="1.0" encoding="utf-8"?>
-<ds:datastoreItem xmlns:ds="http://schemas.openxmlformats.org/officeDocument/2006/customXml" ds:itemID="{BDECF2A2-F746-4DBC-8C83-264123BBDBFC}">
-  <ds:schemaRefs>
-    <ds:schemaRef ds:uri="http://schemas.microsoft.com/VisualStudio/2011/storyboarding/control"/>
-  </ds:schemaRefs>
-</ds:datastoreItem>
-</file>
-
-<file path=customXml/itemProps46.xml><?xml version="1.0" encoding="utf-8"?>
-<ds:datastoreItem xmlns:ds="http://schemas.openxmlformats.org/officeDocument/2006/customXml" ds:itemID="{CF34EB2F-12F9-409B-ADD9-81F160B1B89D}">
-  <ds:schemaRefs>
-    <ds:schemaRef ds:uri="http://schemas.microsoft.com/VisualStudio/2011/storyboarding/control"/>
-  </ds:schemaRefs>
-</ds:datastoreItem>
-</file>
-
-<file path=customXml/itemProps47.xml><?xml version="1.0" encoding="utf-8"?>
-<ds:datastoreItem xmlns:ds="http://schemas.openxmlformats.org/officeDocument/2006/customXml" ds:itemID="{814432F2-7AE9-411E-9F7B-EBBF16C4666D}">
-  <ds:schemaRefs>
-    <ds:schemaRef ds:uri="http://schemas.microsoft.com/VisualStudio/2011/storyboarding/control/v1.0"/>
-  </ds:schemaRefs>
-</ds:datastoreItem>
-</file>
-
-<file path=customXml/itemProps48.xml><?xml version="1.0" encoding="utf-8"?>
-<ds:datastoreItem xmlns:ds="http://schemas.openxmlformats.org/officeDocument/2006/customXml" ds:itemID="{00058C37-2776-41CC-825C-5662329DBF01}">
-  <ds:schemaRefs>
-    <ds:schemaRef ds:uri="http://schemas.microsoft.com/VisualStudio/2011/storyboarding/control"/>
-  </ds:schemaRefs>
-</ds:datastoreItem>
-</file>
-
-<file path=customXml/itemProps49.xml><?xml version="1.0" encoding="utf-8"?>
-<ds:datastoreItem xmlns:ds="http://schemas.openxmlformats.org/officeDocument/2006/customXml" ds:itemID="{1976123C-3A8F-4E9E-A7EA-2EA4F611710C}">
-  <ds:schemaRefs>
-    <ds:schemaRef ds:uri="http://schemas.microsoft.com/VisualStudio/2011/storyboarding/control"/>
-  </ds:schemaRefs>
-</ds:datastoreItem>
-</file>
-
-<file path=customXml/itemProps5.xml><?xml version="1.0" encoding="utf-8"?>
-<ds:datastoreItem xmlns:ds="http://schemas.openxmlformats.org/officeDocument/2006/customXml" ds:itemID="{2E2EBA79-387D-48F3-8F1E-66EE14F34655}">
-  <ds:schemaRefs>
-    <ds:schemaRef ds:uri="http://schemas.microsoft.com/VisualStudio/2011/storyboarding/control"/>
-  </ds:schemaRefs>
-</ds:datastoreItem>
-</file>
-
-<file path=customXml/itemProps50.xml><?xml version="1.0" encoding="utf-8"?>
-<ds:datastoreItem xmlns:ds="http://schemas.openxmlformats.org/officeDocument/2006/customXml" ds:itemID="{083C6336-2A1A-46E8-A91E-BFCF2D1B0C8B}">
-  <ds:schemaRefs>
-    <ds:schemaRef ds:uri="http://schemas.microsoft.com/VisualStudio/2011/storyboarding/control"/>
-  </ds:schemaRefs>
-</ds:datastoreItem>
-</file>
-
-<file path=customXml/itemProps51.xml><?xml version="1.0" encoding="utf-8"?>
-<ds:datastoreItem xmlns:ds="http://schemas.openxmlformats.org/officeDocument/2006/customXml" ds:itemID="{E9C4CBB0-7D2F-42EC-9ED0-589327F3DDE1}">
-  <ds:schemaRefs>
-    <ds:schemaRef ds:uri="http://schemas.microsoft.com/VisualStudio/2011/storyboarding/control"/>
-  </ds:schemaRefs>
-</ds:datastoreItem>
-</file>
-
-<file path=customXml/itemProps52.xml><?xml version="1.0" encoding="utf-8"?>
-<ds:datastoreItem xmlns:ds="http://schemas.openxmlformats.org/officeDocument/2006/customXml" ds:itemID="{4CFA599C-9F1C-4AB4-AB4F-10CF77B58F79}">
-  <ds:schemaRefs>
-    <ds:schemaRef ds:uri="http://schemas.microsoft.com/VisualStudio/2011/storyboarding/control/v1.0"/>
-  </ds:schemaRefs>
-</ds:datastoreItem>
-</file>
-
-<file path=customXml/itemProps53.xml><?xml version="1.0" encoding="utf-8"?>
-<ds:datastoreItem xmlns:ds="http://schemas.openxmlformats.org/officeDocument/2006/customXml" ds:itemID="{F395D8ED-A0D3-4F6E-91F3-A29EC16A8083}">
-  <ds:schemaRefs>
-    <ds:schemaRef ds:uri="http://schemas.microsoft.com/VisualStudio/2011/storyboarding/control/v1.0"/>
-  </ds:schemaRefs>
-</ds:datastoreItem>
-</file>
-
-<file path=customXml/itemProps54.xml><?xml version="1.0" encoding="utf-8"?>
-<ds:datastoreItem xmlns:ds="http://schemas.openxmlformats.org/officeDocument/2006/customXml" ds:itemID="{5423C7C4-EE26-4ED2-9F11-C9ABAA081BA5}">
-  <ds:schemaRefs>
-    <ds:schemaRef ds:uri="http://schemas.microsoft.com/VisualStudio/2011/storyboarding/control/v1.0"/>
-  </ds:schemaRefs>
-</ds:datastoreItem>
-</file>
-
-<file path=customXml/itemProps55.xml><?xml version="1.0" encoding="utf-8"?>
-<ds:datastoreItem xmlns:ds="http://schemas.openxmlformats.org/officeDocument/2006/customXml" ds:itemID="{F6284D1D-3B60-45C8-9401-39277E43FA4C}">
-  <ds:schemaRefs>
-    <ds:schemaRef ds:uri="http://schemas.microsoft.com/VisualStudio/2011/storyboarding/control"/>
-  </ds:schemaRefs>
-</ds:datastoreItem>
-</file>
-
-<file path=customXml/itemProps56.xml><?xml version="1.0" encoding="utf-8"?>
-<ds:datastoreItem xmlns:ds="http://schemas.openxmlformats.org/officeDocument/2006/customXml" ds:itemID="{59F3BF51-CF83-45E9-9E04-A39D5DBFD0AE}">
-  <ds:schemaRefs>
-    <ds:schemaRef ds:uri="http://schemas.microsoft.com/VisualStudio/2011/storyboarding/control"/>
-  </ds:schemaRefs>
-</ds:datastoreItem>
-</file>
-
-<file path=customXml/itemProps57.xml><?xml version="1.0" encoding="utf-8"?>
-<ds:datastoreItem xmlns:ds="http://schemas.openxmlformats.org/officeDocument/2006/customXml" ds:itemID="{3F032E52-7009-4752-B05A-A09B42D51897}">
-  <ds:schemaRefs>
-    <ds:schemaRef ds:uri="http://schemas.microsoft.com/VisualStudio/2011/storyboarding/control"/>
-  </ds:schemaRefs>
-</ds:datastoreItem>
-</file>
-
-<file path=customXml/itemProps58.xml><?xml version="1.0" encoding="utf-8"?>
-<ds:datastoreItem xmlns:ds="http://schemas.openxmlformats.org/officeDocument/2006/customXml" ds:itemID="{359B13B5-DE77-48C2-859A-70355A1B9D90}">
-  <ds:schemaRefs>
-    <ds:schemaRef ds:uri="http://schemas.microsoft.com/VisualStudio/2011/storyboarding/control/v1.0"/>
-  </ds:schemaRefs>
-</ds:datastoreItem>
-</file>
-
-<file path=customXml/itemProps59.xml><?xml version="1.0" encoding="utf-8"?>
-<ds:datastoreItem xmlns:ds="http://schemas.openxmlformats.org/officeDocument/2006/customXml" ds:itemID="{416D00B5-FBFE-483F-BE84-520287240459}">
-  <ds:schemaRefs>
-    <ds:schemaRef ds:uri="http://schemas.microsoft.com/VisualStudio/2011/storyboarding/control/v1.0"/>
-  </ds:schemaRefs>
-</ds:datastoreItem>
-</file>
-
-<file path=customXml/itemProps6.xml><?xml version="1.0" encoding="utf-8"?>
-<ds:datastoreItem xmlns:ds="http://schemas.openxmlformats.org/officeDocument/2006/customXml" ds:itemID="{379BFC32-51F7-4218-B2AD-CFD6564CE11F}">
-  <ds:schemaRefs>
-    <ds:schemaRef ds:uri="http://schemas.microsoft.com/VisualStudio/2011/storyboarding/control"/>
-  </ds:schemaRefs>
-</ds:datastoreItem>
-</file>
-
-<file path=customXml/itemProps60.xml><?xml version="1.0" encoding="utf-8"?>
-<ds:datastoreItem xmlns:ds="http://schemas.openxmlformats.org/officeDocument/2006/customXml" ds:itemID="{A1B88D5F-41A7-488A-960C-6D819000899D}">
-  <ds:schemaRefs>
-    <ds:schemaRef ds:uri="http://schemas.microsoft.com/VisualStudio/2011/storyboarding/control/v1.0"/>
-  </ds:schemaRefs>
-</ds:datastoreItem>
-</file>
-
-<file path=customXml/itemProps61.xml><?xml version="1.0" encoding="utf-8"?>
-<ds:datastoreItem xmlns:ds="http://schemas.openxmlformats.org/officeDocument/2006/customXml" ds:itemID="{672609A4-F990-4E8E-B553-561D3489121F}">
-  <ds:schemaRefs>
-    <ds:schemaRef ds:uri="http://schemas.microsoft.com/VisualStudio/2011/storyboarding/control"/>
-  </ds:schemaRefs>
-</ds:datastoreItem>
-</file>
-
-<file path=customXml/itemProps62.xml><?xml version="1.0" encoding="utf-8"?>
-<ds:datastoreItem xmlns:ds="http://schemas.openxmlformats.org/officeDocument/2006/customXml" ds:itemID="{01951054-2A1B-4EB3-9239-E5A3B1808350}">
-  <ds:schemaRefs>
-    <ds:schemaRef ds:uri="http://schemas.microsoft.com/VisualStudio/2011/storyboarding/control"/>
-  </ds:schemaRefs>
-</ds:datastoreItem>
-</file>
-
-<file path=customXml/itemProps63.xml><?xml version="1.0" encoding="utf-8"?>
-<ds:datastoreItem xmlns:ds="http://schemas.openxmlformats.org/officeDocument/2006/customXml" ds:itemID="{0062AF88-B988-48B1-B42A-67FEE33A1AA0}">
-  <ds:schemaRefs>
-    <ds:schemaRef ds:uri="http://schemas.microsoft.com/VisualStudio/2011/storyboarding/control"/>
-  </ds:schemaRefs>
-</ds:datastoreItem>
-</file>
-
-<file path=customXml/itemProps64.xml><?xml version="1.0" encoding="utf-8"?>
-<ds:datastoreItem xmlns:ds="http://schemas.openxmlformats.org/officeDocument/2006/customXml" ds:itemID="{2FDCAE22-C8AB-4C60-9F13-1F1A855F08D9}">
-  <ds:schemaRefs>
-    <ds:schemaRef ds:uri="http://schemas.microsoft.com/VisualStudio/2011/storyboarding/control"/>
-  </ds:schemaRefs>
-</ds:datastoreItem>
-</file>
-
-<file path=customXml/itemProps65.xml><?xml version="1.0" encoding="utf-8"?>
-<ds:datastoreItem xmlns:ds="http://schemas.openxmlformats.org/officeDocument/2006/customXml" ds:itemID="{A17DCA50-D019-440D-8E48-0280B22348BA}">
-  <ds:schemaRefs>
-    <ds:schemaRef ds:uri="http://schemas.microsoft.com/VisualStudio/2011/storyboarding/control"/>
-  </ds:schemaRefs>
-</ds:datastoreItem>
-</file>
-
-<file path=customXml/itemProps66.xml><?xml version="1.0" encoding="utf-8"?>
-<ds:datastoreItem xmlns:ds="http://schemas.openxmlformats.org/officeDocument/2006/customXml" ds:itemID="{92A76F61-31F3-46AF-90CF-A8930E14B64B}">
-  <ds:schemaRefs>
-    <ds:schemaRef ds:uri="http://schemas.microsoft.com/VisualStudio/2011/storyboarding/control"/>
-  </ds:schemaRefs>
-</ds:datastoreItem>
-</file>
-
-<file path=customXml/itemProps67.xml><?xml version="1.0" encoding="utf-8"?>
-<ds:datastoreItem xmlns:ds="http://schemas.openxmlformats.org/officeDocument/2006/customXml" ds:itemID="{AECE9E1B-E7C1-46F6-9945-164C1E49BE74}">
-  <ds:schemaRefs>
-    <ds:schemaRef ds:uri="http://schemas.microsoft.com/VisualStudio/2011/storyboarding/control/v1.0"/>
-  </ds:schemaRefs>
-</ds:datastoreItem>
-</file>
-
-<file path=customXml/itemProps68.xml><?xml version="1.0" encoding="utf-8"?>
-<ds:datastoreItem xmlns:ds="http://schemas.openxmlformats.org/officeDocument/2006/customXml" ds:itemID="{5AEB498F-611A-4747-BA30-9FC7F2005BBC}">
-  <ds:schemaRefs>
-    <ds:schemaRef ds:uri="http://schemas.microsoft.com/VisualStudio/2011/storyboarding/control"/>
-  </ds:schemaRefs>
-</ds:datastoreItem>
-</file>
-
-<file path=customXml/itemProps69.xml><?xml version="1.0" encoding="utf-8"?>
-<ds:datastoreItem xmlns:ds="http://schemas.openxmlformats.org/officeDocument/2006/customXml" ds:itemID="{4BBB479A-7116-4DFF-B5F0-559C79AF2773}">
-  <ds:schemaRefs>
-    <ds:schemaRef ds:uri="http://schemas.microsoft.com/VisualStudio/2011/storyboarding/control"/>
-  </ds:schemaRefs>
-</ds:datastoreItem>
-</file>
-
-<file path=customXml/itemProps7.xml><?xml version="1.0" encoding="utf-8"?>
-<ds:datastoreItem xmlns:ds="http://schemas.openxmlformats.org/officeDocument/2006/customXml" ds:itemID="{700D1735-9812-43F2-A398-5A9A7FE4CE02}">
-  <ds:schemaRefs>
-    <ds:schemaRef ds:uri="http://schemas.microsoft.com/VisualStudio/2011/storyboarding/control"/>
-  </ds:schemaRefs>
-</ds:datastoreItem>
-</file>
-
-<file path=customXml/itemProps70.xml><?xml version="1.0" encoding="utf-8"?>
-<ds:datastoreItem xmlns:ds="http://schemas.openxmlformats.org/officeDocument/2006/customXml" ds:itemID="{6E960401-8906-46E6-A456-7B8ADE8CBF74}">
-  <ds:schemaRefs>
-    <ds:schemaRef ds:uri="http://schemas.microsoft.com/VisualStudio/2011/storyboarding/control"/>
-  </ds:schemaRefs>
-</ds:datastoreItem>
-</file>
-
-<file path=customXml/itemProps71.xml><?xml version="1.0" encoding="utf-8"?>
-<ds:datastoreItem xmlns:ds="http://schemas.openxmlformats.org/officeDocument/2006/customXml" ds:itemID="{5D8DFC2E-1554-4A18-8359-FD46264D5226}">
-  <ds:schemaRefs>
-    <ds:schemaRef ds:uri="http://schemas.microsoft.com/VisualStudio/2011/storyboarding/control"/>
-  </ds:schemaRefs>
-</ds:datastoreItem>
-</file>
-
-<file path=customXml/itemProps72.xml><?xml version="1.0" encoding="utf-8"?>
-<ds:datastoreItem xmlns:ds="http://schemas.openxmlformats.org/officeDocument/2006/customXml" ds:itemID="{916A51F4-761E-4234-825A-DF2165BA716E}">
-  <ds:schemaRefs>
-    <ds:schemaRef ds:uri="http://schemas.microsoft.com/VisualStudio/2011/storyboarding/control"/>
-  </ds:schemaRefs>
-</ds:datastoreItem>
-</file>
-
-<file path=customXml/itemProps73.xml><?xml version="1.0" encoding="utf-8"?>
-<ds:datastoreItem xmlns:ds="http://schemas.openxmlformats.org/officeDocument/2006/customXml" ds:itemID="{92675051-6BC6-4BCB-A4C3-2D65BD737D8A}">
-  <ds:schemaRefs>
-    <ds:schemaRef ds:uri="http://schemas.microsoft.com/VisualStudio/2011/storyboarding/control"/>
-  </ds:schemaRefs>
-</ds:datastoreItem>
-</file>
-
-<file path=customXml/itemProps74.xml><?xml version="1.0" encoding="utf-8"?>
-<ds:datastoreItem xmlns:ds="http://schemas.openxmlformats.org/officeDocument/2006/customXml" ds:itemID="{B2C9D19C-4878-43E0-A5AD-CB76AB49D960}">
-  <ds:schemaRefs>
-    <ds:schemaRef ds:uri="http://schemas.microsoft.com/VisualStudio/2011/storyboarding/control/v1.0"/>
-  </ds:schemaRefs>
-</ds:datastoreItem>
-</file>
-
-<file path=customXml/itemProps75.xml><?xml version="1.0" encoding="utf-8"?>
-<ds:datastoreItem xmlns:ds="http://schemas.openxmlformats.org/officeDocument/2006/customXml" ds:itemID="{E6C688DD-065A-4726-BCE5-E5AFDA3F5641}">
-  <ds:schemaRefs>
-    <ds:schemaRef ds:uri="http://schemas.microsoft.com/VisualStudio/2011/storyboarding/control/v1.0"/>
-  </ds:schemaRefs>
-</ds:datastoreItem>
-</file>
-
-<file path=customXml/itemProps76.xml><?xml version="1.0" encoding="utf-8"?>
-<ds:datastoreItem xmlns:ds="http://schemas.openxmlformats.org/officeDocument/2006/customXml" ds:itemID="{4EE14C2A-AD9F-4617-A8CC-4057921BFCA8}">
-  <ds:schemaRefs>
-    <ds:schemaRef ds:uri="http://schemas.microsoft.com/VisualStudio/2011/storyboarding/control/v1.0"/>
-  </ds:schemaRefs>
-</ds:datastoreItem>
-</file>
-
-<file path=customXml/itemProps77.xml><?xml version="1.0" encoding="utf-8"?>
-<ds:datastoreItem xmlns:ds="http://schemas.openxmlformats.org/officeDocument/2006/customXml" ds:itemID="{E00F1A5A-BFA5-4260-9548-C5D415AAE018}">
-  <ds:schemaRefs>
-    <ds:schemaRef ds:uri="http://schemas.microsoft.com/VisualStudio/2011/storyboarding/control"/>
-  </ds:schemaRefs>
-</ds:datastoreItem>
-</file>
-
-<file path=customXml/itemProps78.xml><?xml version="1.0" encoding="utf-8"?>
+<file path=customXml/itemProps90.xml><?xml version="1.0" encoding="utf-8"?>
 <ds:datastoreItem xmlns:ds="http://schemas.openxmlformats.org/officeDocument/2006/customXml" ds:itemID="{E2968586-6EB5-4B3C-A2E1-82E35F695B75}">
   <ds:schemaRefs>
     <ds:schemaRef ds:uri="http://schemas.microsoft.com/VisualStudio/2011/storyboarding/control/v1.0"/>
@@ -50457,103 +50569,55 @@
 </ds:datastoreItem>
 </file>
 
-<file path=customXml/itemProps79.xml><?xml version="1.0" encoding="utf-8"?>
-<ds:datastoreItem xmlns:ds="http://schemas.openxmlformats.org/officeDocument/2006/customXml" ds:itemID="{64A06D12-0C7F-4F2C-BFDB-4E96BE9DF1F5}">
+<file path=customXml/itemProps91.xml><?xml version="1.0" encoding="utf-8"?>
+<ds:datastoreItem xmlns:ds="http://schemas.openxmlformats.org/officeDocument/2006/customXml" ds:itemID="{45FDF728-6B6E-47AB-B08A-384F1C48FD3C}">
   <ds:schemaRefs>
     <ds:schemaRef ds:uri="http://schemas.microsoft.com/VisualStudio/2011/storyboarding/control"/>
   </ds:schemaRefs>
 </ds:datastoreItem>
 </file>
 
-<file path=customXml/itemProps8.xml><?xml version="1.0" encoding="utf-8"?>
-<ds:datastoreItem xmlns:ds="http://schemas.openxmlformats.org/officeDocument/2006/customXml" ds:itemID="{B41892D7-DF8B-4D5A-8AD2-983048A35AA0}">
-  <ds:schemaRefs>
-    <ds:schemaRef ds:uri="http://schemas.microsoft.com/VisualStudio/2011/storyboarding/control/v1.0"/>
-  </ds:schemaRefs>
-</ds:datastoreItem>
-</file>
-
-<file path=customXml/itemProps80.xml><?xml version="1.0" encoding="utf-8"?>
-<ds:datastoreItem xmlns:ds="http://schemas.openxmlformats.org/officeDocument/2006/customXml" ds:itemID="{15C208BD-B335-417C-9169-07AE3E393AB4}">
+<file path=customXml/itemProps92.xml><?xml version="1.0" encoding="utf-8"?>
+<ds:datastoreItem xmlns:ds="http://schemas.openxmlformats.org/officeDocument/2006/customXml" ds:itemID="{ADB04634-E1B0-4104-AA98-AD7F274ACEFE}">
   <ds:schemaRefs>
     <ds:schemaRef ds:uri="http://schemas.microsoft.com/VisualStudio/2011/storyboarding/control"/>
   </ds:schemaRefs>
 </ds:datastoreItem>
 </file>
 
-<file path=customXml/itemProps81.xml><?xml version="1.0" encoding="utf-8"?>
-<ds:datastoreItem xmlns:ds="http://schemas.openxmlformats.org/officeDocument/2006/customXml" ds:itemID="{A40D73F4-5C62-409C-8927-126AD6D7A89E}">
+<file path=customXml/itemProps93.xml><?xml version="1.0" encoding="utf-8"?>
+<ds:datastoreItem xmlns:ds="http://schemas.openxmlformats.org/officeDocument/2006/customXml" ds:itemID="{E2EFB470-892C-4F70-98FA-B53F970592A9}">
   <ds:schemaRefs>
     <ds:schemaRef ds:uri="http://schemas.microsoft.com/VisualStudio/2011/storyboarding/control"/>
   </ds:schemaRefs>
 </ds:datastoreItem>
 </file>
 
-<file path=customXml/itemProps82.xml><?xml version="1.0" encoding="utf-8"?>
-<ds:datastoreItem xmlns:ds="http://schemas.openxmlformats.org/officeDocument/2006/customXml" ds:itemID="{B7BD4F34-B154-4D92-BE87-C557EB1B7EFB}">
-  <ds:schemaRefs>
-    <ds:schemaRef ds:uri="http://schemas.microsoft.com/sharepoint/v3/contenttype/forms"/>
-  </ds:schemaRefs>
-</ds:datastoreItem>
-</file>
-
-<file path=customXml/itemProps83.xml><?xml version="1.0" encoding="utf-8"?>
-<ds:datastoreItem xmlns:ds="http://schemas.openxmlformats.org/officeDocument/2006/customXml" ds:itemID="{C29BC5F4-0639-40EF-AE58-276891D954E3}">
+<file path=customXml/itemProps94.xml><?xml version="1.0" encoding="utf-8"?>
+<ds:datastoreItem xmlns:ds="http://schemas.openxmlformats.org/officeDocument/2006/customXml" ds:itemID="{55B60632-BF0E-452D-AFAC-EF70B726383B}">
   <ds:schemaRefs>
     <ds:schemaRef ds:uri="http://schemas.microsoft.com/VisualStudio/2011/storyboarding/control"/>
   </ds:schemaRefs>
 </ds:datastoreItem>
 </file>
 
-<file path=customXml/itemProps84.xml><?xml version="1.0" encoding="utf-8"?>
-<ds:datastoreItem xmlns:ds="http://schemas.openxmlformats.org/officeDocument/2006/customXml" ds:itemID="{C0CC6341-FB9A-4E7F-BCCB-2AAF5D010E4B}">
+<file path=customXml/itemProps95.xml><?xml version="1.0" encoding="utf-8"?>
+<ds:datastoreItem xmlns:ds="http://schemas.openxmlformats.org/officeDocument/2006/customXml" ds:itemID="{BBEA8A1F-B02A-4CFD-BB65-DE3DBA4D23CE}">
   <ds:schemaRefs>
     <ds:schemaRef ds:uri="http://schemas.microsoft.com/VisualStudio/2011/storyboarding/control"/>
   </ds:schemaRefs>
 </ds:datastoreItem>
 </file>
 
-<file path=customXml/itemProps85.xml><?xml version="1.0" encoding="utf-8"?>
-<ds:datastoreItem xmlns:ds="http://schemas.openxmlformats.org/officeDocument/2006/customXml" ds:itemID="{A2467CA4-1312-4CB2-8D35-F125ADE86BDB}">
+<file path=customXml/itemProps96.xml><?xml version="1.0" encoding="utf-8"?>
+<ds:datastoreItem xmlns:ds="http://schemas.openxmlformats.org/officeDocument/2006/customXml" ds:itemID="{B456FE19-ED72-4E25-9FC9-4BECF543B733}">
   <ds:schemaRefs>
     <ds:schemaRef ds:uri="http://schemas.microsoft.com/VisualStudio/2011/storyboarding/control"/>
   </ds:schemaRefs>
 </ds:datastoreItem>
 </file>
 
-<file path=customXml/itemProps86.xml><?xml version="1.0" encoding="utf-8"?>
-<ds:datastoreItem xmlns:ds="http://schemas.openxmlformats.org/officeDocument/2006/customXml" ds:itemID="{B571350C-23C3-4B5A-8F49-FBEB6CF22964}">
-  <ds:schemaRefs>
-    <ds:schemaRef ds:uri="http://schemas.microsoft.com/VisualStudio/2011/storyboarding/control/v1.0"/>
-  </ds:schemaRefs>
-</ds:datastoreItem>
-</file>
-
-<file path=customXml/itemProps87.xml><?xml version="1.0" encoding="utf-8"?>
-<ds:datastoreItem xmlns:ds="http://schemas.openxmlformats.org/officeDocument/2006/customXml" ds:itemID="{2B6243A2-99B5-42ED-B049-93E27D774527}">
-  <ds:schemaRefs>
-    <ds:schemaRef ds:uri="http://schemas.microsoft.com/VisualStudio/2011/storyboarding/control/v1.0"/>
-  </ds:schemaRefs>
-</ds:datastoreItem>
-</file>
-
-<file path=customXml/itemProps88.xml><?xml version="1.0" encoding="utf-8"?>
-<ds:datastoreItem xmlns:ds="http://schemas.openxmlformats.org/officeDocument/2006/customXml" ds:itemID="{9E78B062-440B-4D44-A48C-B829AC541158}">
-  <ds:schemaRefs>
-    <ds:schemaRef ds:uri="http://schemas.microsoft.com/VisualStudio/2011/storyboarding/control"/>
-  </ds:schemaRefs>
-</ds:datastoreItem>
-</file>
-
-<file path=customXml/itemProps89.xml><?xml version="1.0" encoding="utf-8"?>
-<ds:datastoreItem xmlns:ds="http://schemas.openxmlformats.org/officeDocument/2006/customXml" ds:itemID="{D705ACE5-FAF8-44EC-9622-845721B4A44D}">
-  <ds:schemaRefs>
-    <ds:schemaRef ds:uri="http://schemas.microsoft.com/VisualStudio/2011/storyboarding/control/v1.0"/>
-  </ds:schemaRefs>
-</ds:datastoreItem>
-</file>
-
-<file path=customXml/itemProps9.xml><?xml version="1.0" encoding="utf-8"?>
+<file path=customXml/itemProps97.xml><?xml version="1.0" encoding="utf-8"?>
 <ds:datastoreItem xmlns:ds="http://schemas.openxmlformats.org/officeDocument/2006/customXml" ds:itemID="{32B32180-C250-467B-9107-7B6DF8D1F3E1}">
   <ds:schemaRefs>
     <ds:schemaRef ds:uri="http://schemas.microsoft.com/VisualStudio/2011/storyboarding/control"/>
@@ -50561,80 +50625,16 @@
 </ds:datastoreItem>
 </file>
 
-<file path=customXml/itemProps90.xml><?xml version="1.0" encoding="utf-8"?>
-<ds:datastoreItem xmlns:ds="http://schemas.openxmlformats.org/officeDocument/2006/customXml" ds:itemID="{CD17C18B-5B11-471F-97AA-CE2EA822BB97}">
+<file path=customXml/itemProps98.xml><?xml version="1.0" encoding="utf-8"?>
+<ds:datastoreItem xmlns:ds="http://schemas.openxmlformats.org/officeDocument/2006/customXml" ds:itemID="{6574190A-3D9E-42C1-B276-38E33156AA99}">
   <ds:schemaRefs>
     <ds:schemaRef ds:uri="http://schemas.microsoft.com/VisualStudio/2011/storyboarding/control/v1.0"/>
   </ds:schemaRefs>
 </ds:datastoreItem>
 </file>
 
-<file path=customXml/itemProps91.xml><?xml version="1.0" encoding="utf-8"?>
-<ds:datastoreItem xmlns:ds="http://schemas.openxmlformats.org/officeDocument/2006/customXml" ds:itemID="{39536A02-E179-4A1C-9FA7-86EF40631969}">
-  <ds:schemaRefs>
-    <ds:schemaRef ds:uri="http://schemas.microsoft.com/VisualStudio/2011/storyboarding/control/v1.0"/>
-  </ds:schemaRefs>
-</ds:datastoreItem>
-</file>
-
-<file path=customXml/itemProps92.xml><?xml version="1.0" encoding="utf-8"?>
-<ds:datastoreItem xmlns:ds="http://schemas.openxmlformats.org/officeDocument/2006/customXml" ds:itemID="{08904217-40E1-4558-95D8-8D709CA82866}">
-  <ds:schemaRefs>
-    <ds:schemaRef ds:uri="http://schemas.microsoft.com/VisualStudio/2011/storyboarding/control/v1.0"/>
-  </ds:schemaRefs>
-</ds:datastoreItem>
-</file>
-
-<file path=customXml/itemProps93.xml><?xml version="1.0" encoding="utf-8"?>
-<ds:datastoreItem xmlns:ds="http://schemas.openxmlformats.org/officeDocument/2006/customXml" ds:itemID="{DE293D9F-1A02-4625-AE8D-C35D3F325ECF}">
-  <ds:schemaRefs>
-    <ds:schemaRef ds:uri="http://schemas.microsoft.com/VisualStudio/2011/storyboarding/control"/>
-  </ds:schemaRefs>
-</ds:datastoreItem>
-</file>
-
-<file path=customXml/itemProps94.xml><?xml version="1.0" encoding="utf-8"?>
-<ds:datastoreItem xmlns:ds="http://schemas.openxmlformats.org/officeDocument/2006/customXml" ds:itemID="{FB602D86-17B9-4847-8DBC-1EFA867362F9}">
-  <ds:schemaRefs>
-    <ds:schemaRef ds:uri="http://schemas.microsoft.com/VisualStudio/2011/storyboarding/control"/>
-  </ds:schemaRefs>
-</ds:datastoreItem>
-</file>
-
-<file path=customXml/itemProps95.xml><?xml version="1.0" encoding="utf-8"?>
-<ds:datastoreItem xmlns:ds="http://schemas.openxmlformats.org/officeDocument/2006/customXml" ds:itemID="{70C23831-7801-40F8-9A53-4E9925562CBE}">
-  <ds:schemaRefs>
-    <ds:schemaRef ds:uri="http://schemas.microsoft.com/VisualStudio/2011/storyboarding/control"/>
-  </ds:schemaRefs>
-</ds:datastoreItem>
-</file>
-
-<file path=customXml/itemProps96.xml><?xml version="1.0" encoding="utf-8"?>
-<ds:datastoreItem xmlns:ds="http://schemas.openxmlformats.org/officeDocument/2006/customXml" ds:itemID="{D7A0370E-9EBE-44A7-9070-C36AA113B7D7}">
-  <ds:schemaRefs>
-    <ds:schemaRef ds:uri="http://schemas.microsoft.com/VisualStudio/2011/storyboarding/control"/>
-  </ds:schemaRefs>
-</ds:datastoreItem>
-</file>
-
-<file path=customXml/itemProps97.xml><?xml version="1.0" encoding="utf-8"?>
-<ds:datastoreItem xmlns:ds="http://schemas.openxmlformats.org/officeDocument/2006/customXml" ds:itemID="{E1A3A932-D4AE-4F3A-A93A-CAABDD1F8C69}">
-  <ds:schemaRefs>
-    <ds:schemaRef ds:uri="http://schemas.microsoft.com/VisualStudio/2011/storyboarding/control"/>
-  </ds:schemaRefs>
-</ds:datastoreItem>
-</file>
-
-<file path=customXml/itemProps98.xml><?xml version="1.0" encoding="utf-8"?>
-<ds:datastoreItem xmlns:ds="http://schemas.openxmlformats.org/officeDocument/2006/customXml" ds:itemID="{B4A070F3-5EBB-4FD8-B3AF-9145329E89B5}">
-  <ds:schemaRefs>
-    <ds:schemaRef ds:uri="http://schemas.microsoft.com/VisualStudio/2011/storyboarding/control"/>
-  </ds:schemaRefs>
-</ds:datastoreItem>
-</file>
-
 <file path=customXml/itemProps99.xml><?xml version="1.0" encoding="utf-8"?>
-<ds:datastoreItem xmlns:ds="http://schemas.openxmlformats.org/officeDocument/2006/customXml" ds:itemID="{45FDF728-6B6E-47AB-B08A-384F1C48FD3C}">
+<ds:datastoreItem xmlns:ds="http://schemas.openxmlformats.org/officeDocument/2006/customXml" ds:itemID="{84F65994-E980-446B-9DF0-3376276C30F4}">
   <ds:schemaRefs>
     <ds:schemaRef ds:uri="http://schemas.microsoft.com/VisualStudio/2011/storyboarding/control"/>
   </ds:schemaRefs>
